--- a/Obhajoba_darsamar.pptx
+++ b/Obhajoba_darsamar.pptx
@@ -5,7 +5,7 @@
     <p:sldMasterId id="2147483672" r:id="rId1"/>
   </p:sldMasterIdLst>
   <p:notesMasterIdLst>
-    <p:notesMasterId r:id="rId19"/>
+    <p:notesMasterId r:id="rId23"/>
   </p:notesMasterIdLst>
   <p:sldIdLst>
     <p:sldId id="256" r:id="rId2"/>
@@ -13,32 +13,36 @@
     <p:sldId id="258" r:id="rId4"/>
     <p:sldId id="259" r:id="rId5"/>
     <p:sldId id="260" r:id="rId6"/>
-    <p:sldId id="261" r:id="rId7"/>
-    <p:sldId id="272" r:id="rId8"/>
-    <p:sldId id="273" r:id="rId9"/>
-    <p:sldId id="262" r:id="rId10"/>
-    <p:sldId id="263" r:id="rId11"/>
-    <p:sldId id="264" r:id="rId12"/>
-    <p:sldId id="267" r:id="rId13"/>
-    <p:sldId id="265" r:id="rId14"/>
-    <p:sldId id="266" r:id="rId15"/>
-    <p:sldId id="268" r:id="rId16"/>
-    <p:sldId id="269" r:id="rId17"/>
-    <p:sldId id="271" r:id="rId18"/>
+    <p:sldId id="274" r:id="rId7"/>
+    <p:sldId id="275" r:id="rId8"/>
+    <p:sldId id="261" r:id="rId9"/>
+    <p:sldId id="272" r:id="rId10"/>
+    <p:sldId id="273" r:id="rId11"/>
+    <p:sldId id="262" r:id="rId12"/>
+    <p:sldId id="263" r:id="rId13"/>
+    <p:sldId id="276" r:id="rId14"/>
+    <p:sldId id="264" r:id="rId15"/>
+    <p:sldId id="267" r:id="rId16"/>
+    <p:sldId id="265" r:id="rId17"/>
+    <p:sldId id="266" r:id="rId18"/>
+    <p:sldId id="277" r:id="rId19"/>
+    <p:sldId id="268" r:id="rId20"/>
+    <p:sldId id="269" r:id="rId21"/>
+    <p:sldId id="271" r:id="rId22"/>
   </p:sldIdLst>
   <p:sldSz cx="9144000" cy="6858000" type="screen4x3"/>
   <p:notesSz cx="6858000" cy="9144000"/>
   <p:embeddedFontLst>
     <p:embeddedFont>
       <p:font typeface="Technika" panose="020B0604020202020204" charset="0"/>
-      <p:regular r:id="rId20"/>
-      <p:bold r:id="rId21"/>
-      <p:italic r:id="rId22"/>
-      <p:boldItalic r:id="rId23"/>
+      <p:regular r:id="rId24"/>
+      <p:bold r:id="rId25"/>
+      <p:italic r:id="rId26"/>
+      <p:boldItalic r:id="rId27"/>
     </p:embeddedFont>
     <p:embeddedFont>
       <p:font typeface="Technika-Bold" panose="00000600000000000000" charset="0"/>
-      <p:regular r:id="rId24"/>
+      <p:regular r:id="rId28"/>
     </p:embeddedFont>
   </p:embeddedFontLst>
   <p:defaultTextStyle>
@@ -142,6 +146,57 @@
     </p:ext>
   </p:extLst>
 </p:presentation>
+</file>
+
+<file path=ppt/authors.xml><?xml version="1.0" encoding="utf-8"?>
+<p188:authorLst xmlns:a="http://schemas.openxmlformats.org/drawingml/2006/main" xmlns:r="http://schemas.openxmlformats.org/officeDocument/2006/relationships" xmlns:p188="http://schemas.microsoft.com/office/powerpoint/2018/8/main">
+  <p188:author id="{6529B679-E021-05CF-90FB-DF191BF6397B}" name="Darsa, Marek" initials="MD" userId="S::darsamar@cvut.cz::fb559a9e-4025-4efc-8d87-aaebcb22956f" providerId="AD"/>
+</p188:authorLst>
+</file>
+
+<file path=ppt/comments/modernComment_10B_A5955B04.xml><?xml version="1.0" encoding="utf-8"?>
+<p188:cmLst xmlns:a="http://schemas.openxmlformats.org/drawingml/2006/main" xmlns:r="http://schemas.openxmlformats.org/officeDocument/2006/relationships" xmlns:p188="http://schemas.microsoft.com/office/powerpoint/2018/8/main">
+  <p188:cm id="{BBA556AC-8352-4734-8041-15D3C9BE02BE}" authorId="{6529B679-E021-05CF-90FB-DF191BF6397B}" created="2024-06-03T16:05:58.832">
+    <ac:deMkLst xmlns:ac="http://schemas.microsoft.com/office/drawing/2013/main/command">
+      <pc:docMk xmlns:pc="http://schemas.microsoft.com/office/powerpoint/2013/main/command"/>
+      <pc:sldMk xmlns:pc="http://schemas.microsoft.com/office/powerpoint/2013/main/command" cId="2778028804" sldId="267"/>
+      <ac:picMk id="11" creationId="{A02506FC-7701-686E-26BE-182AA6887D43}"/>
+    </ac:deMkLst>
+    <p188:txBody>
+      <a:bodyPr/>
+      <a:lstStyle/>
+      <a:p>
+        <a:r>
+          <a:rPr lang="en-US"/>
+          <a:t>Tohle si zkusit jak to bude vidět dyštak ukažu jak to vypadá celé ale pak zaměřím na jednotlivé komponenty</a:t>
+        </a:r>
+      </a:p>
+    </p188:txBody>
+  </p188:cm>
+</p188:cmLst>
+</file>
+
+<file path=ppt/comments/modernComment_111_A6AED933.xml><?xml version="1.0" encoding="utf-8"?>
+<p188:cmLst xmlns:a="http://schemas.openxmlformats.org/drawingml/2006/main" xmlns:r="http://schemas.openxmlformats.org/officeDocument/2006/relationships" xmlns:p188="http://schemas.microsoft.com/office/powerpoint/2018/8/main">
+  <p188:cm id="{85C60CD1-E56E-42E9-A75C-24A3CC09C363}" authorId="{6529B679-E021-05CF-90FB-DF191BF6397B}" created="2024-06-03T15:48:17.176">
+    <ac:deMkLst xmlns:ac="http://schemas.microsoft.com/office/drawing/2013/main/command">
+      <pc:docMk xmlns:pc="http://schemas.microsoft.com/office/powerpoint/2013/main/command"/>
+      <pc:sldMk xmlns:pc="http://schemas.microsoft.com/office/powerpoint/2013/main/command" cId="2796476723" sldId="273"/>
+      <ac:picMk id="5" creationId="{87E0771F-A9B8-A4C5-55FF-4E4E5EFFAD96}"/>
+    </ac:deMkLst>
+    <p188:txBody>
+      <a:bodyPr/>
+      <a:lstStyle/>
+      <a:p>
+        <a:r>
+          <a:rPr lang="en-US"/>
+          <a:t>Asi čárou rozdělím co jsem dělal já a co už bylo
+</a:t>
+        </a:r>
+      </a:p>
+    </p188:txBody>
+  </p188:cm>
+</p188:cmLst>
 </file>
 
 <file path=ppt/notesMasters/notesMaster1.xml><?xml version="1.0" encoding="utf-8"?>
@@ -752,6 +807,3481 @@
 </p:notes>
 </file>
 
+<file path=ppt/notesSlides/notesSlide10.xml><?xml version="1.0" encoding="utf-8"?>
+<p:notes xmlns:a="http://schemas.openxmlformats.org/drawingml/2006/main" xmlns:r="http://schemas.openxmlformats.org/officeDocument/2006/relationships" xmlns:p="http://schemas.openxmlformats.org/presentationml/2006/main">
+  <p:cSld>
+    <p:spTree>
+      <p:nvGrpSpPr>
+        <p:cNvPr id="1" name=""/>
+        <p:cNvGrpSpPr/>
+        <p:nvPr/>
+      </p:nvGrpSpPr>
+      <p:grpSpPr>
+        <a:xfrm>
+          <a:off x="0" y="0"/>
+          <a:ext cx="0" cy="0"/>
+          <a:chOff x="0" y="0"/>
+          <a:chExt cx="0" cy="0"/>
+        </a:xfrm>
+      </p:grpSpPr>
+      <p:sp>
+        <p:nvSpPr>
+          <p:cNvPr id="2" name="Slide Image Placeholder 1"/>
+          <p:cNvSpPr>
+            <a:spLocks noGrp="1" noRot="1" noChangeAspect="1"/>
+          </p:cNvSpPr>
+          <p:nvPr>
+            <p:ph type="sldImg"/>
+          </p:nvPr>
+        </p:nvSpPr>
+        <p:spPr/>
+      </p:sp>
+      <p:sp>
+        <p:nvSpPr>
+          <p:cNvPr id="3" name="Notes Placeholder 2"/>
+          <p:cNvSpPr>
+            <a:spLocks noGrp="1"/>
+          </p:cNvSpPr>
+          <p:nvPr>
+            <p:ph type="body" idx="1"/>
+          </p:nvPr>
+        </p:nvSpPr>
+        <p:spPr/>
+        <p:txBody>
+          <a:bodyPr/>
+          <a:lstStyle/>
+          <a:p>
+            <a:r>
+              <a:rPr lang="en-US" dirty="0" err="1"/>
+              <a:t>Jsou</a:t>
+            </a:r>
+            <a:r>
+              <a:rPr lang="en-US" dirty="0"/>
+              <a:t> </a:t>
+            </a:r>
+            <a:r>
+              <a:rPr lang="en-US" dirty="0" err="1"/>
+              <a:t>dvě</a:t>
+            </a:r>
+            <a:r>
+              <a:rPr lang="en-US" dirty="0"/>
+              <a:t> </a:t>
+            </a:r>
+            <a:r>
+              <a:rPr lang="en-US" dirty="0" err="1"/>
+              <a:t>mody</a:t>
+            </a:r>
+            <a:r>
+              <a:rPr lang="en-US" dirty="0"/>
+              <a:t> pod </a:t>
+            </a:r>
+            <a:r>
+              <a:rPr lang="en-US" dirty="0" err="1"/>
+              <a:t>kterými</a:t>
+            </a:r>
+            <a:r>
+              <a:rPr lang="en-US" dirty="0"/>
+              <a:t> </a:t>
+            </a:r>
+            <a:r>
+              <a:rPr lang="en-US" dirty="0" err="1"/>
+              <a:t>může</a:t>
+            </a:r>
+            <a:r>
+              <a:rPr lang="en-US" dirty="0"/>
+              <a:t> operator </a:t>
+            </a:r>
+            <a:r>
+              <a:rPr lang="en-US" dirty="0" err="1"/>
+              <a:t>na</a:t>
+            </a:r>
+            <a:r>
+              <a:rPr lang="en-US" dirty="0"/>
+              <a:t> </a:t>
+            </a:r>
+            <a:r>
+              <a:rPr lang="en-US" dirty="0" err="1"/>
+              <a:t>soustavě</a:t>
+            </a:r>
+            <a:r>
+              <a:rPr lang="en-US" dirty="0"/>
+              <a:t> </a:t>
+            </a:r>
+            <a:r>
+              <a:rPr lang="en-US" dirty="0" err="1"/>
+              <a:t>pracovat</a:t>
+            </a:r>
+            <a:r>
+              <a:rPr lang="en-US" dirty="0"/>
+              <a:t> bud </a:t>
+            </a:r>
+            <a:r>
+              <a:rPr lang="en-US" dirty="0" err="1"/>
+              <a:t>jako</a:t>
+            </a:r>
+            <a:r>
+              <a:rPr lang="en-US" dirty="0"/>
+              <a:t> </a:t>
+            </a:r>
+            <a:r>
+              <a:rPr lang="en-US" dirty="0" err="1"/>
+              <a:t>uživatel</a:t>
+            </a:r>
+            <a:r>
+              <a:rPr lang="en-US" dirty="0"/>
+              <a:t> </a:t>
+            </a:r>
+            <a:r>
+              <a:rPr lang="en-US" dirty="0" err="1"/>
+              <a:t>nebo</a:t>
+            </a:r>
+            <a:r>
+              <a:rPr lang="en-US" dirty="0"/>
+              <a:t> </a:t>
+            </a:r>
+            <a:r>
+              <a:rPr lang="en-US" dirty="0" err="1"/>
+              <a:t>administrátor</a:t>
+            </a:r>
+            <a:endParaRPr lang="en-US" dirty="0"/>
+          </a:p>
+        </p:txBody>
+      </p:sp>
+      <p:sp>
+        <p:nvSpPr>
+          <p:cNvPr id="4" name="Slide Number Placeholder 3"/>
+          <p:cNvSpPr>
+            <a:spLocks noGrp="1"/>
+          </p:cNvSpPr>
+          <p:nvPr>
+            <p:ph type="sldNum" sz="quarter" idx="5"/>
+          </p:nvPr>
+        </p:nvSpPr>
+        <p:spPr/>
+        <p:txBody>
+          <a:bodyPr/>
+          <a:lstStyle/>
+          <a:p>
+            <a:fld id="{40499985-F144-4F30-9B65-93EDEC442801}" type="slidenum">
+              <a:rPr lang="cs-CZ" smtClean="0"/>
+              <a:t>14</a:t>
+            </a:fld>
+            <a:endParaRPr lang="cs-CZ"/>
+          </a:p>
+        </p:txBody>
+      </p:sp>
+    </p:spTree>
+    <p:extLst>
+      <p:ext uri="{BB962C8B-B14F-4D97-AF65-F5344CB8AC3E}">
+        <p14:creationId xmlns:p14="http://schemas.microsoft.com/office/powerpoint/2010/main" val="763637307"/>
+      </p:ext>
+    </p:extLst>
+  </p:cSld>
+  <p:clrMapOvr>
+    <a:masterClrMapping/>
+  </p:clrMapOvr>
+</p:notes>
+</file>
+
+<file path=ppt/notesSlides/notesSlide11.xml><?xml version="1.0" encoding="utf-8"?>
+<p:notes xmlns:a="http://schemas.openxmlformats.org/drawingml/2006/main" xmlns:r="http://schemas.openxmlformats.org/officeDocument/2006/relationships" xmlns:p="http://schemas.openxmlformats.org/presentationml/2006/main">
+  <p:cSld>
+    <p:spTree>
+      <p:nvGrpSpPr>
+        <p:cNvPr id="1" name=""/>
+        <p:cNvGrpSpPr/>
+        <p:nvPr/>
+      </p:nvGrpSpPr>
+      <p:grpSpPr>
+        <a:xfrm>
+          <a:off x="0" y="0"/>
+          <a:ext cx="0" cy="0"/>
+          <a:chOff x="0" y="0"/>
+          <a:chExt cx="0" cy="0"/>
+        </a:xfrm>
+      </p:grpSpPr>
+      <p:sp>
+        <p:nvSpPr>
+          <p:cNvPr id="2" name="Slide Image Placeholder 1"/>
+          <p:cNvSpPr>
+            <a:spLocks noGrp="1" noRot="1" noChangeAspect="1"/>
+          </p:cNvSpPr>
+          <p:nvPr>
+            <p:ph type="sldImg"/>
+          </p:nvPr>
+        </p:nvSpPr>
+        <p:spPr/>
+      </p:sp>
+      <p:sp>
+        <p:nvSpPr>
+          <p:cNvPr id="3" name="Notes Placeholder 2"/>
+          <p:cNvSpPr>
+            <a:spLocks noGrp="1"/>
+          </p:cNvSpPr>
+          <p:nvPr>
+            <p:ph type="body" idx="1"/>
+          </p:nvPr>
+        </p:nvSpPr>
+        <p:spPr/>
+        <p:txBody>
+          <a:bodyPr/>
+          <a:lstStyle/>
+          <a:p>
+            <a:r>
+              <a:rPr lang="en-US" dirty="0" err="1"/>
+              <a:t>Pokud</a:t>
+            </a:r>
+            <a:r>
+              <a:rPr lang="en-US" dirty="0"/>
+              <a:t> se </a:t>
+            </a:r>
+            <a:r>
+              <a:rPr lang="en-US" dirty="0" err="1"/>
+              <a:t>uživat</a:t>
+            </a:r>
+            <a:r>
+              <a:rPr lang="en-US" dirty="0"/>
+              <a:t> </a:t>
+            </a:r>
+            <a:r>
+              <a:rPr lang="en-US" dirty="0" err="1"/>
+              <a:t>uspešně</a:t>
+            </a:r>
+            <a:r>
+              <a:rPr lang="en-US" dirty="0"/>
+              <a:t> </a:t>
+            </a:r>
+            <a:r>
+              <a:rPr lang="en-US" dirty="0" err="1"/>
+              <a:t>přihlásí</a:t>
+            </a:r>
+            <a:r>
+              <a:rPr lang="en-US" dirty="0"/>
+              <a:t> </a:t>
+            </a:r>
+            <a:r>
+              <a:rPr lang="en-US" dirty="0" err="1"/>
+              <a:t>zobrazí</a:t>
+            </a:r>
+            <a:r>
+              <a:rPr lang="en-US" dirty="0"/>
+              <a:t> se mu toto </a:t>
+            </a:r>
+            <a:r>
+              <a:rPr lang="en-US" dirty="0" err="1"/>
+              <a:t>okno</a:t>
+            </a:r>
+            <a:endParaRPr lang="en-US" dirty="0"/>
+          </a:p>
+          <a:p>
+            <a:r>
+              <a:rPr lang="en-US" dirty="0"/>
+              <a:t>V </a:t>
+            </a:r>
+            <a:r>
+              <a:rPr lang="en-US" dirty="0" err="1"/>
+              <a:t>levé</a:t>
+            </a:r>
+            <a:r>
+              <a:rPr lang="en-US" dirty="0"/>
+              <a:t> </a:t>
+            </a:r>
+            <a:r>
+              <a:rPr lang="en-US" dirty="0" err="1"/>
+              <a:t>části</a:t>
+            </a:r>
+            <a:r>
+              <a:rPr lang="en-US" dirty="0"/>
+              <a:t> </a:t>
+            </a:r>
+            <a:r>
+              <a:rPr lang="en-US" dirty="0" err="1"/>
+              <a:t>okna</a:t>
+            </a:r>
+            <a:r>
+              <a:rPr lang="en-US" dirty="0"/>
+              <a:t> se </a:t>
+            </a:r>
+            <a:r>
+              <a:rPr lang="en-US" dirty="0" err="1"/>
+              <a:t>nachízí</a:t>
+            </a:r>
+            <a:r>
+              <a:rPr lang="en-US" dirty="0"/>
+              <a:t> </a:t>
+            </a:r>
+            <a:r>
+              <a:rPr lang="en-US" dirty="0" err="1"/>
+              <a:t>přčedvolené</a:t>
+            </a:r>
+            <a:r>
+              <a:rPr lang="en-US" dirty="0"/>
+              <a:t> </a:t>
+            </a:r>
+            <a:r>
+              <a:rPr lang="en-US" dirty="0" err="1"/>
+              <a:t>akce</a:t>
+            </a:r>
+            <a:r>
+              <a:rPr lang="en-US" dirty="0"/>
+              <a:t> </a:t>
+            </a:r>
+            <a:r>
+              <a:rPr lang="en-US" dirty="0" err="1"/>
+              <a:t>které</a:t>
+            </a:r>
+            <a:r>
+              <a:rPr lang="en-US" dirty="0"/>
+              <a:t> </a:t>
+            </a:r>
+            <a:r>
+              <a:rPr lang="en-US" dirty="0" err="1"/>
+              <a:t>vykonávají</a:t>
+            </a:r>
+            <a:r>
+              <a:rPr lang="en-US" dirty="0"/>
+              <a:t> </a:t>
+            </a:r>
+            <a:r>
+              <a:rPr lang="en-US" dirty="0" err="1"/>
+              <a:t>sekvenci</a:t>
+            </a:r>
+            <a:r>
+              <a:rPr lang="en-US" dirty="0"/>
+              <a:t> </a:t>
+            </a:r>
+            <a:r>
+              <a:rPr lang="en-US" dirty="0" err="1"/>
+              <a:t>pohybu</a:t>
+            </a:r>
+            <a:endParaRPr lang="en-US" dirty="0"/>
+          </a:p>
+          <a:p>
+            <a:r>
+              <a:rPr lang="en-US" dirty="0" err="1"/>
+              <a:t>Uprostřed</a:t>
+            </a:r>
+            <a:r>
+              <a:rPr lang="en-US" dirty="0"/>
+              <a:t> se </a:t>
+            </a:r>
+            <a:r>
+              <a:rPr lang="en-US" dirty="0" err="1"/>
+              <a:t>nachází</a:t>
+            </a:r>
+            <a:r>
+              <a:rPr lang="en-US" dirty="0"/>
+              <a:t> </a:t>
+            </a:r>
+            <a:r>
+              <a:rPr lang="en-US" dirty="0" err="1"/>
+              <a:t>samotné</a:t>
+            </a:r>
+            <a:r>
+              <a:rPr lang="en-US" dirty="0"/>
+              <a:t> </a:t>
+            </a:r>
+            <a:r>
+              <a:rPr lang="en-US" dirty="0" err="1"/>
+              <a:t>nezávislé</a:t>
+            </a:r>
+            <a:r>
+              <a:rPr lang="en-US" dirty="0"/>
+              <a:t> </a:t>
+            </a:r>
+            <a:r>
+              <a:rPr lang="en-US" dirty="0" err="1"/>
+              <a:t>ovládání</a:t>
+            </a:r>
+            <a:r>
+              <a:rPr lang="en-US" dirty="0"/>
+              <a:t> </a:t>
+            </a:r>
+            <a:r>
+              <a:rPr lang="en-US" dirty="0" err="1"/>
+              <a:t>kde</a:t>
+            </a:r>
+            <a:r>
+              <a:rPr lang="en-US" dirty="0"/>
+              <a:t> </a:t>
+            </a:r>
+            <a:r>
+              <a:rPr lang="en-US" dirty="0" err="1"/>
+              <a:t>může</a:t>
+            </a:r>
+            <a:r>
+              <a:rPr lang="en-US" dirty="0"/>
+              <a:t> </a:t>
+            </a:r>
+            <a:r>
+              <a:rPr lang="en-US" dirty="0" err="1"/>
+              <a:t>uživatel</a:t>
+            </a:r>
+            <a:r>
+              <a:rPr lang="en-US" dirty="0"/>
+              <a:t> </a:t>
+            </a:r>
+            <a:r>
+              <a:rPr lang="en-US" dirty="0" err="1"/>
+              <a:t>ovládat</a:t>
+            </a:r>
+            <a:r>
+              <a:rPr lang="en-US" dirty="0"/>
+              <a:t> </a:t>
+            </a:r>
+            <a:r>
+              <a:rPr lang="en-US" dirty="0" err="1"/>
+              <a:t>každý</a:t>
+            </a:r>
+            <a:r>
+              <a:rPr lang="en-US" dirty="0"/>
+              <a:t> </a:t>
+            </a:r>
+            <a:r>
+              <a:rPr lang="en-US" dirty="0" err="1"/>
+              <a:t>sval</a:t>
+            </a:r>
+            <a:r>
+              <a:rPr lang="en-US" dirty="0"/>
+              <a:t> </a:t>
+            </a:r>
+            <a:r>
+              <a:rPr lang="en-US" dirty="0" err="1"/>
+              <a:t>samostatně</a:t>
+            </a:r>
+            <a:r>
+              <a:rPr lang="en-US" dirty="0"/>
+              <a:t> </a:t>
+            </a:r>
+          </a:p>
+          <a:p>
+            <a:r>
+              <a:rPr lang="en-US" dirty="0"/>
+              <a:t>A v </a:t>
+            </a:r>
+            <a:r>
+              <a:rPr lang="en-US" dirty="0" err="1"/>
+              <a:t>pravé</a:t>
+            </a:r>
+            <a:r>
+              <a:rPr lang="en-US" dirty="0"/>
+              <a:t> </a:t>
+            </a:r>
+            <a:r>
+              <a:rPr lang="en-US" dirty="0" err="1"/>
+              <a:t>části</a:t>
+            </a:r>
+            <a:r>
+              <a:rPr lang="en-US" dirty="0"/>
+              <a:t> se </a:t>
+            </a:r>
+            <a:r>
+              <a:rPr lang="en-US" dirty="0" err="1"/>
+              <a:t>nachízí</a:t>
+            </a:r>
+            <a:r>
+              <a:rPr lang="en-US" dirty="0"/>
+              <a:t> </a:t>
+            </a:r>
+            <a:r>
+              <a:rPr lang="en-US" dirty="0" err="1"/>
+              <a:t>jednotky</a:t>
+            </a:r>
+            <a:r>
+              <a:rPr lang="en-US" dirty="0"/>
+              <a:t> </a:t>
+            </a:r>
+            <a:r>
+              <a:rPr lang="en-US" dirty="0" err="1"/>
+              <a:t>pomocí</a:t>
+            </a:r>
+            <a:r>
+              <a:rPr lang="en-US" dirty="0"/>
+              <a:t> </a:t>
+            </a:r>
+            <a:r>
+              <a:rPr lang="en-US" dirty="0" err="1"/>
+              <a:t>kterých</a:t>
+            </a:r>
+            <a:r>
+              <a:rPr lang="en-US" dirty="0"/>
+              <a:t> </a:t>
+            </a:r>
+            <a:r>
+              <a:rPr lang="en-US" dirty="0" err="1"/>
+              <a:t>může</a:t>
+            </a:r>
+            <a:r>
+              <a:rPr lang="en-US" dirty="0"/>
+              <a:t> </a:t>
+            </a:r>
+            <a:r>
+              <a:rPr lang="en-US" dirty="0" err="1"/>
+              <a:t>uživatel</a:t>
+            </a:r>
+            <a:r>
+              <a:rPr lang="en-US" dirty="0"/>
+              <a:t> </a:t>
+            </a:r>
+            <a:r>
+              <a:rPr lang="en-US" dirty="0" err="1"/>
+              <a:t>danou</a:t>
+            </a:r>
+            <a:r>
+              <a:rPr lang="en-US" dirty="0"/>
+              <a:t> </a:t>
+            </a:r>
+            <a:r>
+              <a:rPr lang="en-US" dirty="0" err="1"/>
+              <a:t>soustavu</a:t>
+            </a:r>
+            <a:r>
+              <a:rPr lang="en-US" dirty="0"/>
+              <a:t> </a:t>
+            </a:r>
+            <a:r>
+              <a:rPr lang="en-US" dirty="0" err="1"/>
+              <a:t>ovládat</a:t>
+            </a:r>
+            <a:endParaRPr lang="cs-CZ" dirty="0"/>
+          </a:p>
+        </p:txBody>
+      </p:sp>
+      <p:sp>
+        <p:nvSpPr>
+          <p:cNvPr id="4" name="Slide Number Placeholder 3"/>
+          <p:cNvSpPr>
+            <a:spLocks noGrp="1"/>
+          </p:cNvSpPr>
+          <p:nvPr>
+            <p:ph type="sldNum" sz="quarter" idx="5"/>
+          </p:nvPr>
+        </p:nvSpPr>
+        <p:spPr/>
+        <p:txBody>
+          <a:bodyPr/>
+          <a:lstStyle/>
+          <a:p>
+            <a:fld id="{40499985-F144-4F30-9B65-93EDEC442801}" type="slidenum">
+              <a:rPr lang="cs-CZ" smtClean="0"/>
+              <a:t>15</a:t>
+            </a:fld>
+            <a:endParaRPr lang="cs-CZ"/>
+          </a:p>
+        </p:txBody>
+      </p:sp>
+    </p:spTree>
+    <p:extLst>
+      <p:ext uri="{BB962C8B-B14F-4D97-AF65-F5344CB8AC3E}">
+        <p14:creationId xmlns:p14="http://schemas.microsoft.com/office/powerpoint/2010/main" val="75704005"/>
+      </p:ext>
+    </p:extLst>
+  </p:cSld>
+  <p:clrMapOvr>
+    <a:masterClrMapping/>
+  </p:clrMapOvr>
+</p:notes>
+</file>
+
+<file path=ppt/notesSlides/notesSlide12.xml><?xml version="1.0" encoding="utf-8"?>
+<p:notes xmlns:a="http://schemas.openxmlformats.org/drawingml/2006/main" xmlns:r="http://schemas.openxmlformats.org/officeDocument/2006/relationships" xmlns:p="http://schemas.openxmlformats.org/presentationml/2006/main">
+  <p:cSld>
+    <p:spTree>
+      <p:nvGrpSpPr>
+        <p:cNvPr id="1" name=""/>
+        <p:cNvGrpSpPr/>
+        <p:nvPr/>
+      </p:nvGrpSpPr>
+      <p:grpSpPr>
+        <a:xfrm>
+          <a:off x="0" y="0"/>
+          <a:ext cx="0" cy="0"/>
+          <a:chOff x="0" y="0"/>
+          <a:chExt cx="0" cy="0"/>
+        </a:xfrm>
+      </p:grpSpPr>
+      <p:sp>
+        <p:nvSpPr>
+          <p:cNvPr id="2" name="Slide Image Placeholder 1"/>
+          <p:cNvSpPr>
+            <a:spLocks noGrp="1" noRot="1" noChangeAspect="1"/>
+          </p:cNvSpPr>
+          <p:nvPr>
+            <p:ph type="sldImg"/>
+          </p:nvPr>
+        </p:nvSpPr>
+        <p:spPr/>
+      </p:sp>
+      <p:sp>
+        <p:nvSpPr>
+          <p:cNvPr id="3" name="Notes Placeholder 2"/>
+          <p:cNvSpPr>
+            <a:spLocks noGrp="1"/>
+          </p:cNvSpPr>
+          <p:nvPr>
+            <p:ph type="body" idx="1"/>
+          </p:nvPr>
+        </p:nvSpPr>
+        <p:spPr/>
+        <p:txBody>
+          <a:bodyPr/>
+          <a:lstStyle/>
+          <a:p>
+            <a:r>
+              <a:rPr lang="en-US" dirty="0" err="1"/>
+              <a:t>Nynní</a:t>
+            </a:r>
+            <a:r>
+              <a:rPr lang="en-US" dirty="0"/>
+              <a:t> se </a:t>
+            </a:r>
+            <a:r>
+              <a:rPr lang="en-US" dirty="0" err="1"/>
+              <a:t>ještě</a:t>
+            </a:r>
+            <a:r>
+              <a:rPr lang="en-US" dirty="0"/>
+              <a:t> v </a:t>
+            </a:r>
+            <a:r>
+              <a:rPr lang="en-US" dirty="0" err="1"/>
+              <a:t>rychlosti</a:t>
+            </a:r>
+            <a:r>
+              <a:rPr lang="en-US" dirty="0"/>
+              <a:t> </a:t>
+            </a:r>
+            <a:r>
+              <a:rPr lang="en-US" dirty="0" err="1"/>
+              <a:t>vrátíme</a:t>
+            </a:r>
+            <a:r>
+              <a:rPr lang="en-US" dirty="0"/>
+              <a:t> k </a:t>
+            </a:r>
+            <a:r>
+              <a:rPr lang="en-US" dirty="0" err="1"/>
+              <a:t>tomu</a:t>
+            </a:r>
+            <a:r>
+              <a:rPr lang="en-US" dirty="0"/>
+              <a:t> jak se </a:t>
+            </a:r>
+            <a:r>
+              <a:rPr lang="en-US" dirty="0" err="1"/>
+              <a:t>vubec</a:t>
+            </a:r>
+            <a:r>
+              <a:rPr lang="en-US" dirty="0"/>
+              <a:t> </a:t>
+            </a:r>
+            <a:r>
+              <a:rPr lang="en-US" dirty="0" err="1"/>
+              <a:t>daná</a:t>
+            </a:r>
+            <a:r>
+              <a:rPr lang="en-US" dirty="0"/>
+              <a:t> </a:t>
+            </a:r>
+            <a:r>
+              <a:rPr lang="en-US" dirty="0" err="1"/>
+              <a:t>soustava</a:t>
+            </a:r>
+            <a:r>
+              <a:rPr lang="en-US" dirty="0"/>
+              <a:t> </a:t>
+            </a:r>
+            <a:r>
+              <a:rPr lang="en-US" dirty="0" err="1"/>
+              <a:t>pohybuje</a:t>
+            </a:r>
+            <a:r>
+              <a:rPr lang="en-US" dirty="0"/>
+              <a:t> </a:t>
+            </a:r>
+          </a:p>
+          <a:p>
+            <a:r>
+              <a:rPr lang="en-US" dirty="0" err="1"/>
+              <a:t>Například</a:t>
+            </a:r>
+            <a:r>
+              <a:rPr lang="en-US" dirty="0"/>
+              <a:t> </a:t>
+            </a:r>
+            <a:r>
+              <a:rPr lang="en-US" dirty="0" err="1"/>
+              <a:t>velice</a:t>
+            </a:r>
+            <a:r>
+              <a:rPr lang="en-US" dirty="0"/>
+              <a:t> </a:t>
+            </a:r>
+            <a:r>
+              <a:rPr lang="en-US" dirty="0" err="1"/>
+              <a:t>dobře</a:t>
+            </a:r>
+            <a:r>
+              <a:rPr lang="en-US" dirty="0"/>
+              <a:t> se </a:t>
+            </a:r>
+            <a:r>
+              <a:rPr lang="en-US" dirty="0" err="1"/>
+              <a:t>pracuje</a:t>
+            </a:r>
+            <a:r>
+              <a:rPr lang="en-US" dirty="0"/>
+              <a:t> s mV v </a:t>
+            </a:r>
+            <a:r>
+              <a:rPr lang="en-US" dirty="0" err="1"/>
+              <a:t>gui</a:t>
+            </a:r>
+            <a:r>
+              <a:rPr lang="en-US" dirty="0"/>
+              <a:t> </a:t>
+            </a:r>
+            <a:r>
+              <a:rPr lang="en-US" dirty="0" err="1"/>
+              <a:t>si</a:t>
+            </a:r>
+            <a:r>
+              <a:rPr lang="en-US" dirty="0"/>
+              <a:t> </a:t>
+            </a:r>
+            <a:r>
+              <a:rPr lang="en-US" dirty="0" err="1"/>
+              <a:t>můžeem</a:t>
+            </a:r>
+            <a:r>
+              <a:rPr lang="en-US" dirty="0"/>
+              <a:t> </a:t>
+            </a:r>
+            <a:r>
+              <a:rPr lang="en-US" dirty="0" err="1"/>
+              <a:t>pomocí</a:t>
+            </a:r>
+            <a:r>
+              <a:rPr lang="en-US" dirty="0"/>
+              <a:t> </a:t>
+            </a:r>
+            <a:r>
+              <a:rPr lang="en-US" dirty="0" err="1"/>
+              <a:t>tlačítka</a:t>
+            </a:r>
+            <a:r>
+              <a:rPr lang="en-US" dirty="0"/>
+              <a:t> </a:t>
+            </a:r>
+            <a:r>
+              <a:rPr lang="en-US" dirty="0" err="1"/>
+              <a:t>zobrazit</a:t>
+            </a:r>
+            <a:r>
+              <a:rPr lang="en-US" dirty="0"/>
+              <a:t> </a:t>
+            </a:r>
+            <a:r>
+              <a:rPr lang="en-US" dirty="0" err="1"/>
+              <a:t>jednotlivé</a:t>
+            </a:r>
+            <a:r>
+              <a:rPr lang="en-US" dirty="0"/>
+              <a:t> </a:t>
+            </a:r>
+            <a:r>
+              <a:rPr lang="en-US" dirty="0" err="1"/>
+              <a:t>napšětí</a:t>
+            </a:r>
+            <a:r>
+              <a:rPr lang="en-US" dirty="0"/>
+              <a:t> </a:t>
+            </a:r>
+            <a:r>
+              <a:rPr lang="en-US" dirty="0" err="1"/>
+              <a:t>na</a:t>
+            </a:r>
+            <a:r>
+              <a:rPr lang="en-US" dirty="0"/>
+              <a:t> </a:t>
+            </a:r>
+            <a:r>
+              <a:rPr lang="en-US" dirty="0" err="1"/>
+              <a:t>každém</a:t>
+            </a:r>
+            <a:r>
+              <a:rPr lang="en-US" dirty="0"/>
+              <a:t> </a:t>
+            </a:r>
+            <a:r>
+              <a:rPr lang="en-US" dirty="0" err="1"/>
+              <a:t>krokovém</a:t>
+            </a:r>
+            <a:r>
+              <a:rPr lang="en-US" dirty="0"/>
+              <a:t> </a:t>
+            </a:r>
+            <a:r>
+              <a:rPr lang="en-US" dirty="0" err="1"/>
+              <a:t>motoru</a:t>
+            </a:r>
+            <a:r>
+              <a:rPr lang="en-US" dirty="0"/>
+              <a:t> a </a:t>
+            </a:r>
+            <a:r>
+              <a:rPr lang="en-US" dirty="0" err="1"/>
+              <a:t>potom</a:t>
+            </a:r>
+            <a:r>
+              <a:rPr lang="en-US" dirty="0"/>
+              <a:t> se </a:t>
+            </a:r>
+            <a:r>
+              <a:rPr lang="en-US" dirty="0" err="1"/>
+              <a:t>rozhodneme</a:t>
+            </a:r>
+            <a:r>
+              <a:rPr lang="en-US" dirty="0"/>
+              <a:t> </a:t>
+            </a:r>
+            <a:r>
+              <a:rPr lang="en-US" dirty="0" err="1"/>
+              <a:t>například</a:t>
+            </a:r>
+            <a:r>
+              <a:rPr lang="en-US" dirty="0"/>
+              <a:t> </a:t>
+            </a:r>
+            <a:r>
+              <a:rPr lang="en-US" dirty="0" err="1"/>
+              <a:t>že</a:t>
+            </a:r>
+            <a:r>
+              <a:rPr lang="en-US" dirty="0"/>
+              <a:t> </a:t>
+            </a:r>
+            <a:r>
+              <a:rPr lang="en-US" dirty="0" err="1"/>
+              <a:t>chcme</a:t>
+            </a:r>
+            <a:r>
+              <a:rPr lang="en-US" dirty="0"/>
+              <a:t> </a:t>
+            </a:r>
+            <a:r>
+              <a:rPr lang="en-US" dirty="0" err="1"/>
+              <a:t>napětí</a:t>
+            </a:r>
+            <a:r>
+              <a:rPr lang="en-US" dirty="0"/>
+              <a:t> </a:t>
+            </a:r>
+            <a:r>
+              <a:rPr lang="en-US" dirty="0" err="1"/>
+              <a:t>zvýšit</a:t>
+            </a:r>
+            <a:r>
+              <a:rPr lang="en-US" dirty="0"/>
+              <a:t> o 20 mv </a:t>
+            </a:r>
+            <a:r>
+              <a:rPr lang="en-US" dirty="0" err="1"/>
+              <a:t>tak</a:t>
+            </a:r>
+            <a:r>
+              <a:rPr lang="en-US" dirty="0"/>
+              <a:t> program </a:t>
+            </a:r>
+            <a:r>
+              <a:rPr lang="en-US" dirty="0" err="1"/>
+              <a:t>vypočítá</a:t>
+            </a:r>
+            <a:r>
+              <a:rPr lang="en-US" dirty="0"/>
+              <a:t> </a:t>
+            </a:r>
+            <a:r>
+              <a:rPr lang="en-US" dirty="0" err="1"/>
+              <a:t>jaké</a:t>
+            </a:r>
+            <a:r>
+              <a:rPr lang="en-US" dirty="0"/>
+              <a:t> </a:t>
+            </a:r>
+            <a:r>
+              <a:rPr lang="en-US" dirty="0" err="1"/>
+              <a:t>hodnotě</a:t>
+            </a:r>
+            <a:r>
+              <a:rPr lang="en-US" dirty="0"/>
+              <a:t> v </a:t>
+            </a:r>
+            <a:r>
+              <a:rPr lang="en-US" dirty="0" err="1"/>
+              <a:t>krocích</a:t>
+            </a:r>
+            <a:r>
+              <a:rPr lang="en-US" dirty="0"/>
+              <a:t> </a:t>
+            </a:r>
+            <a:r>
+              <a:rPr lang="en-US" dirty="0" err="1"/>
+              <a:t>tato</a:t>
+            </a:r>
+            <a:r>
+              <a:rPr lang="en-US" dirty="0"/>
+              <a:t> </a:t>
+            </a:r>
+            <a:r>
+              <a:rPr lang="en-US" dirty="0" err="1"/>
+              <a:t>napětová</a:t>
+            </a:r>
+            <a:r>
+              <a:rPr lang="en-US" dirty="0"/>
+              <a:t> </a:t>
+            </a:r>
+            <a:r>
+              <a:rPr lang="en-US" dirty="0" err="1"/>
+              <a:t>hodnota</a:t>
+            </a:r>
+            <a:r>
+              <a:rPr lang="en-US" dirty="0"/>
+              <a:t> </a:t>
+            </a:r>
+            <a:r>
+              <a:rPr lang="en-US" dirty="0" err="1"/>
+              <a:t>odpovídá</a:t>
+            </a:r>
+            <a:r>
+              <a:rPr lang="en-US" dirty="0"/>
+              <a:t> a </a:t>
+            </a:r>
+            <a:r>
+              <a:rPr lang="en-US" dirty="0" err="1"/>
+              <a:t>posuneto</a:t>
+            </a:r>
+            <a:r>
+              <a:rPr lang="en-US" dirty="0"/>
+              <a:t> o </a:t>
+            </a:r>
+            <a:r>
+              <a:rPr lang="en-US" dirty="0" err="1"/>
+              <a:t>tuto</a:t>
+            </a:r>
+            <a:r>
+              <a:rPr lang="en-US" dirty="0"/>
+              <a:t> </a:t>
+            </a:r>
+            <a:r>
+              <a:rPr lang="en-US" dirty="0" err="1"/>
+              <a:t>vzdáenost</a:t>
+            </a:r>
+            <a:r>
+              <a:rPr lang="en-US" dirty="0"/>
+              <a:t> a </a:t>
+            </a:r>
+            <a:r>
+              <a:rPr lang="en-US" dirty="0" err="1"/>
+              <a:t>poté</a:t>
+            </a:r>
+            <a:r>
+              <a:rPr lang="en-US" dirty="0"/>
+              <a:t> </a:t>
+            </a:r>
+            <a:r>
+              <a:rPr lang="en-US" dirty="0" err="1"/>
+              <a:t>následně</a:t>
+            </a:r>
+            <a:r>
+              <a:rPr lang="en-US" dirty="0"/>
+              <a:t> se </a:t>
+            </a:r>
+            <a:r>
+              <a:rPr lang="en-US" dirty="0" err="1"/>
+              <a:t>tato</a:t>
+            </a:r>
+            <a:r>
+              <a:rPr lang="en-US" dirty="0"/>
+              <a:t> </a:t>
+            </a:r>
+            <a:r>
+              <a:rPr lang="en-US" dirty="0" err="1"/>
+              <a:t>hodnota</a:t>
+            </a:r>
+            <a:r>
+              <a:rPr lang="en-US" dirty="0"/>
+              <a:t> </a:t>
+            </a:r>
+            <a:r>
+              <a:rPr lang="en-US" dirty="0" err="1"/>
+              <a:t>vloží</a:t>
+            </a:r>
+            <a:r>
+              <a:rPr lang="en-US" dirty="0"/>
+              <a:t> do </a:t>
+            </a:r>
+            <a:r>
+              <a:rPr lang="en-US" dirty="0" err="1"/>
+              <a:t>těchto</a:t>
+            </a:r>
+            <a:r>
+              <a:rPr lang="en-US" dirty="0"/>
+              <a:t> </a:t>
+            </a:r>
+            <a:r>
+              <a:rPr lang="en-US" dirty="0" err="1"/>
+              <a:t>funkcí</a:t>
+            </a:r>
+            <a:r>
+              <a:rPr lang="en-US" dirty="0"/>
+              <a:t> a </a:t>
+            </a:r>
+            <a:r>
+              <a:rPr lang="en-US" dirty="0" err="1"/>
+              <a:t>krokový</a:t>
+            </a:r>
+            <a:r>
+              <a:rPr lang="en-US" dirty="0"/>
+              <a:t> motor se </a:t>
+            </a:r>
+            <a:r>
+              <a:rPr lang="en-US" dirty="0" err="1"/>
+              <a:t>otočí</a:t>
+            </a:r>
+            <a:r>
+              <a:rPr lang="en-US" dirty="0"/>
+              <a:t> </a:t>
+            </a:r>
+            <a:r>
+              <a:rPr lang="en-US" dirty="0" err="1"/>
+              <a:t>tento</a:t>
+            </a:r>
+            <a:r>
+              <a:rPr lang="en-US" dirty="0"/>
+              <a:t> </a:t>
+            </a:r>
+            <a:r>
+              <a:rPr lang="en-US" dirty="0" err="1"/>
+              <a:t>krokový</a:t>
+            </a:r>
+            <a:r>
+              <a:rPr lang="en-US" dirty="0"/>
+              <a:t> motor je </a:t>
+            </a:r>
+            <a:r>
+              <a:rPr lang="en-US" dirty="0" err="1"/>
+              <a:t>napojen</a:t>
+            </a:r>
+            <a:r>
+              <a:rPr lang="en-US" dirty="0"/>
+              <a:t> </a:t>
+            </a:r>
+            <a:r>
+              <a:rPr lang="en-US" dirty="0" err="1"/>
+              <a:t>na</a:t>
+            </a:r>
+            <a:r>
+              <a:rPr lang="en-US" dirty="0"/>
+              <a:t> </a:t>
+            </a:r>
+            <a:r>
+              <a:rPr lang="en-US" dirty="0" err="1"/>
+              <a:t>tlakový</a:t>
+            </a:r>
+            <a:r>
+              <a:rPr lang="en-US" dirty="0"/>
+              <a:t> ventil </a:t>
+            </a:r>
+            <a:r>
+              <a:rPr lang="en-US" dirty="0" err="1"/>
+              <a:t>který</a:t>
+            </a:r>
+            <a:r>
+              <a:rPr lang="en-US" dirty="0"/>
+              <a:t> se </a:t>
+            </a:r>
+            <a:r>
+              <a:rPr lang="en-US" dirty="0" err="1"/>
+              <a:t>díky</a:t>
+            </a:r>
+            <a:r>
+              <a:rPr lang="en-US" dirty="0"/>
+              <a:t> </a:t>
+            </a:r>
+            <a:r>
+              <a:rPr lang="en-US" dirty="0" err="1"/>
+              <a:t>tomu</a:t>
+            </a:r>
+            <a:r>
+              <a:rPr lang="en-US" dirty="0"/>
+              <a:t> </a:t>
+            </a:r>
+            <a:r>
+              <a:rPr lang="en-US" dirty="0" err="1"/>
+              <a:t>otevírá</a:t>
+            </a:r>
+            <a:r>
+              <a:rPr lang="en-US" dirty="0"/>
+              <a:t> a </a:t>
+            </a:r>
+            <a:r>
+              <a:rPr lang="en-US" dirty="0" err="1"/>
+              <a:t>zavírá</a:t>
+            </a:r>
+            <a:endParaRPr lang="en-US" dirty="0"/>
+          </a:p>
+        </p:txBody>
+      </p:sp>
+      <p:sp>
+        <p:nvSpPr>
+          <p:cNvPr id="4" name="Slide Number Placeholder 3"/>
+          <p:cNvSpPr>
+            <a:spLocks noGrp="1"/>
+          </p:cNvSpPr>
+          <p:nvPr>
+            <p:ph type="sldNum" sz="quarter" idx="5"/>
+          </p:nvPr>
+        </p:nvSpPr>
+        <p:spPr/>
+        <p:txBody>
+          <a:bodyPr/>
+          <a:lstStyle/>
+          <a:p>
+            <a:fld id="{40499985-F144-4F30-9B65-93EDEC442801}" type="slidenum">
+              <a:rPr lang="cs-CZ" smtClean="0"/>
+              <a:t>16</a:t>
+            </a:fld>
+            <a:endParaRPr lang="cs-CZ"/>
+          </a:p>
+        </p:txBody>
+      </p:sp>
+    </p:spTree>
+    <p:extLst>
+      <p:ext uri="{BB962C8B-B14F-4D97-AF65-F5344CB8AC3E}">
+        <p14:creationId xmlns:p14="http://schemas.microsoft.com/office/powerpoint/2010/main" val="2391742290"/>
+      </p:ext>
+    </p:extLst>
+  </p:cSld>
+  <p:clrMapOvr>
+    <a:masterClrMapping/>
+  </p:clrMapOvr>
+</p:notes>
+</file>
+
+<file path=ppt/notesSlides/notesSlide13.xml><?xml version="1.0" encoding="utf-8"?>
+<p:notes xmlns:a="http://schemas.openxmlformats.org/drawingml/2006/main" xmlns:r="http://schemas.openxmlformats.org/officeDocument/2006/relationships" xmlns:p="http://schemas.openxmlformats.org/presentationml/2006/main">
+  <p:cSld>
+    <p:spTree>
+      <p:nvGrpSpPr>
+        <p:cNvPr id="1" name=""/>
+        <p:cNvGrpSpPr/>
+        <p:nvPr/>
+      </p:nvGrpSpPr>
+      <p:grpSpPr>
+        <a:xfrm>
+          <a:off x="0" y="0"/>
+          <a:ext cx="0" cy="0"/>
+          <a:chOff x="0" y="0"/>
+          <a:chExt cx="0" cy="0"/>
+        </a:xfrm>
+      </p:grpSpPr>
+      <p:sp>
+        <p:nvSpPr>
+          <p:cNvPr id="2" name="Slide Image Placeholder 1"/>
+          <p:cNvSpPr>
+            <a:spLocks noGrp="1" noRot="1" noChangeAspect="1"/>
+          </p:cNvSpPr>
+          <p:nvPr>
+            <p:ph type="sldImg"/>
+          </p:nvPr>
+        </p:nvSpPr>
+        <p:spPr/>
+      </p:sp>
+      <p:sp>
+        <p:nvSpPr>
+          <p:cNvPr id="3" name="Notes Placeholder 2"/>
+          <p:cNvSpPr>
+            <a:spLocks noGrp="1"/>
+          </p:cNvSpPr>
+          <p:nvPr>
+            <p:ph type="body" idx="1"/>
+          </p:nvPr>
+        </p:nvSpPr>
+        <p:spPr/>
+        <p:txBody>
+          <a:bodyPr/>
+          <a:lstStyle/>
+          <a:p>
+            <a:r>
+              <a:rPr lang="en-US" dirty="0" err="1"/>
+              <a:t>Nyní</a:t>
+            </a:r>
+            <a:r>
+              <a:rPr lang="en-US" dirty="0"/>
+              <a:t> se </a:t>
+            </a:r>
+            <a:r>
+              <a:rPr lang="en-US" dirty="0" err="1"/>
+              <a:t>dostáváme</a:t>
+            </a:r>
+            <a:r>
+              <a:rPr lang="en-US" dirty="0"/>
+              <a:t> do </a:t>
+            </a:r>
+            <a:r>
+              <a:rPr lang="en-US" dirty="0" err="1"/>
+              <a:t>administrátorsé</a:t>
+            </a:r>
+            <a:r>
+              <a:rPr lang="en-US" dirty="0"/>
+              <a:t> </a:t>
+            </a:r>
+            <a:r>
+              <a:rPr lang="en-US" dirty="0" err="1"/>
+              <a:t>části</a:t>
+            </a:r>
+            <a:r>
+              <a:rPr lang="en-US" dirty="0"/>
+              <a:t> </a:t>
+            </a:r>
+            <a:r>
+              <a:rPr lang="en-US" dirty="0" err="1"/>
+              <a:t>kde</a:t>
+            </a:r>
+            <a:r>
+              <a:rPr lang="en-US" dirty="0"/>
+              <a:t> </a:t>
+            </a:r>
+            <a:r>
+              <a:rPr lang="en-US" dirty="0" err="1"/>
+              <a:t>má</a:t>
+            </a:r>
+            <a:r>
+              <a:rPr lang="en-US" dirty="0"/>
+              <a:t> </a:t>
+            </a:r>
+            <a:r>
+              <a:rPr lang="en-US" dirty="0" err="1"/>
+              <a:t>adminsitrátor</a:t>
+            </a:r>
+            <a:r>
+              <a:rPr lang="en-US" dirty="0"/>
+              <a:t> </a:t>
+            </a:r>
+            <a:r>
+              <a:rPr lang="en-US" dirty="0" err="1"/>
+              <a:t>na</a:t>
+            </a:r>
+            <a:r>
+              <a:rPr lang="en-US" dirty="0"/>
+              <a:t> </a:t>
+            </a:r>
+            <a:r>
+              <a:rPr lang="en-US" dirty="0" err="1"/>
+              <a:t>výběr</a:t>
+            </a:r>
+            <a:r>
+              <a:rPr lang="en-US" dirty="0"/>
+              <a:t> ze </a:t>
+            </a:r>
+            <a:r>
+              <a:rPr lang="en-US" dirty="0" err="1"/>
+              <a:t>dvou</a:t>
+            </a:r>
+            <a:r>
+              <a:rPr lang="en-US" dirty="0"/>
+              <a:t> </a:t>
+            </a:r>
+            <a:r>
+              <a:rPr lang="en-US" dirty="0" err="1"/>
+              <a:t>možností</a:t>
+            </a:r>
+            <a:r>
+              <a:rPr lang="en-US" dirty="0"/>
+              <a:t> </a:t>
+            </a:r>
+            <a:r>
+              <a:rPr lang="en-US" dirty="0" err="1"/>
+              <a:t>první</a:t>
+            </a:r>
+            <a:r>
+              <a:rPr lang="en-US" dirty="0"/>
+              <a:t> je </a:t>
+            </a:r>
+            <a:r>
+              <a:rPr lang="en-US" dirty="0" err="1"/>
+              <a:t>měření</a:t>
+            </a:r>
+            <a:endParaRPr lang="en-US" dirty="0"/>
+          </a:p>
+          <a:p>
+            <a:endParaRPr lang="cs-CZ" dirty="0"/>
+          </a:p>
+        </p:txBody>
+      </p:sp>
+      <p:sp>
+        <p:nvSpPr>
+          <p:cNvPr id="4" name="Slide Number Placeholder 3"/>
+          <p:cNvSpPr>
+            <a:spLocks noGrp="1"/>
+          </p:cNvSpPr>
+          <p:nvPr>
+            <p:ph type="sldNum" sz="quarter" idx="5"/>
+          </p:nvPr>
+        </p:nvSpPr>
+        <p:spPr/>
+        <p:txBody>
+          <a:bodyPr/>
+          <a:lstStyle/>
+          <a:p>
+            <a:fld id="{40499985-F144-4F30-9B65-93EDEC442801}" type="slidenum">
+              <a:rPr lang="cs-CZ" smtClean="0"/>
+              <a:t>17</a:t>
+            </a:fld>
+            <a:endParaRPr lang="cs-CZ"/>
+          </a:p>
+        </p:txBody>
+      </p:sp>
+    </p:spTree>
+    <p:extLst>
+      <p:ext uri="{BB962C8B-B14F-4D97-AF65-F5344CB8AC3E}">
+        <p14:creationId xmlns:p14="http://schemas.microsoft.com/office/powerpoint/2010/main" val="4243141604"/>
+      </p:ext>
+    </p:extLst>
+  </p:cSld>
+  <p:clrMapOvr>
+    <a:masterClrMapping/>
+  </p:clrMapOvr>
+</p:notes>
+</file>
+
+<file path=ppt/notesSlides/notesSlide14.xml><?xml version="1.0" encoding="utf-8"?>
+<p:notes xmlns:a="http://schemas.openxmlformats.org/drawingml/2006/main" xmlns:r="http://schemas.openxmlformats.org/officeDocument/2006/relationships" xmlns:p="http://schemas.openxmlformats.org/presentationml/2006/main">
+  <p:cSld>
+    <p:spTree>
+      <p:nvGrpSpPr>
+        <p:cNvPr id="1" name=""/>
+        <p:cNvGrpSpPr/>
+        <p:nvPr/>
+      </p:nvGrpSpPr>
+      <p:grpSpPr>
+        <a:xfrm>
+          <a:off x="0" y="0"/>
+          <a:ext cx="0" cy="0"/>
+          <a:chOff x="0" y="0"/>
+          <a:chExt cx="0" cy="0"/>
+        </a:xfrm>
+      </p:grpSpPr>
+      <p:sp>
+        <p:nvSpPr>
+          <p:cNvPr id="2" name="Slide Image Placeholder 1"/>
+          <p:cNvSpPr>
+            <a:spLocks noGrp="1" noRot="1" noChangeAspect="1"/>
+          </p:cNvSpPr>
+          <p:nvPr>
+            <p:ph type="sldImg"/>
+          </p:nvPr>
+        </p:nvSpPr>
+        <p:spPr/>
+      </p:sp>
+      <p:sp>
+        <p:nvSpPr>
+          <p:cNvPr id="3" name="Notes Placeholder 2"/>
+          <p:cNvSpPr>
+            <a:spLocks noGrp="1"/>
+          </p:cNvSpPr>
+          <p:nvPr>
+            <p:ph type="body" idx="1"/>
+          </p:nvPr>
+        </p:nvSpPr>
+        <p:spPr/>
+        <p:txBody>
+          <a:bodyPr/>
+          <a:lstStyle/>
+          <a:p>
+            <a:r>
+              <a:rPr lang="en-US" dirty="0" err="1"/>
+              <a:t>Zde</a:t>
+            </a:r>
+            <a:r>
+              <a:rPr lang="en-US" dirty="0"/>
+              <a:t> administrator </a:t>
+            </a:r>
+            <a:r>
+              <a:rPr lang="en-US" dirty="0" err="1"/>
+              <a:t>provádí</a:t>
+            </a:r>
+            <a:r>
+              <a:rPr lang="en-US" dirty="0"/>
+              <a:t> </a:t>
+            </a:r>
+            <a:r>
+              <a:rPr lang="en-US" dirty="0" err="1"/>
+              <a:t>nová</a:t>
+            </a:r>
+            <a:r>
+              <a:rPr lang="en-US" dirty="0"/>
+              <a:t> </a:t>
+            </a:r>
+            <a:r>
+              <a:rPr lang="en-US" dirty="0" err="1"/>
+              <a:t>měření</a:t>
+            </a:r>
+            <a:r>
+              <a:rPr lang="en-US" dirty="0"/>
+              <a:t> </a:t>
+            </a:r>
+            <a:r>
+              <a:rPr lang="en-US" dirty="0" err="1"/>
+              <a:t>například</a:t>
+            </a:r>
+            <a:r>
+              <a:rPr lang="en-US" dirty="0"/>
+              <a:t> </a:t>
+            </a:r>
+            <a:r>
+              <a:rPr lang="en-US" dirty="0" err="1"/>
+              <a:t>opkud</a:t>
+            </a:r>
+            <a:r>
+              <a:rPr lang="en-US" dirty="0"/>
+              <a:t> by </a:t>
+            </a:r>
+            <a:r>
+              <a:rPr lang="en-US" dirty="0" err="1"/>
+              <a:t>měnil</a:t>
+            </a:r>
+            <a:r>
+              <a:rPr lang="en-US" dirty="0"/>
+              <a:t> </a:t>
+            </a:r>
+            <a:r>
+              <a:rPr lang="en-US" dirty="0" err="1"/>
+              <a:t>nový</a:t>
+            </a:r>
+            <a:r>
+              <a:rPr lang="en-US" dirty="0"/>
+              <a:t> </a:t>
+            </a:r>
+            <a:r>
+              <a:rPr lang="en-US" dirty="0" err="1"/>
+              <a:t>sval</a:t>
+            </a:r>
+            <a:r>
+              <a:rPr lang="en-US" dirty="0"/>
+              <a:t> </a:t>
+            </a:r>
+            <a:r>
+              <a:rPr lang="en-US" dirty="0" err="1"/>
+              <a:t>nebo</a:t>
+            </a:r>
+            <a:r>
+              <a:rPr lang="en-US" dirty="0"/>
+              <a:t> </a:t>
+            </a:r>
+            <a:r>
+              <a:rPr lang="en-US" dirty="0" err="1"/>
+              <a:t>pokud</a:t>
+            </a:r>
+            <a:r>
+              <a:rPr lang="en-US" dirty="0"/>
+              <a:t> v </a:t>
+            </a:r>
+            <a:r>
+              <a:rPr lang="en-US" dirty="0" err="1"/>
+              <a:t>budoucnu</a:t>
+            </a:r>
+            <a:r>
+              <a:rPr lang="en-US" dirty="0"/>
+              <a:t> se </a:t>
+            </a:r>
+            <a:r>
+              <a:rPr lang="en-US" dirty="0" err="1"/>
+              <a:t>budou</a:t>
+            </a:r>
+            <a:r>
+              <a:rPr lang="en-US" dirty="0"/>
+              <a:t> </a:t>
+            </a:r>
+            <a:r>
+              <a:rPr lang="en-US" dirty="0" err="1"/>
+              <a:t>vytvářet</a:t>
+            </a:r>
+            <a:r>
+              <a:rPr lang="en-US" dirty="0"/>
+              <a:t> </a:t>
+            </a:r>
+            <a:r>
+              <a:rPr lang="en-US" dirty="0" err="1"/>
+              <a:t>nové</a:t>
+            </a:r>
+            <a:r>
+              <a:rPr lang="en-US" dirty="0"/>
+              <a:t> </a:t>
+            </a:r>
+            <a:r>
+              <a:rPr lang="en-US" dirty="0" err="1"/>
+              <a:t>převodní</a:t>
+            </a:r>
+            <a:r>
+              <a:rPr lang="en-US" dirty="0"/>
+              <a:t> </a:t>
+            </a:r>
+            <a:r>
+              <a:rPr lang="en-US" dirty="0" err="1"/>
+              <a:t>vzorce</a:t>
+            </a:r>
+            <a:r>
+              <a:rPr lang="en-US" dirty="0"/>
+              <a:t> pro </a:t>
+            </a:r>
+            <a:r>
+              <a:rPr lang="en-US" dirty="0" err="1"/>
+              <a:t>pacienty</a:t>
+            </a:r>
+            <a:r>
+              <a:rPr lang="en-US" dirty="0"/>
+              <a:t> s </a:t>
+            </a:r>
+            <a:r>
+              <a:rPr lang="en-US" dirty="0" err="1"/>
+              <a:t>různými</a:t>
+            </a:r>
+            <a:r>
+              <a:rPr lang="en-US" dirty="0"/>
+              <a:t> </a:t>
+            </a:r>
+            <a:r>
+              <a:rPr lang="en-US" dirty="0" err="1"/>
+              <a:t>rozměry</a:t>
+            </a:r>
+            <a:endParaRPr lang="en-US" dirty="0"/>
+          </a:p>
+          <a:p>
+            <a:r>
+              <a:rPr lang="en-US" dirty="0" err="1"/>
+              <a:t>Zde</a:t>
+            </a:r>
+            <a:r>
+              <a:rPr lang="en-US" dirty="0"/>
+              <a:t> v </a:t>
+            </a:r>
+            <a:r>
+              <a:rPr lang="en-US" dirty="0" err="1"/>
+              <a:t>levé</a:t>
+            </a:r>
+            <a:r>
+              <a:rPr lang="en-US" dirty="0"/>
+              <a:t> </a:t>
+            </a:r>
+            <a:r>
+              <a:rPr lang="en-US" dirty="0" err="1"/>
+              <a:t>straně</a:t>
+            </a:r>
+            <a:r>
+              <a:rPr lang="en-US" dirty="0"/>
+              <a:t> </a:t>
+            </a:r>
+            <a:r>
+              <a:rPr lang="en-US" dirty="0" err="1"/>
+              <a:t>můžete</a:t>
+            </a:r>
+            <a:r>
+              <a:rPr lang="en-US" dirty="0"/>
+              <a:t> </a:t>
+            </a:r>
+            <a:r>
+              <a:rPr lang="en-US" dirty="0" err="1"/>
+              <a:t>vidět</a:t>
+            </a:r>
+            <a:r>
+              <a:rPr lang="en-US" dirty="0"/>
+              <a:t> </a:t>
+            </a:r>
+            <a:r>
+              <a:rPr lang="en-US" dirty="0" err="1"/>
+              <a:t>komponentu</a:t>
+            </a:r>
+            <a:r>
+              <a:rPr lang="en-US" dirty="0"/>
+              <a:t> </a:t>
+            </a:r>
+            <a:r>
+              <a:rPr lang="en-US" dirty="0" err="1"/>
+              <a:t>zvanou</a:t>
+            </a:r>
+            <a:r>
+              <a:rPr lang="en-US" dirty="0"/>
+              <a:t> radiobutton </a:t>
+            </a:r>
+            <a:r>
+              <a:rPr lang="en-US" dirty="0" err="1"/>
+              <a:t>která</a:t>
+            </a:r>
+            <a:r>
+              <a:rPr lang="en-US" dirty="0"/>
+              <a:t> se </a:t>
+            </a:r>
+            <a:r>
+              <a:rPr lang="en-US" dirty="0" err="1"/>
+              <a:t>liší</a:t>
+            </a:r>
+            <a:r>
+              <a:rPr lang="en-US" dirty="0"/>
+              <a:t> od checkbox </a:t>
+            </a:r>
+            <a:r>
+              <a:rPr lang="en-US" dirty="0" err="1"/>
+              <a:t>tím</a:t>
+            </a:r>
+            <a:r>
+              <a:rPr lang="en-US" dirty="0"/>
+              <a:t> </a:t>
+            </a:r>
+            <a:r>
+              <a:rPr lang="en-US" dirty="0" err="1"/>
+              <a:t>že</a:t>
+            </a:r>
+            <a:r>
+              <a:rPr lang="en-US" dirty="0"/>
+              <a:t> </a:t>
+            </a:r>
+            <a:r>
+              <a:rPr lang="en-US" dirty="0" err="1"/>
+              <a:t>může</a:t>
+            </a:r>
+            <a:r>
+              <a:rPr lang="en-US" dirty="0"/>
+              <a:t> </a:t>
+            </a:r>
+            <a:r>
+              <a:rPr lang="en-US" dirty="0" err="1"/>
+              <a:t>být</a:t>
+            </a:r>
+            <a:r>
+              <a:rPr lang="en-US" dirty="0"/>
+              <a:t> </a:t>
+            </a:r>
+            <a:r>
+              <a:rPr lang="en-US" dirty="0" err="1"/>
+              <a:t>vždy</a:t>
+            </a:r>
+            <a:r>
+              <a:rPr lang="en-US" dirty="0"/>
+              <a:t> </a:t>
+            </a:r>
+            <a:r>
+              <a:rPr lang="en-US" dirty="0" err="1"/>
+              <a:t>vybránou</a:t>
+            </a:r>
+            <a:r>
+              <a:rPr lang="en-US" dirty="0"/>
+              <a:t> </a:t>
+            </a:r>
+            <a:r>
+              <a:rPr lang="en-US" dirty="0" err="1"/>
+              <a:t>pouze</a:t>
+            </a:r>
+            <a:r>
+              <a:rPr lang="en-US" dirty="0"/>
+              <a:t> </a:t>
+            </a:r>
+            <a:r>
+              <a:rPr lang="en-US" dirty="0" err="1"/>
+              <a:t>jedna</a:t>
+            </a:r>
+            <a:r>
+              <a:rPr lang="en-US" dirty="0"/>
+              <a:t> </a:t>
+            </a:r>
+            <a:r>
+              <a:rPr lang="en-US" dirty="0" err="1"/>
+              <a:t>hodnota</a:t>
+            </a:r>
+            <a:r>
+              <a:rPr lang="en-US" dirty="0"/>
+              <a:t> a </a:t>
+            </a:r>
+            <a:r>
+              <a:rPr lang="en-US" dirty="0" err="1"/>
+              <a:t>zde</a:t>
+            </a:r>
+            <a:r>
+              <a:rPr lang="en-US" dirty="0"/>
+              <a:t> </a:t>
+            </a:r>
+            <a:r>
+              <a:rPr lang="en-US" dirty="0" err="1"/>
+              <a:t>si</a:t>
+            </a:r>
+            <a:r>
+              <a:rPr lang="en-US" dirty="0"/>
+              <a:t> </a:t>
+            </a:r>
+            <a:r>
+              <a:rPr lang="en-US" dirty="0" err="1"/>
+              <a:t>uživatel</a:t>
+            </a:r>
+            <a:r>
+              <a:rPr lang="en-US" dirty="0"/>
+              <a:t> </a:t>
+            </a:r>
+            <a:r>
+              <a:rPr lang="en-US" dirty="0" err="1"/>
+              <a:t>zvolí</a:t>
+            </a:r>
+            <a:r>
+              <a:rPr lang="en-US" dirty="0"/>
+              <a:t> </a:t>
+            </a:r>
+            <a:r>
+              <a:rPr lang="en-US" dirty="0" err="1"/>
+              <a:t>jaký</a:t>
+            </a:r>
+            <a:r>
+              <a:rPr lang="en-US" dirty="0"/>
+              <a:t> </a:t>
+            </a:r>
+            <a:r>
+              <a:rPr lang="en-US" dirty="0" err="1"/>
+              <a:t>konkrétní</a:t>
+            </a:r>
+            <a:r>
+              <a:rPr lang="en-US" dirty="0"/>
+              <a:t> </a:t>
+            </a:r>
+            <a:r>
+              <a:rPr lang="en-US" dirty="0" err="1"/>
+              <a:t>sval</a:t>
+            </a:r>
+            <a:r>
+              <a:rPr lang="en-US" dirty="0"/>
+              <a:t> </a:t>
+            </a:r>
+            <a:r>
+              <a:rPr lang="en-US" dirty="0" err="1"/>
+              <a:t>chce</a:t>
+            </a:r>
+            <a:r>
+              <a:rPr lang="en-US" dirty="0"/>
+              <a:t> </a:t>
+            </a:r>
+            <a:r>
+              <a:rPr lang="en-US" dirty="0" err="1"/>
+              <a:t>zrovna</a:t>
+            </a:r>
+            <a:r>
+              <a:rPr lang="en-US" dirty="0"/>
+              <a:t> </a:t>
+            </a:r>
+            <a:r>
+              <a:rPr lang="en-US" dirty="0" err="1"/>
+              <a:t>měřet</a:t>
+            </a:r>
+            <a:endParaRPr lang="en-US" dirty="0"/>
+          </a:p>
+          <a:p>
+            <a:r>
+              <a:rPr lang="en-US" dirty="0"/>
+              <a:t>Pod </a:t>
+            </a:r>
+            <a:r>
+              <a:rPr lang="en-US" dirty="0" err="1"/>
+              <a:t>temito</a:t>
+            </a:r>
+            <a:r>
+              <a:rPr lang="en-US" dirty="0"/>
+              <a:t> radiobuttony je </a:t>
+            </a:r>
+            <a:r>
+              <a:rPr lang="en-US" dirty="0" err="1"/>
+              <a:t>návrat</a:t>
+            </a:r>
+            <a:r>
+              <a:rPr lang="en-US" dirty="0"/>
+              <a:t> </a:t>
+            </a:r>
+            <a:r>
+              <a:rPr lang="en-US" dirty="0" err="1"/>
+              <a:t>na</a:t>
+            </a:r>
+            <a:r>
+              <a:rPr lang="en-US" dirty="0"/>
+              <a:t> </a:t>
+            </a:r>
+            <a:r>
+              <a:rPr lang="en-US" dirty="0" err="1"/>
+              <a:t>hlavní</a:t>
+            </a:r>
+            <a:r>
+              <a:rPr lang="en-US" dirty="0"/>
+              <a:t> </a:t>
+            </a:r>
+            <a:r>
+              <a:rPr lang="en-US" dirty="0" err="1"/>
+              <a:t>okno</a:t>
+            </a:r>
+            <a:r>
+              <a:rPr lang="en-US" dirty="0"/>
+              <a:t> </a:t>
+            </a:r>
+            <a:r>
+              <a:rPr lang="en-US" dirty="0" err="1"/>
+              <a:t>admina</a:t>
+            </a:r>
+            <a:r>
+              <a:rPr lang="en-US" dirty="0"/>
+              <a:t> a </a:t>
+            </a:r>
+            <a:r>
+              <a:rPr lang="en-US" dirty="0" err="1"/>
+              <a:t>rozbalovací</a:t>
+            </a:r>
+            <a:r>
+              <a:rPr lang="en-US" dirty="0"/>
+              <a:t> </a:t>
+            </a:r>
+            <a:r>
+              <a:rPr lang="en-US" dirty="0" err="1"/>
+              <a:t>okno</a:t>
+            </a:r>
+            <a:r>
+              <a:rPr lang="en-US" dirty="0"/>
+              <a:t> pro </a:t>
+            </a:r>
+            <a:r>
+              <a:rPr lang="en-US" dirty="0" err="1"/>
+              <a:t>výběr</a:t>
+            </a:r>
+            <a:r>
+              <a:rPr lang="en-US" dirty="0"/>
+              <a:t> motive</a:t>
+            </a:r>
+          </a:p>
+          <a:p>
+            <a:r>
+              <a:rPr lang="en-US" dirty="0"/>
+              <a:t>V </a:t>
+            </a:r>
+            <a:r>
+              <a:rPr lang="en-US" dirty="0" err="1"/>
+              <a:t>pravé</a:t>
+            </a:r>
+            <a:r>
+              <a:rPr lang="en-US" dirty="0"/>
+              <a:t> </a:t>
+            </a:r>
+            <a:r>
+              <a:rPr lang="en-US" dirty="0" err="1"/>
+              <a:t>straně</a:t>
+            </a:r>
+            <a:r>
+              <a:rPr lang="en-US" dirty="0"/>
+              <a:t> </a:t>
+            </a:r>
+            <a:r>
+              <a:rPr lang="en-US" dirty="0" err="1"/>
+              <a:t>tohoto</a:t>
+            </a:r>
+            <a:r>
+              <a:rPr lang="en-US" dirty="0"/>
+              <a:t> </a:t>
+            </a:r>
+            <a:r>
+              <a:rPr lang="en-US" dirty="0" err="1"/>
+              <a:t>okna</a:t>
+            </a:r>
+            <a:r>
+              <a:rPr lang="en-US" dirty="0"/>
+              <a:t> je </a:t>
+            </a:r>
+            <a:r>
+              <a:rPr lang="en-US" dirty="0" err="1"/>
+              <a:t>tři</a:t>
+            </a:r>
+            <a:r>
+              <a:rPr lang="en-US" dirty="0"/>
+              <a:t> entry pole a </a:t>
+            </a:r>
+            <a:r>
+              <a:rPr lang="en-US" dirty="0" err="1"/>
+              <a:t>tři</a:t>
+            </a:r>
+            <a:r>
+              <a:rPr lang="en-US" dirty="0"/>
+              <a:t> </a:t>
+            </a:r>
+            <a:r>
+              <a:rPr lang="en-US" dirty="0" err="1"/>
+              <a:t>tlačítka</a:t>
+            </a:r>
+            <a:r>
+              <a:rPr lang="en-US" dirty="0"/>
+              <a:t> z toho </a:t>
+            </a:r>
+            <a:r>
+              <a:rPr lang="en-US" dirty="0" err="1"/>
+              <a:t>jedno</a:t>
+            </a:r>
+            <a:r>
+              <a:rPr lang="en-US" dirty="0"/>
+              <a:t> je </a:t>
+            </a:r>
+            <a:r>
+              <a:rPr lang="en-US" dirty="0" err="1"/>
+              <a:t>dočasně</a:t>
+            </a:r>
+            <a:r>
+              <a:rPr lang="en-US" dirty="0"/>
+              <a:t> </a:t>
+            </a:r>
+            <a:r>
+              <a:rPr lang="en-US" dirty="0" err="1"/>
+              <a:t>disablentuto</a:t>
+            </a:r>
+            <a:br>
+              <a:rPr lang="en-US" dirty="0"/>
+            </a:br>
+            <a:r>
+              <a:rPr lang="en-US" dirty="0"/>
+              <a:t>Do </a:t>
+            </a:r>
+            <a:r>
+              <a:rPr lang="en-US" dirty="0" err="1"/>
+              <a:t>prvního</a:t>
+            </a:r>
+            <a:r>
+              <a:rPr lang="en-US" dirty="0"/>
+              <a:t> </a:t>
+            </a:r>
+            <a:r>
+              <a:rPr lang="en-US" dirty="0" err="1"/>
+              <a:t>etery</a:t>
+            </a:r>
+            <a:r>
+              <a:rPr lang="en-US" dirty="0"/>
+              <a:t> pole se </a:t>
+            </a:r>
+            <a:r>
+              <a:rPr lang="en-US" dirty="0" err="1"/>
+              <a:t>zadává</a:t>
+            </a:r>
+            <a:r>
+              <a:rPr lang="en-US" dirty="0"/>
+              <a:t> </a:t>
+            </a:r>
+            <a:r>
+              <a:rPr lang="en-US" dirty="0" err="1"/>
+              <a:t>rychlost</a:t>
+            </a:r>
+            <a:r>
+              <a:rPr lang="en-US" dirty="0"/>
+              <a:t> s </a:t>
+            </a:r>
+            <a:r>
+              <a:rPr lang="en-US" dirty="0" err="1"/>
+              <a:t>jakou</a:t>
+            </a:r>
+            <a:r>
+              <a:rPr lang="en-US" dirty="0"/>
+              <a:t> </a:t>
+            </a:r>
+            <a:r>
+              <a:rPr lang="en-US" dirty="0" err="1"/>
+              <a:t>chce</a:t>
+            </a:r>
+            <a:r>
+              <a:rPr lang="en-US" dirty="0"/>
+              <a:t> administrator aby se </a:t>
+            </a:r>
+            <a:r>
+              <a:rPr lang="en-US" dirty="0" err="1"/>
+              <a:t>daný</a:t>
+            </a:r>
+            <a:r>
+              <a:rPr lang="en-US" dirty="0"/>
+              <a:t> </a:t>
+            </a:r>
+            <a:r>
+              <a:rPr lang="en-US" dirty="0" err="1"/>
+              <a:t>krokový</a:t>
+            </a:r>
+            <a:r>
+              <a:rPr lang="en-US" dirty="0"/>
+              <a:t> motor </a:t>
+            </a:r>
+            <a:r>
+              <a:rPr lang="en-US" dirty="0" err="1"/>
+              <a:t>posouval</a:t>
+            </a:r>
+            <a:r>
+              <a:rPr lang="en-US" dirty="0"/>
+              <a:t> </a:t>
+            </a:r>
+            <a:r>
+              <a:rPr lang="en-US" dirty="0" err="1"/>
+              <a:t>pote</a:t>
+            </a:r>
+            <a:r>
+              <a:rPr lang="en-US" dirty="0"/>
+              <a:t> </a:t>
+            </a:r>
+            <a:r>
+              <a:rPr lang="en-US" dirty="0" err="1"/>
+              <a:t>ve</a:t>
+            </a:r>
+            <a:r>
+              <a:rPr lang="en-US" dirty="0"/>
+              <a:t> </a:t>
+            </a:r>
+            <a:r>
+              <a:rPr lang="en-US" dirty="0" err="1"/>
+              <a:t>spodu</a:t>
+            </a:r>
+            <a:r>
+              <a:rPr lang="en-US" dirty="0"/>
+              <a:t> je </a:t>
+            </a:r>
+            <a:r>
+              <a:rPr lang="en-US" dirty="0" err="1"/>
+              <a:t>je</a:t>
+            </a:r>
+            <a:r>
+              <a:rPr lang="en-US" dirty="0"/>
+              <a:t> pole steps do </a:t>
+            </a:r>
+            <a:r>
+              <a:rPr lang="en-US" dirty="0" err="1"/>
+              <a:t>kterého</a:t>
+            </a:r>
+            <a:r>
+              <a:rPr lang="en-US" dirty="0"/>
+              <a:t> operator </a:t>
+            </a:r>
+            <a:r>
+              <a:rPr lang="en-US" dirty="0" err="1"/>
+              <a:t>zadá</a:t>
+            </a:r>
+            <a:r>
+              <a:rPr lang="en-US" dirty="0"/>
+              <a:t> </a:t>
+            </a:r>
+            <a:r>
+              <a:rPr lang="en-US" dirty="0" err="1"/>
+              <a:t>kolik</a:t>
+            </a:r>
+            <a:r>
+              <a:rPr lang="en-US" dirty="0"/>
+              <a:t> </a:t>
+            </a:r>
+            <a:r>
+              <a:rPr lang="en-US" dirty="0" err="1"/>
+              <a:t>kroků</a:t>
+            </a:r>
+            <a:r>
+              <a:rPr lang="en-US" dirty="0"/>
+              <a:t> </a:t>
+            </a:r>
+            <a:r>
+              <a:rPr lang="en-US" dirty="0" err="1"/>
+              <a:t>chce</a:t>
+            </a:r>
+            <a:r>
+              <a:rPr lang="en-US" dirty="0"/>
+              <a:t> aby se </a:t>
+            </a:r>
+            <a:r>
+              <a:rPr lang="en-US" dirty="0" err="1"/>
+              <a:t>najednou</a:t>
+            </a:r>
+            <a:r>
+              <a:rPr lang="en-US" dirty="0"/>
+              <a:t> </a:t>
+            </a:r>
+            <a:r>
+              <a:rPr lang="en-US" dirty="0" err="1"/>
+              <a:t>uskutečnilo</a:t>
+            </a:r>
+            <a:endParaRPr lang="en-US" dirty="0"/>
+          </a:p>
+          <a:p>
+            <a:r>
+              <a:rPr lang="en-US" dirty="0"/>
+              <a:t>A </a:t>
+            </a:r>
+            <a:r>
+              <a:rPr lang="en-US" dirty="0" err="1"/>
+              <a:t>posledním</a:t>
+            </a:r>
+            <a:r>
+              <a:rPr lang="en-US" dirty="0"/>
+              <a:t> </a:t>
+            </a:r>
+            <a:r>
+              <a:rPr lang="en-US" dirty="0" err="1"/>
+              <a:t>prostředním</a:t>
+            </a:r>
+            <a:r>
+              <a:rPr lang="en-US" dirty="0"/>
+              <a:t> je </a:t>
+            </a:r>
+            <a:r>
+              <a:rPr lang="en-US" dirty="0" err="1"/>
+              <a:t>hw</a:t>
+            </a:r>
+            <a:r>
+              <a:rPr lang="en-US" dirty="0"/>
+              <a:t> </a:t>
+            </a:r>
+            <a:r>
+              <a:rPr lang="en-US" dirty="0" err="1"/>
+              <a:t>hodnota</a:t>
+            </a:r>
+            <a:r>
+              <a:rPr lang="en-US" dirty="0"/>
+              <a:t> </a:t>
+            </a:r>
+            <a:r>
+              <a:rPr lang="en-US" dirty="0" err="1"/>
+              <a:t>kterou</a:t>
+            </a:r>
+            <a:r>
+              <a:rPr lang="en-US" dirty="0"/>
+              <a:t> operator </a:t>
+            </a:r>
+            <a:r>
+              <a:rPr lang="en-US" dirty="0" err="1"/>
+              <a:t>odčítá</a:t>
+            </a:r>
+            <a:r>
+              <a:rPr lang="en-US" dirty="0"/>
+              <a:t> a </a:t>
+            </a:r>
+            <a:r>
+              <a:rPr lang="en-US" dirty="0" err="1"/>
+              <a:t>zapisuje</a:t>
+            </a:r>
+            <a:r>
+              <a:rPr lang="en-US" dirty="0"/>
+              <a:t> z </a:t>
+            </a:r>
+            <a:r>
+              <a:rPr lang="en-US" dirty="0" err="1"/>
+              <a:t>digitálního</a:t>
+            </a:r>
+            <a:r>
+              <a:rPr lang="en-US" dirty="0"/>
+              <a:t> </a:t>
+            </a:r>
+            <a:r>
+              <a:rPr lang="en-US" dirty="0" err="1"/>
+              <a:t>tlakoměru</a:t>
+            </a:r>
+            <a:endParaRPr lang="en-US" dirty="0"/>
+          </a:p>
+          <a:p>
+            <a:r>
+              <a:rPr lang="en-US" dirty="0" err="1"/>
+              <a:t>Tlačítka</a:t>
+            </a:r>
+            <a:r>
+              <a:rPr lang="en-US" dirty="0"/>
+              <a:t> </a:t>
+            </a:r>
+            <a:r>
+              <a:rPr lang="en-US" dirty="0" err="1"/>
+              <a:t>slouží</a:t>
+            </a:r>
+            <a:r>
+              <a:rPr lang="en-US" dirty="0"/>
+              <a:t> k </a:t>
+            </a:r>
+            <a:r>
+              <a:rPr lang="en-US" dirty="0" err="1"/>
+              <a:t>tomu</a:t>
+            </a:r>
+            <a:r>
+              <a:rPr lang="en-US" dirty="0"/>
+              <a:t> aby se </a:t>
+            </a:r>
+            <a:r>
+              <a:rPr lang="en-US" dirty="0" err="1"/>
+              <a:t>nastavila</a:t>
+            </a:r>
+            <a:r>
+              <a:rPr lang="en-US" dirty="0"/>
+              <a:t> </a:t>
+            </a:r>
+            <a:r>
+              <a:rPr lang="en-US" dirty="0" err="1"/>
+              <a:t>tecnická</a:t>
+            </a:r>
+            <a:r>
+              <a:rPr lang="en-US" dirty="0"/>
+              <a:t> </a:t>
+            </a:r>
+            <a:r>
+              <a:rPr lang="en-US" dirty="0" err="1"/>
+              <a:t>nula</a:t>
+            </a:r>
+            <a:r>
+              <a:rPr lang="en-US" dirty="0"/>
+              <a:t> aby se </a:t>
+            </a:r>
+            <a:r>
+              <a:rPr lang="en-US" dirty="0" err="1"/>
+              <a:t>měření</a:t>
+            </a:r>
+            <a:r>
+              <a:rPr lang="en-US" dirty="0"/>
+              <a:t> </a:t>
+            </a:r>
+            <a:r>
+              <a:rPr lang="en-US" dirty="0" err="1"/>
+              <a:t>vždy</a:t>
+            </a:r>
+            <a:r>
+              <a:rPr lang="en-US" dirty="0"/>
+              <a:t> </a:t>
+            </a:r>
+            <a:r>
+              <a:rPr lang="en-US" dirty="0" err="1"/>
+              <a:t>provádělo</a:t>
+            </a:r>
+            <a:r>
+              <a:rPr lang="en-US" dirty="0"/>
+              <a:t> od </a:t>
+            </a:r>
+            <a:r>
+              <a:rPr lang="en-US" dirty="0" err="1"/>
+              <a:t>počáteční</a:t>
+            </a:r>
+            <a:r>
+              <a:rPr lang="en-US" dirty="0"/>
+              <a:t> </a:t>
+            </a:r>
+            <a:r>
+              <a:rPr lang="en-US" dirty="0" err="1"/>
+              <a:t>hodnoty</a:t>
+            </a:r>
+            <a:r>
+              <a:rPr lang="en-US" dirty="0"/>
+              <a:t> </a:t>
+            </a:r>
+            <a:r>
+              <a:rPr lang="en-US" dirty="0" err="1"/>
+              <a:t>která</a:t>
+            </a:r>
+            <a:r>
+              <a:rPr lang="en-US" dirty="0"/>
+              <a:t> </a:t>
+            </a:r>
+            <a:r>
+              <a:rPr lang="en-US" dirty="0" err="1"/>
+              <a:t>byla</a:t>
+            </a:r>
+            <a:r>
+              <a:rPr lang="en-US" dirty="0"/>
+              <a:t> </a:t>
+            </a:r>
+            <a:r>
+              <a:rPr lang="en-US" dirty="0" err="1"/>
+              <a:t>navrhnu</a:t>
+            </a:r>
+            <a:r>
+              <a:rPr lang="en-US" dirty="0"/>
+              <a:t> </a:t>
+            </a:r>
+            <a:br>
+              <a:rPr lang="en-US" dirty="0"/>
+            </a:br>
+            <a:r>
+              <a:rPr lang="en-US" dirty="0" err="1"/>
+              <a:t>Druhým</a:t>
+            </a:r>
+            <a:r>
+              <a:rPr lang="en-US" dirty="0"/>
+              <a:t> </a:t>
+            </a:r>
+            <a:r>
+              <a:rPr lang="en-US" dirty="0" err="1"/>
+              <a:t>tlačítkem</a:t>
+            </a:r>
+            <a:r>
+              <a:rPr lang="en-US" dirty="0"/>
+              <a:t> je </a:t>
+            </a:r>
+            <a:r>
+              <a:rPr lang="en-US" dirty="0" err="1"/>
+              <a:t>tlačítko</a:t>
+            </a:r>
+            <a:r>
+              <a:rPr lang="en-US" dirty="0"/>
+              <a:t> </a:t>
+            </a:r>
+            <a:r>
+              <a:rPr lang="en-US" dirty="0" err="1"/>
+              <a:t>krok</a:t>
+            </a:r>
+            <a:r>
+              <a:rPr lang="en-US" dirty="0"/>
+              <a:t> </a:t>
+            </a:r>
+            <a:r>
+              <a:rPr lang="en-US" dirty="0" err="1"/>
+              <a:t>které</a:t>
+            </a:r>
+            <a:r>
+              <a:rPr lang="en-US" dirty="0"/>
+              <a:t> </a:t>
+            </a:r>
+            <a:r>
+              <a:rPr lang="en-US" dirty="0" err="1"/>
+              <a:t>zajištuje</a:t>
+            </a:r>
+            <a:r>
+              <a:rPr lang="en-US" dirty="0"/>
+              <a:t> </a:t>
+            </a:r>
+            <a:r>
+              <a:rPr lang="en-US" dirty="0" err="1"/>
+              <a:t>pohyb</a:t>
+            </a:r>
+            <a:r>
+              <a:rPr lang="en-US" dirty="0"/>
+              <a:t> po </a:t>
+            </a:r>
+            <a:r>
+              <a:rPr lang="en-US" dirty="0" err="1"/>
+              <a:t>zadání</a:t>
+            </a:r>
+            <a:r>
+              <a:rPr lang="en-US" dirty="0"/>
+              <a:t> </a:t>
+            </a:r>
+            <a:r>
+              <a:rPr lang="en-US" dirty="0" err="1"/>
+              <a:t>všech</a:t>
+            </a:r>
+            <a:r>
+              <a:rPr lang="en-US" dirty="0"/>
+              <a:t> </a:t>
+            </a:r>
+            <a:r>
+              <a:rPr lang="en-US" dirty="0" err="1"/>
+              <a:t>kroků</a:t>
+            </a:r>
+            <a:endParaRPr lang="en-US" dirty="0"/>
+          </a:p>
+          <a:p>
+            <a:r>
+              <a:rPr lang="en-US" dirty="0"/>
+              <a:t>A </a:t>
+            </a:r>
+            <a:r>
+              <a:rPr lang="en-US" dirty="0" err="1"/>
+              <a:t>posledním</a:t>
+            </a:r>
+            <a:r>
+              <a:rPr lang="en-US" dirty="0"/>
+              <a:t> </a:t>
+            </a:r>
+            <a:r>
+              <a:rPr lang="en-US" dirty="0" err="1"/>
+              <a:t>tlačítkem</a:t>
+            </a:r>
+            <a:r>
+              <a:rPr lang="en-US" dirty="0"/>
+              <a:t> je </a:t>
+            </a:r>
+            <a:r>
+              <a:rPr lang="en-US" dirty="0" err="1"/>
+              <a:t>pokročaovat</a:t>
+            </a:r>
+            <a:r>
+              <a:rPr lang="en-US" dirty="0"/>
+              <a:t> </a:t>
+            </a:r>
+            <a:r>
+              <a:rPr lang="en-US" dirty="0" err="1"/>
+              <a:t>které</a:t>
+            </a:r>
+            <a:r>
+              <a:rPr lang="en-US" dirty="0"/>
+              <a:t> </a:t>
+            </a:r>
+            <a:r>
+              <a:rPr lang="en-US" dirty="0" err="1"/>
+              <a:t>zajištuje</a:t>
+            </a:r>
+            <a:r>
+              <a:rPr lang="en-US" dirty="0"/>
+              <a:t> to aby </a:t>
+            </a:r>
+            <a:r>
+              <a:rPr lang="en-US" dirty="0" err="1"/>
+              <a:t>vždy</a:t>
+            </a:r>
+            <a:r>
+              <a:rPr lang="en-US" dirty="0"/>
+              <a:t> po </a:t>
+            </a:r>
+            <a:r>
+              <a:rPr lang="en-US" dirty="0" err="1"/>
+              <a:t>každé</a:t>
+            </a:r>
+            <a:r>
+              <a:rPr lang="en-US" dirty="0"/>
+              <a:t> </a:t>
+            </a:r>
+            <a:r>
+              <a:rPr lang="en-US" dirty="0" err="1"/>
+              <a:t>změně</a:t>
+            </a:r>
+            <a:r>
+              <a:rPr lang="en-US" dirty="0"/>
+              <a:t> </a:t>
+            </a:r>
+            <a:r>
+              <a:rPr lang="en-US" dirty="0" err="1"/>
+              <a:t>svalu</a:t>
+            </a:r>
+            <a:r>
+              <a:rPr lang="en-US" dirty="0"/>
+              <a:t> </a:t>
+            </a:r>
+            <a:r>
+              <a:rPr lang="en-US" dirty="0" err="1"/>
+              <a:t>užiatel</a:t>
+            </a:r>
+            <a:r>
+              <a:rPr lang="en-US" dirty="0"/>
+              <a:t> </a:t>
+            </a:r>
+            <a:r>
+              <a:rPr lang="en-US" dirty="0" err="1"/>
+              <a:t>musel</a:t>
+            </a:r>
+            <a:r>
+              <a:rPr lang="en-US" dirty="0"/>
+              <a:t> </a:t>
+            </a:r>
+            <a:r>
+              <a:rPr lang="en-US" dirty="0" err="1"/>
+              <a:t>potvrdit</a:t>
+            </a:r>
+            <a:r>
+              <a:rPr lang="en-US" dirty="0"/>
+              <a:t> </a:t>
+            </a:r>
+            <a:r>
+              <a:rPr lang="en-US" dirty="0" err="1"/>
+              <a:t>že</a:t>
+            </a:r>
+            <a:r>
+              <a:rPr lang="en-US" dirty="0"/>
+              <a:t> ji </a:t>
+            </a:r>
+            <a:r>
+              <a:rPr lang="en-US" dirty="0" err="1"/>
+              <a:t>připraven</a:t>
+            </a:r>
+            <a:r>
+              <a:rPr lang="en-US" dirty="0"/>
+              <a:t> </a:t>
+            </a:r>
+            <a:r>
+              <a:rPr lang="en-US" dirty="0" err="1"/>
+              <a:t>provádět</a:t>
+            </a:r>
+            <a:r>
+              <a:rPr lang="en-US" dirty="0"/>
+              <a:t> </a:t>
+            </a:r>
+            <a:r>
+              <a:rPr lang="en-US" dirty="0" err="1"/>
+              <a:t>nová</a:t>
+            </a:r>
+            <a:r>
+              <a:rPr lang="en-US" dirty="0"/>
+              <a:t> </a:t>
+            </a:r>
+            <a:r>
+              <a:rPr lang="en-US" dirty="0" err="1"/>
+              <a:t>měření</a:t>
+            </a:r>
+            <a:r>
+              <a:rPr lang="en-US" dirty="0"/>
+              <a:t> </a:t>
+            </a:r>
+            <a:r>
+              <a:rPr lang="en-US" dirty="0" err="1"/>
+              <a:t>tento</a:t>
+            </a:r>
+            <a:r>
+              <a:rPr lang="en-US" dirty="0"/>
+              <a:t> </a:t>
+            </a:r>
+            <a:r>
+              <a:rPr lang="en-US" dirty="0" err="1"/>
+              <a:t>bezpečností</a:t>
+            </a:r>
+            <a:r>
+              <a:rPr lang="en-US" dirty="0"/>
+              <a:t> </a:t>
+            </a:r>
+            <a:r>
+              <a:rPr lang="en-US" dirty="0" err="1"/>
+              <a:t>prvek</a:t>
+            </a:r>
+            <a:r>
+              <a:rPr lang="en-US" dirty="0"/>
+              <a:t> je tam take z </a:t>
+            </a:r>
+            <a:r>
+              <a:rPr lang="en-US" dirty="0" err="1"/>
+              <a:t>hlediska</a:t>
+            </a:r>
+            <a:r>
+              <a:rPr lang="en-US" dirty="0"/>
+              <a:t> toho </a:t>
+            </a:r>
+            <a:r>
+              <a:rPr lang="en-US" dirty="0" err="1"/>
+              <a:t>že</a:t>
+            </a:r>
+            <a:r>
+              <a:rPr lang="en-US" dirty="0"/>
+              <a:t> </a:t>
+            </a:r>
+            <a:r>
+              <a:rPr lang="en-US" dirty="0" err="1"/>
+              <a:t>tlačítko</a:t>
+            </a:r>
+            <a:r>
+              <a:rPr lang="en-US" dirty="0"/>
+              <a:t> </a:t>
+            </a:r>
+            <a:r>
+              <a:rPr lang="en-US" dirty="0" err="1"/>
+              <a:t>krok</a:t>
+            </a:r>
+            <a:r>
+              <a:rPr lang="en-US" dirty="0"/>
+              <a:t> je </a:t>
+            </a:r>
+            <a:r>
+              <a:rPr lang="en-US" dirty="0" err="1"/>
+              <a:t>přiřazeno</a:t>
+            </a:r>
+            <a:r>
+              <a:rPr lang="en-US" dirty="0"/>
+              <a:t> </a:t>
+            </a:r>
+            <a:r>
+              <a:rPr lang="en-US" dirty="0" err="1"/>
+              <a:t>na</a:t>
+            </a:r>
+            <a:r>
+              <a:rPr lang="en-US" dirty="0"/>
+              <a:t> </a:t>
+            </a:r>
+            <a:r>
+              <a:rPr lang="en-US" dirty="0" err="1"/>
+              <a:t>klávesu</a:t>
+            </a:r>
+            <a:r>
+              <a:rPr lang="en-US" dirty="0"/>
+              <a:t> enter </a:t>
+            </a:r>
+            <a:r>
+              <a:rPr lang="en-US" dirty="0" err="1"/>
+              <a:t>takže</a:t>
+            </a:r>
+            <a:r>
+              <a:rPr lang="en-US" dirty="0"/>
+              <a:t> </a:t>
+            </a:r>
+            <a:r>
+              <a:rPr lang="en-US" dirty="0" err="1"/>
+              <a:t>uživatel</a:t>
+            </a:r>
+            <a:r>
+              <a:rPr lang="en-US" dirty="0"/>
+              <a:t> </a:t>
+            </a:r>
+            <a:r>
+              <a:rPr lang="en-US" dirty="0" err="1"/>
+              <a:t>může</a:t>
+            </a:r>
+            <a:r>
+              <a:rPr lang="en-US" dirty="0"/>
+              <a:t> </a:t>
+            </a:r>
+            <a:r>
+              <a:rPr lang="en-US" dirty="0" err="1"/>
+              <a:t>potvrzovat</a:t>
+            </a:r>
+            <a:r>
+              <a:rPr lang="en-US" dirty="0"/>
+              <a:t> bud </a:t>
+            </a:r>
+            <a:r>
+              <a:rPr lang="en-US" dirty="0" err="1"/>
+              <a:t>pomocí</a:t>
+            </a:r>
+            <a:r>
+              <a:rPr lang="en-US" dirty="0"/>
+              <a:t> </a:t>
+            </a:r>
+            <a:r>
+              <a:rPr lang="en-US" dirty="0" err="1"/>
+              <a:t>tlačítka</a:t>
+            </a:r>
+            <a:r>
+              <a:rPr lang="en-US" dirty="0"/>
+              <a:t> </a:t>
+            </a:r>
+            <a:r>
+              <a:rPr lang="en-US" dirty="0" err="1"/>
+              <a:t>nebo</a:t>
+            </a:r>
+            <a:r>
+              <a:rPr lang="en-US" dirty="0"/>
+              <a:t> </a:t>
+            </a:r>
+            <a:r>
+              <a:rPr lang="en-US" dirty="0" err="1"/>
+              <a:t>klávesy</a:t>
+            </a:r>
+            <a:endParaRPr lang="en-US" dirty="0"/>
+          </a:p>
+        </p:txBody>
+      </p:sp>
+      <p:sp>
+        <p:nvSpPr>
+          <p:cNvPr id="4" name="Slide Number Placeholder 3"/>
+          <p:cNvSpPr>
+            <a:spLocks noGrp="1"/>
+          </p:cNvSpPr>
+          <p:nvPr>
+            <p:ph type="sldNum" sz="quarter" idx="5"/>
+          </p:nvPr>
+        </p:nvSpPr>
+        <p:spPr/>
+        <p:txBody>
+          <a:bodyPr/>
+          <a:lstStyle/>
+          <a:p>
+            <a:fld id="{40499985-F144-4F30-9B65-93EDEC442801}" type="slidenum">
+              <a:rPr lang="cs-CZ" smtClean="0"/>
+              <a:t>18</a:t>
+            </a:fld>
+            <a:endParaRPr lang="cs-CZ"/>
+          </a:p>
+        </p:txBody>
+      </p:sp>
+    </p:spTree>
+    <p:extLst>
+      <p:ext uri="{BB962C8B-B14F-4D97-AF65-F5344CB8AC3E}">
+        <p14:creationId xmlns:p14="http://schemas.microsoft.com/office/powerpoint/2010/main" val="1593135425"/>
+      </p:ext>
+    </p:extLst>
+  </p:cSld>
+  <p:clrMapOvr>
+    <a:masterClrMapping/>
+  </p:clrMapOvr>
+</p:notes>
+</file>
+
+<file path=ppt/notesSlides/notesSlide15.xml><?xml version="1.0" encoding="utf-8"?>
+<p:notes xmlns:a="http://schemas.openxmlformats.org/drawingml/2006/main" xmlns:r="http://schemas.openxmlformats.org/officeDocument/2006/relationships" xmlns:p="http://schemas.openxmlformats.org/presentationml/2006/main">
+  <p:cSld>
+    <p:spTree>
+      <p:nvGrpSpPr>
+        <p:cNvPr id="1" name=""/>
+        <p:cNvGrpSpPr/>
+        <p:nvPr/>
+      </p:nvGrpSpPr>
+      <p:grpSpPr>
+        <a:xfrm>
+          <a:off x="0" y="0"/>
+          <a:ext cx="0" cy="0"/>
+          <a:chOff x="0" y="0"/>
+          <a:chExt cx="0" cy="0"/>
+        </a:xfrm>
+      </p:grpSpPr>
+      <p:sp>
+        <p:nvSpPr>
+          <p:cNvPr id="2" name="Slide Image Placeholder 1"/>
+          <p:cNvSpPr>
+            <a:spLocks noGrp="1" noRot="1" noChangeAspect="1"/>
+          </p:cNvSpPr>
+          <p:nvPr>
+            <p:ph type="sldImg"/>
+          </p:nvPr>
+        </p:nvSpPr>
+        <p:spPr/>
+      </p:sp>
+      <p:sp>
+        <p:nvSpPr>
+          <p:cNvPr id="3" name="Notes Placeholder 2"/>
+          <p:cNvSpPr>
+            <a:spLocks noGrp="1"/>
+          </p:cNvSpPr>
+          <p:nvPr>
+            <p:ph type="body" idx="1"/>
+          </p:nvPr>
+        </p:nvSpPr>
+        <p:spPr/>
+        <p:txBody>
+          <a:bodyPr/>
+          <a:lstStyle/>
+          <a:p>
+            <a:r>
+              <a:rPr lang="en-US" dirty="0" err="1"/>
+              <a:t>Posledním</a:t>
+            </a:r>
+            <a:r>
+              <a:rPr lang="en-US" dirty="0"/>
+              <a:t> </a:t>
+            </a:r>
+            <a:r>
+              <a:rPr lang="en-US" dirty="0" err="1"/>
+              <a:t>oknonem</a:t>
+            </a:r>
+            <a:r>
+              <a:rPr lang="en-US" dirty="0"/>
+              <a:t> je </a:t>
+            </a:r>
+            <a:r>
+              <a:rPr lang="en-US" dirty="0" err="1"/>
+              <a:t>grafické</a:t>
+            </a:r>
+            <a:r>
+              <a:rPr lang="en-US" dirty="0"/>
+              <a:t> </a:t>
+            </a:r>
+            <a:r>
+              <a:rPr lang="en-US" dirty="0" err="1"/>
+              <a:t>zobrazení</a:t>
+            </a:r>
+            <a:r>
+              <a:rPr lang="en-US" dirty="0"/>
+              <a:t> database </a:t>
+            </a:r>
+            <a:r>
+              <a:rPr lang="en-US" dirty="0" err="1"/>
+              <a:t>kde</a:t>
+            </a:r>
+            <a:r>
+              <a:rPr lang="en-US" dirty="0"/>
+              <a:t> </a:t>
+            </a:r>
+            <a:r>
+              <a:rPr lang="en-US" dirty="0" err="1"/>
+              <a:t>uživatel</a:t>
+            </a:r>
+            <a:r>
+              <a:rPr lang="en-US" dirty="0"/>
+              <a:t> </a:t>
+            </a:r>
+            <a:r>
+              <a:rPr lang="en-US" dirty="0" err="1"/>
+              <a:t>může</a:t>
+            </a:r>
+            <a:r>
+              <a:rPr lang="en-US" dirty="0"/>
+              <a:t> </a:t>
+            </a:r>
+            <a:r>
+              <a:rPr lang="en-US" dirty="0" err="1"/>
+              <a:t>vytvářet</a:t>
+            </a:r>
+            <a:r>
+              <a:rPr lang="en-US" dirty="0"/>
+              <a:t> </a:t>
+            </a:r>
+            <a:r>
+              <a:rPr lang="en-US" dirty="0" err="1"/>
+              <a:t>nové</a:t>
+            </a:r>
+            <a:r>
+              <a:rPr lang="en-US" dirty="0"/>
+              <a:t> </a:t>
+            </a:r>
+            <a:r>
+              <a:rPr lang="en-US" dirty="0" err="1"/>
+              <a:t>nebo</a:t>
+            </a:r>
+            <a:r>
+              <a:rPr lang="en-US" dirty="0"/>
+              <a:t> </a:t>
+            </a:r>
+            <a:r>
+              <a:rPr lang="en-US" dirty="0" err="1"/>
+              <a:t>upravovat</a:t>
+            </a:r>
+            <a:r>
+              <a:rPr lang="en-US" dirty="0"/>
+              <a:t> stare </a:t>
+            </a:r>
+            <a:r>
+              <a:rPr lang="en-US" dirty="0" err="1"/>
+              <a:t>převodní</a:t>
+            </a:r>
+            <a:r>
+              <a:rPr lang="en-US" dirty="0"/>
+              <a:t> </a:t>
+            </a:r>
+            <a:r>
+              <a:rPr lang="en-US" dirty="0" err="1"/>
+              <a:t>svaly</a:t>
+            </a:r>
+            <a:br>
+              <a:rPr lang="en-US" dirty="0"/>
+            </a:br>
+            <a:r>
+              <a:rPr lang="en-US" dirty="0" err="1"/>
+              <a:t>zde</a:t>
+            </a:r>
+            <a:r>
+              <a:rPr lang="en-US" dirty="0"/>
+              <a:t> </a:t>
+            </a:r>
+            <a:r>
+              <a:rPr lang="en-US" dirty="0" err="1"/>
+              <a:t>jsou</a:t>
+            </a:r>
+            <a:r>
+              <a:rPr lang="en-US" dirty="0"/>
+              <a:t> 4 </a:t>
+            </a:r>
+            <a:r>
+              <a:rPr lang="en-US" dirty="0" err="1"/>
+              <a:t>hlavní</a:t>
+            </a:r>
+            <a:r>
+              <a:rPr lang="en-US" dirty="0"/>
+              <a:t> </a:t>
+            </a:r>
+            <a:r>
+              <a:rPr lang="en-US" dirty="0" err="1"/>
+              <a:t>komponenty</a:t>
+            </a:r>
+            <a:br>
+              <a:rPr lang="en-US" dirty="0"/>
+            </a:br>
+            <a:r>
+              <a:rPr lang="en-US" dirty="0" err="1"/>
+              <a:t>první</a:t>
+            </a:r>
+            <a:r>
+              <a:rPr lang="en-US" dirty="0"/>
+              <a:t> je </a:t>
+            </a:r>
+            <a:r>
+              <a:rPr lang="en-US" dirty="0" err="1"/>
+              <a:t>název</a:t>
+            </a:r>
+            <a:r>
+              <a:rPr lang="en-US" dirty="0"/>
+              <a:t> </a:t>
+            </a:r>
+            <a:r>
+              <a:rPr lang="en-US" dirty="0" err="1"/>
+              <a:t>vzorce</a:t>
+            </a:r>
+            <a:r>
+              <a:rPr lang="en-US" dirty="0"/>
+              <a:t> </a:t>
+            </a:r>
+            <a:r>
+              <a:rPr lang="en-US" dirty="0" err="1"/>
+              <a:t>vedle</a:t>
+            </a:r>
+            <a:r>
+              <a:rPr lang="en-US" dirty="0"/>
+              <a:t> toho je </a:t>
+            </a:r>
+            <a:r>
+              <a:rPr lang="en-US" dirty="0" err="1"/>
+              <a:t>kolikátý</a:t>
+            </a:r>
+            <a:r>
+              <a:rPr lang="en-US" dirty="0"/>
+              <a:t> </a:t>
+            </a:r>
+            <a:r>
+              <a:rPr lang="en-US" dirty="0" err="1"/>
+              <a:t>převodní</a:t>
+            </a:r>
+            <a:r>
+              <a:rPr lang="en-US" dirty="0"/>
+              <a:t> </a:t>
+            </a:r>
+            <a:r>
+              <a:rPr lang="en-US" dirty="0" err="1"/>
+              <a:t>vzorec</a:t>
+            </a:r>
+            <a:r>
+              <a:rPr lang="en-US" dirty="0"/>
+              <a:t> je </a:t>
+            </a:r>
+            <a:r>
+              <a:rPr lang="en-US" dirty="0" err="1"/>
+              <a:t>aktuální</a:t>
+            </a:r>
+            <a:r>
+              <a:rPr lang="en-US" dirty="0"/>
+              <a:t> </a:t>
+            </a:r>
+            <a:r>
+              <a:rPr lang="en-US" dirty="0" err="1"/>
+              <a:t>aktivní</a:t>
+            </a:r>
+            <a:r>
+              <a:rPr lang="en-US" dirty="0"/>
+              <a:t> </a:t>
+            </a:r>
+            <a:br>
+              <a:rPr lang="en-US" dirty="0"/>
+            </a:br>
+            <a:r>
+              <a:rPr lang="en-US" dirty="0" err="1"/>
+              <a:t>poté</a:t>
+            </a:r>
+            <a:r>
+              <a:rPr lang="en-US" dirty="0"/>
+              <a:t> </a:t>
+            </a:r>
+            <a:r>
+              <a:rPr lang="en-US" dirty="0" err="1"/>
+              <a:t>na</a:t>
+            </a:r>
+            <a:r>
+              <a:rPr lang="en-US" dirty="0"/>
+              <a:t> parvo od toho se </a:t>
+            </a:r>
+            <a:r>
+              <a:rPr lang="en-US" dirty="0" err="1"/>
+              <a:t>nachází</a:t>
+            </a:r>
+            <a:r>
+              <a:rPr lang="en-US" dirty="0"/>
+              <a:t> </a:t>
+            </a:r>
+            <a:r>
+              <a:rPr lang="en-US" dirty="0" err="1"/>
+              <a:t>tlačítko</a:t>
+            </a:r>
+            <a:r>
+              <a:rPr lang="en-US" dirty="0"/>
+              <a:t> </a:t>
+            </a:r>
+            <a:r>
+              <a:rPr lang="en-US" dirty="0" err="1"/>
+              <a:t>nový</a:t>
+            </a:r>
+            <a:r>
+              <a:rPr lang="en-US" dirty="0"/>
+              <a:t> </a:t>
+            </a:r>
+            <a:r>
+              <a:rPr lang="en-US" dirty="0" err="1"/>
+              <a:t>pomocí</a:t>
+            </a:r>
+            <a:r>
+              <a:rPr lang="en-US" dirty="0"/>
+              <a:t> </a:t>
+            </a:r>
+            <a:r>
+              <a:rPr lang="en-US" dirty="0" err="1"/>
+              <a:t>kterého</a:t>
+            </a:r>
+            <a:r>
+              <a:rPr lang="en-US" dirty="0"/>
+              <a:t> je administrator </a:t>
+            </a:r>
+            <a:r>
+              <a:rPr lang="en-US" dirty="0" err="1"/>
+              <a:t>schopen</a:t>
+            </a:r>
+            <a:r>
+              <a:rPr lang="en-US" dirty="0"/>
+              <a:t> </a:t>
+            </a:r>
+            <a:r>
+              <a:rPr lang="en-US" dirty="0" err="1"/>
+              <a:t>vytvořit</a:t>
+            </a:r>
+            <a:r>
+              <a:rPr lang="en-US" dirty="0"/>
+              <a:t> </a:t>
+            </a:r>
+            <a:r>
+              <a:rPr lang="en-US" dirty="0" err="1"/>
+              <a:t>nový</a:t>
+            </a:r>
+            <a:r>
+              <a:rPr lang="en-US" dirty="0"/>
+              <a:t> </a:t>
+            </a:r>
+            <a:r>
+              <a:rPr lang="en-US" dirty="0" err="1"/>
+              <a:t>převodní</a:t>
+            </a:r>
+            <a:r>
+              <a:rPr lang="en-US" dirty="0"/>
+              <a:t> </a:t>
+            </a:r>
+            <a:r>
+              <a:rPr lang="en-US" dirty="0" err="1"/>
+              <a:t>vzorec</a:t>
+            </a:r>
+            <a:r>
+              <a:rPr lang="en-US" dirty="0"/>
+              <a:t> </a:t>
+            </a:r>
+            <a:br>
+              <a:rPr lang="en-US" dirty="0"/>
+            </a:br>
+            <a:r>
+              <a:rPr lang="en-US" dirty="0"/>
+              <a:t>a </a:t>
+            </a:r>
+            <a:r>
+              <a:rPr lang="en-US" dirty="0" err="1"/>
+              <a:t>poslední</a:t>
+            </a:r>
+            <a:r>
+              <a:rPr lang="en-US" dirty="0"/>
+              <a:t> entry pole to je </a:t>
+            </a:r>
+            <a:r>
+              <a:rPr lang="en-US" dirty="0" err="1"/>
+              <a:t>zvoleno</a:t>
+            </a:r>
+            <a:r>
+              <a:rPr lang="en-US" dirty="0"/>
+              <a:t> </a:t>
+            </a:r>
+            <a:r>
+              <a:rPr lang="en-US" dirty="0" err="1"/>
+              <a:t>především</a:t>
+            </a:r>
+            <a:r>
+              <a:rPr lang="en-US" dirty="0"/>
+              <a:t> z toho </a:t>
+            </a:r>
+            <a:r>
+              <a:rPr lang="en-US" dirty="0" err="1"/>
+              <a:t>důvodu</a:t>
+            </a:r>
+            <a:r>
+              <a:rPr lang="en-US" dirty="0"/>
+              <a:t> aby </a:t>
+            </a:r>
+            <a:r>
+              <a:rPr lang="en-US" dirty="0" err="1"/>
+              <a:t>operátorovy</a:t>
+            </a:r>
+            <a:r>
+              <a:rPr lang="en-US" dirty="0"/>
+              <a:t> </a:t>
+            </a:r>
+            <a:r>
+              <a:rPr lang="en-US" dirty="0" err="1"/>
+              <a:t>ulehčil</a:t>
+            </a:r>
+            <a:r>
+              <a:rPr lang="en-US" dirty="0"/>
+              <a:t> </a:t>
+            </a:r>
+            <a:r>
+              <a:rPr lang="en-US" dirty="0" err="1"/>
+              <a:t>práci</a:t>
+            </a:r>
+            <a:r>
+              <a:rPr lang="en-US" dirty="0"/>
+              <a:t> s </a:t>
+            </a:r>
+            <a:r>
+              <a:rPr lang="en-US" dirty="0" err="1"/>
+              <a:t>tím</a:t>
+            </a:r>
+            <a:r>
+              <a:rPr lang="en-US" dirty="0"/>
+              <a:t> aby </a:t>
+            </a:r>
+            <a:r>
+              <a:rPr lang="en-US" dirty="0" err="1"/>
+              <a:t>nemusel</a:t>
+            </a:r>
+            <a:r>
+              <a:rPr lang="en-US" dirty="0"/>
+              <a:t> </a:t>
+            </a:r>
+            <a:r>
+              <a:rPr lang="en-US" dirty="0" err="1"/>
+              <a:t>otevírat</a:t>
+            </a:r>
+            <a:r>
+              <a:rPr lang="en-US" dirty="0"/>
+              <a:t> </a:t>
+            </a:r>
+            <a:r>
+              <a:rPr lang="en-US" dirty="0" err="1"/>
+              <a:t>editovací</a:t>
+            </a:r>
+            <a:r>
+              <a:rPr lang="en-US" dirty="0"/>
+              <a:t> </a:t>
+            </a:r>
+            <a:r>
+              <a:rPr lang="en-US" dirty="0" err="1"/>
+              <a:t>mód</a:t>
+            </a:r>
+            <a:r>
+              <a:rPr lang="en-US" dirty="0"/>
+              <a:t> </a:t>
+            </a:r>
+            <a:r>
+              <a:rPr lang="en-US" dirty="0" err="1"/>
+              <a:t>takhle</a:t>
+            </a:r>
+            <a:r>
+              <a:rPr lang="en-US" dirty="0"/>
+              <a:t> </a:t>
+            </a:r>
+            <a:r>
+              <a:rPr lang="en-US" dirty="0" err="1"/>
+              <a:t>jenom</a:t>
+            </a:r>
+            <a:r>
+              <a:rPr lang="en-US" dirty="0"/>
+              <a:t> </a:t>
+            </a:r>
+            <a:r>
+              <a:rPr lang="en-US" dirty="0" err="1"/>
+              <a:t>jednoduše</a:t>
+            </a:r>
+            <a:r>
+              <a:rPr lang="en-US" dirty="0"/>
+              <a:t> </a:t>
+            </a:r>
+            <a:r>
+              <a:rPr lang="en-US" dirty="0" err="1"/>
+              <a:t>upraví</a:t>
+            </a:r>
+            <a:r>
+              <a:rPr lang="en-US" dirty="0"/>
+              <a:t> to co </a:t>
+            </a:r>
+            <a:r>
+              <a:rPr lang="en-US" dirty="0" err="1"/>
+              <a:t>potřebude</a:t>
+            </a:r>
+            <a:r>
+              <a:rPr lang="en-US" dirty="0"/>
+              <a:t> a </a:t>
+            </a:r>
+            <a:r>
+              <a:rPr lang="en-US" dirty="0" err="1"/>
+              <a:t>zmačkne</a:t>
+            </a:r>
+            <a:r>
+              <a:rPr lang="en-US" dirty="0"/>
+              <a:t> </a:t>
+            </a:r>
+            <a:r>
+              <a:rPr lang="en-US" dirty="0" err="1"/>
+              <a:t>tlačítko</a:t>
+            </a:r>
+            <a:r>
+              <a:rPr lang="en-US" dirty="0"/>
+              <a:t> </a:t>
+            </a:r>
+            <a:r>
+              <a:rPr lang="en-US" dirty="0" err="1"/>
+              <a:t>upravit</a:t>
+            </a:r>
+            <a:r>
+              <a:rPr lang="en-US" dirty="0"/>
+              <a:t> toto </a:t>
+            </a:r>
+            <a:r>
+              <a:rPr lang="en-US" dirty="0" err="1"/>
+              <a:t>tlačítko</a:t>
+            </a:r>
+            <a:r>
+              <a:rPr lang="en-US" dirty="0"/>
+              <a:t> </a:t>
+            </a:r>
+            <a:r>
+              <a:rPr lang="en-US" dirty="0" err="1"/>
+              <a:t>má</a:t>
+            </a:r>
+            <a:r>
+              <a:rPr lang="en-US" dirty="0"/>
+              <a:t> </a:t>
+            </a:r>
+            <a:r>
+              <a:rPr lang="en-US" dirty="0" err="1"/>
+              <a:t>zároven</a:t>
+            </a:r>
+            <a:r>
+              <a:rPr lang="en-US" dirty="0"/>
+              <a:t> take </a:t>
+            </a:r>
+            <a:r>
+              <a:rPr lang="en-US" dirty="0" err="1"/>
+              <a:t>vlastnost</a:t>
+            </a:r>
+            <a:r>
+              <a:rPr lang="en-US" dirty="0"/>
+              <a:t> </a:t>
+            </a:r>
+            <a:r>
+              <a:rPr lang="en-US" dirty="0" err="1"/>
+              <a:t>že</a:t>
+            </a:r>
+            <a:r>
+              <a:rPr lang="en-US" dirty="0"/>
+              <a:t> </a:t>
+            </a:r>
+            <a:r>
+              <a:rPr lang="en-US" dirty="0" err="1"/>
+              <a:t>daný</a:t>
+            </a:r>
+            <a:r>
+              <a:rPr lang="en-US" dirty="0"/>
+              <a:t> </a:t>
+            </a:r>
+            <a:r>
+              <a:rPr lang="en-US" dirty="0" err="1"/>
+              <a:t>převodní</a:t>
+            </a:r>
+            <a:r>
+              <a:rPr lang="en-US" dirty="0"/>
+              <a:t> </a:t>
+            </a:r>
+            <a:r>
+              <a:rPr lang="en-US" dirty="0" err="1"/>
+              <a:t>vzorec</a:t>
+            </a:r>
+            <a:r>
+              <a:rPr lang="en-US" dirty="0"/>
+              <a:t> </a:t>
+            </a:r>
+            <a:r>
+              <a:rPr lang="en-US" dirty="0" err="1"/>
+              <a:t>nastaví</a:t>
+            </a:r>
+            <a:r>
+              <a:rPr lang="en-US" dirty="0"/>
+              <a:t> </a:t>
+            </a:r>
+            <a:r>
+              <a:rPr lang="en-US" dirty="0" err="1"/>
+              <a:t>jako</a:t>
+            </a:r>
+            <a:r>
+              <a:rPr lang="en-US" dirty="0"/>
+              <a:t> </a:t>
+            </a:r>
+            <a:r>
+              <a:rPr lang="en-US" dirty="0" err="1"/>
+              <a:t>aktivní</a:t>
+            </a:r>
+            <a:r>
+              <a:rPr lang="en-US" dirty="0"/>
+              <a:t>.</a:t>
+            </a:r>
+            <a:endParaRPr lang="cs-CZ" dirty="0"/>
+          </a:p>
+        </p:txBody>
+      </p:sp>
+      <p:sp>
+        <p:nvSpPr>
+          <p:cNvPr id="4" name="Slide Number Placeholder 3"/>
+          <p:cNvSpPr>
+            <a:spLocks noGrp="1"/>
+          </p:cNvSpPr>
+          <p:nvPr>
+            <p:ph type="sldNum" sz="quarter" idx="5"/>
+          </p:nvPr>
+        </p:nvSpPr>
+        <p:spPr/>
+        <p:txBody>
+          <a:bodyPr/>
+          <a:lstStyle/>
+          <a:p>
+            <a:fld id="{40499985-F144-4F30-9B65-93EDEC442801}" type="slidenum">
+              <a:rPr lang="cs-CZ" smtClean="0"/>
+              <a:t>19</a:t>
+            </a:fld>
+            <a:endParaRPr lang="cs-CZ"/>
+          </a:p>
+        </p:txBody>
+      </p:sp>
+    </p:spTree>
+    <p:extLst>
+      <p:ext uri="{BB962C8B-B14F-4D97-AF65-F5344CB8AC3E}">
+        <p14:creationId xmlns:p14="http://schemas.microsoft.com/office/powerpoint/2010/main" val="1134747718"/>
+      </p:ext>
+    </p:extLst>
+  </p:cSld>
+  <p:clrMapOvr>
+    <a:masterClrMapping/>
+  </p:clrMapOvr>
+</p:notes>
+</file>
+
+<file path=ppt/notesSlides/notesSlide16.xml><?xml version="1.0" encoding="utf-8"?>
+<p:notes xmlns:a="http://schemas.openxmlformats.org/drawingml/2006/main" xmlns:r="http://schemas.openxmlformats.org/officeDocument/2006/relationships" xmlns:p="http://schemas.openxmlformats.org/presentationml/2006/main">
+  <p:cSld>
+    <p:spTree>
+      <p:nvGrpSpPr>
+        <p:cNvPr id="1" name=""/>
+        <p:cNvGrpSpPr/>
+        <p:nvPr/>
+      </p:nvGrpSpPr>
+      <p:grpSpPr>
+        <a:xfrm>
+          <a:off x="0" y="0"/>
+          <a:ext cx="0" cy="0"/>
+          <a:chOff x="0" y="0"/>
+          <a:chExt cx="0" cy="0"/>
+        </a:xfrm>
+      </p:grpSpPr>
+      <p:sp>
+        <p:nvSpPr>
+          <p:cNvPr id="2" name="Slide Image Placeholder 1"/>
+          <p:cNvSpPr>
+            <a:spLocks noGrp="1" noRot="1" noChangeAspect="1"/>
+          </p:cNvSpPr>
+          <p:nvPr>
+            <p:ph type="sldImg"/>
+          </p:nvPr>
+        </p:nvSpPr>
+        <p:spPr/>
+      </p:sp>
+      <p:sp>
+        <p:nvSpPr>
+          <p:cNvPr id="3" name="Notes Placeholder 2"/>
+          <p:cNvSpPr>
+            <a:spLocks noGrp="1"/>
+          </p:cNvSpPr>
+          <p:nvPr>
+            <p:ph type="body" idx="1"/>
+          </p:nvPr>
+        </p:nvSpPr>
+        <p:spPr/>
+        <p:txBody>
+          <a:bodyPr/>
+          <a:lstStyle/>
+          <a:p>
+            <a:r>
+              <a:rPr lang="en-US" dirty="0"/>
+              <a:t>Ve </a:t>
+            </a:r>
+            <a:r>
+              <a:rPr lang="en-US" dirty="0" err="1"/>
+              <a:t>své</a:t>
+            </a:r>
+            <a:r>
+              <a:rPr lang="en-US" dirty="0"/>
+              <a:t> </a:t>
+            </a:r>
+            <a:r>
+              <a:rPr lang="en-US" dirty="0" err="1"/>
+              <a:t>práci</a:t>
+            </a:r>
+            <a:r>
+              <a:rPr lang="en-US" dirty="0"/>
+              <a:t> </a:t>
+            </a:r>
+            <a:r>
+              <a:rPr lang="en-US" dirty="0" err="1"/>
+              <a:t>jsem</a:t>
+            </a:r>
+            <a:r>
+              <a:rPr lang="en-US" dirty="0"/>
+              <a:t> </a:t>
+            </a:r>
+            <a:r>
+              <a:rPr lang="en-US" dirty="0" err="1"/>
+              <a:t>splnil</a:t>
+            </a:r>
+            <a:r>
+              <a:rPr lang="en-US" dirty="0"/>
+              <a:t> </a:t>
+            </a:r>
+            <a:r>
+              <a:rPr lang="en-US" dirty="0" err="1"/>
+              <a:t>veškeré</a:t>
+            </a:r>
+            <a:r>
+              <a:rPr lang="en-US" dirty="0"/>
+              <a:t> </a:t>
+            </a:r>
+            <a:r>
+              <a:rPr lang="en-US" dirty="0" err="1"/>
+              <a:t>vztyčené</a:t>
+            </a:r>
+            <a:r>
+              <a:rPr lang="en-US" dirty="0"/>
+              <a:t> </a:t>
+            </a:r>
+            <a:r>
+              <a:rPr lang="en-US" dirty="0" err="1"/>
+              <a:t>cíle</a:t>
+            </a:r>
+            <a:r>
+              <a:rPr lang="en-US" dirty="0"/>
+              <a:t>.</a:t>
+            </a:r>
+          </a:p>
+        </p:txBody>
+      </p:sp>
+      <p:sp>
+        <p:nvSpPr>
+          <p:cNvPr id="4" name="Slide Number Placeholder 3"/>
+          <p:cNvSpPr>
+            <a:spLocks noGrp="1"/>
+          </p:cNvSpPr>
+          <p:nvPr>
+            <p:ph type="sldNum" sz="quarter" idx="5"/>
+          </p:nvPr>
+        </p:nvSpPr>
+        <p:spPr/>
+        <p:txBody>
+          <a:bodyPr/>
+          <a:lstStyle/>
+          <a:p>
+            <a:fld id="{40499985-F144-4F30-9B65-93EDEC442801}" type="slidenum">
+              <a:rPr lang="cs-CZ" smtClean="0"/>
+              <a:t>20</a:t>
+            </a:fld>
+            <a:endParaRPr lang="cs-CZ"/>
+          </a:p>
+        </p:txBody>
+      </p:sp>
+    </p:spTree>
+    <p:extLst>
+      <p:ext uri="{BB962C8B-B14F-4D97-AF65-F5344CB8AC3E}">
+        <p14:creationId xmlns:p14="http://schemas.microsoft.com/office/powerpoint/2010/main" val="4171444834"/>
+      </p:ext>
+    </p:extLst>
+  </p:cSld>
+  <p:clrMapOvr>
+    <a:masterClrMapping/>
+  </p:clrMapOvr>
+</p:notes>
+</file>
+
 <file path=ppt/notesSlides/notesSlide2.xml><?xml version="1.0" encoding="utf-8"?>
 <p:notes xmlns:a="http://schemas.openxmlformats.org/drawingml/2006/main" xmlns:r="http://schemas.openxmlformats.org/officeDocument/2006/relationships" xmlns:p="http://schemas.openxmlformats.org/presentationml/2006/main">
   <p:cSld>
@@ -796,7 +4326,334 @@
           <a:bodyPr/>
           <a:lstStyle/>
           <a:p>
-            <a:endParaRPr lang="cs-CZ" dirty="0"/>
+            <a:r>
+              <a:rPr lang="en-US" dirty="0"/>
+              <a:t>V </a:t>
+            </a:r>
+            <a:r>
+              <a:rPr lang="en-US" dirty="0" err="1"/>
+              <a:t>dnešní</a:t>
+            </a:r>
+            <a:r>
+              <a:rPr lang="en-US" dirty="0"/>
+              <a:t> </a:t>
+            </a:r>
+            <a:r>
+              <a:rPr lang="en-US" dirty="0" err="1"/>
+              <a:t>prezentaci</a:t>
+            </a:r>
+            <a:r>
+              <a:rPr lang="en-US" dirty="0"/>
+              <a:t> </a:t>
+            </a:r>
+            <a:r>
+              <a:rPr lang="en-US" dirty="0" err="1"/>
+              <a:t>Vám</a:t>
+            </a:r>
+            <a:r>
+              <a:rPr lang="en-US" dirty="0"/>
+              <a:t> ze </a:t>
+            </a:r>
+            <a:r>
+              <a:rPr lang="en-US" dirty="0" err="1"/>
+              <a:t>všeho</a:t>
+            </a:r>
+            <a:r>
+              <a:rPr lang="en-US" dirty="0"/>
+              <a:t> </a:t>
+            </a:r>
+            <a:r>
+              <a:rPr lang="en-US" dirty="0" err="1"/>
+              <a:t>nejdříve</a:t>
+            </a:r>
+            <a:r>
+              <a:rPr lang="en-US" dirty="0"/>
+              <a:t> </a:t>
+            </a:r>
+            <a:r>
+              <a:rPr lang="en-US" dirty="0" err="1"/>
+              <a:t>vůbec</a:t>
+            </a:r>
+            <a:r>
+              <a:rPr lang="en-US" dirty="0"/>
+              <a:t> </a:t>
+            </a:r>
+            <a:r>
+              <a:rPr lang="en-US" dirty="0" err="1"/>
+              <a:t>představím</a:t>
+            </a:r>
+            <a:r>
+              <a:rPr lang="en-US" dirty="0"/>
+              <a:t> </a:t>
+            </a:r>
+            <a:r>
+              <a:rPr lang="en-US" dirty="0" err="1"/>
+              <a:t>téma</a:t>
+            </a:r>
+            <a:r>
+              <a:rPr lang="en-US" dirty="0"/>
+              <a:t> </a:t>
+            </a:r>
+            <a:r>
+              <a:rPr lang="en-US" dirty="0" err="1"/>
+              <a:t>mé</a:t>
+            </a:r>
+            <a:r>
+              <a:rPr lang="en-US" dirty="0"/>
+              <a:t> </a:t>
+            </a:r>
+            <a:r>
+              <a:rPr lang="en-US" dirty="0" err="1"/>
+              <a:t>bakalářské</a:t>
+            </a:r>
+            <a:r>
+              <a:rPr lang="en-US" dirty="0"/>
+              <a:t> </a:t>
+            </a:r>
+            <a:r>
+              <a:rPr lang="en-US" dirty="0" err="1"/>
+              <a:t>práce</a:t>
+            </a:r>
+            <a:br>
+              <a:rPr lang="en-US" dirty="0"/>
+            </a:br>
+            <a:r>
+              <a:rPr lang="en-US" dirty="0" err="1"/>
+              <a:t>pak</a:t>
+            </a:r>
+            <a:r>
+              <a:rPr lang="en-US" dirty="0"/>
+              <a:t> </a:t>
+            </a:r>
+            <a:r>
+              <a:rPr lang="en-US" dirty="0" err="1"/>
+              <a:t>vyjmenuju</a:t>
+            </a:r>
+            <a:r>
+              <a:rPr lang="en-US" dirty="0"/>
+              <a:t> </a:t>
+            </a:r>
+            <a:r>
+              <a:rPr lang="en-US" dirty="0" err="1"/>
+              <a:t>hlavní</a:t>
+            </a:r>
+            <a:r>
+              <a:rPr lang="en-US" dirty="0"/>
+              <a:t> </a:t>
+            </a:r>
+            <a:r>
+              <a:rPr lang="en-US" dirty="0" err="1"/>
+              <a:t>cíle</a:t>
+            </a:r>
+            <a:r>
+              <a:rPr lang="en-US" dirty="0"/>
+              <a:t> </a:t>
+            </a:r>
+            <a:r>
+              <a:rPr lang="en-US" dirty="0" err="1"/>
+              <a:t>které</a:t>
+            </a:r>
+            <a:r>
+              <a:rPr lang="en-US" dirty="0"/>
+              <a:t> </a:t>
+            </a:r>
+            <a:r>
+              <a:rPr lang="en-US" dirty="0" err="1"/>
+              <a:t>byly</a:t>
+            </a:r>
+            <a:r>
+              <a:rPr lang="en-US" dirty="0"/>
+              <a:t> pro </a:t>
+            </a:r>
+            <a:r>
+              <a:rPr lang="en-US" dirty="0" err="1"/>
+              <a:t>tuto</a:t>
+            </a:r>
+            <a:r>
+              <a:rPr lang="en-US" dirty="0"/>
+              <a:t> </a:t>
+            </a:r>
+            <a:r>
+              <a:rPr lang="en-US" dirty="0" err="1"/>
+              <a:t>práci</a:t>
+            </a:r>
+            <a:r>
+              <a:rPr lang="en-US" dirty="0"/>
+              <a:t> </a:t>
+            </a:r>
+            <a:r>
+              <a:rPr lang="en-US" dirty="0" err="1"/>
+              <a:t>stanoveny</a:t>
+            </a:r>
+            <a:endParaRPr lang="en-US" dirty="0"/>
+          </a:p>
+          <a:p>
+            <a:r>
+              <a:rPr lang="en-US" dirty="0"/>
+              <a:t>Pak v </a:t>
+            </a:r>
+            <a:r>
+              <a:rPr lang="en-US" dirty="0" err="1"/>
+              <a:t>rychlosti</a:t>
+            </a:r>
+            <a:r>
+              <a:rPr lang="en-US" dirty="0"/>
+              <a:t> </a:t>
+            </a:r>
+            <a:r>
+              <a:rPr lang="en-US" dirty="0" err="1"/>
+              <a:t>přesdtavím</a:t>
+            </a:r>
+            <a:r>
+              <a:rPr lang="en-US" dirty="0"/>
+              <a:t> </a:t>
+            </a:r>
+            <a:r>
+              <a:rPr lang="en-US" dirty="0" err="1"/>
+              <a:t>pneumatickou</a:t>
+            </a:r>
+            <a:r>
+              <a:rPr lang="en-US" dirty="0"/>
+              <a:t> </a:t>
+            </a:r>
+            <a:r>
+              <a:rPr lang="en-US" dirty="0" err="1"/>
+              <a:t>soustavu</a:t>
+            </a:r>
+            <a:r>
+              <a:rPr lang="en-US" dirty="0"/>
+              <a:t> </a:t>
+            </a:r>
+            <a:r>
+              <a:rPr lang="en-US" dirty="0" err="1"/>
+              <a:t>na</a:t>
+            </a:r>
+            <a:r>
+              <a:rPr lang="en-US" dirty="0"/>
+              <a:t> </a:t>
+            </a:r>
+            <a:r>
+              <a:rPr lang="en-US" dirty="0" err="1"/>
+              <a:t>které</a:t>
+            </a:r>
+            <a:r>
+              <a:rPr lang="en-US" dirty="0"/>
+              <a:t> se </a:t>
+            </a:r>
+            <a:r>
+              <a:rPr lang="en-US" dirty="0" err="1"/>
+              <a:t>pracovalo</a:t>
+            </a:r>
+            <a:r>
+              <a:rPr lang="en-US" dirty="0"/>
+              <a:t> a take se </a:t>
+            </a:r>
+            <a:r>
+              <a:rPr lang="en-US" dirty="0" err="1"/>
+              <a:t>zmíním</a:t>
+            </a:r>
+            <a:r>
+              <a:rPr lang="en-US" dirty="0"/>
+              <a:t> o </a:t>
+            </a:r>
+            <a:r>
+              <a:rPr lang="en-US" dirty="0" err="1"/>
+              <a:t>penumatických</a:t>
+            </a:r>
+            <a:r>
+              <a:rPr lang="en-US" dirty="0"/>
+              <a:t> </a:t>
+            </a:r>
+            <a:r>
+              <a:rPr lang="en-US" dirty="0" err="1"/>
+              <a:t>svalech</a:t>
+            </a:r>
+            <a:endParaRPr lang="en-US" dirty="0"/>
+          </a:p>
+          <a:p>
+            <a:r>
+              <a:rPr lang="en-US" dirty="0" err="1"/>
+              <a:t>Poté</a:t>
+            </a:r>
+            <a:r>
+              <a:rPr lang="en-US" dirty="0"/>
+              <a:t> </a:t>
+            </a:r>
+            <a:r>
+              <a:rPr lang="en-US" dirty="0" err="1"/>
+              <a:t>popíšu</a:t>
+            </a:r>
+            <a:r>
+              <a:rPr lang="en-US" dirty="0"/>
+              <a:t> </a:t>
+            </a:r>
+            <a:r>
+              <a:rPr lang="en-US" dirty="0" err="1"/>
+              <a:t>základní</a:t>
+            </a:r>
+            <a:r>
+              <a:rPr lang="en-US" dirty="0"/>
+              <a:t> </a:t>
+            </a:r>
+            <a:r>
+              <a:rPr lang="en-US" dirty="0" err="1"/>
+              <a:t>pricipy</a:t>
+            </a:r>
+            <a:r>
+              <a:rPr lang="en-US" dirty="0"/>
+              <a:t> </a:t>
+            </a:r>
+            <a:r>
+              <a:rPr lang="en-US" dirty="0" err="1"/>
+              <a:t>mé</a:t>
+            </a:r>
+            <a:r>
+              <a:rPr lang="en-US" dirty="0"/>
+              <a:t> </a:t>
+            </a:r>
+            <a:r>
+              <a:rPr lang="en-US" dirty="0" err="1"/>
+              <a:t>metody</a:t>
+            </a:r>
+            <a:r>
+              <a:rPr lang="en-US" dirty="0"/>
+              <a:t> </a:t>
+            </a:r>
+          </a:p>
+          <a:p>
+            <a:r>
+              <a:rPr lang="en-US" dirty="0"/>
+              <a:t>A </a:t>
+            </a:r>
+            <a:r>
+              <a:rPr lang="en-US" dirty="0" err="1"/>
+              <a:t>nakonec</a:t>
+            </a:r>
+            <a:r>
+              <a:rPr lang="en-US" dirty="0"/>
+              <a:t> </a:t>
+            </a:r>
+            <a:r>
+              <a:rPr lang="en-US" dirty="0" err="1"/>
+              <a:t>celou</a:t>
+            </a:r>
+            <a:r>
+              <a:rPr lang="en-US" dirty="0"/>
+              <a:t> </a:t>
+            </a:r>
+            <a:r>
+              <a:rPr lang="en-US" dirty="0" err="1"/>
+              <a:t>práci</a:t>
+            </a:r>
+            <a:r>
+              <a:rPr lang="en-US" dirty="0"/>
+              <a:t> </a:t>
+            </a:r>
+            <a:r>
+              <a:rPr lang="en-US" dirty="0" err="1"/>
+              <a:t>zhodnotím</a:t>
+            </a:r>
+            <a:endParaRPr lang="en-US" dirty="0"/>
           </a:p>
         </p:txBody>
       </p:sp>
@@ -817,7 +4674,7 @@
           <a:p>
             <a:fld id="{40499985-F144-4F30-9B65-93EDEC442801}" type="slidenum">
               <a:rPr lang="cs-CZ" smtClean="0"/>
-              <a:t>5</a:t>
+              <a:t>2</a:t>
             </a:fld>
             <a:endParaRPr lang="cs-CZ"/>
           </a:p>
@@ -826,7 +4683,7 @@
     </p:spTree>
     <p:extLst>
       <p:ext uri="{BB962C8B-B14F-4D97-AF65-F5344CB8AC3E}">
-        <p14:creationId xmlns:p14="http://schemas.microsoft.com/office/powerpoint/2010/main" val="680251953"/>
+        <p14:creationId xmlns:p14="http://schemas.microsoft.com/office/powerpoint/2010/main" val="390998953"/>
       </p:ext>
     </p:extLst>
   </p:cSld>
@@ -880,7 +4737,163 @@
           <a:bodyPr/>
           <a:lstStyle/>
           <a:p>
-            <a:endParaRPr lang="cs-CZ" dirty="0"/>
+            <a:r>
+              <a:rPr lang="en-US" dirty="0" err="1"/>
+              <a:t>Mým</a:t>
+            </a:r>
+            <a:r>
+              <a:rPr lang="en-US" dirty="0"/>
+              <a:t> </a:t>
+            </a:r>
+            <a:r>
+              <a:rPr lang="en-US" dirty="0" err="1"/>
+              <a:t>ukolem</a:t>
+            </a:r>
+            <a:r>
+              <a:rPr lang="en-US" dirty="0"/>
+              <a:t> </a:t>
+            </a:r>
+            <a:r>
+              <a:rPr lang="en-US" dirty="0" err="1"/>
+              <a:t>bylo</a:t>
+            </a:r>
+            <a:r>
+              <a:rPr lang="en-US" dirty="0"/>
+              <a:t> </a:t>
+            </a:r>
+            <a:r>
+              <a:rPr lang="en-US" dirty="0" err="1"/>
+              <a:t>navržení</a:t>
+            </a:r>
+            <a:r>
+              <a:rPr lang="en-US" dirty="0"/>
+              <a:t> pro </a:t>
+            </a:r>
+            <a:r>
+              <a:rPr lang="en-US" dirty="0" err="1"/>
+              <a:t>již</a:t>
+            </a:r>
+            <a:r>
+              <a:rPr lang="en-US" dirty="0"/>
+              <a:t> </a:t>
+            </a:r>
+            <a:r>
+              <a:rPr lang="en-US" dirty="0" err="1"/>
+              <a:t>existující</a:t>
+            </a:r>
+            <a:r>
+              <a:rPr lang="en-US" dirty="0"/>
+              <a:t> </a:t>
+            </a:r>
+            <a:r>
+              <a:rPr lang="en-US" dirty="0" err="1"/>
+              <a:t>sostavu</a:t>
+            </a:r>
+            <a:r>
+              <a:rPr lang="en-US" dirty="0"/>
+              <a:t> </a:t>
+            </a:r>
+            <a:r>
+              <a:rPr lang="en-US" dirty="0" err="1"/>
+              <a:t>vytvořit</a:t>
+            </a:r>
+            <a:r>
+              <a:rPr lang="en-US" dirty="0"/>
+              <a:t> </a:t>
+            </a:r>
+            <a:r>
+              <a:rPr lang="en-US" dirty="0" err="1"/>
+              <a:t>sw</a:t>
+            </a:r>
+            <a:r>
+              <a:rPr lang="en-US" dirty="0"/>
+              <a:t> </a:t>
+            </a:r>
+            <a:r>
+              <a:rPr lang="en-US" dirty="0" err="1"/>
+              <a:t>pomocí</a:t>
+            </a:r>
+            <a:r>
+              <a:rPr lang="en-US" dirty="0"/>
+              <a:t> </a:t>
+            </a:r>
+            <a:r>
+              <a:rPr lang="en-US" dirty="0" err="1"/>
+              <a:t>které</a:t>
+            </a:r>
+            <a:r>
+              <a:rPr lang="en-US" dirty="0"/>
+              <a:t> ho </a:t>
+            </a:r>
+            <a:r>
+              <a:rPr lang="en-US" dirty="0" err="1"/>
+              <a:t>bude</a:t>
+            </a:r>
+            <a:r>
+              <a:rPr lang="en-US" dirty="0"/>
+              <a:t> </a:t>
+            </a:r>
+            <a:r>
+              <a:rPr lang="en-US" dirty="0" err="1"/>
+              <a:t>uživatel</a:t>
+            </a:r>
+            <a:r>
+              <a:rPr lang="en-US" dirty="0"/>
+              <a:t> </a:t>
+            </a:r>
+            <a:r>
+              <a:rPr lang="en-US" dirty="0" err="1"/>
+              <a:t>schopen</a:t>
+            </a:r>
+            <a:r>
+              <a:rPr lang="en-US" dirty="0"/>
+              <a:t> </a:t>
+            </a:r>
+            <a:r>
+              <a:rPr lang="en-US" dirty="0" err="1"/>
+              <a:t>ovládat</a:t>
+            </a:r>
+            <a:r>
+              <a:rPr lang="en-US" dirty="0"/>
+              <a:t> </a:t>
+            </a:r>
+            <a:r>
+              <a:rPr lang="en-US" dirty="0" err="1"/>
+              <a:t>jednolivé</a:t>
+            </a:r>
+            <a:r>
+              <a:rPr lang="en-US" dirty="0"/>
+              <a:t> </a:t>
+            </a:r>
+            <a:r>
+              <a:rPr lang="en-US" dirty="0" err="1"/>
+              <a:t>svaly</a:t>
+            </a:r>
+            <a:r>
+              <a:rPr lang="en-US" dirty="0"/>
+              <a:t> </a:t>
+            </a:r>
+            <a:r>
+              <a:rPr lang="en-US" dirty="0" err="1"/>
+              <a:t>nezávisle</a:t>
+            </a:r>
+            <a:r>
+              <a:rPr lang="en-US" dirty="0"/>
+              <a:t> </a:t>
+            </a:r>
+            <a:r>
+              <a:rPr lang="en-US" dirty="0" err="1"/>
+              <a:t>na</a:t>
+            </a:r>
+            <a:r>
+              <a:rPr lang="en-US" dirty="0"/>
+              <a:t> </a:t>
+            </a:r>
+            <a:r>
+              <a:rPr lang="en-US" dirty="0" err="1"/>
+              <a:t>sobě</a:t>
+            </a:r>
+            <a:endParaRPr lang="en-US" dirty="0"/>
           </a:p>
         </p:txBody>
       </p:sp>
@@ -901,7 +4914,7 @@
           <a:p>
             <a:fld id="{40499985-F144-4F30-9B65-93EDEC442801}" type="slidenum">
               <a:rPr lang="cs-CZ" smtClean="0"/>
-              <a:t>8</a:t>
+              <a:t>3</a:t>
             </a:fld>
             <a:endParaRPr lang="cs-CZ"/>
           </a:p>
@@ -910,7 +4923,7 @@
     </p:spTree>
     <p:extLst>
       <p:ext uri="{BB962C8B-B14F-4D97-AF65-F5344CB8AC3E}">
-        <p14:creationId xmlns:p14="http://schemas.microsoft.com/office/powerpoint/2010/main" val="2016927497"/>
+        <p14:creationId xmlns:p14="http://schemas.microsoft.com/office/powerpoint/2010/main" val="1013171536"/>
       </p:ext>
     </p:extLst>
   </p:cSld>
@@ -965,68 +4978,824 @@
           <a:lstStyle/>
           <a:p>
             <a:r>
-              <a:rPr lang="en-US" dirty="0"/>
-              <a:t>Sem </a:t>
-            </a:r>
-            <a:r>
-              <a:rPr lang="en-US" dirty="0" err="1"/>
-              <a:t>dát</a:t>
-            </a:r>
-            <a:r>
-              <a:rPr lang="en-US" dirty="0"/>
-              <a:t> </a:t>
-            </a:r>
-            <a:r>
-              <a:rPr lang="en-US" dirty="0" err="1"/>
-              <a:t>obrázek</a:t>
-            </a:r>
-            <a:r>
-              <a:rPr lang="en-US" dirty="0"/>
-              <a:t> GUI </a:t>
-            </a:r>
-            <a:r>
-              <a:rPr lang="en-US" dirty="0" err="1"/>
-              <a:t>asi</a:t>
-            </a:r>
-            <a:r>
-              <a:rPr lang="en-US" dirty="0"/>
-              <a:t> </a:t>
-            </a:r>
-            <a:r>
-              <a:rPr lang="en-US" dirty="0" err="1"/>
-              <a:t>sem</a:t>
-            </a:r>
-            <a:r>
-              <a:rPr lang="en-US" dirty="0"/>
-              <a:t> </a:t>
-            </a:r>
-            <a:r>
-              <a:rPr lang="en-US" dirty="0" err="1"/>
-              <a:t>jenom</a:t>
-            </a:r>
-            <a:r>
-              <a:rPr lang="en-US" dirty="0"/>
-              <a:t> </a:t>
-            </a:r>
-            <a:r>
-              <a:rPr lang="en-US" dirty="0" err="1"/>
-              <a:t>dát</a:t>
-            </a:r>
-            <a:r>
-              <a:rPr lang="en-US" dirty="0"/>
-              <a:t> </a:t>
-            </a:r>
-            <a:r>
-              <a:rPr lang="en-US" dirty="0" err="1"/>
-              <a:t>obrázek</a:t>
-            </a:r>
-            <a:r>
-              <a:rPr lang="en-US" dirty="0"/>
-              <a:t> toho jak se to </a:t>
-            </a:r>
-            <a:r>
-              <a:rPr lang="en-US" dirty="0" err="1"/>
-              <a:t>dokáže</a:t>
+              <a:rPr lang="en-US" dirty="0" err="1"/>
+              <a:t>Hlavním</a:t>
+            </a:r>
+            <a:r>
+              <a:rPr lang="en-US" dirty="0"/>
+              <a:t> </a:t>
+            </a:r>
+            <a:r>
+              <a:rPr lang="en-US" dirty="0" err="1"/>
+              <a:t>cílem</a:t>
+            </a:r>
+            <a:r>
+              <a:rPr lang="en-US" dirty="0"/>
+              <a:t> od </a:t>
+            </a:r>
+            <a:r>
+              <a:rPr lang="en-US" dirty="0" err="1"/>
+              <a:t>kterého</a:t>
+            </a:r>
+            <a:r>
+              <a:rPr lang="en-US" dirty="0"/>
+              <a:t> se </a:t>
+            </a:r>
+            <a:r>
+              <a:rPr lang="en-US" dirty="0" err="1"/>
+              <a:t>následně</a:t>
+            </a:r>
+            <a:r>
+              <a:rPr lang="en-US" dirty="0"/>
+              <a:t> </a:t>
+            </a:r>
+            <a:r>
+              <a:rPr lang="en-US" dirty="0" err="1"/>
+              <a:t>vše</a:t>
+            </a:r>
+            <a:r>
+              <a:rPr lang="en-US" dirty="0"/>
+              <a:t> </a:t>
+            </a:r>
+            <a:r>
+              <a:rPr lang="en-US" dirty="0" err="1"/>
+              <a:t>odvíjelelo</a:t>
+            </a:r>
+            <a:r>
+              <a:rPr lang="en-US" dirty="0"/>
+              <a:t> </a:t>
+            </a:r>
+            <a:r>
+              <a:rPr lang="en-US" dirty="0" err="1"/>
+              <a:t>bylo</a:t>
+            </a:r>
+            <a:r>
+              <a:rPr lang="en-US" dirty="0"/>
+              <a:t> </a:t>
+            </a:r>
+            <a:r>
+              <a:rPr lang="en-US" dirty="0" err="1"/>
+              <a:t>vytvořit</a:t>
+            </a:r>
+            <a:r>
+              <a:rPr lang="en-US" dirty="0"/>
+              <a:t> GUI, </a:t>
+            </a:r>
+            <a:r>
+              <a:rPr lang="en-US" dirty="0" err="1"/>
+              <a:t>tudíž</a:t>
+            </a:r>
+            <a:r>
+              <a:rPr lang="en-US" dirty="0"/>
+              <a:t> </a:t>
+            </a:r>
+            <a:r>
+              <a:rPr lang="en-US" dirty="0" err="1"/>
+              <a:t>bylo</a:t>
+            </a:r>
+            <a:r>
+              <a:rPr lang="en-US" dirty="0"/>
+              <a:t> </a:t>
+            </a:r>
+            <a:r>
+              <a:rPr lang="en-US" dirty="0" err="1"/>
+              <a:t>vhodné</a:t>
+            </a:r>
+            <a:r>
+              <a:rPr lang="en-US" dirty="0"/>
+              <a:t> </a:t>
+            </a:r>
+            <a:r>
+              <a:rPr lang="en-US" dirty="0" err="1"/>
+              <a:t>vybrat</a:t>
+            </a:r>
+            <a:r>
+              <a:rPr lang="en-US" dirty="0"/>
+              <a:t> pro </a:t>
+            </a:r>
+            <a:r>
+              <a:rPr lang="en-US" dirty="0" err="1"/>
+              <a:t>tento</a:t>
+            </a:r>
+            <a:r>
+              <a:rPr lang="en-US" dirty="0"/>
+              <a:t> </a:t>
+            </a:r>
+            <a:r>
+              <a:rPr lang="en-US" dirty="0" err="1"/>
+              <a:t>ukol</a:t>
+            </a:r>
+            <a:r>
+              <a:rPr lang="en-US" dirty="0"/>
+              <a:t> </a:t>
+            </a:r>
+            <a:r>
+              <a:rPr lang="en-US" dirty="0" err="1"/>
+              <a:t>vhodnou</a:t>
+            </a:r>
+            <a:r>
+              <a:rPr lang="en-US" dirty="0"/>
+              <a:t> </a:t>
+            </a:r>
+            <a:r>
+              <a:rPr lang="en-US" dirty="0" err="1"/>
+              <a:t>knihovnu</a:t>
+            </a:r>
+            <a:endParaRPr lang="en-US" dirty="0"/>
+          </a:p>
+          <a:p>
+            <a:r>
+              <a:rPr lang="en-US" dirty="0" err="1"/>
+              <a:t>Dálším</a:t>
+            </a:r>
+            <a:r>
+              <a:rPr lang="en-US" dirty="0"/>
+              <a:t> </a:t>
+            </a:r>
+            <a:r>
+              <a:rPr lang="en-US" dirty="0" err="1"/>
+              <a:t>stěžejním</a:t>
+            </a:r>
+            <a:r>
+              <a:rPr lang="en-US" dirty="0"/>
+              <a:t> </a:t>
+            </a:r>
+            <a:r>
+              <a:rPr lang="en-US" dirty="0" err="1"/>
+              <a:t>bodem</a:t>
+            </a:r>
+            <a:r>
+              <a:rPr lang="en-US" dirty="0"/>
+              <a:t> </a:t>
+            </a:r>
+            <a:r>
+              <a:rPr lang="en-US" dirty="0" err="1"/>
+              <a:t>bylo</a:t>
+            </a:r>
+            <a:r>
+              <a:rPr lang="en-US" dirty="0"/>
+              <a:t> </a:t>
+            </a:r>
+            <a:r>
+              <a:rPr lang="en-US" dirty="0" err="1"/>
+              <a:t>navhnout</a:t>
+            </a:r>
+            <a:r>
+              <a:rPr lang="en-US" dirty="0"/>
+              <a:t> </a:t>
+            </a:r>
+            <a:r>
+              <a:rPr lang="en-US" dirty="0" err="1"/>
+              <a:t>uživatelské</a:t>
+            </a:r>
+            <a:r>
+              <a:rPr lang="en-US" dirty="0"/>
+              <a:t> role </a:t>
+            </a:r>
+            <a:r>
+              <a:rPr lang="en-US" dirty="0" err="1"/>
+              <a:t>tak</a:t>
+            </a:r>
+            <a:r>
+              <a:rPr lang="en-US" dirty="0"/>
+              <a:t> aby </a:t>
+            </a:r>
+            <a:r>
+              <a:rPr lang="en-US" dirty="0" err="1"/>
+              <a:t>uživatel</a:t>
+            </a:r>
+            <a:r>
+              <a:rPr lang="en-US" dirty="0"/>
+              <a:t> </a:t>
+            </a:r>
+            <a:r>
+              <a:rPr lang="en-US" dirty="0" err="1"/>
+              <a:t>neměl</a:t>
+            </a:r>
+            <a:r>
+              <a:rPr lang="en-US" dirty="0"/>
+              <a:t> </a:t>
+            </a:r>
+            <a:r>
+              <a:rPr lang="en-US" dirty="0" err="1"/>
+              <a:t>přístup</a:t>
+            </a:r>
+            <a:r>
+              <a:rPr lang="en-US" dirty="0"/>
+              <a:t> k </a:t>
+            </a:r>
+            <a:r>
+              <a:rPr lang="en-US" dirty="0" err="1"/>
+              <a:t>funkcionalitám</a:t>
+            </a:r>
+            <a:r>
+              <a:rPr lang="en-US" dirty="0"/>
+              <a:t> program </a:t>
+            </a:r>
+            <a:r>
+              <a:rPr lang="en-US" dirty="0" err="1"/>
+              <a:t>které</a:t>
+            </a:r>
+            <a:r>
+              <a:rPr lang="en-US" dirty="0"/>
+              <a:t> </a:t>
+            </a:r>
+            <a:r>
+              <a:rPr lang="en-US" dirty="0" err="1"/>
+              <a:t>potřebují</a:t>
+            </a:r>
+            <a:r>
+              <a:rPr lang="en-US" dirty="0"/>
+              <a:t> </a:t>
+            </a:r>
+            <a:r>
+              <a:rPr lang="en-US" dirty="0" err="1"/>
+              <a:t>vyšší</a:t>
+            </a:r>
+            <a:r>
+              <a:rPr lang="en-US" dirty="0"/>
+              <a:t> </a:t>
+            </a:r>
+            <a:r>
+              <a:rPr lang="en-US" dirty="0" err="1"/>
+              <a:t>míru</a:t>
+            </a:r>
+            <a:r>
+              <a:rPr lang="en-US" dirty="0"/>
+              <a:t> </a:t>
+            </a:r>
+            <a:r>
+              <a:rPr lang="en-US" dirty="0" err="1"/>
+              <a:t>zaškolení</a:t>
+            </a:r>
+            <a:endParaRPr lang="en-US" dirty="0"/>
+          </a:p>
+          <a:p>
+            <a:r>
+              <a:rPr lang="en-US" dirty="0" err="1"/>
+              <a:t>Požadevek</a:t>
+            </a:r>
+            <a:r>
+              <a:rPr lang="en-US" dirty="0"/>
+              <a:t> od </a:t>
+            </a:r>
+            <a:r>
+              <a:rPr lang="en-US" dirty="0" err="1"/>
+              <a:t>zadávající</a:t>
+            </a:r>
+            <a:r>
+              <a:rPr lang="en-US" dirty="0"/>
+              <a:t> </a:t>
+            </a:r>
+            <a:r>
+              <a:rPr lang="en-US" dirty="0" err="1"/>
+              <a:t>byl</a:t>
+            </a:r>
+            <a:r>
+              <a:rPr lang="en-US" dirty="0"/>
+              <a:t> </a:t>
+            </a:r>
+            <a:r>
+              <a:rPr lang="en-US" dirty="0" err="1"/>
+              <a:t>rovněž</a:t>
+            </a:r>
+            <a:r>
+              <a:rPr lang="en-US" dirty="0"/>
+              <a:t> ten </a:t>
+            </a:r>
+            <a:r>
+              <a:rPr lang="en-US" dirty="0" err="1"/>
+              <a:t>že</a:t>
+            </a:r>
+            <a:r>
+              <a:rPr lang="en-US" dirty="0"/>
+              <a:t> by </a:t>
+            </a:r>
+            <a:r>
+              <a:rPr lang="en-US" dirty="0" err="1"/>
+              <a:t>si</a:t>
+            </a:r>
+            <a:r>
+              <a:rPr lang="en-US" dirty="0"/>
+              <a:t> </a:t>
+            </a:r>
+            <a:r>
+              <a:rPr lang="en-US" dirty="0" err="1"/>
+              <a:t>přál</a:t>
+            </a:r>
+            <a:r>
+              <a:rPr lang="en-US" dirty="0"/>
+              <a:t> aby se </a:t>
+            </a:r>
+            <a:r>
+              <a:rPr lang="en-US" dirty="0" err="1"/>
+              <a:t>daly</a:t>
+            </a:r>
+            <a:r>
+              <a:rPr lang="en-US" dirty="0"/>
+              <a:t> </a:t>
+            </a:r>
+            <a:r>
+              <a:rPr lang="en-US" dirty="0" err="1"/>
+              <a:t>svaly</a:t>
+            </a:r>
+            <a:r>
+              <a:rPr lang="en-US" dirty="0"/>
+              <a:t> </a:t>
+            </a:r>
+            <a:r>
+              <a:rPr lang="en-US" dirty="0" err="1"/>
+              <a:t>ovládat</a:t>
+            </a:r>
+            <a:r>
+              <a:rPr lang="en-US" dirty="0"/>
+              <a:t> take </a:t>
+            </a:r>
+            <a:r>
+              <a:rPr lang="en-US" dirty="0" err="1"/>
+              <a:t>pomocí</a:t>
+            </a:r>
+            <a:r>
+              <a:rPr lang="en-US" dirty="0"/>
+              <a:t> </a:t>
+            </a:r>
+            <a:r>
+              <a:rPr lang="en-US" dirty="0" err="1"/>
+              <a:t>jiných</a:t>
+            </a:r>
+            <a:r>
+              <a:rPr lang="en-US" dirty="0"/>
+              <a:t> </a:t>
+            </a:r>
+            <a:r>
+              <a:rPr lang="en-US" dirty="0" err="1"/>
+              <a:t>jednotek</a:t>
+            </a:r>
+            <a:r>
+              <a:rPr lang="en-US" dirty="0"/>
+              <a:t> </a:t>
+            </a:r>
+            <a:r>
+              <a:rPr lang="en-US" dirty="0" err="1"/>
+              <a:t>než</a:t>
+            </a:r>
+            <a:r>
+              <a:rPr lang="en-US" dirty="0"/>
+              <a:t> </a:t>
+            </a:r>
+            <a:r>
+              <a:rPr lang="en-US" dirty="0" err="1"/>
+              <a:t>jednotek</a:t>
+            </a:r>
+            <a:r>
+              <a:rPr lang="en-US" dirty="0"/>
+              <a:t> </a:t>
+            </a:r>
+            <a:r>
+              <a:rPr lang="en-US" dirty="0" err="1"/>
+              <a:t>krokového</a:t>
+            </a:r>
+            <a:r>
+              <a:rPr lang="en-US" dirty="0"/>
+              <a:t> </a:t>
+            </a:r>
+            <a:r>
+              <a:rPr lang="en-US" dirty="0" err="1"/>
+              <a:t>motoru</a:t>
+            </a:r>
+            <a:r>
+              <a:rPr lang="en-US" dirty="0"/>
+              <a:t> proto </a:t>
+            </a:r>
+            <a:r>
+              <a:rPr lang="en-US" dirty="0" err="1"/>
+              <a:t>bylo</a:t>
+            </a:r>
+            <a:r>
+              <a:rPr lang="en-US" dirty="0"/>
+              <a:t> </a:t>
+            </a:r>
+            <a:r>
+              <a:rPr lang="en-US" dirty="0" err="1"/>
+              <a:t>nutné</a:t>
+            </a:r>
+            <a:r>
+              <a:rPr lang="en-US" dirty="0"/>
+              <a:t> </a:t>
+            </a:r>
+            <a:r>
+              <a:rPr lang="en-US" dirty="0" err="1"/>
+              <a:t>vymyslet</a:t>
+            </a:r>
+            <a:r>
+              <a:rPr lang="en-US" dirty="0"/>
+              <a:t> </a:t>
+            </a:r>
+            <a:r>
+              <a:rPr lang="en-US" dirty="0" err="1"/>
+              <a:t>nějaký</a:t>
+            </a:r>
+            <a:r>
+              <a:rPr lang="en-US" dirty="0"/>
+              <a:t> </a:t>
+            </a:r>
+            <a:r>
+              <a:rPr lang="en-US" dirty="0" err="1"/>
+              <a:t>přepočet</a:t>
+            </a:r>
+            <a:r>
+              <a:rPr lang="en-US" dirty="0"/>
+              <a:t> pro </a:t>
+            </a:r>
+            <a:r>
+              <a:rPr lang="en-US" dirty="0" err="1"/>
+              <a:t>ovldádání</a:t>
+            </a:r>
+            <a:r>
+              <a:rPr lang="en-US" dirty="0"/>
+              <a:t> </a:t>
+            </a:r>
+            <a:r>
+              <a:rPr lang="en-US" dirty="0" err="1"/>
+              <a:t>svalů</a:t>
+            </a:r>
+            <a:r>
+              <a:rPr lang="en-US" dirty="0"/>
+              <a:t> </a:t>
+            </a:r>
+            <a:r>
+              <a:rPr lang="en-US" dirty="0" err="1"/>
+              <a:t>pomocí</a:t>
+            </a:r>
+            <a:r>
+              <a:rPr lang="en-US" dirty="0"/>
+              <a:t> mV a mbar</a:t>
+            </a:r>
+          </a:p>
+          <a:p>
+            <a:r>
+              <a:rPr lang="en-US" dirty="0" err="1"/>
+              <a:t>Během</a:t>
+            </a:r>
+            <a:r>
+              <a:rPr lang="en-US" dirty="0"/>
+              <a:t> </a:t>
+            </a:r>
+            <a:r>
+              <a:rPr lang="en-US" dirty="0" err="1"/>
+              <a:t>práce</a:t>
+            </a:r>
+            <a:r>
+              <a:rPr lang="en-US" dirty="0"/>
+              <a:t> </a:t>
+            </a:r>
+            <a:r>
+              <a:rPr lang="en-US" dirty="0" err="1"/>
+              <a:t>na</a:t>
+            </a:r>
+            <a:r>
+              <a:rPr lang="en-US" dirty="0"/>
+              <a:t> </a:t>
+            </a:r>
+            <a:r>
+              <a:rPr lang="en-US" dirty="0" err="1"/>
+              <a:t>soustavě</a:t>
+            </a:r>
+            <a:r>
+              <a:rPr lang="en-US" dirty="0"/>
+              <a:t> se </a:t>
+            </a:r>
+            <a:r>
+              <a:rPr lang="en-US" dirty="0" err="1"/>
+              <a:t>rozněž</a:t>
+            </a:r>
+            <a:r>
+              <a:rPr lang="en-US" dirty="0"/>
+              <a:t> </a:t>
+            </a:r>
+            <a:r>
+              <a:rPr lang="en-US" dirty="0" err="1"/>
+              <a:t>zjistilo</a:t>
+            </a:r>
+            <a:r>
+              <a:rPr lang="en-US" dirty="0"/>
+              <a:t> </a:t>
+            </a:r>
+            <a:r>
+              <a:rPr lang="en-US" dirty="0" err="1"/>
+              <a:t>že</a:t>
+            </a:r>
+            <a:r>
+              <a:rPr lang="en-US" dirty="0"/>
+              <a:t> </a:t>
+            </a:r>
+            <a:r>
+              <a:rPr lang="en-US" dirty="0" err="1"/>
+              <a:t>každý</a:t>
+            </a:r>
+            <a:r>
+              <a:rPr lang="en-US" dirty="0"/>
+              <a:t> </a:t>
+            </a:r>
+            <a:r>
+              <a:rPr lang="en-US" dirty="0" err="1"/>
+              <a:t>sval</a:t>
+            </a:r>
+            <a:r>
+              <a:rPr lang="en-US" dirty="0"/>
+              <a:t> </a:t>
+            </a:r>
+            <a:r>
+              <a:rPr lang="en-US" dirty="0" err="1"/>
+              <a:t>má</a:t>
+            </a:r>
+            <a:r>
+              <a:rPr lang="en-US" dirty="0"/>
+              <a:t> </a:t>
+            </a:r>
+            <a:r>
+              <a:rPr lang="en-US" dirty="0" err="1"/>
+              <a:t>ač</a:t>
+            </a:r>
+            <a:r>
+              <a:rPr lang="en-US" dirty="0"/>
+              <a:t> je ze </a:t>
+            </a:r>
+            <a:r>
+              <a:rPr lang="en-US" dirty="0" err="1"/>
+              <a:t>stejného</a:t>
+            </a:r>
+            <a:r>
+              <a:rPr lang="en-US" dirty="0"/>
+              <a:t> </a:t>
+            </a:r>
+            <a:r>
+              <a:rPr lang="en-US" dirty="0" err="1"/>
+              <a:t>drhu</a:t>
+            </a:r>
+            <a:r>
+              <a:rPr lang="en-US" dirty="0"/>
+              <a:t> </a:t>
+            </a:r>
+            <a:r>
+              <a:rPr lang="en-US" dirty="0" err="1"/>
+              <a:t>silikonu</a:t>
+            </a:r>
+            <a:r>
+              <a:rPr lang="en-US" dirty="0"/>
+              <a:t> </a:t>
+            </a:r>
+            <a:r>
+              <a:rPr lang="en-US" dirty="0" err="1"/>
+              <a:t>má</a:t>
+            </a:r>
+            <a:r>
+              <a:rPr lang="en-US" dirty="0"/>
+              <a:t> </a:t>
+            </a:r>
+            <a:r>
+              <a:rPr lang="en-US" dirty="0" err="1"/>
+              <a:t>trochu</a:t>
+            </a:r>
+            <a:r>
+              <a:rPr lang="en-US" dirty="0"/>
+              <a:t> </a:t>
+            </a:r>
+            <a:r>
+              <a:rPr lang="en-US" dirty="0" err="1"/>
+              <a:t>jiné</a:t>
+            </a:r>
+            <a:r>
+              <a:rPr lang="en-US" dirty="0"/>
+              <a:t> </a:t>
+            </a:r>
+            <a:r>
+              <a:rPr lang="en-US" dirty="0" err="1"/>
+              <a:t>vasnosti</a:t>
+            </a:r>
+            <a:r>
+              <a:rPr lang="en-US" dirty="0"/>
+              <a:t> ale </a:t>
+            </a:r>
+            <a:r>
+              <a:rPr lang="en-US" dirty="0" err="1"/>
+              <a:t>především</a:t>
+            </a:r>
+            <a:r>
+              <a:rPr lang="en-US" dirty="0"/>
+              <a:t> z toho </a:t>
+            </a:r>
+            <a:r>
+              <a:rPr lang="en-US" dirty="0" err="1"/>
+              <a:t>důvodu</a:t>
+            </a:r>
+            <a:r>
+              <a:rPr lang="en-US" dirty="0"/>
+              <a:t> </a:t>
+            </a:r>
+            <a:r>
+              <a:rPr lang="en-US" dirty="0" err="1"/>
+              <a:t>kdy</a:t>
+            </a:r>
+            <a:r>
+              <a:rPr lang="en-US" dirty="0"/>
+              <a:t> se </a:t>
+            </a:r>
+            <a:r>
+              <a:rPr lang="en-US" dirty="0" err="1"/>
+              <a:t>tento</a:t>
+            </a:r>
+            <a:r>
+              <a:rPr lang="en-US" dirty="0"/>
+              <a:t> </a:t>
+            </a:r>
+            <a:r>
+              <a:rPr lang="en-US" dirty="0" err="1"/>
+              <a:t>sw</a:t>
+            </a:r>
+            <a:r>
+              <a:rPr lang="en-US" dirty="0"/>
+              <a:t> </a:t>
+            </a:r>
+            <a:r>
+              <a:rPr lang="en-US" dirty="0" err="1"/>
+              <a:t>vytvářel</a:t>
+            </a:r>
+            <a:r>
+              <a:rPr lang="en-US" dirty="0"/>
+              <a:t> </a:t>
+            </a:r>
+            <a:r>
+              <a:rPr lang="en-US" dirty="0" err="1"/>
+              <a:t>byly</a:t>
+            </a:r>
+            <a:r>
+              <a:rPr lang="en-US" dirty="0"/>
+              <a:t> </a:t>
+            </a:r>
+            <a:r>
+              <a:rPr lang="en-US" dirty="0" err="1"/>
+              <a:t>svaly</a:t>
+            </a:r>
+            <a:r>
+              <a:rPr lang="en-US" dirty="0"/>
+              <a:t> </a:t>
+            </a:r>
+            <a:r>
+              <a:rPr lang="en-US" dirty="0" err="1"/>
+              <a:t>pořád</a:t>
+            </a:r>
+            <a:r>
+              <a:rPr lang="en-US" dirty="0"/>
+              <a:t> v </a:t>
+            </a:r>
+            <a:r>
+              <a:rPr lang="en-US" dirty="0" err="1"/>
+              <a:t>procesu</a:t>
+            </a:r>
+            <a:r>
+              <a:rPr lang="en-US" dirty="0"/>
+              <a:t> </a:t>
+            </a:r>
+            <a:r>
+              <a:rPr lang="en-US" dirty="0" err="1"/>
+              <a:t>testování</a:t>
+            </a:r>
+            <a:r>
+              <a:rPr lang="en-US" dirty="0"/>
+              <a:t> </a:t>
+            </a:r>
+            <a:r>
+              <a:rPr lang="en-US" dirty="0" err="1"/>
+              <a:t>jaký</a:t>
+            </a:r>
+            <a:r>
+              <a:rPr lang="en-US" dirty="0"/>
+              <a:t> </a:t>
+            </a:r>
+            <a:r>
+              <a:rPr lang="en-US" dirty="0" err="1"/>
+              <a:t>druh</a:t>
+            </a:r>
+            <a:r>
+              <a:rPr lang="en-US" dirty="0"/>
+              <a:t> </a:t>
+            </a:r>
+            <a:r>
+              <a:rPr lang="en-US" dirty="0" err="1"/>
+              <a:t>silikonu</a:t>
+            </a:r>
+            <a:r>
+              <a:rPr lang="en-US" dirty="0"/>
+              <a:t> pro </a:t>
+            </a:r>
+            <a:r>
+              <a:rPr lang="en-US" dirty="0" err="1"/>
+              <a:t>ně</a:t>
+            </a:r>
+            <a:r>
+              <a:rPr lang="en-US" dirty="0"/>
+              <a:t> </a:t>
+            </a:r>
+            <a:r>
+              <a:rPr lang="en-US" dirty="0" err="1"/>
+              <a:t>bude</a:t>
+            </a:r>
+            <a:r>
+              <a:rPr lang="en-US" dirty="0"/>
+              <a:t> </a:t>
+            </a:r>
+            <a:r>
+              <a:rPr lang="en-US" dirty="0" err="1"/>
+              <a:t>nejelpší</a:t>
+            </a:r>
+            <a:r>
+              <a:rPr lang="en-US" dirty="0"/>
+              <a:t> </a:t>
+            </a:r>
+            <a:r>
+              <a:rPr lang="en-US" dirty="0" err="1"/>
+              <a:t>tak</a:t>
+            </a:r>
+            <a:r>
+              <a:rPr lang="en-US" dirty="0"/>
+              <a:t> </a:t>
+            </a:r>
+            <a:r>
+              <a:rPr lang="en-US" dirty="0" err="1"/>
+              <a:t>bylo</a:t>
+            </a:r>
+            <a:r>
+              <a:rPr lang="en-US" dirty="0"/>
+              <a:t> </a:t>
+            </a:r>
+            <a:r>
+              <a:rPr lang="en-US" dirty="0" err="1"/>
+              <a:t>nutné</a:t>
+            </a:r>
+            <a:r>
+              <a:rPr lang="en-US" dirty="0"/>
+              <a:t> </a:t>
+            </a:r>
+            <a:r>
+              <a:rPr lang="en-US" dirty="0" err="1"/>
+              <a:t>zajistit</a:t>
+            </a:r>
+            <a:r>
+              <a:rPr lang="en-US" dirty="0"/>
+              <a:t> </a:t>
+            </a:r>
+            <a:r>
+              <a:rPr lang="en-US" dirty="0" err="1"/>
+              <a:t>nějakou</a:t>
+            </a:r>
+            <a:r>
+              <a:rPr lang="en-US" dirty="0"/>
+              <a:t> </a:t>
+            </a:r>
+            <a:r>
+              <a:rPr lang="en-US" dirty="0" err="1"/>
+              <a:t>možnost</a:t>
+            </a:r>
+            <a:r>
+              <a:rPr lang="en-US" dirty="0"/>
+              <a:t> </a:t>
+            </a:r>
+            <a:r>
+              <a:rPr lang="en-US" dirty="0" err="1"/>
+              <a:t>pomocí</a:t>
+            </a:r>
+            <a:r>
+              <a:rPr lang="en-US" dirty="0"/>
+              <a:t> </a:t>
+            </a:r>
+            <a:r>
+              <a:rPr lang="en-US" dirty="0" err="1"/>
+              <a:t>které</a:t>
+            </a:r>
+            <a:r>
+              <a:rPr lang="en-US" dirty="0"/>
+              <a:t> by </a:t>
+            </a:r>
+            <a:r>
+              <a:rPr lang="en-US" dirty="0" err="1"/>
+              <a:t>šli</a:t>
+            </a:r>
+            <a:r>
+              <a:rPr lang="en-US" dirty="0"/>
+              <a:t> </a:t>
+            </a:r>
+            <a:r>
+              <a:rPr lang="en-US" dirty="0" err="1"/>
+              <a:t>tyto</a:t>
+            </a:r>
+            <a:r>
+              <a:rPr lang="en-US" dirty="0"/>
+              <a:t> parameter </a:t>
+            </a:r>
+            <a:r>
+              <a:rPr lang="en-US" dirty="0" err="1"/>
+              <a:t>pohodlně</a:t>
             </a:r>
             <a:r>
               <a:rPr lang="en-US" dirty="0"/>
@@ -1036,15 +5805,134 @@
               <a:rPr lang="en-US" dirty="0" err="1"/>
               <a:t>měnit</a:t>
             </a:r>
-            <a:r>
-              <a:rPr lang="en-US" dirty="0"/>
-              <a:t> z light do </a:t>
-            </a:r>
-            <a:r>
-              <a:rPr lang="en-US" dirty="0" err="1"/>
-              <a:t>darkmodu</a:t>
-            </a:r>
-            <a:endParaRPr lang="cs-CZ" dirty="0"/>
+            <a:endParaRPr lang="en-US" dirty="0"/>
+          </a:p>
+          <a:p>
+            <a:r>
+              <a:rPr lang="en-US" dirty="0" err="1"/>
+              <a:t>Posledním</a:t>
+            </a:r>
+            <a:r>
+              <a:rPr lang="en-US" dirty="0"/>
+              <a:t> </a:t>
+            </a:r>
+            <a:r>
+              <a:rPr lang="en-US" dirty="0" err="1"/>
+              <a:t>hlavním</a:t>
+            </a:r>
+            <a:r>
+              <a:rPr lang="en-US" dirty="0"/>
+              <a:t> </a:t>
+            </a:r>
+            <a:r>
+              <a:rPr lang="en-US" dirty="0" err="1"/>
+              <a:t>cílem</a:t>
+            </a:r>
+            <a:r>
+              <a:rPr lang="en-US" dirty="0"/>
+              <a:t> </a:t>
+            </a:r>
+            <a:r>
+              <a:rPr lang="en-US" dirty="0" err="1"/>
+              <a:t>byla</a:t>
+            </a:r>
+            <a:r>
+              <a:rPr lang="en-US" dirty="0"/>
+              <a:t> </a:t>
+            </a:r>
+            <a:r>
+              <a:rPr lang="en-US" dirty="0" err="1"/>
+              <a:t>nutnost</a:t>
+            </a:r>
+            <a:r>
+              <a:rPr lang="en-US" dirty="0"/>
+              <a:t> </a:t>
+            </a:r>
+            <a:r>
+              <a:rPr lang="en-US" dirty="0" err="1"/>
+              <a:t>tyto</a:t>
+            </a:r>
+            <a:r>
+              <a:rPr lang="en-US" dirty="0"/>
+              <a:t> </a:t>
+            </a:r>
+            <a:r>
+              <a:rPr lang="en-US" dirty="0" err="1"/>
+              <a:t>všechny</a:t>
+            </a:r>
+            <a:r>
+              <a:rPr lang="en-US" dirty="0"/>
+              <a:t> </a:t>
+            </a:r>
+            <a:r>
+              <a:rPr lang="en-US" dirty="0" err="1"/>
+              <a:t>potřebné</a:t>
+            </a:r>
+            <a:r>
+              <a:rPr lang="en-US" dirty="0"/>
+              <a:t> </a:t>
+            </a:r>
+            <a:r>
+              <a:rPr lang="en-US" dirty="0" err="1"/>
+              <a:t>udaje</a:t>
+            </a:r>
+            <a:r>
+              <a:rPr lang="en-US" dirty="0"/>
+              <a:t> o </a:t>
+            </a:r>
+            <a:r>
+              <a:rPr lang="en-US" dirty="0" err="1"/>
+              <a:t>jednotlivýc</a:t>
+            </a:r>
+            <a:r>
+              <a:rPr lang="en-US" dirty="0"/>
+              <a:t> </a:t>
+            </a:r>
+            <a:r>
+              <a:rPr lang="en-US" dirty="0" err="1"/>
+              <a:t>svalech</a:t>
+            </a:r>
+            <a:r>
+              <a:rPr lang="en-US" dirty="0"/>
+              <a:t> </a:t>
+            </a:r>
+            <a:r>
+              <a:rPr lang="en-US" dirty="0" err="1"/>
+              <a:t>někde</a:t>
+            </a:r>
+            <a:r>
+              <a:rPr lang="en-US" dirty="0"/>
+              <a:t> </a:t>
+            </a:r>
+            <a:r>
+              <a:rPr lang="en-US" dirty="0" err="1"/>
+              <a:t>uchovat</a:t>
+            </a:r>
+            <a:r>
+              <a:rPr lang="en-US" dirty="0"/>
+              <a:t> pro </a:t>
+            </a:r>
+            <a:r>
+              <a:rPr lang="en-US" dirty="0" err="1"/>
+              <a:t>další</a:t>
+            </a:r>
+            <a:r>
+              <a:rPr lang="en-US" dirty="0"/>
+              <a:t> </a:t>
+            </a:r>
+            <a:r>
+              <a:rPr lang="en-US" dirty="0" err="1"/>
+              <a:t>práci</a:t>
+            </a:r>
+            <a:r>
+              <a:rPr lang="en-US" dirty="0"/>
+              <a:t> s </a:t>
+            </a:r>
+            <a:r>
+              <a:rPr lang="en-US" dirty="0" err="1"/>
+              <a:t>ními</a:t>
+            </a:r>
+            <a:endParaRPr lang="en-US" dirty="0"/>
           </a:p>
         </p:txBody>
       </p:sp>
@@ -1065,7 +5953,7 @@
           <a:p>
             <a:fld id="{40499985-F144-4F30-9B65-93EDEC442801}" type="slidenum">
               <a:rPr lang="cs-CZ" smtClean="0"/>
-              <a:t>10</a:t>
+              <a:t>4</a:t>
             </a:fld>
             <a:endParaRPr lang="cs-CZ"/>
           </a:p>
@@ -1074,7 +5962,7 @@
     </p:spTree>
     <p:extLst>
       <p:ext uri="{BB962C8B-B14F-4D97-AF65-F5344CB8AC3E}">
-        <p14:creationId xmlns:p14="http://schemas.microsoft.com/office/powerpoint/2010/main" val="2969818195"/>
+        <p14:creationId xmlns:p14="http://schemas.microsoft.com/office/powerpoint/2010/main" val="2428535078"/>
       </p:ext>
     </p:extLst>
   </p:cSld>
@@ -1128,62 +6016,6 @@
           <a:bodyPr/>
           <a:lstStyle/>
           <a:p>
-            <a:r>
-              <a:rPr lang="en-US" dirty="0"/>
-              <a:t>Sem </a:t>
-            </a:r>
-            <a:r>
-              <a:rPr lang="en-US" dirty="0" err="1"/>
-              <a:t>dát</a:t>
-            </a:r>
-            <a:r>
-              <a:rPr lang="en-US" dirty="0"/>
-              <a:t> jak to </a:t>
-            </a:r>
-            <a:r>
-              <a:rPr lang="en-US" dirty="0" err="1"/>
-              <a:t>vypá</a:t>
-            </a:r>
-            <a:r>
-              <a:rPr lang="en-US" dirty="0"/>
-              <a:t> u </a:t>
-            </a:r>
-            <a:r>
-              <a:rPr lang="en-US" dirty="0" err="1"/>
-              <a:t>uživatele</a:t>
-            </a:r>
-            <a:r>
-              <a:rPr lang="en-US" dirty="0"/>
-              <a:t> a </a:t>
-            </a:r>
-            <a:r>
-              <a:rPr lang="en-US" dirty="0" err="1"/>
-              <a:t>pak</a:t>
-            </a:r>
-            <a:r>
-              <a:rPr lang="en-US" dirty="0"/>
-              <a:t> </a:t>
-            </a:r>
-            <a:r>
-              <a:rPr lang="en-US" dirty="0" err="1"/>
-              <a:t>asi</a:t>
-            </a:r>
-            <a:r>
-              <a:rPr lang="en-US" dirty="0"/>
-              <a:t> I jak to </a:t>
-            </a:r>
-            <a:r>
-              <a:rPr lang="en-US" dirty="0" err="1"/>
-              <a:t>vypadá</a:t>
-            </a:r>
-            <a:r>
-              <a:rPr lang="en-US" dirty="0"/>
-              <a:t> u </a:t>
-            </a:r>
-            <a:r>
-              <a:rPr lang="en-US" dirty="0" err="1"/>
-              <a:t>uživatele</a:t>
-            </a:r>
             <a:endParaRPr lang="cs-CZ" dirty="0"/>
           </a:p>
         </p:txBody>
@@ -1205,7 +6037,7 @@
           <a:p>
             <a:fld id="{40499985-F144-4F30-9B65-93EDEC442801}" type="slidenum">
               <a:rPr lang="cs-CZ" smtClean="0"/>
-              <a:t>12</a:t>
+              <a:t>5</a:t>
             </a:fld>
             <a:endParaRPr lang="cs-CZ"/>
           </a:p>
@@ -1214,7 +6046,7 @@
     </p:spTree>
     <p:extLst>
       <p:ext uri="{BB962C8B-B14F-4D97-AF65-F5344CB8AC3E}">
-        <p14:creationId xmlns:p14="http://schemas.microsoft.com/office/powerpoint/2010/main" val="75704005"/>
+        <p14:creationId xmlns:p14="http://schemas.microsoft.com/office/powerpoint/2010/main" val="680251953"/>
       </p:ext>
     </p:extLst>
   </p:cSld>
@@ -1269,36 +6101,184 @@
           <a:lstStyle/>
           <a:p>
             <a:r>
-              <a:rPr lang="en-US" dirty="0"/>
-              <a:t>Asi </a:t>
-            </a:r>
-            <a:r>
-              <a:rPr lang="en-US" dirty="0" err="1"/>
-              <a:t>bych</a:t>
-            </a:r>
-            <a:r>
-              <a:rPr lang="en-US" dirty="0"/>
-              <a:t> </a:t>
-            </a:r>
-            <a:r>
-              <a:rPr lang="en-US" dirty="0" err="1"/>
-              <a:t>sem</a:t>
-            </a:r>
-            <a:r>
-              <a:rPr lang="en-US" dirty="0"/>
-              <a:t> dal </a:t>
-            </a:r>
-            <a:r>
-              <a:rPr lang="en-US" dirty="0" err="1"/>
-              <a:t>fotku</a:t>
-            </a:r>
-            <a:r>
-              <a:rPr lang="en-US" dirty="0"/>
-              <a:t> toho jak to </a:t>
-            </a:r>
-            <a:r>
-              <a:rPr lang="en-US" dirty="0" err="1"/>
-              <a:t>vypadá</a:t>
+              <a:rPr lang="en-US" dirty="0" err="1"/>
+              <a:t>Nyní</a:t>
+            </a:r>
+            <a:r>
+              <a:rPr lang="en-US" dirty="0"/>
+              <a:t> se </a:t>
+            </a:r>
+            <a:r>
+              <a:rPr lang="en-US" dirty="0" err="1"/>
+              <a:t>již</a:t>
+            </a:r>
+            <a:r>
+              <a:rPr lang="en-US" dirty="0"/>
+              <a:t> </a:t>
+            </a:r>
+            <a:r>
+              <a:rPr lang="en-US" dirty="0" err="1"/>
+              <a:t>už</a:t>
+            </a:r>
+            <a:r>
+              <a:rPr lang="en-US" dirty="0"/>
+              <a:t> </a:t>
+            </a:r>
+            <a:r>
+              <a:rPr lang="en-US" dirty="0" err="1"/>
+              <a:t>dstáváme</a:t>
+            </a:r>
+            <a:r>
+              <a:rPr lang="en-US" dirty="0"/>
+              <a:t> k </a:t>
+            </a:r>
+            <a:r>
+              <a:rPr lang="en-US" dirty="0" err="1"/>
+              <a:t>mé</a:t>
+            </a:r>
+            <a:r>
+              <a:rPr lang="en-US" dirty="0"/>
+              <a:t> </a:t>
+            </a:r>
+            <a:r>
+              <a:rPr lang="en-US" dirty="0" err="1"/>
+              <a:t>práci</a:t>
+            </a:r>
+            <a:r>
+              <a:rPr lang="en-US" dirty="0"/>
+              <a:t> </a:t>
+            </a:r>
+            <a:r>
+              <a:rPr lang="en-US" dirty="0" err="1"/>
+              <a:t>zde</a:t>
+            </a:r>
+            <a:r>
+              <a:rPr lang="en-US" dirty="0"/>
+              <a:t> </a:t>
+            </a:r>
+            <a:r>
+              <a:rPr lang="en-US" dirty="0" err="1"/>
+              <a:t>na</a:t>
+            </a:r>
+            <a:r>
+              <a:rPr lang="en-US" dirty="0"/>
+              <a:t> </a:t>
+            </a:r>
+            <a:r>
+              <a:rPr lang="en-US" dirty="0" err="1"/>
+              <a:t>obrázku</a:t>
+            </a:r>
+            <a:r>
+              <a:rPr lang="en-US" dirty="0"/>
+              <a:t> </a:t>
+            </a:r>
+            <a:r>
+              <a:rPr lang="en-US" dirty="0" err="1"/>
+              <a:t>můžete</a:t>
+            </a:r>
+            <a:r>
+              <a:rPr lang="en-US" dirty="0"/>
+              <a:t> </a:t>
+            </a:r>
+            <a:r>
+              <a:rPr lang="en-US" dirty="0" err="1"/>
+              <a:t>vidět</a:t>
+            </a:r>
+            <a:r>
+              <a:rPr lang="en-US" dirty="0"/>
+              <a:t> component diagram </a:t>
+            </a:r>
+            <a:r>
+              <a:rPr lang="en-US" dirty="0" err="1"/>
+              <a:t>celé</a:t>
+            </a:r>
+            <a:r>
+              <a:rPr lang="en-US" dirty="0"/>
+              <a:t> </a:t>
+            </a:r>
+            <a:r>
+              <a:rPr lang="en-US" dirty="0" err="1"/>
+              <a:t>soustavy</a:t>
+            </a:r>
+            <a:r>
+              <a:rPr lang="en-US" dirty="0"/>
+              <a:t> </a:t>
+            </a:r>
+            <a:r>
+              <a:rPr lang="en-US" dirty="0" err="1"/>
+              <a:t>kde</a:t>
+            </a:r>
+            <a:r>
+              <a:rPr lang="en-US" dirty="0"/>
+              <a:t> </a:t>
+            </a:r>
+            <a:r>
+              <a:rPr lang="en-US" dirty="0" err="1"/>
+              <a:t>můžete</a:t>
+            </a:r>
+            <a:r>
+              <a:rPr lang="en-US" dirty="0"/>
+              <a:t> </a:t>
+            </a:r>
+            <a:r>
+              <a:rPr lang="en-US" dirty="0" err="1"/>
+              <a:t>vidět</a:t>
+            </a:r>
+            <a:r>
+              <a:rPr lang="en-US" dirty="0"/>
+              <a:t> </a:t>
+            </a:r>
+            <a:r>
+              <a:rPr lang="en-US" dirty="0" err="1"/>
+              <a:t>oddělenou</a:t>
+            </a:r>
+            <a:r>
+              <a:rPr lang="en-US" dirty="0"/>
+              <a:t> </a:t>
+            </a:r>
+            <a:r>
+              <a:rPr lang="en-US" dirty="0" err="1"/>
+              <a:t>čarou</a:t>
+            </a:r>
+            <a:r>
+              <a:rPr lang="en-US" dirty="0"/>
+              <a:t> </a:t>
+            </a:r>
+            <a:r>
+              <a:rPr lang="en-US" dirty="0" err="1"/>
+              <a:t>na</a:t>
+            </a:r>
+            <a:r>
+              <a:rPr lang="en-US" dirty="0"/>
+              <a:t> </a:t>
+            </a:r>
+            <a:r>
+              <a:rPr lang="en-US" dirty="0" err="1"/>
+              <a:t>jakou</a:t>
+            </a:r>
+            <a:r>
+              <a:rPr lang="en-US" dirty="0"/>
+              <a:t> </a:t>
+            </a:r>
+            <a:r>
+              <a:rPr lang="en-US" dirty="0" err="1"/>
+              <a:t>část</a:t>
+            </a:r>
+            <a:r>
+              <a:rPr lang="en-US" dirty="0"/>
+              <a:t> </a:t>
+            </a:r>
+            <a:r>
+              <a:rPr lang="en-US" dirty="0" err="1"/>
+              <a:t>jsem</a:t>
+            </a:r>
+            <a:r>
+              <a:rPr lang="en-US" dirty="0"/>
+              <a:t> </a:t>
+            </a:r>
+            <a:r>
+              <a:rPr lang="en-US" dirty="0" err="1"/>
+              <a:t>navazoval</a:t>
             </a:r>
             <a:r>
               <a:rPr lang="en-US" dirty="0"/>
@@ -1306,31 +6286,70 @@
             </a:r>
             <a:r>
               <a:rPr lang="en-US" dirty="0" err="1"/>
-              <a:t>popsal</a:t>
-            </a:r>
-            <a:r>
-              <a:rPr lang="en-US" dirty="0"/>
-              <a:t> </a:t>
-            </a:r>
-            <a:r>
-              <a:rPr lang="en-US" dirty="0" err="1"/>
-              <a:t>bych</a:t>
-            </a:r>
-            <a:r>
-              <a:rPr lang="en-US" dirty="0"/>
-              <a:t> tam </a:t>
-            </a:r>
-            <a:r>
-              <a:rPr lang="en-US" dirty="0" err="1"/>
-              <a:t>jednotlivé</a:t>
-            </a:r>
-            <a:r>
-              <a:rPr lang="en-US" dirty="0"/>
-              <a:t> </a:t>
-            </a:r>
-            <a:r>
-              <a:rPr lang="en-US" dirty="0" err="1"/>
-              <a:t>věci</a:t>
+              <a:t>která</a:t>
+            </a:r>
+            <a:r>
+              <a:rPr lang="en-US" dirty="0"/>
+              <a:t> </a:t>
+            </a:r>
+            <a:r>
+              <a:rPr lang="en-US" dirty="0" err="1"/>
+              <a:t>část</a:t>
+            </a:r>
+            <a:r>
+              <a:rPr lang="en-US" dirty="0"/>
+              <a:t> je </a:t>
+            </a:r>
+            <a:r>
+              <a:rPr lang="en-US" dirty="0" err="1"/>
+              <a:t>již</a:t>
+            </a:r>
+            <a:r>
+              <a:rPr lang="en-US" dirty="0"/>
+              <a:t> </a:t>
+            </a:r>
+            <a:r>
+              <a:rPr lang="en-US" dirty="0" err="1"/>
+              <a:t>moje</a:t>
+            </a:r>
+            <a:br>
+              <a:rPr lang="en-US" dirty="0"/>
+            </a:br>
+            <a:r>
+              <a:rPr lang="en-US" dirty="0"/>
+              <a:t>Moje </a:t>
+            </a:r>
+            <a:r>
+              <a:rPr lang="en-US" dirty="0" err="1"/>
+              <a:t>práce</a:t>
+            </a:r>
+            <a:r>
+              <a:rPr lang="en-US" dirty="0"/>
+              <a:t> je </a:t>
+            </a:r>
+            <a:r>
+              <a:rPr lang="en-US" dirty="0" err="1"/>
+              <a:t>na</a:t>
+            </a:r>
+            <a:r>
+              <a:rPr lang="en-US" dirty="0"/>
+              <a:t> </a:t>
+            </a:r>
+            <a:r>
+              <a:rPr lang="en-US" dirty="0" err="1"/>
+              <a:t>komponentě</a:t>
+            </a:r>
+            <a:r>
+              <a:rPr lang="en-US" dirty="0"/>
+              <a:t> admin window, </a:t>
+            </a:r>
+            <a:r>
+              <a:rPr lang="en-US" dirty="0" err="1"/>
+              <a:t>Userwindow</a:t>
+            </a:r>
+            <a:r>
+              <a:rPr lang="en-US" dirty="0"/>
+              <a:t> a Main a database </a:t>
             </a:r>
             <a:endParaRPr lang="cs-CZ" dirty="0"/>
           </a:p>
@@ -1353,7 +6372,7 @@
           <a:p>
             <a:fld id="{40499985-F144-4F30-9B65-93EDEC442801}" type="slidenum">
               <a:rPr lang="cs-CZ" smtClean="0"/>
-              <a:t>14</a:t>
+              <a:t>10</a:t>
             </a:fld>
             <a:endParaRPr lang="cs-CZ"/>
           </a:p>
@@ -1362,7 +6381,7 @@
     </p:spTree>
     <p:extLst>
       <p:ext uri="{BB962C8B-B14F-4D97-AF65-F5344CB8AC3E}">
-        <p14:creationId xmlns:p14="http://schemas.microsoft.com/office/powerpoint/2010/main" val="4243141604"/>
+        <p14:creationId xmlns:p14="http://schemas.microsoft.com/office/powerpoint/2010/main" val="2016927497"/>
       </p:ext>
     </p:extLst>
   </p:cSld>
@@ -1418,53 +6437,125 @@
           <a:p>
             <a:r>
               <a:rPr lang="en-US" dirty="0"/>
-              <a:t>A </a:t>
-            </a:r>
-            <a:r>
-              <a:rPr lang="en-US" dirty="0" err="1"/>
-              <a:t>sem</a:t>
-            </a:r>
-            <a:r>
-              <a:rPr lang="en-US" dirty="0"/>
-              <a:t> </a:t>
-            </a:r>
-            <a:r>
-              <a:rPr lang="en-US" dirty="0" err="1"/>
-              <a:t>bych</a:t>
-            </a:r>
-            <a:r>
-              <a:rPr lang="en-US" dirty="0"/>
-              <a:t> </a:t>
-            </a:r>
-            <a:r>
-              <a:rPr lang="en-US" dirty="0" err="1"/>
-              <a:t>pak</a:t>
-            </a:r>
-            <a:r>
-              <a:rPr lang="en-US" dirty="0"/>
-              <a:t> dal </a:t>
-            </a:r>
-            <a:r>
-              <a:rPr lang="en-US" dirty="0" err="1"/>
-              <a:t>obrázek</a:t>
-            </a:r>
-            <a:r>
-              <a:rPr lang="en-US" dirty="0"/>
-              <a:t> </a:t>
-            </a:r>
-            <a:r>
-              <a:rPr lang="en-US" dirty="0" err="1"/>
-              <a:t>té</a:t>
-            </a:r>
-            <a:r>
-              <a:rPr lang="en-US" dirty="0"/>
-              <a:t> </a:t>
-            </a:r>
-            <a:r>
-              <a:rPr lang="en-US" dirty="0" err="1"/>
-              <a:t>databáze</a:t>
-            </a:r>
-            <a:endParaRPr lang="cs-CZ" dirty="0"/>
+              <a:t>Po </a:t>
+            </a:r>
+            <a:r>
+              <a:rPr lang="en-US" dirty="0" err="1"/>
+              <a:t>otestování</a:t>
+            </a:r>
+            <a:r>
+              <a:rPr lang="en-US" dirty="0"/>
+              <a:t> </a:t>
+            </a:r>
+            <a:r>
+              <a:rPr lang="en-US" dirty="0" err="1"/>
+              <a:t>nejpoužívanějších</a:t>
+            </a:r>
+            <a:r>
+              <a:rPr lang="en-US" dirty="0"/>
+              <a:t> </a:t>
+            </a:r>
+            <a:r>
+              <a:rPr lang="en-US" dirty="0" err="1"/>
+              <a:t>knihoven</a:t>
+            </a:r>
+            <a:r>
+              <a:rPr lang="en-US" dirty="0"/>
+              <a:t> </a:t>
+            </a:r>
+            <a:r>
+              <a:rPr lang="en-US" dirty="0" err="1"/>
+              <a:t>jsem</a:t>
+            </a:r>
+            <a:r>
+              <a:rPr lang="en-US" dirty="0"/>
+              <a:t> </a:t>
+            </a:r>
+            <a:r>
+              <a:rPr lang="en-US" dirty="0" err="1"/>
+              <a:t>došel</a:t>
+            </a:r>
+            <a:r>
+              <a:rPr lang="en-US" dirty="0"/>
+              <a:t> k </a:t>
+            </a:r>
+            <a:r>
+              <a:rPr lang="en-US" dirty="0" err="1"/>
+              <a:t>závěru</a:t>
+            </a:r>
+            <a:r>
+              <a:rPr lang="en-US" dirty="0"/>
+              <a:t> </a:t>
+            </a:r>
+            <a:r>
+              <a:rPr lang="en-US" dirty="0" err="1"/>
+              <a:t>že</a:t>
+            </a:r>
+            <a:r>
+              <a:rPr lang="en-US" dirty="0"/>
+              <a:t> </a:t>
+            </a:r>
+            <a:r>
+              <a:rPr lang="en-US" dirty="0" err="1"/>
+              <a:t>knihovna</a:t>
+            </a:r>
+            <a:r>
+              <a:rPr lang="en-US" dirty="0"/>
+              <a:t> tkinter se </a:t>
+            </a:r>
+            <a:r>
+              <a:rPr lang="en-US" dirty="0" err="1"/>
+              <a:t>svojí</a:t>
+            </a:r>
+            <a:r>
+              <a:rPr lang="en-US" dirty="0"/>
+              <a:t> </a:t>
+            </a:r>
+            <a:r>
+              <a:rPr lang="en-US" dirty="0" err="1"/>
+              <a:t>nadstavou</a:t>
+            </a:r>
+            <a:r>
+              <a:rPr lang="en-US" dirty="0"/>
+              <a:t> </a:t>
+            </a:r>
+            <a:r>
+              <a:rPr lang="en-US" dirty="0" err="1"/>
+              <a:t>custum</a:t>
+            </a:r>
+            <a:r>
+              <a:rPr lang="en-US" dirty="0"/>
+              <a:t> </a:t>
+            </a:r>
+            <a:r>
+              <a:rPr lang="en-US" dirty="0" err="1"/>
+              <a:t>tkiter</a:t>
+            </a:r>
+            <a:r>
+              <a:rPr lang="en-US" dirty="0"/>
+              <a:t> </a:t>
+            </a:r>
+            <a:r>
+              <a:rPr lang="en-US" dirty="0" err="1"/>
+              <a:t>bude</a:t>
+            </a:r>
+            <a:r>
+              <a:rPr lang="en-US" dirty="0"/>
+              <a:t> </a:t>
+            </a:r>
+            <a:r>
+              <a:rPr lang="en-US" dirty="0" err="1"/>
+              <a:t>nejlepší</a:t>
+            </a:r>
+            <a:r>
+              <a:rPr lang="en-US" dirty="0"/>
+              <a:t> </a:t>
+            </a:r>
+            <a:r>
+              <a:rPr lang="en-US" dirty="0" err="1"/>
+              <a:t>volbou</a:t>
+            </a:r>
+            <a:endParaRPr lang="en-US" dirty="0"/>
           </a:p>
         </p:txBody>
       </p:sp>
@@ -1485,7 +6576,7 @@
           <a:p>
             <a:fld id="{40499985-F144-4F30-9B65-93EDEC442801}" type="slidenum">
               <a:rPr lang="cs-CZ" smtClean="0"/>
-              <a:t>15</a:t>
+              <a:t>11</a:t>
             </a:fld>
             <a:endParaRPr lang="cs-CZ"/>
           </a:p>
@@ -1494,7 +6585,511 @@
     </p:spTree>
     <p:extLst>
       <p:ext uri="{BB962C8B-B14F-4D97-AF65-F5344CB8AC3E}">
-        <p14:creationId xmlns:p14="http://schemas.microsoft.com/office/powerpoint/2010/main" val="1134747718"/>
+        <p14:creationId xmlns:p14="http://schemas.microsoft.com/office/powerpoint/2010/main" val="3591965212"/>
+      </p:ext>
+    </p:extLst>
+  </p:cSld>
+  <p:clrMapOvr>
+    <a:masterClrMapping/>
+  </p:clrMapOvr>
+</p:notes>
+</file>
+
+<file path=ppt/notesSlides/notesSlide8.xml><?xml version="1.0" encoding="utf-8"?>
+<p:notes xmlns:a="http://schemas.openxmlformats.org/drawingml/2006/main" xmlns:r="http://schemas.openxmlformats.org/officeDocument/2006/relationships" xmlns:p="http://schemas.openxmlformats.org/presentationml/2006/main">
+  <p:cSld>
+    <p:spTree>
+      <p:nvGrpSpPr>
+        <p:cNvPr id="1" name=""/>
+        <p:cNvGrpSpPr/>
+        <p:nvPr/>
+      </p:nvGrpSpPr>
+      <p:grpSpPr>
+        <a:xfrm>
+          <a:off x="0" y="0"/>
+          <a:ext cx="0" cy="0"/>
+          <a:chOff x="0" y="0"/>
+          <a:chExt cx="0" cy="0"/>
+        </a:xfrm>
+      </p:grpSpPr>
+      <p:sp>
+        <p:nvSpPr>
+          <p:cNvPr id="2" name="Slide Image Placeholder 1"/>
+          <p:cNvSpPr>
+            <a:spLocks noGrp="1" noRot="1" noChangeAspect="1"/>
+          </p:cNvSpPr>
+          <p:nvPr>
+            <p:ph type="sldImg"/>
+          </p:nvPr>
+        </p:nvSpPr>
+        <p:spPr/>
+      </p:sp>
+      <p:sp>
+        <p:nvSpPr>
+          <p:cNvPr id="3" name="Notes Placeholder 2"/>
+          <p:cNvSpPr>
+            <a:spLocks noGrp="1"/>
+          </p:cNvSpPr>
+          <p:nvPr>
+            <p:ph type="body" idx="1"/>
+          </p:nvPr>
+        </p:nvSpPr>
+        <p:spPr/>
+        <p:txBody>
+          <a:bodyPr/>
+          <a:lstStyle/>
+          <a:p>
+            <a:r>
+              <a:rPr lang="en-US" dirty="0" err="1"/>
+              <a:t>Zde</a:t>
+            </a:r>
+            <a:r>
+              <a:rPr lang="en-US" dirty="0"/>
+              <a:t> </a:t>
+            </a:r>
+            <a:r>
+              <a:rPr lang="en-US" dirty="0" err="1"/>
+              <a:t>mužete</a:t>
+            </a:r>
+            <a:r>
+              <a:rPr lang="en-US" dirty="0"/>
+              <a:t> </a:t>
+            </a:r>
+            <a:r>
+              <a:rPr lang="en-US" dirty="0" err="1"/>
+              <a:t>vidět</a:t>
+            </a:r>
+            <a:r>
+              <a:rPr lang="en-US" dirty="0"/>
+              <a:t> </a:t>
+            </a:r>
+            <a:r>
+              <a:rPr lang="en-US" dirty="0" err="1"/>
+              <a:t>přihlašovací</a:t>
+            </a:r>
+            <a:r>
+              <a:rPr lang="en-US" dirty="0"/>
+              <a:t> </a:t>
+            </a:r>
+            <a:r>
+              <a:rPr lang="en-US" dirty="0" err="1"/>
+              <a:t>okoale</a:t>
+            </a:r>
+            <a:r>
+              <a:rPr lang="en-US" dirty="0"/>
+              <a:t> </a:t>
+            </a:r>
+            <a:r>
+              <a:rPr lang="en-US" dirty="0" err="1"/>
+              <a:t>můžete</a:t>
+            </a:r>
+            <a:r>
+              <a:rPr lang="en-US" dirty="0"/>
+              <a:t> </a:t>
+            </a:r>
+            <a:r>
+              <a:rPr lang="en-US" dirty="0" err="1"/>
+              <a:t>zde</a:t>
+            </a:r>
+            <a:r>
+              <a:rPr lang="en-US" dirty="0"/>
+              <a:t> </a:t>
+            </a:r>
+            <a:r>
+              <a:rPr lang="en-US" dirty="0" err="1"/>
+              <a:t>vidět</a:t>
+            </a:r>
+            <a:r>
+              <a:rPr lang="en-US" dirty="0"/>
+              <a:t> jak je program </a:t>
+            </a:r>
+            <a:r>
+              <a:rPr lang="en-US" dirty="0" err="1"/>
+              <a:t>schopen</a:t>
+            </a:r>
+            <a:r>
+              <a:rPr lang="en-US" dirty="0"/>
+              <a:t> </a:t>
+            </a:r>
+            <a:r>
+              <a:rPr lang="en-US" dirty="0" err="1"/>
+              <a:t>změnit</a:t>
+            </a:r>
+            <a:r>
+              <a:rPr lang="en-US" dirty="0"/>
+              <a:t> </a:t>
+            </a:r>
+            <a:r>
+              <a:rPr lang="en-US" dirty="0" err="1"/>
+              <a:t>svůj</a:t>
+            </a:r>
+            <a:r>
+              <a:rPr lang="en-US" dirty="0"/>
+              <a:t> </a:t>
+            </a:r>
+            <a:r>
+              <a:rPr lang="en-US" dirty="0" err="1"/>
+              <a:t>motiv</a:t>
+            </a:r>
+            <a:r>
+              <a:rPr lang="en-US" dirty="0"/>
+              <a:t> ze </a:t>
+            </a:r>
+            <a:r>
+              <a:rPr lang="en-US" dirty="0" err="1"/>
+              <a:t>světlého</a:t>
+            </a:r>
+            <a:r>
+              <a:rPr lang="en-US" dirty="0"/>
+              <a:t> </a:t>
+            </a:r>
+            <a:r>
+              <a:rPr lang="en-US" dirty="0" err="1"/>
+              <a:t>na</a:t>
+            </a:r>
+            <a:r>
+              <a:rPr lang="en-US" dirty="0"/>
+              <a:t> </a:t>
+            </a:r>
+            <a:r>
+              <a:rPr lang="en-US" dirty="0" err="1"/>
+              <a:t>tmavý</a:t>
+            </a:r>
+            <a:r>
+              <a:rPr lang="en-US" dirty="0"/>
+              <a:t> </a:t>
+            </a:r>
+            <a:r>
+              <a:rPr lang="en-US" dirty="0" err="1"/>
+              <a:t>pomocí</a:t>
+            </a:r>
+            <a:r>
+              <a:rPr lang="en-US" dirty="0"/>
+              <a:t> </a:t>
+            </a:r>
+            <a:r>
+              <a:rPr lang="en-US" dirty="0" err="1"/>
+              <a:t>dá</a:t>
+            </a:r>
+            <a:r>
+              <a:rPr lang="en-US" dirty="0"/>
+              <a:t> se </a:t>
+            </a:r>
+            <a:r>
+              <a:rPr lang="en-US" dirty="0" err="1"/>
+              <a:t>říct</a:t>
+            </a:r>
+            <a:r>
+              <a:rPr lang="en-US" dirty="0"/>
+              <a:t> </a:t>
+            </a:r>
+            <a:r>
+              <a:rPr lang="en-US" dirty="0" err="1"/>
+              <a:t>jednoho</a:t>
+            </a:r>
+            <a:r>
+              <a:rPr lang="en-US" dirty="0"/>
+              <a:t> </a:t>
+            </a:r>
+            <a:r>
+              <a:rPr lang="en-US" dirty="0" err="1"/>
+              <a:t>řádku</a:t>
+            </a:r>
+            <a:r>
+              <a:rPr lang="en-US" dirty="0"/>
+              <a:t> a </a:t>
+            </a:r>
+            <a:r>
+              <a:rPr lang="en-US" dirty="0" err="1"/>
+              <a:t>komponenty</a:t>
+            </a:r>
+            <a:r>
+              <a:rPr lang="en-US" dirty="0"/>
+              <a:t> </a:t>
+            </a:r>
+            <a:r>
+              <a:rPr lang="en-US" dirty="0" err="1"/>
+              <a:t>která</a:t>
+            </a:r>
+            <a:r>
+              <a:rPr lang="en-US" dirty="0"/>
+              <a:t> </a:t>
+            </a:r>
+            <a:r>
+              <a:rPr lang="en-US" dirty="0" err="1"/>
+              <a:t>tento</a:t>
+            </a:r>
+            <a:r>
+              <a:rPr lang="en-US" dirty="0"/>
+              <a:t> </a:t>
+            </a:r>
+            <a:r>
+              <a:rPr lang="en-US" dirty="0" err="1"/>
+              <a:t>kód</a:t>
+            </a:r>
+            <a:r>
+              <a:rPr lang="en-US" dirty="0"/>
+              <a:t> </a:t>
+            </a:r>
+            <a:r>
+              <a:rPr lang="en-US" dirty="0" err="1"/>
+              <a:t>spustí</a:t>
+            </a:r>
+            <a:endParaRPr lang="cs-CZ" dirty="0"/>
+          </a:p>
+        </p:txBody>
+      </p:sp>
+      <p:sp>
+        <p:nvSpPr>
+          <p:cNvPr id="4" name="Slide Number Placeholder 3"/>
+          <p:cNvSpPr>
+            <a:spLocks noGrp="1"/>
+          </p:cNvSpPr>
+          <p:nvPr>
+            <p:ph type="sldNum" sz="quarter" idx="5"/>
+          </p:nvPr>
+        </p:nvSpPr>
+        <p:spPr/>
+        <p:txBody>
+          <a:bodyPr/>
+          <a:lstStyle/>
+          <a:p>
+            <a:fld id="{40499985-F144-4F30-9B65-93EDEC442801}" type="slidenum">
+              <a:rPr lang="cs-CZ" smtClean="0"/>
+              <a:t>12</a:t>
+            </a:fld>
+            <a:endParaRPr lang="cs-CZ"/>
+          </a:p>
+        </p:txBody>
+      </p:sp>
+    </p:spTree>
+    <p:extLst>
+      <p:ext uri="{BB962C8B-B14F-4D97-AF65-F5344CB8AC3E}">
+        <p14:creationId xmlns:p14="http://schemas.microsoft.com/office/powerpoint/2010/main" val="2969818195"/>
+      </p:ext>
+    </p:extLst>
+  </p:cSld>
+  <p:clrMapOvr>
+    <a:masterClrMapping/>
+  </p:clrMapOvr>
+</p:notes>
+</file>
+
+<file path=ppt/notesSlides/notesSlide9.xml><?xml version="1.0" encoding="utf-8"?>
+<p:notes xmlns:a="http://schemas.openxmlformats.org/drawingml/2006/main" xmlns:r="http://schemas.openxmlformats.org/officeDocument/2006/relationships" xmlns:p="http://schemas.openxmlformats.org/presentationml/2006/main">
+  <p:cSld>
+    <p:spTree>
+      <p:nvGrpSpPr>
+        <p:cNvPr id="1" name=""/>
+        <p:cNvGrpSpPr/>
+        <p:nvPr/>
+      </p:nvGrpSpPr>
+      <p:grpSpPr>
+        <a:xfrm>
+          <a:off x="0" y="0"/>
+          <a:ext cx="0" cy="0"/>
+          <a:chOff x="0" y="0"/>
+          <a:chExt cx="0" cy="0"/>
+        </a:xfrm>
+      </p:grpSpPr>
+      <p:sp>
+        <p:nvSpPr>
+          <p:cNvPr id="2" name="Slide Image Placeholder 1"/>
+          <p:cNvSpPr>
+            <a:spLocks noGrp="1" noRot="1" noChangeAspect="1"/>
+          </p:cNvSpPr>
+          <p:nvPr>
+            <p:ph type="sldImg"/>
+          </p:nvPr>
+        </p:nvSpPr>
+        <p:spPr/>
+      </p:sp>
+      <p:sp>
+        <p:nvSpPr>
+          <p:cNvPr id="3" name="Notes Placeholder 2"/>
+          <p:cNvSpPr>
+            <a:spLocks noGrp="1"/>
+          </p:cNvSpPr>
+          <p:nvPr>
+            <p:ph type="body" idx="1"/>
+          </p:nvPr>
+        </p:nvSpPr>
+        <p:spPr/>
+        <p:txBody>
+          <a:bodyPr/>
+          <a:lstStyle/>
+          <a:p>
+            <a:r>
+              <a:rPr lang="en-US" dirty="0" err="1"/>
+              <a:t>Tohle</a:t>
+            </a:r>
+            <a:r>
+              <a:rPr lang="en-US" dirty="0"/>
+              <a:t> </a:t>
+            </a:r>
+            <a:r>
+              <a:rPr lang="en-US" dirty="0" err="1"/>
+              <a:t>oknou</a:t>
+            </a:r>
+            <a:r>
+              <a:rPr lang="en-US" dirty="0"/>
+              <a:t> </a:t>
+            </a:r>
+            <a:r>
+              <a:rPr lang="en-US" dirty="0" err="1"/>
+              <a:t>slouží</a:t>
+            </a:r>
+            <a:r>
+              <a:rPr lang="en-US" dirty="0"/>
+              <a:t> k </a:t>
+            </a:r>
+            <a:r>
+              <a:rPr lang="en-US" dirty="0" err="1"/>
+              <a:t>tomu</a:t>
+            </a:r>
+            <a:r>
+              <a:rPr lang="en-US" dirty="0"/>
+              <a:t> aby se </a:t>
+            </a:r>
+            <a:r>
+              <a:rPr lang="en-US" dirty="0" err="1"/>
+              <a:t>pracovník</a:t>
+            </a:r>
+            <a:r>
+              <a:rPr lang="en-US" dirty="0"/>
+              <a:t> u </a:t>
+            </a:r>
+            <a:r>
+              <a:rPr lang="en-US" dirty="0" err="1"/>
+              <a:t>soustavy</a:t>
+            </a:r>
+            <a:r>
+              <a:rPr lang="en-US" dirty="0"/>
+              <a:t> </a:t>
+            </a:r>
+            <a:r>
+              <a:rPr lang="en-US" dirty="0" err="1"/>
+              <a:t>identifikoval</a:t>
+            </a:r>
+            <a:r>
+              <a:rPr lang="en-US" dirty="0"/>
+              <a:t> bud </a:t>
+            </a:r>
+            <a:r>
+              <a:rPr lang="en-US" dirty="0" err="1"/>
+              <a:t>jako</a:t>
+            </a:r>
+            <a:r>
+              <a:rPr lang="en-US" dirty="0"/>
+              <a:t> administrator </a:t>
+            </a:r>
+            <a:r>
+              <a:rPr lang="en-US" dirty="0" err="1"/>
+              <a:t>nebo</a:t>
+            </a:r>
+            <a:r>
+              <a:rPr lang="en-US" dirty="0"/>
+              <a:t> </a:t>
+            </a:r>
+            <a:r>
+              <a:rPr lang="en-US" dirty="0" err="1"/>
+              <a:t>uživatel</a:t>
+            </a:r>
+            <a:r>
+              <a:rPr lang="en-US" dirty="0"/>
+              <a:t> </a:t>
+            </a:r>
+            <a:r>
+              <a:rPr lang="en-US" dirty="0" err="1"/>
+              <a:t>pokud</a:t>
+            </a:r>
+            <a:r>
+              <a:rPr lang="en-US" dirty="0"/>
+              <a:t> se </a:t>
+            </a:r>
+            <a:r>
+              <a:rPr lang="en-US" dirty="0" err="1"/>
+              <a:t>nedokže</a:t>
+            </a:r>
+            <a:r>
+              <a:rPr lang="en-US" dirty="0"/>
+              <a:t> </a:t>
+            </a:r>
+            <a:r>
+              <a:rPr lang="en-US" dirty="0" err="1"/>
+              <a:t>identifikovat</a:t>
+            </a:r>
+            <a:r>
+              <a:rPr lang="en-US" dirty="0"/>
+              <a:t> </a:t>
+            </a:r>
+            <a:r>
+              <a:rPr lang="en-US" dirty="0" err="1"/>
+              <a:t>jako</a:t>
+            </a:r>
+            <a:r>
+              <a:rPr lang="en-US" dirty="0"/>
+              <a:t> ani </a:t>
+            </a:r>
+            <a:r>
+              <a:rPr lang="en-US" dirty="0" err="1"/>
+              <a:t>jeden</a:t>
+            </a:r>
+            <a:r>
+              <a:rPr lang="en-US" dirty="0"/>
+              <a:t> </a:t>
+            </a:r>
+            <a:r>
+              <a:rPr lang="en-US" dirty="0" err="1"/>
+              <a:t>bude</a:t>
+            </a:r>
+            <a:r>
+              <a:rPr lang="en-US" dirty="0"/>
+              <a:t> mu </a:t>
+            </a:r>
+            <a:r>
+              <a:rPr lang="en-US" dirty="0" err="1"/>
+              <a:t>přístup</a:t>
+            </a:r>
+            <a:r>
+              <a:rPr lang="en-US" dirty="0"/>
+              <a:t> </a:t>
+            </a:r>
+            <a:r>
+              <a:rPr lang="en-US" dirty="0" err="1"/>
+              <a:t>odepřen</a:t>
+            </a:r>
+            <a:endParaRPr lang="en-US" dirty="0"/>
+          </a:p>
+        </p:txBody>
+      </p:sp>
+      <p:sp>
+        <p:nvSpPr>
+          <p:cNvPr id="4" name="Slide Number Placeholder 3"/>
+          <p:cNvSpPr>
+            <a:spLocks noGrp="1"/>
+          </p:cNvSpPr>
+          <p:nvPr>
+            <p:ph type="sldNum" sz="quarter" idx="5"/>
+          </p:nvPr>
+        </p:nvSpPr>
+        <p:spPr/>
+        <p:txBody>
+          <a:bodyPr/>
+          <a:lstStyle/>
+          <a:p>
+            <a:fld id="{40499985-F144-4F30-9B65-93EDEC442801}" type="slidenum">
+              <a:rPr lang="cs-CZ" smtClean="0"/>
+              <a:t>13</a:t>
+            </a:fld>
+            <a:endParaRPr lang="cs-CZ"/>
+          </a:p>
+        </p:txBody>
+      </p:sp>
+    </p:spTree>
+    <p:extLst>
+      <p:ext uri="{BB962C8B-B14F-4D97-AF65-F5344CB8AC3E}">
+        <p14:creationId xmlns:p14="http://schemas.microsoft.com/office/powerpoint/2010/main" val="4058845635"/>
       </p:ext>
     </p:extLst>
   </p:cSld>
@@ -2879,7 +8474,7 @@
         </p:nvSpPr>
         <p:spPr>
           <a:xfrm>
-            <a:off x="1080000" y="4296102"/>
+            <a:off x="1080000" y="4642247"/>
             <a:ext cx="7736693" cy="1793199"/>
           </a:xfrm>
         </p:spPr>
@@ -2959,10 +8554,142 @@
       </p:grpSpPr>
       <p:sp>
         <p:nvSpPr>
-          <p:cNvPr id="4" name="Content Placeholder 3">
+          <p:cNvPr id="2" name="Title 1">
             <a:extLst>
               <a:ext uri="{FF2B5EF4-FFF2-40B4-BE49-F238E27FC236}">
-                <a16:creationId xmlns:a16="http://schemas.microsoft.com/office/drawing/2014/main" id="{155E7407-8AB7-C253-1C92-732CAC06CD78}"/>
+                <a16:creationId xmlns:a16="http://schemas.microsoft.com/office/drawing/2014/main" id="{C785D90F-E463-BB8A-0C16-26EF91A57CC1}"/>
+              </a:ext>
+            </a:extLst>
+          </p:cNvPr>
+          <p:cNvSpPr>
+            <a:spLocks noGrp="1"/>
+          </p:cNvSpPr>
+          <p:nvPr>
+            <p:ph type="title"/>
+          </p:nvPr>
+        </p:nvSpPr>
+        <p:spPr/>
+        <p:txBody>
+          <a:bodyPr/>
+          <a:lstStyle/>
+          <a:p>
+            <a:r>
+              <a:rPr lang="en-US" dirty="0" err="1"/>
+              <a:t>Metodika</a:t>
+            </a:r>
+            <a:endParaRPr lang="cs-CZ" dirty="0"/>
+          </a:p>
+        </p:txBody>
+      </p:sp>
+      <p:pic>
+        <p:nvPicPr>
+          <p:cNvPr id="5" name="Content Placeholder 4" descr="A diagram of a software system&#10;&#10;Description automatically generated">
+            <a:extLst>
+              <a:ext uri="{FF2B5EF4-FFF2-40B4-BE49-F238E27FC236}">
+                <a16:creationId xmlns:a16="http://schemas.microsoft.com/office/drawing/2014/main" id="{87E0771F-A9B8-A4C5-55FF-4E4E5EFFAD96}"/>
+              </a:ext>
+            </a:extLst>
+          </p:cNvPr>
+          <p:cNvPicPr>
+            <a:picLocks noGrp="1" noChangeAspect="1"/>
+          </p:cNvPicPr>
+          <p:nvPr>
+            <p:ph idx="1"/>
+          </p:nvPr>
+        </p:nvPicPr>
+        <p:blipFill>
+          <a:blip r:embed="rId4">
+            <a:extLst>
+              <a:ext uri="{28A0092B-C50C-407E-A947-70E740481C1C}">
+                <a14:useLocalDpi xmlns:a14="http://schemas.microsoft.com/office/drawing/2010/main" val="0"/>
+              </a:ext>
+            </a:extLst>
+          </a:blip>
+          <a:stretch>
+            <a:fillRect/>
+          </a:stretch>
+        </p:blipFill>
+        <p:spPr>
+          <a:xfrm>
+            <a:off x="742602" y="2502040"/>
+            <a:ext cx="7573889" cy="3838470"/>
+          </a:xfrm>
+        </p:spPr>
+      </p:pic>
+    </p:spTree>
+    <p:extLst>
+      <p:ext uri="{BB962C8B-B14F-4D97-AF65-F5344CB8AC3E}">
+        <p14:creationId xmlns:p14="http://schemas.microsoft.com/office/powerpoint/2010/main" val="2796476723"/>
+      </p:ext>
+    </p:extLst>
+  </p:cSld>
+  <p:clrMapOvr>
+    <a:masterClrMapping/>
+  </p:clrMapOvr>
+  <p:extLst>
+    <p:ext uri="{6950BFC3-D8DA-4A85-94F7-54DA5524770B}">
+      <p188:commentRel xmlns:p188="http://schemas.microsoft.com/office/powerpoint/2018/8/main" r:id="rId3"/>
+    </p:ext>
+  </p:extLst>
+</p:sld>
+</file>
+
+<file path=ppt/slides/slide11.xml><?xml version="1.0" encoding="utf-8"?>
+<p:sld xmlns:a="http://schemas.openxmlformats.org/drawingml/2006/main" xmlns:r="http://schemas.openxmlformats.org/officeDocument/2006/relationships" xmlns:p="http://schemas.openxmlformats.org/presentationml/2006/main">
+  <p:cSld>
+    <p:spTree>
+      <p:nvGrpSpPr>
+        <p:cNvPr id="1" name=""/>
+        <p:cNvGrpSpPr/>
+        <p:nvPr/>
+      </p:nvGrpSpPr>
+      <p:grpSpPr>
+        <a:xfrm>
+          <a:off x="0" y="0"/>
+          <a:ext cx="0" cy="0"/>
+          <a:chOff x="0" y="0"/>
+          <a:chExt cx="0" cy="0"/>
+        </a:xfrm>
+      </p:grpSpPr>
+      <p:sp>
+        <p:nvSpPr>
+          <p:cNvPr id="2" name="Title 1">
+            <a:extLst>
+              <a:ext uri="{FF2B5EF4-FFF2-40B4-BE49-F238E27FC236}">
+                <a16:creationId xmlns:a16="http://schemas.microsoft.com/office/drawing/2014/main" id="{1C8B6BAE-A07C-BFB6-F76D-F422BB02DF65}"/>
+              </a:ext>
+            </a:extLst>
+          </p:cNvPr>
+          <p:cNvSpPr>
+            <a:spLocks noGrp="1"/>
+          </p:cNvSpPr>
+          <p:nvPr>
+            <p:ph type="title"/>
+          </p:nvPr>
+        </p:nvSpPr>
+        <p:spPr/>
+        <p:txBody>
+          <a:bodyPr/>
+          <a:lstStyle/>
+          <a:p>
+            <a:r>
+              <a:rPr lang="en-US" dirty="0" err="1"/>
+              <a:t>Vytvoření</a:t>
+            </a:r>
+            <a:r>
+              <a:rPr lang="en-US" dirty="0"/>
+              <a:t> GUI</a:t>
+            </a:r>
+            <a:endParaRPr lang="cs-CZ" dirty="0"/>
+          </a:p>
+        </p:txBody>
+      </p:sp>
+      <p:sp>
+        <p:nvSpPr>
+          <p:cNvPr id="3" name="Content Placeholder 2">
+            <a:extLst>
+              <a:ext uri="{FF2B5EF4-FFF2-40B4-BE49-F238E27FC236}">
+                <a16:creationId xmlns:a16="http://schemas.microsoft.com/office/drawing/2014/main" id="{D4D38F9E-5DE5-AEA8-D598-4203D9F26F1D}"/>
               </a:ext>
             </a:extLst>
           </p:cNvPr>
@@ -2978,7 +8705,123 @@
           <a:bodyPr/>
           <a:lstStyle/>
           <a:p>
-            <a:endParaRPr lang="cs-CZ"/>
+            <a:pPr marL="342900" indent="-342900">
+              <a:buFont typeface="Arial" panose="020B0604020202020204" pitchFamily="34" charset="0"/>
+              <a:buChar char="•"/>
+            </a:pPr>
+            <a:r>
+              <a:rPr lang="en-US" dirty="0" err="1"/>
+              <a:t>Knihovna</a:t>
+            </a:r>
+            <a:r>
+              <a:rPr lang="en-US" dirty="0"/>
+              <a:t> Tkinter a </a:t>
+            </a:r>
+            <a:r>
+              <a:rPr lang="en-US" dirty="0" err="1"/>
+              <a:t>customtikinter</a:t>
+            </a:r>
+            <a:endParaRPr lang="cs-CZ" dirty="0"/>
+          </a:p>
+        </p:txBody>
+      </p:sp>
+    </p:spTree>
+    <p:extLst>
+      <p:ext uri="{BB962C8B-B14F-4D97-AF65-F5344CB8AC3E}">
+        <p14:creationId xmlns:p14="http://schemas.microsoft.com/office/powerpoint/2010/main" val="4039360344"/>
+      </p:ext>
+    </p:extLst>
+  </p:cSld>
+  <p:clrMapOvr>
+    <a:masterClrMapping/>
+  </p:clrMapOvr>
+</p:sld>
+</file>
+
+<file path=ppt/slides/slide12.xml><?xml version="1.0" encoding="utf-8"?>
+<p:sld xmlns:a="http://schemas.openxmlformats.org/drawingml/2006/main" xmlns:r="http://schemas.openxmlformats.org/officeDocument/2006/relationships" xmlns:p="http://schemas.openxmlformats.org/presentationml/2006/main">
+  <p:cSld>
+    <p:spTree>
+      <p:nvGrpSpPr>
+        <p:cNvPr id="1" name=""/>
+        <p:cNvGrpSpPr/>
+        <p:nvPr/>
+      </p:nvGrpSpPr>
+      <p:grpSpPr>
+        <a:xfrm>
+          <a:off x="0" y="0"/>
+          <a:ext cx="0" cy="0"/>
+          <a:chOff x="0" y="0"/>
+          <a:chExt cx="0" cy="0"/>
+        </a:xfrm>
+      </p:grpSpPr>
+      <p:sp>
+        <p:nvSpPr>
+          <p:cNvPr id="2" name="Title 1">
+            <a:extLst>
+              <a:ext uri="{FF2B5EF4-FFF2-40B4-BE49-F238E27FC236}">
+                <a16:creationId xmlns:a16="http://schemas.microsoft.com/office/drawing/2014/main" id="{7D2E13A8-3024-AE9C-39F1-2A76190494A3}"/>
+              </a:ext>
+            </a:extLst>
+          </p:cNvPr>
+          <p:cNvSpPr>
+            <a:spLocks noGrp="1"/>
+          </p:cNvSpPr>
+          <p:nvPr>
+            <p:ph type="title"/>
+          </p:nvPr>
+        </p:nvSpPr>
+        <p:spPr/>
+        <p:txBody>
+          <a:bodyPr/>
+          <a:lstStyle/>
+          <a:p>
+            <a:r>
+              <a:rPr lang="en-US" dirty="0" err="1"/>
+              <a:t>Tady</a:t>
+            </a:r>
+            <a:r>
+              <a:rPr lang="en-US" dirty="0"/>
+              <a:t> </a:t>
+            </a:r>
+            <a:r>
+              <a:rPr lang="en-US" dirty="0" err="1"/>
+              <a:t>vložit</a:t>
+            </a:r>
+            <a:r>
+              <a:rPr lang="en-US" dirty="0"/>
+              <a:t> </a:t>
+            </a:r>
+            <a:r>
+              <a:rPr lang="en-US" dirty="0" err="1"/>
+              <a:t>světlý</a:t>
+            </a:r>
+            <a:endParaRPr lang="en-US" dirty="0"/>
+          </a:p>
+        </p:txBody>
+      </p:sp>
+      <p:sp>
+        <p:nvSpPr>
+          <p:cNvPr id="3" name="Content Placeholder 2">
+            <a:extLst>
+              <a:ext uri="{FF2B5EF4-FFF2-40B4-BE49-F238E27FC236}">
+                <a16:creationId xmlns:a16="http://schemas.microsoft.com/office/drawing/2014/main" id="{CC75E668-0C03-1DD4-1F5E-E547771F551B}"/>
+              </a:ext>
+            </a:extLst>
+          </p:cNvPr>
+          <p:cNvSpPr>
+            <a:spLocks noGrp="1"/>
+          </p:cNvSpPr>
+          <p:nvPr>
+            <p:ph idx="1"/>
+          </p:nvPr>
+        </p:nvSpPr>
+        <p:spPr/>
+        <p:txBody>
+          <a:bodyPr/>
+          <a:lstStyle/>
+          <a:p>
+            <a:endParaRPr lang="en-US"/>
           </a:p>
         </p:txBody>
       </p:sp>
@@ -2995,7 +8838,131 @@
 </p:sld>
 </file>
 
-<file path=ppt/slides/slide11.xml><?xml version="1.0" encoding="utf-8"?>
+<file path=ppt/slides/slide13.xml><?xml version="1.0" encoding="utf-8"?>
+<p:sld xmlns:a="http://schemas.openxmlformats.org/drawingml/2006/main" xmlns:r="http://schemas.openxmlformats.org/officeDocument/2006/relationships" xmlns:p="http://schemas.openxmlformats.org/presentationml/2006/main">
+  <p:cSld>
+    <p:spTree>
+      <p:nvGrpSpPr>
+        <p:cNvPr id="1" name=""/>
+        <p:cNvGrpSpPr/>
+        <p:nvPr/>
+      </p:nvGrpSpPr>
+      <p:grpSpPr>
+        <a:xfrm>
+          <a:off x="0" y="0"/>
+          <a:ext cx="0" cy="0"/>
+          <a:chOff x="0" y="0"/>
+          <a:chExt cx="0" cy="0"/>
+        </a:xfrm>
+      </p:grpSpPr>
+      <p:sp>
+        <p:nvSpPr>
+          <p:cNvPr id="2" name="Title 1">
+            <a:extLst>
+              <a:ext uri="{FF2B5EF4-FFF2-40B4-BE49-F238E27FC236}">
+                <a16:creationId xmlns:a16="http://schemas.microsoft.com/office/drawing/2014/main" id="{1B5AACF9-E579-7BA5-3CAF-8203C5140A61}"/>
+              </a:ext>
+            </a:extLst>
+          </p:cNvPr>
+          <p:cNvSpPr>
+            <a:spLocks noGrp="1"/>
+          </p:cNvSpPr>
+          <p:nvPr>
+            <p:ph type="title"/>
+          </p:nvPr>
+        </p:nvSpPr>
+        <p:spPr/>
+        <p:txBody>
+          <a:bodyPr/>
+          <a:lstStyle/>
+          <a:p>
+            <a:r>
+              <a:rPr lang="en-US" dirty="0" err="1"/>
+              <a:t>Zde</a:t>
+            </a:r>
+            <a:r>
+              <a:rPr lang="en-US" dirty="0"/>
+              <a:t> </a:t>
+            </a:r>
+            <a:r>
+              <a:rPr lang="en-US" dirty="0" err="1"/>
+              <a:t>můžete</a:t>
+            </a:r>
+            <a:r>
+              <a:rPr lang="en-US" dirty="0"/>
+              <a:t> </a:t>
+            </a:r>
+            <a:r>
+              <a:rPr lang="en-US" dirty="0" err="1"/>
+              <a:t>vidět</a:t>
+            </a:r>
+            <a:r>
+              <a:rPr lang="en-US" dirty="0"/>
+              <a:t> to same </a:t>
+            </a:r>
+            <a:r>
+              <a:rPr lang="en-US" dirty="0" err="1"/>
+              <a:t>okno</a:t>
+            </a:r>
+            <a:r>
+              <a:rPr lang="en-US" dirty="0"/>
+              <a:t> v </a:t>
+            </a:r>
+            <a:r>
+              <a:rPr lang="en-US" dirty="0" err="1"/>
+              <a:t>tmavém</a:t>
+            </a:r>
+            <a:r>
+              <a:rPr lang="en-US" dirty="0"/>
+              <a:t> </a:t>
+            </a:r>
+            <a:r>
+              <a:rPr lang="en-US" dirty="0" err="1"/>
+              <a:t>režimu</a:t>
+            </a:r>
+            <a:endParaRPr lang="en-US" dirty="0"/>
+          </a:p>
+        </p:txBody>
+      </p:sp>
+      <p:sp>
+        <p:nvSpPr>
+          <p:cNvPr id="3" name="Content Placeholder 2">
+            <a:extLst>
+              <a:ext uri="{FF2B5EF4-FFF2-40B4-BE49-F238E27FC236}">
+                <a16:creationId xmlns:a16="http://schemas.microsoft.com/office/drawing/2014/main" id="{D03855F3-D82C-9E69-52C0-EAC0C4A40432}"/>
+              </a:ext>
+            </a:extLst>
+          </p:cNvPr>
+          <p:cNvSpPr>
+            <a:spLocks noGrp="1"/>
+          </p:cNvSpPr>
+          <p:nvPr>
+            <p:ph idx="1"/>
+          </p:nvPr>
+        </p:nvSpPr>
+        <p:spPr/>
+        <p:txBody>
+          <a:bodyPr/>
+          <a:lstStyle/>
+          <a:p>
+            <a:endParaRPr lang="en-US"/>
+          </a:p>
+        </p:txBody>
+      </p:sp>
+    </p:spTree>
+    <p:extLst>
+      <p:ext uri="{BB962C8B-B14F-4D97-AF65-F5344CB8AC3E}">
+        <p14:creationId xmlns:p14="http://schemas.microsoft.com/office/powerpoint/2010/main" val="242362081"/>
+      </p:ext>
+    </p:extLst>
+  </p:cSld>
+  <p:clrMapOvr>
+    <a:masterClrMapping/>
+  </p:clrMapOvr>
+</p:sld>
+</file>
+
+<file path=ppt/slides/slide14.xml><?xml version="1.0" encoding="utf-8"?>
 <p:sld xmlns:a="http://schemas.openxmlformats.org/drawingml/2006/main" xmlns:r="http://schemas.openxmlformats.org/officeDocument/2006/relationships" xmlns:p="http://schemas.openxmlformats.org/presentationml/2006/main">
   <p:cSld>
     <p:spTree>
@@ -3128,7 +9095,7 @@
 </p:sld>
 </file>
 
-<file path=ppt/slides/slide12.xml><?xml version="1.0" encoding="utf-8"?>
+<file path=ppt/slides/slide15.xml><?xml version="1.0" encoding="utf-8"?>
 <p:sld xmlns:a="http://schemas.openxmlformats.org/drawingml/2006/main" xmlns:r="http://schemas.openxmlformats.org/officeDocument/2006/relationships" xmlns:p="http://schemas.openxmlformats.org/presentationml/2006/main">
   <p:cSld>
     <p:spTree>
@@ -3145,31 +9112,41 @@
           <a:chExt cx="0" cy="0"/>
         </a:xfrm>
       </p:grpSpPr>
-      <p:sp>
-        <p:nvSpPr>
-          <p:cNvPr id="4" name="Content Placeholder 3">
+      <p:pic>
+        <p:nvPicPr>
+          <p:cNvPr id="11" name="Content Placeholder 10" descr="A screenshot of a computer&#10;&#10;Description automatically generated">
             <a:extLst>
               <a:ext uri="{FF2B5EF4-FFF2-40B4-BE49-F238E27FC236}">
-                <a16:creationId xmlns:a16="http://schemas.microsoft.com/office/drawing/2014/main" id="{4C1F2DB7-3443-7386-D4D8-686DE8AF2D64}"/>
+                <a16:creationId xmlns:a16="http://schemas.microsoft.com/office/drawing/2014/main" id="{A02506FC-7701-686E-26BE-182AA6887D43}"/>
               </a:ext>
             </a:extLst>
           </p:cNvPr>
-          <p:cNvSpPr>
-            <a:spLocks noGrp="1"/>
-          </p:cNvSpPr>
+          <p:cNvPicPr>
+            <a:picLocks noGrp="1" noChangeAspect="1"/>
+          </p:cNvPicPr>
           <p:nvPr>
             <p:ph idx="1"/>
           </p:nvPr>
-        </p:nvSpPr>
-        <p:spPr/>
-        <p:txBody>
-          <a:bodyPr/>
-          <a:lstStyle/>
-          <a:p>
-            <a:endParaRPr lang="cs-CZ"/>
-          </a:p>
-        </p:txBody>
-      </p:sp>
+        </p:nvPicPr>
+        <p:blipFill>
+          <a:blip r:embed="rId4">
+            <a:extLst>
+              <a:ext uri="{28A0092B-C50C-407E-A947-70E740481C1C}">
+                <a14:useLocalDpi xmlns:a14="http://schemas.microsoft.com/office/drawing/2010/main" val="0"/>
+              </a:ext>
+            </a:extLst>
+          </a:blip>
+          <a:stretch>
+            <a:fillRect/>
+          </a:stretch>
+        </p:blipFill>
+        <p:spPr>
+          <a:xfrm>
+            <a:off x="269875" y="1595244"/>
+            <a:ext cx="8604250" cy="3667512"/>
+          </a:xfrm>
+        </p:spPr>
+      </p:pic>
     </p:spTree>
     <p:extLst>
       <p:ext uri="{BB962C8B-B14F-4D97-AF65-F5344CB8AC3E}">
@@ -3180,10 +9157,15 @@
   <p:clrMapOvr>
     <a:masterClrMapping/>
   </p:clrMapOvr>
+  <p:extLst>
+    <p:ext uri="{6950BFC3-D8DA-4A85-94F7-54DA5524770B}">
+      <p188:commentRel xmlns:p188="http://schemas.microsoft.com/office/powerpoint/2018/8/main" r:id="rId3"/>
+    </p:ext>
+  </p:extLst>
 </p:sld>
 </file>
 
-<file path=ppt/slides/slide13.xml><?xml version="1.0" encoding="utf-8"?>
+<file path=ppt/slides/slide16.xml><?xml version="1.0" encoding="utf-8"?>
 <p:sld xmlns:a="http://schemas.openxmlformats.org/drawingml/2006/main" xmlns:r="http://schemas.openxmlformats.org/officeDocument/2006/relationships" xmlns:p="http://schemas.openxmlformats.org/presentationml/2006/main">
   <p:cSld>
     <p:spTree>
@@ -3345,669 +9327,6 @@
 </p:sld>
 </file>
 
-<file path=ppt/slides/slide14.xml><?xml version="1.0" encoding="utf-8"?>
-<p:sld xmlns:a="http://schemas.openxmlformats.org/drawingml/2006/main" xmlns:r="http://schemas.openxmlformats.org/officeDocument/2006/relationships" xmlns:p="http://schemas.openxmlformats.org/presentationml/2006/main">
-  <p:cSld>
-    <p:spTree>
-      <p:nvGrpSpPr>
-        <p:cNvPr id="1" name=""/>
-        <p:cNvGrpSpPr/>
-        <p:nvPr/>
-      </p:nvGrpSpPr>
-      <p:grpSpPr>
-        <a:xfrm>
-          <a:off x="0" y="0"/>
-          <a:ext cx="0" cy="0"/>
-          <a:chOff x="0" y="0"/>
-          <a:chExt cx="0" cy="0"/>
-        </a:xfrm>
-      </p:grpSpPr>
-      <p:sp>
-        <p:nvSpPr>
-          <p:cNvPr id="2" name="Title 1">
-            <a:extLst>
-              <a:ext uri="{FF2B5EF4-FFF2-40B4-BE49-F238E27FC236}">
-                <a16:creationId xmlns:a16="http://schemas.microsoft.com/office/drawing/2014/main" id="{E0B40FEF-A036-DC85-2753-2F6FE7B7F7F3}"/>
-              </a:ext>
-            </a:extLst>
-          </p:cNvPr>
-          <p:cNvSpPr>
-            <a:spLocks noGrp="1"/>
-          </p:cNvSpPr>
-          <p:nvPr>
-            <p:ph type="title"/>
-          </p:nvPr>
-        </p:nvSpPr>
-        <p:spPr/>
-        <p:txBody>
-          <a:bodyPr/>
-          <a:lstStyle/>
-          <a:p>
-            <a:pPr marL="342900" indent="-342900">
-              <a:buFont typeface="Arial" panose="020B0604020202020204" pitchFamily="34" charset="0"/>
-              <a:buChar char="•"/>
-            </a:pPr>
-            <a:r>
-              <a:rPr lang="en-US" dirty="0" err="1"/>
-              <a:t>Možnost</a:t>
-            </a:r>
-            <a:r>
-              <a:rPr lang="en-US" dirty="0"/>
-              <a:t> </a:t>
-            </a:r>
-            <a:r>
-              <a:rPr lang="en-US" dirty="0" err="1"/>
-              <a:t>provést</a:t>
-            </a:r>
-            <a:r>
-              <a:rPr lang="en-US" dirty="0"/>
-              <a:t> </a:t>
-            </a:r>
-            <a:r>
-              <a:rPr lang="en-US" dirty="0" err="1"/>
-              <a:t>měření</a:t>
-            </a:r>
-            <a:r>
-              <a:rPr lang="en-US" dirty="0"/>
-              <a:t> </a:t>
-            </a:r>
-            <a:r>
-              <a:rPr lang="en-US" dirty="0" err="1"/>
-              <a:t>na</a:t>
-            </a:r>
-            <a:r>
-              <a:rPr lang="en-US" dirty="0"/>
-              <a:t> </a:t>
-            </a:r>
-            <a:r>
-              <a:rPr lang="en-US" dirty="0" err="1"/>
-              <a:t>svalu</a:t>
-            </a:r>
-            <a:r>
-              <a:rPr lang="en-US" dirty="0"/>
-              <a:t> a dale s </a:t>
-            </a:r>
-            <a:r>
-              <a:rPr lang="en-US" dirty="0" err="1"/>
-              <a:t>tímto</a:t>
-            </a:r>
-            <a:r>
-              <a:rPr lang="en-US" dirty="0"/>
-              <a:t> </a:t>
-            </a:r>
-            <a:r>
-              <a:rPr lang="en-US" dirty="0" err="1"/>
-              <a:t>měřením</a:t>
-            </a:r>
-            <a:r>
-              <a:rPr lang="en-US" dirty="0"/>
-              <a:t> </a:t>
-            </a:r>
-            <a:r>
-              <a:rPr lang="en-US" dirty="0" err="1"/>
-              <a:t>pracovat</a:t>
-            </a:r>
-            <a:endParaRPr lang="en-US" dirty="0"/>
-          </a:p>
-        </p:txBody>
-      </p:sp>
-      <p:sp>
-        <p:nvSpPr>
-          <p:cNvPr id="3" name="Content Placeholder 2">
-            <a:extLst>
-              <a:ext uri="{FF2B5EF4-FFF2-40B4-BE49-F238E27FC236}">
-                <a16:creationId xmlns:a16="http://schemas.microsoft.com/office/drawing/2014/main" id="{EA78E101-DF70-02D0-F3C0-E41F7CFA4CF7}"/>
-              </a:ext>
-            </a:extLst>
-          </p:cNvPr>
-          <p:cNvSpPr>
-            <a:spLocks noGrp="1"/>
-          </p:cNvSpPr>
-          <p:nvPr>
-            <p:ph idx="1"/>
-          </p:nvPr>
-        </p:nvSpPr>
-        <p:spPr/>
-        <p:txBody>
-          <a:bodyPr/>
-          <a:lstStyle/>
-          <a:p>
-            <a:pPr marL="342900" indent="-342900">
-              <a:buFont typeface="Arial" panose="020B0604020202020204" pitchFamily="34" charset="0"/>
-              <a:buChar char="•"/>
-            </a:pPr>
-            <a:endParaRPr lang="cs-CZ" dirty="0"/>
-          </a:p>
-        </p:txBody>
-      </p:sp>
-    </p:spTree>
-    <p:extLst>
-      <p:ext uri="{BB962C8B-B14F-4D97-AF65-F5344CB8AC3E}">
-        <p14:creationId xmlns:p14="http://schemas.microsoft.com/office/powerpoint/2010/main" val="729308398"/>
-      </p:ext>
-    </p:extLst>
-  </p:cSld>
-  <p:clrMapOvr>
-    <a:masterClrMapping/>
-  </p:clrMapOvr>
-</p:sld>
-</file>
-
-<file path=ppt/slides/slide15.xml><?xml version="1.0" encoding="utf-8"?>
-<p:sld xmlns:a="http://schemas.openxmlformats.org/drawingml/2006/main" xmlns:r="http://schemas.openxmlformats.org/officeDocument/2006/relationships" xmlns:p="http://schemas.openxmlformats.org/presentationml/2006/main">
-  <p:cSld>
-    <p:spTree>
-      <p:nvGrpSpPr>
-        <p:cNvPr id="1" name=""/>
-        <p:cNvGrpSpPr/>
-        <p:nvPr/>
-      </p:nvGrpSpPr>
-      <p:grpSpPr>
-        <a:xfrm>
-          <a:off x="0" y="0"/>
-          <a:ext cx="0" cy="0"/>
-          <a:chOff x="0" y="0"/>
-          <a:chExt cx="0" cy="0"/>
-        </a:xfrm>
-      </p:grpSpPr>
-      <p:sp>
-        <p:nvSpPr>
-          <p:cNvPr id="2" name="Title 1">
-            <a:extLst>
-              <a:ext uri="{FF2B5EF4-FFF2-40B4-BE49-F238E27FC236}">
-                <a16:creationId xmlns:a16="http://schemas.microsoft.com/office/drawing/2014/main" id="{F49DB0B9-5071-84C0-FC62-1066FE88C37F}"/>
-              </a:ext>
-            </a:extLst>
-          </p:cNvPr>
-          <p:cNvSpPr>
-            <a:spLocks noGrp="1"/>
-          </p:cNvSpPr>
-          <p:nvPr>
-            <p:ph type="title"/>
-          </p:nvPr>
-        </p:nvSpPr>
-        <p:spPr/>
-        <p:txBody>
-          <a:bodyPr>
-            <a:normAutofit fontScale="90000"/>
-          </a:bodyPr>
-          <a:lstStyle/>
-          <a:p>
-            <a:r>
-              <a:rPr lang="en-US" dirty="0" err="1"/>
-              <a:t>Možnost</a:t>
-            </a:r>
-            <a:r>
-              <a:rPr lang="en-US" dirty="0"/>
-              <a:t> </a:t>
-            </a:r>
-            <a:r>
-              <a:rPr lang="en-US" dirty="0" err="1"/>
-              <a:t>nastavit</a:t>
-            </a:r>
-            <a:r>
-              <a:rPr lang="en-US" dirty="0"/>
-              <a:t> pro </a:t>
-            </a:r>
-            <a:r>
-              <a:rPr lang="en-US" dirty="0" err="1"/>
-              <a:t>každý</a:t>
-            </a:r>
-            <a:r>
-              <a:rPr lang="en-US" dirty="0"/>
-              <a:t> </a:t>
-            </a:r>
-            <a:r>
-              <a:rPr lang="en-US" dirty="0" err="1"/>
-              <a:t>sval</a:t>
-            </a:r>
-            <a:r>
-              <a:rPr lang="en-US" dirty="0"/>
-              <a:t> </a:t>
-            </a:r>
-            <a:r>
-              <a:rPr lang="en-US" dirty="0" err="1"/>
-              <a:t>různé</a:t>
-            </a:r>
-            <a:r>
-              <a:rPr lang="en-US" dirty="0"/>
-              <a:t> </a:t>
-            </a:r>
-            <a:r>
-              <a:rPr lang="en-US" dirty="0" err="1"/>
-              <a:t>parametry</a:t>
-            </a:r>
-            <a:r>
-              <a:rPr lang="en-US" dirty="0"/>
-              <a:t> a </a:t>
-            </a:r>
-            <a:r>
-              <a:rPr lang="en-US" dirty="0" err="1"/>
-              <a:t>tyto</a:t>
-            </a:r>
-            <a:r>
-              <a:rPr lang="en-US" dirty="0"/>
-              <a:t> </a:t>
-            </a:r>
-            <a:r>
-              <a:rPr lang="en-US" dirty="0" err="1"/>
-              <a:t>parametry</a:t>
-            </a:r>
-            <a:r>
-              <a:rPr lang="en-US" dirty="0"/>
-              <a:t> </a:t>
-            </a:r>
-            <a:r>
-              <a:rPr lang="en-US" dirty="0" err="1"/>
-              <a:t>mít</a:t>
-            </a:r>
-            <a:r>
-              <a:rPr lang="en-US" dirty="0"/>
-              <a:t> </a:t>
-            </a:r>
-            <a:r>
-              <a:rPr lang="en-US" dirty="0" err="1"/>
-              <a:t>možnost</a:t>
-            </a:r>
-            <a:r>
-              <a:rPr lang="en-US" dirty="0"/>
-              <a:t> </a:t>
-            </a:r>
-            <a:r>
-              <a:rPr lang="en-US" dirty="0" err="1"/>
-              <a:t>měnit</a:t>
-            </a:r>
-            <a:br>
-              <a:rPr lang="en-US" dirty="0"/>
-            </a:br>
-            <a:endParaRPr lang="cs-CZ" dirty="0"/>
-          </a:p>
-        </p:txBody>
-      </p:sp>
-      <p:sp>
-        <p:nvSpPr>
-          <p:cNvPr id="3" name="Content Placeholder 2">
-            <a:extLst>
-              <a:ext uri="{FF2B5EF4-FFF2-40B4-BE49-F238E27FC236}">
-                <a16:creationId xmlns:a16="http://schemas.microsoft.com/office/drawing/2014/main" id="{EEB8CF29-1717-0185-C03E-6203A4326FF3}"/>
-              </a:ext>
-            </a:extLst>
-          </p:cNvPr>
-          <p:cNvSpPr>
-            <a:spLocks noGrp="1"/>
-          </p:cNvSpPr>
-          <p:nvPr>
-            <p:ph idx="1"/>
-          </p:nvPr>
-        </p:nvSpPr>
-        <p:spPr/>
-        <p:txBody>
-          <a:bodyPr/>
-          <a:lstStyle/>
-          <a:p>
-            <a:endParaRPr lang="cs-CZ"/>
-          </a:p>
-        </p:txBody>
-      </p:sp>
-    </p:spTree>
-    <p:extLst>
-      <p:ext uri="{BB962C8B-B14F-4D97-AF65-F5344CB8AC3E}">
-        <p14:creationId xmlns:p14="http://schemas.microsoft.com/office/powerpoint/2010/main" val="1622382927"/>
-      </p:ext>
-    </p:extLst>
-  </p:cSld>
-  <p:clrMapOvr>
-    <a:masterClrMapping/>
-  </p:clrMapOvr>
-</p:sld>
-</file>
-
-<file path=ppt/slides/slide16.xml><?xml version="1.0" encoding="utf-8"?>
-<p:sld xmlns:a="http://schemas.openxmlformats.org/drawingml/2006/main" xmlns:r="http://schemas.openxmlformats.org/officeDocument/2006/relationships" xmlns:p="http://schemas.openxmlformats.org/presentationml/2006/main">
-  <p:cSld>
-    <p:spTree>
-      <p:nvGrpSpPr>
-        <p:cNvPr id="1" name=""/>
-        <p:cNvGrpSpPr/>
-        <p:nvPr/>
-      </p:nvGrpSpPr>
-      <p:grpSpPr>
-        <a:xfrm>
-          <a:off x="0" y="0"/>
-          <a:ext cx="0" cy="0"/>
-          <a:chOff x="0" y="0"/>
-          <a:chExt cx="0" cy="0"/>
-        </a:xfrm>
-      </p:grpSpPr>
-      <p:sp>
-        <p:nvSpPr>
-          <p:cNvPr id="2" name="Title 1">
-            <a:extLst>
-              <a:ext uri="{FF2B5EF4-FFF2-40B4-BE49-F238E27FC236}">
-                <a16:creationId xmlns:a16="http://schemas.microsoft.com/office/drawing/2014/main" id="{006B9028-D371-DE82-A90D-6598039B92CD}"/>
-              </a:ext>
-            </a:extLst>
-          </p:cNvPr>
-          <p:cNvSpPr>
-            <a:spLocks noGrp="1"/>
-          </p:cNvSpPr>
-          <p:nvPr>
-            <p:ph type="title"/>
-          </p:nvPr>
-        </p:nvSpPr>
-        <p:spPr/>
-        <p:txBody>
-          <a:bodyPr/>
-          <a:lstStyle/>
-          <a:p>
-            <a:r>
-              <a:rPr lang="en-US" dirty="0" err="1"/>
-              <a:t>Závěr</a:t>
-            </a:r>
-            <a:r>
-              <a:rPr lang="en-US" dirty="0"/>
-              <a:t> </a:t>
-            </a:r>
-            <a:endParaRPr lang="cs-CZ" dirty="0"/>
-          </a:p>
-        </p:txBody>
-      </p:sp>
-      <p:sp>
-        <p:nvSpPr>
-          <p:cNvPr id="3" name="Content Placeholder 2">
-            <a:extLst>
-              <a:ext uri="{FF2B5EF4-FFF2-40B4-BE49-F238E27FC236}">
-                <a16:creationId xmlns:a16="http://schemas.microsoft.com/office/drawing/2014/main" id="{5F7640B8-F96A-3482-5097-3E4C45A419ED}"/>
-              </a:ext>
-            </a:extLst>
-          </p:cNvPr>
-          <p:cNvSpPr>
-            <a:spLocks noGrp="1"/>
-          </p:cNvSpPr>
-          <p:nvPr>
-            <p:ph idx="1"/>
-          </p:nvPr>
-        </p:nvSpPr>
-        <p:spPr/>
-        <p:txBody>
-          <a:bodyPr/>
-          <a:lstStyle/>
-          <a:p>
-            <a:pPr marL="342900" indent="-342900">
-              <a:buFont typeface="Wingdings" panose="05000000000000000000" pitchFamily="2" charset="2"/>
-              <a:buChar char="ü"/>
-            </a:pPr>
-            <a:r>
-              <a:rPr lang="en-US" dirty="0" err="1"/>
-              <a:t>Vytvoření</a:t>
-            </a:r>
-            <a:r>
-              <a:rPr lang="en-US" dirty="0"/>
-              <a:t> GUI</a:t>
-            </a:r>
-          </a:p>
-          <a:p>
-            <a:pPr marL="342900" indent="-342900">
-              <a:buFont typeface="Wingdings" panose="05000000000000000000" pitchFamily="2" charset="2"/>
-              <a:buChar char="ü"/>
-            </a:pPr>
-            <a:r>
-              <a:rPr lang="en-US" dirty="0" err="1"/>
-              <a:t>Navrhnutí</a:t>
-            </a:r>
-            <a:r>
-              <a:rPr lang="en-US" dirty="0"/>
-              <a:t> a </a:t>
-            </a:r>
-            <a:r>
-              <a:rPr lang="en-US" dirty="0" err="1"/>
-              <a:t>vytvoření</a:t>
-            </a:r>
-            <a:r>
-              <a:rPr lang="en-US" dirty="0"/>
-              <a:t> </a:t>
-            </a:r>
-            <a:r>
-              <a:rPr lang="en-US" dirty="0" err="1"/>
-              <a:t>možnosti</a:t>
-            </a:r>
-            <a:r>
-              <a:rPr lang="en-US" dirty="0"/>
-              <a:t> </a:t>
-            </a:r>
-            <a:r>
-              <a:rPr lang="en-US" dirty="0" err="1"/>
-              <a:t>uživatelských</a:t>
-            </a:r>
-            <a:r>
-              <a:rPr lang="en-US" dirty="0"/>
-              <a:t> </a:t>
-            </a:r>
-            <a:r>
-              <a:rPr lang="en-US" dirty="0" err="1"/>
-              <a:t>rolí</a:t>
-            </a:r>
-            <a:endParaRPr lang="en-US" dirty="0"/>
-          </a:p>
-          <a:p>
-            <a:pPr marL="342900" indent="-342900">
-              <a:buFont typeface="Wingdings" panose="05000000000000000000" pitchFamily="2" charset="2"/>
-              <a:buChar char="ü"/>
-            </a:pPr>
-            <a:r>
-              <a:rPr lang="en-US" dirty="0" err="1"/>
-              <a:t>Vytvoření</a:t>
-            </a:r>
-            <a:r>
-              <a:rPr lang="en-US" dirty="0"/>
-              <a:t> </a:t>
-            </a:r>
-            <a:r>
-              <a:rPr lang="en-US" dirty="0" err="1"/>
-              <a:t>metody</a:t>
-            </a:r>
-            <a:r>
-              <a:rPr lang="en-US" dirty="0"/>
-              <a:t> pro </a:t>
-            </a:r>
-            <a:r>
-              <a:rPr lang="en-US" dirty="0" err="1"/>
-              <a:t>ovládání</a:t>
-            </a:r>
-            <a:r>
-              <a:rPr lang="en-US" dirty="0"/>
-              <a:t> </a:t>
-            </a:r>
-            <a:r>
-              <a:rPr lang="en-US" dirty="0" err="1"/>
-              <a:t>jednotlivých</a:t>
-            </a:r>
-            <a:r>
-              <a:rPr lang="en-US" dirty="0"/>
-              <a:t> </a:t>
-            </a:r>
-            <a:r>
-              <a:rPr lang="en-US" dirty="0" err="1"/>
-              <a:t>svalů</a:t>
-            </a:r>
-            <a:endParaRPr lang="en-US" dirty="0"/>
-          </a:p>
-          <a:p>
-            <a:pPr marL="342900" indent="-342900">
-              <a:buFont typeface="Wingdings" panose="05000000000000000000" pitchFamily="2" charset="2"/>
-              <a:buChar char="ü"/>
-            </a:pPr>
-            <a:r>
-              <a:rPr lang="en-US" dirty="0" err="1"/>
-              <a:t>Možnost</a:t>
-            </a:r>
-            <a:r>
-              <a:rPr lang="en-US" dirty="0"/>
-              <a:t> </a:t>
-            </a:r>
-            <a:r>
-              <a:rPr lang="en-US" dirty="0" err="1"/>
-              <a:t>provést</a:t>
-            </a:r>
-            <a:r>
-              <a:rPr lang="en-US" dirty="0"/>
-              <a:t> </a:t>
-            </a:r>
-            <a:r>
-              <a:rPr lang="en-US" dirty="0" err="1"/>
-              <a:t>měření</a:t>
-            </a:r>
-            <a:r>
-              <a:rPr lang="en-US" dirty="0"/>
-              <a:t> </a:t>
-            </a:r>
-            <a:r>
-              <a:rPr lang="en-US" dirty="0" err="1"/>
-              <a:t>na</a:t>
-            </a:r>
-            <a:r>
-              <a:rPr lang="en-US" dirty="0"/>
-              <a:t> </a:t>
-            </a:r>
-            <a:r>
-              <a:rPr lang="en-US" dirty="0" err="1"/>
-              <a:t>svalu</a:t>
-            </a:r>
-            <a:r>
-              <a:rPr lang="en-US" dirty="0"/>
-              <a:t> a dale s </a:t>
-            </a:r>
-            <a:r>
-              <a:rPr lang="en-US" dirty="0" err="1"/>
-              <a:t>tímto</a:t>
-            </a:r>
-            <a:r>
-              <a:rPr lang="en-US" dirty="0"/>
-              <a:t> </a:t>
-            </a:r>
-            <a:r>
-              <a:rPr lang="en-US" dirty="0" err="1"/>
-              <a:t>měřením</a:t>
-            </a:r>
-            <a:r>
-              <a:rPr lang="en-US" dirty="0"/>
-              <a:t> </a:t>
-            </a:r>
-            <a:r>
-              <a:rPr lang="en-US" dirty="0" err="1"/>
-              <a:t>pracovat</a:t>
-            </a:r>
-            <a:endParaRPr lang="en-US" dirty="0"/>
-          </a:p>
-          <a:p>
-            <a:pPr marL="342900" indent="-342900">
-              <a:buFont typeface="Wingdings" panose="05000000000000000000" pitchFamily="2" charset="2"/>
-              <a:buChar char="ü"/>
-            </a:pPr>
-            <a:r>
-              <a:rPr lang="en-US" dirty="0" err="1"/>
-              <a:t>Možnost</a:t>
-            </a:r>
-            <a:r>
-              <a:rPr lang="en-US" dirty="0"/>
-              <a:t> </a:t>
-            </a:r>
-            <a:r>
-              <a:rPr lang="en-US" dirty="0" err="1"/>
-              <a:t>nastavit</a:t>
-            </a:r>
-            <a:r>
-              <a:rPr lang="en-US" dirty="0"/>
-              <a:t> pro </a:t>
-            </a:r>
-            <a:r>
-              <a:rPr lang="en-US" dirty="0" err="1"/>
-              <a:t>každý</a:t>
-            </a:r>
-            <a:r>
-              <a:rPr lang="en-US" dirty="0"/>
-              <a:t> </a:t>
-            </a:r>
-            <a:r>
-              <a:rPr lang="en-US" dirty="0" err="1"/>
-              <a:t>sval</a:t>
-            </a:r>
-            <a:r>
-              <a:rPr lang="en-US" dirty="0"/>
-              <a:t> </a:t>
-            </a:r>
-            <a:r>
-              <a:rPr lang="en-US" dirty="0" err="1"/>
-              <a:t>různé</a:t>
-            </a:r>
-            <a:r>
-              <a:rPr lang="en-US" dirty="0"/>
-              <a:t> </a:t>
-            </a:r>
-            <a:r>
-              <a:rPr lang="en-US" dirty="0" err="1"/>
-              <a:t>parametry</a:t>
-            </a:r>
-            <a:r>
-              <a:rPr lang="en-US" dirty="0"/>
-              <a:t> a </a:t>
-            </a:r>
-            <a:r>
-              <a:rPr lang="en-US" dirty="0" err="1"/>
-              <a:t>tyto</a:t>
-            </a:r>
-            <a:r>
-              <a:rPr lang="en-US" dirty="0"/>
-              <a:t> </a:t>
-            </a:r>
-            <a:r>
-              <a:rPr lang="en-US" dirty="0" err="1"/>
-              <a:t>parametry</a:t>
-            </a:r>
-            <a:r>
-              <a:rPr lang="en-US" dirty="0"/>
-              <a:t> </a:t>
-            </a:r>
-            <a:r>
-              <a:rPr lang="en-US" dirty="0" err="1"/>
-              <a:t>mít</a:t>
-            </a:r>
-            <a:r>
-              <a:rPr lang="en-US" dirty="0"/>
-              <a:t> </a:t>
-            </a:r>
-            <a:r>
-              <a:rPr lang="en-US" dirty="0" err="1"/>
-              <a:t>možnost</a:t>
-            </a:r>
-            <a:r>
-              <a:rPr lang="en-US" dirty="0"/>
-              <a:t> </a:t>
-            </a:r>
-            <a:r>
-              <a:rPr lang="en-US" dirty="0" err="1"/>
-              <a:t>měnit</a:t>
-            </a:r>
-            <a:endParaRPr lang="en-US" dirty="0"/>
-          </a:p>
-          <a:p>
-            <a:endParaRPr lang="cs-CZ" dirty="0"/>
-          </a:p>
-        </p:txBody>
-      </p:sp>
-    </p:spTree>
-    <p:extLst>
-      <p:ext uri="{BB962C8B-B14F-4D97-AF65-F5344CB8AC3E}">
-        <p14:creationId xmlns:p14="http://schemas.microsoft.com/office/powerpoint/2010/main" val="2644731012"/>
-      </p:ext>
-    </p:extLst>
-  </p:cSld>
-  <p:clrMapOvr>
-    <a:masterClrMapping/>
-  </p:clrMapOvr>
-</p:sld>
-</file>
-
 <file path=ppt/slides/slide17.xml><?xml version="1.0" encoding="utf-8"?>
 <p:sld xmlns:a="http://schemas.openxmlformats.org/drawingml/2006/main" xmlns:r="http://schemas.openxmlformats.org/officeDocument/2006/relationships" xmlns:p="http://schemas.openxmlformats.org/presentationml/2006/main">
   <p:cSld>
@@ -4025,70 +9344,177 @@
           <a:chExt cx="0" cy="0"/>
         </a:xfrm>
       </p:grpSpPr>
-      <p:sp>
-        <p:nvSpPr>
-          <p:cNvPr id="4" name="Title 3">
+      <p:pic>
+        <p:nvPicPr>
+          <p:cNvPr id="6" name="Content Placeholder 5" descr="A screenshot of a computer&#10;&#10;Description automatically generated">
             <a:extLst>
               <a:ext uri="{FF2B5EF4-FFF2-40B4-BE49-F238E27FC236}">
-                <a16:creationId xmlns:a16="http://schemas.microsoft.com/office/drawing/2014/main" id="{3CB44335-9888-1F34-DA83-42DC4BA2721F}"/>
+                <a16:creationId xmlns:a16="http://schemas.microsoft.com/office/drawing/2014/main" id="{9F8D1F5D-B0F3-48E4-71F7-CE7368604CF4}"/>
               </a:ext>
             </a:extLst>
           </p:cNvPr>
-          <p:cNvSpPr>
-            <a:spLocks noGrp="1"/>
-          </p:cNvSpPr>
+          <p:cNvPicPr>
+            <a:picLocks noGrp="1" noChangeAspect="1"/>
+          </p:cNvPicPr>
           <p:nvPr>
-            <p:ph type="title"/>
+            <p:ph idx="1"/>
           </p:nvPr>
-        </p:nvSpPr>
+        </p:nvPicPr>
+        <p:blipFill>
+          <a:blip r:embed="rId3">
+            <a:extLst>
+              <a:ext uri="{28A0092B-C50C-407E-A947-70E740481C1C}">
+                <a14:useLocalDpi xmlns:a14="http://schemas.microsoft.com/office/drawing/2010/main" val="0"/>
+              </a:ext>
+            </a:extLst>
+          </a:blip>
+          <a:stretch>
+            <a:fillRect/>
+          </a:stretch>
+        </p:blipFill>
         <p:spPr>
           <a:xfrm>
-            <a:off x="675000" y="2836820"/>
-            <a:ext cx="7794000" cy="1184360"/>
+            <a:off x="1177198" y="2038897"/>
+            <a:ext cx="7696800" cy="4310208"/>
           </a:xfrm>
+          <a:noFill/>
         </p:spPr>
-        <p:txBody>
-          <a:bodyPr>
-            <a:normAutofit/>
-          </a:bodyPr>
-          <a:lstStyle/>
-          <a:p>
-            <a:pPr algn="ctr"/>
-            <a:r>
-              <a:rPr lang="en-US" sz="3600" dirty="0" err="1"/>
-              <a:t>Děkuji</a:t>
-            </a:r>
-            <a:r>
-              <a:rPr lang="en-US" sz="3600" dirty="0"/>
-              <a:t> za </a:t>
-            </a:r>
-            <a:r>
-              <a:rPr lang="en-US" sz="3600" dirty="0" err="1"/>
-              <a:t>pozornost</a:t>
-            </a:r>
-            <a:r>
-              <a:rPr lang="en-US" sz="3600" dirty="0"/>
-              <a:t> </a:t>
-            </a:r>
-            <a:br>
-              <a:rPr lang="en-US" sz="3600" dirty="0"/>
-            </a:br>
-            <a:r>
-              <a:rPr lang="en-US" sz="3600" dirty="0" err="1"/>
-              <a:t>Dotazy</a:t>
-            </a:r>
-            <a:r>
-              <a:rPr lang="en-US" sz="3600" dirty="0"/>
-              <a:t>?</a:t>
-            </a:r>
-            <a:endParaRPr lang="cs-CZ" sz="3600" dirty="0"/>
-          </a:p>
-        </p:txBody>
-      </p:sp>
+      </p:pic>
     </p:spTree>
     <p:extLst>
       <p:ext uri="{BB962C8B-B14F-4D97-AF65-F5344CB8AC3E}">
-        <p14:creationId xmlns:p14="http://schemas.microsoft.com/office/powerpoint/2010/main" val="1200479118"/>
+        <p14:creationId xmlns:p14="http://schemas.microsoft.com/office/powerpoint/2010/main" val="729308398"/>
+      </p:ext>
+    </p:extLst>
+  </p:cSld>
+  <p:clrMapOvr>
+    <a:masterClrMapping/>
+  </p:clrMapOvr>
+</p:sld>
+</file>
+
+<file path=ppt/slides/slide18.xml><?xml version="1.0" encoding="utf-8"?>
+<p:sld xmlns:a="http://schemas.openxmlformats.org/drawingml/2006/main" xmlns:r="http://schemas.openxmlformats.org/officeDocument/2006/relationships" xmlns:p="http://schemas.openxmlformats.org/presentationml/2006/main">
+  <p:cSld>
+    <p:spTree>
+      <p:nvGrpSpPr>
+        <p:cNvPr id="1" name=""/>
+        <p:cNvGrpSpPr/>
+        <p:nvPr/>
+      </p:nvGrpSpPr>
+      <p:grpSpPr>
+        <a:xfrm>
+          <a:off x="0" y="0"/>
+          <a:ext cx="0" cy="0"/>
+          <a:chOff x="0" y="0"/>
+          <a:chExt cx="0" cy="0"/>
+        </a:xfrm>
+      </p:grpSpPr>
+      <p:pic>
+        <p:nvPicPr>
+          <p:cNvPr id="4" name="Content Placeholder 3" descr="A screenshot of a computer&#10;&#10;Description automatically generated">
+            <a:extLst>
+              <a:ext uri="{FF2B5EF4-FFF2-40B4-BE49-F238E27FC236}">
+                <a16:creationId xmlns:a16="http://schemas.microsoft.com/office/drawing/2014/main" id="{D3A481B9-9D24-1D52-0EE4-9CD91CB575D2}"/>
+              </a:ext>
+            </a:extLst>
+          </p:cNvPr>
+          <p:cNvPicPr>
+            <a:picLocks noGrp="1" noChangeAspect="1"/>
+          </p:cNvPicPr>
+          <p:nvPr>
+            <p:ph idx="1"/>
+          </p:nvPr>
+        </p:nvPicPr>
+        <p:blipFill>
+          <a:blip r:embed="rId3">
+            <a:extLst>
+              <a:ext uri="{28A0092B-C50C-407E-A947-70E740481C1C}">
+                <a14:useLocalDpi xmlns:a14="http://schemas.microsoft.com/office/drawing/2010/main" val="0"/>
+              </a:ext>
+            </a:extLst>
+          </a:blip>
+          <a:stretch>
+            <a:fillRect/>
+          </a:stretch>
+        </p:blipFill>
+        <p:spPr>
+          <a:xfrm>
+            <a:off x="1177198" y="1971550"/>
+            <a:ext cx="7696800" cy="4444902"/>
+          </a:xfrm>
+          <a:noFill/>
+        </p:spPr>
+      </p:pic>
+    </p:spTree>
+    <p:extLst>
+      <p:ext uri="{BB962C8B-B14F-4D97-AF65-F5344CB8AC3E}">
+        <p14:creationId xmlns:p14="http://schemas.microsoft.com/office/powerpoint/2010/main" val="1423701899"/>
+      </p:ext>
+    </p:extLst>
+  </p:cSld>
+  <p:clrMapOvr>
+    <a:masterClrMapping/>
+  </p:clrMapOvr>
+</p:sld>
+</file>
+
+<file path=ppt/slides/slide19.xml><?xml version="1.0" encoding="utf-8"?>
+<p:sld xmlns:a="http://schemas.openxmlformats.org/drawingml/2006/main" xmlns:r="http://schemas.openxmlformats.org/officeDocument/2006/relationships" xmlns:p="http://schemas.openxmlformats.org/presentationml/2006/main">
+  <p:cSld>
+    <p:spTree>
+      <p:nvGrpSpPr>
+        <p:cNvPr id="1" name=""/>
+        <p:cNvGrpSpPr/>
+        <p:nvPr/>
+      </p:nvGrpSpPr>
+      <p:grpSpPr>
+        <a:xfrm>
+          <a:off x="0" y="0"/>
+          <a:ext cx="0" cy="0"/>
+          <a:chOff x="0" y="0"/>
+          <a:chExt cx="0" cy="0"/>
+        </a:xfrm>
+      </p:grpSpPr>
+      <p:pic>
+        <p:nvPicPr>
+          <p:cNvPr id="6" name="Content Placeholder 5" descr="A screenshot of a computer&#10;&#10;Description automatically generated">
+            <a:extLst>
+              <a:ext uri="{FF2B5EF4-FFF2-40B4-BE49-F238E27FC236}">
+                <a16:creationId xmlns:a16="http://schemas.microsoft.com/office/drawing/2014/main" id="{3EED609B-E8AD-9321-59CF-F21B293F0D32}"/>
+              </a:ext>
+            </a:extLst>
+          </p:cNvPr>
+          <p:cNvPicPr>
+            <a:picLocks noGrp="1" noChangeAspect="1"/>
+          </p:cNvPicPr>
+          <p:nvPr>
+            <p:ph idx="1"/>
+          </p:nvPr>
+        </p:nvPicPr>
+        <p:blipFill>
+          <a:blip r:embed="rId3">
+            <a:extLst>
+              <a:ext uri="{28A0092B-C50C-407E-A947-70E740481C1C}">
+                <a14:useLocalDpi xmlns:a14="http://schemas.microsoft.com/office/drawing/2010/main" val="0"/>
+              </a:ext>
+            </a:extLst>
+          </a:blip>
+          <a:stretch>
+            <a:fillRect/>
+          </a:stretch>
+        </p:blipFill>
+        <p:spPr>
+          <a:xfrm>
+            <a:off x="269875" y="1812258"/>
+            <a:ext cx="8604250" cy="3233483"/>
+          </a:xfrm>
+        </p:spPr>
+      </p:pic>
+    </p:spTree>
+    <p:extLst>
+      <p:ext uri="{BB962C8B-B14F-4D97-AF65-F5344CB8AC3E}">
+        <p14:creationId xmlns:p14="http://schemas.microsoft.com/office/powerpoint/2010/main" val="1622382927"/>
       </p:ext>
     </p:extLst>
   </p:cSld>
@@ -4275,6 +9701,442 @@
     <p:extLst>
       <p:ext uri="{BB962C8B-B14F-4D97-AF65-F5344CB8AC3E}">
         <p14:creationId xmlns:p14="http://schemas.microsoft.com/office/powerpoint/2010/main" val="2075552041"/>
+      </p:ext>
+    </p:extLst>
+  </p:cSld>
+  <p:clrMapOvr>
+    <a:masterClrMapping/>
+  </p:clrMapOvr>
+</p:sld>
+</file>
+
+<file path=ppt/slides/slide20.xml><?xml version="1.0" encoding="utf-8"?>
+<p:sld xmlns:a="http://schemas.openxmlformats.org/drawingml/2006/main" xmlns:r="http://schemas.openxmlformats.org/officeDocument/2006/relationships" xmlns:p="http://schemas.openxmlformats.org/presentationml/2006/main">
+  <p:cSld>
+    <p:spTree>
+      <p:nvGrpSpPr>
+        <p:cNvPr id="1" name=""/>
+        <p:cNvGrpSpPr/>
+        <p:nvPr/>
+      </p:nvGrpSpPr>
+      <p:grpSpPr>
+        <a:xfrm>
+          <a:off x="0" y="0"/>
+          <a:ext cx="0" cy="0"/>
+          <a:chOff x="0" y="0"/>
+          <a:chExt cx="0" cy="0"/>
+        </a:xfrm>
+      </p:grpSpPr>
+      <p:sp>
+        <p:nvSpPr>
+          <p:cNvPr id="2" name="Title 1">
+            <a:extLst>
+              <a:ext uri="{FF2B5EF4-FFF2-40B4-BE49-F238E27FC236}">
+                <a16:creationId xmlns:a16="http://schemas.microsoft.com/office/drawing/2014/main" id="{006B9028-D371-DE82-A90D-6598039B92CD}"/>
+              </a:ext>
+            </a:extLst>
+          </p:cNvPr>
+          <p:cNvSpPr>
+            <a:spLocks noGrp="1"/>
+          </p:cNvSpPr>
+          <p:nvPr>
+            <p:ph type="title"/>
+          </p:nvPr>
+        </p:nvSpPr>
+        <p:spPr/>
+        <p:txBody>
+          <a:bodyPr/>
+          <a:lstStyle/>
+          <a:p>
+            <a:r>
+              <a:rPr lang="en-US" dirty="0" err="1"/>
+              <a:t>Závěr</a:t>
+            </a:r>
+            <a:r>
+              <a:rPr lang="en-US" dirty="0"/>
+              <a:t> </a:t>
+            </a:r>
+            <a:endParaRPr lang="cs-CZ" dirty="0"/>
+          </a:p>
+        </p:txBody>
+      </p:sp>
+      <p:sp>
+        <p:nvSpPr>
+          <p:cNvPr id="3" name="Content Placeholder 2">
+            <a:extLst>
+              <a:ext uri="{FF2B5EF4-FFF2-40B4-BE49-F238E27FC236}">
+                <a16:creationId xmlns:a16="http://schemas.microsoft.com/office/drawing/2014/main" id="{5F7640B8-F96A-3482-5097-3E4C45A419ED}"/>
+              </a:ext>
+            </a:extLst>
+          </p:cNvPr>
+          <p:cNvSpPr>
+            <a:spLocks noGrp="1"/>
+          </p:cNvSpPr>
+          <p:nvPr>
+            <p:ph idx="1"/>
+          </p:nvPr>
+        </p:nvSpPr>
+        <p:spPr/>
+        <p:txBody>
+          <a:bodyPr/>
+          <a:lstStyle/>
+          <a:p>
+            <a:pPr marL="342900" indent="-342900">
+              <a:buFont typeface="Wingdings" panose="05000000000000000000" pitchFamily="2" charset="2"/>
+              <a:buChar char="ü"/>
+            </a:pPr>
+            <a:r>
+              <a:rPr lang="en-US" dirty="0" err="1"/>
+              <a:t>Vytvoření</a:t>
+            </a:r>
+            <a:r>
+              <a:rPr lang="en-US" dirty="0"/>
+              <a:t> GUI</a:t>
+            </a:r>
+          </a:p>
+          <a:p>
+            <a:pPr marL="342900" indent="-342900">
+              <a:buFont typeface="Wingdings" panose="05000000000000000000" pitchFamily="2" charset="2"/>
+              <a:buChar char="ü"/>
+            </a:pPr>
+            <a:r>
+              <a:rPr lang="en-US" dirty="0" err="1"/>
+              <a:t>Navrhnutí</a:t>
+            </a:r>
+            <a:r>
+              <a:rPr lang="en-US" dirty="0"/>
+              <a:t> a </a:t>
+            </a:r>
+            <a:r>
+              <a:rPr lang="en-US" dirty="0" err="1"/>
+              <a:t>vytvoření</a:t>
+            </a:r>
+            <a:r>
+              <a:rPr lang="en-US" dirty="0"/>
+              <a:t> </a:t>
+            </a:r>
+            <a:r>
+              <a:rPr lang="en-US" dirty="0" err="1"/>
+              <a:t>možnosti</a:t>
+            </a:r>
+            <a:r>
+              <a:rPr lang="en-US" dirty="0"/>
+              <a:t> </a:t>
+            </a:r>
+            <a:r>
+              <a:rPr lang="en-US" dirty="0" err="1"/>
+              <a:t>uživatelských</a:t>
+            </a:r>
+            <a:r>
+              <a:rPr lang="en-US" dirty="0"/>
+              <a:t> </a:t>
+            </a:r>
+            <a:r>
+              <a:rPr lang="en-US" dirty="0" err="1"/>
+              <a:t>rolí</a:t>
+            </a:r>
+            <a:endParaRPr lang="en-US" dirty="0"/>
+          </a:p>
+          <a:p>
+            <a:pPr marL="342900" indent="-342900">
+              <a:buFont typeface="Wingdings" panose="05000000000000000000" pitchFamily="2" charset="2"/>
+              <a:buChar char="ü"/>
+            </a:pPr>
+            <a:r>
+              <a:rPr lang="en-US" dirty="0" err="1"/>
+              <a:t>Vytvoření</a:t>
+            </a:r>
+            <a:r>
+              <a:rPr lang="en-US" dirty="0"/>
+              <a:t> </a:t>
+            </a:r>
+            <a:r>
+              <a:rPr lang="en-US" dirty="0" err="1"/>
+              <a:t>metody</a:t>
+            </a:r>
+            <a:r>
+              <a:rPr lang="en-US" dirty="0"/>
+              <a:t> pro </a:t>
+            </a:r>
+            <a:r>
+              <a:rPr lang="en-US" dirty="0" err="1"/>
+              <a:t>ovládání</a:t>
+            </a:r>
+            <a:r>
+              <a:rPr lang="en-US" dirty="0"/>
+              <a:t> </a:t>
+            </a:r>
+            <a:r>
+              <a:rPr lang="en-US" dirty="0" err="1"/>
+              <a:t>jednotlivých</a:t>
+            </a:r>
+            <a:r>
+              <a:rPr lang="en-US" dirty="0"/>
+              <a:t> </a:t>
+            </a:r>
+            <a:r>
+              <a:rPr lang="en-US" dirty="0" err="1"/>
+              <a:t>svalů</a:t>
+            </a:r>
+            <a:endParaRPr lang="en-US" dirty="0"/>
+          </a:p>
+          <a:p>
+            <a:pPr marL="342900" indent="-342900">
+              <a:buFont typeface="Wingdings" panose="05000000000000000000" pitchFamily="2" charset="2"/>
+              <a:buChar char="ü"/>
+            </a:pPr>
+            <a:r>
+              <a:rPr lang="en-US" dirty="0" err="1"/>
+              <a:t>Možnost</a:t>
+            </a:r>
+            <a:r>
+              <a:rPr lang="en-US" dirty="0"/>
+              <a:t> </a:t>
+            </a:r>
+            <a:r>
+              <a:rPr lang="en-US" dirty="0" err="1"/>
+              <a:t>provést</a:t>
+            </a:r>
+            <a:r>
+              <a:rPr lang="en-US" dirty="0"/>
+              <a:t> </a:t>
+            </a:r>
+            <a:r>
+              <a:rPr lang="en-US" dirty="0" err="1"/>
+              <a:t>měření</a:t>
+            </a:r>
+            <a:r>
+              <a:rPr lang="en-US" dirty="0"/>
+              <a:t> </a:t>
+            </a:r>
+            <a:r>
+              <a:rPr lang="en-US" dirty="0" err="1"/>
+              <a:t>na</a:t>
+            </a:r>
+            <a:r>
+              <a:rPr lang="en-US" dirty="0"/>
+              <a:t> </a:t>
+            </a:r>
+            <a:r>
+              <a:rPr lang="en-US" dirty="0" err="1"/>
+              <a:t>svalu</a:t>
+            </a:r>
+            <a:r>
+              <a:rPr lang="en-US" dirty="0"/>
+              <a:t> a dale s </a:t>
+            </a:r>
+            <a:r>
+              <a:rPr lang="en-US" dirty="0" err="1"/>
+              <a:t>tímto</a:t>
+            </a:r>
+            <a:r>
+              <a:rPr lang="en-US" dirty="0"/>
+              <a:t> </a:t>
+            </a:r>
+            <a:r>
+              <a:rPr lang="en-US" dirty="0" err="1"/>
+              <a:t>měřením</a:t>
+            </a:r>
+            <a:r>
+              <a:rPr lang="en-US" dirty="0"/>
+              <a:t> </a:t>
+            </a:r>
+            <a:r>
+              <a:rPr lang="en-US" dirty="0" err="1"/>
+              <a:t>pracovat</a:t>
+            </a:r>
+            <a:endParaRPr lang="en-US" dirty="0"/>
+          </a:p>
+          <a:p>
+            <a:pPr marL="342900" indent="-342900">
+              <a:buFont typeface="Wingdings" panose="05000000000000000000" pitchFamily="2" charset="2"/>
+              <a:buChar char="ü"/>
+            </a:pPr>
+            <a:r>
+              <a:rPr lang="en-US" dirty="0" err="1"/>
+              <a:t>Možnost</a:t>
+            </a:r>
+            <a:r>
+              <a:rPr lang="en-US" dirty="0"/>
+              <a:t> </a:t>
+            </a:r>
+            <a:r>
+              <a:rPr lang="en-US" dirty="0" err="1"/>
+              <a:t>nastavit</a:t>
+            </a:r>
+            <a:r>
+              <a:rPr lang="en-US" dirty="0"/>
+              <a:t> pro </a:t>
+            </a:r>
+            <a:r>
+              <a:rPr lang="en-US" dirty="0" err="1"/>
+              <a:t>každý</a:t>
+            </a:r>
+            <a:r>
+              <a:rPr lang="en-US" dirty="0"/>
+              <a:t> </a:t>
+            </a:r>
+            <a:r>
+              <a:rPr lang="en-US" dirty="0" err="1"/>
+              <a:t>sval</a:t>
+            </a:r>
+            <a:r>
+              <a:rPr lang="en-US" dirty="0"/>
+              <a:t> </a:t>
+            </a:r>
+            <a:r>
+              <a:rPr lang="en-US" dirty="0" err="1"/>
+              <a:t>různé</a:t>
+            </a:r>
+            <a:r>
+              <a:rPr lang="en-US" dirty="0"/>
+              <a:t> </a:t>
+            </a:r>
+            <a:r>
+              <a:rPr lang="en-US" dirty="0" err="1"/>
+              <a:t>parametry</a:t>
+            </a:r>
+            <a:r>
+              <a:rPr lang="en-US" dirty="0"/>
+              <a:t> a </a:t>
+            </a:r>
+            <a:r>
+              <a:rPr lang="en-US" dirty="0" err="1"/>
+              <a:t>tyto</a:t>
+            </a:r>
+            <a:r>
+              <a:rPr lang="en-US" dirty="0"/>
+              <a:t> </a:t>
+            </a:r>
+            <a:r>
+              <a:rPr lang="en-US" dirty="0" err="1"/>
+              <a:t>parametry</a:t>
+            </a:r>
+            <a:r>
+              <a:rPr lang="en-US" dirty="0"/>
+              <a:t> </a:t>
+            </a:r>
+            <a:r>
+              <a:rPr lang="en-US" dirty="0" err="1"/>
+              <a:t>mít</a:t>
+            </a:r>
+            <a:r>
+              <a:rPr lang="en-US" dirty="0"/>
+              <a:t> </a:t>
+            </a:r>
+            <a:r>
+              <a:rPr lang="en-US" dirty="0" err="1"/>
+              <a:t>možnost</a:t>
+            </a:r>
+            <a:r>
+              <a:rPr lang="en-US" dirty="0"/>
+              <a:t> </a:t>
+            </a:r>
+            <a:r>
+              <a:rPr lang="en-US" dirty="0" err="1"/>
+              <a:t>měnit</a:t>
+            </a:r>
+            <a:endParaRPr lang="en-US" dirty="0"/>
+          </a:p>
+          <a:p>
+            <a:endParaRPr lang="cs-CZ" dirty="0"/>
+          </a:p>
+        </p:txBody>
+      </p:sp>
+    </p:spTree>
+    <p:extLst>
+      <p:ext uri="{BB962C8B-B14F-4D97-AF65-F5344CB8AC3E}">
+        <p14:creationId xmlns:p14="http://schemas.microsoft.com/office/powerpoint/2010/main" val="2644731012"/>
+      </p:ext>
+    </p:extLst>
+  </p:cSld>
+  <p:clrMapOvr>
+    <a:masterClrMapping/>
+  </p:clrMapOvr>
+</p:sld>
+</file>
+
+<file path=ppt/slides/slide21.xml><?xml version="1.0" encoding="utf-8"?>
+<p:sld xmlns:a="http://schemas.openxmlformats.org/drawingml/2006/main" xmlns:r="http://schemas.openxmlformats.org/officeDocument/2006/relationships" xmlns:p="http://schemas.openxmlformats.org/presentationml/2006/main">
+  <p:cSld>
+    <p:spTree>
+      <p:nvGrpSpPr>
+        <p:cNvPr id="1" name=""/>
+        <p:cNvGrpSpPr/>
+        <p:nvPr/>
+      </p:nvGrpSpPr>
+      <p:grpSpPr>
+        <a:xfrm>
+          <a:off x="0" y="0"/>
+          <a:ext cx="0" cy="0"/>
+          <a:chOff x="0" y="0"/>
+          <a:chExt cx="0" cy="0"/>
+        </a:xfrm>
+      </p:grpSpPr>
+      <p:sp>
+        <p:nvSpPr>
+          <p:cNvPr id="4" name="Title 3">
+            <a:extLst>
+              <a:ext uri="{FF2B5EF4-FFF2-40B4-BE49-F238E27FC236}">
+                <a16:creationId xmlns:a16="http://schemas.microsoft.com/office/drawing/2014/main" id="{3CB44335-9888-1F34-DA83-42DC4BA2721F}"/>
+              </a:ext>
+            </a:extLst>
+          </p:cNvPr>
+          <p:cNvSpPr>
+            <a:spLocks noGrp="1"/>
+          </p:cNvSpPr>
+          <p:nvPr>
+            <p:ph type="title"/>
+          </p:nvPr>
+        </p:nvSpPr>
+        <p:spPr>
+          <a:xfrm>
+            <a:off x="675000" y="2836820"/>
+            <a:ext cx="7794000" cy="1184360"/>
+          </a:xfrm>
+        </p:spPr>
+        <p:txBody>
+          <a:bodyPr>
+            <a:normAutofit/>
+          </a:bodyPr>
+          <a:lstStyle/>
+          <a:p>
+            <a:pPr algn="ctr"/>
+            <a:r>
+              <a:rPr lang="en-US" sz="3600" dirty="0" err="1"/>
+              <a:t>Děkuji</a:t>
+            </a:r>
+            <a:r>
+              <a:rPr lang="en-US" sz="3600" dirty="0"/>
+              <a:t> za </a:t>
+            </a:r>
+            <a:r>
+              <a:rPr lang="en-US" sz="3600" dirty="0" err="1"/>
+              <a:t>pozornost</a:t>
+            </a:r>
+            <a:r>
+              <a:rPr lang="en-US" sz="3600" dirty="0"/>
+              <a:t> </a:t>
+            </a:r>
+            <a:br>
+              <a:rPr lang="en-US" sz="3600" dirty="0"/>
+            </a:br>
+            <a:r>
+              <a:rPr lang="en-US" sz="3600" dirty="0" err="1"/>
+              <a:t>Dotazy</a:t>
+            </a:r>
+            <a:r>
+              <a:rPr lang="en-US" sz="3600" dirty="0"/>
+              <a:t>?</a:t>
+            </a:r>
+            <a:endParaRPr lang="cs-CZ" sz="3600" dirty="0"/>
+          </a:p>
+        </p:txBody>
+      </p:sp>
+    </p:spTree>
+    <p:extLst>
+      <p:ext uri="{BB962C8B-B14F-4D97-AF65-F5344CB8AC3E}">
+        <p14:creationId xmlns:p14="http://schemas.microsoft.com/office/powerpoint/2010/main" val="1200479118"/>
       </p:ext>
     </p:extLst>
   </p:cSld>
@@ -5018,7 +10880,7 @@
                   <a:srgbClr val="FFFF00"/>
                 </a:highlight>
               </a:rPr>
-              <a:t>sqsky</a:t>
+              <a:t>sgsky</a:t>
             </a:r>
             <a:r>
               <a:rPr lang="en-US" dirty="0">
@@ -5243,31 +11105,7 @@
             </a:r>
             <a:r>
               <a:rPr lang="en-US" dirty="0" err="1"/>
-              <a:t>Proč</a:t>
-            </a:r>
-            <a:r>
-              <a:rPr lang="en-US" dirty="0"/>
-              <a:t> </a:t>
-            </a:r>
-            <a:r>
-              <a:rPr lang="en-US" dirty="0" err="1"/>
-              <a:t>tato</a:t>
-            </a:r>
-            <a:r>
-              <a:rPr lang="en-US" dirty="0"/>
-              <a:t> </a:t>
-            </a:r>
-            <a:r>
-              <a:rPr lang="en-US" dirty="0" err="1"/>
-              <a:t>soustava</a:t>
-            </a:r>
-            <a:r>
-              <a:rPr lang="en-US" dirty="0"/>
-              <a:t> </a:t>
-            </a:r>
-            <a:r>
-              <a:rPr lang="en-US" dirty="0" err="1"/>
-              <a:t>vůbec</a:t>
+              <a:t>Sousava</a:t>
             </a:r>
             <a:r>
               <a:rPr lang="en-US" dirty="0"/>
@@ -5276,6 +11114,62 @@
             <a:r>
               <a:rPr lang="en-US" dirty="0" err="1"/>
               <a:t>vznikla</a:t>
+            </a:r>
+            <a:r>
+              <a:rPr lang="en-US" dirty="0"/>
+              <a:t> pro </a:t>
+            </a:r>
+            <a:r>
+              <a:rPr lang="en-US" dirty="0" err="1"/>
+              <a:t>zjednodušení</a:t>
+            </a:r>
+            <a:r>
+              <a:rPr lang="en-US" dirty="0"/>
+              <a:t> </a:t>
+            </a:r>
+            <a:r>
+              <a:rPr lang="en-US" dirty="0" err="1"/>
+              <a:t>pohybu</a:t>
+            </a:r>
+            <a:r>
+              <a:rPr lang="en-US" dirty="0"/>
+              <a:t> s </a:t>
+            </a:r>
+            <a:r>
+              <a:rPr lang="en-US" dirty="0" err="1"/>
+              <a:t>pacientovou</a:t>
+            </a:r>
+            <a:r>
+              <a:rPr lang="en-US" dirty="0"/>
+              <a:t> </a:t>
+            </a:r>
+            <a:r>
+              <a:rPr lang="en-US" dirty="0" err="1"/>
+              <a:t>hlavou</a:t>
+            </a:r>
+            <a:r>
+              <a:rPr lang="en-US" dirty="0"/>
+              <a:t> </a:t>
+            </a:r>
+            <a:r>
+              <a:rPr lang="en-US" dirty="0" err="1"/>
+              <a:t>ve</a:t>
+            </a:r>
+            <a:r>
+              <a:rPr lang="en-US" dirty="0"/>
+              <a:t> </a:t>
+            </a:r>
+            <a:r>
+              <a:rPr lang="en-US" dirty="0" err="1"/>
+              <a:t>stísněných</a:t>
+            </a:r>
+            <a:r>
+              <a:rPr lang="en-US" dirty="0"/>
+              <a:t> </a:t>
+            </a:r>
+            <a:r>
+              <a:rPr lang="en-US" dirty="0" err="1"/>
+              <a:t>prosterách</a:t>
             </a:r>
             <a:endParaRPr lang="cs-CZ" dirty="0"/>
           </a:p>
@@ -5316,6 +11210,230 @@
           <p:cNvPr id="2" name="Title 1">
             <a:extLst>
               <a:ext uri="{FF2B5EF4-FFF2-40B4-BE49-F238E27FC236}">
+                <a16:creationId xmlns:a16="http://schemas.microsoft.com/office/drawing/2014/main" id="{4247FD84-3C01-2F67-E66E-672CEC9D3DB7}"/>
+              </a:ext>
+            </a:extLst>
+          </p:cNvPr>
+          <p:cNvSpPr>
+            <a:spLocks noGrp="1"/>
+          </p:cNvSpPr>
+          <p:nvPr>
+            <p:ph type="title"/>
+          </p:nvPr>
+        </p:nvSpPr>
+        <p:spPr/>
+        <p:txBody>
+          <a:bodyPr/>
+          <a:lstStyle/>
+          <a:p>
+            <a:r>
+              <a:rPr lang="en-US" dirty="0"/>
+              <a:t>Sem </a:t>
+            </a:r>
+            <a:r>
+              <a:rPr lang="en-US" dirty="0" err="1"/>
+              <a:t>dám</a:t>
+            </a:r>
+            <a:r>
+              <a:rPr lang="en-US" dirty="0"/>
+              <a:t> </a:t>
+            </a:r>
+            <a:r>
+              <a:rPr lang="en-US" dirty="0" err="1"/>
+              <a:t>jednu</a:t>
+            </a:r>
+            <a:r>
+              <a:rPr lang="en-US" dirty="0"/>
+              <a:t> </a:t>
+            </a:r>
+            <a:r>
+              <a:rPr lang="en-US" dirty="0" err="1"/>
+              <a:t>fotku</a:t>
+            </a:r>
+            <a:r>
+              <a:rPr lang="en-US" dirty="0"/>
+              <a:t> </a:t>
+            </a:r>
+            <a:r>
+              <a:rPr lang="en-US" dirty="0" err="1"/>
+              <a:t>soustavy</a:t>
+            </a:r>
+            <a:endParaRPr lang="en-US" dirty="0"/>
+          </a:p>
+        </p:txBody>
+      </p:sp>
+      <p:sp>
+        <p:nvSpPr>
+          <p:cNvPr id="3" name="Content Placeholder 2">
+            <a:extLst>
+              <a:ext uri="{FF2B5EF4-FFF2-40B4-BE49-F238E27FC236}">
+                <a16:creationId xmlns:a16="http://schemas.microsoft.com/office/drawing/2014/main" id="{16B64955-94A8-57DC-E8FB-4B9FEEC506C1}"/>
+              </a:ext>
+            </a:extLst>
+          </p:cNvPr>
+          <p:cNvSpPr>
+            <a:spLocks noGrp="1"/>
+          </p:cNvSpPr>
+          <p:nvPr>
+            <p:ph idx="1"/>
+          </p:nvPr>
+        </p:nvSpPr>
+        <p:spPr/>
+        <p:txBody>
+          <a:bodyPr/>
+          <a:lstStyle/>
+          <a:p>
+            <a:endParaRPr lang="en-US"/>
+          </a:p>
+        </p:txBody>
+      </p:sp>
+    </p:spTree>
+    <p:extLst>
+      <p:ext uri="{BB962C8B-B14F-4D97-AF65-F5344CB8AC3E}">
+        <p14:creationId xmlns:p14="http://schemas.microsoft.com/office/powerpoint/2010/main" val="445953839"/>
+      </p:ext>
+    </p:extLst>
+  </p:cSld>
+  <p:clrMapOvr>
+    <a:masterClrMapping/>
+  </p:clrMapOvr>
+</p:sld>
+</file>
+
+<file path=ppt/slides/slide7.xml><?xml version="1.0" encoding="utf-8"?>
+<p:sld xmlns:a="http://schemas.openxmlformats.org/drawingml/2006/main" xmlns:r="http://schemas.openxmlformats.org/officeDocument/2006/relationships" xmlns:p="http://schemas.openxmlformats.org/presentationml/2006/main">
+  <p:cSld>
+    <p:spTree>
+      <p:nvGrpSpPr>
+        <p:cNvPr id="1" name=""/>
+        <p:cNvGrpSpPr/>
+        <p:nvPr/>
+      </p:nvGrpSpPr>
+      <p:grpSpPr>
+        <a:xfrm>
+          <a:off x="0" y="0"/>
+          <a:ext cx="0" cy="0"/>
+          <a:chOff x="0" y="0"/>
+          <a:chExt cx="0" cy="0"/>
+        </a:xfrm>
+      </p:grpSpPr>
+      <p:sp>
+        <p:nvSpPr>
+          <p:cNvPr id="2" name="Title 1">
+            <a:extLst>
+              <a:ext uri="{FF2B5EF4-FFF2-40B4-BE49-F238E27FC236}">
+                <a16:creationId xmlns:a16="http://schemas.microsoft.com/office/drawing/2014/main" id="{6B55DFB9-A72C-8CC0-5F7E-01F202BA8D55}"/>
+              </a:ext>
+            </a:extLst>
+          </p:cNvPr>
+          <p:cNvSpPr>
+            <a:spLocks noGrp="1"/>
+          </p:cNvSpPr>
+          <p:nvPr>
+            <p:ph type="title"/>
+          </p:nvPr>
+        </p:nvSpPr>
+        <p:spPr/>
+        <p:txBody>
+          <a:bodyPr/>
+          <a:lstStyle/>
+          <a:p>
+            <a:r>
+              <a:rPr lang="en-US" dirty="0"/>
+              <a:t>Sem </a:t>
+            </a:r>
+            <a:r>
+              <a:rPr lang="en-US" dirty="0" err="1"/>
+              <a:t>dám</a:t>
+            </a:r>
+            <a:r>
+              <a:rPr lang="en-US" dirty="0"/>
+              <a:t> </a:t>
+            </a:r>
+            <a:r>
+              <a:rPr lang="en-US" dirty="0" err="1"/>
+              <a:t>druhou</a:t>
+            </a:r>
+            <a:r>
+              <a:rPr lang="en-US" dirty="0"/>
+              <a:t> </a:t>
+            </a:r>
+            <a:r>
+              <a:rPr lang="en-US" dirty="0" err="1"/>
+              <a:t>fotku</a:t>
+            </a:r>
+            <a:r>
+              <a:rPr lang="en-US" dirty="0"/>
+              <a:t> </a:t>
+            </a:r>
+            <a:r>
+              <a:rPr lang="en-US" dirty="0" err="1"/>
+              <a:t>soustavy</a:t>
+            </a:r>
+            <a:endParaRPr lang="en-US" dirty="0"/>
+          </a:p>
+        </p:txBody>
+      </p:sp>
+      <p:sp>
+        <p:nvSpPr>
+          <p:cNvPr id="3" name="Content Placeholder 2">
+            <a:extLst>
+              <a:ext uri="{FF2B5EF4-FFF2-40B4-BE49-F238E27FC236}">
+                <a16:creationId xmlns:a16="http://schemas.microsoft.com/office/drawing/2014/main" id="{6405B781-EE60-DBBC-92BD-BB025E312267}"/>
+              </a:ext>
+            </a:extLst>
+          </p:cNvPr>
+          <p:cNvSpPr>
+            <a:spLocks noGrp="1"/>
+          </p:cNvSpPr>
+          <p:nvPr>
+            <p:ph idx="1"/>
+          </p:nvPr>
+        </p:nvSpPr>
+        <p:spPr/>
+        <p:txBody>
+          <a:bodyPr/>
+          <a:lstStyle/>
+          <a:p>
+            <a:endParaRPr lang="en-US"/>
+          </a:p>
+        </p:txBody>
+      </p:sp>
+    </p:spTree>
+    <p:extLst>
+      <p:ext uri="{BB962C8B-B14F-4D97-AF65-F5344CB8AC3E}">
+        <p14:creationId xmlns:p14="http://schemas.microsoft.com/office/powerpoint/2010/main" val="3572131312"/>
+      </p:ext>
+    </p:extLst>
+  </p:cSld>
+  <p:clrMapOvr>
+    <a:masterClrMapping/>
+  </p:clrMapOvr>
+</p:sld>
+</file>
+
+<file path=ppt/slides/slide8.xml><?xml version="1.0" encoding="utf-8"?>
+<p:sld xmlns:a="http://schemas.openxmlformats.org/drawingml/2006/main" xmlns:r="http://schemas.openxmlformats.org/officeDocument/2006/relationships" xmlns:p="http://schemas.openxmlformats.org/presentationml/2006/main">
+  <p:cSld>
+    <p:spTree>
+      <p:nvGrpSpPr>
+        <p:cNvPr id="1" name=""/>
+        <p:cNvGrpSpPr/>
+        <p:nvPr/>
+      </p:nvGrpSpPr>
+      <p:grpSpPr>
+        <a:xfrm>
+          <a:off x="0" y="0"/>
+          <a:ext cx="0" cy="0"/>
+          <a:chOff x="0" y="0"/>
+          <a:chExt cx="0" cy="0"/>
+        </a:xfrm>
+      </p:grpSpPr>
+      <p:sp>
+        <p:nvSpPr>
+          <p:cNvPr id="2" name="Title 1">
+            <a:extLst>
+              <a:ext uri="{FF2B5EF4-FFF2-40B4-BE49-F238E27FC236}">
                 <a16:creationId xmlns:a16="http://schemas.microsoft.com/office/drawing/2014/main" id="{2A7FB521-9CD2-069B-764C-531B3AE79B8E}"/>
               </a:ext>
             </a:extLst>
@@ -5568,7 +11686,7 @@
 </p:sld>
 </file>
 
-<file path=ppt/slides/slide7.xml><?xml version="1.0" encoding="utf-8"?>
+<file path=ppt/slides/slide9.xml><?xml version="1.0" encoding="utf-8"?>
 <p:sld xmlns:a="http://schemas.openxmlformats.org/drawingml/2006/main" xmlns:r="http://schemas.openxmlformats.org/officeDocument/2006/relationships" xmlns:p="http://schemas.openxmlformats.org/presentationml/2006/main">
   <p:cSld>
     <p:spTree>
@@ -5607,7 +11725,7 @@
         </p:blipFill>
         <p:spPr>
           <a:xfrm>
-            <a:off x="1884391" y="1588293"/>
+            <a:off x="5204534" y="1591865"/>
             <a:ext cx="2764887" cy="3674269"/>
           </a:xfrm>
           <a:prstGeom prst="rect">
@@ -5637,7 +11755,7 @@
         </p:blipFill>
         <p:spPr>
           <a:xfrm>
-            <a:off x="5481248" y="1588293"/>
+            <a:off x="1497077" y="1595438"/>
             <a:ext cx="2764887" cy="3674269"/>
           </a:xfrm>
           <a:prstGeom prst="rect">
@@ -5649,204 +11767,6 @@
     <p:extLst>
       <p:ext uri="{BB962C8B-B14F-4D97-AF65-F5344CB8AC3E}">
         <p14:creationId xmlns:p14="http://schemas.microsoft.com/office/powerpoint/2010/main" val="1652281788"/>
-      </p:ext>
-    </p:extLst>
-  </p:cSld>
-  <p:clrMapOvr>
-    <a:masterClrMapping/>
-  </p:clrMapOvr>
-</p:sld>
-</file>
-
-<file path=ppt/slides/slide8.xml><?xml version="1.0" encoding="utf-8"?>
-<p:sld xmlns:a="http://schemas.openxmlformats.org/drawingml/2006/main" xmlns:r="http://schemas.openxmlformats.org/officeDocument/2006/relationships" xmlns:p="http://schemas.openxmlformats.org/presentationml/2006/main">
-  <p:cSld>
-    <p:spTree>
-      <p:nvGrpSpPr>
-        <p:cNvPr id="1" name=""/>
-        <p:cNvGrpSpPr/>
-        <p:nvPr/>
-      </p:nvGrpSpPr>
-      <p:grpSpPr>
-        <a:xfrm>
-          <a:off x="0" y="0"/>
-          <a:ext cx="0" cy="0"/>
-          <a:chOff x="0" y="0"/>
-          <a:chExt cx="0" cy="0"/>
-        </a:xfrm>
-      </p:grpSpPr>
-      <p:sp>
-        <p:nvSpPr>
-          <p:cNvPr id="2" name="Title 1">
-            <a:extLst>
-              <a:ext uri="{FF2B5EF4-FFF2-40B4-BE49-F238E27FC236}">
-                <a16:creationId xmlns:a16="http://schemas.microsoft.com/office/drawing/2014/main" id="{C785D90F-E463-BB8A-0C16-26EF91A57CC1}"/>
-              </a:ext>
-            </a:extLst>
-          </p:cNvPr>
-          <p:cNvSpPr>
-            <a:spLocks noGrp="1"/>
-          </p:cNvSpPr>
-          <p:nvPr>
-            <p:ph type="title"/>
-          </p:nvPr>
-        </p:nvSpPr>
-        <p:spPr/>
-        <p:txBody>
-          <a:bodyPr/>
-          <a:lstStyle/>
-          <a:p>
-            <a:r>
-              <a:rPr lang="en-US" dirty="0" err="1"/>
-              <a:t>Metodika</a:t>
-            </a:r>
-            <a:endParaRPr lang="cs-CZ" dirty="0"/>
-          </a:p>
-        </p:txBody>
-      </p:sp>
-      <p:pic>
-        <p:nvPicPr>
-          <p:cNvPr id="5" name="Content Placeholder 4" descr="A diagram of a software system&#10;&#10;Description automatically generated">
-            <a:extLst>
-              <a:ext uri="{FF2B5EF4-FFF2-40B4-BE49-F238E27FC236}">
-                <a16:creationId xmlns:a16="http://schemas.microsoft.com/office/drawing/2014/main" id="{87E0771F-A9B8-A4C5-55FF-4E4E5EFFAD96}"/>
-              </a:ext>
-            </a:extLst>
-          </p:cNvPr>
-          <p:cNvPicPr>
-            <a:picLocks noGrp="1" noChangeAspect="1"/>
-          </p:cNvPicPr>
-          <p:nvPr>
-            <p:ph idx="1"/>
-          </p:nvPr>
-        </p:nvPicPr>
-        <p:blipFill>
-          <a:blip r:embed="rId3">
-            <a:extLst>
-              <a:ext uri="{28A0092B-C50C-407E-A947-70E740481C1C}">
-                <a14:useLocalDpi xmlns:a14="http://schemas.microsoft.com/office/drawing/2010/main" val="0"/>
-              </a:ext>
-            </a:extLst>
-          </a:blip>
-          <a:stretch>
-            <a:fillRect/>
-          </a:stretch>
-        </p:blipFill>
-        <p:spPr>
-          <a:xfrm>
-            <a:off x="742602" y="2502040"/>
-            <a:ext cx="7573889" cy="3838470"/>
-          </a:xfrm>
-        </p:spPr>
-      </p:pic>
-    </p:spTree>
-    <p:extLst>
-      <p:ext uri="{BB962C8B-B14F-4D97-AF65-F5344CB8AC3E}">
-        <p14:creationId xmlns:p14="http://schemas.microsoft.com/office/powerpoint/2010/main" val="2796476723"/>
-      </p:ext>
-    </p:extLst>
-  </p:cSld>
-  <p:clrMapOvr>
-    <a:masterClrMapping/>
-  </p:clrMapOvr>
-</p:sld>
-</file>
-
-<file path=ppt/slides/slide9.xml><?xml version="1.0" encoding="utf-8"?>
-<p:sld xmlns:a="http://schemas.openxmlformats.org/drawingml/2006/main" xmlns:r="http://schemas.openxmlformats.org/officeDocument/2006/relationships" xmlns:p="http://schemas.openxmlformats.org/presentationml/2006/main">
-  <p:cSld>
-    <p:spTree>
-      <p:nvGrpSpPr>
-        <p:cNvPr id="1" name=""/>
-        <p:cNvGrpSpPr/>
-        <p:nvPr/>
-      </p:nvGrpSpPr>
-      <p:grpSpPr>
-        <a:xfrm>
-          <a:off x="0" y="0"/>
-          <a:ext cx="0" cy="0"/>
-          <a:chOff x="0" y="0"/>
-          <a:chExt cx="0" cy="0"/>
-        </a:xfrm>
-      </p:grpSpPr>
-      <p:sp>
-        <p:nvSpPr>
-          <p:cNvPr id="2" name="Title 1">
-            <a:extLst>
-              <a:ext uri="{FF2B5EF4-FFF2-40B4-BE49-F238E27FC236}">
-                <a16:creationId xmlns:a16="http://schemas.microsoft.com/office/drawing/2014/main" id="{1C8B6BAE-A07C-BFB6-F76D-F422BB02DF65}"/>
-              </a:ext>
-            </a:extLst>
-          </p:cNvPr>
-          <p:cNvSpPr>
-            <a:spLocks noGrp="1"/>
-          </p:cNvSpPr>
-          <p:nvPr>
-            <p:ph type="title"/>
-          </p:nvPr>
-        </p:nvSpPr>
-        <p:spPr/>
-        <p:txBody>
-          <a:bodyPr/>
-          <a:lstStyle/>
-          <a:p>
-            <a:r>
-              <a:rPr lang="en-US" dirty="0" err="1"/>
-              <a:t>Vytvoření</a:t>
-            </a:r>
-            <a:r>
-              <a:rPr lang="en-US" dirty="0"/>
-              <a:t> GUI</a:t>
-            </a:r>
-            <a:endParaRPr lang="cs-CZ" dirty="0"/>
-          </a:p>
-        </p:txBody>
-      </p:sp>
-      <p:sp>
-        <p:nvSpPr>
-          <p:cNvPr id="3" name="Content Placeholder 2">
-            <a:extLst>
-              <a:ext uri="{FF2B5EF4-FFF2-40B4-BE49-F238E27FC236}">
-                <a16:creationId xmlns:a16="http://schemas.microsoft.com/office/drawing/2014/main" id="{D4D38F9E-5DE5-AEA8-D598-4203D9F26F1D}"/>
-              </a:ext>
-            </a:extLst>
-          </p:cNvPr>
-          <p:cNvSpPr>
-            <a:spLocks noGrp="1"/>
-          </p:cNvSpPr>
-          <p:nvPr>
-            <p:ph idx="1"/>
-          </p:nvPr>
-        </p:nvSpPr>
-        <p:spPr/>
-        <p:txBody>
-          <a:bodyPr/>
-          <a:lstStyle/>
-          <a:p>
-            <a:pPr marL="342900" indent="-342900">
-              <a:buFont typeface="Arial" panose="020B0604020202020204" pitchFamily="34" charset="0"/>
-              <a:buChar char="•"/>
-            </a:pPr>
-            <a:r>
-              <a:rPr lang="en-US" dirty="0" err="1"/>
-              <a:t>Knihovna</a:t>
-            </a:r>
-            <a:r>
-              <a:rPr lang="en-US" dirty="0"/>
-              <a:t> Tkinter a </a:t>
-            </a:r>
-            <a:r>
-              <a:rPr lang="en-US" dirty="0" err="1"/>
-              <a:t>customtikinter</a:t>
-            </a:r>
-            <a:endParaRPr lang="cs-CZ" dirty="0"/>
-          </a:p>
-        </p:txBody>
-      </p:sp>
-    </p:spTree>
-    <p:extLst>
-      <p:ext uri="{BB962C8B-B14F-4D97-AF65-F5344CB8AC3E}">
-        <p14:creationId xmlns:p14="http://schemas.microsoft.com/office/powerpoint/2010/main" val="4039360344"/>
       </p:ext>
     </p:extLst>
   </p:cSld>

--- a/Obhajoba_darsamar.pptx
+++ b/Obhajoba_darsamar.pptx
@@ -1,11 +1,11 @@
 
 <file path=ppt/presentation.xml><?xml version="1.0" encoding="utf-8"?>
-<p:presentation xmlns:a="http://schemas.openxmlformats.org/drawingml/2006/main" xmlns:r="http://schemas.openxmlformats.org/officeDocument/2006/relationships" xmlns:p="http://schemas.openxmlformats.org/presentationml/2006/main" embedTrueTypeFonts="1">
+<p:presentation xmlns:a="http://schemas.openxmlformats.org/drawingml/2006/main" xmlns:r="http://schemas.openxmlformats.org/officeDocument/2006/relationships" xmlns:p="http://schemas.openxmlformats.org/presentationml/2006/main" showSpecialPlsOnTitleSld="0" embedTrueTypeFonts="1">
   <p:sldMasterIdLst>
     <p:sldMasterId id="2147483672" r:id="rId1"/>
   </p:sldMasterIdLst>
   <p:notesMasterIdLst>
-    <p:notesMasterId r:id="rId23"/>
+    <p:notesMasterId r:id="rId21"/>
   </p:notesMasterIdLst>
   <p:sldIdLst>
     <p:sldId id="256" r:id="rId2"/>
@@ -13,36 +13,34 @@
     <p:sldId id="258" r:id="rId4"/>
     <p:sldId id="259" r:id="rId5"/>
     <p:sldId id="260" r:id="rId6"/>
-    <p:sldId id="274" r:id="rId7"/>
-    <p:sldId id="275" r:id="rId8"/>
-    <p:sldId id="261" r:id="rId9"/>
-    <p:sldId id="272" r:id="rId10"/>
-    <p:sldId id="273" r:id="rId11"/>
-    <p:sldId id="262" r:id="rId12"/>
-    <p:sldId id="263" r:id="rId13"/>
-    <p:sldId id="276" r:id="rId14"/>
-    <p:sldId id="264" r:id="rId15"/>
-    <p:sldId id="267" r:id="rId16"/>
-    <p:sldId id="265" r:id="rId17"/>
-    <p:sldId id="266" r:id="rId18"/>
-    <p:sldId id="277" r:id="rId19"/>
-    <p:sldId id="268" r:id="rId20"/>
-    <p:sldId id="269" r:id="rId21"/>
-    <p:sldId id="271" r:id="rId22"/>
+    <p:sldId id="275" r:id="rId7"/>
+    <p:sldId id="261" r:id="rId8"/>
+    <p:sldId id="278" r:id="rId9"/>
+    <p:sldId id="273" r:id="rId10"/>
+    <p:sldId id="262" r:id="rId11"/>
+    <p:sldId id="263" r:id="rId12"/>
+    <p:sldId id="276" r:id="rId13"/>
+    <p:sldId id="264" r:id="rId14"/>
+    <p:sldId id="266" r:id="rId15"/>
+    <p:sldId id="277" r:id="rId16"/>
+    <p:sldId id="268" r:id="rId17"/>
+    <p:sldId id="267" r:id="rId18"/>
+    <p:sldId id="269" r:id="rId19"/>
+    <p:sldId id="271" r:id="rId20"/>
   </p:sldIdLst>
   <p:sldSz cx="9144000" cy="6858000" type="screen4x3"/>
   <p:notesSz cx="6858000" cy="9144000"/>
   <p:embeddedFontLst>
     <p:embeddedFont>
       <p:font typeface="Technika" panose="020B0604020202020204" charset="0"/>
-      <p:regular r:id="rId24"/>
-      <p:bold r:id="rId25"/>
-      <p:italic r:id="rId26"/>
-      <p:boldItalic r:id="rId27"/>
+      <p:regular r:id="rId22"/>
+      <p:bold r:id="rId23"/>
+      <p:italic r:id="rId24"/>
+      <p:boldItalic r:id="rId25"/>
     </p:embeddedFont>
     <p:embeddedFont>
       <p:font typeface="Technika-Bold" panose="00000600000000000000" charset="0"/>
-      <p:regular r:id="rId28"/>
+      <p:regular r:id="rId26"/>
     </p:embeddedFont>
   </p:embeddedFontLst>
   <p:defaultTextStyle>
@@ -184,6 +182,20 @@
       <pc:sldMk xmlns:pc="http://schemas.microsoft.com/office/powerpoint/2013/main/command" cId="2796476723" sldId="273"/>
       <ac:picMk id="5" creationId="{87E0771F-A9B8-A4C5-55FF-4E4E5EFFAD96}"/>
     </ac:deMkLst>
+    <p188:replyLst>
+      <p188:reply id="{15118F83-95B2-4249-9A4C-86EE49474C1B}" authorId="{6529B679-E021-05CF-90FB-DF191BF6397B}" created="2024-06-04T08:29:09.742">
+        <p188:txBody>
+          <a:bodyPr/>
+          <a:lstStyle/>
+          <a:p>
+            <a:r>
+              <a:rPr lang="cs-CZ"/>
+              <a:t>A možná to udělat aby to bylo lépe vidět</a:t>
+            </a:r>
+          </a:p>
+        </p188:txBody>
+      </p188:reply>
+    </p188:replyLst>
     <p188:txBody>
       <a:bodyPr/>
       <a:lstStyle/>
@@ -281,7 +293,7 @@
           <a:p>
             <a:fld id="{CE655661-5C00-4D03-9EFE-BA5893C7AC68}" type="datetimeFigureOut">
               <a:rPr lang="cs-CZ" smtClean="0"/>
-              <a:t>03.06.2024</a:t>
+              <a:t>04.06.2024</a:t>
             </a:fld>
             <a:endParaRPr lang="cs-CZ"/>
           </a:p>
@@ -594,6 +606,12 @@
           <a:lstStyle/>
           <a:p>
             <a:r>
+              <a:rPr lang="en-US" noProof="0" dirty="0"/>
+              <a:t>0-0:20</a:t>
+            </a:r>
+          </a:p>
+          <a:p>
+            <a:r>
               <a:rPr lang="cs-CZ" noProof="0" dirty="0"/>
               <a:t>Vážená komise,</a:t>
             </a:r>
@@ -853,43 +871,107 @@
           <a:p>
             <a:r>
               <a:rPr lang="en-US" dirty="0" err="1"/>
-              <a:t>Jsou</a:t>
-            </a:r>
-            <a:r>
-              <a:rPr lang="en-US" dirty="0"/>
-              <a:t> </a:t>
-            </a:r>
-            <a:r>
-              <a:rPr lang="en-US" dirty="0" err="1"/>
-              <a:t>dvě</a:t>
-            </a:r>
-            <a:r>
-              <a:rPr lang="en-US" dirty="0"/>
-              <a:t> </a:t>
-            </a:r>
-            <a:r>
-              <a:rPr lang="en-US" dirty="0" err="1"/>
-              <a:t>mody</a:t>
-            </a:r>
-            <a:r>
-              <a:rPr lang="en-US" dirty="0"/>
-              <a:t> pod </a:t>
-            </a:r>
-            <a:r>
-              <a:rPr lang="en-US" dirty="0" err="1"/>
-              <a:t>kterými</a:t>
-            </a:r>
-            <a:r>
-              <a:rPr lang="en-US" dirty="0"/>
-              <a:t> </a:t>
-            </a:r>
-            <a:r>
-              <a:rPr lang="en-US" dirty="0" err="1"/>
-              <a:t>může</a:t>
-            </a:r>
-            <a:r>
-              <a:rPr lang="en-US" dirty="0"/>
-              <a:t> operator </a:t>
+              <a:t>Zde</a:t>
+            </a:r>
+            <a:r>
+              <a:rPr lang="en-US" dirty="0"/>
+              <a:t> </a:t>
+            </a:r>
+            <a:r>
+              <a:rPr lang="en-US" dirty="0" err="1"/>
+              <a:t>mužete</a:t>
+            </a:r>
+            <a:r>
+              <a:rPr lang="en-US" dirty="0"/>
+              <a:t> </a:t>
+            </a:r>
+            <a:r>
+              <a:rPr lang="en-US" dirty="0" err="1"/>
+              <a:t>vidět</a:t>
+            </a:r>
+            <a:r>
+              <a:rPr lang="en-US" dirty="0"/>
+              <a:t> </a:t>
+            </a:r>
+            <a:r>
+              <a:rPr lang="en-US" dirty="0" err="1"/>
+              <a:t>přihlašovací</a:t>
+            </a:r>
+            <a:r>
+              <a:rPr lang="en-US" dirty="0"/>
+              <a:t> </a:t>
+            </a:r>
+            <a:r>
+              <a:rPr lang="en-US" dirty="0" err="1"/>
+              <a:t>okoale</a:t>
+            </a:r>
+            <a:r>
+              <a:rPr lang="en-US" dirty="0"/>
+              <a:t> </a:t>
+            </a:r>
+            <a:r>
+              <a:rPr lang="en-US" dirty="0" err="1"/>
+              <a:t>můžete</a:t>
+            </a:r>
+            <a:r>
+              <a:rPr lang="en-US" dirty="0"/>
+              <a:t> </a:t>
+            </a:r>
+            <a:r>
+              <a:rPr lang="en-US" dirty="0" err="1"/>
+              <a:t>zde</a:t>
+            </a:r>
+            <a:r>
+              <a:rPr lang="en-US" dirty="0"/>
+              <a:t> </a:t>
+            </a:r>
+            <a:r>
+              <a:rPr lang="en-US" dirty="0" err="1"/>
+              <a:t>vidět</a:t>
+            </a:r>
+            <a:r>
+              <a:rPr lang="en-US" dirty="0"/>
+              <a:t> jak je program </a:t>
+            </a:r>
+            <a:r>
+              <a:rPr lang="en-US" dirty="0" err="1"/>
+              <a:t>schopen</a:t>
+            </a:r>
+            <a:r>
+              <a:rPr lang="en-US" dirty="0"/>
+              <a:t> </a:t>
+            </a:r>
+            <a:r>
+              <a:rPr lang="en-US" dirty="0" err="1"/>
+              <a:t>změnit</a:t>
+            </a:r>
+            <a:r>
+              <a:rPr lang="en-US" dirty="0"/>
+              <a:t> </a:t>
+            </a:r>
+            <a:r>
+              <a:rPr lang="en-US" dirty="0" err="1"/>
+              <a:t>svůj</a:t>
+            </a:r>
+            <a:r>
+              <a:rPr lang="en-US" dirty="0"/>
+              <a:t> </a:t>
+            </a:r>
+            <a:r>
+              <a:rPr lang="en-US" dirty="0" err="1"/>
+              <a:t>motiv</a:t>
+            </a:r>
+            <a:r>
+              <a:rPr lang="en-US" dirty="0"/>
+              <a:t> ze </a:t>
+            </a:r>
+            <a:r>
+              <a:rPr lang="en-US" dirty="0" err="1"/>
+              <a:t>světlého</a:t>
+            </a:r>
+            <a:r>
+              <a:rPr lang="en-US" dirty="0"/>
+              <a:t> </a:t>
             </a:r>
             <a:r>
               <a:rPr lang="en-US" dirty="0" err="1"/>
@@ -901,49 +983,89 @@
             </a:r>
             <a:r>
               <a:rPr lang="en-US" dirty="0" err="1"/>
-              <a:t>soustavě</a:t>
-            </a:r>
-            <a:r>
-              <a:rPr lang="en-US" dirty="0"/>
-              <a:t> </a:t>
-            </a:r>
-            <a:r>
-              <a:rPr lang="en-US" dirty="0" err="1"/>
-              <a:t>pracovat</a:t>
-            </a:r>
-            <a:r>
-              <a:rPr lang="en-US" dirty="0"/>
-              <a:t> bud </a:t>
-            </a:r>
-            <a:r>
-              <a:rPr lang="en-US" dirty="0" err="1"/>
-              <a:t>jako</a:t>
-            </a:r>
-            <a:r>
-              <a:rPr lang="en-US" dirty="0"/>
-              <a:t> </a:t>
-            </a:r>
-            <a:r>
-              <a:rPr lang="en-US" dirty="0" err="1"/>
-              <a:t>uživatel</a:t>
-            </a:r>
-            <a:r>
-              <a:rPr lang="en-US" dirty="0"/>
-              <a:t> </a:t>
-            </a:r>
-            <a:r>
-              <a:rPr lang="en-US" dirty="0" err="1"/>
-              <a:t>nebo</a:t>
-            </a:r>
-            <a:r>
-              <a:rPr lang="en-US" dirty="0"/>
-              <a:t> </a:t>
-            </a:r>
-            <a:r>
-              <a:rPr lang="en-US" dirty="0" err="1"/>
-              <a:t>administrátor</a:t>
-            </a:r>
-            <a:endParaRPr lang="en-US" dirty="0"/>
+              <a:t>tmavý</a:t>
+            </a:r>
+            <a:r>
+              <a:rPr lang="en-US" dirty="0"/>
+              <a:t> </a:t>
+            </a:r>
+            <a:r>
+              <a:rPr lang="en-US" dirty="0" err="1"/>
+              <a:t>pomocí</a:t>
+            </a:r>
+            <a:r>
+              <a:rPr lang="en-US" dirty="0"/>
+              <a:t> </a:t>
+            </a:r>
+            <a:r>
+              <a:rPr lang="en-US" dirty="0" err="1"/>
+              <a:t>dá</a:t>
+            </a:r>
+            <a:r>
+              <a:rPr lang="en-US" dirty="0"/>
+              <a:t> se </a:t>
+            </a:r>
+            <a:r>
+              <a:rPr lang="en-US" dirty="0" err="1"/>
+              <a:t>říct</a:t>
+            </a:r>
+            <a:r>
+              <a:rPr lang="en-US" dirty="0"/>
+              <a:t> </a:t>
+            </a:r>
+            <a:r>
+              <a:rPr lang="en-US" dirty="0" err="1"/>
+              <a:t>jednoho</a:t>
+            </a:r>
+            <a:r>
+              <a:rPr lang="en-US" dirty="0"/>
+              <a:t> </a:t>
+            </a:r>
+            <a:r>
+              <a:rPr lang="en-US" dirty="0" err="1"/>
+              <a:t>řádku</a:t>
+            </a:r>
+            <a:r>
+              <a:rPr lang="en-US" dirty="0"/>
+              <a:t> a </a:t>
+            </a:r>
+            <a:r>
+              <a:rPr lang="en-US" dirty="0" err="1"/>
+              <a:t>komponenty</a:t>
+            </a:r>
+            <a:r>
+              <a:rPr lang="en-US" dirty="0"/>
+              <a:t> </a:t>
+            </a:r>
+            <a:r>
+              <a:rPr lang="en-US" dirty="0" err="1"/>
+              <a:t>která</a:t>
+            </a:r>
+            <a:r>
+              <a:rPr lang="en-US" dirty="0"/>
+              <a:t> </a:t>
+            </a:r>
+            <a:r>
+              <a:rPr lang="en-US" dirty="0" err="1"/>
+              <a:t>tento</a:t>
+            </a:r>
+            <a:r>
+              <a:rPr lang="en-US" dirty="0"/>
+              <a:t> </a:t>
+            </a:r>
+            <a:r>
+              <a:rPr lang="en-US" dirty="0" err="1"/>
+              <a:t>kód</a:t>
+            </a:r>
+            <a:r>
+              <a:rPr lang="en-US" dirty="0"/>
+              <a:t> </a:t>
+            </a:r>
+            <a:r>
+              <a:rPr lang="en-US" dirty="0" err="1"/>
+              <a:t>spustí</a:t>
+            </a:r>
+            <a:endParaRPr lang="cs-CZ" dirty="0"/>
           </a:p>
         </p:txBody>
       </p:sp>
@@ -964,7 +1086,7 @@
           <a:p>
             <a:fld id="{40499985-F144-4F30-9B65-93EDEC442801}" type="slidenum">
               <a:rPr lang="cs-CZ" smtClean="0"/>
-              <a:t>14</a:t>
+              <a:t>11</a:t>
             </a:fld>
             <a:endParaRPr lang="cs-CZ"/>
           </a:p>
@@ -973,7 +1095,7 @@
     </p:spTree>
     <p:extLst>
       <p:ext uri="{BB962C8B-B14F-4D97-AF65-F5344CB8AC3E}">
-        <p14:creationId xmlns:p14="http://schemas.microsoft.com/office/powerpoint/2010/main" val="763637307"/>
+        <p14:creationId xmlns:p14="http://schemas.microsoft.com/office/powerpoint/2010/main" val="2969818195"/>
       </p:ext>
     </p:extLst>
   </p:cSld>
@@ -1028,8 +1150,94 @@
           <a:lstStyle/>
           <a:p>
             <a:r>
-              <a:rPr lang="en-US" dirty="0" err="1"/>
-              <a:t>Pokud</a:t>
+              <a:rPr lang="en-US" dirty="0"/>
+              <a:t>5:36-6:28</a:t>
+            </a:r>
+          </a:p>
+          <a:p>
+            <a:r>
+              <a:rPr lang="en-US" dirty="0" err="1"/>
+              <a:t>Tohle</a:t>
+            </a:r>
+            <a:r>
+              <a:rPr lang="en-US" dirty="0"/>
+              <a:t> </a:t>
+            </a:r>
+            <a:r>
+              <a:rPr lang="en-US" dirty="0" err="1"/>
+              <a:t>oknou</a:t>
+            </a:r>
+            <a:r>
+              <a:rPr lang="en-US" dirty="0"/>
+              <a:t> </a:t>
+            </a:r>
+            <a:r>
+              <a:rPr lang="en-US" dirty="0" err="1"/>
+              <a:t>slouží</a:t>
+            </a:r>
+            <a:r>
+              <a:rPr lang="en-US" dirty="0"/>
+              <a:t> k </a:t>
+            </a:r>
+            <a:r>
+              <a:rPr lang="en-US" dirty="0" err="1"/>
+              <a:t>tomu</a:t>
+            </a:r>
+            <a:r>
+              <a:rPr lang="en-US" dirty="0"/>
+              <a:t> aby se </a:t>
+            </a:r>
+            <a:r>
+              <a:rPr lang="en-US" dirty="0" err="1"/>
+              <a:t>pracovník</a:t>
+            </a:r>
+            <a:r>
+              <a:rPr lang="en-US" dirty="0"/>
+              <a:t> u </a:t>
+            </a:r>
+            <a:r>
+              <a:rPr lang="en-US" dirty="0" err="1"/>
+              <a:t>soustavy</a:t>
+            </a:r>
+            <a:r>
+              <a:rPr lang="en-US" dirty="0"/>
+              <a:t> </a:t>
+            </a:r>
+            <a:r>
+              <a:rPr lang="en-US" dirty="0" err="1"/>
+              <a:t>identifikoval</a:t>
+            </a:r>
+            <a:r>
+              <a:rPr lang="en-US" dirty="0"/>
+              <a:t> bud </a:t>
+            </a:r>
+            <a:r>
+              <a:rPr lang="en-US" dirty="0" err="1"/>
+              <a:t>jako</a:t>
+            </a:r>
+            <a:r>
+              <a:rPr lang="en-US" dirty="0"/>
+              <a:t> administrator </a:t>
+            </a:r>
+            <a:r>
+              <a:rPr lang="en-US" dirty="0" err="1"/>
+              <a:t>nebo</a:t>
+            </a:r>
+            <a:r>
+              <a:rPr lang="en-US" dirty="0"/>
+              <a:t> </a:t>
+            </a:r>
+            <a:r>
+              <a:rPr lang="en-US" dirty="0" err="1"/>
+              <a:t>uživatel</a:t>
+            </a:r>
+            <a:r>
+              <a:rPr lang="en-US" dirty="0"/>
+              <a:t> </a:t>
+            </a:r>
+            <a:r>
+              <a:rPr lang="en-US" dirty="0" err="1"/>
+              <a:t>pokud</a:t>
             </a:r>
             <a:r>
               <a:rPr lang="en-US" dirty="0"/>
@@ -1037,313 +1245,57 @@
             </a:r>
             <a:r>
               <a:rPr lang="en-US" dirty="0" err="1"/>
-              <a:t>uživat</a:t>
-            </a:r>
-            <a:r>
-              <a:rPr lang="en-US" dirty="0"/>
-              <a:t> </a:t>
-            </a:r>
-            <a:r>
-              <a:rPr lang="en-US" dirty="0" err="1"/>
-              <a:t>uspešně</a:t>
-            </a:r>
-            <a:r>
-              <a:rPr lang="en-US" dirty="0"/>
-              <a:t> </a:t>
-            </a:r>
-            <a:r>
-              <a:rPr lang="en-US" dirty="0" err="1"/>
-              <a:t>přihlásí</a:t>
-            </a:r>
-            <a:r>
-              <a:rPr lang="en-US" dirty="0"/>
-              <a:t> </a:t>
-            </a:r>
-            <a:r>
-              <a:rPr lang="en-US" dirty="0" err="1"/>
-              <a:t>zobrazí</a:t>
-            </a:r>
-            <a:r>
-              <a:rPr lang="en-US" dirty="0"/>
-              <a:t> se mu toto </a:t>
-            </a:r>
-            <a:r>
-              <a:rPr lang="en-US" dirty="0" err="1"/>
-              <a:t>okno</a:t>
+              <a:t>nedokže</a:t>
+            </a:r>
+            <a:r>
+              <a:rPr lang="en-US" dirty="0"/>
+              <a:t> </a:t>
+            </a:r>
+            <a:r>
+              <a:rPr lang="en-US" dirty="0" err="1"/>
+              <a:t>identifikovat</a:t>
+            </a:r>
+            <a:r>
+              <a:rPr lang="en-US" dirty="0"/>
+              <a:t> </a:t>
+            </a:r>
+            <a:r>
+              <a:rPr lang="en-US" dirty="0" err="1"/>
+              <a:t>jako</a:t>
+            </a:r>
+            <a:r>
+              <a:rPr lang="en-US" dirty="0"/>
+              <a:t> ani </a:t>
+            </a:r>
+            <a:r>
+              <a:rPr lang="en-US" dirty="0" err="1"/>
+              <a:t>jeden</a:t>
+            </a:r>
+            <a:r>
+              <a:rPr lang="en-US" dirty="0"/>
+              <a:t> </a:t>
+            </a:r>
+            <a:r>
+              <a:rPr lang="en-US" dirty="0" err="1"/>
+              <a:t>bude</a:t>
+            </a:r>
+            <a:r>
+              <a:rPr lang="en-US" dirty="0"/>
+              <a:t> mu </a:t>
+            </a:r>
+            <a:r>
+              <a:rPr lang="en-US" dirty="0" err="1"/>
+              <a:t>přístup</a:t>
+            </a:r>
+            <a:r>
+              <a:rPr lang="en-US" dirty="0"/>
+              <a:t> </a:t>
+            </a:r>
+            <a:r>
+              <a:rPr lang="en-US" dirty="0" err="1"/>
+              <a:t>odepřen</a:t>
             </a:r>
             <a:endParaRPr lang="en-US" dirty="0"/>
-          </a:p>
-          <a:p>
-            <a:r>
-              <a:rPr lang="en-US" dirty="0"/>
-              <a:t>V </a:t>
-            </a:r>
-            <a:r>
-              <a:rPr lang="en-US" dirty="0" err="1"/>
-              <a:t>levé</a:t>
-            </a:r>
-            <a:r>
-              <a:rPr lang="en-US" dirty="0"/>
-              <a:t> </a:t>
-            </a:r>
-            <a:r>
-              <a:rPr lang="en-US" dirty="0" err="1"/>
-              <a:t>části</a:t>
-            </a:r>
-            <a:r>
-              <a:rPr lang="en-US" dirty="0"/>
-              <a:t> </a:t>
-            </a:r>
-            <a:r>
-              <a:rPr lang="en-US" dirty="0" err="1"/>
-              <a:t>okna</a:t>
-            </a:r>
-            <a:r>
-              <a:rPr lang="en-US" dirty="0"/>
-              <a:t> se </a:t>
-            </a:r>
-            <a:r>
-              <a:rPr lang="en-US" dirty="0" err="1"/>
-              <a:t>nachízí</a:t>
-            </a:r>
-            <a:r>
-              <a:rPr lang="en-US" dirty="0"/>
-              <a:t> </a:t>
-            </a:r>
-            <a:r>
-              <a:rPr lang="en-US" dirty="0" err="1"/>
-              <a:t>přčedvolené</a:t>
-            </a:r>
-            <a:r>
-              <a:rPr lang="en-US" dirty="0"/>
-              <a:t> </a:t>
-            </a:r>
-            <a:r>
-              <a:rPr lang="en-US" dirty="0" err="1"/>
-              <a:t>akce</a:t>
-            </a:r>
-            <a:r>
-              <a:rPr lang="en-US" dirty="0"/>
-              <a:t> </a:t>
-            </a:r>
-            <a:r>
-              <a:rPr lang="en-US" dirty="0" err="1"/>
-              <a:t>které</a:t>
-            </a:r>
-            <a:r>
-              <a:rPr lang="en-US" dirty="0"/>
-              <a:t> </a:t>
-            </a:r>
-            <a:r>
-              <a:rPr lang="en-US" dirty="0" err="1"/>
-              <a:t>vykonávají</a:t>
-            </a:r>
-            <a:r>
-              <a:rPr lang="en-US" dirty="0"/>
-              <a:t> </a:t>
-            </a:r>
-            <a:r>
-              <a:rPr lang="en-US" dirty="0" err="1"/>
-              <a:t>sekvenci</a:t>
-            </a:r>
-            <a:r>
-              <a:rPr lang="en-US" dirty="0"/>
-              <a:t> </a:t>
-            </a:r>
-            <a:r>
-              <a:rPr lang="en-US" dirty="0" err="1"/>
-              <a:t>pohybu</a:t>
-            </a:r>
-            <a:endParaRPr lang="en-US" dirty="0"/>
-          </a:p>
-          <a:p>
-            <a:r>
-              <a:rPr lang="en-US" dirty="0" err="1"/>
-              <a:t>Uprostřed</a:t>
-            </a:r>
-            <a:r>
-              <a:rPr lang="en-US" dirty="0"/>
-              <a:t> se </a:t>
-            </a:r>
-            <a:r>
-              <a:rPr lang="en-US" dirty="0" err="1"/>
-              <a:t>nachází</a:t>
-            </a:r>
-            <a:r>
-              <a:rPr lang="en-US" dirty="0"/>
-              <a:t> </a:t>
-            </a:r>
-            <a:r>
-              <a:rPr lang="en-US" dirty="0" err="1"/>
-              <a:t>samotné</a:t>
-            </a:r>
-            <a:r>
-              <a:rPr lang="en-US" dirty="0"/>
-              <a:t> </a:t>
-            </a:r>
-            <a:r>
-              <a:rPr lang="en-US" dirty="0" err="1"/>
-              <a:t>nezávislé</a:t>
-            </a:r>
-            <a:r>
-              <a:rPr lang="en-US" dirty="0"/>
-              <a:t> </a:t>
-            </a:r>
-            <a:r>
-              <a:rPr lang="en-US" dirty="0" err="1"/>
-              <a:t>ovládání</a:t>
-            </a:r>
-            <a:r>
-              <a:rPr lang="en-US" dirty="0"/>
-              <a:t> </a:t>
-            </a:r>
-            <a:r>
-              <a:rPr lang="en-US" dirty="0" err="1"/>
-              <a:t>kde</a:t>
-            </a:r>
-            <a:r>
-              <a:rPr lang="en-US" dirty="0"/>
-              <a:t> </a:t>
-            </a:r>
-            <a:r>
-              <a:rPr lang="en-US" dirty="0" err="1"/>
-              <a:t>může</a:t>
-            </a:r>
-            <a:r>
-              <a:rPr lang="en-US" dirty="0"/>
-              <a:t> </a:t>
-            </a:r>
-            <a:r>
-              <a:rPr lang="en-US" dirty="0" err="1"/>
-              <a:t>uživatel</a:t>
-            </a:r>
-            <a:r>
-              <a:rPr lang="en-US" dirty="0"/>
-              <a:t> </a:t>
-            </a:r>
-            <a:r>
-              <a:rPr lang="en-US" dirty="0" err="1"/>
-              <a:t>ovládat</a:t>
-            </a:r>
-            <a:r>
-              <a:rPr lang="en-US" dirty="0"/>
-              <a:t> </a:t>
-            </a:r>
-            <a:r>
-              <a:rPr lang="en-US" dirty="0" err="1"/>
-              <a:t>každý</a:t>
-            </a:r>
-            <a:r>
-              <a:rPr lang="en-US" dirty="0"/>
-              <a:t> </a:t>
-            </a:r>
-            <a:r>
-              <a:rPr lang="en-US" dirty="0" err="1"/>
-              <a:t>sval</a:t>
-            </a:r>
-            <a:r>
-              <a:rPr lang="en-US" dirty="0"/>
-              <a:t> </a:t>
-            </a:r>
-            <a:r>
-              <a:rPr lang="en-US" dirty="0" err="1"/>
-              <a:t>samostatně</a:t>
-            </a:r>
-            <a:r>
-              <a:rPr lang="en-US" dirty="0"/>
-              <a:t> </a:t>
-            </a:r>
-          </a:p>
-          <a:p>
-            <a:r>
-              <a:rPr lang="en-US" dirty="0"/>
-              <a:t>A v </a:t>
-            </a:r>
-            <a:r>
-              <a:rPr lang="en-US" dirty="0" err="1"/>
-              <a:t>pravé</a:t>
-            </a:r>
-            <a:r>
-              <a:rPr lang="en-US" dirty="0"/>
-              <a:t> </a:t>
-            </a:r>
-            <a:r>
-              <a:rPr lang="en-US" dirty="0" err="1"/>
-              <a:t>části</a:t>
-            </a:r>
-            <a:r>
-              <a:rPr lang="en-US" dirty="0"/>
-              <a:t> se </a:t>
-            </a:r>
-            <a:r>
-              <a:rPr lang="en-US" dirty="0" err="1"/>
-              <a:t>nachízí</a:t>
-            </a:r>
-            <a:r>
-              <a:rPr lang="en-US" dirty="0"/>
-              <a:t> </a:t>
-            </a:r>
-            <a:r>
-              <a:rPr lang="en-US" dirty="0" err="1"/>
-              <a:t>jednotky</a:t>
-            </a:r>
-            <a:r>
-              <a:rPr lang="en-US" dirty="0"/>
-              <a:t> </a:t>
-            </a:r>
-            <a:r>
-              <a:rPr lang="en-US" dirty="0" err="1"/>
-              <a:t>pomocí</a:t>
-            </a:r>
-            <a:r>
-              <a:rPr lang="en-US" dirty="0"/>
-              <a:t> </a:t>
-            </a:r>
-            <a:r>
-              <a:rPr lang="en-US" dirty="0" err="1"/>
-              <a:t>kterých</a:t>
-            </a:r>
-            <a:r>
-              <a:rPr lang="en-US" dirty="0"/>
-              <a:t> </a:t>
-            </a:r>
-            <a:r>
-              <a:rPr lang="en-US" dirty="0" err="1"/>
-              <a:t>může</a:t>
-            </a:r>
-            <a:r>
-              <a:rPr lang="en-US" dirty="0"/>
-              <a:t> </a:t>
-            </a:r>
-            <a:r>
-              <a:rPr lang="en-US" dirty="0" err="1"/>
-              <a:t>uživatel</a:t>
-            </a:r>
-            <a:r>
-              <a:rPr lang="en-US" dirty="0"/>
-              <a:t> </a:t>
-            </a:r>
-            <a:r>
-              <a:rPr lang="en-US" dirty="0" err="1"/>
-              <a:t>danou</a:t>
-            </a:r>
-            <a:r>
-              <a:rPr lang="en-US" dirty="0"/>
-              <a:t> </a:t>
-            </a:r>
-            <a:r>
-              <a:rPr lang="en-US" dirty="0" err="1"/>
-              <a:t>soustavu</a:t>
-            </a:r>
-            <a:r>
-              <a:rPr lang="en-US" dirty="0"/>
-              <a:t> </a:t>
-            </a:r>
-            <a:r>
-              <a:rPr lang="en-US" dirty="0" err="1"/>
-              <a:t>ovládat</a:t>
-            </a:r>
-            <a:endParaRPr lang="cs-CZ" dirty="0"/>
           </a:p>
         </p:txBody>
       </p:sp>
@@ -1364,7 +1316,7 @@
           <a:p>
             <a:fld id="{40499985-F144-4F30-9B65-93EDEC442801}" type="slidenum">
               <a:rPr lang="cs-CZ" smtClean="0"/>
-              <a:t>15</a:t>
+              <a:t>12</a:t>
             </a:fld>
             <a:endParaRPr lang="cs-CZ"/>
           </a:p>
@@ -1373,7 +1325,7 @@
     </p:spTree>
     <p:extLst>
       <p:ext uri="{BB962C8B-B14F-4D97-AF65-F5344CB8AC3E}">
-        <p14:creationId xmlns:p14="http://schemas.microsoft.com/office/powerpoint/2010/main" val="75704005"/>
+        <p14:creationId xmlns:p14="http://schemas.microsoft.com/office/powerpoint/2010/main" val="4058845635"/>
       </p:ext>
     </p:extLst>
   </p:cSld>
@@ -1429,173 +1381,43 @@
           <a:p>
             <a:r>
               <a:rPr lang="en-US" dirty="0" err="1"/>
-              <a:t>Nynní</a:t>
-            </a:r>
-            <a:r>
-              <a:rPr lang="en-US" dirty="0"/>
-              <a:t> se </a:t>
-            </a:r>
-            <a:r>
-              <a:rPr lang="en-US" dirty="0" err="1"/>
-              <a:t>ještě</a:t>
-            </a:r>
-            <a:r>
-              <a:rPr lang="en-US" dirty="0"/>
-              <a:t> v </a:t>
-            </a:r>
-            <a:r>
-              <a:rPr lang="en-US" dirty="0" err="1"/>
-              <a:t>rychlosti</a:t>
-            </a:r>
-            <a:r>
-              <a:rPr lang="en-US" dirty="0"/>
-              <a:t> </a:t>
-            </a:r>
-            <a:r>
-              <a:rPr lang="en-US" dirty="0" err="1"/>
-              <a:t>vrátíme</a:t>
-            </a:r>
-            <a:r>
-              <a:rPr lang="en-US" dirty="0"/>
-              <a:t> k </a:t>
-            </a:r>
-            <a:r>
-              <a:rPr lang="en-US" dirty="0" err="1"/>
-              <a:t>tomu</a:t>
-            </a:r>
-            <a:r>
-              <a:rPr lang="en-US" dirty="0"/>
-              <a:t> jak se </a:t>
-            </a:r>
-            <a:r>
-              <a:rPr lang="en-US" dirty="0" err="1"/>
-              <a:t>vubec</a:t>
-            </a:r>
-            <a:r>
-              <a:rPr lang="en-US" dirty="0"/>
-              <a:t> </a:t>
-            </a:r>
-            <a:r>
-              <a:rPr lang="en-US" dirty="0" err="1"/>
-              <a:t>daná</a:t>
-            </a:r>
-            <a:r>
-              <a:rPr lang="en-US" dirty="0"/>
-              <a:t> </a:t>
-            </a:r>
-            <a:r>
-              <a:rPr lang="en-US" dirty="0" err="1"/>
-              <a:t>soustava</a:t>
-            </a:r>
-            <a:r>
-              <a:rPr lang="en-US" dirty="0"/>
-              <a:t> </a:t>
-            </a:r>
-            <a:r>
-              <a:rPr lang="en-US" dirty="0" err="1"/>
-              <a:t>pohybuje</a:t>
-            </a:r>
-            <a:r>
-              <a:rPr lang="en-US" dirty="0"/>
-              <a:t> </a:t>
-            </a:r>
-          </a:p>
-          <a:p>
-            <a:r>
-              <a:rPr lang="en-US" dirty="0" err="1"/>
-              <a:t>Například</a:t>
-            </a:r>
-            <a:r>
-              <a:rPr lang="en-US" dirty="0"/>
-              <a:t> </a:t>
-            </a:r>
-            <a:r>
-              <a:rPr lang="en-US" dirty="0" err="1"/>
-              <a:t>velice</a:t>
-            </a:r>
-            <a:r>
-              <a:rPr lang="en-US" dirty="0"/>
-              <a:t> </a:t>
-            </a:r>
-            <a:r>
-              <a:rPr lang="en-US" dirty="0" err="1"/>
-              <a:t>dobře</a:t>
-            </a:r>
-            <a:r>
-              <a:rPr lang="en-US" dirty="0"/>
-              <a:t> se </a:t>
-            </a:r>
-            <a:r>
-              <a:rPr lang="en-US" dirty="0" err="1"/>
-              <a:t>pracuje</a:t>
-            </a:r>
-            <a:r>
-              <a:rPr lang="en-US" dirty="0"/>
-              <a:t> s mV v </a:t>
-            </a:r>
-            <a:r>
-              <a:rPr lang="en-US" dirty="0" err="1"/>
-              <a:t>gui</a:t>
-            </a:r>
-            <a:r>
-              <a:rPr lang="en-US" dirty="0"/>
-              <a:t> </a:t>
-            </a:r>
-            <a:r>
-              <a:rPr lang="en-US" dirty="0" err="1"/>
-              <a:t>si</a:t>
-            </a:r>
-            <a:r>
-              <a:rPr lang="en-US" dirty="0"/>
-              <a:t> </a:t>
-            </a:r>
-            <a:r>
-              <a:rPr lang="en-US" dirty="0" err="1"/>
-              <a:t>můžeem</a:t>
-            </a:r>
-            <a:r>
-              <a:rPr lang="en-US" dirty="0"/>
-              <a:t> </a:t>
-            </a:r>
-            <a:r>
-              <a:rPr lang="en-US" dirty="0" err="1"/>
-              <a:t>pomocí</a:t>
-            </a:r>
-            <a:r>
-              <a:rPr lang="en-US" dirty="0"/>
-              <a:t> </a:t>
-            </a:r>
-            <a:r>
-              <a:rPr lang="en-US" dirty="0" err="1"/>
-              <a:t>tlačítka</a:t>
-            </a:r>
-            <a:r>
-              <a:rPr lang="en-US" dirty="0"/>
-              <a:t> </a:t>
-            </a:r>
-            <a:r>
-              <a:rPr lang="en-US" dirty="0" err="1"/>
-              <a:t>zobrazit</a:t>
-            </a:r>
-            <a:r>
-              <a:rPr lang="en-US" dirty="0"/>
-              <a:t> </a:t>
-            </a:r>
-            <a:r>
-              <a:rPr lang="en-US" dirty="0" err="1"/>
-              <a:t>jednotlivé</a:t>
-            </a:r>
-            <a:r>
-              <a:rPr lang="en-US" dirty="0"/>
-              <a:t> </a:t>
-            </a:r>
-            <a:r>
-              <a:rPr lang="en-US" dirty="0" err="1"/>
-              <a:t>napšětí</a:t>
-            </a:r>
-            <a:r>
-              <a:rPr lang="en-US" dirty="0"/>
-              <a:t> </a:t>
+              <a:t>Jsou</a:t>
+            </a:r>
+            <a:r>
+              <a:rPr lang="en-US" dirty="0"/>
+              <a:t> </a:t>
+            </a:r>
+            <a:r>
+              <a:rPr lang="en-US" dirty="0" err="1"/>
+              <a:t>dvě</a:t>
+            </a:r>
+            <a:r>
+              <a:rPr lang="en-US" dirty="0"/>
+              <a:t> </a:t>
+            </a:r>
+            <a:r>
+              <a:rPr lang="en-US" dirty="0" err="1"/>
+              <a:t>mody</a:t>
+            </a:r>
+            <a:r>
+              <a:rPr lang="en-US" dirty="0"/>
+              <a:t> pod </a:t>
+            </a:r>
+            <a:r>
+              <a:rPr lang="en-US" dirty="0" err="1"/>
+              <a:t>kterými</a:t>
+            </a:r>
+            <a:r>
+              <a:rPr lang="en-US" dirty="0"/>
+              <a:t> </a:t>
+            </a:r>
+            <a:r>
+              <a:rPr lang="en-US" dirty="0" err="1"/>
+              <a:t>může</a:t>
+            </a:r>
+            <a:r>
+              <a:rPr lang="en-US" dirty="0"/>
+              <a:t> operator </a:t>
             </a:r>
             <a:r>
               <a:rPr lang="en-US" dirty="0" err="1"/>
@@ -1607,327 +1429,47 @@
             </a:r>
             <a:r>
               <a:rPr lang="en-US" dirty="0" err="1"/>
-              <a:t>každém</a:t>
-            </a:r>
-            <a:r>
-              <a:rPr lang="en-US" dirty="0"/>
-              <a:t> </a:t>
-            </a:r>
-            <a:r>
-              <a:rPr lang="en-US" dirty="0" err="1"/>
-              <a:t>krokovém</a:t>
-            </a:r>
-            <a:r>
-              <a:rPr lang="en-US" dirty="0"/>
-              <a:t> </a:t>
-            </a:r>
-            <a:r>
-              <a:rPr lang="en-US" dirty="0" err="1"/>
-              <a:t>motoru</a:t>
-            </a:r>
-            <a:r>
-              <a:rPr lang="en-US" dirty="0"/>
-              <a:t> a </a:t>
-            </a:r>
-            <a:r>
-              <a:rPr lang="en-US" dirty="0" err="1"/>
-              <a:t>potom</a:t>
-            </a:r>
-            <a:r>
-              <a:rPr lang="en-US" dirty="0"/>
-              <a:t> se </a:t>
-            </a:r>
-            <a:r>
-              <a:rPr lang="en-US" dirty="0" err="1"/>
-              <a:t>rozhodneme</a:t>
-            </a:r>
-            <a:r>
-              <a:rPr lang="en-US" dirty="0"/>
-              <a:t> </a:t>
-            </a:r>
-            <a:r>
-              <a:rPr lang="en-US" dirty="0" err="1"/>
-              <a:t>například</a:t>
-            </a:r>
-            <a:r>
-              <a:rPr lang="en-US" dirty="0"/>
-              <a:t> </a:t>
-            </a:r>
-            <a:r>
-              <a:rPr lang="en-US" dirty="0" err="1"/>
-              <a:t>že</a:t>
-            </a:r>
-            <a:r>
-              <a:rPr lang="en-US" dirty="0"/>
-              <a:t> </a:t>
-            </a:r>
-            <a:r>
-              <a:rPr lang="en-US" dirty="0" err="1"/>
-              <a:t>chcme</a:t>
-            </a:r>
-            <a:r>
-              <a:rPr lang="en-US" dirty="0"/>
-              <a:t> </a:t>
-            </a:r>
-            <a:r>
-              <a:rPr lang="en-US" dirty="0" err="1"/>
-              <a:t>napětí</a:t>
-            </a:r>
-            <a:r>
-              <a:rPr lang="en-US" dirty="0"/>
-              <a:t> </a:t>
-            </a:r>
-            <a:r>
-              <a:rPr lang="en-US" dirty="0" err="1"/>
-              <a:t>zvýšit</a:t>
-            </a:r>
-            <a:r>
-              <a:rPr lang="en-US" dirty="0"/>
-              <a:t> o 20 mv </a:t>
-            </a:r>
-            <a:r>
-              <a:rPr lang="en-US" dirty="0" err="1"/>
-              <a:t>tak</a:t>
-            </a:r>
-            <a:r>
-              <a:rPr lang="en-US" dirty="0"/>
-              <a:t> program </a:t>
-            </a:r>
-            <a:r>
-              <a:rPr lang="en-US" dirty="0" err="1"/>
-              <a:t>vypočítá</a:t>
-            </a:r>
-            <a:r>
-              <a:rPr lang="en-US" dirty="0"/>
-              <a:t> </a:t>
-            </a:r>
-            <a:r>
-              <a:rPr lang="en-US" dirty="0" err="1"/>
-              <a:t>jaké</a:t>
-            </a:r>
-            <a:r>
-              <a:rPr lang="en-US" dirty="0"/>
-              <a:t> </a:t>
-            </a:r>
-            <a:r>
-              <a:rPr lang="en-US" dirty="0" err="1"/>
-              <a:t>hodnotě</a:t>
-            </a:r>
-            <a:r>
-              <a:rPr lang="en-US" dirty="0"/>
-              <a:t> v </a:t>
-            </a:r>
-            <a:r>
-              <a:rPr lang="en-US" dirty="0" err="1"/>
-              <a:t>krocích</a:t>
-            </a:r>
-            <a:r>
-              <a:rPr lang="en-US" dirty="0"/>
-              <a:t> </a:t>
-            </a:r>
-            <a:r>
-              <a:rPr lang="en-US" dirty="0" err="1"/>
-              <a:t>tato</a:t>
-            </a:r>
-            <a:r>
-              <a:rPr lang="en-US" dirty="0"/>
-              <a:t> </a:t>
-            </a:r>
-            <a:r>
-              <a:rPr lang="en-US" dirty="0" err="1"/>
-              <a:t>napětová</a:t>
-            </a:r>
-            <a:r>
-              <a:rPr lang="en-US" dirty="0"/>
-              <a:t> </a:t>
-            </a:r>
-            <a:r>
-              <a:rPr lang="en-US" dirty="0" err="1"/>
-              <a:t>hodnota</a:t>
-            </a:r>
-            <a:r>
-              <a:rPr lang="en-US" dirty="0"/>
-              <a:t> </a:t>
-            </a:r>
-            <a:r>
-              <a:rPr lang="en-US" dirty="0" err="1"/>
-              <a:t>odpovídá</a:t>
-            </a:r>
-            <a:r>
-              <a:rPr lang="en-US" dirty="0"/>
-              <a:t> a </a:t>
-            </a:r>
-            <a:r>
-              <a:rPr lang="en-US" dirty="0" err="1"/>
-              <a:t>posuneto</a:t>
-            </a:r>
-            <a:r>
-              <a:rPr lang="en-US" dirty="0"/>
-              <a:t> o </a:t>
-            </a:r>
-            <a:r>
-              <a:rPr lang="en-US" dirty="0" err="1"/>
-              <a:t>tuto</a:t>
-            </a:r>
-            <a:r>
-              <a:rPr lang="en-US" dirty="0"/>
-              <a:t> </a:t>
-            </a:r>
-            <a:r>
-              <a:rPr lang="en-US" dirty="0" err="1"/>
-              <a:t>vzdáenost</a:t>
-            </a:r>
-            <a:r>
-              <a:rPr lang="en-US" dirty="0"/>
-              <a:t> a </a:t>
-            </a:r>
-            <a:r>
-              <a:rPr lang="en-US" dirty="0" err="1"/>
-              <a:t>poté</a:t>
-            </a:r>
-            <a:r>
-              <a:rPr lang="en-US" dirty="0"/>
-              <a:t> </a:t>
-            </a:r>
-            <a:r>
-              <a:rPr lang="en-US" dirty="0" err="1"/>
-              <a:t>následně</a:t>
-            </a:r>
-            <a:r>
-              <a:rPr lang="en-US" dirty="0"/>
-              <a:t> se </a:t>
-            </a:r>
-            <a:r>
-              <a:rPr lang="en-US" dirty="0" err="1"/>
-              <a:t>tato</a:t>
-            </a:r>
-            <a:r>
-              <a:rPr lang="en-US" dirty="0"/>
-              <a:t> </a:t>
-            </a:r>
-            <a:r>
-              <a:rPr lang="en-US" dirty="0" err="1"/>
-              <a:t>hodnota</a:t>
-            </a:r>
-            <a:r>
-              <a:rPr lang="en-US" dirty="0"/>
-              <a:t> </a:t>
-            </a:r>
-            <a:r>
-              <a:rPr lang="en-US" dirty="0" err="1"/>
-              <a:t>vloží</a:t>
-            </a:r>
-            <a:r>
-              <a:rPr lang="en-US" dirty="0"/>
-              <a:t> do </a:t>
-            </a:r>
-            <a:r>
-              <a:rPr lang="en-US" dirty="0" err="1"/>
-              <a:t>těchto</a:t>
-            </a:r>
-            <a:r>
-              <a:rPr lang="en-US" dirty="0"/>
-              <a:t> </a:t>
-            </a:r>
-            <a:r>
-              <a:rPr lang="en-US" dirty="0" err="1"/>
-              <a:t>funkcí</a:t>
-            </a:r>
-            <a:r>
-              <a:rPr lang="en-US" dirty="0"/>
-              <a:t> a </a:t>
-            </a:r>
-            <a:r>
-              <a:rPr lang="en-US" dirty="0" err="1"/>
-              <a:t>krokový</a:t>
-            </a:r>
-            <a:r>
-              <a:rPr lang="en-US" dirty="0"/>
-              <a:t> motor se </a:t>
-            </a:r>
-            <a:r>
-              <a:rPr lang="en-US" dirty="0" err="1"/>
-              <a:t>otočí</a:t>
-            </a:r>
-            <a:r>
-              <a:rPr lang="en-US" dirty="0"/>
-              <a:t> </a:t>
-            </a:r>
-            <a:r>
-              <a:rPr lang="en-US" dirty="0" err="1"/>
-              <a:t>tento</a:t>
-            </a:r>
-            <a:r>
-              <a:rPr lang="en-US" dirty="0"/>
-              <a:t> </a:t>
-            </a:r>
-            <a:r>
-              <a:rPr lang="en-US" dirty="0" err="1"/>
-              <a:t>krokový</a:t>
-            </a:r>
-            <a:r>
-              <a:rPr lang="en-US" dirty="0"/>
-              <a:t> motor je </a:t>
-            </a:r>
-            <a:r>
-              <a:rPr lang="en-US" dirty="0" err="1"/>
-              <a:t>napojen</a:t>
-            </a:r>
-            <a:r>
-              <a:rPr lang="en-US" dirty="0"/>
-              <a:t> </a:t>
-            </a:r>
-            <a:r>
-              <a:rPr lang="en-US" dirty="0" err="1"/>
-              <a:t>na</a:t>
-            </a:r>
-            <a:r>
-              <a:rPr lang="en-US" dirty="0"/>
-              <a:t> </a:t>
-            </a:r>
-            <a:r>
-              <a:rPr lang="en-US" dirty="0" err="1"/>
-              <a:t>tlakový</a:t>
-            </a:r>
-            <a:r>
-              <a:rPr lang="en-US" dirty="0"/>
-              <a:t> ventil </a:t>
-            </a:r>
-            <a:r>
-              <a:rPr lang="en-US" dirty="0" err="1"/>
-              <a:t>který</a:t>
-            </a:r>
-            <a:r>
-              <a:rPr lang="en-US" dirty="0"/>
-              <a:t> se </a:t>
-            </a:r>
-            <a:r>
-              <a:rPr lang="en-US" dirty="0" err="1"/>
-              <a:t>díky</a:t>
-            </a:r>
-            <a:r>
-              <a:rPr lang="en-US" dirty="0"/>
-              <a:t> </a:t>
-            </a:r>
-            <a:r>
-              <a:rPr lang="en-US" dirty="0" err="1"/>
-              <a:t>tomu</a:t>
-            </a:r>
-            <a:r>
-              <a:rPr lang="en-US" dirty="0"/>
-              <a:t> </a:t>
-            </a:r>
-            <a:r>
-              <a:rPr lang="en-US" dirty="0" err="1"/>
-              <a:t>otevírá</a:t>
-            </a:r>
-            <a:r>
-              <a:rPr lang="en-US" dirty="0"/>
-              <a:t> a </a:t>
-            </a:r>
-            <a:r>
-              <a:rPr lang="en-US" dirty="0" err="1"/>
-              <a:t>zavírá</a:t>
+              <a:t>soustavě</a:t>
+            </a:r>
+            <a:r>
+              <a:rPr lang="en-US" dirty="0"/>
+              <a:t> </a:t>
+            </a:r>
+            <a:r>
+              <a:rPr lang="en-US" dirty="0" err="1"/>
+              <a:t>pracovat</a:t>
+            </a:r>
+            <a:r>
+              <a:rPr lang="en-US" dirty="0"/>
+              <a:t> bud </a:t>
+            </a:r>
+            <a:r>
+              <a:rPr lang="en-US" dirty="0" err="1"/>
+              <a:t>jako</a:t>
+            </a:r>
+            <a:r>
+              <a:rPr lang="en-US" dirty="0"/>
+              <a:t> </a:t>
+            </a:r>
+            <a:r>
+              <a:rPr lang="en-US" dirty="0" err="1"/>
+              <a:t>uživatel</a:t>
+            </a:r>
+            <a:r>
+              <a:rPr lang="en-US" dirty="0"/>
+              <a:t> </a:t>
+            </a:r>
+            <a:r>
+              <a:rPr lang="en-US" dirty="0" err="1"/>
+              <a:t>nebo</a:t>
+            </a:r>
+            <a:r>
+              <a:rPr lang="en-US" dirty="0"/>
+              <a:t> </a:t>
+            </a:r>
+            <a:r>
+              <a:rPr lang="en-US" dirty="0" err="1"/>
+              <a:t>administrátor</a:t>
             </a:r>
             <a:endParaRPr lang="en-US" dirty="0"/>
           </a:p>
@@ -1950,7 +1492,7 @@
           <a:p>
             <a:fld id="{40499985-F144-4F30-9B65-93EDEC442801}" type="slidenum">
               <a:rPr lang="cs-CZ" smtClean="0"/>
-              <a:t>16</a:t>
+              <a:t>13</a:t>
             </a:fld>
             <a:endParaRPr lang="cs-CZ"/>
           </a:p>
@@ -1959,7 +1501,7 @@
     </p:spTree>
     <p:extLst>
       <p:ext uri="{BB962C8B-B14F-4D97-AF65-F5344CB8AC3E}">
-        <p14:creationId xmlns:p14="http://schemas.microsoft.com/office/powerpoint/2010/main" val="2391742290"/>
+        <p14:creationId xmlns:p14="http://schemas.microsoft.com/office/powerpoint/2010/main" val="763637307"/>
       </p:ext>
     </p:extLst>
   </p:cSld>
@@ -2137,7 +1679,7 @@
           <a:p>
             <a:fld id="{40499985-F144-4F30-9B65-93EDEC442801}" type="slidenum">
               <a:rPr lang="cs-CZ" smtClean="0"/>
-              <a:t>17</a:t>
+              <a:t>14</a:t>
             </a:fld>
             <a:endParaRPr lang="cs-CZ"/>
           </a:p>
@@ -3476,7 +3018,7 @@
           <a:p>
             <a:fld id="{40499985-F144-4F30-9B65-93EDEC442801}" type="slidenum">
               <a:rPr lang="cs-CZ" smtClean="0"/>
-              <a:t>18</a:t>
+              <a:t>15</a:t>
             </a:fld>
             <a:endParaRPr lang="cs-CZ"/>
           </a:p>
@@ -4120,7 +3662,7 @@
           <a:p>
             <a:fld id="{40499985-F144-4F30-9B65-93EDEC442801}" type="slidenum">
               <a:rPr lang="cs-CZ" smtClean="0"/>
-              <a:t>19</a:t>
+              <a:t>16</a:t>
             </a:fld>
             <a:endParaRPr lang="cs-CZ"/>
           </a:p>
@@ -4184,65 +3726,322 @@
           <a:lstStyle/>
           <a:p>
             <a:r>
-              <a:rPr lang="en-US" dirty="0"/>
-              <a:t>Ve </a:t>
-            </a:r>
-            <a:r>
-              <a:rPr lang="en-US" dirty="0" err="1"/>
-              <a:t>své</a:t>
-            </a:r>
-            <a:r>
-              <a:rPr lang="en-US" dirty="0"/>
-              <a:t> </a:t>
-            </a:r>
-            <a:r>
-              <a:rPr lang="en-US" dirty="0" err="1"/>
-              <a:t>práci</a:t>
-            </a:r>
-            <a:r>
-              <a:rPr lang="en-US" dirty="0"/>
-              <a:t> </a:t>
-            </a:r>
-            <a:r>
-              <a:rPr lang="en-US" dirty="0" err="1"/>
-              <a:t>jsem</a:t>
-            </a:r>
-            <a:r>
-              <a:rPr lang="en-US" dirty="0"/>
-              <a:t> </a:t>
-            </a:r>
-            <a:r>
-              <a:rPr lang="en-US" dirty="0" err="1"/>
-              <a:t>splnil</a:t>
-            </a:r>
-            <a:r>
-              <a:rPr lang="en-US" dirty="0"/>
-              <a:t> </a:t>
-            </a:r>
-            <a:r>
-              <a:rPr lang="en-US" dirty="0" err="1"/>
-              <a:t>veškeré</a:t>
-            </a:r>
-            <a:r>
-              <a:rPr lang="en-US" dirty="0"/>
-              <a:t> </a:t>
-            </a:r>
-            <a:r>
-              <a:rPr lang="en-US" dirty="0" err="1"/>
-              <a:t>vztyčené</a:t>
-            </a:r>
-            <a:r>
-              <a:rPr lang="en-US" dirty="0"/>
-              <a:t> </a:t>
-            </a:r>
-            <a:r>
-              <a:rPr lang="en-US" dirty="0" err="1"/>
-              <a:t>cíle</a:t>
-            </a:r>
-            <a:r>
-              <a:rPr lang="en-US" dirty="0"/>
-              <a:t>.</a:t>
-            </a:r>
+              <a:rPr lang="en-US" dirty="0" err="1"/>
+              <a:t>Pokud</a:t>
+            </a:r>
+            <a:r>
+              <a:rPr lang="en-US" dirty="0"/>
+              <a:t> se </a:t>
+            </a:r>
+            <a:r>
+              <a:rPr lang="en-US" dirty="0" err="1"/>
+              <a:t>uživat</a:t>
+            </a:r>
+            <a:r>
+              <a:rPr lang="en-US" dirty="0"/>
+              <a:t> </a:t>
+            </a:r>
+            <a:r>
+              <a:rPr lang="en-US" dirty="0" err="1"/>
+              <a:t>uspešně</a:t>
+            </a:r>
+            <a:r>
+              <a:rPr lang="en-US" dirty="0"/>
+              <a:t> </a:t>
+            </a:r>
+            <a:r>
+              <a:rPr lang="en-US" dirty="0" err="1"/>
+              <a:t>přihlásí</a:t>
+            </a:r>
+            <a:r>
+              <a:rPr lang="en-US" dirty="0"/>
+              <a:t> </a:t>
+            </a:r>
+            <a:r>
+              <a:rPr lang="en-US" dirty="0" err="1"/>
+              <a:t>zobrazí</a:t>
+            </a:r>
+            <a:r>
+              <a:rPr lang="en-US" dirty="0"/>
+              <a:t> se mu toto </a:t>
+            </a:r>
+            <a:r>
+              <a:rPr lang="en-US" dirty="0" err="1"/>
+              <a:t>okno</a:t>
+            </a:r>
+            <a:endParaRPr lang="en-US" dirty="0"/>
+          </a:p>
+          <a:p>
+            <a:r>
+              <a:rPr lang="en-US" dirty="0"/>
+              <a:t>V </a:t>
+            </a:r>
+            <a:r>
+              <a:rPr lang="en-US" dirty="0" err="1"/>
+              <a:t>levé</a:t>
+            </a:r>
+            <a:r>
+              <a:rPr lang="en-US" dirty="0"/>
+              <a:t> </a:t>
+            </a:r>
+            <a:r>
+              <a:rPr lang="en-US" dirty="0" err="1"/>
+              <a:t>části</a:t>
+            </a:r>
+            <a:r>
+              <a:rPr lang="en-US" dirty="0"/>
+              <a:t> </a:t>
+            </a:r>
+            <a:r>
+              <a:rPr lang="en-US" dirty="0" err="1"/>
+              <a:t>okna</a:t>
+            </a:r>
+            <a:r>
+              <a:rPr lang="en-US" dirty="0"/>
+              <a:t> se </a:t>
+            </a:r>
+            <a:r>
+              <a:rPr lang="en-US" dirty="0" err="1"/>
+              <a:t>nachízí</a:t>
+            </a:r>
+            <a:r>
+              <a:rPr lang="en-US" dirty="0"/>
+              <a:t> </a:t>
+            </a:r>
+            <a:r>
+              <a:rPr lang="en-US" dirty="0" err="1"/>
+              <a:t>přčedvolené</a:t>
+            </a:r>
+            <a:r>
+              <a:rPr lang="en-US" dirty="0"/>
+              <a:t> </a:t>
+            </a:r>
+            <a:r>
+              <a:rPr lang="en-US" dirty="0" err="1"/>
+              <a:t>akce</a:t>
+            </a:r>
+            <a:r>
+              <a:rPr lang="en-US" dirty="0"/>
+              <a:t> </a:t>
+            </a:r>
+            <a:r>
+              <a:rPr lang="en-US" dirty="0" err="1"/>
+              <a:t>které</a:t>
+            </a:r>
+            <a:r>
+              <a:rPr lang="en-US" dirty="0"/>
+              <a:t> </a:t>
+            </a:r>
+            <a:r>
+              <a:rPr lang="en-US" dirty="0" err="1"/>
+              <a:t>vykonávají</a:t>
+            </a:r>
+            <a:r>
+              <a:rPr lang="en-US" dirty="0"/>
+              <a:t> </a:t>
+            </a:r>
+            <a:r>
+              <a:rPr lang="en-US" dirty="0" err="1"/>
+              <a:t>sekvenci</a:t>
+            </a:r>
+            <a:r>
+              <a:rPr lang="en-US" dirty="0"/>
+              <a:t> </a:t>
+            </a:r>
+            <a:r>
+              <a:rPr lang="en-US" dirty="0" err="1"/>
+              <a:t>pohybu</a:t>
+            </a:r>
+            <a:endParaRPr lang="en-US" dirty="0"/>
+          </a:p>
+          <a:p>
+            <a:r>
+              <a:rPr lang="en-US" dirty="0" err="1"/>
+              <a:t>Uprostřed</a:t>
+            </a:r>
+            <a:r>
+              <a:rPr lang="en-US" dirty="0"/>
+              <a:t> se </a:t>
+            </a:r>
+            <a:r>
+              <a:rPr lang="en-US" dirty="0" err="1"/>
+              <a:t>nachází</a:t>
+            </a:r>
+            <a:r>
+              <a:rPr lang="en-US" dirty="0"/>
+              <a:t> </a:t>
+            </a:r>
+            <a:r>
+              <a:rPr lang="en-US" dirty="0" err="1"/>
+              <a:t>samotné</a:t>
+            </a:r>
+            <a:r>
+              <a:rPr lang="en-US" dirty="0"/>
+              <a:t> </a:t>
+            </a:r>
+            <a:r>
+              <a:rPr lang="en-US" dirty="0" err="1"/>
+              <a:t>nezávislé</a:t>
+            </a:r>
+            <a:r>
+              <a:rPr lang="en-US" dirty="0"/>
+              <a:t> </a:t>
+            </a:r>
+            <a:r>
+              <a:rPr lang="en-US" dirty="0" err="1"/>
+              <a:t>ovládání</a:t>
+            </a:r>
+            <a:r>
+              <a:rPr lang="en-US" dirty="0"/>
+              <a:t> </a:t>
+            </a:r>
+            <a:r>
+              <a:rPr lang="en-US" dirty="0" err="1"/>
+              <a:t>kde</a:t>
+            </a:r>
+            <a:r>
+              <a:rPr lang="en-US" dirty="0"/>
+              <a:t> </a:t>
+            </a:r>
+            <a:r>
+              <a:rPr lang="en-US" dirty="0" err="1"/>
+              <a:t>může</a:t>
+            </a:r>
+            <a:r>
+              <a:rPr lang="en-US" dirty="0"/>
+              <a:t> </a:t>
+            </a:r>
+            <a:r>
+              <a:rPr lang="en-US" dirty="0" err="1"/>
+              <a:t>uživatel</a:t>
+            </a:r>
+            <a:r>
+              <a:rPr lang="en-US" dirty="0"/>
+              <a:t> </a:t>
+            </a:r>
+            <a:r>
+              <a:rPr lang="en-US" dirty="0" err="1"/>
+              <a:t>ovládat</a:t>
+            </a:r>
+            <a:r>
+              <a:rPr lang="en-US" dirty="0"/>
+              <a:t> </a:t>
+            </a:r>
+            <a:r>
+              <a:rPr lang="en-US" dirty="0" err="1"/>
+              <a:t>každý</a:t>
+            </a:r>
+            <a:r>
+              <a:rPr lang="en-US" dirty="0"/>
+              <a:t> </a:t>
+            </a:r>
+            <a:r>
+              <a:rPr lang="en-US" dirty="0" err="1"/>
+              <a:t>sval</a:t>
+            </a:r>
+            <a:r>
+              <a:rPr lang="en-US" dirty="0"/>
+              <a:t> </a:t>
+            </a:r>
+            <a:r>
+              <a:rPr lang="en-US" dirty="0" err="1"/>
+              <a:t>samostatně</a:t>
+            </a:r>
+            <a:r>
+              <a:rPr lang="en-US" dirty="0"/>
+              <a:t> </a:t>
+            </a:r>
+          </a:p>
+          <a:p>
+            <a:r>
+              <a:rPr lang="en-US" dirty="0"/>
+              <a:t>A v </a:t>
+            </a:r>
+            <a:r>
+              <a:rPr lang="en-US" dirty="0" err="1"/>
+              <a:t>pravé</a:t>
+            </a:r>
+            <a:r>
+              <a:rPr lang="en-US" dirty="0"/>
+              <a:t> </a:t>
+            </a:r>
+            <a:r>
+              <a:rPr lang="en-US" dirty="0" err="1"/>
+              <a:t>části</a:t>
+            </a:r>
+            <a:r>
+              <a:rPr lang="en-US" dirty="0"/>
+              <a:t> se </a:t>
+            </a:r>
+            <a:r>
+              <a:rPr lang="en-US" dirty="0" err="1"/>
+              <a:t>nachízí</a:t>
+            </a:r>
+            <a:r>
+              <a:rPr lang="en-US" dirty="0"/>
+              <a:t> </a:t>
+            </a:r>
+            <a:r>
+              <a:rPr lang="en-US" dirty="0" err="1"/>
+              <a:t>jednotky</a:t>
+            </a:r>
+            <a:r>
+              <a:rPr lang="en-US" dirty="0"/>
+              <a:t> </a:t>
+            </a:r>
+            <a:r>
+              <a:rPr lang="en-US" dirty="0" err="1"/>
+              <a:t>pomocí</a:t>
+            </a:r>
+            <a:r>
+              <a:rPr lang="en-US" dirty="0"/>
+              <a:t> </a:t>
+            </a:r>
+            <a:r>
+              <a:rPr lang="en-US" dirty="0" err="1"/>
+              <a:t>kterých</a:t>
+            </a:r>
+            <a:r>
+              <a:rPr lang="en-US" dirty="0"/>
+              <a:t> </a:t>
+            </a:r>
+            <a:r>
+              <a:rPr lang="en-US" dirty="0" err="1"/>
+              <a:t>může</a:t>
+            </a:r>
+            <a:r>
+              <a:rPr lang="en-US" dirty="0"/>
+              <a:t> </a:t>
+            </a:r>
+            <a:r>
+              <a:rPr lang="en-US" dirty="0" err="1"/>
+              <a:t>uživatel</a:t>
+            </a:r>
+            <a:r>
+              <a:rPr lang="en-US" dirty="0"/>
+              <a:t> </a:t>
+            </a:r>
+            <a:r>
+              <a:rPr lang="en-US" dirty="0" err="1"/>
+              <a:t>danou</a:t>
+            </a:r>
+            <a:r>
+              <a:rPr lang="en-US" dirty="0"/>
+              <a:t> </a:t>
+            </a:r>
+            <a:r>
+              <a:rPr lang="en-US" dirty="0" err="1"/>
+              <a:t>soustavu</a:t>
+            </a:r>
+            <a:r>
+              <a:rPr lang="en-US" dirty="0"/>
+              <a:t> </a:t>
+            </a:r>
+            <a:r>
+              <a:rPr lang="en-US" dirty="0" err="1"/>
+              <a:t>ovládat</a:t>
+            </a:r>
+            <a:endParaRPr lang="cs-CZ" dirty="0"/>
           </a:p>
         </p:txBody>
       </p:sp>
@@ -4263,7 +4062,150 @@
           <a:p>
             <a:fld id="{40499985-F144-4F30-9B65-93EDEC442801}" type="slidenum">
               <a:rPr lang="cs-CZ" smtClean="0"/>
-              <a:t>20</a:t>
+              <a:t>17</a:t>
+            </a:fld>
+            <a:endParaRPr lang="cs-CZ"/>
+          </a:p>
+        </p:txBody>
+      </p:sp>
+    </p:spTree>
+    <p:extLst>
+      <p:ext uri="{BB962C8B-B14F-4D97-AF65-F5344CB8AC3E}">
+        <p14:creationId xmlns:p14="http://schemas.microsoft.com/office/powerpoint/2010/main" val="75704005"/>
+      </p:ext>
+    </p:extLst>
+  </p:cSld>
+  <p:clrMapOvr>
+    <a:masterClrMapping/>
+  </p:clrMapOvr>
+</p:notes>
+</file>
+
+<file path=ppt/notesSlides/notesSlide17.xml><?xml version="1.0" encoding="utf-8"?>
+<p:notes xmlns:a="http://schemas.openxmlformats.org/drawingml/2006/main" xmlns:r="http://schemas.openxmlformats.org/officeDocument/2006/relationships" xmlns:p="http://schemas.openxmlformats.org/presentationml/2006/main">
+  <p:cSld>
+    <p:spTree>
+      <p:nvGrpSpPr>
+        <p:cNvPr id="1" name=""/>
+        <p:cNvGrpSpPr/>
+        <p:nvPr/>
+      </p:nvGrpSpPr>
+      <p:grpSpPr>
+        <a:xfrm>
+          <a:off x="0" y="0"/>
+          <a:ext cx="0" cy="0"/>
+          <a:chOff x="0" y="0"/>
+          <a:chExt cx="0" cy="0"/>
+        </a:xfrm>
+      </p:grpSpPr>
+      <p:sp>
+        <p:nvSpPr>
+          <p:cNvPr id="2" name="Slide Image Placeholder 1"/>
+          <p:cNvSpPr>
+            <a:spLocks noGrp="1" noRot="1" noChangeAspect="1"/>
+          </p:cNvSpPr>
+          <p:nvPr>
+            <p:ph type="sldImg"/>
+          </p:nvPr>
+        </p:nvSpPr>
+        <p:spPr/>
+      </p:sp>
+      <p:sp>
+        <p:nvSpPr>
+          <p:cNvPr id="3" name="Notes Placeholder 2"/>
+          <p:cNvSpPr>
+            <a:spLocks noGrp="1"/>
+          </p:cNvSpPr>
+          <p:nvPr>
+            <p:ph type="body" idx="1"/>
+          </p:nvPr>
+        </p:nvSpPr>
+        <p:spPr/>
+        <p:txBody>
+          <a:bodyPr/>
+          <a:lstStyle/>
+          <a:p>
+            <a:r>
+              <a:rPr lang="en-US" dirty="0"/>
+              <a:t>Ve </a:t>
+            </a:r>
+            <a:r>
+              <a:rPr lang="en-US" dirty="0" err="1"/>
+              <a:t>své</a:t>
+            </a:r>
+            <a:r>
+              <a:rPr lang="en-US" dirty="0"/>
+              <a:t> </a:t>
+            </a:r>
+            <a:r>
+              <a:rPr lang="en-US" dirty="0" err="1"/>
+              <a:t>práci</a:t>
+            </a:r>
+            <a:r>
+              <a:rPr lang="en-US" dirty="0"/>
+              <a:t> </a:t>
+            </a:r>
+            <a:r>
+              <a:rPr lang="en-US" dirty="0" err="1"/>
+              <a:t>jsem</a:t>
+            </a:r>
+            <a:r>
+              <a:rPr lang="en-US" dirty="0"/>
+              <a:t> </a:t>
+            </a:r>
+            <a:r>
+              <a:rPr lang="en-US" dirty="0" err="1"/>
+              <a:t>splnil</a:t>
+            </a:r>
+            <a:r>
+              <a:rPr lang="en-US" dirty="0"/>
+              <a:t> </a:t>
+            </a:r>
+            <a:r>
+              <a:rPr lang="en-US" dirty="0" err="1"/>
+              <a:t>veškeré</a:t>
+            </a:r>
+            <a:r>
+              <a:rPr lang="en-US" dirty="0"/>
+              <a:t> </a:t>
+            </a:r>
+            <a:r>
+              <a:rPr lang="en-US" dirty="0" err="1"/>
+              <a:t>vztyčené</a:t>
+            </a:r>
+            <a:r>
+              <a:rPr lang="en-US" dirty="0"/>
+              <a:t> </a:t>
+            </a:r>
+            <a:r>
+              <a:rPr lang="en-US" dirty="0" err="1"/>
+              <a:t>cíle</a:t>
+            </a:r>
+            <a:r>
+              <a:rPr lang="en-US" dirty="0"/>
+              <a:t>.</a:t>
+            </a:r>
+          </a:p>
+        </p:txBody>
+      </p:sp>
+      <p:sp>
+        <p:nvSpPr>
+          <p:cNvPr id="4" name="Slide Number Placeholder 3"/>
+          <p:cNvSpPr>
+            <a:spLocks noGrp="1"/>
+          </p:cNvSpPr>
+          <p:nvPr>
+            <p:ph type="sldNum" sz="quarter" idx="5"/>
+          </p:nvPr>
+        </p:nvSpPr>
+        <p:spPr/>
+        <p:txBody>
+          <a:bodyPr/>
+          <a:lstStyle/>
+          <a:p>
+            <a:fld id="{40499985-F144-4F30-9B65-93EDEC442801}" type="slidenum">
+              <a:rPr lang="cs-CZ" smtClean="0"/>
+              <a:t>18</a:t>
             </a:fld>
             <a:endParaRPr lang="cs-CZ"/>
           </a:p>
@@ -4328,6 +4270,12 @@
           <a:p>
             <a:r>
               <a:rPr lang="en-US" dirty="0"/>
+              <a:t>0:20-0:50</a:t>
+            </a:r>
+          </a:p>
+          <a:p>
+            <a:r>
+              <a:rPr lang="en-US" dirty="0"/>
               <a:t>V </a:t>
             </a:r>
             <a:r>
@@ -4738,6 +4686,12 @@
           <a:lstStyle/>
           <a:p>
             <a:r>
+              <a:rPr lang="en-US" dirty="0"/>
+              <a:t>0:50 – 1:15</a:t>
+            </a:r>
+          </a:p>
+          <a:p>
+            <a:r>
               <a:rPr lang="en-US" dirty="0" err="1"/>
               <a:t>Mým</a:t>
             </a:r>
@@ -4978,6 +4932,12 @@
           <a:lstStyle/>
           <a:p>
             <a:r>
+              <a:rPr lang="en-US" dirty="0"/>
+              <a:t>1:15-2:48</a:t>
+            </a:r>
+          </a:p>
+          <a:p>
+            <a:r>
               <a:rPr lang="en-US" dirty="0" err="1"/>
               <a:t>Hlavním</a:t>
             </a:r>
@@ -6016,6 +5976,10 @@
           <a:bodyPr/>
           <a:lstStyle/>
           <a:p>
+            <a:r>
+              <a:rPr lang="en-US" dirty="0"/>
+              <a:t>2:48-3:35</a:t>
+            </a:r>
             <a:endParaRPr lang="cs-CZ" dirty="0"/>
           </a:p>
         </p:txBody>
@@ -6075,7 +6039,7 @@
       </p:grpSpPr>
       <p:sp>
         <p:nvSpPr>
-          <p:cNvPr id="2" name="Slide Image Placeholder 1"/>
+          <p:cNvPr id="2" name="Zástupný symbol pro obrázek snímku 1"/>
           <p:cNvSpPr>
             <a:spLocks noGrp="1" noRot="1" noChangeAspect="1"/>
           </p:cNvSpPr>
@@ -6087,7 +6051,7 @@
       </p:sp>
       <p:sp>
         <p:nvSpPr>
-          <p:cNvPr id="3" name="Notes Placeholder 2"/>
+          <p:cNvPr id="3" name="Zástupný symbol pro poznámky 2"/>
           <p:cNvSpPr>
             <a:spLocks noGrp="1"/>
           </p:cNvSpPr>
@@ -6101,255 +6065,8 @@
           <a:lstStyle/>
           <a:p>
             <a:r>
-              <a:rPr lang="en-US" dirty="0" err="1"/>
-              <a:t>Nyní</a:t>
-            </a:r>
-            <a:r>
-              <a:rPr lang="en-US" dirty="0"/>
-              <a:t> se </a:t>
-            </a:r>
-            <a:r>
-              <a:rPr lang="en-US" dirty="0" err="1"/>
-              <a:t>již</a:t>
-            </a:r>
-            <a:r>
-              <a:rPr lang="en-US" dirty="0"/>
-              <a:t> </a:t>
-            </a:r>
-            <a:r>
-              <a:rPr lang="en-US" dirty="0" err="1"/>
-              <a:t>už</a:t>
-            </a:r>
-            <a:r>
-              <a:rPr lang="en-US" dirty="0"/>
-              <a:t> </a:t>
-            </a:r>
-            <a:r>
-              <a:rPr lang="en-US" dirty="0" err="1"/>
-              <a:t>dstáváme</a:t>
-            </a:r>
-            <a:r>
-              <a:rPr lang="en-US" dirty="0"/>
-              <a:t> k </a:t>
-            </a:r>
-            <a:r>
-              <a:rPr lang="en-US" dirty="0" err="1"/>
-              <a:t>mé</a:t>
-            </a:r>
-            <a:r>
-              <a:rPr lang="en-US" dirty="0"/>
-              <a:t> </a:t>
-            </a:r>
-            <a:r>
-              <a:rPr lang="en-US" dirty="0" err="1"/>
-              <a:t>práci</a:t>
-            </a:r>
-            <a:r>
-              <a:rPr lang="en-US" dirty="0"/>
-              <a:t> </a:t>
-            </a:r>
-            <a:r>
-              <a:rPr lang="en-US" dirty="0" err="1"/>
-              <a:t>zde</a:t>
-            </a:r>
-            <a:r>
-              <a:rPr lang="en-US" dirty="0"/>
-              <a:t> </a:t>
-            </a:r>
-            <a:r>
-              <a:rPr lang="en-US" dirty="0" err="1"/>
-              <a:t>na</a:t>
-            </a:r>
-            <a:r>
-              <a:rPr lang="en-US" dirty="0"/>
-              <a:t> </a:t>
-            </a:r>
-            <a:r>
-              <a:rPr lang="en-US" dirty="0" err="1"/>
-              <a:t>obrázku</a:t>
-            </a:r>
-            <a:r>
-              <a:rPr lang="en-US" dirty="0"/>
-              <a:t> </a:t>
-            </a:r>
-            <a:r>
-              <a:rPr lang="en-US" dirty="0" err="1"/>
-              <a:t>můžete</a:t>
-            </a:r>
-            <a:r>
-              <a:rPr lang="en-US" dirty="0"/>
-              <a:t> </a:t>
-            </a:r>
-            <a:r>
-              <a:rPr lang="en-US" dirty="0" err="1"/>
-              <a:t>vidět</a:t>
-            </a:r>
-            <a:r>
-              <a:rPr lang="en-US" dirty="0"/>
-              <a:t> component diagram </a:t>
-            </a:r>
-            <a:r>
-              <a:rPr lang="en-US" dirty="0" err="1"/>
-              <a:t>celé</a:t>
-            </a:r>
-            <a:r>
-              <a:rPr lang="en-US" dirty="0"/>
-              <a:t> </a:t>
-            </a:r>
-            <a:r>
-              <a:rPr lang="en-US" dirty="0" err="1"/>
-              <a:t>soustavy</a:t>
-            </a:r>
-            <a:r>
-              <a:rPr lang="en-US" dirty="0"/>
-              <a:t> </a:t>
-            </a:r>
-            <a:r>
-              <a:rPr lang="en-US" dirty="0" err="1"/>
-              <a:t>kde</a:t>
-            </a:r>
-            <a:r>
-              <a:rPr lang="en-US" dirty="0"/>
-              <a:t> </a:t>
-            </a:r>
-            <a:r>
-              <a:rPr lang="en-US" dirty="0" err="1"/>
-              <a:t>můžete</a:t>
-            </a:r>
-            <a:r>
-              <a:rPr lang="en-US" dirty="0"/>
-              <a:t> </a:t>
-            </a:r>
-            <a:r>
-              <a:rPr lang="en-US" dirty="0" err="1"/>
-              <a:t>vidět</a:t>
-            </a:r>
-            <a:r>
-              <a:rPr lang="en-US" dirty="0"/>
-              <a:t> </a:t>
-            </a:r>
-            <a:r>
-              <a:rPr lang="en-US" dirty="0" err="1"/>
-              <a:t>oddělenou</a:t>
-            </a:r>
-            <a:r>
-              <a:rPr lang="en-US" dirty="0"/>
-              <a:t> </a:t>
-            </a:r>
-            <a:r>
-              <a:rPr lang="en-US" dirty="0" err="1"/>
-              <a:t>čarou</a:t>
-            </a:r>
-            <a:r>
-              <a:rPr lang="en-US" dirty="0"/>
-              <a:t> </a:t>
-            </a:r>
-            <a:r>
-              <a:rPr lang="en-US" dirty="0" err="1"/>
-              <a:t>na</a:t>
-            </a:r>
-            <a:r>
-              <a:rPr lang="en-US" dirty="0"/>
-              <a:t> </a:t>
-            </a:r>
-            <a:r>
-              <a:rPr lang="en-US" dirty="0" err="1"/>
-              <a:t>jakou</a:t>
-            </a:r>
-            <a:r>
-              <a:rPr lang="en-US" dirty="0"/>
-              <a:t> </a:t>
-            </a:r>
-            <a:r>
-              <a:rPr lang="en-US" dirty="0" err="1"/>
-              <a:t>část</a:t>
-            </a:r>
-            <a:r>
-              <a:rPr lang="en-US" dirty="0"/>
-              <a:t> </a:t>
-            </a:r>
-            <a:r>
-              <a:rPr lang="en-US" dirty="0" err="1"/>
-              <a:t>jsem</a:t>
-            </a:r>
-            <a:r>
-              <a:rPr lang="en-US" dirty="0"/>
-              <a:t> </a:t>
-            </a:r>
-            <a:r>
-              <a:rPr lang="en-US" dirty="0" err="1"/>
-              <a:t>navazoval</a:t>
-            </a:r>
-            <a:r>
-              <a:rPr lang="en-US" dirty="0"/>
-              <a:t> a </a:t>
-            </a:r>
-            <a:r>
-              <a:rPr lang="en-US" dirty="0" err="1"/>
-              <a:t>která</a:t>
-            </a:r>
-            <a:r>
-              <a:rPr lang="en-US" dirty="0"/>
-              <a:t> </a:t>
-            </a:r>
-            <a:r>
-              <a:rPr lang="en-US" dirty="0" err="1"/>
-              <a:t>část</a:t>
-            </a:r>
-            <a:r>
-              <a:rPr lang="en-US" dirty="0"/>
-              <a:t> je </a:t>
-            </a:r>
-            <a:r>
-              <a:rPr lang="en-US" dirty="0" err="1"/>
-              <a:t>již</a:t>
-            </a:r>
-            <a:r>
-              <a:rPr lang="en-US" dirty="0"/>
-              <a:t> </a:t>
-            </a:r>
-            <a:r>
-              <a:rPr lang="en-US" dirty="0" err="1"/>
-              <a:t>moje</a:t>
-            </a:r>
-            <a:br>
-              <a:rPr lang="en-US" dirty="0"/>
-            </a:br>
-            <a:r>
-              <a:rPr lang="en-US" dirty="0"/>
-              <a:t>Moje </a:t>
-            </a:r>
-            <a:r>
-              <a:rPr lang="en-US" dirty="0" err="1"/>
-              <a:t>práce</a:t>
-            </a:r>
-            <a:r>
-              <a:rPr lang="en-US" dirty="0"/>
-              <a:t> je </a:t>
-            </a:r>
-            <a:r>
-              <a:rPr lang="en-US" dirty="0" err="1"/>
-              <a:t>na</a:t>
-            </a:r>
-            <a:r>
-              <a:rPr lang="en-US" dirty="0"/>
-              <a:t> </a:t>
-            </a:r>
-            <a:r>
-              <a:rPr lang="en-US" dirty="0" err="1"/>
-              <a:t>komponentě</a:t>
-            </a:r>
-            <a:r>
-              <a:rPr lang="en-US" dirty="0"/>
-              <a:t> admin window, </a:t>
-            </a:r>
-            <a:r>
-              <a:rPr lang="en-US" dirty="0" err="1"/>
-              <a:t>Userwindow</a:t>
-            </a:r>
-            <a:r>
-              <a:rPr lang="en-US" dirty="0"/>
-              <a:t> a Main a database </a:t>
+              <a:rPr lang="en-US" dirty="0"/>
+              <a:t>3:35-4</a:t>
             </a:r>
             <a:endParaRPr lang="cs-CZ" dirty="0"/>
           </a:p>
@@ -6357,7 +6074,7 @@
       </p:sp>
       <p:sp>
         <p:nvSpPr>
-          <p:cNvPr id="4" name="Slide Number Placeholder 3"/>
+          <p:cNvPr id="4" name="Zástupný symbol pro číslo snímku 3"/>
           <p:cNvSpPr>
             <a:spLocks noGrp="1"/>
           </p:cNvSpPr>
@@ -6372,7 +6089,7 @@
           <a:p>
             <a:fld id="{40499985-F144-4F30-9B65-93EDEC442801}" type="slidenum">
               <a:rPr lang="cs-CZ" smtClean="0"/>
-              <a:t>10</a:t>
+              <a:t>6</a:t>
             </a:fld>
             <a:endParaRPr lang="cs-CZ"/>
           </a:p>
@@ -6381,7 +6098,7 @@
     </p:spTree>
     <p:extLst>
       <p:ext uri="{BB962C8B-B14F-4D97-AF65-F5344CB8AC3E}">
-        <p14:creationId xmlns:p14="http://schemas.microsoft.com/office/powerpoint/2010/main" val="2016927497"/>
+        <p14:creationId xmlns:p14="http://schemas.microsoft.com/office/powerpoint/2010/main" val="1769940720"/>
       </p:ext>
     </p:extLst>
   </p:cSld>
@@ -6410,7 +6127,7 @@
       </p:grpSpPr>
       <p:sp>
         <p:nvSpPr>
-          <p:cNvPr id="2" name="Slide Image Placeholder 1"/>
+          <p:cNvPr id="2" name="Zástupný symbol pro obrázek snímku 1"/>
           <p:cNvSpPr>
             <a:spLocks noGrp="1" noRot="1" noChangeAspect="1"/>
           </p:cNvSpPr>
@@ -6422,7 +6139,7 @@
       </p:sp>
       <p:sp>
         <p:nvSpPr>
-          <p:cNvPr id="3" name="Notes Placeholder 2"/>
+          <p:cNvPr id="3" name="Zástupný symbol pro poznámky 2"/>
           <p:cNvSpPr>
             <a:spLocks noGrp="1"/>
           </p:cNvSpPr>
@@ -6437,131 +6154,15 @@
           <a:p>
             <a:r>
               <a:rPr lang="en-US" dirty="0"/>
-              <a:t>Po </a:t>
-            </a:r>
-            <a:r>
-              <a:rPr lang="en-US" dirty="0" err="1"/>
-              <a:t>otestování</a:t>
-            </a:r>
-            <a:r>
-              <a:rPr lang="en-US" dirty="0"/>
-              <a:t> </a:t>
-            </a:r>
-            <a:r>
-              <a:rPr lang="en-US" dirty="0" err="1"/>
-              <a:t>nejpoužívanějších</a:t>
-            </a:r>
-            <a:r>
-              <a:rPr lang="en-US" dirty="0"/>
-              <a:t> </a:t>
-            </a:r>
-            <a:r>
-              <a:rPr lang="en-US" dirty="0" err="1"/>
-              <a:t>knihoven</a:t>
-            </a:r>
-            <a:r>
-              <a:rPr lang="en-US" dirty="0"/>
-              <a:t> </a:t>
-            </a:r>
-            <a:r>
-              <a:rPr lang="en-US" dirty="0" err="1"/>
-              <a:t>jsem</a:t>
-            </a:r>
-            <a:r>
-              <a:rPr lang="en-US" dirty="0"/>
-              <a:t> </a:t>
-            </a:r>
-            <a:r>
-              <a:rPr lang="en-US" dirty="0" err="1"/>
-              <a:t>došel</a:t>
-            </a:r>
-            <a:r>
-              <a:rPr lang="en-US" dirty="0"/>
-              <a:t> k </a:t>
-            </a:r>
-            <a:r>
-              <a:rPr lang="en-US" dirty="0" err="1"/>
-              <a:t>závěru</a:t>
-            </a:r>
-            <a:r>
-              <a:rPr lang="en-US" dirty="0"/>
-              <a:t> </a:t>
-            </a:r>
-            <a:r>
-              <a:rPr lang="en-US" dirty="0" err="1"/>
-              <a:t>že</a:t>
-            </a:r>
-            <a:r>
-              <a:rPr lang="en-US" dirty="0"/>
-              <a:t> </a:t>
-            </a:r>
-            <a:r>
-              <a:rPr lang="en-US" dirty="0" err="1"/>
-              <a:t>knihovna</a:t>
-            </a:r>
-            <a:r>
-              <a:rPr lang="en-US" dirty="0"/>
-              <a:t> tkinter se </a:t>
-            </a:r>
-            <a:r>
-              <a:rPr lang="en-US" dirty="0" err="1"/>
-              <a:t>svojí</a:t>
-            </a:r>
-            <a:r>
-              <a:rPr lang="en-US" dirty="0"/>
-              <a:t> </a:t>
-            </a:r>
-            <a:r>
-              <a:rPr lang="en-US" dirty="0" err="1"/>
-              <a:t>nadstavou</a:t>
-            </a:r>
-            <a:r>
-              <a:rPr lang="en-US" dirty="0"/>
-              <a:t> </a:t>
-            </a:r>
-            <a:r>
-              <a:rPr lang="en-US" dirty="0" err="1"/>
-              <a:t>custum</a:t>
-            </a:r>
-            <a:r>
-              <a:rPr lang="en-US" dirty="0"/>
-              <a:t> </a:t>
-            </a:r>
-            <a:r>
-              <a:rPr lang="en-US" dirty="0" err="1"/>
-              <a:t>tkiter</a:t>
-            </a:r>
-            <a:r>
-              <a:rPr lang="en-US" dirty="0"/>
-              <a:t> </a:t>
-            </a:r>
-            <a:r>
-              <a:rPr lang="en-US" dirty="0" err="1"/>
-              <a:t>bude</a:t>
-            </a:r>
-            <a:r>
-              <a:rPr lang="en-US" dirty="0"/>
-              <a:t> </a:t>
-            </a:r>
-            <a:r>
-              <a:rPr lang="en-US" dirty="0" err="1"/>
-              <a:t>nejlepší</a:t>
-            </a:r>
-            <a:r>
-              <a:rPr lang="en-US" dirty="0"/>
-              <a:t> </a:t>
-            </a:r>
-            <a:r>
-              <a:rPr lang="en-US" dirty="0" err="1"/>
-              <a:t>volbou</a:t>
-            </a:r>
-            <a:endParaRPr lang="en-US" dirty="0"/>
+              <a:t>4-4:35</a:t>
+            </a:r>
+            <a:endParaRPr lang="cs-CZ" dirty="0"/>
           </a:p>
         </p:txBody>
       </p:sp>
       <p:sp>
         <p:nvSpPr>
-          <p:cNvPr id="4" name="Slide Number Placeholder 3"/>
+          <p:cNvPr id="4" name="Zástupný symbol pro číslo snímku 3"/>
           <p:cNvSpPr>
             <a:spLocks noGrp="1"/>
           </p:cNvSpPr>
@@ -6576,7 +6177,7 @@
           <a:p>
             <a:fld id="{40499985-F144-4F30-9B65-93EDEC442801}" type="slidenum">
               <a:rPr lang="cs-CZ" smtClean="0"/>
-              <a:t>11</a:t>
+              <a:t>7</a:t>
             </a:fld>
             <a:endParaRPr lang="cs-CZ"/>
           </a:p>
@@ -6585,7 +6186,7 @@
     </p:spTree>
     <p:extLst>
       <p:ext uri="{BB962C8B-B14F-4D97-AF65-F5344CB8AC3E}">
-        <p14:creationId xmlns:p14="http://schemas.microsoft.com/office/powerpoint/2010/main" val="3591965212"/>
+        <p14:creationId xmlns:p14="http://schemas.microsoft.com/office/powerpoint/2010/main" val="847277903"/>
       </p:ext>
     </p:extLst>
   </p:cSld>
@@ -6640,16 +6241,86 @@
           <a:lstStyle/>
           <a:p>
             <a:r>
-              <a:rPr lang="en-US" dirty="0" err="1"/>
-              <a:t>Zde</a:t>
-            </a:r>
-            <a:r>
-              <a:rPr lang="en-US" dirty="0"/>
-              <a:t> </a:t>
-            </a:r>
-            <a:r>
-              <a:rPr lang="en-US" dirty="0" err="1"/>
-              <a:t>mužete</a:t>
+              <a:rPr lang="en-US" dirty="0"/>
+              <a:t>4:47-5:36</a:t>
+            </a:r>
+          </a:p>
+          <a:p>
+            <a:r>
+              <a:rPr lang="en-US" dirty="0" err="1"/>
+              <a:t>Nyní</a:t>
+            </a:r>
+            <a:r>
+              <a:rPr lang="en-US" dirty="0"/>
+              <a:t> se </a:t>
+            </a:r>
+            <a:r>
+              <a:rPr lang="en-US" dirty="0" err="1"/>
+              <a:t>již</a:t>
+            </a:r>
+            <a:r>
+              <a:rPr lang="en-US" dirty="0"/>
+              <a:t> </a:t>
+            </a:r>
+            <a:r>
+              <a:rPr lang="en-US" dirty="0" err="1"/>
+              <a:t>už</a:t>
+            </a:r>
+            <a:r>
+              <a:rPr lang="en-US" dirty="0"/>
+              <a:t> </a:t>
+            </a:r>
+            <a:r>
+              <a:rPr lang="en-US" dirty="0" err="1"/>
+              <a:t>dstáváme</a:t>
+            </a:r>
+            <a:r>
+              <a:rPr lang="en-US" dirty="0"/>
+              <a:t> k </a:t>
+            </a:r>
+            <a:r>
+              <a:rPr lang="en-US" dirty="0" err="1"/>
+              <a:t>mé</a:t>
+            </a:r>
+            <a:r>
+              <a:rPr lang="en-US" dirty="0"/>
+              <a:t> </a:t>
+            </a:r>
+            <a:r>
+              <a:rPr lang="en-US" dirty="0" err="1"/>
+              <a:t>práci</a:t>
+            </a:r>
+            <a:r>
+              <a:rPr lang="en-US" dirty="0"/>
+              <a:t> </a:t>
+            </a:r>
+            <a:r>
+              <a:rPr lang="en-US" dirty="0" err="1"/>
+              <a:t>zde</a:t>
+            </a:r>
+            <a:r>
+              <a:rPr lang="en-US" dirty="0"/>
+              <a:t> </a:t>
+            </a:r>
+            <a:r>
+              <a:rPr lang="en-US" dirty="0" err="1"/>
+              <a:t>na</a:t>
+            </a:r>
+            <a:r>
+              <a:rPr lang="en-US" dirty="0"/>
+              <a:t> </a:t>
+            </a:r>
+            <a:r>
+              <a:rPr lang="en-US" dirty="0" err="1"/>
+              <a:t>obrázku</a:t>
+            </a:r>
+            <a:r>
+              <a:rPr lang="en-US" dirty="0"/>
+              <a:t> </a:t>
+            </a:r>
+            <a:r>
+              <a:rPr lang="en-US" dirty="0" err="1"/>
+              <a:t>můžete</a:t>
             </a:r>
             <a:r>
               <a:rPr lang="en-US" dirty="0"/>
@@ -6661,19 +6332,27 @@
             </a:r>
             <a:r>
               <a:rPr lang="en-US" dirty="0"/>
-              <a:t> </a:t>
-            </a:r>
-            <a:r>
-              <a:rPr lang="en-US" dirty="0" err="1"/>
-              <a:t>přihlašovací</a:t>
-            </a:r>
-            <a:r>
-              <a:rPr lang="en-US" dirty="0"/>
-              <a:t> </a:t>
-            </a:r>
-            <a:r>
-              <a:rPr lang="en-US" dirty="0" err="1"/>
-              <a:t>okoale</a:t>
+              <a:t> component diagram </a:t>
+            </a:r>
+            <a:r>
+              <a:rPr lang="en-US" dirty="0" err="1"/>
+              <a:t>celé</a:t>
+            </a:r>
+            <a:r>
+              <a:rPr lang="en-US" dirty="0"/>
+              <a:t> </a:t>
+            </a:r>
+            <a:r>
+              <a:rPr lang="en-US" dirty="0" err="1"/>
+              <a:t>soustavy</a:t>
+            </a:r>
+            <a:r>
+              <a:rPr lang="en-US" dirty="0"/>
+              <a:t> </a:t>
+            </a:r>
+            <a:r>
+              <a:rPr lang="en-US" dirty="0" err="1"/>
+              <a:t>kde</a:t>
             </a:r>
             <a:r>
               <a:rPr lang="en-US" dirty="0"/>
@@ -6689,55 +6368,23 @@
             </a:r>
             <a:r>
               <a:rPr lang="en-US" dirty="0" err="1"/>
-              <a:t>zde</a:t>
-            </a:r>
-            <a:r>
-              <a:rPr lang="en-US" dirty="0"/>
-              <a:t> </a:t>
-            </a:r>
-            <a:r>
-              <a:rPr lang="en-US" dirty="0" err="1"/>
               <a:t>vidět</a:t>
             </a:r>
             <a:r>
               <a:rPr lang="en-US" dirty="0"/>
-              <a:t> jak je program </a:t>
-            </a:r>
-            <a:r>
-              <a:rPr lang="en-US" dirty="0" err="1"/>
-              <a:t>schopen</a:t>
-            </a:r>
-            <a:r>
-              <a:rPr lang="en-US" dirty="0"/>
-              <a:t> </a:t>
-            </a:r>
-            <a:r>
-              <a:rPr lang="en-US" dirty="0" err="1"/>
-              <a:t>změnit</a:t>
-            </a:r>
-            <a:r>
-              <a:rPr lang="en-US" dirty="0"/>
-              <a:t> </a:t>
-            </a:r>
-            <a:r>
-              <a:rPr lang="en-US" dirty="0" err="1"/>
-              <a:t>svůj</a:t>
-            </a:r>
-            <a:r>
-              <a:rPr lang="en-US" dirty="0"/>
-              <a:t> </a:t>
-            </a:r>
-            <a:r>
-              <a:rPr lang="en-US" dirty="0" err="1"/>
-              <a:t>motiv</a:t>
-            </a:r>
-            <a:r>
-              <a:rPr lang="en-US" dirty="0"/>
-              <a:t> ze </a:t>
-            </a:r>
-            <a:r>
-              <a:rPr lang="en-US" dirty="0" err="1"/>
-              <a:t>světlého</a:t>
+              <a:t> </a:t>
+            </a:r>
+            <a:r>
+              <a:rPr lang="en-US" dirty="0" err="1"/>
+              <a:t>oddělenou</a:t>
+            </a:r>
+            <a:r>
+              <a:rPr lang="en-US" dirty="0"/>
+              <a:t> </a:t>
+            </a:r>
+            <a:r>
+              <a:rPr lang="en-US" dirty="0" err="1"/>
+              <a:t>čarou</a:t>
             </a:r>
             <a:r>
               <a:rPr lang="en-US" dirty="0"/>
@@ -6753,47 +6400,31 @@
             </a:r>
             <a:r>
               <a:rPr lang="en-US" dirty="0" err="1"/>
-              <a:t>tmavý</a:t>
-            </a:r>
-            <a:r>
-              <a:rPr lang="en-US" dirty="0"/>
-              <a:t> </a:t>
-            </a:r>
-            <a:r>
-              <a:rPr lang="en-US" dirty="0" err="1"/>
-              <a:t>pomocí</a:t>
-            </a:r>
-            <a:r>
-              <a:rPr lang="en-US" dirty="0"/>
-              <a:t> </a:t>
-            </a:r>
-            <a:r>
-              <a:rPr lang="en-US" dirty="0" err="1"/>
-              <a:t>dá</a:t>
-            </a:r>
-            <a:r>
-              <a:rPr lang="en-US" dirty="0"/>
-              <a:t> se </a:t>
-            </a:r>
-            <a:r>
-              <a:rPr lang="en-US" dirty="0" err="1"/>
-              <a:t>říct</a:t>
-            </a:r>
-            <a:r>
-              <a:rPr lang="en-US" dirty="0"/>
-              <a:t> </a:t>
-            </a:r>
-            <a:r>
-              <a:rPr lang="en-US" dirty="0" err="1"/>
-              <a:t>jednoho</a:t>
-            </a:r>
-            <a:r>
-              <a:rPr lang="en-US" dirty="0"/>
-              <a:t> </a:t>
-            </a:r>
-            <a:r>
-              <a:rPr lang="en-US" dirty="0" err="1"/>
-              <a:t>řádku</a:t>
+              <a:t>jakou</a:t>
+            </a:r>
+            <a:r>
+              <a:rPr lang="en-US" dirty="0"/>
+              <a:t> </a:t>
+            </a:r>
+            <a:r>
+              <a:rPr lang="en-US" dirty="0" err="1"/>
+              <a:t>část</a:t>
+            </a:r>
+            <a:r>
+              <a:rPr lang="en-US" dirty="0"/>
+              <a:t> </a:t>
+            </a:r>
+            <a:r>
+              <a:rPr lang="en-US" dirty="0" err="1"/>
+              <a:t>jsem</a:t>
+            </a:r>
+            <a:r>
+              <a:rPr lang="en-US" dirty="0"/>
+              <a:t> </a:t>
+            </a:r>
+            <a:r>
+              <a:rPr lang="en-US" dirty="0" err="1"/>
+              <a:t>navazoval</a:t>
             </a:r>
             <a:r>
               <a:rPr lang="en-US" dirty="0"/>
@@ -6801,14 +6432,6 @@
             </a:r>
             <a:r>
               <a:rPr lang="en-US" dirty="0" err="1"/>
-              <a:t>komponenty</a:t>
-            </a:r>
-            <a:r>
-              <a:rPr lang="en-US" dirty="0"/>
-              <a:t> </a:t>
-            </a:r>
-            <a:r>
-              <a:rPr lang="en-US" dirty="0" err="1"/>
               <a:t>která</a:t>
             </a:r>
             <a:r>
@@ -6817,23 +6440,62 @@
             </a:r>
             <a:r>
               <a:rPr lang="en-US" dirty="0" err="1"/>
-              <a:t>tento</a:t>
-            </a:r>
-            <a:r>
-              <a:rPr lang="en-US" dirty="0"/>
-              <a:t> </a:t>
-            </a:r>
-            <a:r>
-              <a:rPr lang="en-US" dirty="0" err="1"/>
-              <a:t>kód</a:t>
-            </a:r>
-            <a:r>
-              <a:rPr lang="en-US" dirty="0"/>
-              <a:t> </a:t>
-            </a:r>
-            <a:r>
-              <a:rPr lang="en-US" dirty="0" err="1"/>
-              <a:t>spustí</a:t>
+              <a:t>část</a:t>
+            </a:r>
+            <a:r>
+              <a:rPr lang="en-US" dirty="0"/>
+              <a:t> je </a:t>
+            </a:r>
+            <a:r>
+              <a:rPr lang="en-US" dirty="0" err="1"/>
+              <a:t>již</a:t>
+            </a:r>
+            <a:r>
+              <a:rPr lang="en-US" dirty="0"/>
+              <a:t> </a:t>
+            </a:r>
+            <a:r>
+              <a:rPr lang="en-US" dirty="0" err="1"/>
+              <a:t>moje</a:t>
+            </a:r>
+            <a:br>
+              <a:rPr lang="en-US" dirty="0"/>
+            </a:br>
+            <a:r>
+              <a:rPr lang="en-US" dirty="0"/>
+              <a:t>Moje </a:t>
+            </a:r>
+            <a:r>
+              <a:rPr lang="en-US" dirty="0" err="1"/>
+              <a:t>práce</a:t>
+            </a:r>
+            <a:r>
+              <a:rPr lang="en-US" dirty="0"/>
+              <a:t> je </a:t>
+            </a:r>
+            <a:r>
+              <a:rPr lang="en-US" dirty="0" err="1"/>
+              <a:t>na</a:t>
+            </a:r>
+            <a:r>
+              <a:rPr lang="en-US" dirty="0"/>
+              <a:t> </a:t>
+            </a:r>
+            <a:r>
+              <a:rPr lang="en-US" dirty="0" err="1"/>
+              <a:t>komponentě</a:t>
+            </a:r>
+            <a:r>
+              <a:rPr lang="en-US" dirty="0"/>
+              <a:t> admin window, </a:t>
+            </a:r>
+            <a:r>
+              <a:rPr lang="en-US" dirty="0" err="1"/>
+              <a:t>Userwindow</a:t>
+            </a:r>
+            <a:r>
+              <a:rPr lang="en-US" dirty="0"/>
+              <a:t> a Main a database </a:t>
             </a:r>
             <a:endParaRPr lang="cs-CZ" dirty="0"/>
           </a:p>
@@ -6856,7 +6518,7 @@
           <a:p>
             <a:fld id="{40499985-F144-4F30-9B65-93EDEC442801}" type="slidenum">
               <a:rPr lang="cs-CZ" smtClean="0"/>
-              <a:t>12</a:t>
+              <a:t>9</a:t>
             </a:fld>
             <a:endParaRPr lang="cs-CZ"/>
           </a:p>
@@ -6865,7 +6527,7 @@
     </p:spTree>
     <p:extLst>
       <p:ext uri="{BB962C8B-B14F-4D97-AF65-F5344CB8AC3E}">
-        <p14:creationId xmlns:p14="http://schemas.microsoft.com/office/powerpoint/2010/main" val="2969818195"/>
+        <p14:creationId xmlns:p14="http://schemas.microsoft.com/office/powerpoint/2010/main" val="2016927497"/>
       </p:ext>
     </p:extLst>
   </p:cSld>
@@ -6920,24 +6582,44 @@
           <a:lstStyle/>
           <a:p>
             <a:r>
-              <a:rPr lang="en-US" dirty="0" err="1"/>
-              <a:t>Tohle</a:t>
-            </a:r>
-            <a:r>
-              <a:rPr lang="en-US" dirty="0"/>
-              <a:t> </a:t>
-            </a:r>
-            <a:r>
-              <a:rPr lang="en-US" dirty="0" err="1"/>
-              <a:t>oknou</a:t>
-            </a:r>
-            <a:r>
-              <a:rPr lang="en-US" dirty="0"/>
-              <a:t> </a:t>
-            </a:r>
-            <a:r>
-              <a:rPr lang="en-US" dirty="0" err="1"/>
-              <a:t>slouží</a:t>
+              <a:rPr lang="en-US" dirty="0"/>
+              <a:t>Po </a:t>
+            </a:r>
+            <a:r>
+              <a:rPr lang="en-US" dirty="0" err="1"/>
+              <a:t>otestování</a:t>
+            </a:r>
+            <a:r>
+              <a:rPr lang="en-US" dirty="0"/>
+              <a:t> </a:t>
+            </a:r>
+            <a:r>
+              <a:rPr lang="en-US" dirty="0" err="1"/>
+              <a:t>nejpoužívanějších</a:t>
+            </a:r>
+            <a:r>
+              <a:rPr lang="en-US" dirty="0"/>
+              <a:t> </a:t>
+            </a:r>
+            <a:r>
+              <a:rPr lang="en-US" dirty="0" err="1"/>
+              <a:t>knihoven</a:t>
+            </a:r>
+            <a:r>
+              <a:rPr lang="en-US" dirty="0"/>
+              <a:t> </a:t>
+            </a:r>
+            <a:r>
+              <a:rPr lang="en-US" dirty="0" err="1"/>
+              <a:t>jsem</a:t>
+            </a:r>
+            <a:r>
+              <a:rPr lang="en-US" dirty="0"/>
+              <a:t> </a:t>
+            </a:r>
+            <a:r>
+              <a:rPr lang="en-US" dirty="0" err="1"/>
+              <a:t>došel</a:t>
             </a:r>
             <a:r>
               <a:rPr lang="en-US" dirty="0"/>
@@ -6945,95 +6627,55 @@
             </a:r>
             <a:r>
               <a:rPr lang="en-US" dirty="0" err="1"/>
-              <a:t>tomu</a:t>
-            </a:r>
-            <a:r>
-              <a:rPr lang="en-US" dirty="0"/>
-              <a:t> aby se </a:t>
-            </a:r>
-            <a:r>
-              <a:rPr lang="en-US" dirty="0" err="1"/>
-              <a:t>pracovník</a:t>
-            </a:r>
-            <a:r>
-              <a:rPr lang="en-US" dirty="0"/>
-              <a:t> u </a:t>
-            </a:r>
-            <a:r>
-              <a:rPr lang="en-US" dirty="0" err="1"/>
-              <a:t>soustavy</a:t>
-            </a:r>
-            <a:r>
-              <a:rPr lang="en-US" dirty="0"/>
-              <a:t> </a:t>
-            </a:r>
-            <a:r>
-              <a:rPr lang="en-US" dirty="0" err="1"/>
-              <a:t>identifikoval</a:t>
-            </a:r>
-            <a:r>
-              <a:rPr lang="en-US" dirty="0"/>
-              <a:t> bud </a:t>
-            </a:r>
-            <a:r>
-              <a:rPr lang="en-US" dirty="0" err="1"/>
-              <a:t>jako</a:t>
-            </a:r>
-            <a:r>
-              <a:rPr lang="en-US" dirty="0"/>
-              <a:t> administrator </a:t>
-            </a:r>
-            <a:r>
-              <a:rPr lang="en-US" dirty="0" err="1"/>
-              <a:t>nebo</a:t>
-            </a:r>
-            <a:r>
-              <a:rPr lang="en-US" dirty="0"/>
-              <a:t> </a:t>
-            </a:r>
-            <a:r>
-              <a:rPr lang="en-US" dirty="0" err="1"/>
-              <a:t>uživatel</a:t>
-            </a:r>
-            <a:r>
-              <a:rPr lang="en-US" dirty="0"/>
-              <a:t> </a:t>
-            </a:r>
-            <a:r>
-              <a:rPr lang="en-US" dirty="0" err="1"/>
-              <a:t>pokud</a:t>
-            </a:r>
-            <a:r>
-              <a:rPr lang="en-US" dirty="0"/>
-              <a:t> se </a:t>
-            </a:r>
-            <a:r>
-              <a:rPr lang="en-US" dirty="0" err="1"/>
-              <a:t>nedokže</a:t>
-            </a:r>
-            <a:r>
-              <a:rPr lang="en-US" dirty="0"/>
-              <a:t> </a:t>
-            </a:r>
-            <a:r>
-              <a:rPr lang="en-US" dirty="0" err="1"/>
-              <a:t>identifikovat</a:t>
-            </a:r>
-            <a:r>
-              <a:rPr lang="en-US" dirty="0"/>
-              <a:t> </a:t>
-            </a:r>
-            <a:r>
-              <a:rPr lang="en-US" dirty="0" err="1"/>
-              <a:t>jako</a:t>
-            </a:r>
-            <a:r>
-              <a:rPr lang="en-US" dirty="0"/>
-              <a:t> ani </a:t>
-            </a:r>
-            <a:r>
-              <a:rPr lang="en-US" dirty="0" err="1"/>
-              <a:t>jeden</a:t>
+              <a:t>závěru</a:t>
+            </a:r>
+            <a:r>
+              <a:rPr lang="en-US" dirty="0"/>
+              <a:t> </a:t>
+            </a:r>
+            <a:r>
+              <a:rPr lang="en-US" dirty="0" err="1"/>
+              <a:t>že</a:t>
+            </a:r>
+            <a:r>
+              <a:rPr lang="en-US" dirty="0"/>
+              <a:t> </a:t>
+            </a:r>
+            <a:r>
+              <a:rPr lang="en-US" dirty="0" err="1"/>
+              <a:t>knihovna</a:t>
+            </a:r>
+            <a:r>
+              <a:rPr lang="en-US" dirty="0"/>
+              <a:t> tkinter se </a:t>
+            </a:r>
+            <a:r>
+              <a:rPr lang="en-US" dirty="0" err="1"/>
+              <a:t>svojí</a:t>
+            </a:r>
+            <a:r>
+              <a:rPr lang="en-US" dirty="0"/>
+              <a:t> </a:t>
+            </a:r>
+            <a:r>
+              <a:rPr lang="en-US" dirty="0" err="1"/>
+              <a:t>nadstavou</a:t>
+            </a:r>
+            <a:r>
+              <a:rPr lang="en-US" dirty="0"/>
+              <a:t> </a:t>
+            </a:r>
+            <a:r>
+              <a:rPr lang="en-US" dirty="0" err="1"/>
+              <a:t>custum</a:t>
+            </a:r>
+            <a:r>
+              <a:rPr lang="en-US" dirty="0"/>
+              <a:t> </a:t>
+            </a:r>
+            <a:r>
+              <a:rPr lang="en-US" dirty="0" err="1"/>
+              <a:t>tkiter</a:t>
             </a:r>
             <a:r>
               <a:rPr lang="en-US" dirty="0"/>
@@ -7045,19 +6687,19 @@
             </a:r>
             <a:r>
               <a:rPr lang="en-US" dirty="0"/>
-              <a:t> mu </a:t>
-            </a:r>
-            <a:r>
-              <a:rPr lang="en-US" dirty="0" err="1"/>
-              <a:t>přístup</a:t>
-            </a:r>
-            <a:r>
-              <a:rPr lang="en-US" dirty="0"/>
-              <a:t> </a:t>
-            </a:r>
-            <a:r>
-              <a:rPr lang="en-US" dirty="0" err="1"/>
-              <a:t>odepřen</a:t>
+              <a:t> </a:t>
+            </a:r>
+            <a:r>
+              <a:rPr lang="en-US" dirty="0" err="1"/>
+              <a:t>nejlepší</a:t>
+            </a:r>
+            <a:r>
+              <a:rPr lang="en-US" dirty="0"/>
+              <a:t> </a:t>
+            </a:r>
+            <a:r>
+              <a:rPr lang="en-US" dirty="0" err="1"/>
+              <a:t>volbou</a:t>
             </a:r>
             <a:endParaRPr lang="en-US" dirty="0"/>
           </a:p>
@@ -7080,7 +6722,7 @@
           <a:p>
             <a:fld id="{40499985-F144-4F30-9B65-93EDEC442801}" type="slidenum">
               <a:rPr lang="cs-CZ" smtClean="0"/>
-              <a:t>13</a:t>
+              <a:t>10</a:t>
             </a:fld>
             <a:endParaRPr lang="cs-CZ"/>
           </a:p>
@@ -7089,7 +6731,7 @@
     </p:spTree>
     <p:extLst>
       <p:ext uri="{BB962C8B-B14F-4D97-AF65-F5344CB8AC3E}">
-        <p14:creationId xmlns:p14="http://schemas.microsoft.com/office/powerpoint/2010/main" val="4058845635"/>
+        <p14:creationId xmlns:p14="http://schemas.microsoft.com/office/powerpoint/2010/main" val="3591965212"/>
       </p:ext>
     </p:extLst>
   </p:cSld>
@@ -7555,7 +7197,7 @@
 </file>
 
 <file path=ppt/slideLayouts/slideLayout3.xml><?xml version="1.0" encoding="utf-8"?>
-<p:sldLayout xmlns:a="http://schemas.openxmlformats.org/drawingml/2006/main" xmlns:r="http://schemas.openxmlformats.org/officeDocument/2006/relationships" xmlns:p="http://schemas.openxmlformats.org/presentationml/2006/main" type="obj" preserve="1">
+<p:sldLayout xmlns:a="http://schemas.openxmlformats.org/drawingml/2006/main" xmlns:r="http://schemas.openxmlformats.org/officeDocument/2006/relationships" xmlns:p="http://schemas.openxmlformats.org/presentationml/2006/main" preserve="1" userDrawn="1">
   <p:cSld name="Nadpis a obsah">
     <p:spTree>
       <p:nvGrpSpPr>
@@ -7583,7 +7225,7 @@
         </p:nvSpPr>
         <p:spPr>
           <a:xfrm>
-            <a:off x="1080000" y="1800000"/>
+            <a:off x="1079999" y="1432531"/>
             <a:ext cx="7794000" cy="1087934"/>
           </a:xfrm>
         </p:spPr>
@@ -7617,7 +7259,7 @@
         </p:nvSpPr>
         <p:spPr>
           <a:xfrm>
-            <a:off x="1079999" y="3059766"/>
+            <a:off x="1079999" y="2573536"/>
             <a:ext cx="7794000" cy="3528000"/>
           </a:xfrm>
         </p:spPr>
@@ -7640,6 +7282,46 @@
               <a:t>VLOŽIT TEXT</a:t>
             </a:r>
             <a:endParaRPr lang="en-US" dirty="0"/>
+          </a:p>
+        </p:txBody>
+      </p:sp>
+      <p:sp>
+        <p:nvSpPr>
+          <p:cNvPr id="6" name="TextovéPole 5">
+            <a:extLst>
+              <a:ext uri="{FF2B5EF4-FFF2-40B4-BE49-F238E27FC236}">
+                <a16:creationId xmlns:a16="http://schemas.microsoft.com/office/drawing/2014/main" id="{803AA5BB-A98B-6EDF-F7C4-8BE245A5224E}"/>
+              </a:ext>
+            </a:extLst>
+          </p:cNvPr>
+          <p:cNvSpPr txBox="1"/>
+          <p:nvPr userDrawn="1"/>
+        </p:nvSpPr>
+        <p:spPr>
+          <a:xfrm>
+            <a:off x="7947589" y="6332434"/>
+            <a:ext cx="926410" cy="369332"/>
+          </a:xfrm>
+          <a:prstGeom prst="rect">
+            <a:avLst/>
+          </a:prstGeom>
+          <a:noFill/>
+        </p:spPr>
+        <p:txBody>
+          <a:bodyPr wrap="square" rtlCol="0">
+            <a:spAutoFit/>
+          </a:bodyPr>
+          <a:lstStyle/>
+          <a:p>
+            <a:fld id="{CB263571-2B6E-45E4-877C-B1582C952F88}" type="slidenum">
+              <a:rPr lang="cs-CZ" smtClean="0"/>
+              <a:t>‹#›</a:t>
+            </a:fld>
+            <a:r>
+              <a:rPr lang="en-US" dirty="0"/>
+              <a:t>/19</a:t>
+            </a:r>
+            <a:endParaRPr lang="cs-CZ" dirty="0"/>
           </a:p>
         </p:txBody>
       </p:sp>
@@ -7708,6 +7390,46 @@
               <a:t>VLOŽIT OBRÁZEK</a:t>
             </a:r>
             <a:endParaRPr lang="en-US" dirty="0"/>
+          </a:p>
+        </p:txBody>
+      </p:sp>
+      <p:sp>
+        <p:nvSpPr>
+          <p:cNvPr id="2" name="TextovéPole 1">
+            <a:extLst>
+              <a:ext uri="{FF2B5EF4-FFF2-40B4-BE49-F238E27FC236}">
+                <a16:creationId xmlns:a16="http://schemas.microsoft.com/office/drawing/2014/main" id="{C7D3D95C-195F-3892-B99C-A72FD1206C88}"/>
+              </a:ext>
+            </a:extLst>
+          </p:cNvPr>
+          <p:cNvSpPr txBox="1"/>
+          <p:nvPr userDrawn="1"/>
+        </p:nvSpPr>
+        <p:spPr>
+          <a:xfrm>
+            <a:off x="7947589" y="6332434"/>
+            <a:ext cx="926410" cy="369332"/>
+          </a:xfrm>
+          <a:prstGeom prst="rect">
+            <a:avLst/>
+          </a:prstGeom>
+          <a:noFill/>
+        </p:spPr>
+        <p:txBody>
+          <a:bodyPr wrap="square" rtlCol="0">
+            <a:spAutoFit/>
+          </a:bodyPr>
+          <a:lstStyle/>
+          <a:p>
+            <a:fld id="{CB263571-2B6E-45E4-877C-B1582C952F88}" type="slidenum">
+              <a:rPr lang="cs-CZ" smtClean="0"/>
+              <a:t>‹#›</a:t>
+            </a:fld>
+            <a:r>
+              <a:rPr lang="en-US" dirty="0"/>
+              <a:t>/19</a:t>
+            </a:r>
+            <a:endParaRPr lang="cs-CZ" dirty="0"/>
           </a:p>
         </p:txBody>
       </p:sp>
@@ -7820,6 +7542,46 @@
           </a:p>
         </p:txBody>
       </p:sp>
+      <p:sp>
+        <p:nvSpPr>
+          <p:cNvPr id="2" name="TextovéPole 1">
+            <a:extLst>
+              <a:ext uri="{FF2B5EF4-FFF2-40B4-BE49-F238E27FC236}">
+                <a16:creationId xmlns:a16="http://schemas.microsoft.com/office/drawing/2014/main" id="{B8AF4E05-0D7B-1412-FC37-09117712F63D}"/>
+              </a:ext>
+            </a:extLst>
+          </p:cNvPr>
+          <p:cNvSpPr txBox="1"/>
+          <p:nvPr userDrawn="1"/>
+        </p:nvSpPr>
+        <p:spPr>
+          <a:xfrm>
+            <a:off x="7947589" y="6332434"/>
+            <a:ext cx="926410" cy="369332"/>
+          </a:xfrm>
+          <a:prstGeom prst="rect">
+            <a:avLst/>
+          </a:prstGeom>
+          <a:noFill/>
+        </p:spPr>
+        <p:txBody>
+          <a:bodyPr wrap="square" rtlCol="0">
+            <a:spAutoFit/>
+          </a:bodyPr>
+          <a:lstStyle/>
+          <a:p>
+            <a:fld id="{CB263571-2B6E-45E4-877C-B1582C952F88}" type="slidenum">
+              <a:rPr lang="cs-CZ" smtClean="0"/>
+              <a:t>‹#›</a:t>
+            </a:fld>
+            <a:r>
+              <a:rPr lang="en-US" dirty="0"/>
+              <a:t>/19</a:t>
+            </a:r>
+            <a:endParaRPr lang="cs-CZ" dirty="0"/>
+          </a:p>
+        </p:txBody>
+      </p:sp>
     </p:spTree>
     <p:extLst>
       <p:ext uri="{BB962C8B-B14F-4D97-AF65-F5344CB8AC3E}">
@@ -7865,11 +7627,7 @@
           <a:bodyPr/>
           <a:lstStyle/>
           <a:p>
-            <a:fld id="{E5511B20-2ACD-4E6E-A46B-341B748B8834}" type="datetime1">
-              <a:rPr lang="en-US" smtClean="0"/>
-              <a:t>6/3/2024</a:t>
-            </a:fld>
-            <a:endParaRPr lang="en-US"/>
+            <a:endParaRPr lang="en-US" dirty="0"/>
           </a:p>
         </p:txBody>
       </p:sp>
@@ -7888,7 +7646,12 @@
           <a:bodyPr/>
           <a:lstStyle/>
           <a:p>
-            <a:endParaRPr lang="en-US"/>
+            <a:fld id="{D57F1E4F-1CFF-5643-939E-217C01CDF565}" type="slidenum">
+              <a:rPr lang="en-US" smtClean="0"/>
+              <a:pPr/>
+              <a:t>‹#›</a:t>
+            </a:fld>
+            <a:endParaRPr lang="en-US" dirty="0"/>
           </a:p>
         </p:txBody>
       </p:sp>
@@ -7907,12 +7670,7 @@
           <a:bodyPr/>
           <a:lstStyle/>
           <a:p>
-            <a:fld id="{D57F1E4F-1CFF-5643-939E-217C01CDF565}" type="slidenum">
-              <a:rPr lang="en-US" dirty="0"/>
-              <a:pPr/>
-              <a:t>‹#›</a:t>
-            </a:fld>
-            <a:endParaRPr lang="en-US"/>
+            <a:endParaRPr lang="en-US" dirty="0"/>
           </a:p>
         </p:txBody>
       </p:sp>
@@ -8103,6 +7861,7 @@
     <p:sldLayoutId id="2147483684" r:id="rId5"/>
     <p:sldLayoutId id="2147483687" r:id="rId6"/>
   </p:sldLayoutIdLst>
+  <p:hf hdr="0" ftr="0" dt="0"/>
   <p:txStyles>
     <p:titleStyle>
       <a:lvl1pPr algn="l" defTabSz="914354" rtl="0" eaLnBrk="1" latinLnBrk="0" hangingPunct="1">
@@ -8557,105 +8316,6 @@
           <p:cNvPr id="2" name="Title 1">
             <a:extLst>
               <a:ext uri="{FF2B5EF4-FFF2-40B4-BE49-F238E27FC236}">
-                <a16:creationId xmlns:a16="http://schemas.microsoft.com/office/drawing/2014/main" id="{C785D90F-E463-BB8A-0C16-26EF91A57CC1}"/>
-              </a:ext>
-            </a:extLst>
-          </p:cNvPr>
-          <p:cNvSpPr>
-            <a:spLocks noGrp="1"/>
-          </p:cNvSpPr>
-          <p:nvPr>
-            <p:ph type="title"/>
-          </p:nvPr>
-        </p:nvSpPr>
-        <p:spPr/>
-        <p:txBody>
-          <a:bodyPr/>
-          <a:lstStyle/>
-          <a:p>
-            <a:r>
-              <a:rPr lang="en-US" dirty="0" err="1"/>
-              <a:t>Metodika</a:t>
-            </a:r>
-            <a:endParaRPr lang="cs-CZ" dirty="0"/>
-          </a:p>
-        </p:txBody>
-      </p:sp>
-      <p:pic>
-        <p:nvPicPr>
-          <p:cNvPr id="5" name="Content Placeholder 4" descr="A diagram of a software system&#10;&#10;Description automatically generated">
-            <a:extLst>
-              <a:ext uri="{FF2B5EF4-FFF2-40B4-BE49-F238E27FC236}">
-                <a16:creationId xmlns:a16="http://schemas.microsoft.com/office/drawing/2014/main" id="{87E0771F-A9B8-A4C5-55FF-4E4E5EFFAD96}"/>
-              </a:ext>
-            </a:extLst>
-          </p:cNvPr>
-          <p:cNvPicPr>
-            <a:picLocks noGrp="1" noChangeAspect="1"/>
-          </p:cNvPicPr>
-          <p:nvPr>
-            <p:ph idx="1"/>
-          </p:nvPr>
-        </p:nvPicPr>
-        <p:blipFill>
-          <a:blip r:embed="rId4">
-            <a:extLst>
-              <a:ext uri="{28A0092B-C50C-407E-A947-70E740481C1C}">
-                <a14:useLocalDpi xmlns:a14="http://schemas.microsoft.com/office/drawing/2010/main" val="0"/>
-              </a:ext>
-            </a:extLst>
-          </a:blip>
-          <a:stretch>
-            <a:fillRect/>
-          </a:stretch>
-        </p:blipFill>
-        <p:spPr>
-          <a:xfrm>
-            <a:off x="742602" y="2502040"/>
-            <a:ext cx="7573889" cy="3838470"/>
-          </a:xfrm>
-        </p:spPr>
-      </p:pic>
-    </p:spTree>
-    <p:extLst>
-      <p:ext uri="{BB962C8B-B14F-4D97-AF65-F5344CB8AC3E}">
-        <p14:creationId xmlns:p14="http://schemas.microsoft.com/office/powerpoint/2010/main" val="2796476723"/>
-      </p:ext>
-    </p:extLst>
-  </p:cSld>
-  <p:clrMapOvr>
-    <a:masterClrMapping/>
-  </p:clrMapOvr>
-  <p:extLst>
-    <p:ext uri="{6950BFC3-D8DA-4A85-94F7-54DA5524770B}">
-      <p188:commentRel xmlns:p188="http://schemas.microsoft.com/office/powerpoint/2018/8/main" r:id="rId3"/>
-    </p:ext>
-  </p:extLst>
-</p:sld>
-</file>
-
-<file path=ppt/slides/slide11.xml><?xml version="1.0" encoding="utf-8"?>
-<p:sld xmlns:a="http://schemas.openxmlformats.org/drawingml/2006/main" xmlns:r="http://schemas.openxmlformats.org/officeDocument/2006/relationships" xmlns:p="http://schemas.openxmlformats.org/presentationml/2006/main">
-  <p:cSld>
-    <p:spTree>
-      <p:nvGrpSpPr>
-        <p:cNvPr id="1" name=""/>
-        <p:cNvGrpSpPr/>
-        <p:nvPr/>
-      </p:nvGrpSpPr>
-      <p:grpSpPr>
-        <a:xfrm>
-          <a:off x="0" y="0"/>
-          <a:ext cx="0" cy="0"/>
-          <a:chOff x="0" y="0"/>
-          <a:chExt cx="0" cy="0"/>
-        </a:xfrm>
-      </p:grpSpPr>
-      <p:sp>
-        <p:nvSpPr>
-          <p:cNvPr id="2" name="Title 1">
-            <a:extLst>
-              <a:ext uri="{FF2B5EF4-FFF2-40B4-BE49-F238E27FC236}">
                 <a16:creationId xmlns:a16="http://schemas.microsoft.com/office/drawing/2014/main" id="{1C8B6BAE-A07C-BFB6-F76D-F422BB02DF65}"/>
               </a:ext>
             </a:extLst>
@@ -8729,6 +8389,71 @@
     <p:extLst>
       <p:ext uri="{BB962C8B-B14F-4D97-AF65-F5344CB8AC3E}">
         <p14:creationId xmlns:p14="http://schemas.microsoft.com/office/powerpoint/2010/main" val="4039360344"/>
+      </p:ext>
+    </p:extLst>
+  </p:cSld>
+  <p:clrMapOvr>
+    <a:masterClrMapping/>
+  </p:clrMapOvr>
+</p:sld>
+</file>
+
+<file path=ppt/slides/slide11.xml><?xml version="1.0" encoding="utf-8"?>
+<p:sld xmlns:a="http://schemas.openxmlformats.org/drawingml/2006/main" xmlns:r="http://schemas.openxmlformats.org/officeDocument/2006/relationships" xmlns:p="http://schemas.openxmlformats.org/presentationml/2006/main">
+  <p:cSld>
+    <p:spTree>
+      <p:nvGrpSpPr>
+        <p:cNvPr id="1" name=""/>
+        <p:cNvGrpSpPr/>
+        <p:nvPr/>
+      </p:nvGrpSpPr>
+      <p:grpSpPr>
+        <a:xfrm>
+          <a:off x="0" y="0"/>
+          <a:ext cx="0" cy="0"/>
+          <a:chOff x="0" y="0"/>
+          <a:chExt cx="0" cy="0"/>
+        </a:xfrm>
+      </p:grpSpPr>
+      <p:pic>
+        <p:nvPicPr>
+          <p:cNvPr id="6" name="Zástupný obsah 5" descr="Obsah obrázku text, snímek obrazovky, software&#10;&#10;Popis byl vytvořen automaticky">
+            <a:extLst>
+              <a:ext uri="{FF2B5EF4-FFF2-40B4-BE49-F238E27FC236}">
+                <a16:creationId xmlns:a16="http://schemas.microsoft.com/office/drawing/2014/main" id="{FB1EA9A8-6553-64DC-B0A8-8751A4685CB0}"/>
+              </a:ext>
+            </a:extLst>
+          </p:cNvPr>
+          <p:cNvPicPr>
+            <a:picLocks noGrp="1" noChangeAspect="1"/>
+          </p:cNvPicPr>
+          <p:nvPr>
+            <p:ph idx="1"/>
+          </p:nvPr>
+        </p:nvPicPr>
+        <p:blipFill>
+          <a:blip r:embed="rId3">
+            <a:extLst>
+              <a:ext uri="{28A0092B-C50C-407E-A947-70E740481C1C}">
+                <a14:useLocalDpi xmlns:a14="http://schemas.microsoft.com/office/drawing/2010/main" val="0"/>
+              </a:ext>
+            </a:extLst>
+          </a:blip>
+          <a:stretch>
+            <a:fillRect/>
+          </a:stretch>
+        </p:blipFill>
+        <p:spPr>
+          <a:xfrm>
+            <a:off x="1152000" y="1359000"/>
+            <a:ext cx="6840000" cy="4140000"/>
+          </a:xfrm>
+        </p:spPr>
+      </p:pic>
+    </p:spTree>
+    <p:extLst>
+      <p:ext uri="{BB962C8B-B14F-4D97-AF65-F5344CB8AC3E}">
+        <p14:creationId xmlns:p14="http://schemas.microsoft.com/office/powerpoint/2010/main" val="1666840846"/>
       </p:ext>
     </p:extLst>
   </p:cSld>
@@ -8755,200 +8480,41 @@
           <a:chExt cx="0" cy="0"/>
         </a:xfrm>
       </p:grpSpPr>
-      <p:sp>
-        <p:nvSpPr>
-          <p:cNvPr id="2" name="Title 1">
+      <p:pic>
+        <p:nvPicPr>
+          <p:cNvPr id="8" name="Zástupný obsah 7" descr="Obsah obrázku text, snímek obrazovky, software, Multimediální software&#10;&#10;Popis byl vytvořen automaticky">
             <a:extLst>
               <a:ext uri="{FF2B5EF4-FFF2-40B4-BE49-F238E27FC236}">
-                <a16:creationId xmlns:a16="http://schemas.microsoft.com/office/drawing/2014/main" id="{7D2E13A8-3024-AE9C-39F1-2A76190494A3}"/>
+                <a16:creationId xmlns:a16="http://schemas.microsoft.com/office/drawing/2014/main" id="{DEFDA144-2E95-1213-0925-4E63E49239F1}"/>
               </a:ext>
             </a:extLst>
           </p:cNvPr>
-          <p:cNvSpPr>
-            <a:spLocks noGrp="1"/>
-          </p:cNvSpPr>
-          <p:nvPr>
-            <p:ph type="title"/>
-          </p:nvPr>
-        </p:nvSpPr>
-        <p:spPr/>
-        <p:txBody>
-          <a:bodyPr/>
-          <a:lstStyle/>
-          <a:p>
-            <a:r>
-              <a:rPr lang="en-US" dirty="0" err="1"/>
-              <a:t>Tady</a:t>
-            </a:r>
-            <a:r>
-              <a:rPr lang="en-US" dirty="0"/>
-              <a:t> </a:t>
-            </a:r>
-            <a:r>
-              <a:rPr lang="en-US" dirty="0" err="1"/>
-              <a:t>vložit</a:t>
-            </a:r>
-            <a:r>
-              <a:rPr lang="en-US" dirty="0"/>
-              <a:t> </a:t>
-            </a:r>
-            <a:r>
-              <a:rPr lang="en-US" dirty="0" err="1"/>
-              <a:t>světlý</a:t>
-            </a:r>
-            <a:endParaRPr lang="en-US" dirty="0"/>
-          </a:p>
-        </p:txBody>
-      </p:sp>
-      <p:sp>
-        <p:nvSpPr>
-          <p:cNvPr id="3" name="Content Placeholder 2">
-            <a:extLst>
-              <a:ext uri="{FF2B5EF4-FFF2-40B4-BE49-F238E27FC236}">
-                <a16:creationId xmlns:a16="http://schemas.microsoft.com/office/drawing/2014/main" id="{CC75E668-0C03-1DD4-1F5E-E547771F551B}"/>
-              </a:ext>
-            </a:extLst>
-          </p:cNvPr>
-          <p:cNvSpPr>
-            <a:spLocks noGrp="1"/>
-          </p:cNvSpPr>
+          <p:cNvPicPr>
+            <a:picLocks noGrp="1" noChangeAspect="1"/>
+          </p:cNvPicPr>
           <p:nvPr>
             <p:ph idx="1"/>
           </p:nvPr>
-        </p:nvSpPr>
-        <p:spPr/>
-        <p:txBody>
-          <a:bodyPr/>
-          <a:lstStyle/>
-          <a:p>
-            <a:endParaRPr lang="en-US"/>
-          </a:p>
-        </p:txBody>
-      </p:sp>
-    </p:spTree>
-    <p:extLst>
-      <p:ext uri="{BB962C8B-B14F-4D97-AF65-F5344CB8AC3E}">
-        <p14:creationId xmlns:p14="http://schemas.microsoft.com/office/powerpoint/2010/main" val="1666840846"/>
-      </p:ext>
-    </p:extLst>
-  </p:cSld>
-  <p:clrMapOvr>
-    <a:masterClrMapping/>
-  </p:clrMapOvr>
-</p:sld>
-</file>
-
-<file path=ppt/slides/slide13.xml><?xml version="1.0" encoding="utf-8"?>
-<p:sld xmlns:a="http://schemas.openxmlformats.org/drawingml/2006/main" xmlns:r="http://schemas.openxmlformats.org/officeDocument/2006/relationships" xmlns:p="http://schemas.openxmlformats.org/presentationml/2006/main">
-  <p:cSld>
-    <p:spTree>
-      <p:nvGrpSpPr>
-        <p:cNvPr id="1" name=""/>
-        <p:cNvGrpSpPr/>
-        <p:nvPr/>
-      </p:nvGrpSpPr>
-      <p:grpSpPr>
-        <a:xfrm>
-          <a:off x="0" y="0"/>
-          <a:ext cx="0" cy="0"/>
-          <a:chOff x="0" y="0"/>
-          <a:chExt cx="0" cy="0"/>
-        </a:xfrm>
-      </p:grpSpPr>
-      <p:sp>
-        <p:nvSpPr>
-          <p:cNvPr id="2" name="Title 1">
+        </p:nvPicPr>
+        <p:blipFill>
+          <a:blip r:embed="rId3">
             <a:extLst>
-              <a:ext uri="{FF2B5EF4-FFF2-40B4-BE49-F238E27FC236}">
-                <a16:creationId xmlns:a16="http://schemas.microsoft.com/office/drawing/2014/main" id="{1B5AACF9-E579-7BA5-3CAF-8203C5140A61}"/>
+              <a:ext uri="{28A0092B-C50C-407E-A947-70E740481C1C}">
+                <a14:useLocalDpi xmlns:a14="http://schemas.microsoft.com/office/drawing/2010/main" val="0"/>
               </a:ext>
             </a:extLst>
-          </p:cNvPr>
-          <p:cNvSpPr>
-            <a:spLocks noGrp="1"/>
-          </p:cNvSpPr>
-          <p:nvPr>
-            <p:ph type="title"/>
-          </p:nvPr>
-        </p:nvSpPr>
-        <p:spPr/>
-        <p:txBody>
-          <a:bodyPr/>
-          <a:lstStyle/>
-          <a:p>
-            <a:r>
-              <a:rPr lang="en-US" dirty="0" err="1"/>
-              <a:t>Zde</a:t>
-            </a:r>
-            <a:r>
-              <a:rPr lang="en-US" dirty="0"/>
-              <a:t> </a:t>
-            </a:r>
-            <a:r>
-              <a:rPr lang="en-US" dirty="0" err="1"/>
-              <a:t>můžete</a:t>
-            </a:r>
-            <a:r>
-              <a:rPr lang="en-US" dirty="0"/>
-              <a:t> </a:t>
-            </a:r>
-            <a:r>
-              <a:rPr lang="en-US" dirty="0" err="1"/>
-              <a:t>vidět</a:t>
-            </a:r>
-            <a:r>
-              <a:rPr lang="en-US" dirty="0"/>
-              <a:t> to same </a:t>
-            </a:r>
-            <a:r>
-              <a:rPr lang="en-US" dirty="0" err="1"/>
-              <a:t>okno</a:t>
-            </a:r>
-            <a:r>
-              <a:rPr lang="en-US" dirty="0"/>
-              <a:t> v </a:t>
-            </a:r>
-            <a:r>
-              <a:rPr lang="en-US" dirty="0" err="1"/>
-              <a:t>tmavém</a:t>
-            </a:r>
-            <a:r>
-              <a:rPr lang="en-US" dirty="0"/>
-              <a:t> </a:t>
-            </a:r>
-            <a:r>
-              <a:rPr lang="en-US" dirty="0" err="1"/>
-              <a:t>režimu</a:t>
-            </a:r>
-            <a:endParaRPr lang="en-US" dirty="0"/>
-          </a:p>
-        </p:txBody>
-      </p:sp>
-      <p:sp>
-        <p:nvSpPr>
-          <p:cNvPr id="3" name="Content Placeholder 2">
-            <a:extLst>
-              <a:ext uri="{FF2B5EF4-FFF2-40B4-BE49-F238E27FC236}">
-                <a16:creationId xmlns:a16="http://schemas.microsoft.com/office/drawing/2014/main" id="{D03855F3-D82C-9E69-52C0-EAC0C4A40432}"/>
-              </a:ext>
-            </a:extLst>
-          </p:cNvPr>
-          <p:cNvSpPr>
-            <a:spLocks noGrp="1"/>
-          </p:cNvSpPr>
-          <p:nvPr>
-            <p:ph idx="1"/>
-          </p:nvPr>
-        </p:nvSpPr>
-        <p:spPr/>
-        <p:txBody>
-          <a:bodyPr/>
-          <a:lstStyle/>
-          <a:p>
-            <a:endParaRPr lang="en-US"/>
-          </a:p>
-        </p:txBody>
-      </p:sp>
+          </a:blip>
+          <a:stretch>
+            <a:fillRect/>
+          </a:stretch>
+        </p:blipFill>
+        <p:spPr>
+          <a:xfrm>
+            <a:off x="1152000" y="1392750"/>
+            <a:ext cx="6840000" cy="4072500"/>
+          </a:xfrm>
+        </p:spPr>
+      </p:pic>
     </p:spTree>
     <p:extLst>
       <p:ext uri="{BB962C8B-B14F-4D97-AF65-F5344CB8AC3E}">
@@ -8962,7 +8528,7 @@
 </p:sld>
 </file>
 
-<file path=ppt/slides/slide14.xml><?xml version="1.0" encoding="utf-8"?>
+<file path=ppt/slides/slide13.xml><?xml version="1.0" encoding="utf-8"?>
 <p:sld xmlns:a="http://schemas.openxmlformats.org/drawingml/2006/main" xmlns:r="http://schemas.openxmlformats.org/officeDocument/2006/relationships" xmlns:p="http://schemas.openxmlformats.org/presentationml/2006/main">
   <p:cSld>
     <p:spTree>
@@ -9066,7 +8632,7 @@
             </a:pPr>
             <a:r>
               <a:rPr lang="en-US" dirty="0"/>
-              <a:t>User</a:t>
+              <a:t>Admin</a:t>
             </a:r>
           </a:p>
           <a:p>
@@ -9076,8 +8642,14 @@
             </a:pPr>
             <a:r>
               <a:rPr lang="en-US" dirty="0"/>
-              <a:t>Admin</a:t>
-            </a:r>
+              <a:t>User</a:t>
+            </a:r>
+          </a:p>
+          <a:p>
+            <a:pPr marL="342900" indent="-342900">
+              <a:buFont typeface="Arial" panose="020B0604020202020204" pitchFamily="34" charset="0"/>
+              <a:buChar char="•"/>
+            </a:pPr>
             <a:endParaRPr lang="cs-CZ" dirty="0"/>
           </a:p>
         </p:txBody>
@@ -9095,7 +8667,204 @@
 </p:sld>
 </file>
 
+<file path=ppt/slides/slide14.xml><?xml version="1.0" encoding="utf-8"?>
+<p:sld xmlns:a="http://schemas.openxmlformats.org/drawingml/2006/main" xmlns:r="http://schemas.openxmlformats.org/officeDocument/2006/relationships" xmlns:p="http://schemas.openxmlformats.org/presentationml/2006/main">
+  <p:cSld>
+    <p:spTree>
+      <p:nvGrpSpPr>
+        <p:cNvPr id="1" name=""/>
+        <p:cNvGrpSpPr/>
+        <p:nvPr/>
+      </p:nvGrpSpPr>
+      <p:grpSpPr>
+        <a:xfrm>
+          <a:off x="0" y="0"/>
+          <a:ext cx="0" cy="0"/>
+          <a:chOff x="0" y="0"/>
+          <a:chExt cx="0" cy="0"/>
+        </a:xfrm>
+      </p:grpSpPr>
+      <p:pic>
+        <p:nvPicPr>
+          <p:cNvPr id="6" name="Content Placeholder 5" descr="A screenshot of a computer&#10;&#10;Description automatically generated">
+            <a:extLst>
+              <a:ext uri="{FF2B5EF4-FFF2-40B4-BE49-F238E27FC236}">
+                <a16:creationId xmlns:a16="http://schemas.microsoft.com/office/drawing/2014/main" id="{9F8D1F5D-B0F3-48E4-71F7-CE7368604CF4}"/>
+              </a:ext>
+            </a:extLst>
+          </p:cNvPr>
+          <p:cNvPicPr>
+            <a:picLocks noGrp="1" noChangeAspect="1"/>
+          </p:cNvPicPr>
+          <p:nvPr>
+            <p:ph idx="1"/>
+          </p:nvPr>
+        </p:nvPicPr>
+        <p:blipFill>
+          <a:blip r:embed="rId3">
+            <a:extLst>
+              <a:ext uri="{28A0092B-C50C-407E-A947-70E740481C1C}">
+                <a14:useLocalDpi xmlns:a14="http://schemas.microsoft.com/office/drawing/2010/main" val="0"/>
+              </a:ext>
+            </a:extLst>
+          </a:blip>
+          <a:stretch>
+            <a:fillRect/>
+          </a:stretch>
+        </p:blipFill>
+        <p:spPr>
+          <a:xfrm>
+            <a:off x="723600" y="1273896"/>
+            <a:ext cx="7696800" cy="4310208"/>
+          </a:xfrm>
+          <a:noFill/>
+        </p:spPr>
+      </p:pic>
+    </p:spTree>
+    <p:extLst>
+      <p:ext uri="{BB962C8B-B14F-4D97-AF65-F5344CB8AC3E}">
+        <p14:creationId xmlns:p14="http://schemas.microsoft.com/office/powerpoint/2010/main" val="729308398"/>
+      </p:ext>
+    </p:extLst>
+  </p:cSld>
+  <p:clrMapOvr>
+    <a:masterClrMapping/>
+  </p:clrMapOvr>
+</p:sld>
+</file>
+
 <file path=ppt/slides/slide15.xml><?xml version="1.0" encoding="utf-8"?>
+<p:sld xmlns:a="http://schemas.openxmlformats.org/drawingml/2006/main" xmlns:r="http://schemas.openxmlformats.org/officeDocument/2006/relationships" xmlns:p="http://schemas.openxmlformats.org/presentationml/2006/main">
+  <p:cSld>
+    <p:spTree>
+      <p:nvGrpSpPr>
+        <p:cNvPr id="1" name=""/>
+        <p:cNvGrpSpPr/>
+        <p:nvPr/>
+      </p:nvGrpSpPr>
+      <p:grpSpPr>
+        <a:xfrm>
+          <a:off x="0" y="0"/>
+          <a:ext cx="0" cy="0"/>
+          <a:chOff x="0" y="0"/>
+          <a:chExt cx="0" cy="0"/>
+        </a:xfrm>
+      </p:grpSpPr>
+      <p:pic>
+        <p:nvPicPr>
+          <p:cNvPr id="4" name="Content Placeholder 3" descr="A screenshot of a computer&#10;&#10;Description automatically generated">
+            <a:extLst>
+              <a:ext uri="{FF2B5EF4-FFF2-40B4-BE49-F238E27FC236}">
+                <a16:creationId xmlns:a16="http://schemas.microsoft.com/office/drawing/2014/main" id="{D3A481B9-9D24-1D52-0EE4-9CD91CB575D2}"/>
+              </a:ext>
+            </a:extLst>
+          </p:cNvPr>
+          <p:cNvPicPr>
+            <a:picLocks noGrp="1" noChangeAspect="1"/>
+          </p:cNvPicPr>
+          <p:nvPr>
+            <p:ph idx="1"/>
+          </p:nvPr>
+        </p:nvPicPr>
+        <p:blipFill>
+          <a:blip r:embed="rId3">
+            <a:extLst>
+              <a:ext uri="{28A0092B-C50C-407E-A947-70E740481C1C}">
+                <a14:useLocalDpi xmlns:a14="http://schemas.microsoft.com/office/drawing/2010/main" val="0"/>
+              </a:ext>
+            </a:extLst>
+          </a:blip>
+          <a:stretch>
+            <a:fillRect/>
+          </a:stretch>
+        </p:blipFill>
+        <p:spPr>
+          <a:xfrm>
+            <a:off x="723600" y="1206549"/>
+            <a:ext cx="7696800" cy="4444902"/>
+          </a:xfrm>
+          <a:noFill/>
+        </p:spPr>
+      </p:pic>
+    </p:spTree>
+    <p:extLst>
+      <p:ext uri="{BB962C8B-B14F-4D97-AF65-F5344CB8AC3E}">
+        <p14:creationId xmlns:p14="http://schemas.microsoft.com/office/powerpoint/2010/main" val="1423701899"/>
+      </p:ext>
+    </p:extLst>
+  </p:cSld>
+  <p:clrMapOvr>
+    <a:masterClrMapping/>
+  </p:clrMapOvr>
+</p:sld>
+</file>
+
+<file path=ppt/slides/slide16.xml><?xml version="1.0" encoding="utf-8"?>
+<p:sld xmlns:a="http://schemas.openxmlformats.org/drawingml/2006/main" xmlns:r="http://schemas.openxmlformats.org/officeDocument/2006/relationships" xmlns:p="http://schemas.openxmlformats.org/presentationml/2006/main">
+  <p:cSld>
+    <p:spTree>
+      <p:nvGrpSpPr>
+        <p:cNvPr id="1" name=""/>
+        <p:cNvGrpSpPr/>
+        <p:nvPr/>
+      </p:nvGrpSpPr>
+      <p:grpSpPr>
+        <a:xfrm>
+          <a:off x="0" y="0"/>
+          <a:ext cx="0" cy="0"/>
+          <a:chOff x="0" y="0"/>
+          <a:chExt cx="0" cy="0"/>
+        </a:xfrm>
+      </p:grpSpPr>
+      <p:pic>
+        <p:nvPicPr>
+          <p:cNvPr id="6" name="Content Placeholder 5" descr="A screenshot of a computer&#10;&#10;Description automatically generated">
+            <a:extLst>
+              <a:ext uri="{FF2B5EF4-FFF2-40B4-BE49-F238E27FC236}">
+                <a16:creationId xmlns:a16="http://schemas.microsoft.com/office/drawing/2014/main" id="{3EED609B-E8AD-9321-59CF-F21B293F0D32}"/>
+              </a:ext>
+            </a:extLst>
+          </p:cNvPr>
+          <p:cNvPicPr>
+            <a:picLocks noGrp="1" noChangeAspect="1"/>
+          </p:cNvPicPr>
+          <p:nvPr>
+            <p:ph idx="1"/>
+          </p:nvPr>
+        </p:nvPicPr>
+        <p:blipFill>
+          <a:blip r:embed="rId3">
+            <a:extLst>
+              <a:ext uri="{28A0092B-C50C-407E-A947-70E740481C1C}">
+                <a14:useLocalDpi xmlns:a14="http://schemas.microsoft.com/office/drawing/2010/main" val="0"/>
+              </a:ext>
+            </a:extLst>
+          </a:blip>
+          <a:stretch>
+            <a:fillRect/>
+          </a:stretch>
+        </p:blipFill>
+        <p:spPr>
+          <a:xfrm>
+            <a:off x="270000" y="1388066"/>
+            <a:ext cx="8604000" cy="4081868"/>
+          </a:xfrm>
+        </p:spPr>
+      </p:pic>
+    </p:spTree>
+    <p:extLst>
+      <p:ext uri="{BB962C8B-B14F-4D97-AF65-F5344CB8AC3E}">
+        <p14:creationId xmlns:p14="http://schemas.microsoft.com/office/powerpoint/2010/main" val="1622382927"/>
+      </p:ext>
+    </p:extLst>
+  </p:cSld>
+  <p:clrMapOvr>
+    <a:masterClrMapping/>
+  </p:clrMapOvr>
+</p:sld>
+</file>
+
+<file path=ppt/slides/slide17.xml><?xml version="1.0" encoding="utf-8"?>
 <p:sld xmlns:a="http://schemas.openxmlformats.org/drawingml/2006/main" xmlns:r="http://schemas.openxmlformats.org/officeDocument/2006/relationships" xmlns:p="http://schemas.openxmlformats.org/presentationml/2006/main">
   <p:cSld>
     <p:spTree>
@@ -9165,7 +8934,7 @@
 </p:sld>
 </file>
 
-<file path=ppt/slides/slide16.xml><?xml version="1.0" encoding="utf-8"?>
+<file path=ppt/slides/slide18.xml><?xml version="1.0" encoding="utf-8"?>
 <p:sld xmlns:a="http://schemas.openxmlformats.org/drawingml/2006/main" xmlns:r="http://schemas.openxmlformats.org/officeDocument/2006/relationships" xmlns:p="http://schemas.openxmlformats.org/presentationml/2006/main">
   <p:cSld>
     <p:spTree>
@@ -9187,7 +8956,7 @@
           <p:cNvPr id="2" name="Title 1">
             <a:extLst>
               <a:ext uri="{FF2B5EF4-FFF2-40B4-BE49-F238E27FC236}">
-                <a16:creationId xmlns:a16="http://schemas.microsoft.com/office/drawing/2014/main" id="{713327B3-1BEA-1EDA-C38A-0186D68D4EAF}"/>
+                <a16:creationId xmlns:a16="http://schemas.microsoft.com/office/drawing/2014/main" id="{006B9028-D371-DE82-A90D-6598039B92CD}"/>
               </a:ext>
             </a:extLst>
           </p:cNvPr>
@@ -9205,39 +8974,7 @@
           <a:p>
             <a:r>
               <a:rPr lang="en-US" dirty="0" err="1"/>
-              <a:t>Vytvoření</a:t>
-            </a:r>
-            <a:r>
-              <a:rPr lang="en-US" dirty="0"/>
-              <a:t> </a:t>
-            </a:r>
-            <a:r>
-              <a:rPr lang="en-US" dirty="0" err="1"/>
-              <a:t>metody</a:t>
-            </a:r>
-            <a:r>
-              <a:rPr lang="en-US" dirty="0"/>
-              <a:t> pro </a:t>
-            </a:r>
-            <a:r>
-              <a:rPr lang="en-US" dirty="0" err="1"/>
-              <a:t>ovládání</a:t>
-            </a:r>
-            <a:r>
-              <a:rPr lang="en-US" dirty="0"/>
-              <a:t> </a:t>
-            </a:r>
-            <a:r>
-              <a:rPr lang="en-US" dirty="0" err="1"/>
-              <a:t>pneumatického</a:t>
-            </a:r>
-            <a:r>
-              <a:rPr lang="en-US" dirty="0"/>
-              <a:t> </a:t>
-            </a:r>
-            <a:r>
-              <a:rPr lang="en-US" dirty="0" err="1"/>
-              <a:t>svalu</a:t>
+              <a:t>Závěr</a:t>
             </a:r>
             <a:r>
               <a:rPr lang="en-US" dirty="0"/>
@@ -9252,7 +8989,7 @@
           <p:cNvPr id="3" name="Content Placeholder 2">
             <a:extLst>
               <a:ext uri="{FF2B5EF4-FFF2-40B4-BE49-F238E27FC236}">
-                <a16:creationId xmlns:a16="http://schemas.microsoft.com/office/drawing/2014/main" id="{EF95E155-F68F-E374-ADB8-64F7701DEA90}"/>
+                <a16:creationId xmlns:a16="http://schemas.microsoft.com/office/drawing/2014/main" id="{5F7640B8-F96A-3482-5097-3E4C45A419ED}"/>
               </a:ext>
             </a:extLst>
           </p:cNvPr>
@@ -9269,47 +9006,263 @@
           <a:lstStyle/>
           <a:p>
             <a:pPr marL="342900" indent="-342900">
-              <a:buFont typeface="Arial" panose="020B0604020202020204" pitchFamily="34" charset="0"/>
-              <a:buChar char="•"/>
+              <a:buFont typeface="Wingdings" panose="05000000000000000000" pitchFamily="2" charset="2"/>
+              <a:buChar char="ü"/>
             </a:pPr>
             <a:r>
               <a:rPr lang="en-US" dirty="0" err="1"/>
-              <a:t>Funkce</a:t>
-            </a:r>
-            <a:r>
-              <a:rPr lang="en-US" dirty="0"/>
-              <a:t> </a:t>
-            </a:r>
-          </a:p>
-          <a:p>
-            <a:pPr marL="1028666" lvl="1" indent="-342900"/>
-            <a:r>
-              <a:rPr lang="en-US" dirty="0"/>
-              <a:t>go_forward(</a:t>
-            </a:r>
-            <a:r>
-              <a:rPr lang="en-US" dirty="0" err="1"/>
-              <a:t>speed,steps</a:t>
-            </a:r>
-            <a:r>
-              <a:rPr lang="en-US" dirty="0"/>
-              <a:t>)</a:t>
-            </a:r>
-          </a:p>
-          <a:p>
-            <a:pPr marL="1028666" lvl="1" indent="-342900"/>
-            <a:r>
-              <a:rPr lang="en-US" dirty="0"/>
-              <a:t>go_backward(</a:t>
-            </a:r>
-            <a:r>
-              <a:rPr lang="en-US" dirty="0" err="1"/>
-              <a:t>speed,steps</a:t>
-            </a:r>
-            <a:r>
-              <a:rPr lang="en-US" dirty="0"/>
-              <a:t>)</a:t>
-            </a:r>
+              <a:t>Vytvoření</a:t>
+            </a:r>
+            <a:r>
+              <a:rPr lang="en-US" dirty="0"/>
+              <a:t> GUI</a:t>
+            </a:r>
+          </a:p>
+          <a:p>
+            <a:pPr marL="342900" indent="-342900">
+              <a:buFont typeface="Wingdings" panose="05000000000000000000" pitchFamily="2" charset="2"/>
+              <a:buChar char="ü"/>
+            </a:pPr>
+            <a:r>
+              <a:rPr lang="en-US" dirty="0" err="1"/>
+              <a:t>Navrhnutí</a:t>
+            </a:r>
+            <a:r>
+              <a:rPr lang="en-US" dirty="0"/>
+              <a:t> a </a:t>
+            </a:r>
+            <a:r>
+              <a:rPr lang="en-US" dirty="0" err="1"/>
+              <a:t>vytvoření</a:t>
+            </a:r>
+            <a:r>
+              <a:rPr lang="en-US" dirty="0"/>
+              <a:t> </a:t>
+            </a:r>
+            <a:r>
+              <a:rPr lang="en-US" dirty="0" err="1"/>
+              <a:t>možnosti</a:t>
+            </a:r>
+            <a:r>
+              <a:rPr lang="en-US" dirty="0"/>
+              <a:t> </a:t>
+            </a:r>
+            <a:r>
+              <a:rPr lang="en-US" dirty="0" err="1"/>
+              <a:t>uživatelských</a:t>
+            </a:r>
+            <a:r>
+              <a:rPr lang="en-US" dirty="0"/>
+              <a:t> </a:t>
+            </a:r>
+            <a:r>
+              <a:rPr lang="en-US" dirty="0" err="1"/>
+              <a:t>rolí</a:t>
+            </a:r>
+            <a:endParaRPr lang="en-US" dirty="0"/>
+          </a:p>
+          <a:p>
+            <a:pPr marL="342900" indent="-342900">
+              <a:buFont typeface="Wingdings" panose="05000000000000000000" pitchFamily="2" charset="2"/>
+              <a:buChar char="ü"/>
+            </a:pPr>
+            <a:r>
+              <a:rPr lang="en-US" dirty="0" err="1"/>
+              <a:t>Vytvoření</a:t>
+            </a:r>
+            <a:r>
+              <a:rPr lang="en-US" dirty="0"/>
+              <a:t> </a:t>
+            </a:r>
+            <a:r>
+              <a:rPr lang="en-US" dirty="0" err="1"/>
+              <a:t>metody</a:t>
+            </a:r>
+            <a:r>
+              <a:rPr lang="en-US" dirty="0"/>
+              <a:t> pro </a:t>
+            </a:r>
+            <a:r>
+              <a:rPr lang="en-US" dirty="0" err="1"/>
+              <a:t>ovládání</a:t>
+            </a:r>
+            <a:r>
+              <a:rPr lang="en-US" dirty="0"/>
+              <a:t> </a:t>
+            </a:r>
+            <a:r>
+              <a:rPr lang="en-US" dirty="0" err="1"/>
+              <a:t>jednotlivých</a:t>
+            </a:r>
+            <a:r>
+              <a:rPr lang="en-US" dirty="0"/>
+              <a:t> </a:t>
+            </a:r>
+            <a:r>
+              <a:rPr lang="en-US" dirty="0" err="1"/>
+              <a:t>svalů</a:t>
+            </a:r>
+            <a:endParaRPr lang="en-US" dirty="0"/>
+          </a:p>
+          <a:p>
+            <a:pPr marL="342900" indent="-342900">
+              <a:buFont typeface="Wingdings" panose="05000000000000000000" pitchFamily="2" charset="2"/>
+              <a:buChar char="ü"/>
+            </a:pPr>
+            <a:r>
+              <a:rPr lang="en-US" dirty="0" err="1"/>
+              <a:t>Možnost</a:t>
+            </a:r>
+            <a:r>
+              <a:rPr lang="en-US" dirty="0"/>
+              <a:t> </a:t>
+            </a:r>
+            <a:r>
+              <a:rPr lang="en-US" dirty="0" err="1"/>
+              <a:t>provést</a:t>
+            </a:r>
+            <a:r>
+              <a:rPr lang="en-US" dirty="0"/>
+              <a:t> </a:t>
+            </a:r>
+            <a:r>
+              <a:rPr lang="en-US" dirty="0" err="1"/>
+              <a:t>měření</a:t>
+            </a:r>
+            <a:r>
+              <a:rPr lang="en-US" dirty="0"/>
+              <a:t> </a:t>
+            </a:r>
+            <a:r>
+              <a:rPr lang="en-US" dirty="0" err="1"/>
+              <a:t>na</a:t>
+            </a:r>
+            <a:r>
+              <a:rPr lang="en-US" dirty="0"/>
+              <a:t> </a:t>
+            </a:r>
+            <a:r>
+              <a:rPr lang="en-US" dirty="0" err="1"/>
+              <a:t>svalu</a:t>
+            </a:r>
+            <a:r>
+              <a:rPr lang="en-US" dirty="0"/>
+              <a:t> a dale s </a:t>
+            </a:r>
+            <a:r>
+              <a:rPr lang="en-US" dirty="0" err="1"/>
+              <a:t>tímto</a:t>
+            </a:r>
+            <a:r>
+              <a:rPr lang="en-US" dirty="0"/>
+              <a:t> </a:t>
+            </a:r>
+            <a:r>
+              <a:rPr lang="en-US" dirty="0" err="1"/>
+              <a:t>měřením</a:t>
+            </a:r>
+            <a:r>
+              <a:rPr lang="en-US" dirty="0"/>
+              <a:t> </a:t>
+            </a:r>
+            <a:r>
+              <a:rPr lang="en-US" dirty="0" err="1"/>
+              <a:t>pracovat</a:t>
+            </a:r>
+            <a:endParaRPr lang="en-US" dirty="0"/>
+          </a:p>
+          <a:p>
+            <a:pPr marL="342900" indent="-342900">
+              <a:buFont typeface="Wingdings" panose="05000000000000000000" pitchFamily="2" charset="2"/>
+              <a:buChar char="ü"/>
+            </a:pPr>
+            <a:r>
+              <a:rPr lang="en-US" dirty="0" err="1"/>
+              <a:t>Možnost</a:t>
+            </a:r>
+            <a:r>
+              <a:rPr lang="en-US" dirty="0"/>
+              <a:t> </a:t>
+            </a:r>
+            <a:r>
+              <a:rPr lang="en-US" dirty="0" err="1"/>
+              <a:t>nastavit</a:t>
+            </a:r>
+            <a:r>
+              <a:rPr lang="en-US" dirty="0"/>
+              <a:t> pro </a:t>
+            </a:r>
+            <a:r>
+              <a:rPr lang="en-US" dirty="0" err="1"/>
+              <a:t>každý</a:t>
+            </a:r>
+            <a:r>
+              <a:rPr lang="en-US" dirty="0"/>
+              <a:t> </a:t>
+            </a:r>
+            <a:r>
+              <a:rPr lang="en-US" dirty="0" err="1"/>
+              <a:t>sval</a:t>
+            </a:r>
+            <a:r>
+              <a:rPr lang="en-US" dirty="0"/>
+              <a:t> </a:t>
+            </a:r>
+            <a:r>
+              <a:rPr lang="en-US" dirty="0" err="1"/>
+              <a:t>různé</a:t>
+            </a:r>
+            <a:r>
+              <a:rPr lang="en-US" dirty="0"/>
+              <a:t> </a:t>
+            </a:r>
+            <a:r>
+              <a:rPr lang="en-US" dirty="0" err="1"/>
+              <a:t>parametry</a:t>
+            </a:r>
+            <a:r>
+              <a:rPr lang="en-US" dirty="0"/>
+              <a:t> a </a:t>
+            </a:r>
+            <a:r>
+              <a:rPr lang="en-US" dirty="0" err="1"/>
+              <a:t>tyto</a:t>
+            </a:r>
+            <a:r>
+              <a:rPr lang="en-US" dirty="0"/>
+              <a:t> </a:t>
+            </a:r>
+            <a:r>
+              <a:rPr lang="en-US" dirty="0" err="1"/>
+              <a:t>parametry</a:t>
+            </a:r>
+            <a:r>
+              <a:rPr lang="en-US" dirty="0"/>
+              <a:t> </a:t>
+            </a:r>
+            <a:r>
+              <a:rPr lang="en-US" dirty="0" err="1"/>
+              <a:t>mít</a:t>
+            </a:r>
+            <a:r>
+              <a:rPr lang="en-US" dirty="0"/>
+              <a:t> </a:t>
+            </a:r>
+            <a:r>
+              <a:rPr lang="en-US" dirty="0" err="1"/>
+              <a:t>možnost</a:t>
+            </a:r>
+            <a:r>
+              <a:rPr lang="en-US" dirty="0"/>
+              <a:t> </a:t>
+            </a:r>
+            <a:r>
+              <a:rPr lang="en-US" dirty="0" err="1"/>
+              <a:t>měnit</a:t>
+            </a:r>
+            <a:endParaRPr lang="en-US" dirty="0"/>
+          </a:p>
+          <a:p>
             <a:endParaRPr lang="cs-CZ" dirty="0"/>
           </a:p>
         </p:txBody>
@@ -9317,139 +9270,7 @@
     </p:spTree>
     <p:extLst>
       <p:ext uri="{BB962C8B-B14F-4D97-AF65-F5344CB8AC3E}">
-        <p14:creationId xmlns:p14="http://schemas.microsoft.com/office/powerpoint/2010/main" val="4085048130"/>
-      </p:ext>
-    </p:extLst>
-  </p:cSld>
-  <p:clrMapOvr>
-    <a:masterClrMapping/>
-  </p:clrMapOvr>
-</p:sld>
-</file>
-
-<file path=ppt/slides/slide17.xml><?xml version="1.0" encoding="utf-8"?>
-<p:sld xmlns:a="http://schemas.openxmlformats.org/drawingml/2006/main" xmlns:r="http://schemas.openxmlformats.org/officeDocument/2006/relationships" xmlns:p="http://schemas.openxmlformats.org/presentationml/2006/main">
-  <p:cSld>
-    <p:spTree>
-      <p:nvGrpSpPr>
-        <p:cNvPr id="1" name=""/>
-        <p:cNvGrpSpPr/>
-        <p:nvPr/>
-      </p:nvGrpSpPr>
-      <p:grpSpPr>
-        <a:xfrm>
-          <a:off x="0" y="0"/>
-          <a:ext cx="0" cy="0"/>
-          <a:chOff x="0" y="0"/>
-          <a:chExt cx="0" cy="0"/>
-        </a:xfrm>
-      </p:grpSpPr>
-      <p:pic>
-        <p:nvPicPr>
-          <p:cNvPr id="6" name="Content Placeholder 5" descr="A screenshot of a computer&#10;&#10;Description automatically generated">
-            <a:extLst>
-              <a:ext uri="{FF2B5EF4-FFF2-40B4-BE49-F238E27FC236}">
-                <a16:creationId xmlns:a16="http://schemas.microsoft.com/office/drawing/2014/main" id="{9F8D1F5D-B0F3-48E4-71F7-CE7368604CF4}"/>
-              </a:ext>
-            </a:extLst>
-          </p:cNvPr>
-          <p:cNvPicPr>
-            <a:picLocks noGrp="1" noChangeAspect="1"/>
-          </p:cNvPicPr>
-          <p:nvPr>
-            <p:ph idx="1"/>
-          </p:nvPr>
-        </p:nvPicPr>
-        <p:blipFill>
-          <a:blip r:embed="rId3">
-            <a:extLst>
-              <a:ext uri="{28A0092B-C50C-407E-A947-70E740481C1C}">
-                <a14:useLocalDpi xmlns:a14="http://schemas.microsoft.com/office/drawing/2010/main" val="0"/>
-              </a:ext>
-            </a:extLst>
-          </a:blip>
-          <a:stretch>
-            <a:fillRect/>
-          </a:stretch>
-        </p:blipFill>
-        <p:spPr>
-          <a:xfrm>
-            <a:off x="1177198" y="2038897"/>
-            <a:ext cx="7696800" cy="4310208"/>
-          </a:xfrm>
-          <a:noFill/>
-        </p:spPr>
-      </p:pic>
-    </p:spTree>
-    <p:extLst>
-      <p:ext uri="{BB962C8B-B14F-4D97-AF65-F5344CB8AC3E}">
-        <p14:creationId xmlns:p14="http://schemas.microsoft.com/office/powerpoint/2010/main" val="729308398"/>
-      </p:ext>
-    </p:extLst>
-  </p:cSld>
-  <p:clrMapOvr>
-    <a:masterClrMapping/>
-  </p:clrMapOvr>
-</p:sld>
-</file>
-
-<file path=ppt/slides/slide18.xml><?xml version="1.0" encoding="utf-8"?>
-<p:sld xmlns:a="http://schemas.openxmlformats.org/drawingml/2006/main" xmlns:r="http://schemas.openxmlformats.org/officeDocument/2006/relationships" xmlns:p="http://schemas.openxmlformats.org/presentationml/2006/main">
-  <p:cSld>
-    <p:spTree>
-      <p:nvGrpSpPr>
-        <p:cNvPr id="1" name=""/>
-        <p:cNvGrpSpPr/>
-        <p:nvPr/>
-      </p:nvGrpSpPr>
-      <p:grpSpPr>
-        <a:xfrm>
-          <a:off x="0" y="0"/>
-          <a:ext cx="0" cy="0"/>
-          <a:chOff x="0" y="0"/>
-          <a:chExt cx="0" cy="0"/>
-        </a:xfrm>
-      </p:grpSpPr>
-      <p:pic>
-        <p:nvPicPr>
-          <p:cNvPr id="4" name="Content Placeholder 3" descr="A screenshot of a computer&#10;&#10;Description automatically generated">
-            <a:extLst>
-              <a:ext uri="{FF2B5EF4-FFF2-40B4-BE49-F238E27FC236}">
-                <a16:creationId xmlns:a16="http://schemas.microsoft.com/office/drawing/2014/main" id="{D3A481B9-9D24-1D52-0EE4-9CD91CB575D2}"/>
-              </a:ext>
-            </a:extLst>
-          </p:cNvPr>
-          <p:cNvPicPr>
-            <a:picLocks noGrp="1" noChangeAspect="1"/>
-          </p:cNvPicPr>
-          <p:nvPr>
-            <p:ph idx="1"/>
-          </p:nvPr>
-        </p:nvPicPr>
-        <p:blipFill>
-          <a:blip r:embed="rId3">
-            <a:extLst>
-              <a:ext uri="{28A0092B-C50C-407E-A947-70E740481C1C}">
-                <a14:useLocalDpi xmlns:a14="http://schemas.microsoft.com/office/drawing/2010/main" val="0"/>
-              </a:ext>
-            </a:extLst>
-          </a:blip>
-          <a:stretch>
-            <a:fillRect/>
-          </a:stretch>
-        </p:blipFill>
-        <p:spPr>
-          <a:xfrm>
-            <a:off x="1177198" y="1971550"/>
-            <a:ext cx="7696800" cy="4444902"/>
-          </a:xfrm>
-          <a:noFill/>
-        </p:spPr>
-      </p:pic>
-    </p:spTree>
-    <p:extLst>
-      <p:ext uri="{BB962C8B-B14F-4D97-AF65-F5344CB8AC3E}">
-        <p14:creationId xmlns:p14="http://schemas.microsoft.com/office/powerpoint/2010/main" val="1423701899"/>
+        <p14:creationId xmlns:p14="http://schemas.microsoft.com/office/powerpoint/2010/main" val="2644731012"/>
       </p:ext>
     </p:extLst>
   </p:cSld>
@@ -9476,45 +9297,53 @@
           <a:chExt cx="0" cy="0"/>
         </a:xfrm>
       </p:grpSpPr>
-      <p:pic>
-        <p:nvPicPr>
-          <p:cNvPr id="6" name="Content Placeholder 5" descr="A screenshot of a computer&#10;&#10;Description automatically generated">
+      <p:sp>
+        <p:nvSpPr>
+          <p:cNvPr id="4" name="Title 3">
             <a:extLst>
               <a:ext uri="{FF2B5EF4-FFF2-40B4-BE49-F238E27FC236}">
-                <a16:creationId xmlns:a16="http://schemas.microsoft.com/office/drawing/2014/main" id="{3EED609B-E8AD-9321-59CF-F21B293F0D32}"/>
+                <a16:creationId xmlns:a16="http://schemas.microsoft.com/office/drawing/2014/main" id="{3CB44335-9888-1F34-DA83-42DC4BA2721F}"/>
               </a:ext>
             </a:extLst>
           </p:cNvPr>
-          <p:cNvPicPr>
-            <a:picLocks noGrp="1" noChangeAspect="1"/>
-          </p:cNvPicPr>
+          <p:cNvSpPr>
+            <a:spLocks noGrp="1"/>
+          </p:cNvSpPr>
           <p:nvPr>
-            <p:ph idx="1"/>
+            <p:ph type="title" idx="4294967295"/>
           </p:nvPr>
-        </p:nvPicPr>
-        <p:blipFill>
-          <a:blip r:embed="rId3">
-            <a:extLst>
-              <a:ext uri="{28A0092B-C50C-407E-A947-70E740481C1C}">
-                <a14:useLocalDpi xmlns:a14="http://schemas.microsoft.com/office/drawing/2010/main" val="0"/>
-              </a:ext>
-            </a:extLst>
-          </a:blip>
-          <a:stretch>
-            <a:fillRect/>
-          </a:stretch>
-        </p:blipFill>
+        </p:nvSpPr>
         <p:spPr>
           <a:xfrm>
-            <a:off x="269875" y="1812258"/>
-            <a:ext cx="8604250" cy="3233483"/>
+            <a:off x="1145286" y="1124712"/>
+            <a:ext cx="6858000" cy="2386584"/>
           </a:xfrm>
         </p:spPr>
-      </p:pic>
+        <p:txBody>
+          <a:bodyPr anchor="b">
+            <a:normAutofit/>
+          </a:bodyPr>
+          <a:lstStyle/>
+          <a:p>
+            <a:pPr algn="ctr" defTabSz="457200"/>
+            <a:r>
+              <a:rPr lang="cs-CZ" sz="4800" kern="1200" dirty="0"/>
+              <a:t>Děkuji za pozornost </a:t>
+            </a:r>
+            <a:br>
+              <a:rPr lang="cs-CZ" sz="4800" kern="1200" dirty="0"/>
+            </a:br>
+            <a:r>
+              <a:rPr lang="cs-CZ" sz="4800" kern="1200" dirty="0"/>
+              <a:t>Dotazy?</a:t>
+            </a:r>
+          </a:p>
+        </p:txBody>
+      </p:sp>
     </p:spTree>
     <p:extLst>
       <p:ext uri="{BB962C8B-B14F-4D97-AF65-F5344CB8AC3E}">
-        <p14:creationId xmlns:p14="http://schemas.microsoft.com/office/powerpoint/2010/main" val="1622382927"/>
+        <p14:creationId xmlns:p14="http://schemas.microsoft.com/office/powerpoint/2010/main" val="1200479118"/>
       </p:ext>
     </p:extLst>
   </p:cSld>
@@ -9701,442 +9530,6 @@
     <p:extLst>
       <p:ext uri="{BB962C8B-B14F-4D97-AF65-F5344CB8AC3E}">
         <p14:creationId xmlns:p14="http://schemas.microsoft.com/office/powerpoint/2010/main" val="2075552041"/>
-      </p:ext>
-    </p:extLst>
-  </p:cSld>
-  <p:clrMapOvr>
-    <a:masterClrMapping/>
-  </p:clrMapOvr>
-</p:sld>
-</file>
-
-<file path=ppt/slides/slide20.xml><?xml version="1.0" encoding="utf-8"?>
-<p:sld xmlns:a="http://schemas.openxmlformats.org/drawingml/2006/main" xmlns:r="http://schemas.openxmlformats.org/officeDocument/2006/relationships" xmlns:p="http://schemas.openxmlformats.org/presentationml/2006/main">
-  <p:cSld>
-    <p:spTree>
-      <p:nvGrpSpPr>
-        <p:cNvPr id="1" name=""/>
-        <p:cNvGrpSpPr/>
-        <p:nvPr/>
-      </p:nvGrpSpPr>
-      <p:grpSpPr>
-        <a:xfrm>
-          <a:off x="0" y="0"/>
-          <a:ext cx="0" cy="0"/>
-          <a:chOff x="0" y="0"/>
-          <a:chExt cx="0" cy="0"/>
-        </a:xfrm>
-      </p:grpSpPr>
-      <p:sp>
-        <p:nvSpPr>
-          <p:cNvPr id="2" name="Title 1">
-            <a:extLst>
-              <a:ext uri="{FF2B5EF4-FFF2-40B4-BE49-F238E27FC236}">
-                <a16:creationId xmlns:a16="http://schemas.microsoft.com/office/drawing/2014/main" id="{006B9028-D371-DE82-A90D-6598039B92CD}"/>
-              </a:ext>
-            </a:extLst>
-          </p:cNvPr>
-          <p:cNvSpPr>
-            <a:spLocks noGrp="1"/>
-          </p:cNvSpPr>
-          <p:nvPr>
-            <p:ph type="title"/>
-          </p:nvPr>
-        </p:nvSpPr>
-        <p:spPr/>
-        <p:txBody>
-          <a:bodyPr/>
-          <a:lstStyle/>
-          <a:p>
-            <a:r>
-              <a:rPr lang="en-US" dirty="0" err="1"/>
-              <a:t>Závěr</a:t>
-            </a:r>
-            <a:r>
-              <a:rPr lang="en-US" dirty="0"/>
-              <a:t> </a:t>
-            </a:r>
-            <a:endParaRPr lang="cs-CZ" dirty="0"/>
-          </a:p>
-        </p:txBody>
-      </p:sp>
-      <p:sp>
-        <p:nvSpPr>
-          <p:cNvPr id="3" name="Content Placeholder 2">
-            <a:extLst>
-              <a:ext uri="{FF2B5EF4-FFF2-40B4-BE49-F238E27FC236}">
-                <a16:creationId xmlns:a16="http://schemas.microsoft.com/office/drawing/2014/main" id="{5F7640B8-F96A-3482-5097-3E4C45A419ED}"/>
-              </a:ext>
-            </a:extLst>
-          </p:cNvPr>
-          <p:cNvSpPr>
-            <a:spLocks noGrp="1"/>
-          </p:cNvSpPr>
-          <p:nvPr>
-            <p:ph idx="1"/>
-          </p:nvPr>
-        </p:nvSpPr>
-        <p:spPr/>
-        <p:txBody>
-          <a:bodyPr/>
-          <a:lstStyle/>
-          <a:p>
-            <a:pPr marL="342900" indent="-342900">
-              <a:buFont typeface="Wingdings" panose="05000000000000000000" pitchFamily="2" charset="2"/>
-              <a:buChar char="ü"/>
-            </a:pPr>
-            <a:r>
-              <a:rPr lang="en-US" dirty="0" err="1"/>
-              <a:t>Vytvoření</a:t>
-            </a:r>
-            <a:r>
-              <a:rPr lang="en-US" dirty="0"/>
-              <a:t> GUI</a:t>
-            </a:r>
-          </a:p>
-          <a:p>
-            <a:pPr marL="342900" indent="-342900">
-              <a:buFont typeface="Wingdings" panose="05000000000000000000" pitchFamily="2" charset="2"/>
-              <a:buChar char="ü"/>
-            </a:pPr>
-            <a:r>
-              <a:rPr lang="en-US" dirty="0" err="1"/>
-              <a:t>Navrhnutí</a:t>
-            </a:r>
-            <a:r>
-              <a:rPr lang="en-US" dirty="0"/>
-              <a:t> a </a:t>
-            </a:r>
-            <a:r>
-              <a:rPr lang="en-US" dirty="0" err="1"/>
-              <a:t>vytvoření</a:t>
-            </a:r>
-            <a:r>
-              <a:rPr lang="en-US" dirty="0"/>
-              <a:t> </a:t>
-            </a:r>
-            <a:r>
-              <a:rPr lang="en-US" dirty="0" err="1"/>
-              <a:t>možnosti</a:t>
-            </a:r>
-            <a:r>
-              <a:rPr lang="en-US" dirty="0"/>
-              <a:t> </a:t>
-            </a:r>
-            <a:r>
-              <a:rPr lang="en-US" dirty="0" err="1"/>
-              <a:t>uživatelských</a:t>
-            </a:r>
-            <a:r>
-              <a:rPr lang="en-US" dirty="0"/>
-              <a:t> </a:t>
-            </a:r>
-            <a:r>
-              <a:rPr lang="en-US" dirty="0" err="1"/>
-              <a:t>rolí</a:t>
-            </a:r>
-            <a:endParaRPr lang="en-US" dirty="0"/>
-          </a:p>
-          <a:p>
-            <a:pPr marL="342900" indent="-342900">
-              <a:buFont typeface="Wingdings" panose="05000000000000000000" pitchFamily="2" charset="2"/>
-              <a:buChar char="ü"/>
-            </a:pPr>
-            <a:r>
-              <a:rPr lang="en-US" dirty="0" err="1"/>
-              <a:t>Vytvoření</a:t>
-            </a:r>
-            <a:r>
-              <a:rPr lang="en-US" dirty="0"/>
-              <a:t> </a:t>
-            </a:r>
-            <a:r>
-              <a:rPr lang="en-US" dirty="0" err="1"/>
-              <a:t>metody</a:t>
-            </a:r>
-            <a:r>
-              <a:rPr lang="en-US" dirty="0"/>
-              <a:t> pro </a:t>
-            </a:r>
-            <a:r>
-              <a:rPr lang="en-US" dirty="0" err="1"/>
-              <a:t>ovládání</a:t>
-            </a:r>
-            <a:r>
-              <a:rPr lang="en-US" dirty="0"/>
-              <a:t> </a:t>
-            </a:r>
-            <a:r>
-              <a:rPr lang="en-US" dirty="0" err="1"/>
-              <a:t>jednotlivých</a:t>
-            </a:r>
-            <a:r>
-              <a:rPr lang="en-US" dirty="0"/>
-              <a:t> </a:t>
-            </a:r>
-            <a:r>
-              <a:rPr lang="en-US" dirty="0" err="1"/>
-              <a:t>svalů</a:t>
-            </a:r>
-            <a:endParaRPr lang="en-US" dirty="0"/>
-          </a:p>
-          <a:p>
-            <a:pPr marL="342900" indent="-342900">
-              <a:buFont typeface="Wingdings" panose="05000000000000000000" pitchFamily="2" charset="2"/>
-              <a:buChar char="ü"/>
-            </a:pPr>
-            <a:r>
-              <a:rPr lang="en-US" dirty="0" err="1"/>
-              <a:t>Možnost</a:t>
-            </a:r>
-            <a:r>
-              <a:rPr lang="en-US" dirty="0"/>
-              <a:t> </a:t>
-            </a:r>
-            <a:r>
-              <a:rPr lang="en-US" dirty="0" err="1"/>
-              <a:t>provést</a:t>
-            </a:r>
-            <a:r>
-              <a:rPr lang="en-US" dirty="0"/>
-              <a:t> </a:t>
-            </a:r>
-            <a:r>
-              <a:rPr lang="en-US" dirty="0" err="1"/>
-              <a:t>měření</a:t>
-            </a:r>
-            <a:r>
-              <a:rPr lang="en-US" dirty="0"/>
-              <a:t> </a:t>
-            </a:r>
-            <a:r>
-              <a:rPr lang="en-US" dirty="0" err="1"/>
-              <a:t>na</a:t>
-            </a:r>
-            <a:r>
-              <a:rPr lang="en-US" dirty="0"/>
-              <a:t> </a:t>
-            </a:r>
-            <a:r>
-              <a:rPr lang="en-US" dirty="0" err="1"/>
-              <a:t>svalu</a:t>
-            </a:r>
-            <a:r>
-              <a:rPr lang="en-US" dirty="0"/>
-              <a:t> a dale s </a:t>
-            </a:r>
-            <a:r>
-              <a:rPr lang="en-US" dirty="0" err="1"/>
-              <a:t>tímto</a:t>
-            </a:r>
-            <a:r>
-              <a:rPr lang="en-US" dirty="0"/>
-              <a:t> </a:t>
-            </a:r>
-            <a:r>
-              <a:rPr lang="en-US" dirty="0" err="1"/>
-              <a:t>měřením</a:t>
-            </a:r>
-            <a:r>
-              <a:rPr lang="en-US" dirty="0"/>
-              <a:t> </a:t>
-            </a:r>
-            <a:r>
-              <a:rPr lang="en-US" dirty="0" err="1"/>
-              <a:t>pracovat</a:t>
-            </a:r>
-            <a:endParaRPr lang="en-US" dirty="0"/>
-          </a:p>
-          <a:p>
-            <a:pPr marL="342900" indent="-342900">
-              <a:buFont typeface="Wingdings" panose="05000000000000000000" pitchFamily="2" charset="2"/>
-              <a:buChar char="ü"/>
-            </a:pPr>
-            <a:r>
-              <a:rPr lang="en-US" dirty="0" err="1"/>
-              <a:t>Možnost</a:t>
-            </a:r>
-            <a:r>
-              <a:rPr lang="en-US" dirty="0"/>
-              <a:t> </a:t>
-            </a:r>
-            <a:r>
-              <a:rPr lang="en-US" dirty="0" err="1"/>
-              <a:t>nastavit</a:t>
-            </a:r>
-            <a:r>
-              <a:rPr lang="en-US" dirty="0"/>
-              <a:t> pro </a:t>
-            </a:r>
-            <a:r>
-              <a:rPr lang="en-US" dirty="0" err="1"/>
-              <a:t>každý</a:t>
-            </a:r>
-            <a:r>
-              <a:rPr lang="en-US" dirty="0"/>
-              <a:t> </a:t>
-            </a:r>
-            <a:r>
-              <a:rPr lang="en-US" dirty="0" err="1"/>
-              <a:t>sval</a:t>
-            </a:r>
-            <a:r>
-              <a:rPr lang="en-US" dirty="0"/>
-              <a:t> </a:t>
-            </a:r>
-            <a:r>
-              <a:rPr lang="en-US" dirty="0" err="1"/>
-              <a:t>různé</a:t>
-            </a:r>
-            <a:r>
-              <a:rPr lang="en-US" dirty="0"/>
-              <a:t> </a:t>
-            </a:r>
-            <a:r>
-              <a:rPr lang="en-US" dirty="0" err="1"/>
-              <a:t>parametry</a:t>
-            </a:r>
-            <a:r>
-              <a:rPr lang="en-US" dirty="0"/>
-              <a:t> a </a:t>
-            </a:r>
-            <a:r>
-              <a:rPr lang="en-US" dirty="0" err="1"/>
-              <a:t>tyto</a:t>
-            </a:r>
-            <a:r>
-              <a:rPr lang="en-US" dirty="0"/>
-              <a:t> </a:t>
-            </a:r>
-            <a:r>
-              <a:rPr lang="en-US" dirty="0" err="1"/>
-              <a:t>parametry</a:t>
-            </a:r>
-            <a:r>
-              <a:rPr lang="en-US" dirty="0"/>
-              <a:t> </a:t>
-            </a:r>
-            <a:r>
-              <a:rPr lang="en-US" dirty="0" err="1"/>
-              <a:t>mít</a:t>
-            </a:r>
-            <a:r>
-              <a:rPr lang="en-US" dirty="0"/>
-              <a:t> </a:t>
-            </a:r>
-            <a:r>
-              <a:rPr lang="en-US" dirty="0" err="1"/>
-              <a:t>možnost</a:t>
-            </a:r>
-            <a:r>
-              <a:rPr lang="en-US" dirty="0"/>
-              <a:t> </a:t>
-            </a:r>
-            <a:r>
-              <a:rPr lang="en-US" dirty="0" err="1"/>
-              <a:t>měnit</a:t>
-            </a:r>
-            <a:endParaRPr lang="en-US" dirty="0"/>
-          </a:p>
-          <a:p>
-            <a:endParaRPr lang="cs-CZ" dirty="0"/>
-          </a:p>
-        </p:txBody>
-      </p:sp>
-    </p:spTree>
-    <p:extLst>
-      <p:ext uri="{BB962C8B-B14F-4D97-AF65-F5344CB8AC3E}">
-        <p14:creationId xmlns:p14="http://schemas.microsoft.com/office/powerpoint/2010/main" val="2644731012"/>
-      </p:ext>
-    </p:extLst>
-  </p:cSld>
-  <p:clrMapOvr>
-    <a:masterClrMapping/>
-  </p:clrMapOvr>
-</p:sld>
-</file>
-
-<file path=ppt/slides/slide21.xml><?xml version="1.0" encoding="utf-8"?>
-<p:sld xmlns:a="http://schemas.openxmlformats.org/drawingml/2006/main" xmlns:r="http://schemas.openxmlformats.org/officeDocument/2006/relationships" xmlns:p="http://schemas.openxmlformats.org/presentationml/2006/main">
-  <p:cSld>
-    <p:spTree>
-      <p:nvGrpSpPr>
-        <p:cNvPr id="1" name=""/>
-        <p:cNvGrpSpPr/>
-        <p:nvPr/>
-      </p:nvGrpSpPr>
-      <p:grpSpPr>
-        <a:xfrm>
-          <a:off x="0" y="0"/>
-          <a:ext cx="0" cy="0"/>
-          <a:chOff x="0" y="0"/>
-          <a:chExt cx="0" cy="0"/>
-        </a:xfrm>
-      </p:grpSpPr>
-      <p:sp>
-        <p:nvSpPr>
-          <p:cNvPr id="4" name="Title 3">
-            <a:extLst>
-              <a:ext uri="{FF2B5EF4-FFF2-40B4-BE49-F238E27FC236}">
-                <a16:creationId xmlns:a16="http://schemas.microsoft.com/office/drawing/2014/main" id="{3CB44335-9888-1F34-DA83-42DC4BA2721F}"/>
-              </a:ext>
-            </a:extLst>
-          </p:cNvPr>
-          <p:cNvSpPr>
-            <a:spLocks noGrp="1"/>
-          </p:cNvSpPr>
-          <p:nvPr>
-            <p:ph type="title"/>
-          </p:nvPr>
-        </p:nvSpPr>
-        <p:spPr>
-          <a:xfrm>
-            <a:off x="675000" y="2836820"/>
-            <a:ext cx="7794000" cy="1184360"/>
-          </a:xfrm>
-        </p:spPr>
-        <p:txBody>
-          <a:bodyPr>
-            <a:normAutofit/>
-          </a:bodyPr>
-          <a:lstStyle/>
-          <a:p>
-            <a:pPr algn="ctr"/>
-            <a:r>
-              <a:rPr lang="en-US" sz="3600" dirty="0" err="1"/>
-              <a:t>Děkuji</a:t>
-            </a:r>
-            <a:r>
-              <a:rPr lang="en-US" sz="3600" dirty="0"/>
-              <a:t> za </a:t>
-            </a:r>
-            <a:r>
-              <a:rPr lang="en-US" sz="3600" dirty="0" err="1"/>
-              <a:t>pozornost</a:t>
-            </a:r>
-            <a:r>
-              <a:rPr lang="en-US" sz="3600" dirty="0"/>
-              <a:t> </a:t>
-            </a:r>
-            <a:br>
-              <a:rPr lang="en-US" sz="3600" dirty="0"/>
-            </a:br>
-            <a:r>
-              <a:rPr lang="en-US" sz="3600" dirty="0" err="1"/>
-              <a:t>Dotazy</a:t>
-            </a:r>
-            <a:r>
-              <a:rPr lang="en-US" sz="3600" dirty="0"/>
-              <a:t>?</a:t>
-            </a:r>
-            <a:endParaRPr lang="cs-CZ" sz="3600" dirty="0"/>
-          </a:p>
-        </p:txBody>
-      </p:sp>
-    </p:spTree>
-    <p:extLst>
-      <p:ext uri="{BB962C8B-B14F-4D97-AF65-F5344CB8AC3E}">
-        <p14:creationId xmlns:p14="http://schemas.microsoft.com/office/powerpoint/2010/main" val="1200479118"/>
       </p:ext>
     </p:extLst>
   </p:cSld>
@@ -11210,118 +10603,6 @@
           <p:cNvPr id="2" name="Title 1">
             <a:extLst>
               <a:ext uri="{FF2B5EF4-FFF2-40B4-BE49-F238E27FC236}">
-                <a16:creationId xmlns:a16="http://schemas.microsoft.com/office/drawing/2014/main" id="{4247FD84-3C01-2F67-E66E-672CEC9D3DB7}"/>
-              </a:ext>
-            </a:extLst>
-          </p:cNvPr>
-          <p:cNvSpPr>
-            <a:spLocks noGrp="1"/>
-          </p:cNvSpPr>
-          <p:nvPr>
-            <p:ph type="title"/>
-          </p:nvPr>
-        </p:nvSpPr>
-        <p:spPr/>
-        <p:txBody>
-          <a:bodyPr/>
-          <a:lstStyle/>
-          <a:p>
-            <a:r>
-              <a:rPr lang="en-US" dirty="0"/>
-              <a:t>Sem </a:t>
-            </a:r>
-            <a:r>
-              <a:rPr lang="en-US" dirty="0" err="1"/>
-              <a:t>dám</a:t>
-            </a:r>
-            <a:r>
-              <a:rPr lang="en-US" dirty="0"/>
-              <a:t> </a:t>
-            </a:r>
-            <a:r>
-              <a:rPr lang="en-US" dirty="0" err="1"/>
-              <a:t>jednu</a:t>
-            </a:r>
-            <a:r>
-              <a:rPr lang="en-US" dirty="0"/>
-              <a:t> </a:t>
-            </a:r>
-            <a:r>
-              <a:rPr lang="en-US" dirty="0" err="1"/>
-              <a:t>fotku</a:t>
-            </a:r>
-            <a:r>
-              <a:rPr lang="en-US" dirty="0"/>
-              <a:t> </a:t>
-            </a:r>
-            <a:r>
-              <a:rPr lang="en-US" dirty="0" err="1"/>
-              <a:t>soustavy</a:t>
-            </a:r>
-            <a:endParaRPr lang="en-US" dirty="0"/>
-          </a:p>
-        </p:txBody>
-      </p:sp>
-      <p:sp>
-        <p:nvSpPr>
-          <p:cNvPr id="3" name="Content Placeholder 2">
-            <a:extLst>
-              <a:ext uri="{FF2B5EF4-FFF2-40B4-BE49-F238E27FC236}">
-                <a16:creationId xmlns:a16="http://schemas.microsoft.com/office/drawing/2014/main" id="{16B64955-94A8-57DC-E8FB-4B9FEEC506C1}"/>
-              </a:ext>
-            </a:extLst>
-          </p:cNvPr>
-          <p:cNvSpPr>
-            <a:spLocks noGrp="1"/>
-          </p:cNvSpPr>
-          <p:nvPr>
-            <p:ph idx="1"/>
-          </p:nvPr>
-        </p:nvSpPr>
-        <p:spPr/>
-        <p:txBody>
-          <a:bodyPr/>
-          <a:lstStyle/>
-          <a:p>
-            <a:endParaRPr lang="en-US"/>
-          </a:p>
-        </p:txBody>
-      </p:sp>
-    </p:spTree>
-    <p:extLst>
-      <p:ext uri="{BB962C8B-B14F-4D97-AF65-F5344CB8AC3E}">
-        <p14:creationId xmlns:p14="http://schemas.microsoft.com/office/powerpoint/2010/main" val="445953839"/>
-      </p:ext>
-    </p:extLst>
-  </p:cSld>
-  <p:clrMapOvr>
-    <a:masterClrMapping/>
-  </p:clrMapOvr>
-</p:sld>
-</file>
-
-<file path=ppt/slides/slide7.xml><?xml version="1.0" encoding="utf-8"?>
-<p:sld xmlns:a="http://schemas.openxmlformats.org/drawingml/2006/main" xmlns:r="http://schemas.openxmlformats.org/officeDocument/2006/relationships" xmlns:p="http://schemas.openxmlformats.org/presentationml/2006/main">
-  <p:cSld>
-    <p:spTree>
-      <p:nvGrpSpPr>
-        <p:cNvPr id="1" name=""/>
-        <p:cNvGrpSpPr/>
-        <p:nvPr/>
-      </p:nvGrpSpPr>
-      <p:grpSpPr>
-        <a:xfrm>
-          <a:off x="0" y="0"/>
-          <a:ext cx="0" cy="0"/>
-          <a:chOff x="0" y="0"/>
-          <a:chExt cx="0" cy="0"/>
-        </a:xfrm>
-      </p:grpSpPr>
-      <p:sp>
-        <p:nvSpPr>
-          <p:cNvPr id="2" name="Title 1">
-            <a:extLst>
-              <a:ext uri="{FF2B5EF4-FFF2-40B4-BE49-F238E27FC236}">
                 <a16:creationId xmlns:a16="http://schemas.microsoft.com/office/drawing/2014/main" id="{6B55DFB9-A72C-8CC0-5F7E-01F202BA8D55}"/>
               </a:ext>
             </a:extLst>
@@ -11352,14 +10633,6 @@
             </a:r>
             <a:r>
               <a:rPr lang="en-US" dirty="0" err="1"/>
-              <a:t>druhou</a:t>
-            </a:r>
-            <a:r>
-              <a:rPr lang="en-US" dirty="0"/>
-              <a:t> </a:t>
-            </a:r>
-            <a:r>
-              <a:rPr lang="en-US" dirty="0" err="1"/>
               <a:t>fotku</a:t>
             </a:r>
             <a:r>
@@ -11370,7 +10643,34 @@
               <a:rPr lang="en-US" dirty="0" err="1"/>
               <a:t>soustavy</a:t>
             </a:r>
-            <a:endParaRPr lang="en-US" dirty="0"/>
+            <a:r>
+              <a:rPr lang="en-US" dirty="0"/>
+              <a:t> </a:t>
+            </a:r>
+            <a:r>
+              <a:rPr lang="en-US" dirty="0" err="1"/>
+              <a:t>kde</a:t>
+            </a:r>
+            <a:r>
+              <a:rPr lang="en-US" dirty="0"/>
+              <a:t> je </a:t>
+            </a:r>
+            <a:r>
+              <a:rPr lang="en-US" dirty="0" err="1"/>
+              <a:t>vidět</a:t>
+            </a:r>
+            <a:r>
+              <a:rPr lang="en-US" dirty="0"/>
+              <a:t> </a:t>
+            </a:r>
+            <a:r>
+              <a:rPr lang="en-US" dirty="0" err="1"/>
+              <a:t>krokov</a:t>
+            </a:r>
+            <a:r>
+              <a:rPr lang="en-US" dirty="0"/>
+              <a:t> motor</a:t>
+            </a:r>
           </a:p>
         </p:txBody>
       </p:sp>
@@ -11412,7 +10712,7 @@
 </p:sld>
 </file>
 
-<file path=ppt/slides/slide8.xml><?xml version="1.0" encoding="utf-8"?>
+<file path=ppt/slides/slide7.xml><?xml version="1.0" encoding="utf-8"?>
 <p:sld xmlns:a="http://schemas.openxmlformats.org/drawingml/2006/main" xmlns:r="http://schemas.openxmlformats.org/officeDocument/2006/relationships" xmlns:p="http://schemas.openxmlformats.org/presentationml/2006/main">
   <p:cSld>
     <p:spTree>
@@ -11686,7 +10986,7 @@
 </p:sld>
 </file>
 
-<file path=ppt/slides/slide9.xml><?xml version="1.0" encoding="utf-8"?>
+<file path=ppt/slides/slide8.xml><?xml version="1.0" encoding="utf-8"?>
 <p:sld xmlns:a="http://schemas.openxmlformats.org/drawingml/2006/main" xmlns:r="http://schemas.openxmlformats.org/officeDocument/2006/relationships" xmlns:p="http://schemas.openxmlformats.org/presentationml/2006/main">
   <p:cSld>
     <p:spTree>
@@ -11705,10 +11005,45 @@
       </p:grpSpPr>
       <p:pic>
         <p:nvPicPr>
-          <p:cNvPr id="6" name="Obrázek 5" descr="Obsah obrázku interiér, umělá hmota&#10;&#10;Popis se vygeneroval automaticky.">
+          <p:cNvPr id="6" name="Zástupný obsah 5" descr="Obsah obrázku stolička, interiér, bílé, umění&#10;&#10;Popis byl vytvořen automaticky">
             <a:extLst>
               <a:ext uri="{FF2B5EF4-FFF2-40B4-BE49-F238E27FC236}">
-                <a16:creationId xmlns:a16="http://schemas.microsoft.com/office/drawing/2014/main" id="{B77C4945-7D35-516D-6DB8-A02B2E08F7FC}"/>
+                <a16:creationId xmlns:a16="http://schemas.microsoft.com/office/drawing/2014/main" id="{868F9440-08DD-266C-B05B-88145ACA9195}"/>
+              </a:ext>
+            </a:extLst>
+          </p:cNvPr>
+          <p:cNvPicPr>
+            <a:picLocks noGrp="1" noChangeAspect="1"/>
+          </p:cNvPicPr>
+          <p:nvPr>
+            <p:ph idx="1"/>
+          </p:nvPr>
+        </p:nvPicPr>
+        <p:blipFill>
+          <a:blip r:embed="rId2">
+            <a:extLst>
+              <a:ext uri="{28A0092B-C50C-407E-A947-70E740481C1C}">
+                <a14:useLocalDpi xmlns:a14="http://schemas.microsoft.com/office/drawing/2010/main" val="0"/>
+              </a:ext>
+            </a:extLst>
+          </a:blip>
+          <a:stretch>
+            <a:fillRect/>
+          </a:stretch>
+        </p:blipFill>
+        <p:spPr>
+          <a:xfrm>
+            <a:off x="1186249" y="1425753"/>
+            <a:ext cx="2963046" cy="4618866"/>
+          </a:xfrm>
+        </p:spPr>
+      </p:pic>
+      <p:pic>
+        <p:nvPicPr>
+          <p:cNvPr id="10" name="Obrázek 9" descr="Obsah obrázku mléčné výrobky, smetana, dezert, interiér&#10;&#10;Popis byl vytvořen automaticky">
+            <a:extLst>
+              <a:ext uri="{FF2B5EF4-FFF2-40B4-BE49-F238E27FC236}">
+                <a16:creationId xmlns:a16="http://schemas.microsoft.com/office/drawing/2014/main" id="{4FC093A9-E62F-EA41-BA4D-D522E4E8AF0A}"/>
               </a:ext>
             </a:extLst>
           </p:cNvPr>
@@ -11718,45 +11053,21 @@
           <p:nvPr/>
         </p:nvPicPr>
         <p:blipFill>
-          <a:blip r:embed="rId2"/>
+          <a:blip r:embed="rId3">
+            <a:extLst>
+              <a:ext uri="{28A0092B-C50C-407E-A947-70E740481C1C}">
+                <a14:useLocalDpi xmlns:a14="http://schemas.microsoft.com/office/drawing/2010/main" val="0"/>
+              </a:ext>
+            </a:extLst>
+          </a:blip>
           <a:stretch>
             <a:fillRect/>
           </a:stretch>
         </p:blipFill>
         <p:spPr>
           <a:xfrm>
-            <a:off x="5204534" y="1591865"/>
-            <a:ext cx="2764887" cy="3674269"/>
-          </a:xfrm>
-          <a:prstGeom prst="rect">
-            <a:avLst/>
-          </a:prstGeom>
-        </p:spPr>
-      </p:pic>
-      <p:pic>
-        <p:nvPicPr>
-          <p:cNvPr id="5" name="Obrázek 4" descr="Obsah obrázku interiér, počítač, láhev, stůl&#10;&#10;Popis se vygeneroval automaticky.">
-            <a:extLst>
-              <a:ext uri="{FF2B5EF4-FFF2-40B4-BE49-F238E27FC236}">
-                <a16:creationId xmlns:a16="http://schemas.microsoft.com/office/drawing/2014/main" id="{EBA11001-076A-6D67-0C8C-7D31581DAECD}"/>
-              </a:ext>
-            </a:extLst>
-          </p:cNvPr>
-          <p:cNvPicPr>
-            <a:picLocks noChangeAspect="1"/>
-          </p:cNvPicPr>
-          <p:nvPr/>
-        </p:nvPicPr>
-        <p:blipFill>
-          <a:blip r:embed="rId3"/>
-          <a:stretch>
-            <a:fillRect/>
-          </a:stretch>
-        </p:blipFill>
-        <p:spPr>
-          <a:xfrm>
-            <a:off x="1497077" y="1595438"/>
-            <a:ext cx="2764887" cy="3674269"/>
+            <a:off x="5147619" y="1425753"/>
+            <a:ext cx="2773825" cy="4618800"/>
           </a:xfrm>
           <a:prstGeom prst="rect">
             <a:avLst/>
@@ -11766,13 +11077,112 @@
     </p:spTree>
     <p:extLst>
       <p:ext uri="{BB962C8B-B14F-4D97-AF65-F5344CB8AC3E}">
-        <p14:creationId xmlns:p14="http://schemas.microsoft.com/office/powerpoint/2010/main" val="1652281788"/>
+        <p14:creationId xmlns:p14="http://schemas.microsoft.com/office/powerpoint/2010/main" val="2480114131"/>
       </p:ext>
     </p:extLst>
   </p:cSld>
   <p:clrMapOvr>
     <a:masterClrMapping/>
   </p:clrMapOvr>
+</p:sld>
+</file>
+
+<file path=ppt/slides/slide9.xml><?xml version="1.0" encoding="utf-8"?>
+<p:sld xmlns:a="http://schemas.openxmlformats.org/drawingml/2006/main" xmlns:r="http://schemas.openxmlformats.org/officeDocument/2006/relationships" xmlns:p="http://schemas.openxmlformats.org/presentationml/2006/main">
+  <p:cSld>
+    <p:spTree>
+      <p:nvGrpSpPr>
+        <p:cNvPr id="1" name=""/>
+        <p:cNvGrpSpPr/>
+        <p:nvPr/>
+      </p:nvGrpSpPr>
+      <p:grpSpPr>
+        <a:xfrm>
+          <a:off x="0" y="0"/>
+          <a:ext cx="0" cy="0"/>
+          <a:chOff x="0" y="0"/>
+          <a:chExt cx="0" cy="0"/>
+        </a:xfrm>
+      </p:grpSpPr>
+      <p:sp>
+        <p:nvSpPr>
+          <p:cNvPr id="2" name="Title 1">
+            <a:extLst>
+              <a:ext uri="{FF2B5EF4-FFF2-40B4-BE49-F238E27FC236}">
+                <a16:creationId xmlns:a16="http://schemas.microsoft.com/office/drawing/2014/main" id="{C785D90F-E463-BB8A-0C16-26EF91A57CC1}"/>
+              </a:ext>
+            </a:extLst>
+          </p:cNvPr>
+          <p:cNvSpPr>
+            <a:spLocks noGrp="1"/>
+          </p:cNvSpPr>
+          <p:nvPr>
+            <p:ph type="title"/>
+          </p:nvPr>
+        </p:nvSpPr>
+        <p:spPr/>
+        <p:txBody>
+          <a:bodyPr/>
+          <a:lstStyle/>
+          <a:p>
+            <a:r>
+              <a:rPr lang="en-US" dirty="0" err="1"/>
+              <a:t>Metodika</a:t>
+            </a:r>
+            <a:endParaRPr lang="cs-CZ" dirty="0"/>
+          </a:p>
+        </p:txBody>
+      </p:sp>
+      <p:pic>
+        <p:nvPicPr>
+          <p:cNvPr id="5" name="Content Placeholder 4" descr="A diagram of a software system&#10;&#10;Description automatically generated">
+            <a:extLst>
+              <a:ext uri="{FF2B5EF4-FFF2-40B4-BE49-F238E27FC236}">
+                <a16:creationId xmlns:a16="http://schemas.microsoft.com/office/drawing/2014/main" id="{87E0771F-A9B8-A4C5-55FF-4E4E5EFFAD96}"/>
+              </a:ext>
+            </a:extLst>
+          </p:cNvPr>
+          <p:cNvPicPr>
+            <a:picLocks noGrp="1" noChangeAspect="1"/>
+          </p:cNvPicPr>
+          <p:nvPr>
+            <p:ph idx="1"/>
+          </p:nvPr>
+        </p:nvPicPr>
+        <p:blipFill>
+          <a:blip r:embed="rId4">
+            <a:extLst>
+              <a:ext uri="{28A0092B-C50C-407E-A947-70E740481C1C}">
+                <a14:useLocalDpi xmlns:a14="http://schemas.microsoft.com/office/drawing/2010/main" val="0"/>
+              </a:ext>
+            </a:extLst>
+          </a:blip>
+          <a:stretch>
+            <a:fillRect/>
+          </a:stretch>
+        </p:blipFill>
+        <p:spPr>
+          <a:xfrm>
+            <a:off x="742602" y="2502040"/>
+            <a:ext cx="7573889" cy="3838470"/>
+          </a:xfrm>
+        </p:spPr>
+      </p:pic>
+    </p:spTree>
+    <p:extLst>
+      <p:ext uri="{BB962C8B-B14F-4D97-AF65-F5344CB8AC3E}">
+        <p14:creationId xmlns:p14="http://schemas.microsoft.com/office/powerpoint/2010/main" val="2796476723"/>
+      </p:ext>
+    </p:extLst>
+  </p:cSld>
+  <p:clrMapOvr>
+    <a:masterClrMapping/>
+  </p:clrMapOvr>
+  <p:extLst>
+    <p:ext uri="{6950BFC3-D8DA-4A85-94F7-54DA5524770B}">
+      <p188:commentRel xmlns:p188="http://schemas.microsoft.com/office/powerpoint/2018/8/main" r:id="rId3"/>
+    </p:ext>
+  </p:extLst>
 </p:sld>
 </file>
 

--- a/Obhajoba_darsamar.pptx
+++ b/Obhajoba_darsamar.pptx
@@ -627,14 +627,13 @@
               <a:t> </a:t>
             </a:r>
             <a:r>
-              <a:rPr lang="en-US" noProof="0" dirty="0" err="1"/>
+              <a:rPr lang="cs-CZ" noProof="0" dirty="0"/>
               <a:t>práce</a:t>
             </a:r>
-            <a:endParaRPr lang="en-US" noProof="0" dirty="0"/>
-          </a:p>
-          <a:p>
-            <a:r>
-              <a:rPr lang="en-US" noProof="0" dirty="0" err="1"/>
+          </a:p>
+          <a:p>
+            <a:r>
+              <a:rPr lang="cs-CZ" noProof="0" dirty="0"/>
               <a:t>Tématem</a:t>
             </a:r>
             <a:r>
@@ -642,7 +641,7 @@
               <a:t> </a:t>
             </a:r>
             <a:r>
-              <a:rPr lang="en-US" noProof="0" dirty="0" err="1"/>
+              <a:rPr lang="cs-CZ" noProof="0" dirty="0"/>
               <a:t>mé</a:t>
             </a:r>
             <a:r>
@@ -650,7 +649,7 @@
               <a:t> </a:t>
             </a:r>
             <a:r>
-              <a:rPr lang="en-US" noProof="0" dirty="0" err="1"/>
+              <a:rPr lang="cs-CZ" noProof="0" dirty="0" err="1"/>
               <a:t>bakalářskíé</a:t>
             </a:r>
             <a:r>
@@ -1380,6 +1379,12 @@
           <a:lstStyle/>
           <a:p>
             <a:r>
+              <a:rPr lang="en-US" dirty="0"/>
+              <a:t>6</a:t>
+            </a:r>
+          </a:p>
+          <a:p>
+            <a:r>
               <a:rPr lang="en-US" dirty="0" err="1"/>
               <a:t>Jsou</a:t>
             </a:r>
@@ -4224,6 +4229,90 @@
 </p:notes>
 </file>
 
+<file path=ppt/notesSlides/notesSlide18.xml><?xml version="1.0" encoding="utf-8"?>
+<p:notes xmlns:a="http://schemas.openxmlformats.org/drawingml/2006/main" xmlns:r="http://schemas.openxmlformats.org/officeDocument/2006/relationships" xmlns:p="http://schemas.openxmlformats.org/presentationml/2006/main">
+  <p:cSld>
+    <p:spTree>
+      <p:nvGrpSpPr>
+        <p:cNvPr id="1" name=""/>
+        <p:cNvGrpSpPr/>
+        <p:nvPr/>
+      </p:nvGrpSpPr>
+      <p:grpSpPr>
+        <a:xfrm>
+          <a:off x="0" y="0"/>
+          <a:ext cx="0" cy="0"/>
+          <a:chOff x="0" y="0"/>
+          <a:chExt cx="0" cy="0"/>
+        </a:xfrm>
+      </p:grpSpPr>
+      <p:sp>
+        <p:nvSpPr>
+          <p:cNvPr id="2" name="Slide Image Placeholder 1"/>
+          <p:cNvSpPr>
+            <a:spLocks noGrp="1" noRot="1" noChangeAspect="1"/>
+          </p:cNvSpPr>
+          <p:nvPr>
+            <p:ph type="sldImg"/>
+          </p:nvPr>
+        </p:nvSpPr>
+        <p:spPr/>
+      </p:sp>
+      <p:sp>
+        <p:nvSpPr>
+          <p:cNvPr id="3" name="Notes Placeholder 2"/>
+          <p:cNvSpPr>
+            <a:spLocks noGrp="1"/>
+          </p:cNvSpPr>
+          <p:nvPr>
+            <p:ph type="body" idx="1"/>
+          </p:nvPr>
+        </p:nvSpPr>
+        <p:spPr/>
+        <p:txBody>
+          <a:bodyPr/>
+          <a:lstStyle/>
+          <a:p>
+            <a:endParaRPr lang="cs-CZ"/>
+          </a:p>
+        </p:txBody>
+      </p:sp>
+      <p:sp>
+        <p:nvSpPr>
+          <p:cNvPr id="4" name="Slide Number Placeholder 3"/>
+          <p:cNvSpPr>
+            <a:spLocks noGrp="1"/>
+          </p:cNvSpPr>
+          <p:nvPr>
+            <p:ph type="sldNum" sz="quarter" idx="5"/>
+          </p:nvPr>
+        </p:nvSpPr>
+        <p:spPr/>
+        <p:txBody>
+          <a:bodyPr/>
+          <a:lstStyle/>
+          <a:p>
+            <a:fld id="{40499985-F144-4F30-9B65-93EDEC442801}" type="slidenum">
+              <a:rPr lang="cs-CZ" smtClean="0"/>
+              <a:t>19</a:t>
+            </a:fld>
+            <a:endParaRPr lang="cs-CZ"/>
+          </a:p>
+        </p:txBody>
+      </p:sp>
+    </p:spTree>
+    <p:extLst>
+      <p:ext uri="{BB962C8B-B14F-4D97-AF65-F5344CB8AC3E}">
+        <p14:creationId xmlns:p14="http://schemas.microsoft.com/office/powerpoint/2010/main" val="3289457510"/>
+      </p:ext>
+    </p:extLst>
+  </p:cSld>
+  <p:clrMapOvr>
+    <a:masterClrMapping/>
+  </p:clrMapOvr>
+</p:notes>
+</file>
+
 <file path=ppt/notesSlides/notesSlide2.xml><?xml version="1.0" encoding="utf-8"?>
 <p:notes xmlns:a="http://schemas.openxmlformats.org/drawingml/2006/main" xmlns:r="http://schemas.openxmlformats.org/officeDocument/2006/relationships" xmlns:p="http://schemas.openxmlformats.org/presentationml/2006/main">
   <p:cSld>
@@ -4933,7 +5022,7 @@
           <a:p>
             <a:r>
               <a:rPr lang="en-US" dirty="0"/>
-              <a:t>1:15-2:48</a:t>
+              <a:t>1:15-2</a:t>
             </a:r>
           </a:p>
           <a:p>
@@ -5978,7 +6067,7 @@
           <a:p>
             <a:r>
               <a:rPr lang="en-US" dirty="0"/>
-              <a:t>2:48-3:35</a:t>
+              <a:t>2-3:35</a:t>
             </a:r>
             <a:endParaRPr lang="cs-CZ" dirty="0"/>
           </a:p>
@@ -8256,7 +8345,7 @@
           </a:p>
           <a:p>
             <a:r>
-              <a:rPr lang="en-US" dirty="0" err="1"/>
+              <a:rPr lang="cs-CZ" dirty="0"/>
               <a:t>Vedoucí</a:t>
             </a:r>
             <a:r>
@@ -8264,12 +8353,12 @@
               <a:t> </a:t>
             </a:r>
             <a:r>
-              <a:rPr lang="en-US" dirty="0" err="1"/>
+              <a:rPr lang="cs-CZ" dirty="0"/>
               <a:t>práce</a:t>
             </a:r>
             <a:r>
               <a:rPr lang="en-US" dirty="0"/>
-              <a:t>: Ing. Martin Bejtic</a:t>
+              <a:t> : Ing. Martin Bejtic</a:t>
             </a:r>
           </a:p>
           <a:p>
@@ -8574,34 +8663,9 @@
           <a:lstStyle/>
           <a:p>
             <a:r>
-              <a:rPr lang="en-US" dirty="0" err="1"/>
-              <a:t>Navrhnutí</a:t>
-            </a:r>
-            <a:r>
-              <a:rPr lang="en-US" dirty="0"/>
-              <a:t> a </a:t>
-            </a:r>
-            <a:r>
-              <a:rPr lang="en-US" dirty="0" err="1"/>
-              <a:t>vytvoření</a:t>
-            </a:r>
-            <a:r>
-              <a:rPr lang="en-US" dirty="0"/>
-              <a:t> </a:t>
-            </a:r>
-            <a:r>
-              <a:rPr lang="en-US" dirty="0" err="1"/>
-              <a:t>uživatelských</a:t>
-            </a:r>
-            <a:r>
-              <a:rPr lang="en-US" dirty="0"/>
-              <a:t> </a:t>
-            </a:r>
-            <a:r>
-              <a:rPr lang="en-US" dirty="0" err="1"/>
-              <a:t>rolí</a:t>
-            </a:r>
-            <a:endParaRPr lang="cs-CZ" dirty="0"/>
+              <a:rPr lang="cs-CZ" dirty="0"/>
+              <a:t>Navrhnutí a vytvoření uživatelských rolí</a:t>
+            </a:r>
           </a:p>
         </p:txBody>
       </p:sp>
@@ -8973,14 +9037,9 @@
           <a:lstStyle/>
           <a:p>
             <a:r>
-              <a:rPr lang="en-US" dirty="0" err="1"/>
-              <a:t>Závěr</a:t>
-            </a:r>
-            <a:r>
-              <a:rPr lang="en-US" dirty="0"/>
-              <a:t> </a:t>
-            </a:r>
-            <a:endParaRPr lang="cs-CZ" dirty="0"/>
+              <a:rPr lang="cs-CZ" dirty="0"/>
+              <a:t>Závěr </a:t>
+            </a:r>
           </a:p>
         </p:txBody>
       </p:sp>
@@ -9010,12 +9069,8 @@
               <a:buChar char="ü"/>
             </a:pPr>
             <a:r>
-              <a:rPr lang="en-US" dirty="0" err="1"/>
-              <a:t>Vytvoření</a:t>
-            </a:r>
-            <a:r>
-              <a:rPr lang="en-US" dirty="0"/>
-              <a:t> GUI</a:t>
+              <a:rPr lang="cs-CZ" dirty="0"/>
+              <a:t>Vytvoření GUI</a:t>
             </a:r>
           </a:p>
           <a:p>
@@ -9024,42 +9079,9 @@
               <a:buChar char="ü"/>
             </a:pPr>
             <a:r>
-              <a:rPr lang="en-US" dirty="0" err="1"/>
-              <a:t>Navrhnutí</a:t>
-            </a:r>
-            <a:r>
-              <a:rPr lang="en-US" dirty="0"/>
-              <a:t> a </a:t>
-            </a:r>
-            <a:r>
-              <a:rPr lang="en-US" dirty="0" err="1"/>
-              <a:t>vytvoření</a:t>
-            </a:r>
-            <a:r>
-              <a:rPr lang="en-US" dirty="0"/>
-              <a:t> </a:t>
-            </a:r>
-            <a:r>
-              <a:rPr lang="en-US" dirty="0" err="1"/>
-              <a:t>možnosti</a:t>
-            </a:r>
-            <a:r>
-              <a:rPr lang="en-US" dirty="0"/>
-              <a:t> </a:t>
-            </a:r>
-            <a:r>
-              <a:rPr lang="en-US" dirty="0" err="1"/>
-              <a:t>uživatelských</a:t>
-            </a:r>
-            <a:r>
-              <a:rPr lang="en-US" dirty="0"/>
-              <a:t> </a:t>
-            </a:r>
-            <a:r>
-              <a:rPr lang="en-US" dirty="0" err="1"/>
-              <a:t>rolí</a:t>
-            </a:r>
-            <a:endParaRPr lang="en-US" dirty="0"/>
+              <a:rPr lang="cs-CZ" dirty="0"/>
+              <a:t>Navrhnutí a vytvoření možnosti uživatelských rolí</a:t>
+            </a:r>
           </a:p>
           <a:p>
             <a:pPr marL="342900" indent="-342900">
@@ -9067,42 +9089,9 @@
               <a:buChar char="ü"/>
             </a:pPr>
             <a:r>
-              <a:rPr lang="en-US" dirty="0" err="1"/>
-              <a:t>Vytvoření</a:t>
-            </a:r>
-            <a:r>
-              <a:rPr lang="en-US" dirty="0"/>
-              <a:t> </a:t>
-            </a:r>
-            <a:r>
-              <a:rPr lang="en-US" dirty="0" err="1"/>
-              <a:t>metody</a:t>
-            </a:r>
-            <a:r>
-              <a:rPr lang="en-US" dirty="0"/>
-              <a:t> pro </a:t>
-            </a:r>
-            <a:r>
-              <a:rPr lang="en-US" dirty="0" err="1"/>
-              <a:t>ovládání</a:t>
-            </a:r>
-            <a:r>
-              <a:rPr lang="en-US" dirty="0"/>
-              <a:t> </a:t>
-            </a:r>
-            <a:r>
-              <a:rPr lang="en-US" dirty="0" err="1"/>
-              <a:t>jednotlivých</a:t>
-            </a:r>
-            <a:r>
-              <a:rPr lang="en-US" dirty="0"/>
-              <a:t> </a:t>
-            </a:r>
-            <a:r>
-              <a:rPr lang="en-US" dirty="0" err="1"/>
-              <a:t>svalů</a:t>
-            </a:r>
-            <a:endParaRPr lang="en-US" dirty="0"/>
+              <a:rPr lang="cs-CZ" dirty="0"/>
+              <a:t>Vytvoření metody pro ovládání jednotlivých svalů</a:t>
+            </a:r>
           </a:p>
           <a:p>
             <a:pPr marL="342900" indent="-342900">
@@ -9110,66 +9099,17 @@
               <a:buChar char="ü"/>
             </a:pPr>
             <a:r>
-              <a:rPr lang="en-US" dirty="0" err="1"/>
-              <a:t>Možnost</a:t>
-            </a:r>
-            <a:r>
-              <a:rPr lang="en-US" dirty="0"/>
-              <a:t> </a:t>
-            </a:r>
-            <a:r>
-              <a:rPr lang="en-US" dirty="0" err="1"/>
-              <a:t>provést</a:t>
-            </a:r>
-            <a:r>
-              <a:rPr lang="en-US" dirty="0"/>
-              <a:t> </a:t>
-            </a:r>
-            <a:r>
-              <a:rPr lang="en-US" dirty="0" err="1"/>
-              <a:t>měření</a:t>
-            </a:r>
-            <a:r>
-              <a:rPr lang="en-US" dirty="0"/>
-              <a:t> </a:t>
-            </a:r>
-            <a:r>
-              <a:rPr lang="en-US" dirty="0" err="1"/>
-              <a:t>na</a:t>
-            </a:r>
-            <a:r>
-              <a:rPr lang="en-US" dirty="0"/>
-              <a:t> </a:t>
-            </a:r>
-            <a:r>
-              <a:rPr lang="en-US" dirty="0" err="1"/>
-              <a:t>svalu</a:t>
-            </a:r>
-            <a:r>
-              <a:rPr lang="en-US" dirty="0"/>
-              <a:t> a dale s </a:t>
-            </a:r>
-            <a:r>
-              <a:rPr lang="en-US" dirty="0" err="1"/>
-              <a:t>tímto</a:t>
-            </a:r>
-            <a:r>
-              <a:rPr lang="en-US" dirty="0"/>
-              <a:t> </a:t>
-            </a:r>
-            <a:r>
-              <a:rPr lang="en-US" dirty="0" err="1"/>
-              <a:t>měřením</a:t>
-            </a:r>
-            <a:r>
-              <a:rPr lang="en-US" dirty="0"/>
-              <a:t> </a:t>
-            </a:r>
-            <a:r>
-              <a:rPr lang="en-US" dirty="0" err="1"/>
-              <a:t>pracovat</a:t>
-            </a:r>
-            <a:endParaRPr lang="en-US" dirty="0"/>
+              <a:rPr lang="cs-CZ" dirty="0"/>
+              <a:t>Možnost provést měření na svalu a </a:t>
+            </a:r>
+            <a:r>
+              <a:rPr lang="cs-CZ" dirty="0" err="1"/>
+              <a:t>dale</a:t>
+            </a:r>
+            <a:r>
+              <a:rPr lang="cs-CZ" dirty="0"/>
+              <a:t> s tímto měřením pracovat</a:t>
+            </a:r>
           </a:p>
           <a:p>
             <a:pPr marL="342900" indent="-342900">
@@ -9177,90 +9117,9 @@
               <a:buChar char="ü"/>
             </a:pPr>
             <a:r>
-              <a:rPr lang="en-US" dirty="0" err="1"/>
-              <a:t>Možnost</a:t>
-            </a:r>
-            <a:r>
-              <a:rPr lang="en-US" dirty="0"/>
-              <a:t> </a:t>
-            </a:r>
-            <a:r>
-              <a:rPr lang="en-US" dirty="0" err="1"/>
-              <a:t>nastavit</a:t>
-            </a:r>
-            <a:r>
-              <a:rPr lang="en-US" dirty="0"/>
-              <a:t> pro </a:t>
-            </a:r>
-            <a:r>
-              <a:rPr lang="en-US" dirty="0" err="1"/>
-              <a:t>každý</a:t>
-            </a:r>
-            <a:r>
-              <a:rPr lang="en-US" dirty="0"/>
-              <a:t> </a:t>
-            </a:r>
-            <a:r>
-              <a:rPr lang="en-US" dirty="0" err="1"/>
-              <a:t>sval</a:t>
-            </a:r>
-            <a:r>
-              <a:rPr lang="en-US" dirty="0"/>
-              <a:t> </a:t>
-            </a:r>
-            <a:r>
-              <a:rPr lang="en-US" dirty="0" err="1"/>
-              <a:t>různé</a:t>
-            </a:r>
-            <a:r>
-              <a:rPr lang="en-US" dirty="0"/>
-              <a:t> </a:t>
-            </a:r>
-            <a:r>
-              <a:rPr lang="en-US" dirty="0" err="1"/>
-              <a:t>parametry</a:t>
-            </a:r>
-            <a:r>
-              <a:rPr lang="en-US" dirty="0"/>
-              <a:t> a </a:t>
-            </a:r>
-            <a:r>
-              <a:rPr lang="en-US" dirty="0" err="1"/>
-              <a:t>tyto</a:t>
-            </a:r>
-            <a:r>
-              <a:rPr lang="en-US" dirty="0"/>
-              <a:t> </a:t>
-            </a:r>
-            <a:r>
-              <a:rPr lang="en-US" dirty="0" err="1"/>
-              <a:t>parametry</a:t>
-            </a:r>
-            <a:r>
-              <a:rPr lang="en-US" dirty="0"/>
-              <a:t> </a:t>
-            </a:r>
-            <a:r>
-              <a:rPr lang="en-US" dirty="0" err="1"/>
-              <a:t>mít</a:t>
-            </a:r>
-            <a:r>
-              <a:rPr lang="en-US" dirty="0"/>
-              <a:t> </a:t>
-            </a:r>
-            <a:r>
-              <a:rPr lang="en-US" dirty="0" err="1"/>
-              <a:t>možnost</a:t>
-            </a:r>
-            <a:r>
-              <a:rPr lang="en-US" dirty="0"/>
-              <a:t> </a:t>
-            </a:r>
-            <a:r>
-              <a:rPr lang="en-US" dirty="0" err="1"/>
-              <a:t>měnit</a:t>
-            </a:r>
-            <a:endParaRPr lang="en-US" dirty="0"/>
+              <a:rPr lang="cs-CZ" dirty="0"/>
+              <a:t>Možnost nastavit pro každý sval různé parametry a tyto parametry mít možnost měnit</a:t>
+            </a:r>
           </a:p>
           <a:p>
             <a:endParaRPr lang="cs-CZ" dirty="0"/>
@@ -9394,10 +9253,9 @@
           <a:lstStyle/>
           <a:p>
             <a:r>
-              <a:rPr lang="en-US" sz="3200" dirty="0" err="1"/>
+              <a:rPr lang="cs-CZ" sz="3200" dirty="0"/>
               <a:t>Obsah</a:t>
             </a:r>
-            <a:endParaRPr lang="cs-CZ" sz="3200" dirty="0"/>
           </a:p>
         </p:txBody>
       </p:sp>
@@ -9427,26 +9285,17 @@
               <a:buChar char="•"/>
             </a:pPr>
             <a:r>
-              <a:rPr lang="en-US" sz="2400" dirty="0" err="1"/>
-              <a:t>Téma</a:t>
-            </a:r>
-            <a:r>
-              <a:rPr lang="en-US" sz="2400" dirty="0"/>
-              <a:t> </a:t>
-            </a:r>
-            <a:r>
-              <a:rPr lang="en-US" sz="2400" dirty="0" err="1"/>
+              <a:rPr lang="cs-CZ" sz="2400" dirty="0"/>
+              <a:t>Téma </a:t>
+            </a:r>
+            <a:r>
+              <a:rPr lang="cs-CZ" sz="2400" dirty="0" err="1"/>
               <a:t>baklářské</a:t>
             </a:r>
             <a:r>
-              <a:rPr lang="en-US" sz="2400" dirty="0"/>
-              <a:t> </a:t>
-            </a:r>
-            <a:r>
-              <a:rPr lang="en-US" sz="2400" dirty="0" err="1"/>
-              <a:t>práce</a:t>
-            </a:r>
-            <a:endParaRPr lang="en-US" sz="2400" dirty="0"/>
+              <a:rPr lang="cs-CZ" sz="2400" dirty="0"/>
+              <a:t> práce</a:t>
+            </a:r>
           </a:p>
           <a:p>
             <a:pPr marL="342900" indent="-342900">
@@ -9454,18 +9303,9 @@
               <a:buChar char="•"/>
             </a:pPr>
             <a:r>
-              <a:rPr lang="en-US" sz="2400" dirty="0" err="1"/>
-              <a:t>Cíle</a:t>
-            </a:r>
-            <a:r>
-              <a:rPr lang="en-US" sz="2400" dirty="0"/>
-              <a:t> </a:t>
-            </a:r>
-            <a:r>
-              <a:rPr lang="en-US" sz="2400" dirty="0" err="1"/>
-              <a:t>práce</a:t>
-            </a:r>
-            <a:endParaRPr lang="en-US" sz="2400" dirty="0"/>
+              <a:rPr lang="cs-CZ" sz="2400" dirty="0"/>
+              <a:t>Cíle práce</a:t>
+            </a:r>
           </a:p>
           <a:p>
             <a:pPr marL="342900" indent="-342900">
@@ -9473,34 +9313,9 @@
               <a:buChar char="•"/>
             </a:pPr>
             <a:r>
-              <a:rPr lang="en-US" sz="2400" dirty="0" err="1"/>
-              <a:t>Pneumatická</a:t>
-            </a:r>
-            <a:r>
-              <a:rPr lang="en-US" sz="2400" dirty="0"/>
-              <a:t> </a:t>
-            </a:r>
-            <a:r>
-              <a:rPr lang="en-US" sz="2400" dirty="0" err="1"/>
-              <a:t>soustava</a:t>
-            </a:r>
-            <a:r>
-              <a:rPr lang="en-US" sz="2400" dirty="0"/>
-              <a:t>, </a:t>
-            </a:r>
-            <a:r>
-              <a:rPr lang="en-US" sz="2400" dirty="0" err="1"/>
-              <a:t>Pneumatické</a:t>
-            </a:r>
-            <a:r>
-              <a:rPr lang="en-US" sz="2400" dirty="0"/>
-              <a:t> </a:t>
-            </a:r>
-            <a:r>
-              <a:rPr lang="en-US" sz="2400" dirty="0" err="1"/>
-              <a:t>svaly</a:t>
-            </a:r>
-            <a:endParaRPr lang="en-US" sz="2400" dirty="0"/>
+              <a:rPr lang="cs-CZ" sz="2400" dirty="0"/>
+              <a:t>Pneumatická soustava, Pneumatické svaly</a:t>
+            </a:r>
           </a:p>
           <a:p>
             <a:pPr marL="342900" indent="-342900">
@@ -9508,10 +9323,9 @@
               <a:buChar char="•"/>
             </a:pPr>
             <a:r>
-              <a:rPr lang="en-US" sz="2400" dirty="0" err="1"/>
+              <a:rPr lang="cs-CZ" sz="2400" dirty="0"/>
               <a:t>Metodika</a:t>
             </a:r>
-            <a:endParaRPr lang="en-US" sz="2400" dirty="0"/>
           </a:p>
           <a:p>
             <a:pPr marL="342900" indent="-342900">
@@ -9519,7 +9333,7 @@
               <a:buChar char="•"/>
             </a:pPr>
             <a:r>
-              <a:rPr lang="en-US" sz="2400" dirty="0" err="1"/>
+              <a:rPr lang="cs-CZ" sz="2400" dirty="0"/>
               <a:t>Závěr</a:t>
             </a:r>
             <a:endParaRPr lang="cs-CZ" dirty="0"/>
@@ -9580,26 +9394,9 @@
           <a:lstStyle/>
           <a:p>
             <a:r>
-              <a:rPr lang="en-US" sz="3200" dirty="0" err="1"/>
-              <a:t>Téma</a:t>
-            </a:r>
-            <a:r>
-              <a:rPr lang="en-US" sz="3200" dirty="0"/>
-              <a:t> </a:t>
-            </a:r>
-            <a:r>
-              <a:rPr lang="en-US" sz="3200" dirty="0" err="1"/>
-              <a:t>bakalářské</a:t>
-            </a:r>
-            <a:r>
-              <a:rPr lang="en-US" sz="3200" dirty="0"/>
-              <a:t> </a:t>
-            </a:r>
-            <a:r>
-              <a:rPr lang="en-US" sz="3200" dirty="0" err="1"/>
-              <a:t>práce</a:t>
-            </a:r>
-            <a:endParaRPr lang="cs-CZ" sz="3200" dirty="0"/>
+              <a:rPr lang="cs-CZ" sz="3200" dirty="0"/>
+              <a:t>Téma bakalářské práce</a:t>
+            </a:r>
           </a:p>
         </p:txBody>
       </p:sp>
@@ -9629,146 +9426,11 @@
               <a:buChar char="•"/>
             </a:pPr>
             <a:r>
-              <a:rPr lang="en-US" dirty="0" err="1">
+              <a:rPr lang="cs-CZ" dirty="0">
                 <a:latin typeface="+mj-lt"/>
               </a:rPr>
-              <a:t>Vytvoření</a:t>
-            </a:r>
-            <a:r>
-              <a:rPr lang="en-US" dirty="0">
-                <a:latin typeface="+mj-lt"/>
-              </a:rPr>
-              <a:t> </a:t>
-            </a:r>
-            <a:r>
-              <a:rPr lang="en-US" dirty="0" err="1">
-                <a:latin typeface="+mj-lt"/>
-              </a:rPr>
-              <a:t>grafického</a:t>
-            </a:r>
-            <a:r>
-              <a:rPr lang="en-US" dirty="0">
-                <a:latin typeface="+mj-lt"/>
-              </a:rPr>
-              <a:t> </a:t>
-            </a:r>
-            <a:r>
-              <a:rPr lang="en-US" dirty="0" err="1">
-                <a:latin typeface="+mj-lt"/>
-              </a:rPr>
-              <a:t>uživatelské</a:t>
-            </a:r>
-            <a:r>
-              <a:rPr lang="en-US" dirty="0">
-                <a:latin typeface="+mj-lt"/>
-              </a:rPr>
-              <a:t> </a:t>
-            </a:r>
-            <a:r>
-              <a:rPr lang="en-US" dirty="0" err="1">
-                <a:latin typeface="+mj-lt"/>
-              </a:rPr>
-              <a:t>prostředí</a:t>
-            </a:r>
-            <a:r>
-              <a:rPr lang="en-US" dirty="0">
-                <a:latin typeface="+mj-lt"/>
-              </a:rPr>
-              <a:t> pro </a:t>
-            </a:r>
-            <a:r>
-              <a:rPr lang="en-US" dirty="0" err="1">
-                <a:latin typeface="+mj-lt"/>
-              </a:rPr>
-              <a:t>ovládání</a:t>
-            </a:r>
-            <a:r>
-              <a:rPr lang="en-US" dirty="0">
-                <a:latin typeface="+mj-lt"/>
-              </a:rPr>
-              <a:t> </a:t>
-            </a:r>
-            <a:r>
-              <a:rPr lang="en-US" dirty="0" err="1">
-                <a:latin typeface="+mj-lt"/>
-              </a:rPr>
-              <a:t>pneumatické</a:t>
-            </a:r>
-            <a:r>
-              <a:rPr lang="en-US" dirty="0">
-                <a:latin typeface="+mj-lt"/>
-              </a:rPr>
-              <a:t> </a:t>
-            </a:r>
-            <a:r>
-              <a:rPr lang="en-US" dirty="0" err="1">
-                <a:latin typeface="+mj-lt"/>
-              </a:rPr>
-              <a:t>soustavy</a:t>
-            </a:r>
-            <a:r>
-              <a:rPr lang="en-US" dirty="0">
-                <a:latin typeface="+mj-lt"/>
-              </a:rPr>
-              <a:t> o 5 </a:t>
-            </a:r>
-            <a:r>
-              <a:rPr lang="en-US" dirty="0" err="1">
-                <a:latin typeface="+mj-lt"/>
-              </a:rPr>
-              <a:t>na</a:t>
-            </a:r>
-            <a:r>
-              <a:rPr lang="en-US" dirty="0">
-                <a:latin typeface="+mj-lt"/>
-              </a:rPr>
-              <a:t> </a:t>
-            </a:r>
-            <a:r>
-              <a:rPr lang="en-US" dirty="0" err="1">
-                <a:latin typeface="+mj-lt"/>
-              </a:rPr>
-              <a:t>sobě</a:t>
-            </a:r>
-            <a:r>
-              <a:rPr lang="en-US" dirty="0">
-                <a:latin typeface="+mj-lt"/>
-              </a:rPr>
-              <a:t> </a:t>
-            </a:r>
-            <a:r>
-              <a:rPr lang="en-US" dirty="0" err="1">
-                <a:latin typeface="+mj-lt"/>
-              </a:rPr>
-              <a:t>nezávyslích</a:t>
-            </a:r>
-            <a:r>
-              <a:rPr lang="en-US" dirty="0">
-                <a:latin typeface="+mj-lt"/>
-              </a:rPr>
-              <a:t> </a:t>
-            </a:r>
-            <a:r>
-              <a:rPr lang="en-US" dirty="0" err="1">
-                <a:latin typeface="+mj-lt"/>
-              </a:rPr>
-              <a:t>pneumatických</a:t>
-            </a:r>
-            <a:r>
-              <a:rPr lang="en-US" dirty="0">
-                <a:latin typeface="+mj-lt"/>
-              </a:rPr>
-              <a:t> </a:t>
-            </a:r>
-            <a:r>
-              <a:rPr lang="en-US" dirty="0" err="1">
-                <a:latin typeface="+mj-lt"/>
-              </a:rPr>
-              <a:t>svalech</a:t>
-            </a:r>
-            <a:endParaRPr lang="en-US" dirty="0">
-              <a:latin typeface="+mj-lt"/>
-            </a:endParaRPr>
+              <a:t>Vytvoření grafického uživatelské prostředí a ovládacího softwaru pro ovládání pneumatické soustavy o 5 na sobě nezávislých pneumatických svalech</a:t>
+            </a:r>
           </a:p>
           <a:p>
             <a:pPr marL="342900" indent="-342900">
@@ -9833,18 +9495,9 @@
           <a:lstStyle/>
           <a:p>
             <a:r>
-              <a:rPr lang="en-US" dirty="0" err="1"/>
-              <a:t>Cíle</a:t>
-            </a:r>
-            <a:r>
-              <a:rPr lang="en-US" dirty="0"/>
-              <a:t> </a:t>
-            </a:r>
-            <a:r>
-              <a:rPr lang="en-US" dirty="0" err="1"/>
-              <a:t>práce</a:t>
-            </a:r>
-            <a:endParaRPr lang="cs-CZ" dirty="0"/>
+              <a:rPr lang="cs-CZ" dirty="0"/>
+              <a:t>Cíle práce</a:t>
+            </a:r>
           </a:p>
         </p:txBody>
       </p:sp>
@@ -9874,12 +9527,8 @@
               <a:buChar char="•"/>
             </a:pPr>
             <a:r>
-              <a:rPr lang="en-US" dirty="0" err="1"/>
-              <a:t>Vytvoření</a:t>
-            </a:r>
-            <a:r>
-              <a:rPr lang="en-US" dirty="0"/>
-              <a:t> GUI</a:t>
+              <a:rPr lang="cs-CZ" dirty="0"/>
+              <a:t>Vytvoření GUI</a:t>
             </a:r>
           </a:p>
           <a:p>
@@ -9888,42 +9537,9 @@
               <a:buChar char="•"/>
             </a:pPr>
             <a:r>
-              <a:rPr lang="en-US" dirty="0" err="1"/>
-              <a:t>Navrhnutí</a:t>
-            </a:r>
-            <a:r>
-              <a:rPr lang="en-US" dirty="0"/>
-              <a:t> a </a:t>
-            </a:r>
-            <a:r>
-              <a:rPr lang="en-US" dirty="0" err="1"/>
-              <a:t>vytvoření</a:t>
-            </a:r>
-            <a:r>
-              <a:rPr lang="en-US" dirty="0"/>
-              <a:t> </a:t>
-            </a:r>
-            <a:r>
-              <a:rPr lang="en-US" dirty="0" err="1"/>
-              <a:t>možnosti</a:t>
-            </a:r>
-            <a:r>
-              <a:rPr lang="en-US" dirty="0"/>
-              <a:t> </a:t>
-            </a:r>
-            <a:r>
-              <a:rPr lang="en-US" dirty="0" err="1"/>
-              <a:t>uživatelských</a:t>
-            </a:r>
-            <a:r>
-              <a:rPr lang="en-US" dirty="0"/>
-              <a:t> </a:t>
-            </a:r>
-            <a:r>
-              <a:rPr lang="en-US" dirty="0" err="1"/>
-              <a:t>rolí</a:t>
-            </a:r>
-            <a:endParaRPr lang="en-US" dirty="0"/>
+              <a:rPr lang="cs-CZ" dirty="0"/>
+              <a:t>Navrhnutí a vytvoření možnosti uživatelských rolí</a:t>
+            </a:r>
           </a:p>
           <a:p>
             <a:pPr marL="342900" indent="-342900">
@@ -9931,42 +9547,9 @@
               <a:buChar char="•"/>
             </a:pPr>
             <a:r>
-              <a:rPr lang="en-US" dirty="0" err="1"/>
-              <a:t>Vytvoření</a:t>
-            </a:r>
-            <a:r>
-              <a:rPr lang="en-US" dirty="0"/>
-              <a:t> </a:t>
-            </a:r>
-            <a:r>
-              <a:rPr lang="en-US" dirty="0" err="1"/>
-              <a:t>metody</a:t>
-            </a:r>
-            <a:r>
-              <a:rPr lang="en-US" dirty="0"/>
-              <a:t> pro </a:t>
-            </a:r>
-            <a:r>
-              <a:rPr lang="en-US" dirty="0" err="1"/>
-              <a:t>ovládání</a:t>
-            </a:r>
-            <a:r>
-              <a:rPr lang="en-US" dirty="0"/>
-              <a:t> </a:t>
-            </a:r>
-            <a:r>
-              <a:rPr lang="en-US" dirty="0" err="1"/>
-              <a:t>jednotlivých</a:t>
-            </a:r>
-            <a:r>
-              <a:rPr lang="en-US" dirty="0"/>
-              <a:t> </a:t>
-            </a:r>
-            <a:r>
-              <a:rPr lang="en-US" dirty="0" err="1"/>
-              <a:t>svalů</a:t>
-            </a:r>
-            <a:endParaRPr lang="en-US" dirty="0"/>
+              <a:rPr lang="cs-CZ" dirty="0"/>
+              <a:t>Vytvoření metody pro ovládání jednotlivých svalů</a:t>
+            </a:r>
           </a:p>
           <a:p>
             <a:pPr marL="342900" indent="-342900">
@@ -9974,66 +9557,17 @@
               <a:buChar char="•"/>
             </a:pPr>
             <a:r>
-              <a:rPr lang="en-US" dirty="0" err="1"/>
-              <a:t>Možnost</a:t>
-            </a:r>
-            <a:r>
-              <a:rPr lang="en-US" dirty="0"/>
-              <a:t> </a:t>
-            </a:r>
-            <a:r>
-              <a:rPr lang="en-US" dirty="0" err="1"/>
-              <a:t>provést</a:t>
-            </a:r>
-            <a:r>
-              <a:rPr lang="en-US" dirty="0"/>
-              <a:t> </a:t>
-            </a:r>
-            <a:r>
-              <a:rPr lang="en-US" dirty="0" err="1"/>
-              <a:t>měření</a:t>
-            </a:r>
-            <a:r>
-              <a:rPr lang="en-US" dirty="0"/>
-              <a:t> </a:t>
-            </a:r>
-            <a:r>
-              <a:rPr lang="en-US" dirty="0" err="1"/>
-              <a:t>na</a:t>
-            </a:r>
-            <a:r>
-              <a:rPr lang="en-US" dirty="0"/>
-              <a:t> </a:t>
-            </a:r>
-            <a:r>
-              <a:rPr lang="en-US" dirty="0" err="1"/>
-              <a:t>svalu</a:t>
-            </a:r>
-            <a:r>
-              <a:rPr lang="en-US" dirty="0"/>
-              <a:t> a dale s </a:t>
-            </a:r>
-            <a:r>
-              <a:rPr lang="en-US" dirty="0" err="1"/>
-              <a:t>tímto</a:t>
-            </a:r>
-            <a:r>
-              <a:rPr lang="en-US" dirty="0"/>
-              <a:t> </a:t>
-            </a:r>
-            <a:r>
-              <a:rPr lang="en-US" dirty="0" err="1"/>
-              <a:t>měřením</a:t>
-            </a:r>
-            <a:r>
-              <a:rPr lang="en-US" dirty="0"/>
-              <a:t> </a:t>
-            </a:r>
-            <a:r>
-              <a:rPr lang="en-US" dirty="0" err="1"/>
-              <a:t>pracovat</a:t>
-            </a:r>
-            <a:endParaRPr lang="en-US" dirty="0"/>
+              <a:rPr lang="cs-CZ" dirty="0"/>
+              <a:t>Možnost provést měření na svalu a </a:t>
+            </a:r>
+            <a:r>
+              <a:rPr lang="cs-CZ" dirty="0" err="1"/>
+              <a:t>dale</a:t>
+            </a:r>
+            <a:r>
+              <a:rPr lang="cs-CZ" dirty="0"/>
+              <a:t> s tímto měřením pracovat</a:t>
+            </a:r>
           </a:p>
           <a:p>
             <a:pPr marL="342900" indent="-342900">
@@ -10041,90 +9575,9 @@
               <a:buChar char="•"/>
             </a:pPr>
             <a:r>
-              <a:rPr lang="en-US" dirty="0" err="1"/>
-              <a:t>Možnost</a:t>
-            </a:r>
-            <a:r>
-              <a:rPr lang="en-US" dirty="0"/>
-              <a:t> </a:t>
-            </a:r>
-            <a:r>
-              <a:rPr lang="en-US" dirty="0" err="1"/>
-              <a:t>nastavit</a:t>
-            </a:r>
-            <a:r>
-              <a:rPr lang="en-US" dirty="0"/>
-              <a:t> pro </a:t>
-            </a:r>
-            <a:r>
-              <a:rPr lang="en-US" dirty="0" err="1"/>
-              <a:t>každý</a:t>
-            </a:r>
-            <a:r>
-              <a:rPr lang="en-US" dirty="0"/>
-              <a:t> </a:t>
-            </a:r>
-            <a:r>
-              <a:rPr lang="en-US" dirty="0" err="1"/>
-              <a:t>sval</a:t>
-            </a:r>
-            <a:r>
-              <a:rPr lang="en-US" dirty="0"/>
-              <a:t> </a:t>
-            </a:r>
-            <a:r>
-              <a:rPr lang="en-US" dirty="0" err="1"/>
-              <a:t>různé</a:t>
-            </a:r>
-            <a:r>
-              <a:rPr lang="en-US" dirty="0"/>
-              <a:t> </a:t>
-            </a:r>
-            <a:r>
-              <a:rPr lang="en-US" dirty="0" err="1"/>
-              <a:t>parametry</a:t>
-            </a:r>
-            <a:r>
-              <a:rPr lang="en-US" dirty="0"/>
-              <a:t> a </a:t>
-            </a:r>
-            <a:r>
-              <a:rPr lang="en-US" dirty="0" err="1"/>
-              <a:t>tyto</a:t>
-            </a:r>
-            <a:r>
-              <a:rPr lang="en-US" dirty="0"/>
-              <a:t> </a:t>
-            </a:r>
-            <a:r>
-              <a:rPr lang="en-US" dirty="0" err="1"/>
-              <a:t>parametry</a:t>
-            </a:r>
-            <a:r>
-              <a:rPr lang="en-US" dirty="0"/>
-              <a:t> </a:t>
-            </a:r>
-            <a:r>
-              <a:rPr lang="en-US" dirty="0" err="1"/>
-              <a:t>mít</a:t>
-            </a:r>
-            <a:r>
-              <a:rPr lang="en-US" dirty="0"/>
-              <a:t> </a:t>
-            </a:r>
-            <a:r>
-              <a:rPr lang="en-US" dirty="0" err="1"/>
-              <a:t>možnost</a:t>
-            </a:r>
-            <a:r>
-              <a:rPr lang="en-US" dirty="0"/>
-              <a:t> </a:t>
-            </a:r>
-            <a:r>
-              <a:rPr lang="en-US" dirty="0" err="1"/>
-              <a:t>měnit</a:t>
-            </a:r>
-            <a:endParaRPr lang="en-US" dirty="0"/>
+              <a:rPr lang="cs-CZ" dirty="0"/>
+              <a:t>Možnost nastavit pro každý sval různé parametry a tyto parametry mít možnost měnit</a:t>
+            </a:r>
           </a:p>
           <a:p>
             <a:pPr marL="342900" indent="-342900">
@@ -10187,18 +9640,9 @@
           <a:lstStyle/>
           <a:p>
             <a:r>
-              <a:rPr lang="en-US" dirty="0" err="1"/>
-              <a:t>Pneumatická</a:t>
-            </a:r>
-            <a:r>
-              <a:rPr lang="en-US" dirty="0"/>
-              <a:t> </a:t>
-            </a:r>
-            <a:r>
-              <a:rPr lang="en-US" dirty="0" err="1"/>
-              <a:t>soustava</a:t>
-            </a:r>
-            <a:endParaRPr lang="cs-CZ" dirty="0"/>
+              <a:rPr lang="cs-CZ" dirty="0"/>
+              <a:t>Pneumatická soustava</a:t>
+            </a:r>
           </a:p>
         </p:txBody>
       </p:sp>
@@ -10228,47 +9672,15 @@
               <a:buChar char="•"/>
             </a:pPr>
             <a:r>
-              <a:rPr lang="en-US" dirty="0">
+              <a:rPr lang="cs-CZ" dirty="0">
                 <a:highlight>
                   <a:srgbClr val="FFFF00"/>
                 </a:highlight>
               </a:rPr>
-              <a:t>V </a:t>
-            </a:r>
-            <a:r>
-              <a:rPr lang="en-US" dirty="0" err="1">
-                <a:highlight>
-                  <a:srgbClr val="FFFF00"/>
-                </a:highlight>
-              </a:rPr>
-              <a:t>rámci</a:t>
-            </a:r>
-            <a:r>
-              <a:rPr lang="en-US" dirty="0">
-                <a:highlight>
-                  <a:srgbClr val="FFFF00"/>
-                </a:highlight>
-              </a:rPr>
-              <a:t> </a:t>
-            </a:r>
-            <a:r>
-              <a:rPr lang="en-US" dirty="0" err="1">
-                <a:highlight>
-                  <a:srgbClr val="FFFF00"/>
-                </a:highlight>
-              </a:rPr>
-              <a:t>jaké</a:t>
-            </a:r>
-            <a:r>
-              <a:rPr lang="en-US" dirty="0">
-                <a:highlight>
-                  <a:srgbClr val="FFFF00"/>
-                </a:highlight>
-              </a:rPr>
-              <a:t> </a:t>
-            </a:r>
-            <a:r>
-              <a:rPr lang="en-US" dirty="0" err="1">
+              <a:t>V rámci jaké </a:t>
+            </a:r>
+            <a:r>
+              <a:rPr lang="cs-CZ" dirty="0" err="1">
                 <a:highlight>
                   <a:srgbClr val="FFFF00"/>
                 </a:highlight>
@@ -10276,26 +9688,13 @@
               <a:t>sgsky</a:t>
             </a:r>
             <a:r>
-              <a:rPr lang="en-US" dirty="0">
+              <a:rPr lang="cs-CZ" dirty="0">
                 <a:highlight>
                   <a:srgbClr val="FFFF00"/>
                 </a:highlight>
               </a:rPr>
-              <a:t> to </a:t>
-            </a:r>
-            <a:r>
-              <a:rPr lang="en-US" dirty="0" err="1">
-                <a:highlight>
-                  <a:srgbClr val="FFFF00"/>
-                </a:highlight>
-              </a:rPr>
-              <a:t>vzniklo</a:t>
-            </a:r>
-            <a:endParaRPr lang="en-US" dirty="0">
-              <a:highlight>
-                <a:srgbClr val="FFFF00"/>
-              </a:highlight>
-            </a:endParaRPr>
+              <a:t> to vzniklo</a:t>
+            </a:r>
           </a:p>
           <a:p>
             <a:pPr marL="342900" indent="-342900">
@@ -10303,98 +9702,17 @@
               <a:buChar char="•"/>
             </a:pPr>
             <a:r>
-              <a:rPr lang="en-US" dirty="0" err="1"/>
-              <a:t>Soustava</a:t>
-            </a:r>
-            <a:r>
-              <a:rPr lang="en-US" dirty="0"/>
-              <a:t> </a:t>
-            </a:r>
-            <a:r>
-              <a:rPr lang="en-US" dirty="0" err="1"/>
-              <a:t>byla</a:t>
-            </a:r>
-            <a:r>
-              <a:rPr lang="en-US" dirty="0"/>
-              <a:t> </a:t>
-            </a:r>
-            <a:r>
-              <a:rPr lang="en-US" dirty="0" err="1"/>
-              <a:t>na</a:t>
-            </a:r>
-            <a:r>
-              <a:rPr lang="en-US" dirty="0"/>
-              <a:t> </a:t>
-            </a:r>
-            <a:r>
-              <a:rPr lang="en-US" dirty="0" err="1"/>
+              <a:rPr lang="cs-CZ" dirty="0"/>
+              <a:t>Soustava byla na </a:t>
+            </a:r>
+            <a:r>
+              <a:rPr lang="cs-CZ" dirty="0" err="1"/>
               <a:t>zákazku</a:t>
             </a:r>
             <a:r>
-              <a:rPr lang="en-US" dirty="0"/>
-              <a:t> </a:t>
-            </a:r>
-            <a:r>
-              <a:rPr lang="en-US" dirty="0" err="1"/>
-              <a:t>vytvořena</a:t>
-            </a:r>
-            <a:r>
-              <a:rPr lang="en-US" dirty="0"/>
-              <a:t> </a:t>
-            </a:r>
-            <a:r>
-              <a:rPr lang="en-US" dirty="0" err="1"/>
-              <a:t>firmou</a:t>
-            </a:r>
-            <a:r>
-              <a:rPr lang="en-US" dirty="0"/>
-              <a:t> Prokyber </a:t>
-            </a:r>
-            <a:r>
-              <a:rPr lang="en-US" dirty="0" err="1"/>
-              <a:t>která</a:t>
-            </a:r>
-            <a:r>
-              <a:rPr lang="en-US" dirty="0"/>
-              <a:t> k </a:t>
-            </a:r>
-            <a:r>
-              <a:rPr lang="en-US" dirty="0" err="1"/>
-              <a:t>tomu</a:t>
-            </a:r>
-            <a:r>
-              <a:rPr lang="en-US" dirty="0"/>
-              <a:t> </a:t>
-            </a:r>
-            <a:r>
-              <a:rPr lang="en-US" dirty="0" err="1"/>
-              <a:t>dodala</a:t>
-            </a:r>
-            <a:r>
-              <a:rPr lang="en-US" dirty="0"/>
-              <a:t> </a:t>
-            </a:r>
-            <a:r>
-              <a:rPr lang="en-US" dirty="0" err="1"/>
-              <a:t>základní</a:t>
-            </a:r>
-            <a:r>
-              <a:rPr lang="en-US" dirty="0"/>
-              <a:t> </a:t>
-            </a:r>
-            <a:r>
-              <a:rPr lang="en-US" dirty="0" err="1"/>
-              <a:t>ovládací</a:t>
-            </a:r>
-            <a:r>
-              <a:rPr lang="en-US" dirty="0"/>
-              <a:t> </a:t>
-            </a:r>
-            <a:r>
-              <a:rPr lang="en-US" dirty="0" err="1"/>
-              <a:t>funkce</a:t>
-            </a:r>
-            <a:endParaRPr lang="en-US" dirty="0"/>
+              <a:rPr lang="cs-CZ" dirty="0"/>
+              <a:t> vytvořena firmou Prokyber která k tomu dodala základní ovládací funkce</a:t>
+            </a:r>
           </a:p>
           <a:p>
             <a:pPr marL="342900" indent="-342900">
@@ -10402,47 +9720,11 @@
               <a:buChar char="•"/>
             </a:pPr>
             <a:r>
-              <a:rPr lang="en-US" dirty="0" err="1"/>
-              <a:t>Soustava</a:t>
-            </a:r>
-            <a:r>
-              <a:rPr lang="en-US" dirty="0"/>
-              <a:t> se </a:t>
-            </a:r>
-            <a:r>
-              <a:rPr lang="en-US" dirty="0" err="1"/>
-              <a:t>využívá</a:t>
-            </a:r>
-            <a:r>
-              <a:rPr lang="en-US" dirty="0"/>
-              <a:t> v </a:t>
-            </a:r>
-            <a:r>
-              <a:rPr lang="en-US" dirty="0" err="1"/>
-              <a:t>disertační</a:t>
-            </a:r>
-            <a:r>
-              <a:rPr lang="en-US" dirty="0"/>
-              <a:t> </a:t>
-            </a:r>
-            <a:r>
-              <a:rPr lang="en-US" dirty="0" err="1"/>
-              <a:t>práci</a:t>
-            </a:r>
-            <a:r>
-              <a:rPr lang="en-US" dirty="0"/>
-              <a:t> </a:t>
-            </a:r>
-            <a:r>
-              <a:rPr lang="en-US" dirty="0" err="1"/>
-              <a:t>na</a:t>
-            </a:r>
-            <a:r>
-              <a:rPr lang="en-US" dirty="0"/>
-              <a:t> </a:t>
-            </a:r>
-            <a:r>
-              <a:rPr lang="en-US" dirty="0">
+              <a:rPr lang="cs-CZ" dirty="0"/>
+              <a:t>Soustava se využívá v disertační práci na </a:t>
+            </a:r>
+            <a:r>
+              <a:rPr lang="cs-CZ" dirty="0">
                 <a:highlight>
                   <a:srgbClr val="FFFF00"/>
                 </a:highlight>
@@ -10450,42 +9732,9 @@
               <a:t>TÉMA, </a:t>
             </a:r>
             <a:r>
-              <a:rPr lang="en-US" dirty="0" err="1"/>
-              <a:t>na</a:t>
-            </a:r>
-            <a:r>
-              <a:rPr lang="en-US" dirty="0"/>
-              <a:t> </a:t>
-            </a:r>
-            <a:r>
-              <a:rPr lang="en-US" dirty="0" err="1"/>
-              <a:t>které</a:t>
-            </a:r>
-            <a:r>
-              <a:rPr lang="en-US" dirty="0"/>
-              <a:t> </a:t>
-            </a:r>
-            <a:r>
-              <a:rPr lang="en-US" dirty="0" err="1"/>
-              <a:t>pracuje</a:t>
-            </a:r>
-            <a:r>
-              <a:rPr lang="en-US" dirty="0"/>
-              <a:t> </a:t>
-            </a:r>
-            <a:r>
-              <a:rPr lang="en-US" dirty="0" err="1"/>
-              <a:t>můj</a:t>
-            </a:r>
-            <a:r>
-              <a:rPr lang="en-US" dirty="0"/>
-              <a:t> </a:t>
-            </a:r>
-            <a:r>
-              <a:rPr lang="en-US" dirty="0" err="1"/>
-              <a:t>vedoucí</a:t>
-            </a:r>
-            <a:endParaRPr lang="en-US" dirty="0"/>
+              <a:rPr lang="cs-CZ" dirty="0"/>
+              <a:t>na které pracuje můj vedoucí</a:t>
+            </a:r>
           </a:p>
           <a:p>
             <a:pPr marL="342900" indent="-342900">
@@ -10493,75 +9742,19 @@
               <a:buChar char="•"/>
             </a:pPr>
             <a:r>
-              <a:rPr lang="en-US" dirty="0"/>
-              <a:t> </a:t>
-            </a:r>
-            <a:r>
-              <a:rPr lang="en-US" dirty="0" err="1"/>
+              <a:rPr lang="cs-CZ" dirty="0"/>
+              <a:t> </a:t>
+            </a:r>
+            <a:r>
+              <a:rPr lang="cs-CZ" dirty="0" err="1"/>
               <a:t>Sousava</a:t>
             </a:r>
             <a:r>
-              <a:rPr lang="en-US" dirty="0"/>
-              <a:t> </a:t>
-            </a:r>
-            <a:r>
-              <a:rPr lang="en-US" dirty="0" err="1"/>
-              <a:t>vznikla</a:t>
-            </a:r>
-            <a:r>
-              <a:rPr lang="en-US" dirty="0"/>
-              <a:t> pro </a:t>
-            </a:r>
-            <a:r>
-              <a:rPr lang="en-US" dirty="0" err="1"/>
-              <a:t>zjednodušení</a:t>
-            </a:r>
-            <a:r>
-              <a:rPr lang="en-US" dirty="0"/>
-              <a:t> </a:t>
-            </a:r>
-            <a:r>
-              <a:rPr lang="en-US" dirty="0" err="1"/>
-              <a:t>pohybu</a:t>
-            </a:r>
-            <a:r>
-              <a:rPr lang="en-US" dirty="0"/>
-              <a:t> s </a:t>
-            </a:r>
-            <a:r>
-              <a:rPr lang="en-US" dirty="0" err="1"/>
-              <a:t>pacientovou</a:t>
-            </a:r>
-            <a:r>
-              <a:rPr lang="en-US" dirty="0"/>
-              <a:t> </a:t>
-            </a:r>
-            <a:r>
-              <a:rPr lang="en-US" dirty="0" err="1"/>
-              <a:t>hlavou</a:t>
-            </a:r>
-            <a:r>
-              <a:rPr lang="en-US" dirty="0"/>
-              <a:t> </a:t>
-            </a:r>
-            <a:r>
-              <a:rPr lang="en-US" dirty="0" err="1"/>
-              <a:t>ve</a:t>
-            </a:r>
-            <a:r>
-              <a:rPr lang="en-US" dirty="0"/>
-              <a:t> </a:t>
-            </a:r>
-            <a:r>
-              <a:rPr lang="en-US" dirty="0" err="1"/>
-              <a:t>stísněných</a:t>
-            </a:r>
-            <a:r>
-              <a:rPr lang="en-US" dirty="0"/>
-              <a:t> </a:t>
-            </a:r>
-            <a:r>
-              <a:rPr lang="en-US" dirty="0" err="1"/>
+              <a:rPr lang="cs-CZ" dirty="0"/>
+              <a:t> vznikla pro zjednodušení pohybu s pacientovou hlavou ve stísněných </a:t>
+            </a:r>
+            <a:r>
+              <a:rPr lang="cs-CZ" dirty="0" err="1"/>
               <a:t>prosterách</a:t>
             </a:r>
             <a:endParaRPr lang="cs-CZ" dirty="0"/>
@@ -10751,18 +9944,9 @@
           <a:lstStyle/>
           <a:p>
             <a:r>
-              <a:rPr lang="en-US" dirty="0" err="1"/>
-              <a:t>Pneumatické</a:t>
-            </a:r>
-            <a:r>
-              <a:rPr lang="en-US" dirty="0"/>
-              <a:t> </a:t>
-            </a:r>
-            <a:r>
-              <a:rPr lang="en-US" dirty="0" err="1"/>
-              <a:t>svaly</a:t>
-            </a:r>
-            <a:endParaRPr lang="cs-CZ" dirty="0"/>
+              <a:rPr lang="cs-CZ" dirty="0"/>
+              <a:t>Pneumatické svaly</a:t>
+            </a:r>
           </a:p>
         </p:txBody>
       </p:sp>
@@ -10792,78 +9976,25 @@
               <a:buChar char="•"/>
             </a:pPr>
             <a:r>
-              <a:rPr lang="en-US" dirty="0"/>
-              <a:t>V </a:t>
-            </a:r>
-            <a:r>
-              <a:rPr lang="en-US" dirty="0" err="1"/>
-              <a:t>soustavě</a:t>
-            </a:r>
-            <a:r>
-              <a:rPr lang="en-US" dirty="0"/>
-              <a:t> se </a:t>
-            </a:r>
-            <a:r>
-              <a:rPr lang="en-US" dirty="0" err="1"/>
+              <a:rPr lang="cs-CZ" dirty="0"/>
+              <a:t>V soustavě se </a:t>
+            </a:r>
+            <a:r>
+              <a:rPr lang="cs-CZ" dirty="0" err="1"/>
               <a:t>využívájí</a:t>
             </a:r>
             <a:r>
-              <a:rPr lang="en-US" dirty="0"/>
-              <a:t> </a:t>
-            </a:r>
-            <a:r>
-              <a:rPr lang="en-US" dirty="0" err="1"/>
+              <a:rPr lang="cs-CZ" dirty="0"/>
+              <a:t> </a:t>
+            </a:r>
+            <a:r>
+              <a:rPr lang="cs-CZ" dirty="0" err="1"/>
               <a:t>svlaly</a:t>
             </a:r>
             <a:r>
-              <a:rPr lang="en-US" dirty="0"/>
-              <a:t> </a:t>
-            </a:r>
-            <a:r>
-              <a:rPr lang="en-US" dirty="0" err="1"/>
-              <a:t>které</a:t>
-            </a:r>
-            <a:r>
-              <a:rPr lang="en-US" dirty="0"/>
-              <a:t> </a:t>
-            </a:r>
-            <a:r>
-              <a:rPr lang="en-US" dirty="0" err="1"/>
-              <a:t>byly</a:t>
-            </a:r>
-            <a:r>
-              <a:rPr lang="en-US" dirty="0"/>
-              <a:t> </a:t>
-            </a:r>
-            <a:r>
-              <a:rPr lang="en-US" dirty="0" err="1"/>
-              <a:t>speciálně</a:t>
-            </a:r>
-            <a:r>
-              <a:rPr lang="en-US" dirty="0"/>
-              <a:t> </a:t>
-            </a:r>
-            <a:r>
-              <a:rPr lang="en-US" dirty="0" err="1"/>
-              <a:t>vytvořeny</a:t>
-            </a:r>
-            <a:r>
-              <a:rPr lang="en-US" dirty="0"/>
-              <a:t> pro </a:t>
-            </a:r>
-            <a:r>
-              <a:rPr lang="en-US" dirty="0" err="1"/>
-              <a:t>tuto</a:t>
-            </a:r>
-            <a:r>
-              <a:rPr lang="en-US" dirty="0"/>
-              <a:t> </a:t>
-            </a:r>
-            <a:r>
-              <a:rPr lang="en-US" dirty="0" err="1"/>
-              <a:t>soustavu</a:t>
-            </a:r>
-            <a:endParaRPr lang="en-US" dirty="0"/>
+              <a:rPr lang="cs-CZ" dirty="0"/>
+              <a:t> které byly speciálně vytvořeny pro tuto soustavu</a:t>
+            </a:r>
           </a:p>
           <a:p>
             <a:pPr marL="342900" indent="-342900">
@@ -10871,105 +10002,9 @@
               <a:buChar char="•"/>
             </a:pPr>
             <a:r>
-              <a:rPr lang="en-US" dirty="0" err="1"/>
-              <a:t>Vyrábí</a:t>
-            </a:r>
-            <a:r>
-              <a:rPr lang="en-US" dirty="0"/>
-              <a:t> se ze </a:t>
-            </a:r>
-            <a:r>
-              <a:rPr lang="en-US" dirty="0" err="1"/>
-              <a:t>silikonu</a:t>
-            </a:r>
-            <a:endParaRPr lang="en-US" dirty="0"/>
-          </a:p>
-          <a:p>
-            <a:pPr marL="342900" indent="-342900">
-              <a:buFont typeface="Arial" panose="020B0604020202020204" pitchFamily="34" charset="0"/>
-              <a:buChar char="•"/>
-            </a:pPr>
-            <a:r>
-              <a:rPr lang="en-US" dirty="0"/>
-              <a:t>Na </a:t>
-            </a:r>
-            <a:r>
-              <a:rPr lang="en-US" dirty="0" err="1"/>
-              <a:t>soustavu</a:t>
-            </a:r>
-            <a:r>
-              <a:rPr lang="en-US" dirty="0"/>
-              <a:t> </a:t>
-            </a:r>
-            <a:r>
-              <a:rPr lang="en-US" dirty="0" err="1"/>
-              <a:t>jsou</a:t>
-            </a:r>
-            <a:r>
-              <a:rPr lang="en-US" dirty="0"/>
-              <a:t> </a:t>
-            </a:r>
-            <a:r>
-              <a:rPr lang="en-US" dirty="0" err="1"/>
-              <a:t>příliš</a:t>
-            </a:r>
-            <a:r>
-              <a:rPr lang="en-US" dirty="0"/>
-              <a:t> </a:t>
-            </a:r>
-            <a:r>
-              <a:rPr lang="en-US" dirty="0" err="1"/>
-              <a:t>slabé</a:t>
-            </a:r>
-            <a:r>
-              <a:rPr lang="en-US" dirty="0"/>
-              <a:t> proto </a:t>
-            </a:r>
-            <a:r>
-              <a:rPr lang="en-US" dirty="0" err="1"/>
-              <a:t>proto</a:t>
-            </a:r>
-            <a:r>
-              <a:rPr lang="en-US" dirty="0"/>
-              <a:t> </a:t>
-            </a:r>
-            <a:r>
-              <a:rPr lang="en-US" dirty="0" err="1"/>
-              <a:t>soustava</a:t>
-            </a:r>
-            <a:r>
-              <a:rPr lang="en-US" dirty="0"/>
-              <a:t> </a:t>
-            </a:r>
-            <a:r>
-              <a:rPr lang="en-US" dirty="0" err="1"/>
-              <a:t>nemohla</a:t>
-            </a:r>
-            <a:r>
-              <a:rPr lang="en-US" dirty="0"/>
-              <a:t> </a:t>
-            </a:r>
-            <a:r>
-              <a:rPr lang="en-US" dirty="0" err="1"/>
-              <a:t>dosahovat</a:t>
-            </a:r>
-            <a:r>
-              <a:rPr lang="en-US" dirty="0"/>
-              <a:t> </a:t>
-            </a:r>
-            <a:r>
-              <a:rPr lang="en-US" dirty="0" err="1"/>
-              <a:t>takových</a:t>
-            </a:r>
-            <a:r>
-              <a:rPr lang="en-US" dirty="0"/>
-              <a:t> </a:t>
-            </a:r>
-            <a:r>
-              <a:rPr lang="en-US" dirty="0" err="1"/>
-              <a:t>přesností</a:t>
-            </a:r>
-            <a:endParaRPr lang="cs-CZ" dirty="0"/>
+              <a:rPr lang="cs-CZ" dirty="0"/>
+              <a:t>Odlévá se ze silikonu</a:t>
+            </a:r>
           </a:p>
         </p:txBody>
       </p:sp>

--- a/Obhajoba_darsamar.pptx
+++ b/Obhajoba_darsamar.pptx
@@ -5,7 +5,7 @@
     <p:sldMasterId id="2147483672" r:id="rId1"/>
   </p:sldMasterIdLst>
   <p:notesMasterIdLst>
-    <p:notesMasterId r:id="rId21"/>
+    <p:notesMasterId r:id="rId22"/>
   </p:notesMasterIdLst>
   <p:sldIdLst>
     <p:sldId id="256" r:id="rId2"/>
@@ -23,24 +23,25 @@
     <p:sldId id="264" r:id="rId14"/>
     <p:sldId id="266" r:id="rId15"/>
     <p:sldId id="277" r:id="rId16"/>
-    <p:sldId id="268" r:id="rId17"/>
-    <p:sldId id="267" r:id="rId18"/>
-    <p:sldId id="269" r:id="rId19"/>
-    <p:sldId id="271" r:id="rId20"/>
+    <p:sldId id="279" r:id="rId17"/>
+    <p:sldId id="268" r:id="rId18"/>
+    <p:sldId id="267" r:id="rId19"/>
+    <p:sldId id="269" r:id="rId20"/>
+    <p:sldId id="271" r:id="rId21"/>
   </p:sldIdLst>
   <p:sldSz cx="9144000" cy="6858000" type="screen4x3"/>
   <p:notesSz cx="6858000" cy="9144000"/>
   <p:embeddedFontLst>
     <p:embeddedFont>
       <p:font typeface="Technika" panose="020B0604020202020204" charset="0"/>
-      <p:regular r:id="rId22"/>
-      <p:bold r:id="rId23"/>
-      <p:italic r:id="rId24"/>
-      <p:boldItalic r:id="rId25"/>
+      <p:regular r:id="rId23"/>
+      <p:bold r:id="rId24"/>
+      <p:italic r:id="rId25"/>
+      <p:boldItalic r:id="rId26"/>
     </p:embeddedFont>
     <p:embeddedFont>
       <p:font typeface="Technika-Bold" panose="00000600000000000000" charset="0"/>
-      <p:regular r:id="rId26"/>
+      <p:regular r:id="rId27"/>
     </p:embeddedFont>
   </p:embeddedFontLst>
   <p:defaultTextStyle>
@@ -293,7 +294,7 @@
           <a:p>
             <a:fld id="{CE655661-5C00-4D03-9EFE-BA5893C7AC68}" type="datetimeFigureOut">
               <a:rPr lang="cs-CZ" smtClean="0"/>
-              <a:t>04.06.2024</a:t>
+              <a:t>05.06.2024</a:t>
             </a:fld>
             <a:endParaRPr lang="cs-CZ"/>
           </a:p>
@@ -611,179 +612,6 @@
             </a:r>
           </a:p>
           <a:p>
-            <a:r>
-              <a:rPr lang="cs-CZ" noProof="0" dirty="0"/>
-              <a:t>Vážená komise,</a:t>
-            </a:r>
-            <a:br>
-              <a:rPr lang="cs-CZ" noProof="0" dirty="0"/>
-            </a:br>
-            <a:r>
-              <a:rPr lang="cs-CZ" noProof="0" dirty="0"/>
-              <a:t>Dnes jsem si pro Vás připravil prezentaci k obhajobě mé bakalářské</a:t>
-            </a:r>
-            <a:r>
-              <a:rPr lang="en-US" noProof="0" dirty="0"/>
-              <a:t> </a:t>
-            </a:r>
-            <a:r>
-              <a:rPr lang="cs-CZ" noProof="0" dirty="0"/>
-              <a:t>práce</a:t>
-            </a:r>
-          </a:p>
-          <a:p>
-            <a:r>
-              <a:rPr lang="cs-CZ" noProof="0" dirty="0"/>
-              <a:t>Tématem</a:t>
-            </a:r>
-            <a:r>
-              <a:rPr lang="en-US" noProof="0" dirty="0"/>
-              <a:t> </a:t>
-            </a:r>
-            <a:r>
-              <a:rPr lang="cs-CZ" noProof="0" dirty="0"/>
-              <a:t>mé</a:t>
-            </a:r>
-            <a:r>
-              <a:rPr lang="en-US" noProof="0" dirty="0"/>
-              <a:t> </a:t>
-            </a:r>
-            <a:r>
-              <a:rPr lang="cs-CZ" noProof="0" dirty="0" err="1"/>
-              <a:t>bakalářskíé</a:t>
-            </a:r>
-            <a:r>
-              <a:rPr lang="en-US" noProof="0" dirty="0"/>
-              <a:t> </a:t>
-            </a:r>
-            <a:r>
-              <a:rPr lang="en-US" noProof="0" dirty="0" err="1"/>
-              <a:t>práce</a:t>
-            </a:r>
-            <a:r>
-              <a:rPr lang="en-US" noProof="0" dirty="0"/>
-              <a:t> </a:t>
-            </a:r>
-            <a:r>
-              <a:rPr lang="en-US" noProof="0" dirty="0" err="1"/>
-              <a:t>bylo</a:t>
-            </a:r>
-            <a:r>
-              <a:rPr lang="en-US" noProof="0" dirty="0"/>
-              <a:t> </a:t>
-            </a:r>
-            <a:r>
-              <a:rPr lang="en-US" noProof="0" dirty="0" err="1"/>
-              <a:t>navrnout</a:t>
-            </a:r>
-            <a:r>
-              <a:rPr lang="en-US" noProof="0" dirty="0"/>
-              <a:t> a </a:t>
-            </a:r>
-            <a:r>
-              <a:rPr lang="en-US" noProof="0" dirty="0" err="1"/>
-              <a:t>naprogramovat</a:t>
-            </a:r>
-            <a:r>
-              <a:rPr lang="en-US" noProof="0" dirty="0"/>
-              <a:t> </a:t>
-            </a:r>
-            <a:r>
-              <a:rPr lang="cs-CZ" dirty="0"/>
-              <a:t>Ovládací software pro nezávislé ovládání pěti pneumatických svalů v robotické struktuře</a:t>
-            </a:r>
-            <a:r>
-              <a:rPr lang="en-US" dirty="0"/>
-              <a:t>.</a:t>
-            </a:r>
-          </a:p>
-          <a:p>
-            <a:r>
-              <a:rPr lang="en-US" noProof="0" dirty="0"/>
-              <a:t>Na </a:t>
-            </a:r>
-            <a:r>
-              <a:rPr lang="en-US" noProof="0" dirty="0" err="1"/>
-              <a:t>tomto</a:t>
-            </a:r>
-            <a:r>
-              <a:rPr lang="en-US" noProof="0" dirty="0"/>
-              <a:t> </a:t>
-            </a:r>
-            <a:r>
-              <a:rPr lang="en-US" noProof="0" dirty="0" err="1"/>
-              <a:t>projektu</a:t>
-            </a:r>
-            <a:r>
-              <a:rPr lang="en-US" noProof="0" dirty="0"/>
-              <a:t> </a:t>
-            </a:r>
-            <a:r>
-              <a:rPr lang="en-US" noProof="0" dirty="0" err="1"/>
-              <a:t>jsem</a:t>
-            </a:r>
-            <a:r>
-              <a:rPr lang="en-US" noProof="0" dirty="0"/>
-              <a:t> </a:t>
-            </a:r>
-            <a:r>
-              <a:rPr lang="en-US" noProof="1"/>
-              <a:t>pracoval</a:t>
-            </a:r>
-            <a:r>
-              <a:rPr lang="en-US" noProof="0" dirty="0"/>
-              <a:t> pod </a:t>
-            </a:r>
-            <a:r>
-              <a:rPr lang="en-US" noProof="0" dirty="0" err="1"/>
-              <a:t>vedením</a:t>
-            </a:r>
-            <a:r>
-              <a:rPr lang="en-US" noProof="0" dirty="0"/>
-              <a:t> </a:t>
-            </a:r>
-            <a:r>
-              <a:rPr lang="en-US" noProof="0" dirty="0" err="1"/>
-              <a:t>vedoucího</a:t>
-            </a:r>
-            <a:r>
-              <a:rPr lang="en-US" noProof="0" dirty="0"/>
-              <a:t> </a:t>
-            </a:r>
-            <a:r>
-              <a:rPr lang="en-US" noProof="0" dirty="0" err="1"/>
-              <a:t>práce</a:t>
-            </a:r>
-            <a:r>
-              <a:rPr lang="en-US" noProof="0" dirty="0"/>
-              <a:t> </a:t>
-            </a:r>
-            <a:r>
-              <a:rPr lang="en-US" noProof="0" dirty="0" err="1"/>
-              <a:t>pana</a:t>
-            </a:r>
-            <a:r>
-              <a:rPr lang="en-US" noProof="0" dirty="0"/>
-              <a:t> </a:t>
-            </a:r>
-            <a:r>
-              <a:rPr lang="en-US" noProof="0" dirty="0" err="1"/>
-              <a:t>Inženýra</a:t>
-            </a:r>
-            <a:r>
-              <a:rPr lang="en-US" noProof="0" dirty="0"/>
-              <a:t> Martina </a:t>
-            </a:r>
-            <a:r>
-              <a:rPr lang="en-US" noProof="0" dirty="0" err="1"/>
-              <a:t>Bejtice</a:t>
-            </a:r>
-            <a:r>
-              <a:rPr lang="en-US" noProof="0" dirty="0"/>
-              <a:t>.</a:t>
-            </a:r>
-          </a:p>
-          <a:p>
             <a:endParaRPr lang="cs-CZ" noProof="0" dirty="0"/>
           </a:p>
         </p:txBody>
@@ -868,202 +696,6 @@
           <a:bodyPr/>
           <a:lstStyle/>
           <a:p>
-            <a:r>
-              <a:rPr lang="en-US" dirty="0" err="1"/>
-              <a:t>Zde</a:t>
-            </a:r>
-            <a:r>
-              <a:rPr lang="en-US" dirty="0"/>
-              <a:t> </a:t>
-            </a:r>
-            <a:r>
-              <a:rPr lang="en-US" dirty="0" err="1"/>
-              <a:t>mužete</a:t>
-            </a:r>
-            <a:r>
-              <a:rPr lang="en-US" dirty="0"/>
-              <a:t> </a:t>
-            </a:r>
-            <a:r>
-              <a:rPr lang="en-US" dirty="0" err="1"/>
-              <a:t>vidět</a:t>
-            </a:r>
-            <a:r>
-              <a:rPr lang="en-US" dirty="0"/>
-              <a:t> </a:t>
-            </a:r>
-            <a:r>
-              <a:rPr lang="en-US" dirty="0" err="1"/>
-              <a:t>přihlašovací</a:t>
-            </a:r>
-            <a:r>
-              <a:rPr lang="en-US" dirty="0"/>
-              <a:t> </a:t>
-            </a:r>
-            <a:r>
-              <a:rPr lang="en-US" dirty="0" err="1"/>
-              <a:t>okoale</a:t>
-            </a:r>
-            <a:r>
-              <a:rPr lang="en-US" dirty="0"/>
-              <a:t> </a:t>
-            </a:r>
-            <a:r>
-              <a:rPr lang="en-US" dirty="0" err="1"/>
-              <a:t>můžete</a:t>
-            </a:r>
-            <a:r>
-              <a:rPr lang="en-US" dirty="0"/>
-              <a:t> </a:t>
-            </a:r>
-            <a:r>
-              <a:rPr lang="en-US" dirty="0" err="1"/>
-              <a:t>zde</a:t>
-            </a:r>
-            <a:r>
-              <a:rPr lang="en-US" dirty="0"/>
-              <a:t> </a:t>
-            </a:r>
-            <a:r>
-              <a:rPr lang="en-US" dirty="0" err="1"/>
-              <a:t>vidět</a:t>
-            </a:r>
-            <a:r>
-              <a:rPr lang="en-US" dirty="0"/>
-              <a:t> jak je program </a:t>
-            </a:r>
-            <a:r>
-              <a:rPr lang="en-US" dirty="0" err="1"/>
-              <a:t>schopen</a:t>
-            </a:r>
-            <a:r>
-              <a:rPr lang="en-US" dirty="0"/>
-              <a:t> </a:t>
-            </a:r>
-            <a:r>
-              <a:rPr lang="en-US" dirty="0" err="1"/>
-              <a:t>změnit</a:t>
-            </a:r>
-            <a:r>
-              <a:rPr lang="en-US" dirty="0"/>
-              <a:t> </a:t>
-            </a:r>
-            <a:r>
-              <a:rPr lang="en-US" dirty="0" err="1"/>
-              <a:t>svůj</a:t>
-            </a:r>
-            <a:r>
-              <a:rPr lang="en-US" dirty="0"/>
-              <a:t> </a:t>
-            </a:r>
-            <a:r>
-              <a:rPr lang="en-US" dirty="0" err="1"/>
-              <a:t>motiv</a:t>
-            </a:r>
-            <a:r>
-              <a:rPr lang="en-US" dirty="0"/>
-              <a:t> ze </a:t>
-            </a:r>
-            <a:r>
-              <a:rPr lang="en-US" dirty="0" err="1"/>
-              <a:t>světlého</a:t>
-            </a:r>
-            <a:r>
-              <a:rPr lang="en-US" dirty="0"/>
-              <a:t> </a:t>
-            </a:r>
-            <a:r>
-              <a:rPr lang="en-US" dirty="0" err="1"/>
-              <a:t>na</a:t>
-            </a:r>
-            <a:r>
-              <a:rPr lang="en-US" dirty="0"/>
-              <a:t> </a:t>
-            </a:r>
-            <a:r>
-              <a:rPr lang="en-US" dirty="0" err="1"/>
-              <a:t>tmavý</a:t>
-            </a:r>
-            <a:r>
-              <a:rPr lang="en-US" dirty="0"/>
-              <a:t> </a:t>
-            </a:r>
-            <a:r>
-              <a:rPr lang="en-US" dirty="0" err="1"/>
-              <a:t>pomocí</a:t>
-            </a:r>
-            <a:r>
-              <a:rPr lang="en-US" dirty="0"/>
-              <a:t> </a:t>
-            </a:r>
-            <a:r>
-              <a:rPr lang="en-US" dirty="0" err="1"/>
-              <a:t>dá</a:t>
-            </a:r>
-            <a:r>
-              <a:rPr lang="en-US" dirty="0"/>
-              <a:t> se </a:t>
-            </a:r>
-            <a:r>
-              <a:rPr lang="en-US" dirty="0" err="1"/>
-              <a:t>říct</a:t>
-            </a:r>
-            <a:r>
-              <a:rPr lang="en-US" dirty="0"/>
-              <a:t> </a:t>
-            </a:r>
-            <a:r>
-              <a:rPr lang="en-US" dirty="0" err="1"/>
-              <a:t>jednoho</a:t>
-            </a:r>
-            <a:r>
-              <a:rPr lang="en-US" dirty="0"/>
-              <a:t> </a:t>
-            </a:r>
-            <a:r>
-              <a:rPr lang="en-US" dirty="0" err="1"/>
-              <a:t>řádku</a:t>
-            </a:r>
-            <a:r>
-              <a:rPr lang="en-US" dirty="0"/>
-              <a:t> a </a:t>
-            </a:r>
-            <a:r>
-              <a:rPr lang="en-US" dirty="0" err="1"/>
-              <a:t>komponenty</a:t>
-            </a:r>
-            <a:r>
-              <a:rPr lang="en-US" dirty="0"/>
-              <a:t> </a:t>
-            </a:r>
-            <a:r>
-              <a:rPr lang="en-US" dirty="0" err="1"/>
-              <a:t>která</a:t>
-            </a:r>
-            <a:r>
-              <a:rPr lang="en-US" dirty="0"/>
-              <a:t> </a:t>
-            </a:r>
-            <a:r>
-              <a:rPr lang="en-US" dirty="0" err="1"/>
-              <a:t>tento</a:t>
-            </a:r>
-            <a:r>
-              <a:rPr lang="en-US" dirty="0"/>
-              <a:t> </a:t>
-            </a:r>
-            <a:r>
-              <a:rPr lang="en-US" dirty="0" err="1"/>
-              <a:t>kód</a:t>
-            </a:r>
-            <a:r>
-              <a:rPr lang="en-US" dirty="0"/>
-              <a:t> </a:t>
-            </a:r>
-            <a:r>
-              <a:rPr lang="en-US" dirty="0" err="1"/>
-              <a:t>spustí</a:t>
-            </a:r>
             <a:endParaRPr lang="cs-CZ" dirty="0"/>
           </a:p>
         </p:txBody>
@@ -1148,152 +780,6 @@
           <a:bodyPr/>
           <a:lstStyle/>
           <a:p>
-            <a:r>
-              <a:rPr lang="en-US" dirty="0"/>
-              <a:t>5:36-6:28</a:t>
-            </a:r>
-          </a:p>
-          <a:p>
-            <a:r>
-              <a:rPr lang="en-US" dirty="0" err="1"/>
-              <a:t>Tohle</a:t>
-            </a:r>
-            <a:r>
-              <a:rPr lang="en-US" dirty="0"/>
-              <a:t> </a:t>
-            </a:r>
-            <a:r>
-              <a:rPr lang="en-US" dirty="0" err="1"/>
-              <a:t>oknou</a:t>
-            </a:r>
-            <a:r>
-              <a:rPr lang="en-US" dirty="0"/>
-              <a:t> </a:t>
-            </a:r>
-            <a:r>
-              <a:rPr lang="en-US" dirty="0" err="1"/>
-              <a:t>slouží</a:t>
-            </a:r>
-            <a:r>
-              <a:rPr lang="en-US" dirty="0"/>
-              <a:t> k </a:t>
-            </a:r>
-            <a:r>
-              <a:rPr lang="en-US" dirty="0" err="1"/>
-              <a:t>tomu</a:t>
-            </a:r>
-            <a:r>
-              <a:rPr lang="en-US" dirty="0"/>
-              <a:t> aby se </a:t>
-            </a:r>
-            <a:r>
-              <a:rPr lang="en-US" dirty="0" err="1"/>
-              <a:t>pracovník</a:t>
-            </a:r>
-            <a:r>
-              <a:rPr lang="en-US" dirty="0"/>
-              <a:t> u </a:t>
-            </a:r>
-            <a:r>
-              <a:rPr lang="en-US" dirty="0" err="1"/>
-              <a:t>soustavy</a:t>
-            </a:r>
-            <a:r>
-              <a:rPr lang="en-US" dirty="0"/>
-              <a:t> </a:t>
-            </a:r>
-            <a:r>
-              <a:rPr lang="en-US" dirty="0" err="1"/>
-              <a:t>identifikoval</a:t>
-            </a:r>
-            <a:r>
-              <a:rPr lang="en-US" dirty="0"/>
-              <a:t> bud </a:t>
-            </a:r>
-            <a:r>
-              <a:rPr lang="en-US" dirty="0" err="1"/>
-              <a:t>jako</a:t>
-            </a:r>
-            <a:r>
-              <a:rPr lang="en-US" dirty="0"/>
-              <a:t> administrator </a:t>
-            </a:r>
-            <a:r>
-              <a:rPr lang="en-US" dirty="0" err="1"/>
-              <a:t>nebo</a:t>
-            </a:r>
-            <a:r>
-              <a:rPr lang="en-US" dirty="0"/>
-              <a:t> </a:t>
-            </a:r>
-            <a:r>
-              <a:rPr lang="en-US" dirty="0" err="1"/>
-              <a:t>uživatel</a:t>
-            </a:r>
-            <a:r>
-              <a:rPr lang="en-US" dirty="0"/>
-              <a:t> </a:t>
-            </a:r>
-            <a:r>
-              <a:rPr lang="en-US" dirty="0" err="1"/>
-              <a:t>pokud</a:t>
-            </a:r>
-            <a:r>
-              <a:rPr lang="en-US" dirty="0"/>
-              <a:t> se </a:t>
-            </a:r>
-            <a:r>
-              <a:rPr lang="en-US" dirty="0" err="1"/>
-              <a:t>nedokže</a:t>
-            </a:r>
-            <a:r>
-              <a:rPr lang="en-US" dirty="0"/>
-              <a:t> </a:t>
-            </a:r>
-            <a:r>
-              <a:rPr lang="en-US" dirty="0" err="1"/>
-              <a:t>identifikovat</a:t>
-            </a:r>
-            <a:r>
-              <a:rPr lang="en-US" dirty="0"/>
-              <a:t> </a:t>
-            </a:r>
-            <a:r>
-              <a:rPr lang="en-US" dirty="0" err="1"/>
-              <a:t>jako</a:t>
-            </a:r>
-            <a:r>
-              <a:rPr lang="en-US" dirty="0"/>
-              <a:t> ani </a:t>
-            </a:r>
-            <a:r>
-              <a:rPr lang="en-US" dirty="0" err="1"/>
-              <a:t>jeden</a:t>
-            </a:r>
-            <a:r>
-              <a:rPr lang="en-US" dirty="0"/>
-              <a:t> </a:t>
-            </a:r>
-            <a:r>
-              <a:rPr lang="en-US" dirty="0" err="1"/>
-              <a:t>bude</a:t>
-            </a:r>
-            <a:r>
-              <a:rPr lang="en-US" dirty="0"/>
-              <a:t> mu </a:t>
-            </a:r>
-            <a:r>
-              <a:rPr lang="en-US" dirty="0" err="1"/>
-              <a:t>přístup</a:t>
-            </a:r>
-            <a:r>
-              <a:rPr lang="en-US" dirty="0"/>
-              <a:t> </a:t>
-            </a:r>
-            <a:r>
-              <a:rPr lang="en-US" dirty="0" err="1"/>
-              <a:t>odepřen</a:t>
-            </a:r>
             <a:endParaRPr lang="en-US" dirty="0"/>
           </a:p>
         </p:txBody>
@@ -1383,101 +869,6 @@
               <a:t>6</a:t>
             </a:r>
           </a:p>
-          <a:p>
-            <a:r>
-              <a:rPr lang="en-US" dirty="0" err="1"/>
-              <a:t>Jsou</a:t>
-            </a:r>
-            <a:r>
-              <a:rPr lang="en-US" dirty="0"/>
-              <a:t> </a:t>
-            </a:r>
-            <a:r>
-              <a:rPr lang="en-US" dirty="0" err="1"/>
-              <a:t>dvě</a:t>
-            </a:r>
-            <a:r>
-              <a:rPr lang="en-US" dirty="0"/>
-              <a:t> </a:t>
-            </a:r>
-            <a:r>
-              <a:rPr lang="en-US" dirty="0" err="1"/>
-              <a:t>mody</a:t>
-            </a:r>
-            <a:r>
-              <a:rPr lang="en-US" dirty="0"/>
-              <a:t> pod </a:t>
-            </a:r>
-            <a:r>
-              <a:rPr lang="en-US" dirty="0" err="1"/>
-              <a:t>kterými</a:t>
-            </a:r>
-            <a:r>
-              <a:rPr lang="en-US" dirty="0"/>
-              <a:t> </a:t>
-            </a:r>
-            <a:r>
-              <a:rPr lang="en-US" dirty="0" err="1"/>
-              <a:t>může</a:t>
-            </a:r>
-            <a:r>
-              <a:rPr lang="en-US" dirty="0"/>
-              <a:t> operator </a:t>
-            </a:r>
-            <a:r>
-              <a:rPr lang="en-US" dirty="0" err="1"/>
-              <a:t>na</a:t>
-            </a:r>
-            <a:r>
-              <a:rPr lang="en-US" dirty="0"/>
-              <a:t> </a:t>
-            </a:r>
-            <a:r>
-              <a:rPr lang="en-US" dirty="0" err="1"/>
-              <a:t>soustavě</a:t>
-            </a:r>
-            <a:r>
-              <a:rPr lang="en-US" dirty="0"/>
-              <a:t> </a:t>
-            </a:r>
-            <a:r>
-              <a:rPr lang="en-US" dirty="0" err="1"/>
-              <a:t>pracovat</a:t>
-            </a:r>
-            <a:r>
-              <a:rPr lang="en-US" dirty="0"/>
-              <a:t> bud </a:t>
-            </a:r>
-            <a:r>
-              <a:rPr lang="en-US" dirty="0" err="1"/>
-              <a:t>jako</a:t>
-            </a:r>
-            <a:r>
-              <a:rPr lang="en-US" dirty="0"/>
-              <a:t> </a:t>
-            </a:r>
-            <a:r>
-              <a:rPr lang="en-US" dirty="0" err="1"/>
-              <a:t>uživatel</a:t>
-            </a:r>
-            <a:r>
-              <a:rPr lang="en-US" dirty="0"/>
-              <a:t> </a:t>
-            </a:r>
-            <a:r>
-              <a:rPr lang="en-US" dirty="0" err="1"/>
-              <a:t>nebo</a:t>
-            </a:r>
-            <a:r>
-              <a:rPr lang="en-US" dirty="0"/>
-              <a:t> </a:t>
-            </a:r>
-            <a:r>
-              <a:rPr lang="en-US" dirty="0" err="1"/>
-              <a:t>administrátor</a:t>
-            </a:r>
-            <a:endParaRPr lang="en-US" dirty="0"/>
-          </a:p>
         </p:txBody>
       </p:sp>
       <p:sp>
@@ -1560,109 +951,6 @@
           <a:bodyPr/>
           <a:lstStyle/>
           <a:p>
-            <a:r>
-              <a:rPr lang="en-US" dirty="0" err="1"/>
-              <a:t>Nyní</a:t>
-            </a:r>
-            <a:r>
-              <a:rPr lang="en-US" dirty="0"/>
-              <a:t> se </a:t>
-            </a:r>
-            <a:r>
-              <a:rPr lang="en-US" dirty="0" err="1"/>
-              <a:t>dostáváme</a:t>
-            </a:r>
-            <a:r>
-              <a:rPr lang="en-US" dirty="0"/>
-              <a:t> do </a:t>
-            </a:r>
-            <a:r>
-              <a:rPr lang="en-US" dirty="0" err="1"/>
-              <a:t>administrátorsé</a:t>
-            </a:r>
-            <a:r>
-              <a:rPr lang="en-US" dirty="0"/>
-              <a:t> </a:t>
-            </a:r>
-            <a:r>
-              <a:rPr lang="en-US" dirty="0" err="1"/>
-              <a:t>části</a:t>
-            </a:r>
-            <a:r>
-              <a:rPr lang="en-US" dirty="0"/>
-              <a:t> </a:t>
-            </a:r>
-            <a:r>
-              <a:rPr lang="en-US" dirty="0" err="1"/>
-              <a:t>kde</a:t>
-            </a:r>
-            <a:r>
-              <a:rPr lang="en-US" dirty="0"/>
-              <a:t> </a:t>
-            </a:r>
-            <a:r>
-              <a:rPr lang="en-US" dirty="0" err="1"/>
-              <a:t>má</a:t>
-            </a:r>
-            <a:r>
-              <a:rPr lang="en-US" dirty="0"/>
-              <a:t> </a:t>
-            </a:r>
-            <a:r>
-              <a:rPr lang="en-US" dirty="0" err="1"/>
-              <a:t>adminsitrátor</a:t>
-            </a:r>
-            <a:r>
-              <a:rPr lang="en-US" dirty="0"/>
-              <a:t> </a:t>
-            </a:r>
-            <a:r>
-              <a:rPr lang="en-US" dirty="0" err="1"/>
-              <a:t>na</a:t>
-            </a:r>
-            <a:r>
-              <a:rPr lang="en-US" dirty="0"/>
-              <a:t> </a:t>
-            </a:r>
-            <a:r>
-              <a:rPr lang="en-US" dirty="0" err="1"/>
-              <a:t>výběr</a:t>
-            </a:r>
-            <a:r>
-              <a:rPr lang="en-US" dirty="0"/>
-              <a:t> ze </a:t>
-            </a:r>
-            <a:r>
-              <a:rPr lang="en-US" dirty="0" err="1"/>
-              <a:t>dvou</a:t>
-            </a:r>
-            <a:r>
-              <a:rPr lang="en-US" dirty="0"/>
-              <a:t> </a:t>
-            </a:r>
-            <a:r>
-              <a:rPr lang="en-US" dirty="0" err="1"/>
-              <a:t>možností</a:t>
-            </a:r>
-            <a:r>
-              <a:rPr lang="en-US" dirty="0"/>
-              <a:t> </a:t>
-            </a:r>
-            <a:r>
-              <a:rPr lang="en-US" dirty="0" err="1"/>
-              <a:t>první</a:t>
-            </a:r>
-            <a:r>
-              <a:rPr lang="en-US" dirty="0"/>
-              <a:t> je </a:t>
-            </a:r>
-            <a:r>
-              <a:rPr lang="en-US" dirty="0" err="1"/>
-              <a:t>měření</a:t>
-            </a:r>
-            <a:endParaRPr lang="en-US" dirty="0"/>
-          </a:p>
-          <a:p>
             <a:endParaRPr lang="cs-CZ" dirty="0"/>
           </a:p>
         </p:txBody>
@@ -1747,1261 +1035,6 @@
           <a:bodyPr/>
           <a:lstStyle/>
           <a:p>
-            <a:r>
-              <a:rPr lang="en-US" dirty="0" err="1"/>
-              <a:t>Zde</a:t>
-            </a:r>
-            <a:r>
-              <a:rPr lang="en-US" dirty="0"/>
-              <a:t> administrator </a:t>
-            </a:r>
-            <a:r>
-              <a:rPr lang="en-US" dirty="0" err="1"/>
-              <a:t>provádí</a:t>
-            </a:r>
-            <a:r>
-              <a:rPr lang="en-US" dirty="0"/>
-              <a:t> </a:t>
-            </a:r>
-            <a:r>
-              <a:rPr lang="en-US" dirty="0" err="1"/>
-              <a:t>nová</a:t>
-            </a:r>
-            <a:r>
-              <a:rPr lang="en-US" dirty="0"/>
-              <a:t> </a:t>
-            </a:r>
-            <a:r>
-              <a:rPr lang="en-US" dirty="0" err="1"/>
-              <a:t>měření</a:t>
-            </a:r>
-            <a:r>
-              <a:rPr lang="en-US" dirty="0"/>
-              <a:t> </a:t>
-            </a:r>
-            <a:r>
-              <a:rPr lang="en-US" dirty="0" err="1"/>
-              <a:t>například</a:t>
-            </a:r>
-            <a:r>
-              <a:rPr lang="en-US" dirty="0"/>
-              <a:t> </a:t>
-            </a:r>
-            <a:r>
-              <a:rPr lang="en-US" dirty="0" err="1"/>
-              <a:t>opkud</a:t>
-            </a:r>
-            <a:r>
-              <a:rPr lang="en-US" dirty="0"/>
-              <a:t> by </a:t>
-            </a:r>
-            <a:r>
-              <a:rPr lang="en-US" dirty="0" err="1"/>
-              <a:t>měnil</a:t>
-            </a:r>
-            <a:r>
-              <a:rPr lang="en-US" dirty="0"/>
-              <a:t> </a:t>
-            </a:r>
-            <a:r>
-              <a:rPr lang="en-US" dirty="0" err="1"/>
-              <a:t>nový</a:t>
-            </a:r>
-            <a:r>
-              <a:rPr lang="en-US" dirty="0"/>
-              <a:t> </a:t>
-            </a:r>
-            <a:r>
-              <a:rPr lang="en-US" dirty="0" err="1"/>
-              <a:t>sval</a:t>
-            </a:r>
-            <a:r>
-              <a:rPr lang="en-US" dirty="0"/>
-              <a:t> </a:t>
-            </a:r>
-            <a:r>
-              <a:rPr lang="en-US" dirty="0" err="1"/>
-              <a:t>nebo</a:t>
-            </a:r>
-            <a:r>
-              <a:rPr lang="en-US" dirty="0"/>
-              <a:t> </a:t>
-            </a:r>
-            <a:r>
-              <a:rPr lang="en-US" dirty="0" err="1"/>
-              <a:t>pokud</a:t>
-            </a:r>
-            <a:r>
-              <a:rPr lang="en-US" dirty="0"/>
-              <a:t> v </a:t>
-            </a:r>
-            <a:r>
-              <a:rPr lang="en-US" dirty="0" err="1"/>
-              <a:t>budoucnu</a:t>
-            </a:r>
-            <a:r>
-              <a:rPr lang="en-US" dirty="0"/>
-              <a:t> se </a:t>
-            </a:r>
-            <a:r>
-              <a:rPr lang="en-US" dirty="0" err="1"/>
-              <a:t>budou</a:t>
-            </a:r>
-            <a:r>
-              <a:rPr lang="en-US" dirty="0"/>
-              <a:t> </a:t>
-            </a:r>
-            <a:r>
-              <a:rPr lang="en-US" dirty="0" err="1"/>
-              <a:t>vytvářet</a:t>
-            </a:r>
-            <a:r>
-              <a:rPr lang="en-US" dirty="0"/>
-              <a:t> </a:t>
-            </a:r>
-            <a:r>
-              <a:rPr lang="en-US" dirty="0" err="1"/>
-              <a:t>nové</a:t>
-            </a:r>
-            <a:r>
-              <a:rPr lang="en-US" dirty="0"/>
-              <a:t> </a:t>
-            </a:r>
-            <a:r>
-              <a:rPr lang="en-US" dirty="0" err="1"/>
-              <a:t>převodní</a:t>
-            </a:r>
-            <a:r>
-              <a:rPr lang="en-US" dirty="0"/>
-              <a:t> </a:t>
-            </a:r>
-            <a:r>
-              <a:rPr lang="en-US" dirty="0" err="1"/>
-              <a:t>vzorce</a:t>
-            </a:r>
-            <a:r>
-              <a:rPr lang="en-US" dirty="0"/>
-              <a:t> pro </a:t>
-            </a:r>
-            <a:r>
-              <a:rPr lang="en-US" dirty="0" err="1"/>
-              <a:t>pacienty</a:t>
-            </a:r>
-            <a:r>
-              <a:rPr lang="en-US" dirty="0"/>
-              <a:t> s </a:t>
-            </a:r>
-            <a:r>
-              <a:rPr lang="en-US" dirty="0" err="1"/>
-              <a:t>různými</a:t>
-            </a:r>
-            <a:r>
-              <a:rPr lang="en-US" dirty="0"/>
-              <a:t> </a:t>
-            </a:r>
-            <a:r>
-              <a:rPr lang="en-US" dirty="0" err="1"/>
-              <a:t>rozměry</a:t>
-            </a:r>
-            <a:endParaRPr lang="en-US" dirty="0"/>
-          </a:p>
-          <a:p>
-            <a:r>
-              <a:rPr lang="en-US" dirty="0" err="1"/>
-              <a:t>Zde</a:t>
-            </a:r>
-            <a:r>
-              <a:rPr lang="en-US" dirty="0"/>
-              <a:t> v </a:t>
-            </a:r>
-            <a:r>
-              <a:rPr lang="en-US" dirty="0" err="1"/>
-              <a:t>levé</a:t>
-            </a:r>
-            <a:r>
-              <a:rPr lang="en-US" dirty="0"/>
-              <a:t> </a:t>
-            </a:r>
-            <a:r>
-              <a:rPr lang="en-US" dirty="0" err="1"/>
-              <a:t>straně</a:t>
-            </a:r>
-            <a:r>
-              <a:rPr lang="en-US" dirty="0"/>
-              <a:t> </a:t>
-            </a:r>
-            <a:r>
-              <a:rPr lang="en-US" dirty="0" err="1"/>
-              <a:t>můžete</a:t>
-            </a:r>
-            <a:r>
-              <a:rPr lang="en-US" dirty="0"/>
-              <a:t> </a:t>
-            </a:r>
-            <a:r>
-              <a:rPr lang="en-US" dirty="0" err="1"/>
-              <a:t>vidět</a:t>
-            </a:r>
-            <a:r>
-              <a:rPr lang="en-US" dirty="0"/>
-              <a:t> </a:t>
-            </a:r>
-            <a:r>
-              <a:rPr lang="en-US" dirty="0" err="1"/>
-              <a:t>komponentu</a:t>
-            </a:r>
-            <a:r>
-              <a:rPr lang="en-US" dirty="0"/>
-              <a:t> </a:t>
-            </a:r>
-            <a:r>
-              <a:rPr lang="en-US" dirty="0" err="1"/>
-              <a:t>zvanou</a:t>
-            </a:r>
-            <a:r>
-              <a:rPr lang="en-US" dirty="0"/>
-              <a:t> radiobutton </a:t>
-            </a:r>
-            <a:r>
-              <a:rPr lang="en-US" dirty="0" err="1"/>
-              <a:t>která</a:t>
-            </a:r>
-            <a:r>
-              <a:rPr lang="en-US" dirty="0"/>
-              <a:t> se </a:t>
-            </a:r>
-            <a:r>
-              <a:rPr lang="en-US" dirty="0" err="1"/>
-              <a:t>liší</a:t>
-            </a:r>
-            <a:r>
-              <a:rPr lang="en-US" dirty="0"/>
-              <a:t> od checkbox </a:t>
-            </a:r>
-            <a:r>
-              <a:rPr lang="en-US" dirty="0" err="1"/>
-              <a:t>tím</a:t>
-            </a:r>
-            <a:r>
-              <a:rPr lang="en-US" dirty="0"/>
-              <a:t> </a:t>
-            </a:r>
-            <a:r>
-              <a:rPr lang="en-US" dirty="0" err="1"/>
-              <a:t>že</a:t>
-            </a:r>
-            <a:r>
-              <a:rPr lang="en-US" dirty="0"/>
-              <a:t> </a:t>
-            </a:r>
-            <a:r>
-              <a:rPr lang="en-US" dirty="0" err="1"/>
-              <a:t>může</a:t>
-            </a:r>
-            <a:r>
-              <a:rPr lang="en-US" dirty="0"/>
-              <a:t> </a:t>
-            </a:r>
-            <a:r>
-              <a:rPr lang="en-US" dirty="0" err="1"/>
-              <a:t>být</a:t>
-            </a:r>
-            <a:r>
-              <a:rPr lang="en-US" dirty="0"/>
-              <a:t> </a:t>
-            </a:r>
-            <a:r>
-              <a:rPr lang="en-US" dirty="0" err="1"/>
-              <a:t>vždy</a:t>
-            </a:r>
-            <a:r>
-              <a:rPr lang="en-US" dirty="0"/>
-              <a:t> </a:t>
-            </a:r>
-            <a:r>
-              <a:rPr lang="en-US" dirty="0" err="1"/>
-              <a:t>vybránou</a:t>
-            </a:r>
-            <a:r>
-              <a:rPr lang="en-US" dirty="0"/>
-              <a:t> </a:t>
-            </a:r>
-            <a:r>
-              <a:rPr lang="en-US" dirty="0" err="1"/>
-              <a:t>pouze</a:t>
-            </a:r>
-            <a:r>
-              <a:rPr lang="en-US" dirty="0"/>
-              <a:t> </a:t>
-            </a:r>
-            <a:r>
-              <a:rPr lang="en-US" dirty="0" err="1"/>
-              <a:t>jedna</a:t>
-            </a:r>
-            <a:r>
-              <a:rPr lang="en-US" dirty="0"/>
-              <a:t> </a:t>
-            </a:r>
-            <a:r>
-              <a:rPr lang="en-US" dirty="0" err="1"/>
-              <a:t>hodnota</a:t>
-            </a:r>
-            <a:r>
-              <a:rPr lang="en-US" dirty="0"/>
-              <a:t> a </a:t>
-            </a:r>
-            <a:r>
-              <a:rPr lang="en-US" dirty="0" err="1"/>
-              <a:t>zde</a:t>
-            </a:r>
-            <a:r>
-              <a:rPr lang="en-US" dirty="0"/>
-              <a:t> </a:t>
-            </a:r>
-            <a:r>
-              <a:rPr lang="en-US" dirty="0" err="1"/>
-              <a:t>si</a:t>
-            </a:r>
-            <a:r>
-              <a:rPr lang="en-US" dirty="0"/>
-              <a:t> </a:t>
-            </a:r>
-            <a:r>
-              <a:rPr lang="en-US" dirty="0" err="1"/>
-              <a:t>uživatel</a:t>
-            </a:r>
-            <a:r>
-              <a:rPr lang="en-US" dirty="0"/>
-              <a:t> </a:t>
-            </a:r>
-            <a:r>
-              <a:rPr lang="en-US" dirty="0" err="1"/>
-              <a:t>zvolí</a:t>
-            </a:r>
-            <a:r>
-              <a:rPr lang="en-US" dirty="0"/>
-              <a:t> </a:t>
-            </a:r>
-            <a:r>
-              <a:rPr lang="en-US" dirty="0" err="1"/>
-              <a:t>jaký</a:t>
-            </a:r>
-            <a:r>
-              <a:rPr lang="en-US" dirty="0"/>
-              <a:t> </a:t>
-            </a:r>
-            <a:r>
-              <a:rPr lang="en-US" dirty="0" err="1"/>
-              <a:t>konkrétní</a:t>
-            </a:r>
-            <a:r>
-              <a:rPr lang="en-US" dirty="0"/>
-              <a:t> </a:t>
-            </a:r>
-            <a:r>
-              <a:rPr lang="en-US" dirty="0" err="1"/>
-              <a:t>sval</a:t>
-            </a:r>
-            <a:r>
-              <a:rPr lang="en-US" dirty="0"/>
-              <a:t> </a:t>
-            </a:r>
-            <a:r>
-              <a:rPr lang="en-US" dirty="0" err="1"/>
-              <a:t>chce</a:t>
-            </a:r>
-            <a:r>
-              <a:rPr lang="en-US" dirty="0"/>
-              <a:t> </a:t>
-            </a:r>
-            <a:r>
-              <a:rPr lang="en-US" dirty="0" err="1"/>
-              <a:t>zrovna</a:t>
-            </a:r>
-            <a:r>
-              <a:rPr lang="en-US" dirty="0"/>
-              <a:t> </a:t>
-            </a:r>
-            <a:r>
-              <a:rPr lang="en-US" dirty="0" err="1"/>
-              <a:t>měřet</a:t>
-            </a:r>
-            <a:endParaRPr lang="en-US" dirty="0"/>
-          </a:p>
-          <a:p>
-            <a:r>
-              <a:rPr lang="en-US" dirty="0"/>
-              <a:t>Pod </a:t>
-            </a:r>
-            <a:r>
-              <a:rPr lang="en-US" dirty="0" err="1"/>
-              <a:t>temito</a:t>
-            </a:r>
-            <a:r>
-              <a:rPr lang="en-US" dirty="0"/>
-              <a:t> radiobuttony je </a:t>
-            </a:r>
-            <a:r>
-              <a:rPr lang="en-US" dirty="0" err="1"/>
-              <a:t>návrat</a:t>
-            </a:r>
-            <a:r>
-              <a:rPr lang="en-US" dirty="0"/>
-              <a:t> </a:t>
-            </a:r>
-            <a:r>
-              <a:rPr lang="en-US" dirty="0" err="1"/>
-              <a:t>na</a:t>
-            </a:r>
-            <a:r>
-              <a:rPr lang="en-US" dirty="0"/>
-              <a:t> </a:t>
-            </a:r>
-            <a:r>
-              <a:rPr lang="en-US" dirty="0" err="1"/>
-              <a:t>hlavní</a:t>
-            </a:r>
-            <a:r>
-              <a:rPr lang="en-US" dirty="0"/>
-              <a:t> </a:t>
-            </a:r>
-            <a:r>
-              <a:rPr lang="en-US" dirty="0" err="1"/>
-              <a:t>okno</a:t>
-            </a:r>
-            <a:r>
-              <a:rPr lang="en-US" dirty="0"/>
-              <a:t> </a:t>
-            </a:r>
-            <a:r>
-              <a:rPr lang="en-US" dirty="0" err="1"/>
-              <a:t>admina</a:t>
-            </a:r>
-            <a:r>
-              <a:rPr lang="en-US" dirty="0"/>
-              <a:t> a </a:t>
-            </a:r>
-            <a:r>
-              <a:rPr lang="en-US" dirty="0" err="1"/>
-              <a:t>rozbalovací</a:t>
-            </a:r>
-            <a:r>
-              <a:rPr lang="en-US" dirty="0"/>
-              <a:t> </a:t>
-            </a:r>
-            <a:r>
-              <a:rPr lang="en-US" dirty="0" err="1"/>
-              <a:t>okno</a:t>
-            </a:r>
-            <a:r>
-              <a:rPr lang="en-US" dirty="0"/>
-              <a:t> pro </a:t>
-            </a:r>
-            <a:r>
-              <a:rPr lang="en-US" dirty="0" err="1"/>
-              <a:t>výběr</a:t>
-            </a:r>
-            <a:r>
-              <a:rPr lang="en-US" dirty="0"/>
-              <a:t> motive</a:t>
-            </a:r>
-          </a:p>
-          <a:p>
-            <a:r>
-              <a:rPr lang="en-US" dirty="0"/>
-              <a:t>V </a:t>
-            </a:r>
-            <a:r>
-              <a:rPr lang="en-US" dirty="0" err="1"/>
-              <a:t>pravé</a:t>
-            </a:r>
-            <a:r>
-              <a:rPr lang="en-US" dirty="0"/>
-              <a:t> </a:t>
-            </a:r>
-            <a:r>
-              <a:rPr lang="en-US" dirty="0" err="1"/>
-              <a:t>straně</a:t>
-            </a:r>
-            <a:r>
-              <a:rPr lang="en-US" dirty="0"/>
-              <a:t> </a:t>
-            </a:r>
-            <a:r>
-              <a:rPr lang="en-US" dirty="0" err="1"/>
-              <a:t>tohoto</a:t>
-            </a:r>
-            <a:r>
-              <a:rPr lang="en-US" dirty="0"/>
-              <a:t> </a:t>
-            </a:r>
-            <a:r>
-              <a:rPr lang="en-US" dirty="0" err="1"/>
-              <a:t>okna</a:t>
-            </a:r>
-            <a:r>
-              <a:rPr lang="en-US" dirty="0"/>
-              <a:t> je </a:t>
-            </a:r>
-            <a:r>
-              <a:rPr lang="en-US" dirty="0" err="1"/>
-              <a:t>tři</a:t>
-            </a:r>
-            <a:r>
-              <a:rPr lang="en-US" dirty="0"/>
-              <a:t> entry pole a </a:t>
-            </a:r>
-            <a:r>
-              <a:rPr lang="en-US" dirty="0" err="1"/>
-              <a:t>tři</a:t>
-            </a:r>
-            <a:r>
-              <a:rPr lang="en-US" dirty="0"/>
-              <a:t> </a:t>
-            </a:r>
-            <a:r>
-              <a:rPr lang="en-US" dirty="0" err="1"/>
-              <a:t>tlačítka</a:t>
-            </a:r>
-            <a:r>
-              <a:rPr lang="en-US" dirty="0"/>
-              <a:t> z toho </a:t>
-            </a:r>
-            <a:r>
-              <a:rPr lang="en-US" dirty="0" err="1"/>
-              <a:t>jedno</a:t>
-            </a:r>
-            <a:r>
-              <a:rPr lang="en-US" dirty="0"/>
-              <a:t> je </a:t>
-            </a:r>
-            <a:r>
-              <a:rPr lang="en-US" dirty="0" err="1"/>
-              <a:t>dočasně</a:t>
-            </a:r>
-            <a:r>
-              <a:rPr lang="en-US" dirty="0"/>
-              <a:t> </a:t>
-            </a:r>
-            <a:r>
-              <a:rPr lang="en-US" dirty="0" err="1"/>
-              <a:t>disablentuto</a:t>
-            </a:r>
-            <a:br>
-              <a:rPr lang="en-US" dirty="0"/>
-            </a:br>
-            <a:r>
-              <a:rPr lang="en-US" dirty="0"/>
-              <a:t>Do </a:t>
-            </a:r>
-            <a:r>
-              <a:rPr lang="en-US" dirty="0" err="1"/>
-              <a:t>prvního</a:t>
-            </a:r>
-            <a:r>
-              <a:rPr lang="en-US" dirty="0"/>
-              <a:t> </a:t>
-            </a:r>
-            <a:r>
-              <a:rPr lang="en-US" dirty="0" err="1"/>
-              <a:t>etery</a:t>
-            </a:r>
-            <a:r>
-              <a:rPr lang="en-US" dirty="0"/>
-              <a:t> pole se </a:t>
-            </a:r>
-            <a:r>
-              <a:rPr lang="en-US" dirty="0" err="1"/>
-              <a:t>zadává</a:t>
-            </a:r>
-            <a:r>
-              <a:rPr lang="en-US" dirty="0"/>
-              <a:t> </a:t>
-            </a:r>
-            <a:r>
-              <a:rPr lang="en-US" dirty="0" err="1"/>
-              <a:t>rychlost</a:t>
-            </a:r>
-            <a:r>
-              <a:rPr lang="en-US" dirty="0"/>
-              <a:t> s </a:t>
-            </a:r>
-            <a:r>
-              <a:rPr lang="en-US" dirty="0" err="1"/>
-              <a:t>jakou</a:t>
-            </a:r>
-            <a:r>
-              <a:rPr lang="en-US" dirty="0"/>
-              <a:t> </a:t>
-            </a:r>
-            <a:r>
-              <a:rPr lang="en-US" dirty="0" err="1"/>
-              <a:t>chce</a:t>
-            </a:r>
-            <a:r>
-              <a:rPr lang="en-US" dirty="0"/>
-              <a:t> administrator aby se </a:t>
-            </a:r>
-            <a:r>
-              <a:rPr lang="en-US" dirty="0" err="1"/>
-              <a:t>daný</a:t>
-            </a:r>
-            <a:r>
-              <a:rPr lang="en-US" dirty="0"/>
-              <a:t> </a:t>
-            </a:r>
-            <a:r>
-              <a:rPr lang="en-US" dirty="0" err="1"/>
-              <a:t>krokový</a:t>
-            </a:r>
-            <a:r>
-              <a:rPr lang="en-US" dirty="0"/>
-              <a:t> motor </a:t>
-            </a:r>
-            <a:r>
-              <a:rPr lang="en-US" dirty="0" err="1"/>
-              <a:t>posouval</a:t>
-            </a:r>
-            <a:r>
-              <a:rPr lang="en-US" dirty="0"/>
-              <a:t> </a:t>
-            </a:r>
-            <a:r>
-              <a:rPr lang="en-US" dirty="0" err="1"/>
-              <a:t>pote</a:t>
-            </a:r>
-            <a:r>
-              <a:rPr lang="en-US" dirty="0"/>
-              <a:t> </a:t>
-            </a:r>
-            <a:r>
-              <a:rPr lang="en-US" dirty="0" err="1"/>
-              <a:t>ve</a:t>
-            </a:r>
-            <a:r>
-              <a:rPr lang="en-US" dirty="0"/>
-              <a:t> </a:t>
-            </a:r>
-            <a:r>
-              <a:rPr lang="en-US" dirty="0" err="1"/>
-              <a:t>spodu</a:t>
-            </a:r>
-            <a:r>
-              <a:rPr lang="en-US" dirty="0"/>
-              <a:t> je </a:t>
-            </a:r>
-            <a:r>
-              <a:rPr lang="en-US" dirty="0" err="1"/>
-              <a:t>je</a:t>
-            </a:r>
-            <a:r>
-              <a:rPr lang="en-US" dirty="0"/>
-              <a:t> pole steps do </a:t>
-            </a:r>
-            <a:r>
-              <a:rPr lang="en-US" dirty="0" err="1"/>
-              <a:t>kterého</a:t>
-            </a:r>
-            <a:r>
-              <a:rPr lang="en-US" dirty="0"/>
-              <a:t> operator </a:t>
-            </a:r>
-            <a:r>
-              <a:rPr lang="en-US" dirty="0" err="1"/>
-              <a:t>zadá</a:t>
-            </a:r>
-            <a:r>
-              <a:rPr lang="en-US" dirty="0"/>
-              <a:t> </a:t>
-            </a:r>
-            <a:r>
-              <a:rPr lang="en-US" dirty="0" err="1"/>
-              <a:t>kolik</a:t>
-            </a:r>
-            <a:r>
-              <a:rPr lang="en-US" dirty="0"/>
-              <a:t> </a:t>
-            </a:r>
-            <a:r>
-              <a:rPr lang="en-US" dirty="0" err="1"/>
-              <a:t>kroků</a:t>
-            </a:r>
-            <a:r>
-              <a:rPr lang="en-US" dirty="0"/>
-              <a:t> </a:t>
-            </a:r>
-            <a:r>
-              <a:rPr lang="en-US" dirty="0" err="1"/>
-              <a:t>chce</a:t>
-            </a:r>
-            <a:r>
-              <a:rPr lang="en-US" dirty="0"/>
-              <a:t> aby se </a:t>
-            </a:r>
-            <a:r>
-              <a:rPr lang="en-US" dirty="0" err="1"/>
-              <a:t>najednou</a:t>
-            </a:r>
-            <a:r>
-              <a:rPr lang="en-US" dirty="0"/>
-              <a:t> </a:t>
-            </a:r>
-            <a:r>
-              <a:rPr lang="en-US" dirty="0" err="1"/>
-              <a:t>uskutečnilo</a:t>
-            </a:r>
-            <a:endParaRPr lang="en-US" dirty="0"/>
-          </a:p>
-          <a:p>
-            <a:r>
-              <a:rPr lang="en-US" dirty="0"/>
-              <a:t>A </a:t>
-            </a:r>
-            <a:r>
-              <a:rPr lang="en-US" dirty="0" err="1"/>
-              <a:t>posledním</a:t>
-            </a:r>
-            <a:r>
-              <a:rPr lang="en-US" dirty="0"/>
-              <a:t> </a:t>
-            </a:r>
-            <a:r>
-              <a:rPr lang="en-US" dirty="0" err="1"/>
-              <a:t>prostředním</a:t>
-            </a:r>
-            <a:r>
-              <a:rPr lang="en-US" dirty="0"/>
-              <a:t> je </a:t>
-            </a:r>
-            <a:r>
-              <a:rPr lang="en-US" dirty="0" err="1"/>
-              <a:t>hw</a:t>
-            </a:r>
-            <a:r>
-              <a:rPr lang="en-US" dirty="0"/>
-              <a:t> </a:t>
-            </a:r>
-            <a:r>
-              <a:rPr lang="en-US" dirty="0" err="1"/>
-              <a:t>hodnota</a:t>
-            </a:r>
-            <a:r>
-              <a:rPr lang="en-US" dirty="0"/>
-              <a:t> </a:t>
-            </a:r>
-            <a:r>
-              <a:rPr lang="en-US" dirty="0" err="1"/>
-              <a:t>kterou</a:t>
-            </a:r>
-            <a:r>
-              <a:rPr lang="en-US" dirty="0"/>
-              <a:t> operator </a:t>
-            </a:r>
-            <a:r>
-              <a:rPr lang="en-US" dirty="0" err="1"/>
-              <a:t>odčítá</a:t>
-            </a:r>
-            <a:r>
-              <a:rPr lang="en-US" dirty="0"/>
-              <a:t> a </a:t>
-            </a:r>
-            <a:r>
-              <a:rPr lang="en-US" dirty="0" err="1"/>
-              <a:t>zapisuje</a:t>
-            </a:r>
-            <a:r>
-              <a:rPr lang="en-US" dirty="0"/>
-              <a:t> z </a:t>
-            </a:r>
-            <a:r>
-              <a:rPr lang="en-US" dirty="0" err="1"/>
-              <a:t>digitálního</a:t>
-            </a:r>
-            <a:r>
-              <a:rPr lang="en-US" dirty="0"/>
-              <a:t> </a:t>
-            </a:r>
-            <a:r>
-              <a:rPr lang="en-US" dirty="0" err="1"/>
-              <a:t>tlakoměru</a:t>
-            </a:r>
-            <a:endParaRPr lang="en-US" dirty="0"/>
-          </a:p>
-          <a:p>
-            <a:r>
-              <a:rPr lang="en-US" dirty="0" err="1"/>
-              <a:t>Tlačítka</a:t>
-            </a:r>
-            <a:r>
-              <a:rPr lang="en-US" dirty="0"/>
-              <a:t> </a:t>
-            </a:r>
-            <a:r>
-              <a:rPr lang="en-US" dirty="0" err="1"/>
-              <a:t>slouží</a:t>
-            </a:r>
-            <a:r>
-              <a:rPr lang="en-US" dirty="0"/>
-              <a:t> k </a:t>
-            </a:r>
-            <a:r>
-              <a:rPr lang="en-US" dirty="0" err="1"/>
-              <a:t>tomu</a:t>
-            </a:r>
-            <a:r>
-              <a:rPr lang="en-US" dirty="0"/>
-              <a:t> aby se </a:t>
-            </a:r>
-            <a:r>
-              <a:rPr lang="en-US" dirty="0" err="1"/>
-              <a:t>nastavila</a:t>
-            </a:r>
-            <a:r>
-              <a:rPr lang="en-US" dirty="0"/>
-              <a:t> </a:t>
-            </a:r>
-            <a:r>
-              <a:rPr lang="en-US" dirty="0" err="1"/>
-              <a:t>tecnická</a:t>
-            </a:r>
-            <a:r>
-              <a:rPr lang="en-US" dirty="0"/>
-              <a:t> </a:t>
-            </a:r>
-            <a:r>
-              <a:rPr lang="en-US" dirty="0" err="1"/>
-              <a:t>nula</a:t>
-            </a:r>
-            <a:r>
-              <a:rPr lang="en-US" dirty="0"/>
-              <a:t> aby se </a:t>
-            </a:r>
-            <a:r>
-              <a:rPr lang="en-US" dirty="0" err="1"/>
-              <a:t>měření</a:t>
-            </a:r>
-            <a:r>
-              <a:rPr lang="en-US" dirty="0"/>
-              <a:t> </a:t>
-            </a:r>
-            <a:r>
-              <a:rPr lang="en-US" dirty="0" err="1"/>
-              <a:t>vždy</a:t>
-            </a:r>
-            <a:r>
-              <a:rPr lang="en-US" dirty="0"/>
-              <a:t> </a:t>
-            </a:r>
-            <a:r>
-              <a:rPr lang="en-US" dirty="0" err="1"/>
-              <a:t>provádělo</a:t>
-            </a:r>
-            <a:r>
-              <a:rPr lang="en-US" dirty="0"/>
-              <a:t> od </a:t>
-            </a:r>
-            <a:r>
-              <a:rPr lang="en-US" dirty="0" err="1"/>
-              <a:t>počáteční</a:t>
-            </a:r>
-            <a:r>
-              <a:rPr lang="en-US" dirty="0"/>
-              <a:t> </a:t>
-            </a:r>
-            <a:r>
-              <a:rPr lang="en-US" dirty="0" err="1"/>
-              <a:t>hodnoty</a:t>
-            </a:r>
-            <a:r>
-              <a:rPr lang="en-US" dirty="0"/>
-              <a:t> </a:t>
-            </a:r>
-            <a:r>
-              <a:rPr lang="en-US" dirty="0" err="1"/>
-              <a:t>která</a:t>
-            </a:r>
-            <a:r>
-              <a:rPr lang="en-US" dirty="0"/>
-              <a:t> </a:t>
-            </a:r>
-            <a:r>
-              <a:rPr lang="en-US" dirty="0" err="1"/>
-              <a:t>byla</a:t>
-            </a:r>
-            <a:r>
-              <a:rPr lang="en-US" dirty="0"/>
-              <a:t> </a:t>
-            </a:r>
-            <a:r>
-              <a:rPr lang="en-US" dirty="0" err="1"/>
-              <a:t>navrhnu</a:t>
-            </a:r>
-            <a:r>
-              <a:rPr lang="en-US" dirty="0"/>
-              <a:t> </a:t>
-            </a:r>
-            <a:br>
-              <a:rPr lang="en-US" dirty="0"/>
-            </a:br>
-            <a:r>
-              <a:rPr lang="en-US" dirty="0" err="1"/>
-              <a:t>Druhým</a:t>
-            </a:r>
-            <a:r>
-              <a:rPr lang="en-US" dirty="0"/>
-              <a:t> </a:t>
-            </a:r>
-            <a:r>
-              <a:rPr lang="en-US" dirty="0" err="1"/>
-              <a:t>tlačítkem</a:t>
-            </a:r>
-            <a:r>
-              <a:rPr lang="en-US" dirty="0"/>
-              <a:t> je </a:t>
-            </a:r>
-            <a:r>
-              <a:rPr lang="en-US" dirty="0" err="1"/>
-              <a:t>tlačítko</a:t>
-            </a:r>
-            <a:r>
-              <a:rPr lang="en-US" dirty="0"/>
-              <a:t> </a:t>
-            </a:r>
-            <a:r>
-              <a:rPr lang="en-US" dirty="0" err="1"/>
-              <a:t>krok</a:t>
-            </a:r>
-            <a:r>
-              <a:rPr lang="en-US" dirty="0"/>
-              <a:t> </a:t>
-            </a:r>
-            <a:r>
-              <a:rPr lang="en-US" dirty="0" err="1"/>
-              <a:t>které</a:t>
-            </a:r>
-            <a:r>
-              <a:rPr lang="en-US" dirty="0"/>
-              <a:t> </a:t>
-            </a:r>
-            <a:r>
-              <a:rPr lang="en-US" dirty="0" err="1"/>
-              <a:t>zajištuje</a:t>
-            </a:r>
-            <a:r>
-              <a:rPr lang="en-US" dirty="0"/>
-              <a:t> </a:t>
-            </a:r>
-            <a:r>
-              <a:rPr lang="en-US" dirty="0" err="1"/>
-              <a:t>pohyb</a:t>
-            </a:r>
-            <a:r>
-              <a:rPr lang="en-US" dirty="0"/>
-              <a:t> po </a:t>
-            </a:r>
-            <a:r>
-              <a:rPr lang="en-US" dirty="0" err="1"/>
-              <a:t>zadání</a:t>
-            </a:r>
-            <a:r>
-              <a:rPr lang="en-US" dirty="0"/>
-              <a:t> </a:t>
-            </a:r>
-            <a:r>
-              <a:rPr lang="en-US" dirty="0" err="1"/>
-              <a:t>všech</a:t>
-            </a:r>
-            <a:r>
-              <a:rPr lang="en-US" dirty="0"/>
-              <a:t> </a:t>
-            </a:r>
-            <a:r>
-              <a:rPr lang="en-US" dirty="0" err="1"/>
-              <a:t>kroků</a:t>
-            </a:r>
-            <a:endParaRPr lang="en-US" dirty="0"/>
-          </a:p>
-          <a:p>
-            <a:r>
-              <a:rPr lang="en-US" dirty="0"/>
-              <a:t>A </a:t>
-            </a:r>
-            <a:r>
-              <a:rPr lang="en-US" dirty="0" err="1"/>
-              <a:t>posledním</a:t>
-            </a:r>
-            <a:r>
-              <a:rPr lang="en-US" dirty="0"/>
-              <a:t> </a:t>
-            </a:r>
-            <a:r>
-              <a:rPr lang="en-US" dirty="0" err="1"/>
-              <a:t>tlačítkem</a:t>
-            </a:r>
-            <a:r>
-              <a:rPr lang="en-US" dirty="0"/>
-              <a:t> je </a:t>
-            </a:r>
-            <a:r>
-              <a:rPr lang="en-US" dirty="0" err="1"/>
-              <a:t>pokročaovat</a:t>
-            </a:r>
-            <a:r>
-              <a:rPr lang="en-US" dirty="0"/>
-              <a:t> </a:t>
-            </a:r>
-            <a:r>
-              <a:rPr lang="en-US" dirty="0" err="1"/>
-              <a:t>které</a:t>
-            </a:r>
-            <a:r>
-              <a:rPr lang="en-US" dirty="0"/>
-              <a:t> </a:t>
-            </a:r>
-            <a:r>
-              <a:rPr lang="en-US" dirty="0" err="1"/>
-              <a:t>zajištuje</a:t>
-            </a:r>
-            <a:r>
-              <a:rPr lang="en-US" dirty="0"/>
-              <a:t> to aby </a:t>
-            </a:r>
-            <a:r>
-              <a:rPr lang="en-US" dirty="0" err="1"/>
-              <a:t>vždy</a:t>
-            </a:r>
-            <a:r>
-              <a:rPr lang="en-US" dirty="0"/>
-              <a:t> po </a:t>
-            </a:r>
-            <a:r>
-              <a:rPr lang="en-US" dirty="0" err="1"/>
-              <a:t>každé</a:t>
-            </a:r>
-            <a:r>
-              <a:rPr lang="en-US" dirty="0"/>
-              <a:t> </a:t>
-            </a:r>
-            <a:r>
-              <a:rPr lang="en-US" dirty="0" err="1"/>
-              <a:t>změně</a:t>
-            </a:r>
-            <a:r>
-              <a:rPr lang="en-US" dirty="0"/>
-              <a:t> </a:t>
-            </a:r>
-            <a:r>
-              <a:rPr lang="en-US" dirty="0" err="1"/>
-              <a:t>svalu</a:t>
-            </a:r>
-            <a:r>
-              <a:rPr lang="en-US" dirty="0"/>
-              <a:t> </a:t>
-            </a:r>
-            <a:r>
-              <a:rPr lang="en-US" dirty="0" err="1"/>
-              <a:t>užiatel</a:t>
-            </a:r>
-            <a:r>
-              <a:rPr lang="en-US" dirty="0"/>
-              <a:t> </a:t>
-            </a:r>
-            <a:r>
-              <a:rPr lang="en-US" dirty="0" err="1"/>
-              <a:t>musel</a:t>
-            </a:r>
-            <a:r>
-              <a:rPr lang="en-US" dirty="0"/>
-              <a:t> </a:t>
-            </a:r>
-            <a:r>
-              <a:rPr lang="en-US" dirty="0" err="1"/>
-              <a:t>potvrdit</a:t>
-            </a:r>
-            <a:r>
-              <a:rPr lang="en-US" dirty="0"/>
-              <a:t> </a:t>
-            </a:r>
-            <a:r>
-              <a:rPr lang="en-US" dirty="0" err="1"/>
-              <a:t>že</a:t>
-            </a:r>
-            <a:r>
-              <a:rPr lang="en-US" dirty="0"/>
-              <a:t> ji </a:t>
-            </a:r>
-            <a:r>
-              <a:rPr lang="en-US" dirty="0" err="1"/>
-              <a:t>připraven</a:t>
-            </a:r>
-            <a:r>
-              <a:rPr lang="en-US" dirty="0"/>
-              <a:t> </a:t>
-            </a:r>
-            <a:r>
-              <a:rPr lang="en-US" dirty="0" err="1"/>
-              <a:t>provádět</a:t>
-            </a:r>
-            <a:r>
-              <a:rPr lang="en-US" dirty="0"/>
-              <a:t> </a:t>
-            </a:r>
-            <a:r>
-              <a:rPr lang="en-US" dirty="0" err="1"/>
-              <a:t>nová</a:t>
-            </a:r>
-            <a:r>
-              <a:rPr lang="en-US" dirty="0"/>
-              <a:t> </a:t>
-            </a:r>
-            <a:r>
-              <a:rPr lang="en-US" dirty="0" err="1"/>
-              <a:t>měření</a:t>
-            </a:r>
-            <a:r>
-              <a:rPr lang="en-US" dirty="0"/>
-              <a:t> </a:t>
-            </a:r>
-            <a:r>
-              <a:rPr lang="en-US" dirty="0" err="1"/>
-              <a:t>tento</a:t>
-            </a:r>
-            <a:r>
-              <a:rPr lang="en-US" dirty="0"/>
-              <a:t> </a:t>
-            </a:r>
-            <a:r>
-              <a:rPr lang="en-US" dirty="0" err="1"/>
-              <a:t>bezpečností</a:t>
-            </a:r>
-            <a:r>
-              <a:rPr lang="en-US" dirty="0"/>
-              <a:t> </a:t>
-            </a:r>
-            <a:r>
-              <a:rPr lang="en-US" dirty="0" err="1"/>
-              <a:t>prvek</a:t>
-            </a:r>
-            <a:r>
-              <a:rPr lang="en-US" dirty="0"/>
-              <a:t> je tam take z </a:t>
-            </a:r>
-            <a:r>
-              <a:rPr lang="en-US" dirty="0" err="1"/>
-              <a:t>hlediska</a:t>
-            </a:r>
-            <a:r>
-              <a:rPr lang="en-US" dirty="0"/>
-              <a:t> toho </a:t>
-            </a:r>
-            <a:r>
-              <a:rPr lang="en-US" dirty="0" err="1"/>
-              <a:t>že</a:t>
-            </a:r>
-            <a:r>
-              <a:rPr lang="en-US" dirty="0"/>
-              <a:t> </a:t>
-            </a:r>
-            <a:r>
-              <a:rPr lang="en-US" dirty="0" err="1"/>
-              <a:t>tlačítko</a:t>
-            </a:r>
-            <a:r>
-              <a:rPr lang="en-US" dirty="0"/>
-              <a:t> </a:t>
-            </a:r>
-            <a:r>
-              <a:rPr lang="en-US" dirty="0" err="1"/>
-              <a:t>krok</a:t>
-            </a:r>
-            <a:r>
-              <a:rPr lang="en-US" dirty="0"/>
-              <a:t> je </a:t>
-            </a:r>
-            <a:r>
-              <a:rPr lang="en-US" dirty="0" err="1"/>
-              <a:t>přiřazeno</a:t>
-            </a:r>
-            <a:r>
-              <a:rPr lang="en-US" dirty="0"/>
-              <a:t> </a:t>
-            </a:r>
-            <a:r>
-              <a:rPr lang="en-US" dirty="0" err="1"/>
-              <a:t>na</a:t>
-            </a:r>
-            <a:r>
-              <a:rPr lang="en-US" dirty="0"/>
-              <a:t> </a:t>
-            </a:r>
-            <a:r>
-              <a:rPr lang="en-US" dirty="0" err="1"/>
-              <a:t>klávesu</a:t>
-            </a:r>
-            <a:r>
-              <a:rPr lang="en-US" dirty="0"/>
-              <a:t> enter </a:t>
-            </a:r>
-            <a:r>
-              <a:rPr lang="en-US" dirty="0" err="1"/>
-              <a:t>takže</a:t>
-            </a:r>
-            <a:r>
-              <a:rPr lang="en-US" dirty="0"/>
-              <a:t> </a:t>
-            </a:r>
-            <a:r>
-              <a:rPr lang="en-US" dirty="0" err="1"/>
-              <a:t>uživatel</a:t>
-            </a:r>
-            <a:r>
-              <a:rPr lang="en-US" dirty="0"/>
-              <a:t> </a:t>
-            </a:r>
-            <a:r>
-              <a:rPr lang="en-US" dirty="0" err="1"/>
-              <a:t>může</a:t>
-            </a:r>
-            <a:r>
-              <a:rPr lang="en-US" dirty="0"/>
-              <a:t> </a:t>
-            </a:r>
-            <a:r>
-              <a:rPr lang="en-US" dirty="0" err="1"/>
-              <a:t>potvrzovat</a:t>
-            </a:r>
-            <a:r>
-              <a:rPr lang="en-US" dirty="0"/>
-              <a:t> bud </a:t>
-            </a:r>
-            <a:r>
-              <a:rPr lang="en-US" dirty="0" err="1"/>
-              <a:t>pomocí</a:t>
-            </a:r>
-            <a:r>
-              <a:rPr lang="en-US" dirty="0"/>
-              <a:t> </a:t>
-            </a:r>
-            <a:r>
-              <a:rPr lang="en-US" dirty="0" err="1"/>
-              <a:t>tlačítka</a:t>
-            </a:r>
-            <a:r>
-              <a:rPr lang="en-US" dirty="0"/>
-              <a:t> </a:t>
-            </a:r>
-            <a:r>
-              <a:rPr lang="en-US" dirty="0" err="1"/>
-              <a:t>nebo</a:t>
-            </a:r>
-            <a:r>
-              <a:rPr lang="en-US" dirty="0"/>
-              <a:t> </a:t>
-            </a:r>
-            <a:r>
-              <a:rPr lang="en-US" dirty="0" err="1"/>
-              <a:t>klávesy</a:t>
-            </a:r>
             <a:endParaRPr lang="en-US" dirty="0"/>
           </a:p>
         </p:txBody>
@@ -3086,566 +1119,6 @@
           <a:bodyPr/>
           <a:lstStyle/>
           <a:p>
-            <a:r>
-              <a:rPr lang="en-US" dirty="0" err="1"/>
-              <a:t>Posledním</a:t>
-            </a:r>
-            <a:r>
-              <a:rPr lang="en-US" dirty="0"/>
-              <a:t> </a:t>
-            </a:r>
-            <a:r>
-              <a:rPr lang="en-US" dirty="0" err="1"/>
-              <a:t>oknonem</a:t>
-            </a:r>
-            <a:r>
-              <a:rPr lang="en-US" dirty="0"/>
-              <a:t> je </a:t>
-            </a:r>
-            <a:r>
-              <a:rPr lang="en-US" dirty="0" err="1"/>
-              <a:t>grafické</a:t>
-            </a:r>
-            <a:r>
-              <a:rPr lang="en-US" dirty="0"/>
-              <a:t> </a:t>
-            </a:r>
-            <a:r>
-              <a:rPr lang="en-US" dirty="0" err="1"/>
-              <a:t>zobrazení</a:t>
-            </a:r>
-            <a:r>
-              <a:rPr lang="en-US" dirty="0"/>
-              <a:t> database </a:t>
-            </a:r>
-            <a:r>
-              <a:rPr lang="en-US" dirty="0" err="1"/>
-              <a:t>kde</a:t>
-            </a:r>
-            <a:r>
-              <a:rPr lang="en-US" dirty="0"/>
-              <a:t> </a:t>
-            </a:r>
-            <a:r>
-              <a:rPr lang="en-US" dirty="0" err="1"/>
-              <a:t>uživatel</a:t>
-            </a:r>
-            <a:r>
-              <a:rPr lang="en-US" dirty="0"/>
-              <a:t> </a:t>
-            </a:r>
-            <a:r>
-              <a:rPr lang="en-US" dirty="0" err="1"/>
-              <a:t>může</a:t>
-            </a:r>
-            <a:r>
-              <a:rPr lang="en-US" dirty="0"/>
-              <a:t> </a:t>
-            </a:r>
-            <a:r>
-              <a:rPr lang="en-US" dirty="0" err="1"/>
-              <a:t>vytvářet</a:t>
-            </a:r>
-            <a:r>
-              <a:rPr lang="en-US" dirty="0"/>
-              <a:t> </a:t>
-            </a:r>
-            <a:r>
-              <a:rPr lang="en-US" dirty="0" err="1"/>
-              <a:t>nové</a:t>
-            </a:r>
-            <a:r>
-              <a:rPr lang="en-US" dirty="0"/>
-              <a:t> </a:t>
-            </a:r>
-            <a:r>
-              <a:rPr lang="en-US" dirty="0" err="1"/>
-              <a:t>nebo</a:t>
-            </a:r>
-            <a:r>
-              <a:rPr lang="en-US" dirty="0"/>
-              <a:t> </a:t>
-            </a:r>
-            <a:r>
-              <a:rPr lang="en-US" dirty="0" err="1"/>
-              <a:t>upravovat</a:t>
-            </a:r>
-            <a:r>
-              <a:rPr lang="en-US" dirty="0"/>
-              <a:t> stare </a:t>
-            </a:r>
-            <a:r>
-              <a:rPr lang="en-US" dirty="0" err="1"/>
-              <a:t>převodní</a:t>
-            </a:r>
-            <a:r>
-              <a:rPr lang="en-US" dirty="0"/>
-              <a:t> </a:t>
-            </a:r>
-            <a:r>
-              <a:rPr lang="en-US" dirty="0" err="1"/>
-              <a:t>svaly</a:t>
-            </a:r>
-            <a:br>
-              <a:rPr lang="en-US" dirty="0"/>
-            </a:br>
-            <a:r>
-              <a:rPr lang="en-US" dirty="0" err="1"/>
-              <a:t>zde</a:t>
-            </a:r>
-            <a:r>
-              <a:rPr lang="en-US" dirty="0"/>
-              <a:t> </a:t>
-            </a:r>
-            <a:r>
-              <a:rPr lang="en-US" dirty="0" err="1"/>
-              <a:t>jsou</a:t>
-            </a:r>
-            <a:r>
-              <a:rPr lang="en-US" dirty="0"/>
-              <a:t> 4 </a:t>
-            </a:r>
-            <a:r>
-              <a:rPr lang="en-US" dirty="0" err="1"/>
-              <a:t>hlavní</a:t>
-            </a:r>
-            <a:r>
-              <a:rPr lang="en-US" dirty="0"/>
-              <a:t> </a:t>
-            </a:r>
-            <a:r>
-              <a:rPr lang="en-US" dirty="0" err="1"/>
-              <a:t>komponenty</a:t>
-            </a:r>
-            <a:br>
-              <a:rPr lang="en-US" dirty="0"/>
-            </a:br>
-            <a:r>
-              <a:rPr lang="en-US" dirty="0" err="1"/>
-              <a:t>první</a:t>
-            </a:r>
-            <a:r>
-              <a:rPr lang="en-US" dirty="0"/>
-              <a:t> je </a:t>
-            </a:r>
-            <a:r>
-              <a:rPr lang="en-US" dirty="0" err="1"/>
-              <a:t>název</a:t>
-            </a:r>
-            <a:r>
-              <a:rPr lang="en-US" dirty="0"/>
-              <a:t> </a:t>
-            </a:r>
-            <a:r>
-              <a:rPr lang="en-US" dirty="0" err="1"/>
-              <a:t>vzorce</a:t>
-            </a:r>
-            <a:r>
-              <a:rPr lang="en-US" dirty="0"/>
-              <a:t> </a:t>
-            </a:r>
-            <a:r>
-              <a:rPr lang="en-US" dirty="0" err="1"/>
-              <a:t>vedle</a:t>
-            </a:r>
-            <a:r>
-              <a:rPr lang="en-US" dirty="0"/>
-              <a:t> toho je </a:t>
-            </a:r>
-            <a:r>
-              <a:rPr lang="en-US" dirty="0" err="1"/>
-              <a:t>kolikátý</a:t>
-            </a:r>
-            <a:r>
-              <a:rPr lang="en-US" dirty="0"/>
-              <a:t> </a:t>
-            </a:r>
-            <a:r>
-              <a:rPr lang="en-US" dirty="0" err="1"/>
-              <a:t>převodní</a:t>
-            </a:r>
-            <a:r>
-              <a:rPr lang="en-US" dirty="0"/>
-              <a:t> </a:t>
-            </a:r>
-            <a:r>
-              <a:rPr lang="en-US" dirty="0" err="1"/>
-              <a:t>vzorec</a:t>
-            </a:r>
-            <a:r>
-              <a:rPr lang="en-US" dirty="0"/>
-              <a:t> je </a:t>
-            </a:r>
-            <a:r>
-              <a:rPr lang="en-US" dirty="0" err="1"/>
-              <a:t>aktuální</a:t>
-            </a:r>
-            <a:r>
-              <a:rPr lang="en-US" dirty="0"/>
-              <a:t> </a:t>
-            </a:r>
-            <a:r>
-              <a:rPr lang="en-US" dirty="0" err="1"/>
-              <a:t>aktivní</a:t>
-            </a:r>
-            <a:r>
-              <a:rPr lang="en-US" dirty="0"/>
-              <a:t> </a:t>
-            </a:r>
-            <a:br>
-              <a:rPr lang="en-US" dirty="0"/>
-            </a:br>
-            <a:r>
-              <a:rPr lang="en-US" dirty="0" err="1"/>
-              <a:t>poté</a:t>
-            </a:r>
-            <a:r>
-              <a:rPr lang="en-US" dirty="0"/>
-              <a:t> </a:t>
-            </a:r>
-            <a:r>
-              <a:rPr lang="en-US" dirty="0" err="1"/>
-              <a:t>na</a:t>
-            </a:r>
-            <a:r>
-              <a:rPr lang="en-US" dirty="0"/>
-              <a:t> parvo od toho se </a:t>
-            </a:r>
-            <a:r>
-              <a:rPr lang="en-US" dirty="0" err="1"/>
-              <a:t>nachází</a:t>
-            </a:r>
-            <a:r>
-              <a:rPr lang="en-US" dirty="0"/>
-              <a:t> </a:t>
-            </a:r>
-            <a:r>
-              <a:rPr lang="en-US" dirty="0" err="1"/>
-              <a:t>tlačítko</a:t>
-            </a:r>
-            <a:r>
-              <a:rPr lang="en-US" dirty="0"/>
-              <a:t> </a:t>
-            </a:r>
-            <a:r>
-              <a:rPr lang="en-US" dirty="0" err="1"/>
-              <a:t>nový</a:t>
-            </a:r>
-            <a:r>
-              <a:rPr lang="en-US" dirty="0"/>
-              <a:t> </a:t>
-            </a:r>
-            <a:r>
-              <a:rPr lang="en-US" dirty="0" err="1"/>
-              <a:t>pomocí</a:t>
-            </a:r>
-            <a:r>
-              <a:rPr lang="en-US" dirty="0"/>
-              <a:t> </a:t>
-            </a:r>
-            <a:r>
-              <a:rPr lang="en-US" dirty="0" err="1"/>
-              <a:t>kterého</a:t>
-            </a:r>
-            <a:r>
-              <a:rPr lang="en-US" dirty="0"/>
-              <a:t> je administrator </a:t>
-            </a:r>
-            <a:r>
-              <a:rPr lang="en-US" dirty="0" err="1"/>
-              <a:t>schopen</a:t>
-            </a:r>
-            <a:r>
-              <a:rPr lang="en-US" dirty="0"/>
-              <a:t> </a:t>
-            </a:r>
-            <a:r>
-              <a:rPr lang="en-US" dirty="0" err="1"/>
-              <a:t>vytvořit</a:t>
-            </a:r>
-            <a:r>
-              <a:rPr lang="en-US" dirty="0"/>
-              <a:t> </a:t>
-            </a:r>
-            <a:r>
-              <a:rPr lang="en-US" dirty="0" err="1"/>
-              <a:t>nový</a:t>
-            </a:r>
-            <a:r>
-              <a:rPr lang="en-US" dirty="0"/>
-              <a:t> </a:t>
-            </a:r>
-            <a:r>
-              <a:rPr lang="en-US" dirty="0" err="1"/>
-              <a:t>převodní</a:t>
-            </a:r>
-            <a:r>
-              <a:rPr lang="en-US" dirty="0"/>
-              <a:t> </a:t>
-            </a:r>
-            <a:r>
-              <a:rPr lang="en-US" dirty="0" err="1"/>
-              <a:t>vzorec</a:t>
-            </a:r>
-            <a:r>
-              <a:rPr lang="en-US" dirty="0"/>
-              <a:t> </a:t>
-            </a:r>
-            <a:br>
-              <a:rPr lang="en-US" dirty="0"/>
-            </a:br>
-            <a:r>
-              <a:rPr lang="en-US" dirty="0"/>
-              <a:t>a </a:t>
-            </a:r>
-            <a:r>
-              <a:rPr lang="en-US" dirty="0" err="1"/>
-              <a:t>poslední</a:t>
-            </a:r>
-            <a:r>
-              <a:rPr lang="en-US" dirty="0"/>
-              <a:t> entry pole to je </a:t>
-            </a:r>
-            <a:r>
-              <a:rPr lang="en-US" dirty="0" err="1"/>
-              <a:t>zvoleno</a:t>
-            </a:r>
-            <a:r>
-              <a:rPr lang="en-US" dirty="0"/>
-              <a:t> </a:t>
-            </a:r>
-            <a:r>
-              <a:rPr lang="en-US" dirty="0" err="1"/>
-              <a:t>především</a:t>
-            </a:r>
-            <a:r>
-              <a:rPr lang="en-US" dirty="0"/>
-              <a:t> z toho </a:t>
-            </a:r>
-            <a:r>
-              <a:rPr lang="en-US" dirty="0" err="1"/>
-              <a:t>důvodu</a:t>
-            </a:r>
-            <a:r>
-              <a:rPr lang="en-US" dirty="0"/>
-              <a:t> aby </a:t>
-            </a:r>
-            <a:r>
-              <a:rPr lang="en-US" dirty="0" err="1"/>
-              <a:t>operátorovy</a:t>
-            </a:r>
-            <a:r>
-              <a:rPr lang="en-US" dirty="0"/>
-              <a:t> </a:t>
-            </a:r>
-            <a:r>
-              <a:rPr lang="en-US" dirty="0" err="1"/>
-              <a:t>ulehčil</a:t>
-            </a:r>
-            <a:r>
-              <a:rPr lang="en-US" dirty="0"/>
-              <a:t> </a:t>
-            </a:r>
-            <a:r>
-              <a:rPr lang="en-US" dirty="0" err="1"/>
-              <a:t>práci</a:t>
-            </a:r>
-            <a:r>
-              <a:rPr lang="en-US" dirty="0"/>
-              <a:t> s </a:t>
-            </a:r>
-            <a:r>
-              <a:rPr lang="en-US" dirty="0" err="1"/>
-              <a:t>tím</a:t>
-            </a:r>
-            <a:r>
-              <a:rPr lang="en-US" dirty="0"/>
-              <a:t> aby </a:t>
-            </a:r>
-            <a:r>
-              <a:rPr lang="en-US" dirty="0" err="1"/>
-              <a:t>nemusel</a:t>
-            </a:r>
-            <a:r>
-              <a:rPr lang="en-US" dirty="0"/>
-              <a:t> </a:t>
-            </a:r>
-            <a:r>
-              <a:rPr lang="en-US" dirty="0" err="1"/>
-              <a:t>otevírat</a:t>
-            </a:r>
-            <a:r>
-              <a:rPr lang="en-US" dirty="0"/>
-              <a:t> </a:t>
-            </a:r>
-            <a:r>
-              <a:rPr lang="en-US" dirty="0" err="1"/>
-              <a:t>editovací</a:t>
-            </a:r>
-            <a:r>
-              <a:rPr lang="en-US" dirty="0"/>
-              <a:t> </a:t>
-            </a:r>
-            <a:r>
-              <a:rPr lang="en-US" dirty="0" err="1"/>
-              <a:t>mód</a:t>
-            </a:r>
-            <a:r>
-              <a:rPr lang="en-US" dirty="0"/>
-              <a:t> </a:t>
-            </a:r>
-            <a:r>
-              <a:rPr lang="en-US" dirty="0" err="1"/>
-              <a:t>takhle</a:t>
-            </a:r>
-            <a:r>
-              <a:rPr lang="en-US" dirty="0"/>
-              <a:t> </a:t>
-            </a:r>
-            <a:r>
-              <a:rPr lang="en-US" dirty="0" err="1"/>
-              <a:t>jenom</a:t>
-            </a:r>
-            <a:r>
-              <a:rPr lang="en-US" dirty="0"/>
-              <a:t> </a:t>
-            </a:r>
-            <a:r>
-              <a:rPr lang="en-US" dirty="0" err="1"/>
-              <a:t>jednoduše</a:t>
-            </a:r>
-            <a:r>
-              <a:rPr lang="en-US" dirty="0"/>
-              <a:t> </a:t>
-            </a:r>
-            <a:r>
-              <a:rPr lang="en-US" dirty="0" err="1"/>
-              <a:t>upraví</a:t>
-            </a:r>
-            <a:r>
-              <a:rPr lang="en-US" dirty="0"/>
-              <a:t> to co </a:t>
-            </a:r>
-            <a:r>
-              <a:rPr lang="en-US" dirty="0" err="1"/>
-              <a:t>potřebude</a:t>
-            </a:r>
-            <a:r>
-              <a:rPr lang="en-US" dirty="0"/>
-              <a:t> a </a:t>
-            </a:r>
-            <a:r>
-              <a:rPr lang="en-US" dirty="0" err="1"/>
-              <a:t>zmačkne</a:t>
-            </a:r>
-            <a:r>
-              <a:rPr lang="en-US" dirty="0"/>
-              <a:t> </a:t>
-            </a:r>
-            <a:r>
-              <a:rPr lang="en-US" dirty="0" err="1"/>
-              <a:t>tlačítko</a:t>
-            </a:r>
-            <a:r>
-              <a:rPr lang="en-US" dirty="0"/>
-              <a:t> </a:t>
-            </a:r>
-            <a:r>
-              <a:rPr lang="en-US" dirty="0" err="1"/>
-              <a:t>upravit</a:t>
-            </a:r>
-            <a:r>
-              <a:rPr lang="en-US" dirty="0"/>
-              <a:t> toto </a:t>
-            </a:r>
-            <a:r>
-              <a:rPr lang="en-US" dirty="0" err="1"/>
-              <a:t>tlačítko</a:t>
-            </a:r>
-            <a:r>
-              <a:rPr lang="en-US" dirty="0"/>
-              <a:t> </a:t>
-            </a:r>
-            <a:r>
-              <a:rPr lang="en-US" dirty="0" err="1"/>
-              <a:t>má</a:t>
-            </a:r>
-            <a:r>
-              <a:rPr lang="en-US" dirty="0"/>
-              <a:t> </a:t>
-            </a:r>
-            <a:r>
-              <a:rPr lang="en-US" dirty="0" err="1"/>
-              <a:t>zároven</a:t>
-            </a:r>
-            <a:r>
-              <a:rPr lang="en-US" dirty="0"/>
-              <a:t> take </a:t>
-            </a:r>
-            <a:r>
-              <a:rPr lang="en-US" dirty="0" err="1"/>
-              <a:t>vlastnost</a:t>
-            </a:r>
-            <a:r>
-              <a:rPr lang="en-US" dirty="0"/>
-              <a:t> </a:t>
-            </a:r>
-            <a:r>
-              <a:rPr lang="en-US" dirty="0" err="1"/>
-              <a:t>že</a:t>
-            </a:r>
-            <a:r>
-              <a:rPr lang="en-US" dirty="0"/>
-              <a:t> </a:t>
-            </a:r>
-            <a:r>
-              <a:rPr lang="en-US" dirty="0" err="1"/>
-              <a:t>daný</a:t>
-            </a:r>
-            <a:r>
-              <a:rPr lang="en-US" dirty="0"/>
-              <a:t> </a:t>
-            </a:r>
-            <a:r>
-              <a:rPr lang="en-US" dirty="0" err="1"/>
-              <a:t>převodní</a:t>
-            </a:r>
-            <a:r>
-              <a:rPr lang="en-US" dirty="0"/>
-              <a:t> </a:t>
-            </a:r>
-            <a:r>
-              <a:rPr lang="en-US" dirty="0" err="1"/>
-              <a:t>vzorec</a:t>
-            </a:r>
-            <a:r>
-              <a:rPr lang="en-US" dirty="0"/>
-              <a:t> </a:t>
-            </a:r>
-            <a:r>
-              <a:rPr lang="en-US" dirty="0" err="1"/>
-              <a:t>nastaví</a:t>
-            </a:r>
-            <a:r>
-              <a:rPr lang="en-US" dirty="0"/>
-              <a:t> </a:t>
-            </a:r>
-            <a:r>
-              <a:rPr lang="en-US" dirty="0" err="1"/>
-              <a:t>jako</a:t>
-            </a:r>
-            <a:r>
-              <a:rPr lang="en-US" dirty="0"/>
-              <a:t> </a:t>
-            </a:r>
-            <a:r>
-              <a:rPr lang="en-US" dirty="0" err="1"/>
-              <a:t>aktivní</a:t>
-            </a:r>
-            <a:r>
-              <a:rPr lang="en-US" dirty="0"/>
-              <a:t>.</a:t>
-            </a:r>
             <a:endParaRPr lang="cs-CZ" dirty="0"/>
           </a:p>
         </p:txBody>
@@ -3676,7 +1149,7 @@
     </p:spTree>
     <p:extLst>
       <p:ext uri="{BB962C8B-B14F-4D97-AF65-F5344CB8AC3E}">
-        <p14:creationId xmlns:p14="http://schemas.microsoft.com/office/powerpoint/2010/main" val="1134747718"/>
+        <p14:creationId xmlns:p14="http://schemas.microsoft.com/office/powerpoint/2010/main" val="4065488519"/>
       </p:ext>
     </p:extLst>
   </p:cSld>
@@ -3730,322 +1203,6 @@
           <a:bodyPr/>
           <a:lstStyle/>
           <a:p>
-            <a:r>
-              <a:rPr lang="en-US" dirty="0" err="1"/>
-              <a:t>Pokud</a:t>
-            </a:r>
-            <a:r>
-              <a:rPr lang="en-US" dirty="0"/>
-              <a:t> se </a:t>
-            </a:r>
-            <a:r>
-              <a:rPr lang="en-US" dirty="0" err="1"/>
-              <a:t>uživat</a:t>
-            </a:r>
-            <a:r>
-              <a:rPr lang="en-US" dirty="0"/>
-              <a:t> </a:t>
-            </a:r>
-            <a:r>
-              <a:rPr lang="en-US" dirty="0" err="1"/>
-              <a:t>uspešně</a:t>
-            </a:r>
-            <a:r>
-              <a:rPr lang="en-US" dirty="0"/>
-              <a:t> </a:t>
-            </a:r>
-            <a:r>
-              <a:rPr lang="en-US" dirty="0" err="1"/>
-              <a:t>přihlásí</a:t>
-            </a:r>
-            <a:r>
-              <a:rPr lang="en-US" dirty="0"/>
-              <a:t> </a:t>
-            </a:r>
-            <a:r>
-              <a:rPr lang="en-US" dirty="0" err="1"/>
-              <a:t>zobrazí</a:t>
-            </a:r>
-            <a:r>
-              <a:rPr lang="en-US" dirty="0"/>
-              <a:t> se mu toto </a:t>
-            </a:r>
-            <a:r>
-              <a:rPr lang="en-US" dirty="0" err="1"/>
-              <a:t>okno</a:t>
-            </a:r>
-            <a:endParaRPr lang="en-US" dirty="0"/>
-          </a:p>
-          <a:p>
-            <a:r>
-              <a:rPr lang="en-US" dirty="0"/>
-              <a:t>V </a:t>
-            </a:r>
-            <a:r>
-              <a:rPr lang="en-US" dirty="0" err="1"/>
-              <a:t>levé</a:t>
-            </a:r>
-            <a:r>
-              <a:rPr lang="en-US" dirty="0"/>
-              <a:t> </a:t>
-            </a:r>
-            <a:r>
-              <a:rPr lang="en-US" dirty="0" err="1"/>
-              <a:t>části</a:t>
-            </a:r>
-            <a:r>
-              <a:rPr lang="en-US" dirty="0"/>
-              <a:t> </a:t>
-            </a:r>
-            <a:r>
-              <a:rPr lang="en-US" dirty="0" err="1"/>
-              <a:t>okna</a:t>
-            </a:r>
-            <a:r>
-              <a:rPr lang="en-US" dirty="0"/>
-              <a:t> se </a:t>
-            </a:r>
-            <a:r>
-              <a:rPr lang="en-US" dirty="0" err="1"/>
-              <a:t>nachízí</a:t>
-            </a:r>
-            <a:r>
-              <a:rPr lang="en-US" dirty="0"/>
-              <a:t> </a:t>
-            </a:r>
-            <a:r>
-              <a:rPr lang="en-US" dirty="0" err="1"/>
-              <a:t>přčedvolené</a:t>
-            </a:r>
-            <a:r>
-              <a:rPr lang="en-US" dirty="0"/>
-              <a:t> </a:t>
-            </a:r>
-            <a:r>
-              <a:rPr lang="en-US" dirty="0" err="1"/>
-              <a:t>akce</a:t>
-            </a:r>
-            <a:r>
-              <a:rPr lang="en-US" dirty="0"/>
-              <a:t> </a:t>
-            </a:r>
-            <a:r>
-              <a:rPr lang="en-US" dirty="0" err="1"/>
-              <a:t>které</a:t>
-            </a:r>
-            <a:r>
-              <a:rPr lang="en-US" dirty="0"/>
-              <a:t> </a:t>
-            </a:r>
-            <a:r>
-              <a:rPr lang="en-US" dirty="0" err="1"/>
-              <a:t>vykonávají</a:t>
-            </a:r>
-            <a:r>
-              <a:rPr lang="en-US" dirty="0"/>
-              <a:t> </a:t>
-            </a:r>
-            <a:r>
-              <a:rPr lang="en-US" dirty="0" err="1"/>
-              <a:t>sekvenci</a:t>
-            </a:r>
-            <a:r>
-              <a:rPr lang="en-US" dirty="0"/>
-              <a:t> </a:t>
-            </a:r>
-            <a:r>
-              <a:rPr lang="en-US" dirty="0" err="1"/>
-              <a:t>pohybu</a:t>
-            </a:r>
-            <a:endParaRPr lang="en-US" dirty="0"/>
-          </a:p>
-          <a:p>
-            <a:r>
-              <a:rPr lang="en-US" dirty="0" err="1"/>
-              <a:t>Uprostřed</a:t>
-            </a:r>
-            <a:r>
-              <a:rPr lang="en-US" dirty="0"/>
-              <a:t> se </a:t>
-            </a:r>
-            <a:r>
-              <a:rPr lang="en-US" dirty="0" err="1"/>
-              <a:t>nachází</a:t>
-            </a:r>
-            <a:r>
-              <a:rPr lang="en-US" dirty="0"/>
-              <a:t> </a:t>
-            </a:r>
-            <a:r>
-              <a:rPr lang="en-US" dirty="0" err="1"/>
-              <a:t>samotné</a:t>
-            </a:r>
-            <a:r>
-              <a:rPr lang="en-US" dirty="0"/>
-              <a:t> </a:t>
-            </a:r>
-            <a:r>
-              <a:rPr lang="en-US" dirty="0" err="1"/>
-              <a:t>nezávislé</a:t>
-            </a:r>
-            <a:r>
-              <a:rPr lang="en-US" dirty="0"/>
-              <a:t> </a:t>
-            </a:r>
-            <a:r>
-              <a:rPr lang="en-US" dirty="0" err="1"/>
-              <a:t>ovládání</a:t>
-            </a:r>
-            <a:r>
-              <a:rPr lang="en-US" dirty="0"/>
-              <a:t> </a:t>
-            </a:r>
-            <a:r>
-              <a:rPr lang="en-US" dirty="0" err="1"/>
-              <a:t>kde</a:t>
-            </a:r>
-            <a:r>
-              <a:rPr lang="en-US" dirty="0"/>
-              <a:t> </a:t>
-            </a:r>
-            <a:r>
-              <a:rPr lang="en-US" dirty="0" err="1"/>
-              <a:t>může</a:t>
-            </a:r>
-            <a:r>
-              <a:rPr lang="en-US" dirty="0"/>
-              <a:t> </a:t>
-            </a:r>
-            <a:r>
-              <a:rPr lang="en-US" dirty="0" err="1"/>
-              <a:t>uživatel</a:t>
-            </a:r>
-            <a:r>
-              <a:rPr lang="en-US" dirty="0"/>
-              <a:t> </a:t>
-            </a:r>
-            <a:r>
-              <a:rPr lang="en-US" dirty="0" err="1"/>
-              <a:t>ovládat</a:t>
-            </a:r>
-            <a:r>
-              <a:rPr lang="en-US" dirty="0"/>
-              <a:t> </a:t>
-            </a:r>
-            <a:r>
-              <a:rPr lang="en-US" dirty="0" err="1"/>
-              <a:t>každý</a:t>
-            </a:r>
-            <a:r>
-              <a:rPr lang="en-US" dirty="0"/>
-              <a:t> </a:t>
-            </a:r>
-            <a:r>
-              <a:rPr lang="en-US" dirty="0" err="1"/>
-              <a:t>sval</a:t>
-            </a:r>
-            <a:r>
-              <a:rPr lang="en-US" dirty="0"/>
-              <a:t> </a:t>
-            </a:r>
-            <a:r>
-              <a:rPr lang="en-US" dirty="0" err="1"/>
-              <a:t>samostatně</a:t>
-            </a:r>
-            <a:r>
-              <a:rPr lang="en-US" dirty="0"/>
-              <a:t> </a:t>
-            </a:r>
-          </a:p>
-          <a:p>
-            <a:r>
-              <a:rPr lang="en-US" dirty="0"/>
-              <a:t>A v </a:t>
-            </a:r>
-            <a:r>
-              <a:rPr lang="en-US" dirty="0" err="1"/>
-              <a:t>pravé</a:t>
-            </a:r>
-            <a:r>
-              <a:rPr lang="en-US" dirty="0"/>
-              <a:t> </a:t>
-            </a:r>
-            <a:r>
-              <a:rPr lang="en-US" dirty="0" err="1"/>
-              <a:t>části</a:t>
-            </a:r>
-            <a:r>
-              <a:rPr lang="en-US" dirty="0"/>
-              <a:t> se </a:t>
-            </a:r>
-            <a:r>
-              <a:rPr lang="en-US" dirty="0" err="1"/>
-              <a:t>nachízí</a:t>
-            </a:r>
-            <a:r>
-              <a:rPr lang="en-US" dirty="0"/>
-              <a:t> </a:t>
-            </a:r>
-            <a:r>
-              <a:rPr lang="en-US" dirty="0" err="1"/>
-              <a:t>jednotky</a:t>
-            </a:r>
-            <a:r>
-              <a:rPr lang="en-US" dirty="0"/>
-              <a:t> </a:t>
-            </a:r>
-            <a:r>
-              <a:rPr lang="en-US" dirty="0" err="1"/>
-              <a:t>pomocí</a:t>
-            </a:r>
-            <a:r>
-              <a:rPr lang="en-US" dirty="0"/>
-              <a:t> </a:t>
-            </a:r>
-            <a:r>
-              <a:rPr lang="en-US" dirty="0" err="1"/>
-              <a:t>kterých</a:t>
-            </a:r>
-            <a:r>
-              <a:rPr lang="en-US" dirty="0"/>
-              <a:t> </a:t>
-            </a:r>
-            <a:r>
-              <a:rPr lang="en-US" dirty="0" err="1"/>
-              <a:t>může</a:t>
-            </a:r>
-            <a:r>
-              <a:rPr lang="en-US" dirty="0"/>
-              <a:t> </a:t>
-            </a:r>
-            <a:r>
-              <a:rPr lang="en-US" dirty="0" err="1"/>
-              <a:t>uživatel</a:t>
-            </a:r>
-            <a:r>
-              <a:rPr lang="en-US" dirty="0"/>
-              <a:t> </a:t>
-            </a:r>
-            <a:r>
-              <a:rPr lang="en-US" dirty="0" err="1"/>
-              <a:t>danou</a:t>
-            </a:r>
-            <a:r>
-              <a:rPr lang="en-US" dirty="0"/>
-              <a:t> </a:t>
-            </a:r>
-            <a:r>
-              <a:rPr lang="en-US" dirty="0" err="1"/>
-              <a:t>soustavu</a:t>
-            </a:r>
-            <a:r>
-              <a:rPr lang="en-US" dirty="0"/>
-              <a:t> </a:t>
-            </a:r>
-            <a:r>
-              <a:rPr lang="en-US" dirty="0" err="1"/>
-              <a:t>ovládat</a:t>
-            </a:r>
             <a:endParaRPr lang="cs-CZ" dirty="0"/>
           </a:p>
         </p:txBody>
@@ -4076,7 +1233,7 @@
     </p:spTree>
     <p:extLst>
       <p:ext uri="{BB962C8B-B14F-4D97-AF65-F5344CB8AC3E}">
-        <p14:creationId xmlns:p14="http://schemas.microsoft.com/office/powerpoint/2010/main" val="75704005"/>
+        <p14:creationId xmlns:p14="http://schemas.microsoft.com/office/powerpoint/2010/main" val="1134747718"/>
       </p:ext>
     </p:extLst>
   </p:cSld>
@@ -4130,66 +1287,7 @@
           <a:bodyPr/>
           <a:lstStyle/>
           <a:p>
-            <a:r>
-              <a:rPr lang="en-US" dirty="0"/>
-              <a:t>Ve </a:t>
-            </a:r>
-            <a:r>
-              <a:rPr lang="en-US" dirty="0" err="1"/>
-              <a:t>své</a:t>
-            </a:r>
-            <a:r>
-              <a:rPr lang="en-US" dirty="0"/>
-              <a:t> </a:t>
-            </a:r>
-            <a:r>
-              <a:rPr lang="en-US" dirty="0" err="1"/>
-              <a:t>práci</a:t>
-            </a:r>
-            <a:r>
-              <a:rPr lang="en-US" dirty="0"/>
-              <a:t> </a:t>
-            </a:r>
-            <a:r>
-              <a:rPr lang="en-US" dirty="0" err="1"/>
-              <a:t>jsem</a:t>
-            </a:r>
-            <a:r>
-              <a:rPr lang="en-US" dirty="0"/>
-              <a:t> </a:t>
-            </a:r>
-            <a:r>
-              <a:rPr lang="en-US" dirty="0" err="1"/>
-              <a:t>splnil</a:t>
-            </a:r>
-            <a:r>
-              <a:rPr lang="en-US" dirty="0"/>
-              <a:t> </a:t>
-            </a:r>
-            <a:r>
-              <a:rPr lang="en-US" dirty="0" err="1"/>
-              <a:t>veškeré</a:t>
-            </a:r>
-            <a:r>
-              <a:rPr lang="en-US" dirty="0"/>
-              <a:t> </a:t>
-            </a:r>
-            <a:r>
-              <a:rPr lang="en-US" dirty="0" err="1"/>
-              <a:t>vztyčené</a:t>
-            </a:r>
-            <a:r>
-              <a:rPr lang="en-US" dirty="0"/>
-              <a:t> </a:t>
-            </a:r>
-            <a:r>
-              <a:rPr lang="en-US" dirty="0" err="1"/>
-              <a:t>cíle</a:t>
-            </a:r>
-            <a:r>
-              <a:rPr lang="en-US" dirty="0"/>
-              <a:t>.</a:t>
-            </a:r>
+            <a:endParaRPr lang="cs-CZ" dirty="0"/>
           </a:p>
         </p:txBody>
       </p:sp>
@@ -4219,7 +1317,7 @@
     </p:spTree>
     <p:extLst>
       <p:ext uri="{BB962C8B-B14F-4D97-AF65-F5344CB8AC3E}">
-        <p14:creationId xmlns:p14="http://schemas.microsoft.com/office/powerpoint/2010/main" val="4171444834"/>
+        <p14:creationId xmlns:p14="http://schemas.microsoft.com/office/powerpoint/2010/main" val="75704005"/>
       </p:ext>
     </p:extLst>
   </p:cSld>
@@ -4273,7 +1371,7 @@
           <a:bodyPr/>
           <a:lstStyle/>
           <a:p>
-            <a:endParaRPr lang="cs-CZ"/>
+            <a:endParaRPr lang="en-US" dirty="0"/>
           </a:p>
         </p:txBody>
       </p:sp>
@@ -4295,6 +1393,90 @@
             <a:fld id="{40499985-F144-4F30-9B65-93EDEC442801}" type="slidenum">
               <a:rPr lang="cs-CZ" smtClean="0"/>
               <a:t>19</a:t>
+            </a:fld>
+            <a:endParaRPr lang="cs-CZ"/>
+          </a:p>
+        </p:txBody>
+      </p:sp>
+    </p:spTree>
+    <p:extLst>
+      <p:ext uri="{BB962C8B-B14F-4D97-AF65-F5344CB8AC3E}">
+        <p14:creationId xmlns:p14="http://schemas.microsoft.com/office/powerpoint/2010/main" val="4171444834"/>
+      </p:ext>
+    </p:extLst>
+  </p:cSld>
+  <p:clrMapOvr>
+    <a:masterClrMapping/>
+  </p:clrMapOvr>
+</p:notes>
+</file>
+
+<file path=ppt/notesSlides/notesSlide19.xml><?xml version="1.0" encoding="utf-8"?>
+<p:notes xmlns:a="http://schemas.openxmlformats.org/drawingml/2006/main" xmlns:r="http://schemas.openxmlformats.org/officeDocument/2006/relationships" xmlns:p="http://schemas.openxmlformats.org/presentationml/2006/main">
+  <p:cSld>
+    <p:spTree>
+      <p:nvGrpSpPr>
+        <p:cNvPr id="1" name=""/>
+        <p:cNvGrpSpPr/>
+        <p:nvPr/>
+      </p:nvGrpSpPr>
+      <p:grpSpPr>
+        <a:xfrm>
+          <a:off x="0" y="0"/>
+          <a:ext cx="0" cy="0"/>
+          <a:chOff x="0" y="0"/>
+          <a:chExt cx="0" cy="0"/>
+        </a:xfrm>
+      </p:grpSpPr>
+      <p:sp>
+        <p:nvSpPr>
+          <p:cNvPr id="2" name="Slide Image Placeholder 1"/>
+          <p:cNvSpPr>
+            <a:spLocks noGrp="1" noRot="1" noChangeAspect="1"/>
+          </p:cNvSpPr>
+          <p:nvPr>
+            <p:ph type="sldImg"/>
+          </p:nvPr>
+        </p:nvSpPr>
+        <p:spPr/>
+      </p:sp>
+      <p:sp>
+        <p:nvSpPr>
+          <p:cNvPr id="3" name="Notes Placeholder 2"/>
+          <p:cNvSpPr>
+            <a:spLocks noGrp="1"/>
+          </p:cNvSpPr>
+          <p:nvPr>
+            <p:ph type="body" idx="1"/>
+          </p:nvPr>
+        </p:nvSpPr>
+        <p:spPr/>
+        <p:txBody>
+          <a:bodyPr/>
+          <a:lstStyle/>
+          <a:p>
+            <a:endParaRPr lang="cs-CZ"/>
+          </a:p>
+        </p:txBody>
+      </p:sp>
+      <p:sp>
+        <p:nvSpPr>
+          <p:cNvPr id="4" name="Slide Number Placeholder 3"/>
+          <p:cNvSpPr>
+            <a:spLocks noGrp="1"/>
+          </p:cNvSpPr>
+          <p:nvPr>
+            <p:ph type="sldNum" sz="quarter" idx="5"/>
+          </p:nvPr>
+        </p:nvSpPr>
+        <p:spPr/>
+        <p:txBody>
+          <a:bodyPr/>
+          <a:lstStyle/>
+          <a:p>
+            <a:fld id="{40499985-F144-4F30-9B65-93EDEC442801}" type="slidenum">
+              <a:rPr lang="cs-CZ" smtClean="0"/>
+              <a:t>20</a:t>
             </a:fld>
             <a:endParaRPr lang="cs-CZ"/>
           </a:p>
@@ -4362,336 +1544,6 @@
               <a:t>0:20-0:50</a:t>
             </a:r>
           </a:p>
-          <a:p>
-            <a:r>
-              <a:rPr lang="en-US" dirty="0"/>
-              <a:t>V </a:t>
-            </a:r>
-            <a:r>
-              <a:rPr lang="en-US" dirty="0" err="1"/>
-              <a:t>dnešní</a:t>
-            </a:r>
-            <a:r>
-              <a:rPr lang="en-US" dirty="0"/>
-              <a:t> </a:t>
-            </a:r>
-            <a:r>
-              <a:rPr lang="en-US" dirty="0" err="1"/>
-              <a:t>prezentaci</a:t>
-            </a:r>
-            <a:r>
-              <a:rPr lang="en-US" dirty="0"/>
-              <a:t> </a:t>
-            </a:r>
-            <a:r>
-              <a:rPr lang="en-US" dirty="0" err="1"/>
-              <a:t>Vám</a:t>
-            </a:r>
-            <a:r>
-              <a:rPr lang="en-US" dirty="0"/>
-              <a:t> ze </a:t>
-            </a:r>
-            <a:r>
-              <a:rPr lang="en-US" dirty="0" err="1"/>
-              <a:t>všeho</a:t>
-            </a:r>
-            <a:r>
-              <a:rPr lang="en-US" dirty="0"/>
-              <a:t> </a:t>
-            </a:r>
-            <a:r>
-              <a:rPr lang="en-US" dirty="0" err="1"/>
-              <a:t>nejdříve</a:t>
-            </a:r>
-            <a:r>
-              <a:rPr lang="en-US" dirty="0"/>
-              <a:t> </a:t>
-            </a:r>
-            <a:r>
-              <a:rPr lang="en-US" dirty="0" err="1"/>
-              <a:t>vůbec</a:t>
-            </a:r>
-            <a:r>
-              <a:rPr lang="en-US" dirty="0"/>
-              <a:t> </a:t>
-            </a:r>
-            <a:r>
-              <a:rPr lang="en-US" dirty="0" err="1"/>
-              <a:t>představím</a:t>
-            </a:r>
-            <a:r>
-              <a:rPr lang="en-US" dirty="0"/>
-              <a:t> </a:t>
-            </a:r>
-            <a:r>
-              <a:rPr lang="en-US" dirty="0" err="1"/>
-              <a:t>téma</a:t>
-            </a:r>
-            <a:r>
-              <a:rPr lang="en-US" dirty="0"/>
-              <a:t> </a:t>
-            </a:r>
-            <a:r>
-              <a:rPr lang="en-US" dirty="0" err="1"/>
-              <a:t>mé</a:t>
-            </a:r>
-            <a:r>
-              <a:rPr lang="en-US" dirty="0"/>
-              <a:t> </a:t>
-            </a:r>
-            <a:r>
-              <a:rPr lang="en-US" dirty="0" err="1"/>
-              <a:t>bakalářské</a:t>
-            </a:r>
-            <a:r>
-              <a:rPr lang="en-US" dirty="0"/>
-              <a:t> </a:t>
-            </a:r>
-            <a:r>
-              <a:rPr lang="en-US" dirty="0" err="1"/>
-              <a:t>práce</a:t>
-            </a:r>
-            <a:br>
-              <a:rPr lang="en-US" dirty="0"/>
-            </a:br>
-            <a:r>
-              <a:rPr lang="en-US" dirty="0" err="1"/>
-              <a:t>pak</a:t>
-            </a:r>
-            <a:r>
-              <a:rPr lang="en-US" dirty="0"/>
-              <a:t> </a:t>
-            </a:r>
-            <a:r>
-              <a:rPr lang="en-US" dirty="0" err="1"/>
-              <a:t>vyjmenuju</a:t>
-            </a:r>
-            <a:r>
-              <a:rPr lang="en-US" dirty="0"/>
-              <a:t> </a:t>
-            </a:r>
-            <a:r>
-              <a:rPr lang="en-US" dirty="0" err="1"/>
-              <a:t>hlavní</a:t>
-            </a:r>
-            <a:r>
-              <a:rPr lang="en-US" dirty="0"/>
-              <a:t> </a:t>
-            </a:r>
-            <a:r>
-              <a:rPr lang="en-US" dirty="0" err="1"/>
-              <a:t>cíle</a:t>
-            </a:r>
-            <a:r>
-              <a:rPr lang="en-US" dirty="0"/>
-              <a:t> </a:t>
-            </a:r>
-            <a:r>
-              <a:rPr lang="en-US" dirty="0" err="1"/>
-              <a:t>které</a:t>
-            </a:r>
-            <a:r>
-              <a:rPr lang="en-US" dirty="0"/>
-              <a:t> </a:t>
-            </a:r>
-            <a:r>
-              <a:rPr lang="en-US" dirty="0" err="1"/>
-              <a:t>byly</a:t>
-            </a:r>
-            <a:r>
-              <a:rPr lang="en-US" dirty="0"/>
-              <a:t> pro </a:t>
-            </a:r>
-            <a:r>
-              <a:rPr lang="en-US" dirty="0" err="1"/>
-              <a:t>tuto</a:t>
-            </a:r>
-            <a:r>
-              <a:rPr lang="en-US" dirty="0"/>
-              <a:t> </a:t>
-            </a:r>
-            <a:r>
-              <a:rPr lang="en-US" dirty="0" err="1"/>
-              <a:t>práci</a:t>
-            </a:r>
-            <a:r>
-              <a:rPr lang="en-US" dirty="0"/>
-              <a:t> </a:t>
-            </a:r>
-            <a:r>
-              <a:rPr lang="en-US" dirty="0" err="1"/>
-              <a:t>stanoveny</a:t>
-            </a:r>
-            <a:endParaRPr lang="en-US" dirty="0"/>
-          </a:p>
-          <a:p>
-            <a:r>
-              <a:rPr lang="en-US" dirty="0"/>
-              <a:t>Pak v </a:t>
-            </a:r>
-            <a:r>
-              <a:rPr lang="en-US" dirty="0" err="1"/>
-              <a:t>rychlosti</a:t>
-            </a:r>
-            <a:r>
-              <a:rPr lang="en-US" dirty="0"/>
-              <a:t> </a:t>
-            </a:r>
-            <a:r>
-              <a:rPr lang="en-US" dirty="0" err="1"/>
-              <a:t>přesdtavím</a:t>
-            </a:r>
-            <a:r>
-              <a:rPr lang="en-US" dirty="0"/>
-              <a:t> </a:t>
-            </a:r>
-            <a:r>
-              <a:rPr lang="en-US" dirty="0" err="1"/>
-              <a:t>pneumatickou</a:t>
-            </a:r>
-            <a:r>
-              <a:rPr lang="en-US" dirty="0"/>
-              <a:t> </a:t>
-            </a:r>
-            <a:r>
-              <a:rPr lang="en-US" dirty="0" err="1"/>
-              <a:t>soustavu</a:t>
-            </a:r>
-            <a:r>
-              <a:rPr lang="en-US" dirty="0"/>
-              <a:t> </a:t>
-            </a:r>
-            <a:r>
-              <a:rPr lang="en-US" dirty="0" err="1"/>
-              <a:t>na</a:t>
-            </a:r>
-            <a:r>
-              <a:rPr lang="en-US" dirty="0"/>
-              <a:t> </a:t>
-            </a:r>
-            <a:r>
-              <a:rPr lang="en-US" dirty="0" err="1"/>
-              <a:t>které</a:t>
-            </a:r>
-            <a:r>
-              <a:rPr lang="en-US" dirty="0"/>
-              <a:t> se </a:t>
-            </a:r>
-            <a:r>
-              <a:rPr lang="en-US" dirty="0" err="1"/>
-              <a:t>pracovalo</a:t>
-            </a:r>
-            <a:r>
-              <a:rPr lang="en-US" dirty="0"/>
-              <a:t> a take se </a:t>
-            </a:r>
-            <a:r>
-              <a:rPr lang="en-US" dirty="0" err="1"/>
-              <a:t>zmíním</a:t>
-            </a:r>
-            <a:r>
-              <a:rPr lang="en-US" dirty="0"/>
-              <a:t> o </a:t>
-            </a:r>
-            <a:r>
-              <a:rPr lang="en-US" dirty="0" err="1"/>
-              <a:t>penumatických</a:t>
-            </a:r>
-            <a:r>
-              <a:rPr lang="en-US" dirty="0"/>
-              <a:t> </a:t>
-            </a:r>
-            <a:r>
-              <a:rPr lang="en-US" dirty="0" err="1"/>
-              <a:t>svalech</a:t>
-            </a:r>
-            <a:endParaRPr lang="en-US" dirty="0"/>
-          </a:p>
-          <a:p>
-            <a:r>
-              <a:rPr lang="en-US" dirty="0" err="1"/>
-              <a:t>Poté</a:t>
-            </a:r>
-            <a:r>
-              <a:rPr lang="en-US" dirty="0"/>
-              <a:t> </a:t>
-            </a:r>
-            <a:r>
-              <a:rPr lang="en-US" dirty="0" err="1"/>
-              <a:t>popíšu</a:t>
-            </a:r>
-            <a:r>
-              <a:rPr lang="en-US" dirty="0"/>
-              <a:t> </a:t>
-            </a:r>
-            <a:r>
-              <a:rPr lang="en-US" dirty="0" err="1"/>
-              <a:t>základní</a:t>
-            </a:r>
-            <a:r>
-              <a:rPr lang="en-US" dirty="0"/>
-              <a:t> </a:t>
-            </a:r>
-            <a:r>
-              <a:rPr lang="en-US" dirty="0" err="1"/>
-              <a:t>pricipy</a:t>
-            </a:r>
-            <a:r>
-              <a:rPr lang="en-US" dirty="0"/>
-              <a:t> </a:t>
-            </a:r>
-            <a:r>
-              <a:rPr lang="en-US" dirty="0" err="1"/>
-              <a:t>mé</a:t>
-            </a:r>
-            <a:r>
-              <a:rPr lang="en-US" dirty="0"/>
-              <a:t> </a:t>
-            </a:r>
-            <a:r>
-              <a:rPr lang="en-US" dirty="0" err="1"/>
-              <a:t>metody</a:t>
-            </a:r>
-            <a:r>
-              <a:rPr lang="en-US" dirty="0"/>
-              <a:t> </a:t>
-            </a:r>
-          </a:p>
-          <a:p>
-            <a:r>
-              <a:rPr lang="en-US" dirty="0"/>
-              <a:t>A </a:t>
-            </a:r>
-            <a:r>
-              <a:rPr lang="en-US" dirty="0" err="1"/>
-              <a:t>nakonec</a:t>
-            </a:r>
-            <a:r>
-              <a:rPr lang="en-US" dirty="0"/>
-              <a:t> </a:t>
-            </a:r>
-            <a:r>
-              <a:rPr lang="en-US" dirty="0" err="1"/>
-              <a:t>celou</a:t>
-            </a:r>
-            <a:r>
-              <a:rPr lang="en-US" dirty="0"/>
-              <a:t> </a:t>
-            </a:r>
-            <a:r>
-              <a:rPr lang="en-US" dirty="0" err="1"/>
-              <a:t>práci</a:t>
-            </a:r>
-            <a:r>
-              <a:rPr lang="en-US" dirty="0"/>
-              <a:t> </a:t>
-            </a:r>
-            <a:r>
-              <a:rPr lang="en-US" dirty="0" err="1"/>
-              <a:t>zhodnotím</a:t>
-            </a:r>
-            <a:endParaRPr lang="en-US" dirty="0"/>
-          </a:p>
         </p:txBody>
       </p:sp>
       <p:sp>
@@ -4779,165 +1631,6 @@
               <a:t>0:50 – 1:15</a:t>
             </a:r>
           </a:p>
-          <a:p>
-            <a:r>
-              <a:rPr lang="en-US" dirty="0" err="1"/>
-              <a:t>Mým</a:t>
-            </a:r>
-            <a:r>
-              <a:rPr lang="en-US" dirty="0"/>
-              <a:t> </a:t>
-            </a:r>
-            <a:r>
-              <a:rPr lang="en-US" dirty="0" err="1"/>
-              <a:t>ukolem</a:t>
-            </a:r>
-            <a:r>
-              <a:rPr lang="en-US" dirty="0"/>
-              <a:t> </a:t>
-            </a:r>
-            <a:r>
-              <a:rPr lang="en-US" dirty="0" err="1"/>
-              <a:t>bylo</a:t>
-            </a:r>
-            <a:r>
-              <a:rPr lang="en-US" dirty="0"/>
-              <a:t> </a:t>
-            </a:r>
-            <a:r>
-              <a:rPr lang="en-US" dirty="0" err="1"/>
-              <a:t>navržení</a:t>
-            </a:r>
-            <a:r>
-              <a:rPr lang="en-US" dirty="0"/>
-              <a:t> pro </a:t>
-            </a:r>
-            <a:r>
-              <a:rPr lang="en-US" dirty="0" err="1"/>
-              <a:t>již</a:t>
-            </a:r>
-            <a:r>
-              <a:rPr lang="en-US" dirty="0"/>
-              <a:t> </a:t>
-            </a:r>
-            <a:r>
-              <a:rPr lang="en-US" dirty="0" err="1"/>
-              <a:t>existující</a:t>
-            </a:r>
-            <a:r>
-              <a:rPr lang="en-US" dirty="0"/>
-              <a:t> </a:t>
-            </a:r>
-            <a:r>
-              <a:rPr lang="en-US" dirty="0" err="1"/>
-              <a:t>sostavu</a:t>
-            </a:r>
-            <a:r>
-              <a:rPr lang="en-US" dirty="0"/>
-              <a:t> </a:t>
-            </a:r>
-            <a:r>
-              <a:rPr lang="en-US" dirty="0" err="1"/>
-              <a:t>vytvořit</a:t>
-            </a:r>
-            <a:r>
-              <a:rPr lang="en-US" dirty="0"/>
-              <a:t> </a:t>
-            </a:r>
-            <a:r>
-              <a:rPr lang="en-US" dirty="0" err="1"/>
-              <a:t>sw</a:t>
-            </a:r>
-            <a:r>
-              <a:rPr lang="en-US" dirty="0"/>
-              <a:t> </a:t>
-            </a:r>
-            <a:r>
-              <a:rPr lang="en-US" dirty="0" err="1"/>
-              <a:t>pomocí</a:t>
-            </a:r>
-            <a:r>
-              <a:rPr lang="en-US" dirty="0"/>
-              <a:t> </a:t>
-            </a:r>
-            <a:r>
-              <a:rPr lang="en-US" dirty="0" err="1"/>
-              <a:t>které</a:t>
-            </a:r>
-            <a:r>
-              <a:rPr lang="en-US" dirty="0"/>
-              <a:t> ho </a:t>
-            </a:r>
-            <a:r>
-              <a:rPr lang="en-US" dirty="0" err="1"/>
-              <a:t>bude</a:t>
-            </a:r>
-            <a:r>
-              <a:rPr lang="en-US" dirty="0"/>
-              <a:t> </a:t>
-            </a:r>
-            <a:r>
-              <a:rPr lang="en-US" dirty="0" err="1"/>
-              <a:t>uživatel</a:t>
-            </a:r>
-            <a:r>
-              <a:rPr lang="en-US" dirty="0"/>
-              <a:t> </a:t>
-            </a:r>
-            <a:r>
-              <a:rPr lang="en-US" dirty="0" err="1"/>
-              <a:t>schopen</a:t>
-            </a:r>
-            <a:r>
-              <a:rPr lang="en-US" dirty="0"/>
-              <a:t> </a:t>
-            </a:r>
-            <a:r>
-              <a:rPr lang="en-US" dirty="0" err="1"/>
-              <a:t>ovládat</a:t>
-            </a:r>
-            <a:r>
-              <a:rPr lang="en-US" dirty="0"/>
-              <a:t> </a:t>
-            </a:r>
-            <a:r>
-              <a:rPr lang="en-US" dirty="0" err="1"/>
-              <a:t>jednolivé</a:t>
-            </a:r>
-            <a:r>
-              <a:rPr lang="en-US" dirty="0"/>
-              <a:t> </a:t>
-            </a:r>
-            <a:r>
-              <a:rPr lang="en-US" dirty="0" err="1"/>
-              <a:t>svaly</a:t>
-            </a:r>
-            <a:r>
-              <a:rPr lang="en-US" dirty="0"/>
-              <a:t> </a:t>
-            </a:r>
-            <a:r>
-              <a:rPr lang="en-US" dirty="0" err="1"/>
-              <a:t>nezávisle</a:t>
-            </a:r>
-            <a:r>
-              <a:rPr lang="en-US" dirty="0"/>
-              <a:t> </a:t>
-            </a:r>
-            <a:r>
-              <a:rPr lang="en-US" dirty="0" err="1"/>
-              <a:t>na</a:t>
-            </a:r>
-            <a:r>
-              <a:rPr lang="en-US" dirty="0"/>
-              <a:t> </a:t>
-            </a:r>
-            <a:r>
-              <a:rPr lang="en-US" dirty="0" err="1"/>
-              <a:t>sobě</a:t>
-            </a:r>
-            <a:endParaRPr lang="en-US" dirty="0"/>
-          </a:p>
         </p:txBody>
       </p:sp>
       <p:sp>
@@ -5025,964 +1718,6 @@
               <a:t>1:15-2</a:t>
             </a:r>
           </a:p>
-          <a:p>
-            <a:r>
-              <a:rPr lang="en-US" dirty="0" err="1"/>
-              <a:t>Hlavním</a:t>
-            </a:r>
-            <a:r>
-              <a:rPr lang="en-US" dirty="0"/>
-              <a:t> </a:t>
-            </a:r>
-            <a:r>
-              <a:rPr lang="en-US" dirty="0" err="1"/>
-              <a:t>cílem</a:t>
-            </a:r>
-            <a:r>
-              <a:rPr lang="en-US" dirty="0"/>
-              <a:t> od </a:t>
-            </a:r>
-            <a:r>
-              <a:rPr lang="en-US" dirty="0" err="1"/>
-              <a:t>kterého</a:t>
-            </a:r>
-            <a:r>
-              <a:rPr lang="en-US" dirty="0"/>
-              <a:t> se </a:t>
-            </a:r>
-            <a:r>
-              <a:rPr lang="en-US" dirty="0" err="1"/>
-              <a:t>následně</a:t>
-            </a:r>
-            <a:r>
-              <a:rPr lang="en-US" dirty="0"/>
-              <a:t> </a:t>
-            </a:r>
-            <a:r>
-              <a:rPr lang="en-US" dirty="0" err="1"/>
-              <a:t>vše</a:t>
-            </a:r>
-            <a:r>
-              <a:rPr lang="en-US" dirty="0"/>
-              <a:t> </a:t>
-            </a:r>
-            <a:r>
-              <a:rPr lang="en-US" dirty="0" err="1"/>
-              <a:t>odvíjelelo</a:t>
-            </a:r>
-            <a:r>
-              <a:rPr lang="en-US" dirty="0"/>
-              <a:t> </a:t>
-            </a:r>
-            <a:r>
-              <a:rPr lang="en-US" dirty="0" err="1"/>
-              <a:t>bylo</a:t>
-            </a:r>
-            <a:r>
-              <a:rPr lang="en-US" dirty="0"/>
-              <a:t> </a:t>
-            </a:r>
-            <a:r>
-              <a:rPr lang="en-US" dirty="0" err="1"/>
-              <a:t>vytvořit</a:t>
-            </a:r>
-            <a:r>
-              <a:rPr lang="en-US" dirty="0"/>
-              <a:t> GUI, </a:t>
-            </a:r>
-            <a:r>
-              <a:rPr lang="en-US" dirty="0" err="1"/>
-              <a:t>tudíž</a:t>
-            </a:r>
-            <a:r>
-              <a:rPr lang="en-US" dirty="0"/>
-              <a:t> </a:t>
-            </a:r>
-            <a:r>
-              <a:rPr lang="en-US" dirty="0" err="1"/>
-              <a:t>bylo</a:t>
-            </a:r>
-            <a:r>
-              <a:rPr lang="en-US" dirty="0"/>
-              <a:t> </a:t>
-            </a:r>
-            <a:r>
-              <a:rPr lang="en-US" dirty="0" err="1"/>
-              <a:t>vhodné</a:t>
-            </a:r>
-            <a:r>
-              <a:rPr lang="en-US" dirty="0"/>
-              <a:t> </a:t>
-            </a:r>
-            <a:r>
-              <a:rPr lang="en-US" dirty="0" err="1"/>
-              <a:t>vybrat</a:t>
-            </a:r>
-            <a:r>
-              <a:rPr lang="en-US" dirty="0"/>
-              <a:t> pro </a:t>
-            </a:r>
-            <a:r>
-              <a:rPr lang="en-US" dirty="0" err="1"/>
-              <a:t>tento</a:t>
-            </a:r>
-            <a:r>
-              <a:rPr lang="en-US" dirty="0"/>
-              <a:t> </a:t>
-            </a:r>
-            <a:r>
-              <a:rPr lang="en-US" dirty="0" err="1"/>
-              <a:t>ukol</a:t>
-            </a:r>
-            <a:r>
-              <a:rPr lang="en-US" dirty="0"/>
-              <a:t> </a:t>
-            </a:r>
-            <a:r>
-              <a:rPr lang="en-US" dirty="0" err="1"/>
-              <a:t>vhodnou</a:t>
-            </a:r>
-            <a:r>
-              <a:rPr lang="en-US" dirty="0"/>
-              <a:t> </a:t>
-            </a:r>
-            <a:r>
-              <a:rPr lang="en-US" dirty="0" err="1"/>
-              <a:t>knihovnu</a:t>
-            </a:r>
-            <a:endParaRPr lang="en-US" dirty="0"/>
-          </a:p>
-          <a:p>
-            <a:r>
-              <a:rPr lang="en-US" dirty="0" err="1"/>
-              <a:t>Dálším</a:t>
-            </a:r>
-            <a:r>
-              <a:rPr lang="en-US" dirty="0"/>
-              <a:t> </a:t>
-            </a:r>
-            <a:r>
-              <a:rPr lang="en-US" dirty="0" err="1"/>
-              <a:t>stěžejním</a:t>
-            </a:r>
-            <a:r>
-              <a:rPr lang="en-US" dirty="0"/>
-              <a:t> </a:t>
-            </a:r>
-            <a:r>
-              <a:rPr lang="en-US" dirty="0" err="1"/>
-              <a:t>bodem</a:t>
-            </a:r>
-            <a:r>
-              <a:rPr lang="en-US" dirty="0"/>
-              <a:t> </a:t>
-            </a:r>
-            <a:r>
-              <a:rPr lang="en-US" dirty="0" err="1"/>
-              <a:t>bylo</a:t>
-            </a:r>
-            <a:r>
-              <a:rPr lang="en-US" dirty="0"/>
-              <a:t> </a:t>
-            </a:r>
-            <a:r>
-              <a:rPr lang="en-US" dirty="0" err="1"/>
-              <a:t>navhnout</a:t>
-            </a:r>
-            <a:r>
-              <a:rPr lang="en-US" dirty="0"/>
-              <a:t> </a:t>
-            </a:r>
-            <a:r>
-              <a:rPr lang="en-US" dirty="0" err="1"/>
-              <a:t>uživatelské</a:t>
-            </a:r>
-            <a:r>
-              <a:rPr lang="en-US" dirty="0"/>
-              <a:t> role </a:t>
-            </a:r>
-            <a:r>
-              <a:rPr lang="en-US" dirty="0" err="1"/>
-              <a:t>tak</a:t>
-            </a:r>
-            <a:r>
-              <a:rPr lang="en-US" dirty="0"/>
-              <a:t> aby </a:t>
-            </a:r>
-            <a:r>
-              <a:rPr lang="en-US" dirty="0" err="1"/>
-              <a:t>uživatel</a:t>
-            </a:r>
-            <a:r>
-              <a:rPr lang="en-US" dirty="0"/>
-              <a:t> </a:t>
-            </a:r>
-            <a:r>
-              <a:rPr lang="en-US" dirty="0" err="1"/>
-              <a:t>neměl</a:t>
-            </a:r>
-            <a:r>
-              <a:rPr lang="en-US" dirty="0"/>
-              <a:t> </a:t>
-            </a:r>
-            <a:r>
-              <a:rPr lang="en-US" dirty="0" err="1"/>
-              <a:t>přístup</a:t>
-            </a:r>
-            <a:r>
-              <a:rPr lang="en-US" dirty="0"/>
-              <a:t> k </a:t>
-            </a:r>
-            <a:r>
-              <a:rPr lang="en-US" dirty="0" err="1"/>
-              <a:t>funkcionalitám</a:t>
-            </a:r>
-            <a:r>
-              <a:rPr lang="en-US" dirty="0"/>
-              <a:t> program </a:t>
-            </a:r>
-            <a:r>
-              <a:rPr lang="en-US" dirty="0" err="1"/>
-              <a:t>které</a:t>
-            </a:r>
-            <a:r>
-              <a:rPr lang="en-US" dirty="0"/>
-              <a:t> </a:t>
-            </a:r>
-            <a:r>
-              <a:rPr lang="en-US" dirty="0" err="1"/>
-              <a:t>potřebují</a:t>
-            </a:r>
-            <a:r>
-              <a:rPr lang="en-US" dirty="0"/>
-              <a:t> </a:t>
-            </a:r>
-            <a:r>
-              <a:rPr lang="en-US" dirty="0" err="1"/>
-              <a:t>vyšší</a:t>
-            </a:r>
-            <a:r>
-              <a:rPr lang="en-US" dirty="0"/>
-              <a:t> </a:t>
-            </a:r>
-            <a:r>
-              <a:rPr lang="en-US" dirty="0" err="1"/>
-              <a:t>míru</a:t>
-            </a:r>
-            <a:r>
-              <a:rPr lang="en-US" dirty="0"/>
-              <a:t> </a:t>
-            </a:r>
-            <a:r>
-              <a:rPr lang="en-US" dirty="0" err="1"/>
-              <a:t>zaškolení</a:t>
-            </a:r>
-            <a:endParaRPr lang="en-US" dirty="0"/>
-          </a:p>
-          <a:p>
-            <a:r>
-              <a:rPr lang="en-US" dirty="0" err="1"/>
-              <a:t>Požadevek</a:t>
-            </a:r>
-            <a:r>
-              <a:rPr lang="en-US" dirty="0"/>
-              <a:t> od </a:t>
-            </a:r>
-            <a:r>
-              <a:rPr lang="en-US" dirty="0" err="1"/>
-              <a:t>zadávající</a:t>
-            </a:r>
-            <a:r>
-              <a:rPr lang="en-US" dirty="0"/>
-              <a:t> </a:t>
-            </a:r>
-            <a:r>
-              <a:rPr lang="en-US" dirty="0" err="1"/>
-              <a:t>byl</a:t>
-            </a:r>
-            <a:r>
-              <a:rPr lang="en-US" dirty="0"/>
-              <a:t> </a:t>
-            </a:r>
-            <a:r>
-              <a:rPr lang="en-US" dirty="0" err="1"/>
-              <a:t>rovněž</a:t>
-            </a:r>
-            <a:r>
-              <a:rPr lang="en-US" dirty="0"/>
-              <a:t> ten </a:t>
-            </a:r>
-            <a:r>
-              <a:rPr lang="en-US" dirty="0" err="1"/>
-              <a:t>že</a:t>
-            </a:r>
-            <a:r>
-              <a:rPr lang="en-US" dirty="0"/>
-              <a:t> by </a:t>
-            </a:r>
-            <a:r>
-              <a:rPr lang="en-US" dirty="0" err="1"/>
-              <a:t>si</a:t>
-            </a:r>
-            <a:r>
-              <a:rPr lang="en-US" dirty="0"/>
-              <a:t> </a:t>
-            </a:r>
-            <a:r>
-              <a:rPr lang="en-US" dirty="0" err="1"/>
-              <a:t>přál</a:t>
-            </a:r>
-            <a:r>
-              <a:rPr lang="en-US" dirty="0"/>
-              <a:t> aby se </a:t>
-            </a:r>
-            <a:r>
-              <a:rPr lang="en-US" dirty="0" err="1"/>
-              <a:t>daly</a:t>
-            </a:r>
-            <a:r>
-              <a:rPr lang="en-US" dirty="0"/>
-              <a:t> </a:t>
-            </a:r>
-            <a:r>
-              <a:rPr lang="en-US" dirty="0" err="1"/>
-              <a:t>svaly</a:t>
-            </a:r>
-            <a:r>
-              <a:rPr lang="en-US" dirty="0"/>
-              <a:t> </a:t>
-            </a:r>
-            <a:r>
-              <a:rPr lang="en-US" dirty="0" err="1"/>
-              <a:t>ovládat</a:t>
-            </a:r>
-            <a:r>
-              <a:rPr lang="en-US" dirty="0"/>
-              <a:t> take </a:t>
-            </a:r>
-            <a:r>
-              <a:rPr lang="en-US" dirty="0" err="1"/>
-              <a:t>pomocí</a:t>
-            </a:r>
-            <a:r>
-              <a:rPr lang="en-US" dirty="0"/>
-              <a:t> </a:t>
-            </a:r>
-            <a:r>
-              <a:rPr lang="en-US" dirty="0" err="1"/>
-              <a:t>jiných</a:t>
-            </a:r>
-            <a:r>
-              <a:rPr lang="en-US" dirty="0"/>
-              <a:t> </a:t>
-            </a:r>
-            <a:r>
-              <a:rPr lang="en-US" dirty="0" err="1"/>
-              <a:t>jednotek</a:t>
-            </a:r>
-            <a:r>
-              <a:rPr lang="en-US" dirty="0"/>
-              <a:t> </a:t>
-            </a:r>
-            <a:r>
-              <a:rPr lang="en-US" dirty="0" err="1"/>
-              <a:t>než</a:t>
-            </a:r>
-            <a:r>
-              <a:rPr lang="en-US" dirty="0"/>
-              <a:t> </a:t>
-            </a:r>
-            <a:r>
-              <a:rPr lang="en-US" dirty="0" err="1"/>
-              <a:t>jednotek</a:t>
-            </a:r>
-            <a:r>
-              <a:rPr lang="en-US" dirty="0"/>
-              <a:t> </a:t>
-            </a:r>
-            <a:r>
-              <a:rPr lang="en-US" dirty="0" err="1"/>
-              <a:t>krokového</a:t>
-            </a:r>
-            <a:r>
-              <a:rPr lang="en-US" dirty="0"/>
-              <a:t> </a:t>
-            </a:r>
-            <a:r>
-              <a:rPr lang="en-US" dirty="0" err="1"/>
-              <a:t>motoru</a:t>
-            </a:r>
-            <a:r>
-              <a:rPr lang="en-US" dirty="0"/>
-              <a:t> proto </a:t>
-            </a:r>
-            <a:r>
-              <a:rPr lang="en-US" dirty="0" err="1"/>
-              <a:t>bylo</a:t>
-            </a:r>
-            <a:r>
-              <a:rPr lang="en-US" dirty="0"/>
-              <a:t> </a:t>
-            </a:r>
-            <a:r>
-              <a:rPr lang="en-US" dirty="0" err="1"/>
-              <a:t>nutné</a:t>
-            </a:r>
-            <a:r>
-              <a:rPr lang="en-US" dirty="0"/>
-              <a:t> </a:t>
-            </a:r>
-            <a:r>
-              <a:rPr lang="en-US" dirty="0" err="1"/>
-              <a:t>vymyslet</a:t>
-            </a:r>
-            <a:r>
-              <a:rPr lang="en-US" dirty="0"/>
-              <a:t> </a:t>
-            </a:r>
-            <a:r>
-              <a:rPr lang="en-US" dirty="0" err="1"/>
-              <a:t>nějaký</a:t>
-            </a:r>
-            <a:r>
-              <a:rPr lang="en-US" dirty="0"/>
-              <a:t> </a:t>
-            </a:r>
-            <a:r>
-              <a:rPr lang="en-US" dirty="0" err="1"/>
-              <a:t>přepočet</a:t>
-            </a:r>
-            <a:r>
-              <a:rPr lang="en-US" dirty="0"/>
-              <a:t> pro </a:t>
-            </a:r>
-            <a:r>
-              <a:rPr lang="en-US" dirty="0" err="1"/>
-              <a:t>ovldádání</a:t>
-            </a:r>
-            <a:r>
-              <a:rPr lang="en-US" dirty="0"/>
-              <a:t> </a:t>
-            </a:r>
-            <a:r>
-              <a:rPr lang="en-US" dirty="0" err="1"/>
-              <a:t>svalů</a:t>
-            </a:r>
-            <a:r>
-              <a:rPr lang="en-US" dirty="0"/>
-              <a:t> </a:t>
-            </a:r>
-            <a:r>
-              <a:rPr lang="en-US" dirty="0" err="1"/>
-              <a:t>pomocí</a:t>
-            </a:r>
-            <a:r>
-              <a:rPr lang="en-US" dirty="0"/>
-              <a:t> mV a mbar</a:t>
-            </a:r>
-          </a:p>
-          <a:p>
-            <a:r>
-              <a:rPr lang="en-US" dirty="0" err="1"/>
-              <a:t>Během</a:t>
-            </a:r>
-            <a:r>
-              <a:rPr lang="en-US" dirty="0"/>
-              <a:t> </a:t>
-            </a:r>
-            <a:r>
-              <a:rPr lang="en-US" dirty="0" err="1"/>
-              <a:t>práce</a:t>
-            </a:r>
-            <a:r>
-              <a:rPr lang="en-US" dirty="0"/>
-              <a:t> </a:t>
-            </a:r>
-            <a:r>
-              <a:rPr lang="en-US" dirty="0" err="1"/>
-              <a:t>na</a:t>
-            </a:r>
-            <a:r>
-              <a:rPr lang="en-US" dirty="0"/>
-              <a:t> </a:t>
-            </a:r>
-            <a:r>
-              <a:rPr lang="en-US" dirty="0" err="1"/>
-              <a:t>soustavě</a:t>
-            </a:r>
-            <a:r>
-              <a:rPr lang="en-US" dirty="0"/>
-              <a:t> se </a:t>
-            </a:r>
-            <a:r>
-              <a:rPr lang="en-US" dirty="0" err="1"/>
-              <a:t>rozněž</a:t>
-            </a:r>
-            <a:r>
-              <a:rPr lang="en-US" dirty="0"/>
-              <a:t> </a:t>
-            </a:r>
-            <a:r>
-              <a:rPr lang="en-US" dirty="0" err="1"/>
-              <a:t>zjistilo</a:t>
-            </a:r>
-            <a:r>
-              <a:rPr lang="en-US" dirty="0"/>
-              <a:t> </a:t>
-            </a:r>
-            <a:r>
-              <a:rPr lang="en-US" dirty="0" err="1"/>
-              <a:t>že</a:t>
-            </a:r>
-            <a:r>
-              <a:rPr lang="en-US" dirty="0"/>
-              <a:t> </a:t>
-            </a:r>
-            <a:r>
-              <a:rPr lang="en-US" dirty="0" err="1"/>
-              <a:t>každý</a:t>
-            </a:r>
-            <a:r>
-              <a:rPr lang="en-US" dirty="0"/>
-              <a:t> </a:t>
-            </a:r>
-            <a:r>
-              <a:rPr lang="en-US" dirty="0" err="1"/>
-              <a:t>sval</a:t>
-            </a:r>
-            <a:r>
-              <a:rPr lang="en-US" dirty="0"/>
-              <a:t> </a:t>
-            </a:r>
-            <a:r>
-              <a:rPr lang="en-US" dirty="0" err="1"/>
-              <a:t>má</a:t>
-            </a:r>
-            <a:r>
-              <a:rPr lang="en-US" dirty="0"/>
-              <a:t> </a:t>
-            </a:r>
-            <a:r>
-              <a:rPr lang="en-US" dirty="0" err="1"/>
-              <a:t>ač</a:t>
-            </a:r>
-            <a:r>
-              <a:rPr lang="en-US" dirty="0"/>
-              <a:t> je ze </a:t>
-            </a:r>
-            <a:r>
-              <a:rPr lang="en-US" dirty="0" err="1"/>
-              <a:t>stejného</a:t>
-            </a:r>
-            <a:r>
-              <a:rPr lang="en-US" dirty="0"/>
-              <a:t> </a:t>
-            </a:r>
-            <a:r>
-              <a:rPr lang="en-US" dirty="0" err="1"/>
-              <a:t>drhu</a:t>
-            </a:r>
-            <a:r>
-              <a:rPr lang="en-US" dirty="0"/>
-              <a:t> </a:t>
-            </a:r>
-            <a:r>
-              <a:rPr lang="en-US" dirty="0" err="1"/>
-              <a:t>silikonu</a:t>
-            </a:r>
-            <a:r>
-              <a:rPr lang="en-US" dirty="0"/>
-              <a:t> </a:t>
-            </a:r>
-            <a:r>
-              <a:rPr lang="en-US" dirty="0" err="1"/>
-              <a:t>má</a:t>
-            </a:r>
-            <a:r>
-              <a:rPr lang="en-US" dirty="0"/>
-              <a:t> </a:t>
-            </a:r>
-            <a:r>
-              <a:rPr lang="en-US" dirty="0" err="1"/>
-              <a:t>trochu</a:t>
-            </a:r>
-            <a:r>
-              <a:rPr lang="en-US" dirty="0"/>
-              <a:t> </a:t>
-            </a:r>
-            <a:r>
-              <a:rPr lang="en-US" dirty="0" err="1"/>
-              <a:t>jiné</a:t>
-            </a:r>
-            <a:r>
-              <a:rPr lang="en-US" dirty="0"/>
-              <a:t> </a:t>
-            </a:r>
-            <a:r>
-              <a:rPr lang="en-US" dirty="0" err="1"/>
-              <a:t>vasnosti</a:t>
-            </a:r>
-            <a:r>
-              <a:rPr lang="en-US" dirty="0"/>
-              <a:t> ale </a:t>
-            </a:r>
-            <a:r>
-              <a:rPr lang="en-US" dirty="0" err="1"/>
-              <a:t>především</a:t>
-            </a:r>
-            <a:r>
-              <a:rPr lang="en-US" dirty="0"/>
-              <a:t> z toho </a:t>
-            </a:r>
-            <a:r>
-              <a:rPr lang="en-US" dirty="0" err="1"/>
-              <a:t>důvodu</a:t>
-            </a:r>
-            <a:r>
-              <a:rPr lang="en-US" dirty="0"/>
-              <a:t> </a:t>
-            </a:r>
-            <a:r>
-              <a:rPr lang="en-US" dirty="0" err="1"/>
-              <a:t>kdy</a:t>
-            </a:r>
-            <a:r>
-              <a:rPr lang="en-US" dirty="0"/>
-              <a:t> se </a:t>
-            </a:r>
-            <a:r>
-              <a:rPr lang="en-US" dirty="0" err="1"/>
-              <a:t>tento</a:t>
-            </a:r>
-            <a:r>
-              <a:rPr lang="en-US" dirty="0"/>
-              <a:t> </a:t>
-            </a:r>
-            <a:r>
-              <a:rPr lang="en-US" dirty="0" err="1"/>
-              <a:t>sw</a:t>
-            </a:r>
-            <a:r>
-              <a:rPr lang="en-US" dirty="0"/>
-              <a:t> </a:t>
-            </a:r>
-            <a:r>
-              <a:rPr lang="en-US" dirty="0" err="1"/>
-              <a:t>vytvářel</a:t>
-            </a:r>
-            <a:r>
-              <a:rPr lang="en-US" dirty="0"/>
-              <a:t> </a:t>
-            </a:r>
-            <a:r>
-              <a:rPr lang="en-US" dirty="0" err="1"/>
-              <a:t>byly</a:t>
-            </a:r>
-            <a:r>
-              <a:rPr lang="en-US" dirty="0"/>
-              <a:t> </a:t>
-            </a:r>
-            <a:r>
-              <a:rPr lang="en-US" dirty="0" err="1"/>
-              <a:t>svaly</a:t>
-            </a:r>
-            <a:r>
-              <a:rPr lang="en-US" dirty="0"/>
-              <a:t> </a:t>
-            </a:r>
-            <a:r>
-              <a:rPr lang="en-US" dirty="0" err="1"/>
-              <a:t>pořád</a:t>
-            </a:r>
-            <a:r>
-              <a:rPr lang="en-US" dirty="0"/>
-              <a:t> v </a:t>
-            </a:r>
-            <a:r>
-              <a:rPr lang="en-US" dirty="0" err="1"/>
-              <a:t>procesu</a:t>
-            </a:r>
-            <a:r>
-              <a:rPr lang="en-US" dirty="0"/>
-              <a:t> </a:t>
-            </a:r>
-            <a:r>
-              <a:rPr lang="en-US" dirty="0" err="1"/>
-              <a:t>testování</a:t>
-            </a:r>
-            <a:r>
-              <a:rPr lang="en-US" dirty="0"/>
-              <a:t> </a:t>
-            </a:r>
-            <a:r>
-              <a:rPr lang="en-US" dirty="0" err="1"/>
-              <a:t>jaký</a:t>
-            </a:r>
-            <a:r>
-              <a:rPr lang="en-US" dirty="0"/>
-              <a:t> </a:t>
-            </a:r>
-            <a:r>
-              <a:rPr lang="en-US" dirty="0" err="1"/>
-              <a:t>druh</a:t>
-            </a:r>
-            <a:r>
-              <a:rPr lang="en-US" dirty="0"/>
-              <a:t> </a:t>
-            </a:r>
-            <a:r>
-              <a:rPr lang="en-US" dirty="0" err="1"/>
-              <a:t>silikonu</a:t>
-            </a:r>
-            <a:r>
-              <a:rPr lang="en-US" dirty="0"/>
-              <a:t> pro </a:t>
-            </a:r>
-            <a:r>
-              <a:rPr lang="en-US" dirty="0" err="1"/>
-              <a:t>ně</a:t>
-            </a:r>
-            <a:r>
-              <a:rPr lang="en-US" dirty="0"/>
-              <a:t> </a:t>
-            </a:r>
-            <a:r>
-              <a:rPr lang="en-US" dirty="0" err="1"/>
-              <a:t>bude</a:t>
-            </a:r>
-            <a:r>
-              <a:rPr lang="en-US" dirty="0"/>
-              <a:t> </a:t>
-            </a:r>
-            <a:r>
-              <a:rPr lang="en-US" dirty="0" err="1"/>
-              <a:t>nejelpší</a:t>
-            </a:r>
-            <a:r>
-              <a:rPr lang="en-US" dirty="0"/>
-              <a:t> </a:t>
-            </a:r>
-            <a:r>
-              <a:rPr lang="en-US" dirty="0" err="1"/>
-              <a:t>tak</a:t>
-            </a:r>
-            <a:r>
-              <a:rPr lang="en-US" dirty="0"/>
-              <a:t> </a:t>
-            </a:r>
-            <a:r>
-              <a:rPr lang="en-US" dirty="0" err="1"/>
-              <a:t>bylo</a:t>
-            </a:r>
-            <a:r>
-              <a:rPr lang="en-US" dirty="0"/>
-              <a:t> </a:t>
-            </a:r>
-            <a:r>
-              <a:rPr lang="en-US" dirty="0" err="1"/>
-              <a:t>nutné</a:t>
-            </a:r>
-            <a:r>
-              <a:rPr lang="en-US" dirty="0"/>
-              <a:t> </a:t>
-            </a:r>
-            <a:r>
-              <a:rPr lang="en-US" dirty="0" err="1"/>
-              <a:t>zajistit</a:t>
-            </a:r>
-            <a:r>
-              <a:rPr lang="en-US" dirty="0"/>
-              <a:t> </a:t>
-            </a:r>
-            <a:r>
-              <a:rPr lang="en-US" dirty="0" err="1"/>
-              <a:t>nějakou</a:t>
-            </a:r>
-            <a:r>
-              <a:rPr lang="en-US" dirty="0"/>
-              <a:t> </a:t>
-            </a:r>
-            <a:r>
-              <a:rPr lang="en-US" dirty="0" err="1"/>
-              <a:t>možnost</a:t>
-            </a:r>
-            <a:r>
-              <a:rPr lang="en-US" dirty="0"/>
-              <a:t> </a:t>
-            </a:r>
-            <a:r>
-              <a:rPr lang="en-US" dirty="0" err="1"/>
-              <a:t>pomocí</a:t>
-            </a:r>
-            <a:r>
-              <a:rPr lang="en-US" dirty="0"/>
-              <a:t> </a:t>
-            </a:r>
-            <a:r>
-              <a:rPr lang="en-US" dirty="0" err="1"/>
-              <a:t>které</a:t>
-            </a:r>
-            <a:r>
-              <a:rPr lang="en-US" dirty="0"/>
-              <a:t> by </a:t>
-            </a:r>
-            <a:r>
-              <a:rPr lang="en-US" dirty="0" err="1"/>
-              <a:t>šli</a:t>
-            </a:r>
-            <a:r>
-              <a:rPr lang="en-US" dirty="0"/>
-              <a:t> </a:t>
-            </a:r>
-            <a:r>
-              <a:rPr lang="en-US" dirty="0" err="1"/>
-              <a:t>tyto</a:t>
-            </a:r>
-            <a:r>
-              <a:rPr lang="en-US" dirty="0"/>
-              <a:t> parameter </a:t>
-            </a:r>
-            <a:r>
-              <a:rPr lang="en-US" dirty="0" err="1"/>
-              <a:t>pohodlně</a:t>
-            </a:r>
-            <a:r>
-              <a:rPr lang="en-US" dirty="0"/>
-              <a:t> </a:t>
-            </a:r>
-            <a:r>
-              <a:rPr lang="en-US" dirty="0" err="1"/>
-              <a:t>měnit</a:t>
-            </a:r>
-            <a:endParaRPr lang="en-US" dirty="0"/>
-          </a:p>
-          <a:p>
-            <a:r>
-              <a:rPr lang="en-US" dirty="0" err="1"/>
-              <a:t>Posledním</a:t>
-            </a:r>
-            <a:r>
-              <a:rPr lang="en-US" dirty="0"/>
-              <a:t> </a:t>
-            </a:r>
-            <a:r>
-              <a:rPr lang="en-US" dirty="0" err="1"/>
-              <a:t>hlavním</a:t>
-            </a:r>
-            <a:r>
-              <a:rPr lang="en-US" dirty="0"/>
-              <a:t> </a:t>
-            </a:r>
-            <a:r>
-              <a:rPr lang="en-US" dirty="0" err="1"/>
-              <a:t>cílem</a:t>
-            </a:r>
-            <a:r>
-              <a:rPr lang="en-US" dirty="0"/>
-              <a:t> </a:t>
-            </a:r>
-            <a:r>
-              <a:rPr lang="en-US" dirty="0" err="1"/>
-              <a:t>byla</a:t>
-            </a:r>
-            <a:r>
-              <a:rPr lang="en-US" dirty="0"/>
-              <a:t> </a:t>
-            </a:r>
-            <a:r>
-              <a:rPr lang="en-US" dirty="0" err="1"/>
-              <a:t>nutnost</a:t>
-            </a:r>
-            <a:r>
-              <a:rPr lang="en-US" dirty="0"/>
-              <a:t> </a:t>
-            </a:r>
-            <a:r>
-              <a:rPr lang="en-US" dirty="0" err="1"/>
-              <a:t>tyto</a:t>
-            </a:r>
-            <a:r>
-              <a:rPr lang="en-US" dirty="0"/>
-              <a:t> </a:t>
-            </a:r>
-            <a:r>
-              <a:rPr lang="en-US" dirty="0" err="1"/>
-              <a:t>všechny</a:t>
-            </a:r>
-            <a:r>
-              <a:rPr lang="en-US" dirty="0"/>
-              <a:t> </a:t>
-            </a:r>
-            <a:r>
-              <a:rPr lang="en-US" dirty="0" err="1"/>
-              <a:t>potřebné</a:t>
-            </a:r>
-            <a:r>
-              <a:rPr lang="en-US" dirty="0"/>
-              <a:t> </a:t>
-            </a:r>
-            <a:r>
-              <a:rPr lang="en-US" dirty="0" err="1"/>
-              <a:t>udaje</a:t>
-            </a:r>
-            <a:r>
-              <a:rPr lang="en-US" dirty="0"/>
-              <a:t> o </a:t>
-            </a:r>
-            <a:r>
-              <a:rPr lang="en-US" dirty="0" err="1"/>
-              <a:t>jednotlivýc</a:t>
-            </a:r>
-            <a:r>
-              <a:rPr lang="en-US" dirty="0"/>
-              <a:t> </a:t>
-            </a:r>
-            <a:r>
-              <a:rPr lang="en-US" dirty="0" err="1"/>
-              <a:t>svalech</a:t>
-            </a:r>
-            <a:r>
-              <a:rPr lang="en-US" dirty="0"/>
-              <a:t> </a:t>
-            </a:r>
-            <a:r>
-              <a:rPr lang="en-US" dirty="0" err="1"/>
-              <a:t>někde</a:t>
-            </a:r>
-            <a:r>
-              <a:rPr lang="en-US" dirty="0"/>
-              <a:t> </a:t>
-            </a:r>
-            <a:r>
-              <a:rPr lang="en-US" dirty="0" err="1"/>
-              <a:t>uchovat</a:t>
-            </a:r>
-            <a:r>
-              <a:rPr lang="en-US" dirty="0"/>
-              <a:t> pro </a:t>
-            </a:r>
-            <a:r>
-              <a:rPr lang="en-US" dirty="0" err="1"/>
-              <a:t>další</a:t>
-            </a:r>
-            <a:r>
-              <a:rPr lang="en-US" dirty="0"/>
-              <a:t> </a:t>
-            </a:r>
-            <a:r>
-              <a:rPr lang="en-US" dirty="0" err="1"/>
-              <a:t>práci</a:t>
-            </a:r>
-            <a:r>
-              <a:rPr lang="en-US" dirty="0"/>
-              <a:t> s </a:t>
-            </a:r>
-            <a:r>
-              <a:rPr lang="en-US" dirty="0" err="1"/>
-              <a:t>ními</a:t>
-            </a:r>
-            <a:endParaRPr lang="en-US" dirty="0"/>
-          </a:p>
         </p:txBody>
       </p:sp>
       <p:sp>
@@ -6331,262 +2066,8 @@
           <a:p>
             <a:r>
               <a:rPr lang="en-US" dirty="0"/>
-              <a:t>4:47-5:36</a:t>
-            </a:r>
-          </a:p>
-          <a:p>
-            <a:r>
-              <a:rPr lang="en-US" dirty="0" err="1"/>
-              <a:t>Nyní</a:t>
-            </a:r>
-            <a:r>
-              <a:rPr lang="en-US" dirty="0"/>
-              <a:t> se </a:t>
-            </a:r>
-            <a:r>
-              <a:rPr lang="en-US" dirty="0" err="1"/>
-              <a:t>již</a:t>
-            </a:r>
-            <a:r>
-              <a:rPr lang="en-US" dirty="0"/>
-              <a:t> </a:t>
-            </a:r>
-            <a:r>
-              <a:rPr lang="en-US" dirty="0" err="1"/>
-              <a:t>už</a:t>
-            </a:r>
-            <a:r>
-              <a:rPr lang="en-US" dirty="0"/>
-              <a:t> </a:t>
-            </a:r>
-            <a:r>
-              <a:rPr lang="en-US" dirty="0" err="1"/>
-              <a:t>dstáváme</a:t>
-            </a:r>
-            <a:r>
-              <a:rPr lang="en-US" dirty="0"/>
-              <a:t> k </a:t>
-            </a:r>
-            <a:r>
-              <a:rPr lang="en-US" dirty="0" err="1"/>
-              <a:t>mé</a:t>
-            </a:r>
-            <a:r>
-              <a:rPr lang="en-US" dirty="0"/>
-              <a:t> </a:t>
-            </a:r>
-            <a:r>
-              <a:rPr lang="en-US" dirty="0" err="1"/>
-              <a:t>práci</a:t>
-            </a:r>
-            <a:r>
-              <a:rPr lang="en-US" dirty="0"/>
-              <a:t> </a:t>
-            </a:r>
-            <a:r>
-              <a:rPr lang="en-US" dirty="0" err="1"/>
-              <a:t>zde</a:t>
-            </a:r>
-            <a:r>
-              <a:rPr lang="en-US" dirty="0"/>
-              <a:t> </a:t>
-            </a:r>
-            <a:r>
-              <a:rPr lang="en-US" dirty="0" err="1"/>
-              <a:t>na</a:t>
-            </a:r>
-            <a:r>
-              <a:rPr lang="en-US" dirty="0"/>
-              <a:t> </a:t>
-            </a:r>
-            <a:r>
-              <a:rPr lang="en-US" dirty="0" err="1"/>
-              <a:t>obrázku</a:t>
-            </a:r>
-            <a:r>
-              <a:rPr lang="en-US" dirty="0"/>
-              <a:t> </a:t>
-            </a:r>
-            <a:r>
-              <a:rPr lang="en-US" dirty="0" err="1"/>
-              <a:t>můžete</a:t>
-            </a:r>
-            <a:r>
-              <a:rPr lang="en-US" dirty="0"/>
-              <a:t> </a:t>
-            </a:r>
-            <a:r>
-              <a:rPr lang="en-US" dirty="0" err="1"/>
-              <a:t>vidět</a:t>
-            </a:r>
-            <a:r>
-              <a:rPr lang="en-US" dirty="0"/>
-              <a:t> component diagram </a:t>
-            </a:r>
-            <a:r>
-              <a:rPr lang="en-US" dirty="0" err="1"/>
-              <a:t>celé</a:t>
-            </a:r>
-            <a:r>
-              <a:rPr lang="en-US" dirty="0"/>
-              <a:t> </a:t>
-            </a:r>
-            <a:r>
-              <a:rPr lang="en-US" dirty="0" err="1"/>
-              <a:t>soustavy</a:t>
-            </a:r>
-            <a:r>
-              <a:rPr lang="en-US" dirty="0"/>
-              <a:t> </a:t>
-            </a:r>
-            <a:r>
-              <a:rPr lang="en-US" dirty="0" err="1"/>
-              <a:t>kde</a:t>
-            </a:r>
-            <a:r>
-              <a:rPr lang="en-US" dirty="0"/>
-              <a:t> </a:t>
-            </a:r>
-            <a:r>
-              <a:rPr lang="en-US" dirty="0" err="1"/>
-              <a:t>můžete</a:t>
-            </a:r>
-            <a:r>
-              <a:rPr lang="en-US" dirty="0"/>
-              <a:t> </a:t>
-            </a:r>
-            <a:r>
-              <a:rPr lang="en-US" dirty="0" err="1"/>
-              <a:t>vidět</a:t>
-            </a:r>
-            <a:r>
-              <a:rPr lang="en-US" dirty="0"/>
-              <a:t> </a:t>
-            </a:r>
-            <a:r>
-              <a:rPr lang="en-US" dirty="0" err="1"/>
-              <a:t>oddělenou</a:t>
-            </a:r>
-            <a:r>
-              <a:rPr lang="en-US" dirty="0"/>
-              <a:t> </a:t>
-            </a:r>
-            <a:r>
-              <a:rPr lang="en-US" dirty="0" err="1"/>
-              <a:t>čarou</a:t>
-            </a:r>
-            <a:r>
-              <a:rPr lang="en-US" dirty="0"/>
-              <a:t> </a:t>
-            </a:r>
-            <a:r>
-              <a:rPr lang="en-US" dirty="0" err="1"/>
-              <a:t>na</a:t>
-            </a:r>
-            <a:r>
-              <a:rPr lang="en-US" dirty="0"/>
-              <a:t> </a:t>
-            </a:r>
-            <a:r>
-              <a:rPr lang="en-US" dirty="0" err="1"/>
-              <a:t>jakou</a:t>
-            </a:r>
-            <a:r>
-              <a:rPr lang="en-US" dirty="0"/>
-              <a:t> </a:t>
-            </a:r>
-            <a:r>
-              <a:rPr lang="en-US" dirty="0" err="1"/>
-              <a:t>část</a:t>
-            </a:r>
-            <a:r>
-              <a:rPr lang="en-US" dirty="0"/>
-              <a:t> </a:t>
-            </a:r>
-            <a:r>
-              <a:rPr lang="en-US" dirty="0" err="1"/>
-              <a:t>jsem</a:t>
-            </a:r>
-            <a:r>
-              <a:rPr lang="en-US" dirty="0"/>
-              <a:t> </a:t>
-            </a:r>
-            <a:r>
-              <a:rPr lang="en-US" dirty="0" err="1"/>
-              <a:t>navazoval</a:t>
-            </a:r>
-            <a:r>
-              <a:rPr lang="en-US" dirty="0"/>
-              <a:t> a </a:t>
-            </a:r>
-            <a:r>
-              <a:rPr lang="en-US" dirty="0" err="1"/>
-              <a:t>která</a:t>
-            </a:r>
-            <a:r>
-              <a:rPr lang="en-US" dirty="0"/>
-              <a:t> </a:t>
-            </a:r>
-            <a:r>
-              <a:rPr lang="en-US" dirty="0" err="1"/>
-              <a:t>část</a:t>
-            </a:r>
-            <a:r>
-              <a:rPr lang="en-US" dirty="0"/>
-              <a:t> je </a:t>
-            </a:r>
-            <a:r>
-              <a:rPr lang="en-US" dirty="0" err="1"/>
-              <a:t>již</a:t>
-            </a:r>
-            <a:r>
-              <a:rPr lang="en-US" dirty="0"/>
-              <a:t> </a:t>
-            </a:r>
-            <a:r>
-              <a:rPr lang="en-US" dirty="0" err="1"/>
-              <a:t>moje</a:t>
-            </a:r>
-            <a:br>
-              <a:rPr lang="en-US" dirty="0"/>
-            </a:br>
-            <a:r>
-              <a:rPr lang="en-US" dirty="0"/>
-              <a:t>Moje </a:t>
-            </a:r>
-            <a:r>
-              <a:rPr lang="en-US" dirty="0" err="1"/>
-              <a:t>práce</a:t>
-            </a:r>
-            <a:r>
-              <a:rPr lang="en-US" dirty="0"/>
-              <a:t> je </a:t>
-            </a:r>
-            <a:r>
-              <a:rPr lang="en-US" dirty="0" err="1"/>
-              <a:t>na</a:t>
-            </a:r>
-            <a:r>
-              <a:rPr lang="en-US" dirty="0"/>
-              <a:t> </a:t>
-            </a:r>
-            <a:r>
-              <a:rPr lang="en-US" dirty="0" err="1"/>
-              <a:t>komponentě</a:t>
-            </a:r>
-            <a:r>
-              <a:rPr lang="en-US" dirty="0"/>
-              <a:t> admin window, </a:t>
-            </a:r>
-            <a:r>
-              <a:rPr lang="en-US" dirty="0" err="1"/>
-              <a:t>Userwindow</a:t>
-            </a:r>
-            <a:r>
-              <a:rPr lang="en-US" dirty="0"/>
-              <a:t> a Main a database </a:t>
-            </a:r>
-            <a:endParaRPr lang="cs-CZ" dirty="0"/>
+              <a:t>4</a:t>
+            </a:r>
           </a:p>
         </p:txBody>
       </p:sp>
@@ -6670,126 +2151,6 @@
           <a:bodyPr/>
           <a:lstStyle/>
           <a:p>
-            <a:r>
-              <a:rPr lang="en-US" dirty="0"/>
-              <a:t>Po </a:t>
-            </a:r>
-            <a:r>
-              <a:rPr lang="en-US" dirty="0" err="1"/>
-              <a:t>otestování</a:t>
-            </a:r>
-            <a:r>
-              <a:rPr lang="en-US" dirty="0"/>
-              <a:t> </a:t>
-            </a:r>
-            <a:r>
-              <a:rPr lang="en-US" dirty="0" err="1"/>
-              <a:t>nejpoužívanějších</a:t>
-            </a:r>
-            <a:r>
-              <a:rPr lang="en-US" dirty="0"/>
-              <a:t> </a:t>
-            </a:r>
-            <a:r>
-              <a:rPr lang="en-US" dirty="0" err="1"/>
-              <a:t>knihoven</a:t>
-            </a:r>
-            <a:r>
-              <a:rPr lang="en-US" dirty="0"/>
-              <a:t> </a:t>
-            </a:r>
-            <a:r>
-              <a:rPr lang="en-US" dirty="0" err="1"/>
-              <a:t>jsem</a:t>
-            </a:r>
-            <a:r>
-              <a:rPr lang="en-US" dirty="0"/>
-              <a:t> </a:t>
-            </a:r>
-            <a:r>
-              <a:rPr lang="en-US" dirty="0" err="1"/>
-              <a:t>došel</a:t>
-            </a:r>
-            <a:r>
-              <a:rPr lang="en-US" dirty="0"/>
-              <a:t> k </a:t>
-            </a:r>
-            <a:r>
-              <a:rPr lang="en-US" dirty="0" err="1"/>
-              <a:t>závěru</a:t>
-            </a:r>
-            <a:r>
-              <a:rPr lang="en-US" dirty="0"/>
-              <a:t> </a:t>
-            </a:r>
-            <a:r>
-              <a:rPr lang="en-US" dirty="0" err="1"/>
-              <a:t>že</a:t>
-            </a:r>
-            <a:r>
-              <a:rPr lang="en-US" dirty="0"/>
-              <a:t> </a:t>
-            </a:r>
-            <a:r>
-              <a:rPr lang="en-US" dirty="0" err="1"/>
-              <a:t>knihovna</a:t>
-            </a:r>
-            <a:r>
-              <a:rPr lang="en-US" dirty="0"/>
-              <a:t> tkinter se </a:t>
-            </a:r>
-            <a:r>
-              <a:rPr lang="en-US" dirty="0" err="1"/>
-              <a:t>svojí</a:t>
-            </a:r>
-            <a:r>
-              <a:rPr lang="en-US" dirty="0"/>
-              <a:t> </a:t>
-            </a:r>
-            <a:r>
-              <a:rPr lang="en-US" dirty="0" err="1"/>
-              <a:t>nadstavou</a:t>
-            </a:r>
-            <a:r>
-              <a:rPr lang="en-US" dirty="0"/>
-              <a:t> </a:t>
-            </a:r>
-            <a:r>
-              <a:rPr lang="en-US" dirty="0" err="1"/>
-              <a:t>custum</a:t>
-            </a:r>
-            <a:r>
-              <a:rPr lang="en-US" dirty="0"/>
-              <a:t> </a:t>
-            </a:r>
-            <a:r>
-              <a:rPr lang="en-US" dirty="0" err="1"/>
-              <a:t>tkiter</a:t>
-            </a:r>
-            <a:r>
-              <a:rPr lang="en-US" dirty="0"/>
-              <a:t> </a:t>
-            </a:r>
-            <a:r>
-              <a:rPr lang="en-US" dirty="0" err="1"/>
-              <a:t>bude</a:t>
-            </a:r>
-            <a:r>
-              <a:rPr lang="en-US" dirty="0"/>
-              <a:t> </a:t>
-            </a:r>
-            <a:r>
-              <a:rPr lang="en-US" dirty="0" err="1"/>
-              <a:t>nejlepší</a:t>
-            </a:r>
-            <a:r>
-              <a:rPr lang="en-US" dirty="0"/>
-              <a:t> </a:t>
-            </a:r>
-            <a:r>
-              <a:rPr lang="en-US" dirty="0" err="1"/>
-              <a:t>volbou</a:t>
-            </a:r>
             <a:endParaRPr lang="en-US" dirty="0"/>
           </a:p>
         </p:txBody>
@@ -7408,7 +2769,7 @@
             </a:fld>
             <a:r>
               <a:rPr lang="en-US" dirty="0"/>
-              <a:t>/19</a:t>
+              <a:t>/20</a:t>
             </a:r>
             <a:endParaRPr lang="cs-CZ" dirty="0"/>
           </a:p>
@@ -7515,8 +2876,8 @@
               <a:t>‹#›</a:t>
             </a:fld>
             <a:r>
-              <a:rPr lang="en-US" dirty="0"/>
-              <a:t>/19</a:t>
+              <a:rPr lang="en-US"/>
+              <a:t>/20</a:t>
             </a:r>
             <a:endParaRPr lang="cs-CZ" dirty="0"/>
           </a:p>
@@ -7665,7 +3026,7 @@
             </a:fld>
             <a:r>
               <a:rPr lang="en-US" dirty="0"/>
-              <a:t>/19</a:t>
+              <a:t>/20</a:t>
             </a:r>
             <a:endParaRPr lang="cs-CZ" dirty="0"/>
           </a:p>
@@ -8459,7 +3820,7 @@
               <a:buChar char="•"/>
             </a:pPr>
             <a:r>
-              <a:rPr lang="en-US" dirty="0" err="1"/>
+              <a:rPr lang="cs-CZ" dirty="0"/>
               <a:t>Knihovna</a:t>
             </a:r>
             <a:r>
@@ -8885,6 +4246,72 @@
           <p:cNvPr id="6" name="Content Placeholder 5" descr="A screenshot of a computer&#10;&#10;Description automatically generated">
             <a:extLst>
               <a:ext uri="{FF2B5EF4-FFF2-40B4-BE49-F238E27FC236}">
+                <a16:creationId xmlns:a16="http://schemas.microsoft.com/office/drawing/2014/main" id="{9F8D1F5D-B0F3-48E4-71F7-CE7368604CF4}"/>
+              </a:ext>
+            </a:extLst>
+          </p:cNvPr>
+          <p:cNvPicPr>
+            <a:picLocks noGrp="1" noChangeAspect="1"/>
+          </p:cNvPicPr>
+          <p:nvPr>
+            <p:ph idx="1"/>
+          </p:nvPr>
+        </p:nvPicPr>
+        <p:blipFill>
+          <a:blip r:embed="rId3">
+            <a:extLst>
+              <a:ext uri="{28A0092B-C50C-407E-A947-70E740481C1C}">
+                <a14:useLocalDpi xmlns:a14="http://schemas.microsoft.com/office/drawing/2010/main" val="0"/>
+              </a:ext>
+            </a:extLst>
+          </a:blip>
+          <a:stretch>
+            <a:fillRect/>
+          </a:stretch>
+        </p:blipFill>
+        <p:spPr>
+          <a:xfrm>
+            <a:off x="723600" y="1273896"/>
+            <a:ext cx="7696800" cy="4310208"/>
+          </a:xfrm>
+          <a:noFill/>
+        </p:spPr>
+      </p:pic>
+    </p:spTree>
+    <p:extLst>
+      <p:ext uri="{BB962C8B-B14F-4D97-AF65-F5344CB8AC3E}">
+        <p14:creationId xmlns:p14="http://schemas.microsoft.com/office/powerpoint/2010/main" val="2721666971"/>
+      </p:ext>
+    </p:extLst>
+  </p:cSld>
+  <p:clrMapOvr>
+    <a:masterClrMapping/>
+  </p:clrMapOvr>
+</p:sld>
+</file>
+
+<file path=ppt/slides/slide17.xml><?xml version="1.0" encoding="utf-8"?>
+<p:sld xmlns:a="http://schemas.openxmlformats.org/drawingml/2006/main" xmlns:r="http://schemas.openxmlformats.org/officeDocument/2006/relationships" xmlns:p="http://schemas.openxmlformats.org/presentationml/2006/main">
+  <p:cSld>
+    <p:spTree>
+      <p:nvGrpSpPr>
+        <p:cNvPr id="1" name=""/>
+        <p:cNvGrpSpPr/>
+        <p:nvPr/>
+      </p:nvGrpSpPr>
+      <p:grpSpPr>
+        <a:xfrm>
+          <a:off x="0" y="0"/>
+          <a:ext cx="0" cy="0"/>
+          <a:chOff x="0" y="0"/>
+          <a:chExt cx="0" cy="0"/>
+        </a:xfrm>
+      </p:grpSpPr>
+      <p:pic>
+        <p:nvPicPr>
+          <p:cNvPr id="6" name="Content Placeholder 5" descr="A screenshot of a computer&#10;&#10;Description automatically generated">
+            <a:extLst>
+              <a:ext uri="{FF2B5EF4-FFF2-40B4-BE49-F238E27FC236}">
                 <a16:creationId xmlns:a16="http://schemas.microsoft.com/office/drawing/2014/main" id="{3EED609B-E8AD-9321-59CF-F21B293F0D32}"/>
               </a:ext>
             </a:extLst>
@@ -8928,7 +4355,7 @@
 </p:sld>
 </file>
 
-<file path=ppt/slides/slide17.xml><?xml version="1.0" encoding="utf-8"?>
+<file path=ppt/slides/slide18.xml><?xml version="1.0" encoding="utf-8"?>
 <p:sld xmlns:a="http://schemas.openxmlformats.org/drawingml/2006/main" xmlns:r="http://schemas.openxmlformats.org/officeDocument/2006/relationships" xmlns:p="http://schemas.openxmlformats.org/presentationml/2006/main">
   <p:cSld>
     <p:spTree>
@@ -8998,147 +4425,6 @@
 </p:sld>
 </file>
 
-<file path=ppt/slides/slide18.xml><?xml version="1.0" encoding="utf-8"?>
-<p:sld xmlns:a="http://schemas.openxmlformats.org/drawingml/2006/main" xmlns:r="http://schemas.openxmlformats.org/officeDocument/2006/relationships" xmlns:p="http://schemas.openxmlformats.org/presentationml/2006/main">
-  <p:cSld>
-    <p:spTree>
-      <p:nvGrpSpPr>
-        <p:cNvPr id="1" name=""/>
-        <p:cNvGrpSpPr/>
-        <p:nvPr/>
-      </p:nvGrpSpPr>
-      <p:grpSpPr>
-        <a:xfrm>
-          <a:off x="0" y="0"/>
-          <a:ext cx="0" cy="0"/>
-          <a:chOff x="0" y="0"/>
-          <a:chExt cx="0" cy="0"/>
-        </a:xfrm>
-      </p:grpSpPr>
-      <p:sp>
-        <p:nvSpPr>
-          <p:cNvPr id="2" name="Title 1">
-            <a:extLst>
-              <a:ext uri="{FF2B5EF4-FFF2-40B4-BE49-F238E27FC236}">
-                <a16:creationId xmlns:a16="http://schemas.microsoft.com/office/drawing/2014/main" id="{006B9028-D371-DE82-A90D-6598039B92CD}"/>
-              </a:ext>
-            </a:extLst>
-          </p:cNvPr>
-          <p:cNvSpPr>
-            <a:spLocks noGrp="1"/>
-          </p:cNvSpPr>
-          <p:nvPr>
-            <p:ph type="title"/>
-          </p:nvPr>
-        </p:nvSpPr>
-        <p:spPr/>
-        <p:txBody>
-          <a:bodyPr/>
-          <a:lstStyle/>
-          <a:p>
-            <a:r>
-              <a:rPr lang="cs-CZ" dirty="0"/>
-              <a:t>Závěr </a:t>
-            </a:r>
-          </a:p>
-        </p:txBody>
-      </p:sp>
-      <p:sp>
-        <p:nvSpPr>
-          <p:cNvPr id="3" name="Content Placeholder 2">
-            <a:extLst>
-              <a:ext uri="{FF2B5EF4-FFF2-40B4-BE49-F238E27FC236}">
-                <a16:creationId xmlns:a16="http://schemas.microsoft.com/office/drawing/2014/main" id="{5F7640B8-F96A-3482-5097-3E4C45A419ED}"/>
-              </a:ext>
-            </a:extLst>
-          </p:cNvPr>
-          <p:cNvSpPr>
-            <a:spLocks noGrp="1"/>
-          </p:cNvSpPr>
-          <p:nvPr>
-            <p:ph idx="1"/>
-          </p:nvPr>
-        </p:nvSpPr>
-        <p:spPr/>
-        <p:txBody>
-          <a:bodyPr/>
-          <a:lstStyle/>
-          <a:p>
-            <a:pPr marL="342900" indent="-342900">
-              <a:buFont typeface="Wingdings" panose="05000000000000000000" pitchFamily="2" charset="2"/>
-              <a:buChar char="ü"/>
-            </a:pPr>
-            <a:r>
-              <a:rPr lang="cs-CZ" dirty="0"/>
-              <a:t>Vytvoření GUI</a:t>
-            </a:r>
-          </a:p>
-          <a:p>
-            <a:pPr marL="342900" indent="-342900">
-              <a:buFont typeface="Wingdings" panose="05000000000000000000" pitchFamily="2" charset="2"/>
-              <a:buChar char="ü"/>
-            </a:pPr>
-            <a:r>
-              <a:rPr lang="cs-CZ" dirty="0"/>
-              <a:t>Navrhnutí a vytvoření možnosti uživatelských rolí</a:t>
-            </a:r>
-          </a:p>
-          <a:p>
-            <a:pPr marL="342900" indent="-342900">
-              <a:buFont typeface="Wingdings" panose="05000000000000000000" pitchFamily="2" charset="2"/>
-              <a:buChar char="ü"/>
-            </a:pPr>
-            <a:r>
-              <a:rPr lang="cs-CZ" dirty="0"/>
-              <a:t>Vytvoření metody pro ovládání jednotlivých svalů</a:t>
-            </a:r>
-          </a:p>
-          <a:p>
-            <a:pPr marL="342900" indent="-342900">
-              <a:buFont typeface="Wingdings" panose="05000000000000000000" pitchFamily="2" charset="2"/>
-              <a:buChar char="ü"/>
-            </a:pPr>
-            <a:r>
-              <a:rPr lang="cs-CZ" dirty="0"/>
-              <a:t>Možnost provést měření na svalu a </a:t>
-            </a:r>
-            <a:r>
-              <a:rPr lang="cs-CZ" dirty="0" err="1"/>
-              <a:t>dale</a:t>
-            </a:r>
-            <a:r>
-              <a:rPr lang="cs-CZ" dirty="0"/>
-              <a:t> s tímto měřením pracovat</a:t>
-            </a:r>
-          </a:p>
-          <a:p>
-            <a:pPr marL="342900" indent="-342900">
-              <a:buFont typeface="Wingdings" panose="05000000000000000000" pitchFamily="2" charset="2"/>
-              <a:buChar char="ü"/>
-            </a:pPr>
-            <a:r>
-              <a:rPr lang="cs-CZ" dirty="0"/>
-              <a:t>Možnost nastavit pro každý sval různé parametry a tyto parametry mít možnost měnit</a:t>
-            </a:r>
-          </a:p>
-          <a:p>
-            <a:endParaRPr lang="cs-CZ" dirty="0"/>
-          </a:p>
-        </p:txBody>
-      </p:sp>
-    </p:spTree>
-    <p:extLst>
-      <p:ext uri="{BB962C8B-B14F-4D97-AF65-F5344CB8AC3E}">
-        <p14:creationId xmlns:p14="http://schemas.microsoft.com/office/powerpoint/2010/main" val="2644731012"/>
-      </p:ext>
-    </p:extLst>
-  </p:cSld>
-  <p:clrMapOvr>
-    <a:masterClrMapping/>
-  </p:clrMapOvr>
-</p:sld>
-</file>
-
 <file path=ppt/slides/slide19.xml><?xml version="1.0" encoding="utf-8"?>
 <p:sld xmlns:a="http://schemas.openxmlformats.org/drawingml/2006/main" xmlns:r="http://schemas.openxmlformats.org/officeDocument/2006/relationships" xmlns:p="http://schemas.openxmlformats.org/presentationml/2006/main">
   <p:cSld>
@@ -9158,10 +4444,10 @@
       </p:grpSpPr>
       <p:sp>
         <p:nvSpPr>
-          <p:cNvPr id="4" name="Title 3">
+          <p:cNvPr id="2" name="Title 1">
             <a:extLst>
               <a:ext uri="{FF2B5EF4-FFF2-40B4-BE49-F238E27FC236}">
-                <a16:creationId xmlns:a16="http://schemas.microsoft.com/office/drawing/2014/main" id="{3CB44335-9888-1F34-DA83-42DC4BA2721F}"/>
+                <a16:creationId xmlns:a16="http://schemas.microsoft.com/office/drawing/2014/main" id="{006B9028-D371-DE82-A90D-6598039B92CD}"/>
               </a:ext>
             </a:extLst>
           </p:cNvPr>
@@ -9169,40 +4455,108 @@
             <a:spLocks noGrp="1"/>
           </p:cNvSpPr>
           <p:nvPr>
-            <p:ph type="title" idx="4294967295"/>
-          </p:nvPr>
-        </p:nvSpPr>
-        <p:spPr>
-          <a:xfrm>
-            <a:off x="1145286" y="1124712"/>
-            <a:ext cx="6858000" cy="2386584"/>
-          </a:xfrm>
-        </p:spPr>
-        <p:txBody>
-          <a:bodyPr anchor="b">
-            <a:normAutofit/>
-          </a:bodyPr>
-          <a:lstStyle/>
-          <a:p>
-            <a:pPr algn="ctr" defTabSz="457200"/>
-            <a:r>
-              <a:rPr lang="cs-CZ" sz="4800" kern="1200" dirty="0"/>
-              <a:t>Děkuji za pozornost </a:t>
-            </a:r>
-            <a:br>
-              <a:rPr lang="cs-CZ" sz="4800" kern="1200" dirty="0"/>
-            </a:br>
-            <a:r>
-              <a:rPr lang="cs-CZ" sz="4800" kern="1200" dirty="0"/>
-              <a:t>Dotazy?</a:t>
-            </a:r>
+            <p:ph type="title"/>
+          </p:nvPr>
+        </p:nvSpPr>
+        <p:spPr/>
+        <p:txBody>
+          <a:bodyPr/>
+          <a:lstStyle/>
+          <a:p>
+            <a:r>
+              <a:rPr lang="cs-CZ" dirty="0"/>
+              <a:t>Závěr </a:t>
+            </a:r>
+          </a:p>
+        </p:txBody>
+      </p:sp>
+      <p:sp>
+        <p:nvSpPr>
+          <p:cNvPr id="3" name="Content Placeholder 2">
+            <a:extLst>
+              <a:ext uri="{FF2B5EF4-FFF2-40B4-BE49-F238E27FC236}">
+                <a16:creationId xmlns:a16="http://schemas.microsoft.com/office/drawing/2014/main" id="{5F7640B8-F96A-3482-5097-3E4C45A419ED}"/>
+              </a:ext>
+            </a:extLst>
+          </p:cNvPr>
+          <p:cNvSpPr>
+            <a:spLocks noGrp="1"/>
+          </p:cNvSpPr>
+          <p:nvPr>
+            <p:ph idx="1"/>
+          </p:nvPr>
+        </p:nvSpPr>
+        <p:spPr/>
+        <p:txBody>
+          <a:bodyPr/>
+          <a:lstStyle/>
+          <a:p>
+            <a:pPr marL="342900" indent="-342900">
+              <a:buFont typeface="Wingdings" panose="05000000000000000000" pitchFamily="2" charset="2"/>
+              <a:buChar char="ü"/>
+            </a:pPr>
+            <a:r>
+              <a:rPr lang="cs-CZ" dirty="0"/>
+              <a:t>Vytvoření GUI</a:t>
+            </a:r>
+          </a:p>
+          <a:p>
+            <a:pPr marL="342900" indent="-342900">
+              <a:buFont typeface="Wingdings" panose="05000000000000000000" pitchFamily="2" charset="2"/>
+              <a:buChar char="ü"/>
+            </a:pPr>
+            <a:r>
+              <a:rPr lang="cs-CZ" dirty="0"/>
+              <a:t>Navrhnutí a vytvoření možnosti uživatelských rolí</a:t>
+            </a:r>
+          </a:p>
+          <a:p>
+            <a:pPr marL="342900" indent="-342900">
+              <a:buFont typeface="Wingdings" panose="05000000000000000000" pitchFamily="2" charset="2"/>
+              <a:buChar char="ü"/>
+            </a:pPr>
+            <a:r>
+              <a:rPr lang="cs-CZ" dirty="0"/>
+              <a:t>Vytvoření metody pro ovládání jednotlivých svalů</a:t>
+            </a:r>
+          </a:p>
+          <a:p>
+            <a:pPr marL="342900" indent="-342900">
+              <a:buFont typeface="Wingdings" panose="05000000000000000000" pitchFamily="2" charset="2"/>
+              <a:buChar char="ü"/>
+            </a:pPr>
+            <a:r>
+              <a:rPr lang="cs-CZ" dirty="0"/>
+              <a:t>Možnost provést měření na svalu a </a:t>
+            </a:r>
+            <a:r>
+              <a:rPr lang="cs-CZ" dirty="0" err="1"/>
+              <a:t>dale</a:t>
+            </a:r>
+            <a:r>
+              <a:rPr lang="cs-CZ" dirty="0"/>
+              <a:t> s tímto měřením pracovat</a:t>
+            </a:r>
+          </a:p>
+          <a:p>
+            <a:pPr marL="342900" indent="-342900">
+              <a:buFont typeface="Wingdings" panose="05000000000000000000" pitchFamily="2" charset="2"/>
+              <a:buChar char="ü"/>
+            </a:pPr>
+            <a:r>
+              <a:rPr lang="cs-CZ" dirty="0"/>
+              <a:t>Možnost nastavit pro každý sval různé parametry a tyto parametry mít možnost měnit</a:t>
+            </a:r>
+          </a:p>
+          <a:p>
+            <a:endParaRPr lang="cs-CZ" dirty="0"/>
           </a:p>
         </p:txBody>
       </p:sp>
     </p:spTree>
     <p:extLst>
       <p:ext uri="{BB962C8B-B14F-4D97-AF65-F5344CB8AC3E}">
-        <p14:creationId xmlns:p14="http://schemas.microsoft.com/office/powerpoint/2010/main" val="1200479118"/>
+        <p14:creationId xmlns:p14="http://schemas.microsoft.com/office/powerpoint/2010/main" val="2644731012"/>
       </p:ext>
     </p:extLst>
   </p:cSld>
@@ -9286,15 +4640,7 @@
             </a:pPr>
             <a:r>
               <a:rPr lang="cs-CZ" sz="2400" dirty="0"/>
-              <a:t>Téma </a:t>
-            </a:r>
-            <a:r>
-              <a:rPr lang="cs-CZ" sz="2400" dirty="0" err="1"/>
-              <a:t>baklářské</a:t>
-            </a:r>
-            <a:r>
-              <a:rPr lang="cs-CZ" sz="2400" dirty="0"/>
-              <a:t> práce</a:t>
+              <a:t>Téma bakalářské práce</a:t>
             </a:r>
           </a:p>
           <a:p>
@@ -9344,6 +4690,79 @@
     <p:extLst>
       <p:ext uri="{BB962C8B-B14F-4D97-AF65-F5344CB8AC3E}">
         <p14:creationId xmlns:p14="http://schemas.microsoft.com/office/powerpoint/2010/main" val="2075552041"/>
+      </p:ext>
+    </p:extLst>
+  </p:cSld>
+  <p:clrMapOvr>
+    <a:masterClrMapping/>
+  </p:clrMapOvr>
+</p:sld>
+</file>
+
+<file path=ppt/slides/slide20.xml><?xml version="1.0" encoding="utf-8"?>
+<p:sld xmlns:a="http://schemas.openxmlformats.org/drawingml/2006/main" xmlns:r="http://schemas.openxmlformats.org/officeDocument/2006/relationships" xmlns:p="http://schemas.openxmlformats.org/presentationml/2006/main">
+  <p:cSld>
+    <p:spTree>
+      <p:nvGrpSpPr>
+        <p:cNvPr id="1" name=""/>
+        <p:cNvGrpSpPr/>
+        <p:nvPr/>
+      </p:nvGrpSpPr>
+      <p:grpSpPr>
+        <a:xfrm>
+          <a:off x="0" y="0"/>
+          <a:ext cx="0" cy="0"/>
+          <a:chOff x="0" y="0"/>
+          <a:chExt cx="0" cy="0"/>
+        </a:xfrm>
+      </p:grpSpPr>
+      <p:sp>
+        <p:nvSpPr>
+          <p:cNvPr id="4" name="Title 3">
+            <a:extLst>
+              <a:ext uri="{FF2B5EF4-FFF2-40B4-BE49-F238E27FC236}">
+                <a16:creationId xmlns:a16="http://schemas.microsoft.com/office/drawing/2014/main" id="{3CB44335-9888-1F34-DA83-42DC4BA2721F}"/>
+              </a:ext>
+            </a:extLst>
+          </p:cNvPr>
+          <p:cNvSpPr>
+            <a:spLocks noGrp="1"/>
+          </p:cNvSpPr>
+          <p:nvPr>
+            <p:ph type="title" idx="4294967295"/>
+          </p:nvPr>
+        </p:nvSpPr>
+        <p:spPr>
+          <a:xfrm>
+            <a:off x="1145286" y="1124712"/>
+            <a:ext cx="6858000" cy="2386584"/>
+          </a:xfrm>
+        </p:spPr>
+        <p:txBody>
+          <a:bodyPr anchor="b">
+            <a:normAutofit/>
+          </a:bodyPr>
+          <a:lstStyle/>
+          <a:p>
+            <a:pPr algn="ctr" defTabSz="457200"/>
+            <a:r>
+              <a:rPr lang="cs-CZ" sz="4800" kern="1200" dirty="0"/>
+              <a:t>Děkuji za pozornost </a:t>
+            </a:r>
+            <a:br>
+              <a:rPr lang="cs-CZ" sz="4800" kern="1200" dirty="0"/>
+            </a:br>
+            <a:r>
+              <a:rPr lang="cs-CZ" sz="4800" kern="1200" dirty="0"/>
+              <a:t>Dotazy?</a:t>
+            </a:r>
+          </a:p>
+        </p:txBody>
+      </p:sp>
+    </p:spTree>
+    <p:extLst>
+      <p:ext uri="{BB962C8B-B14F-4D97-AF65-F5344CB8AC3E}">
+        <p14:creationId xmlns:p14="http://schemas.microsoft.com/office/powerpoint/2010/main" val="1200479118"/>
       </p:ext>
     </p:extLst>
   </p:cSld>
@@ -9672,28 +5091,16 @@
               <a:buChar char="•"/>
             </a:pPr>
             <a:r>
-              <a:rPr lang="cs-CZ" dirty="0">
-                <a:highlight>
-                  <a:srgbClr val="FFFF00"/>
-                </a:highlight>
-              </a:rPr>
-              <a:t>V rámci jaké </a:t>
-            </a:r>
-            <a:r>
-              <a:rPr lang="cs-CZ" dirty="0" err="1">
-                <a:highlight>
-                  <a:srgbClr val="FFFF00"/>
-                </a:highlight>
-              </a:rPr>
-              <a:t>sgsky</a:t>
-            </a:r>
-            <a:r>
-              <a:rPr lang="cs-CZ" dirty="0">
-                <a:highlight>
-                  <a:srgbClr val="FFFF00"/>
-                </a:highlight>
-              </a:rPr>
-              <a:t> to vzniklo</a:t>
+              <a:rPr lang="cs-CZ" dirty="0"/>
+              <a:t>Soustava byla na zakázku vytvořena firmou Prokyber</a:t>
+            </a:r>
+            <a:r>
+              <a:rPr lang="en-US" dirty="0"/>
+              <a:t>,</a:t>
+            </a:r>
+            <a:r>
+              <a:rPr lang="cs-CZ" dirty="0"/>
+              <a:t> která k tomu dodala základní ovládací funkce</a:t>
             </a:r>
           </a:p>
           <a:p>
@@ -9703,16 +5110,48 @@
             </a:pPr>
             <a:r>
               <a:rPr lang="cs-CZ" dirty="0"/>
-              <a:t>Soustava byla na </a:t>
+              <a:t>Pneumatická</a:t>
+            </a:r>
+            <a:r>
+              <a:rPr lang="en-US" dirty="0"/>
+              <a:t> s</a:t>
             </a:r>
             <a:r>
               <a:rPr lang="cs-CZ" dirty="0" err="1"/>
-              <a:t>zákazku</a:t>
+              <a:t>oustava</a:t>
             </a:r>
             <a:r>
               <a:rPr lang="cs-CZ" dirty="0"/>
-              <a:t> vytvořena firmou Prokyber která k tomu dodala základní ovládací funkce</a:t>
-            </a:r>
+              <a:t> se využívá</a:t>
+            </a:r>
+            <a:r>
+              <a:rPr lang="en-US" dirty="0"/>
+              <a:t> v</a:t>
+            </a:r>
+            <a:r>
+              <a:rPr lang="cs-CZ" dirty="0"/>
+              <a:t> tým</a:t>
+            </a:r>
+            <a:r>
+              <a:rPr lang="en-US" dirty="0"/>
+              <a:t>u</a:t>
+            </a:r>
+            <a:br>
+              <a:rPr lang="en-US" dirty="0"/>
+            </a:br>
+            <a:r>
+              <a:rPr lang="en-US" dirty="0"/>
+              <a:t>Ing. Jan </a:t>
+            </a:r>
+            <a:r>
+              <a:rPr lang="en-US" dirty="0" err="1"/>
+              <a:t>Kauler</a:t>
+            </a:r>
+            <a:r>
+              <a:rPr lang="en-US" dirty="0"/>
+              <a:t>, Ph. D. a Ing. Martin Bejtic</a:t>
+            </a:r>
+            <a:endParaRPr lang="cs-CZ" dirty="0"/>
           </a:p>
           <a:p>
             <a:pPr marL="342900" indent="-342900">
@@ -9721,43 +5160,8 @@
             </a:pPr>
             <a:r>
               <a:rPr lang="cs-CZ" dirty="0"/>
-              <a:t>Soustava se využívá v disertační práci na </a:t>
-            </a:r>
-            <a:r>
-              <a:rPr lang="cs-CZ" dirty="0">
-                <a:highlight>
-                  <a:srgbClr val="FFFF00"/>
-                </a:highlight>
-              </a:rPr>
-              <a:t>TÉMA, </a:t>
-            </a:r>
-            <a:r>
-              <a:rPr lang="cs-CZ" dirty="0"/>
-              <a:t>na které pracuje můj vedoucí</a:t>
-            </a:r>
-          </a:p>
-          <a:p>
-            <a:pPr marL="342900" indent="-342900">
-              <a:buFont typeface="Arial" panose="020B0604020202020204" pitchFamily="34" charset="0"/>
-              <a:buChar char="•"/>
-            </a:pPr>
-            <a:r>
-              <a:rPr lang="cs-CZ" dirty="0"/>
-              <a:t> </a:t>
-            </a:r>
-            <a:r>
-              <a:rPr lang="cs-CZ" dirty="0" err="1"/>
-              <a:t>Sousava</a:t>
-            </a:r>
-            <a:r>
-              <a:rPr lang="cs-CZ" dirty="0"/>
-              <a:t> vznikla pro zjednodušení pohybu s pacientovou hlavou ve stísněných </a:t>
-            </a:r>
-            <a:r>
-              <a:rPr lang="cs-CZ" dirty="0" err="1"/>
-              <a:t>prosterách</a:t>
-            </a:r>
-            <a:endParaRPr lang="cs-CZ" dirty="0"/>
+              <a:t> Soustava vznikla pro zjednodušení pohybu s pacientovou hlavou ve stísněných prostorách</a:t>
+            </a:r>
           </a:p>
         </p:txBody>
       </p:sp>
@@ -9791,107 +5195,41 @@
           <a:chExt cx="0" cy="0"/>
         </a:xfrm>
       </p:grpSpPr>
-      <p:sp>
-        <p:nvSpPr>
-          <p:cNvPr id="2" name="Title 1">
+      <p:pic>
+        <p:nvPicPr>
+          <p:cNvPr id="6" name="Content Placeholder 5" descr="A close-up of a machine&#10;&#10;Description automatically generated">
             <a:extLst>
               <a:ext uri="{FF2B5EF4-FFF2-40B4-BE49-F238E27FC236}">
-                <a16:creationId xmlns:a16="http://schemas.microsoft.com/office/drawing/2014/main" id="{6B55DFB9-A72C-8CC0-5F7E-01F202BA8D55}"/>
+                <a16:creationId xmlns:a16="http://schemas.microsoft.com/office/drawing/2014/main" id="{BDFDAEA3-78E0-A2C8-0899-B92B829FB37D}"/>
               </a:ext>
             </a:extLst>
           </p:cNvPr>
-          <p:cNvSpPr>
-            <a:spLocks noGrp="1"/>
-          </p:cNvSpPr>
-          <p:nvPr>
-            <p:ph type="title"/>
-          </p:nvPr>
-        </p:nvSpPr>
-        <p:spPr/>
-        <p:txBody>
-          <a:bodyPr/>
-          <a:lstStyle/>
-          <a:p>
-            <a:r>
-              <a:rPr lang="en-US" dirty="0"/>
-              <a:t>Sem </a:t>
-            </a:r>
-            <a:r>
-              <a:rPr lang="en-US" dirty="0" err="1"/>
-              <a:t>dám</a:t>
-            </a:r>
-            <a:r>
-              <a:rPr lang="en-US" dirty="0"/>
-              <a:t> </a:t>
-            </a:r>
-            <a:r>
-              <a:rPr lang="en-US" dirty="0" err="1"/>
-              <a:t>fotku</a:t>
-            </a:r>
-            <a:r>
-              <a:rPr lang="en-US" dirty="0"/>
-              <a:t> </a:t>
-            </a:r>
-            <a:r>
-              <a:rPr lang="en-US" dirty="0" err="1"/>
-              <a:t>soustavy</a:t>
-            </a:r>
-            <a:r>
-              <a:rPr lang="en-US" dirty="0"/>
-              <a:t> </a:t>
-            </a:r>
-            <a:r>
-              <a:rPr lang="en-US" dirty="0" err="1"/>
-              <a:t>kde</a:t>
-            </a:r>
-            <a:r>
-              <a:rPr lang="en-US" dirty="0"/>
-              <a:t> je </a:t>
-            </a:r>
-            <a:r>
-              <a:rPr lang="en-US" dirty="0" err="1"/>
-              <a:t>vidět</a:t>
-            </a:r>
-            <a:r>
-              <a:rPr lang="en-US" dirty="0"/>
-              <a:t> </a:t>
-            </a:r>
-            <a:r>
-              <a:rPr lang="en-US" dirty="0" err="1"/>
-              <a:t>krokov</a:t>
-            </a:r>
-            <a:r>
-              <a:rPr lang="en-US" dirty="0"/>
-              <a:t> motor</a:t>
-            </a:r>
-          </a:p>
-        </p:txBody>
-      </p:sp>
-      <p:sp>
-        <p:nvSpPr>
-          <p:cNvPr id="3" name="Content Placeholder 2">
+          <p:cNvPicPr>
+            <a:picLocks noGrp="1" noChangeAspect="1"/>
+          </p:cNvPicPr>
+          <p:nvPr>
+            <p:ph idx="1"/>
+          </p:nvPr>
+        </p:nvPicPr>
+        <p:blipFill rotWithShape="1">
+          <a:blip r:embed="rId3" cstate="print">
             <a:extLst>
-              <a:ext uri="{FF2B5EF4-FFF2-40B4-BE49-F238E27FC236}">
-                <a16:creationId xmlns:a16="http://schemas.microsoft.com/office/drawing/2014/main" id="{6405B781-EE60-DBBC-92BD-BB025E312267}"/>
+              <a:ext uri="{28A0092B-C50C-407E-A947-70E740481C1C}">
+                <a14:useLocalDpi xmlns:a14="http://schemas.microsoft.com/office/drawing/2010/main" val="0"/>
               </a:ext>
             </a:extLst>
-          </p:cNvPr>
-          <p:cNvSpPr>
-            <a:spLocks noGrp="1"/>
-          </p:cNvSpPr>
-          <p:nvPr>
-            <p:ph idx="1"/>
-          </p:nvPr>
-        </p:nvSpPr>
-        <p:spPr/>
-        <p:txBody>
-          <a:bodyPr/>
-          <a:lstStyle/>
-          <a:p>
-            <a:endParaRPr lang="en-US"/>
-          </a:p>
-        </p:txBody>
-      </p:sp>
+          </a:blip>
+          <a:srcRect t="9722" b="7334"/>
+          <a:stretch/>
+        </p:blipFill>
+        <p:spPr>
+          <a:xfrm>
+            <a:off x="723600" y="1256662"/>
+            <a:ext cx="7696800" cy="4788000"/>
+          </a:xfrm>
+          <a:noFill/>
+        </p:spPr>
+      </p:pic>
     </p:spTree>
     <p:extLst>
       <p:ext uri="{BB962C8B-B14F-4D97-AF65-F5344CB8AC3E}">
@@ -9977,23 +5315,7 @@
             </a:pPr>
             <a:r>
               <a:rPr lang="cs-CZ" dirty="0"/>
-              <a:t>V soustavě se </a:t>
-            </a:r>
-            <a:r>
-              <a:rPr lang="cs-CZ" dirty="0" err="1"/>
-              <a:t>využívájí</a:t>
-            </a:r>
-            <a:r>
-              <a:rPr lang="cs-CZ" dirty="0"/>
-              <a:t> </a:t>
-            </a:r>
-            <a:r>
-              <a:rPr lang="cs-CZ" dirty="0" err="1"/>
-              <a:t>svlaly</a:t>
-            </a:r>
-            <a:r>
-              <a:rPr lang="cs-CZ" dirty="0"/>
-              <a:t> které byly speciálně vytvořeny pro tuto soustavu</a:t>
+              <a:t>V soustavě se využívají svaly které byly speciálně vytvořeny pro tuto soustavu</a:t>
             </a:r>
           </a:p>
           <a:p>
@@ -10161,10 +5483,9 @@
           <a:lstStyle/>
           <a:p>
             <a:r>
-              <a:rPr lang="en-US" dirty="0" err="1"/>
+              <a:rPr lang="cs-CZ" dirty="0"/>
               <a:t>Metodika</a:t>
             </a:r>
-            <a:endParaRPr lang="cs-CZ" dirty="0"/>
           </a:p>
         </p:txBody>
       </p:sp>

--- a/Obhajoba_darsamar.pptx
+++ b/Obhajoba_darsamar.pptx
@@ -10,7 +10,7 @@
   <p:sldIdLst>
     <p:sldId id="256" r:id="rId2"/>
     <p:sldId id="257" r:id="rId3"/>
-    <p:sldId id="258" r:id="rId4"/>
+    <p:sldId id="280" r:id="rId4"/>
     <p:sldId id="259" r:id="rId5"/>
     <p:sldId id="260" r:id="rId6"/>
     <p:sldId id="275" r:id="rId7"/>
@@ -153,6 +153,28 @@
 </p188:authorLst>
 </file>
 
+<file path=ppt/comments/modernComment_107_6359F90E.xml><?xml version="1.0" encoding="utf-8"?>
+<p188:cmLst xmlns:a="http://schemas.openxmlformats.org/drawingml/2006/main" xmlns:r="http://schemas.openxmlformats.org/officeDocument/2006/relationships" xmlns:p188="http://schemas.microsoft.com/office/powerpoint/2018/8/main">
+  <p188:cm id="{126F3B42-3181-45D8-9086-ADF66AAF86A6}" authorId="{6529B679-E021-05CF-90FB-DF191BF6397B}" created="2024-06-05T08:44:21.960">
+    <ac:deMkLst xmlns:ac="http://schemas.microsoft.com/office/drawing/2013/main/command">
+      <pc:docMk xmlns:pc="http://schemas.microsoft.com/office/powerpoint/2013/main/command"/>
+      <pc:sldMk xmlns:pc="http://schemas.microsoft.com/office/powerpoint/2013/main/command" cId="1666840846" sldId="263"/>
+      <ac:picMk id="6" creationId="{FB1EA9A8-6553-64DC-B0A8-8751A4685CB0}"/>
+    </ac:deMkLst>
+    <p188:txBody>
+      <a:bodyPr/>
+      <a:lstStyle/>
+      <a:p>
+        <a:r>
+          <a:rPr lang="cs-CZ"/>
+          <a:t>Na jeden slide</a:t>
+        </a:r>
+      </a:p>
+    </p188:txBody>
+  </p188:cm>
+</p188:cmLst>
+</file>
+
 <file path=ppt/comments/modernComment_10B_A5955B04.xml><?xml version="1.0" encoding="utf-8"?>
 <p188:cmLst xmlns:a="http://schemas.openxmlformats.org/drawingml/2006/main" xmlns:r="http://schemas.openxmlformats.org/officeDocument/2006/relationships" xmlns:p188="http://schemas.microsoft.com/office/powerpoint/2018/8/main">
   <p188:cm id="{BBA556AC-8352-4734-8041-15D3C9BE02BE}" authorId="{6529B679-E021-05CF-90FB-DF191BF6397B}" created="2024-06-03T16:05:58.832">
@@ -204,6 +226,43 @@
         <a:r>
           <a:rPr lang="en-US"/>
           <a:t>Asi čárou rozdělím co jsem dělal já a co už bylo
+</a:t>
+        </a:r>
+      </a:p>
+    </p188:txBody>
+  </p188:cm>
+</p188:cmLst>
+</file>
+
+<file path=ppt/comments/modernComment_113_D4EA65F0.xml><?xml version="1.0" encoding="utf-8"?>
+<p188:cmLst xmlns:a="http://schemas.openxmlformats.org/drawingml/2006/main" xmlns:r="http://schemas.openxmlformats.org/officeDocument/2006/relationships" xmlns:p188="http://schemas.microsoft.com/office/powerpoint/2018/8/main">
+  <p188:cm id="{0948CBFD-8216-4833-91C4-B63B36563AB7}" authorId="{6529B679-E021-05CF-90FB-DF191BF6397B}" created="2024-06-05T08:38:41.211">
+    <ac:deMkLst xmlns:ac="http://schemas.microsoft.com/office/drawing/2013/main/command">
+      <pc:docMk xmlns:pc="http://schemas.microsoft.com/office/powerpoint/2013/main/command"/>
+      <pc:sldMk xmlns:pc="http://schemas.microsoft.com/office/powerpoint/2013/main/command" cId="3572131312" sldId="275"/>
+      <ac:picMk id="6" creationId="{BDFDAEA3-78E0-A2C8-0899-B92B829FB37D}"/>
+    </ac:deMkLst>
+    <p188:replyLst>
+      <p188:reply id="{28CAC73A-B3AD-4264-BA27-9F5D7B5BE2EE}" authorId="{6529B679-E021-05CF-90FB-DF191BF6397B}" created="2024-06-05T08:42:32.349">
+        <p188:txBody>
+          <a:bodyPr/>
+          <a:lstStyle/>
+          <a:p>
+            <a:r>
+              <a:rPr lang="cs-CZ"/>
+              <a:t>Ilustrační fotkty po konci prezentace</a:t>
+            </a:r>
+          </a:p>
+        </p188:txBody>
+      </p188:reply>
+    </p188:replyLst>
+    <p188:txBody>
+      <a:bodyPr/>
+      <a:lstStyle/>
+      <a:p>
+        <a:r>
+          <a:rPr lang="cs-CZ"/>
+          <a:t>Nějak to spojit s předchozím slidemem a přidat popis
 </a:t>
         </a:r>
       </a:p>
@@ -696,7 +755,7 @@
           <a:bodyPr/>
           <a:lstStyle/>
           <a:p>
-            <a:endParaRPr lang="cs-CZ" dirty="0"/>
+            <a:endParaRPr lang="en-US" dirty="0"/>
           </a:p>
         </p:txBody>
       </p:sp>
@@ -717,7 +776,7 @@
           <a:p>
             <a:fld id="{40499985-F144-4F30-9B65-93EDEC442801}" type="slidenum">
               <a:rPr lang="cs-CZ" smtClean="0"/>
-              <a:t>11</a:t>
+              <a:t>12</a:t>
             </a:fld>
             <a:endParaRPr lang="cs-CZ"/>
           </a:p>
@@ -726,7 +785,7 @@
     </p:spTree>
     <p:extLst>
       <p:ext uri="{BB962C8B-B14F-4D97-AF65-F5344CB8AC3E}">
-        <p14:creationId xmlns:p14="http://schemas.microsoft.com/office/powerpoint/2010/main" val="2969818195"/>
+        <p14:creationId xmlns:p14="http://schemas.microsoft.com/office/powerpoint/2010/main" val="4058845635"/>
       </p:ext>
     </p:extLst>
   </p:cSld>
@@ -780,7 +839,10 @@
           <a:bodyPr/>
           <a:lstStyle/>
           <a:p>
-            <a:endParaRPr lang="en-US" dirty="0"/>
+            <a:r>
+              <a:rPr lang="en-US" dirty="0"/>
+              <a:t>6</a:t>
+            </a:r>
           </a:p>
         </p:txBody>
       </p:sp>
@@ -801,7 +863,7 @@
           <a:p>
             <a:fld id="{40499985-F144-4F30-9B65-93EDEC442801}" type="slidenum">
               <a:rPr lang="cs-CZ" smtClean="0"/>
-              <a:t>12</a:t>
+              <a:t>13</a:t>
             </a:fld>
             <a:endParaRPr lang="cs-CZ"/>
           </a:p>
@@ -810,7 +872,7 @@
     </p:spTree>
     <p:extLst>
       <p:ext uri="{BB962C8B-B14F-4D97-AF65-F5344CB8AC3E}">
-        <p14:creationId xmlns:p14="http://schemas.microsoft.com/office/powerpoint/2010/main" val="4058845635"/>
+        <p14:creationId xmlns:p14="http://schemas.microsoft.com/office/powerpoint/2010/main" val="763637307"/>
       </p:ext>
     </p:extLst>
   </p:cSld>
@@ -864,10 +926,7 @@
           <a:bodyPr/>
           <a:lstStyle/>
           <a:p>
-            <a:r>
-              <a:rPr lang="en-US" dirty="0"/>
-              <a:t>6</a:t>
-            </a:r>
+            <a:endParaRPr lang="cs-CZ" dirty="0"/>
           </a:p>
         </p:txBody>
       </p:sp>
@@ -888,7 +947,7 @@
           <a:p>
             <a:fld id="{40499985-F144-4F30-9B65-93EDEC442801}" type="slidenum">
               <a:rPr lang="cs-CZ" smtClean="0"/>
-              <a:t>13</a:t>
+              <a:t>14</a:t>
             </a:fld>
             <a:endParaRPr lang="cs-CZ"/>
           </a:p>
@@ -897,7 +956,7 @@
     </p:spTree>
     <p:extLst>
       <p:ext uri="{BB962C8B-B14F-4D97-AF65-F5344CB8AC3E}">
-        <p14:creationId xmlns:p14="http://schemas.microsoft.com/office/powerpoint/2010/main" val="763637307"/>
+        <p14:creationId xmlns:p14="http://schemas.microsoft.com/office/powerpoint/2010/main" val="4243141604"/>
       </p:ext>
     </p:extLst>
   </p:cSld>
@@ -951,7 +1010,7 @@
           <a:bodyPr/>
           <a:lstStyle/>
           <a:p>
-            <a:endParaRPr lang="cs-CZ" dirty="0"/>
+            <a:endParaRPr lang="en-US" dirty="0"/>
           </a:p>
         </p:txBody>
       </p:sp>
@@ -972,7 +1031,7 @@
           <a:p>
             <a:fld id="{40499985-F144-4F30-9B65-93EDEC442801}" type="slidenum">
               <a:rPr lang="cs-CZ" smtClean="0"/>
-              <a:t>14</a:t>
+              <a:t>15</a:t>
             </a:fld>
             <a:endParaRPr lang="cs-CZ"/>
           </a:p>
@@ -981,7 +1040,7 @@
     </p:spTree>
     <p:extLst>
       <p:ext uri="{BB962C8B-B14F-4D97-AF65-F5344CB8AC3E}">
-        <p14:creationId xmlns:p14="http://schemas.microsoft.com/office/powerpoint/2010/main" val="4243141604"/>
+        <p14:creationId xmlns:p14="http://schemas.microsoft.com/office/powerpoint/2010/main" val="1593135425"/>
       </p:ext>
     </p:extLst>
   </p:cSld>
@@ -1035,7 +1094,7 @@
           <a:bodyPr/>
           <a:lstStyle/>
           <a:p>
-            <a:endParaRPr lang="en-US" dirty="0"/>
+            <a:endParaRPr lang="cs-CZ" dirty="0"/>
           </a:p>
         </p:txBody>
       </p:sp>
@@ -1056,7 +1115,7 @@
           <a:p>
             <a:fld id="{40499985-F144-4F30-9B65-93EDEC442801}" type="slidenum">
               <a:rPr lang="cs-CZ" smtClean="0"/>
-              <a:t>15</a:t>
+              <a:t>16</a:t>
             </a:fld>
             <a:endParaRPr lang="cs-CZ"/>
           </a:p>
@@ -1065,7 +1124,7 @@
     </p:spTree>
     <p:extLst>
       <p:ext uri="{BB962C8B-B14F-4D97-AF65-F5344CB8AC3E}">
-        <p14:creationId xmlns:p14="http://schemas.microsoft.com/office/powerpoint/2010/main" val="1593135425"/>
+        <p14:creationId xmlns:p14="http://schemas.microsoft.com/office/powerpoint/2010/main" val="4065488519"/>
       </p:ext>
     </p:extLst>
   </p:cSld>
@@ -1140,7 +1199,7 @@
           <a:p>
             <a:fld id="{40499985-F144-4F30-9B65-93EDEC442801}" type="slidenum">
               <a:rPr lang="cs-CZ" smtClean="0"/>
-              <a:t>16</a:t>
+              <a:t>17</a:t>
             </a:fld>
             <a:endParaRPr lang="cs-CZ"/>
           </a:p>
@@ -1149,7 +1208,7 @@
     </p:spTree>
     <p:extLst>
       <p:ext uri="{BB962C8B-B14F-4D97-AF65-F5344CB8AC3E}">
-        <p14:creationId xmlns:p14="http://schemas.microsoft.com/office/powerpoint/2010/main" val="4065488519"/>
+        <p14:creationId xmlns:p14="http://schemas.microsoft.com/office/powerpoint/2010/main" val="1134747718"/>
       </p:ext>
     </p:extLst>
   </p:cSld>
@@ -1224,7 +1283,7 @@
           <a:p>
             <a:fld id="{40499985-F144-4F30-9B65-93EDEC442801}" type="slidenum">
               <a:rPr lang="cs-CZ" smtClean="0"/>
-              <a:t>17</a:t>
+              <a:t>18</a:t>
             </a:fld>
             <a:endParaRPr lang="cs-CZ"/>
           </a:p>
@@ -1233,7 +1292,7 @@
     </p:spTree>
     <p:extLst>
       <p:ext uri="{BB962C8B-B14F-4D97-AF65-F5344CB8AC3E}">
-        <p14:creationId xmlns:p14="http://schemas.microsoft.com/office/powerpoint/2010/main" val="1134747718"/>
+        <p14:creationId xmlns:p14="http://schemas.microsoft.com/office/powerpoint/2010/main" val="75704005"/>
       </p:ext>
     </p:extLst>
   </p:cSld>
@@ -1287,90 +1346,6 @@
           <a:bodyPr/>
           <a:lstStyle/>
           <a:p>
-            <a:endParaRPr lang="cs-CZ" dirty="0"/>
-          </a:p>
-        </p:txBody>
-      </p:sp>
-      <p:sp>
-        <p:nvSpPr>
-          <p:cNvPr id="4" name="Slide Number Placeholder 3"/>
-          <p:cNvSpPr>
-            <a:spLocks noGrp="1"/>
-          </p:cNvSpPr>
-          <p:nvPr>
-            <p:ph type="sldNum" sz="quarter" idx="5"/>
-          </p:nvPr>
-        </p:nvSpPr>
-        <p:spPr/>
-        <p:txBody>
-          <a:bodyPr/>
-          <a:lstStyle/>
-          <a:p>
-            <a:fld id="{40499985-F144-4F30-9B65-93EDEC442801}" type="slidenum">
-              <a:rPr lang="cs-CZ" smtClean="0"/>
-              <a:t>18</a:t>
-            </a:fld>
-            <a:endParaRPr lang="cs-CZ"/>
-          </a:p>
-        </p:txBody>
-      </p:sp>
-    </p:spTree>
-    <p:extLst>
-      <p:ext uri="{BB962C8B-B14F-4D97-AF65-F5344CB8AC3E}">
-        <p14:creationId xmlns:p14="http://schemas.microsoft.com/office/powerpoint/2010/main" val="75704005"/>
-      </p:ext>
-    </p:extLst>
-  </p:cSld>
-  <p:clrMapOvr>
-    <a:masterClrMapping/>
-  </p:clrMapOvr>
-</p:notes>
-</file>
-
-<file path=ppt/notesSlides/notesSlide18.xml><?xml version="1.0" encoding="utf-8"?>
-<p:notes xmlns:a="http://schemas.openxmlformats.org/drawingml/2006/main" xmlns:r="http://schemas.openxmlformats.org/officeDocument/2006/relationships" xmlns:p="http://schemas.openxmlformats.org/presentationml/2006/main">
-  <p:cSld>
-    <p:spTree>
-      <p:nvGrpSpPr>
-        <p:cNvPr id="1" name=""/>
-        <p:cNvGrpSpPr/>
-        <p:nvPr/>
-      </p:nvGrpSpPr>
-      <p:grpSpPr>
-        <a:xfrm>
-          <a:off x="0" y="0"/>
-          <a:ext cx="0" cy="0"/>
-          <a:chOff x="0" y="0"/>
-          <a:chExt cx="0" cy="0"/>
-        </a:xfrm>
-      </p:grpSpPr>
-      <p:sp>
-        <p:nvSpPr>
-          <p:cNvPr id="2" name="Slide Image Placeholder 1"/>
-          <p:cNvSpPr>
-            <a:spLocks noGrp="1" noRot="1" noChangeAspect="1"/>
-          </p:cNvSpPr>
-          <p:nvPr>
-            <p:ph type="sldImg"/>
-          </p:nvPr>
-        </p:nvSpPr>
-        <p:spPr/>
-      </p:sp>
-      <p:sp>
-        <p:nvSpPr>
-          <p:cNvPr id="3" name="Notes Placeholder 2"/>
-          <p:cNvSpPr>
-            <a:spLocks noGrp="1"/>
-          </p:cNvSpPr>
-          <p:nvPr>
-            <p:ph type="body" idx="1"/>
-          </p:nvPr>
-        </p:nvSpPr>
-        <p:spPr/>
-        <p:txBody>
-          <a:bodyPr/>
-          <a:lstStyle/>
-          <a:p>
             <a:endParaRPr lang="en-US" dirty="0"/>
           </a:p>
         </p:txBody>
@@ -1411,7 +1386,7 @@
 </p:notes>
 </file>
 
-<file path=ppt/notesSlides/notesSlide19.xml><?xml version="1.0" encoding="utf-8"?>
+<file path=ppt/notesSlides/notesSlide18.xml><?xml version="1.0" encoding="utf-8"?>
 <p:notes xmlns:a="http://schemas.openxmlformats.org/drawingml/2006/main" xmlns:r="http://schemas.openxmlformats.org/officeDocument/2006/relationships" xmlns:p="http://schemas.openxmlformats.org/presentationml/2006/main">
   <p:cSld>
     <p:spTree>
@@ -1628,7 +1603,7 @@
           <a:p>
             <a:r>
               <a:rPr lang="en-US" dirty="0"/>
-              <a:t>0:50 – 1:15</a:t>
+              <a:t>1:15-2</a:t>
             </a:r>
           </a:p>
         </p:txBody>
@@ -1650,7 +1625,7 @@
           <a:p>
             <a:fld id="{40499985-F144-4F30-9B65-93EDEC442801}" type="slidenum">
               <a:rPr lang="cs-CZ" smtClean="0"/>
-              <a:t>3</a:t>
+              <a:t>4</a:t>
             </a:fld>
             <a:endParaRPr lang="cs-CZ"/>
           </a:p>
@@ -1659,7 +1634,7 @@
     </p:spTree>
     <p:extLst>
       <p:ext uri="{BB962C8B-B14F-4D97-AF65-F5344CB8AC3E}">
-        <p14:creationId xmlns:p14="http://schemas.microsoft.com/office/powerpoint/2010/main" val="1013171536"/>
+        <p14:creationId xmlns:p14="http://schemas.microsoft.com/office/powerpoint/2010/main" val="2428535078"/>
       </p:ext>
     </p:extLst>
   </p:cSld>
@@ -1715,8 +1690,9 @@
           <a:p>
             <a:r>
               <a:rPr lang="en-US" dirty="0"/>
-              <a:t>1:15-2</a:t>
-            </a:r>
+              <a:t>2-3:35</a:t>
+            </a:r>
+            <a:endParaRPr lang="cs-CZ" dirty="0"/>
           </a:p>
         </p:txBody>
       </p:sp>
@@ -1737,7 +1713,7 @@
           <a:p>
             <a:fld id="{40499985-F144-4F30-9B65-93EDEC442801}" type="slidenum">
               <a:rPr lang="cs-CZ" smtClean="0"/>
-              <a:t>4</a:t>
+              <a:t>5</a:t>
             </a:fld>
             <a:endParaRPr lang="cs-CZ"/>
           </a:p>
@@ -1746,7 +1722,7 @@
     </p:spTree>
     <p:extLst>
       <p:ext uri="{BB962C8B-B14F-4D97-AF65-F5344CB8AC3E}">
-        <p14:creationId xmlns:p14="http://schemas.microsoft.com/office/powerpoint/2010/main" val="2428535078"/>
+        <p14:creationId xmlns:p14="http://schemas.microsoft.com/office/powerpoint/2010/main" val="680251953"/>
       </p:ext>
     </p:extLst>
   </p:cSld>
@@ -1775,7 +1751,7 @@
       </p:grpSpPr>
       <p:sp>
         <p:nvSpPr>
-          <p:cNvPr id="2" name="Slide Image Placeholder 1"/>
+          <p:cNvPr id="2" name="Zástupný symbol pro obrázek snímku 1"/>
           <p:cNvSpPr>
             <a:spLocks noGrp="1" noRot="1" noChangeAspect="1"/>
           </p:cNvSpPr>
@@ -1787,7 +1763,7 @@
       </p:sp>
       <p:sp>
         <p:nvSpPr>
-          <p:cNvPr id="3" name="Notes Placeholder 2"/>
+          <p:cNvPr id="3" name="Zástupný symbol pro poznámky 2"/>
           <p:cNvSpPr>
             <a:spLocks noGrp="1"/>
           </p:cNvSpPr>
@@ -1802,7 +1778,7 @@
           <a:p>
             <a:r>
               <a:rPr lang="en-US" dirty="0"/>
-              <a:t>2-3:35</a:t>
+              <a:t>3:35-4</a:t>
             </a:r>
             <a:endParaRPr lang="cs-CZ" dirty="0"/>
           </a:p>
@@ -1810,7 +1786,7 @@
       </p:sp>
       <p:sp>
         <p:nvSpPr>
-          <p:cNvPr id="4" name="Slide Number Placeholder 3"/>
+          <p:cNvPr id="4" name="Zástupný symbol pro číslo snímku 3"/>
           <p:cNvSpPr>
             <a:spLocks noGrp="1"/>
           </p:cNvSpPr>
@@ -1825,7 +1801,7 @@
           <a:p>
             <a:fld id="{40499985-F144-4F30-9B65-93EDEC442801}" type="slidenum">
               <a:rPr lang="cs-CZ" smtClean="0"/>
-              <a:t>5</a:t>
+              <a:t>6</a:t>
             </a:fld>
             <a:endParaRPr lang="cs-CZ"/>
           </a:p>
@@ -1834,7 +1810,7 @@
     </p:spTree>
     <p:extLst>
       <p:ext uri="{BB962C8B-B14F-4D97-AF65-F5344CB8AC3E}">
-        <p14:creationId xmlns:p14="http://schemas.microsoft.com/office/powerpoint/2010/main" val="680251953"/>
+        <p14:creationId xmlns:p14="http://schemas.microsoft.com/office/powerpoint/2010/main" val="1769940720"/>
       </p:ext>
     </p:extLst>
   </p:cSld>
@@ -1890,7 +1866,7 @@
           <a:p>
             <a:r>
               <a:rPr lang="en-US" dirty="0"/>
-              <a:t>3:35-4</a:t>
+              <a:t>4-4:35</a:t>
             </a:r>
             <a:endParaRPr lang="cs-CZ" dirty="0"/>
           </a:p>
@@ -1913,7 +1889,7 @@
           <a:p>
             <a:fld id="{40499985-F144-4F30-9B65-93EDEC442801}" type="slidenum">
               <a:rPr lang="cs-CZ" smtClean="0"/>
-              <a:t>6</a:t>
+              <a:t>7</a:t>
             </a:fld>
             <a:endParaRPr lang="cs-CZ"/>
           </a:p>
@@ -1922,7 +1898,7 @@
     </p:spTree>
     <p:extLst>
       <p:ext uri="{BB962C8B-B14F-4D97-AF65-F5344CB8AC3E}">
-        <p14:creationId xmlns:p14="http://schemas.microsoft.com/office/powerpoint/2010/main" val="1769940720"/>
+        <p14:creationId xmlns:p14="http://schemas.microsoft.com/office/powerpoint/2010/main" val="847277903"/>
       </p:ext>
     </p:extLst>
   </p:cSld>
@@ -1951,7 +1927,7 @@
       </p:grpSpPr>
       <p:sp>
         <p:nvSpPr>
-          <p:cNvPr id="2" name="Zástupný symbol pro obrázek snímku 1"/>
+          <p:cNvPr id="2" name="Slide Image Placeholder 1"/>
           <p:cNvSpPr>
             <a:spLocks noGrp="1" noRot="1" noChangeAspect="1"/>
           </p:cNvSpPr>
@@ -1963,7 +1939,7 @@
       </p:sp>
       <p:sp>
         <p:nvSpPr>
-          <p:cNvPr id="3" name="Zástupný symbol pro poznámky 2"/>
+          <p:cNvPr id="3" name="Notes Placeholder 2"/>
           <p:cNvSpPr>
             <a:spLocks noGrp="1"/>
           </p:cNvSpPr>
@@ -1978,15 +1954,14 @@
           <a:p>
             <a:r>
               <a:rPr lang="en-US" dirty="0"/>
-              <a:t>4-4:35</a:t>
-            </a:r>
-            <a:endParaRPr lang="cs-CZ" dirty="0"/>
-          </a:p>
-        </p:txBody>
-      </p:sp>
-      <p:sp>
-        <p:nvSpPr>
-          <p:cNvPr id="4" name="Zástupný symbol pro číslo snímku 3"/>
+              <a:t>4</a:t>
+            </a:r>
+          </a:p>
+        </p:txBody>
+      </p:sp>
+      <p:sp>
+        <p:nvSpPr>
+          <p:cNvPr id="4" name="Slide Number Placeholder 3"/>
           <p:cNvSpPr>
             <a:spLocks noGrp="1"/>
           </p:cNvSpPr>
@@ -2001,7 +1976,7 @@
           <a:p>
             <a:fld id="{40499985-F144-4F30-9B65-93EDEC442801}" type="slidenum">
               <a:rPr lang="cs-CZ" smtClean="0"/>
-              <a:t>7</a:t>
+              <a:t>9</a:t>
             </a:fld>
             <a:endParaRPr lang="cs-CZ"/>
           </a:p>
@@ -2010,7 +1985,7 @@
     </p:spTree>
     <p:extLst>
       <p:ext uri="{BB962C8B-B14F-4D97-AF65-F5344CB8AC3E}">
-        <p14:creationId xmlns:p14="http://schemas.microsoft.com/office/powerpoint/2010/main" val="847277903"/>
+        <p14:creationId xmlns:p14="http://schemas.microsoft.com/office/powerpoint/2010/main" val="2016927497"/>
       </p:ext>
     </p:extLst>
   </p:cSld>
@@ -2064,10 +2039,7 @@
           <a:bodyPr/>
           <a:lstStyle/>
           <a:p>
-            <a:r>
-              <a:rPr lang="en-US" dirty="0"/>
-              <a:t>4</a:t>
-            </a:r>
+            <a:endParaRPr lang="en-US" dirty="0"/>
           </a:p>
         </p:txBody>
       </p:sp>
@@ -2088,7 +2060,7 @@
           <a:p>
             <a:fld id="{40499985-F144-4F30-9B65-93EDEC442801}" type="slidenum">
               <a:rPr lang="cs-CZ" smtClean="0"/>
-              <a:t>9</a:t>
+              <a:t>10</a:t>
             </a:fld>
             <a:endParaRPr lang="cs-CZ"/>
           </a:p>
@@ -2097,7 +2069,7 @@
     </p:spTree>
     <p:extLst>
       <p:ext uri="{BB962C8B-B14F-4D97-AF65-F5344CB8AC3E}">
-        <p14:creationId xmlns:p14="http://schemas.microsoft.com/office/powerpoint/2010/main" val="2016927497"/>
+        <p14:creationId xmlns:p14="http://schemas.microsoft.com/office/powerpoint/2010/main" val="3591965212"/>
       </p:ext>
     </p:extLst>
   </p:cSld>
@@ -2151,7 +2123,7 @@
           <a:bodyPr/>
           <a:lstStyle/>
           <a:p>
-            <a:endParaRPr lang="en-US" dirty="0"/>
+            <a:endParaRPr lang="cs-CZ" dirty="0"/>
           </a:p>
         </p:txBody>
       </p:sp>
@@ -2172,7 +2144,7 @@
           <a:p>
             <a:fld id="{40499985-F144-4F30-9B65-93EDEC442801}" type="slidenum">
               <a:rPr lang="cs-CZ" smtClean="0"/>
-              <a:t>10</a:t>
+              <a:t>11</a:t>
             </a:fld>
             <a:endParaRPr lang="cs-CZ"/>
           </a:p>
@@ -2181,7 +2153,7 @@
     </p:spTree>
     <p:extLst>
       <p:ext uri="{BB962C8B-B14F-4D97-AF65-F5344CB8AC3E}">
-        <p14:creationId xmlns:p14="http://schemas.microsoft.com/office/powerpoint/2010/main" val="3591965212"/>
+        <p14:creationId xmlns:p14="http://schemas.microsoft.com/office/powerpoint/2010/main" val="2969818195"/>
       </p:ext>
     </p:extLst>
   </p:cSld>
@@ -2772,6 +2744,94 @@
               <a:t>/20</a:t>
             </a:r>
             <a:endParaRPr lang="cs-CZ" dirty="0"/>
+          </a:p>
+        </p:txBody>
+      </p:sp>
+      <p:sp>
+        <p:nvSpPr>
+          <p:cNvPr id="4" name="TextBox 3">
+            <a:extLst>
+              <a:ext uri="{FF2B5EF4-FFF2-40B4-BE49-F238E27FC236}">
+                <a16:creationId xmlns:a16="http://schemas.microsoft.com/office/drawing/2014/main" id="{F465AEDD-BE86-7FB6-245D-8309C71B93D5}"/>
+              </a:ext>
+            </a:extLst>
+          </p:cNvPr>
+          <p:cNvSpPr txBox="1"/>
+          <p:nvPr userDrawn="1"/>
+        </p:nvSpPr>
+        <p:spPr>
+          <a:xfrm>
+            <a:off x="3315855" y="6424767"/>
+            <a:ext cx="3389745" cy="276999"/>
+          </a:xfrm>
+          <a:prstGeom prst="rect">
+            <a:avLst/>
+          </a:prstGeom>
+          <a:noFill/>
+        </p:spPr>
+        <p:txBody>
+          <a:bodyPr wrap="square" rtlCol="0">
+            <a:spAutoFit/>
+          </a:bodyPr>
+          <a:lstStyle/>
+          <a:p>
+            <a:r>
+              <a:rPr lang="en-US" sz="1200" dirty="0">
+                <a:solidFill>
+                  <a:schemeClr val="bg1">
+                    <a:lumMod val="65000"/>
+                  </a:schemeClr>
+                </a:solidFill>
+              </a:rPr>
+              <a:t>Marek Darsa </a:t>
+            </a:r>
+            <a:r>
+              <a:rPr lang="en-US" sz="1200" dirty="0" err="1">
+                <a:solidFill>
+                  <a:schemeClr val="bg1">
+                    <a:lumMod val="65000"/>
+                  </a:schemeClr>
+                </a:solidFill>
+              </a:rPr>
+              <a:t>Bakalářská</a:t>
+            </a:r>
+            <a:r>
+              <a:rPr lang="en-US" sz="1200" dirty="0">
+                <a:solidFill>
+                  <a:schemeClr val="bg1">
+                    <a:lumMod val="65000"/>
+                  </a:schemeClr>
+                </a:solidFill>
+              </a:rPr>
+              <a:t> </a:t>
+            </a:r>
+            <a:r>
+              <a:rPr lang="en-US" sz="1200" dirty="0" err="1">
+                <a:solidFill>
+                  <a:schemeClr val="bg1">
+                    <a:lumMod val="65000"/>
+                  </a:schemeClr>
+                </a:solidFill>
+              </a:rPr>
+              <a:t>práce</a:t>
+            </a:r>
+            <a:r>
+              <a:rPr lang="en-US" sz="1200" dirty="0">
+                <a:solidFill>
+                  <a:schemeClr val="bg1">
+                    <a:lumMod val="65000"/>
+                  </a:schemeClr>
+                </a:solidFill>
+              </a:rPr>
+              <a:t> 12. 6. 2024</a:t>
+            </a:r>
+            <a:endParaRPr lang="cs-CZ" sz="1200" dirty="0">
+              <a:solidFill>
+                <a:schemeClr val="bg1">
+                  <a:lumMod val="65000"/>
+                </a:schemeClr>
+              </a:solidFill>
+            </a:endParaRPr>
           </a:p>
         </p:txBody>
       </p:sp>
@@ -3650,6 +3710,7 @@
           </a:bodyPr>
           <a:lstStyle/>
           <a:p>
+            <a:pPr algn="ctr"/>
             <a:r>
               <a:rPr lang="cs-CZ" dirty="0"/>
               <a:t>Ovládací software pro nezávislé ovládání </a:t>
@@ -3659,14 +3720,7 @@
             </a:br>
             <a:r>
               <a:rPr lang="cs-CZ" dirty="0"/>
-              <a:t>pěti pneumatických svalů v robotické </a:t>
-            </a:r>
-            <a:br>
-              <a:rPr lang="en-US" dirty="0"/>
-            </a:br>
-            <a:r>
-              <a:rPr lang="cs-CZ" dirty="0"/>
-              <a:t>struktuře</a:t>
+              <a:t>pěti pneumatických svalů v robotické struktuře</a:t>
             </a:r>
           </a:p>
         </p:txBody>
@@ -3689,20 +3743,18 @@
         </p:spPr>
         <p:txBody>
           <a:bodyPr>
-            <a:normAutofit/>
+            <a:normAutofit fontScale="92500" lnSpcReduction="20000"/>
           </a:bodyPr>
           <a:lstStyle/>
           <a:p>
-            <a:r>
-              <a:rPr lang="en-US" dirty="0"/>
-              <a:t>ČVUT  FBMI Kladno</a:t>
-            </a:r>
-          </a:p>
-          <a:p>
-            <a:r>
-              <a:rPr lang="en-US" dirty="0"/>
-              <a:t>Autor: Marek Darsa </a:t>
-            </a:r>
+            <a:endParaRPr lang="en-US" dirty="0"/>
+          </a:p>
+          <a:p>
+            <a:r>
+              <a:rPr lang="en-US" dirty="0" err="1"/>
+              <a:t>bionformatika</a:t>
+            </a:r>
+            <a:endParaRPr lang="en-US" dirty="0"/>
           </a:p>
           <a:p>
             <a:r>
@@ -3724,10 +3776,92 @@
           </a:p>
           <a:p>
             <a:r>
+              <a:rPr lang="en-US" dirty="0" err="1"/>
+              <a:t>Konzultant</a:t>
+            </a:r>
+            <a:r>
+              <a:rPr lang="en-US" dirty="0"/>
+              <a:t>: </a:t>
+            </a:r>
+          </a:p>
+          <a:p>
+            <a:r>
               <a:rPr lang="en-US" dirty="0"/>
               <a:t>12.6.2024</a:t>
             </a:r>
             <a:endParaRPr lang="cs-CZ" dirty="0"/>
+          </a:p>
+        </p:txBody>
+      </p:sp>
+      <p:sp>
+        <p:nvSpPr>
+          <p:cNvPr id="2" name="TextBox 1">
+            <a:extLst>
+              <a:ext uri="{FF2B5EF4-FFF2-40B4-BE49-F238E27FC236}">
+                <a16:creationId xmlns:a16="http://schemas.microsoft.com/office/drawing/2014/main" id="{688B6900-5019-0CE9-E98A-F652E1781C35}"/>
+              </a:ext>
+            </a:extLst>
+          </p:cNvPr>
+          <p:cNvSpPr txBox="1"/>
+          <p:nvPr/>
+        </p:nvSpPr>
+        <p:spPr>
+          <a:xfrm>
+            <a:off x="2743200" y="4296102"/>
+            <a:ext cx="4452730" cy="646331"/>
+          </a:xfrm>
+          <a:prstGeom prst="rect">
+            <a:avLst/>
+          </a:prstGeom>
+          <a:noFill/>
+        </p:spPr>
+        <p:txBody>
+          <a:bodyPr wrap="square" rtlCol="0">
+            <a:spAutoFit/>
+          </a:bodyPr>
+          <a:lstStyle/>
+          <a:p>
+            <a:pPr algn="ctr"/>
+            <a:r>
+              <a:rPr lang="en-US" dirty="0">
+                <a:solidFill>
+                  <a:schemeClr val="bg1"/>
+                </a:solidFill>
+              </a:rPr>
+              <a:t>Marek Darsa </a:t>
+            </a:r>
+          </a:p>
+          <a:p>
+            <a:pPr algn="ctr"/>
+            <a:r>
+              <a:rPr lang="en-US" dirty="0" err="1">
+                <a:solidFill>
+                  <a:schemeClr val="bg1"/>
+                </a:solidFill>
+              </a:rPr>
+              <a:t>Bak</a:t>
+            </a:r>
+            <a:r>
+              <a:rPr lang="en-US" dirty="0">
+                <a:solidFill>
+                  <a:schemeClr val="bg1"/>
+                </a:solidFill>
+              </a:rPr>
+              <a:t> </a:t>
+            </a:r>
+            <a:r>
+              <a:rPr lang="en-US" dirty="0" err="1">
+                <a:solidFill>
+                  <a:schemeClr val="bg1"/>
+                </a:solidFill>
+              </a:rPr>
+              <a:t>Práce</a:t>
+            </a:r>
+            <a:endParaRPr lang="cs-CZ" dirty="0">
+              <a:solidFill>
+                <a:schemeClr val="bg1"/>
+              </a:solidFill>
+            </a:endParaRPr>
           </a:p>
         </p:txBody>
       </p:sp>
@@ -3784,11 +3918,15 @@
           <a:p>
             <a:r>
               <a:rPr lang="en-US" dirty="0" err="1"/>
-              <a:t>Vytvoření</a:t>
+              <a:t>Technické</a:t>
             </a:r>
             <a:r>
               <a:rPr lang="en-US" dirty="0"/>
-              <a:t> GUI</a:t>
+              <a:t> </a:t>
+            </a:r>
+            <a:r>
+              <a:rPr lang="en-US" dirty="0" err="1"/>
+              <a:t>řešení</a:t>
             </a:r>
             <a:endParaRPr lang="cs-CZ" dirty="0"/>
           </a:p>
@@ -3820,6 +3958,16 @@
               <a:buChar char="•"/>
             </a:pPr>
             <a:r>
+              <a:rPr lang="en-US" dirty="0"/>
+              <a:t>Python</a:t>
+            </a:r>
+          </a:p>
+          <a:p>
+            <a:pPr marL="342900" indent="-342900">
+              <a:buFont typeface="Arial" panose="020B0604020202020204" pitchFamily="34" charset="0"/>
+              <a:buChar char="•"/>
+            </a:pPr>
+            <a:r>
               <a:rPr lang="cs-CZ" dirty="0"/>
               <a:t>Knihovna</a:t>
             </a:r>
@@ -3830,6 +3978,32 @@
             <a:r>
               <a:rPr lang="en-US" dirty="0" err="1"/>
               <a:t>customtikinter</a:t>
+            </a:r>
+            <a:endParaRPr lang="en-US" dirty="0"/>
+          </a:p>
+          <a:p>
+            <a:pPr marL="342900" indent="-342900">
+              <a:buFont typeface="Arial" panose="020B0604020202020204" pitchFamily="34" charset="0"/>
+              <a:buChar char="•"/>
+            </a:pPr>
+            <a:endParaRPr lang="en-US" dirty="0"/>
+          </a:p>
+          <a:p>
+            <a:pPr marL="342900" indent="-342900">
+              <a:buFont typeface="Arial" panose="020B0604020202020204" pitchFamily="34" charset="0"/>
+              <a:buChar char="•"/>
+            </a:pPr>
+            <a:r>
+              <a:rPr lang="en-US" dirty="0" err="1"/>
+              <a:t>Přidat</a:t>
+            </a:r>
+            <a:r>
+              <a:rPr lang="en-US" dirty="0"/>
+              <a:t> </a:t>
+            </a:r>
+            <a:r>
+              <a:rPr lang="en-US" dirty="0" err="1"/>
+              <a:t>obsah</a:t>
             </a:r>
             <a:endParaRPr lang="cs-CZ" dirty="0"/>
           </a:p>
@@ -3882,7 +4056,7 @@
           </p:nvPr>
         </p:nvPicPr>
         <p:blipFill>
-          <a:blip r:embed="rId3">
+          <a:blip r:embed="rId4">
             <a:extLst>
               <a:ext uri="{28A0092B-C50C-407E-A947-70E740481C1C}">
                 <a14:useLocalDpi xmlns:a14="http://schemas.microsoft.com/office/drawing/2010/main" val="0"/>
@@ -3910,6 +4084,11 @@
   <p:clrMapOvr>
     <a:masterClrMapping/>
   </p:clrMapOvr>
+  <p:extLst>
+    <p:ext uri="{6950BFC3-D8DA-4A85-94F7-54DA5524770B}">
+      <p188:commentRel xmlns:p188="http://schemas.microsoft.com/office/powerpoint/2018/8/main" r:id="rId3"/>
+    </p:ext>
+  </p:extLst>
 </p:sld>
 </file>
 
@@ -4069,6 +4248,94 @@
               <a:rPr lang="en-US" dirty="0"/>
               <a:t>User</a:t>
             </a:r>
+          </a:p>
+          <a:p>
+            <a:pPr marL="342900" indent="-342900">
+              <a:buFont typeface="Arial" panose="020B0604020202020204" pitchFamily="34" charset="0"/>
+              <a:buChar char="•"/>
+            </a:pPr>
+            <a:endParaRPr lang="en-US" dirty="0"/>
+          </a:p>
+          <a:p>
+            <a:pPr marL="342900" indent="-342900">
+              <a:buFont typeface="Arial" panose="020B0604020202020204" pitchFamily="34" charset="0"/>
+              <a:buChar char="•"/>
+            </a:pPr>
+            <a:r>
+              <a:rPr lang="en-US" dirty="0"/>
+              <a:t>+ </a:t>
+            </a:r>
+            <a:r>
+              <a:rPr lang="en-US" dirty="0" err="1"/>
+              <a:t>rozdělení</a:t>
+            </a:r>
+            <a:r>
+              <a:rPr lang="en-US" dirty="0"/>
+              <a:t> </a:t>
+            </a:r>
+          </a:p>
+          <a:p>
+            <a:pPr marL="342900" indent="-342900">
+              <a:buFont typeface="Arial" panose="020B0604020202020204" pitchFamily="34" charset="0"/>
+              <a:buChar char="•"/>
+            </a:pPr>
+            <a:r>
+              <a:rPr lang="en-US" dirty="0"/>
+              <a:t>Ke </a:t>
+            </a:r>
+            <a:r>
+              <a:rPr lang="en-US" dirty="0" err="1"/>
+              <a:t>každému</a:t>
+            </a:r>
+            <a:r>
+              <a:rPr lang="en-US" dirty="0"/>
+              <a:t> body co </a:t>
+            </a:r>
+            <a:r>
+              <a:rPr lang="en-US" dirty="0" err="1"/>
+              <a:t>může</a:t>
+            </a:r>
+            <a:r>
+              <a:rPr lang="en-US" dirty="0"/>
+              <a:t> a </a:t>
+            </a:r>
+            <a:r>
+              <a:rPr lang="en-US" dirty="0" err="1"/>
+              <a:t>a</a:t>
+            </a:r>
+            <a:r>
+              <a:rPr lang="en-US" dirty="0"/>
+              <a:t> </a:t>
+            </a:r>
+            <a:r>
+              <a:rPr lang="en-US" dirty="0" err="1"/>
+              <a:t>nemůže</a:t>
+            </a:r>
+            <a:r>
+              <a:rPr lang="en-US" dirty="0"/>
+              <a:t> </a:t>
+            </a:r>
+            <a:r>
+              <a:rPr lang="en-US" dirty="0" err="1"/>
+              <a:t>dělat</a:t>
+            </a:r>
+            <a:r>
+              <a:rPr lang="en-US" dirty="0"/>
+              <a:t> </a:t>
+            </a:r>
+            <a:r>
+              <a:rPr lang="en-US" dirty="0" err="1"/>
+              <a:t>jenom</a:t>
+            </a:r>
+            <a:r>
+              <a:rPr lang="en-US" dirty="0"/>
+              <a:t> </a:t>
+            </a:r>
+            <a:r>
+              <a:rPr lang="en-US" dirty="0" err="1"/>
+              <a:t>napsat</a:t>
+            </a:r>
+            <a:endParaRPr lang="en-US" dirty="0"/>
           </a:p>
           <a:p>
             <a:pPr marL="342900" indent="-342900">
@@ -4740,7 +5007,7 @@
         </p:spPr>
         <p:txBody>
           <a:bodyPr anchor="b">
-            <a:normAutofit/>
+            <a:normAutofit fontScale="90000"/>
           </a:bodyPr>
           <a:lstStyle/>
           <a:p>
@@ -4756,6 +5023,13 @@
               <a:rPr lang="cs-CZ" sz="4800" kern="1200" dirty="0"/>
               <a:t>Dotazy?</a:t>
             </a:r>
+            <a:br>
+              <a:rPr lang="en-US" sz="4800" kern="1200" dirty="0"/>
+            </a:br>
+            <a:br>
+              <a:rPr lang="en-US" sz="4800" kern="1200" dirty="0"/>
+            </a:br>
+            <a:endParaRPr lang="cs-CZ" sz="4800" kern="1200" dirty="0"/>
           </a:p>
         </p:txBody>
       </p:sp>
@@ -4794,7 +5068,7 @@
           <p:cNvPr id="2" name="Title 1">
             <a:extLst>
               <a:ext uri="{FF2B5EF4-FFF2-40B4-BE49-F238E27FC236}">
-                <a16:creationId xmlns:a16="http://schemas.microsoft.com/office/drawing/2014/main" id="{999AEFB3-1DD3-EAF8-A4CB-50BDA85A1567}"/>
+                <a16:creationId xmlns:a16="http://schemas.microsoft.com/office/drawing/2014/main" id="{6F4449DD-5DD2-CA77-8FF8-4D894DE4453F}"/>
               </a:ext>
             </a:extLst>
           </p:cNvPr>
@@ -4807,15 +5081,38 @@
         </p:nvSpPr>
         <p:spPr/>
         <p:txBody>
-          <a:bodyPr>
-            <a:normAutofit/>
-          </a:bodyPr>
-          <a:lstStyle/>
-          <a:p>
-            <a:r>
-              <a:rPr lang="cs-CZ" sz="3200" dirty="0"/>
-              <a:t>Téma bakalářské práce</a:t>
-            </a:r>
+          <a:bodyPr/>
+          <a:lstStyle/>
+          <a:p>
+            <a:r>
+              <a:rPr lang="en-US" dirty="0"/>
+              <a:t>Mini </a:t>
+            </a:r>
+            <a:r>
+              <a:rPr lang="en-US" dirty="0" err="1"/>
+              <a:t>uvod</a:t>
+            </a:r>
+            <a:r>
+              <a:rPr lang="en-US" dirty="0"/>
+              <a:t> </a:t>
+            </a:r>
+            <a:r>
+              <a:rPr lang="en-US" dirty="0" err="1"/>
+              <a:t>populisticky</a:t>
+            </a:r>
+            <a:r>
+              <a:rPr lang="en-US" dirty="0"/>
+              <a:t> pro </a:t>
+            </a:r>
+            <a:r>
+              <a:rPr lang="en-US" dirty="0" err="1"/>
+              <a:t>blbce</a:t>
+            </a:r>
+            <a:r>
+              <a:rPr lang="en-US" dirty="0"/>
+              <a:t> </a:t>
+            </a:r>
+            <a:endParaRPr lang="cs-CZ" dirty="0"/>
           </a:p>
         </p:txBody>
       </p:sp>
@@ -4824,7 +5121,7 @@
           <p:cNvPr id="3" name="Content Placeholder 2">
             <a:extLst>
               <a:ext uri="{FF2B5EF4-FFF2-40B4-BE49-F238E27FC236}">
-                <a16:creationId xmlns:a16="http://schemas.microsoft.com/office/drawing/2014/main" id="{8C32C704-5FAD-2D44-AC2C-AEBF2B99190A}"/>
+                <a16:creationId xmlns:a16="http://schemas.microsoft.com/office/drawing/2014/main" id="{32CA6B19-B368-6BD6-4C84-5CBDD1449C4D}"/>
               </a:ext>
             </a:extLst>
           </p:cNvPr>
@@ -4840,32 +5137,99 @@
           <a:bodyPr/>
           <a:lstStyle/>
           <a:p>
-            <a:pPr marL="342900" indent="-342900">
-              <a:buFont typeface="Arial" panose="020B0604020202020204" pitchFamily="34" charset="0"/>
-              <a:buChar char="•"/>
-            </a:pPr>
-            <a:r>
-              <a:rPr lang="cs-CZ" dirty="0">
-                <a:latin typeface="+mj-lt"/>
-              </a:rPr>
-              <a:t>Vytvoření grafického uživatelské prostředí a ovládacího softwaru pro ovládání pneumatické soustavy o 5 na sobě nezávislých pneumatických svalech</a:t>
-            </a:r>
-          </a:p>
-          <a:p>
-            <a:pPr marL="342900" indent="-342900">
-              <a:buFont typeface="Arial" panose="020B0604020202020204" pitchFamily="34" charset="0"/>
-              <a:buChar char="•"/>
-            </a:pPr>
-            <a:endParaRPr lang="cs-CZ" dirty="0">
-              <a:latin typeface="+mj-lt"/>
-            </a:endParaRPr>
+            <a:r>
+              <a:rPr lang="en-US" dirty="0" err="1"/>
+              <a:t>Proč</a:t>
+            </a:r>
+            <a:r>
+              <a:rPr lang="en-US" dirty="0"/>
+              <a:t> to </a:t>
+            </a:r>
+            <a:r>
+              <a:rPr lang="en-US" dirty="0" err="1"/>
+              <a:t>dělám</a:t>
+            </a:r>
+            <a:r>
+              <a:rPr lang="en-US" dirty="0"/>
+              <a:t> a co </a:t>
+            </a:r>
+            <a:r>
+              <a:rPr lang="en-US" dirty="0" err="1"/>
+              <a:t>bylo</a:t>
+            </a:r>
+            <a:r>
+              <a:rPr lang="en-US" dirty="0"/>
+              <a:t> </a:t>
+            </a:r>
+            <a:r>
+              <a:rPr lang="en-US" dirty="0" err="1"/>
+              <a:t>mím</a:t>
+            </a:r>
+            <a:r>
+              <a:rPr lang="en-US" dirty="0"/>
+              <a:t> </a:t>
+            </a:r>
+            <a:r>
+              <a:rPr lang="en-US" dirty="0" err="1"/>
+              <a:t>ukolem</a:t>
+            </a:r>
+            <a:br>
+              <a:rPr lang="en-US" dirty="0"/>
+            </a:br>
+            <a:r>
+              <a:rPr lang="en-US" dirty="0" err="1"/>
+              <a:t>ilustračí</a:t>
+            </a:r>
+            <a:r>
+              <a:rPr lang="en-US" dirty="0"/>
+              <a:t> </a:t>
+            </a:r>
+            <a:r>
+              <a:rPr lang="en-US" dirty="0" err="1"/>
+              <a:t>fotku</a:t>
+            </a:r>
+            <a:r>
+              <a:rPr lang="en-US" dirty="0"/>
+              <a:t> v </a:t>
+            </a:r>
+            <a:r>
+              <a:rPr lang="en-US" dirty="0" err="1"/>
+              <a:t>magnetické</a:t>
+            </a:r>
+            <a:r>
+              <a:rPr lang="en-US" dirty="0"/>
+              <a:t> </a:t>
+            </a:r>
+            <a:r>
+              <a:rPr lang="en-US" dirty="0" err="1"/>
+              <a:t>rezonanci</a:t>
+            </a:r>
+            <a:endParaRPr lang="en-US" dirty="0"/>
+          </a:p>
+          <a:p>
+            <a:endParaRPr lang="en-US" dirty="0"/>
+          </a:p>
+          <a:p>
+            <a:r>
+              <a:rPr lang="en-US" dirty="0" err="1"/>
+              <a:t>Formulace</a:t>
+            </a:r>
+            <a:r>
+              <a:rPr lang="en-US" dirty="0"/>
+              <a:t> </a:t>
+            </a:r>
+            <a:r>
+              <a:rPr lang="en-US" dirty="0" err="1"/>
+              <a:t>problému</a:t>
+            </a:r>
+            <a:endParaRPr lang="cs-CZ" dirty="0"/>
           </a:p>
         </p:txBody>
       </p:sp>
     </p:spTree>
     <p:extLst>
       <p:ext uri="{BB962C8B-B14F-4D97-AF65-F5344CB8AC3E}">
-        <p14:creationId xmlns:p14="http://schemas.microsoft.com/office/powerpoint/2010/main" val="686155309"/>
+        <p14:creationId xmlns:p14="http://schemas.microsoft.com/office/powerpoint/2010/main" val="3633852040"/>
       </p:ext>
     </p:extLst>
   </p:cSld>
@@ -4938,8 +5302,23 @@
         </p:nvSpPr>
         <p:spPr/>
         <p:txBody>
-          <a:bodyPr/>
-          <a:lstStyle/>
+          <a:bodyPr>
+            <a:normAutofit/>
+          </a:bodyPr>
+          <a:lstStyle/>
+          <a:p>
+            <a:r>
+              <a:rPr lang="cs-CZ" dirty="0">
+                <a:latin typeface="Arial" panose="020B0604020202020204" pitchFamily="34" charset="0"/>
+                <a:cs typeface="Arial" panose="020B0604020202020204" pitchFamily="34" charset="0"/>
+              </a:rPr>
+              <a:t>Vytvoření grafického uživatelské prostředí a ovládacího softwaru pro ovládání pneumatické soustavy o 5 na sobě nezávislých pneumatických svalech</a:t>
+            </a:r>
+            <a:endParaRPr lang="en-US" dirty="0">
+              <a:latin typeface="Arial" panose="020B0604020202020204" pitchFamily="34" charset="0"/>
+              <a:cs typeface="Arial" panose="020B0604020202020204" pitchFamily="34" charset="0"/>
+            </a:endParaRPr>
+          </a:p>
           <a:p>
             <a:pPr marL="342900" indent="-342900">
               <a:buFont typeface="Arial" panose="020B0604020202020204" pitchFamily="34" charset="0"/>
@@ -4956,7 +5335,10 @@
               <a:buChar char="•"/>
             </a:pPr>
             <a:r>
-              <a:rPr lang="cs-CZ" dirty="0"/>
+              <a:rPr lang="cs-CZ" dirty="0">
+                <a:latin typeface="Arial" panose="020B0604020202020204" pitchFamily="34" charset="0"/>
+                <a:cs typeface="Arial" panose="020B0604020202020204" pitchFamily="34" charset="0"/>
+              </a:rPr>
               <a:t>Navrhnutí a vytvoření možnosti uživatelských rolí</a:t>
             </a:r>
           </a:p>
@@ -4966,8 +5348,15 @@
               <a:buChar char="•"/>
             </a:pPr>
             <a:r>
+              <a:rPr lang="cs-CZ" dirty="0">
+                <a:latin typeface="Arial" panose="020B0604020202020204" pitchFamily="34" charset="0"/>
+                <a:cs typeface="Arial" panose="020B0604020202020204" pitchFamily="34" charset="0"/>
+              </a:rPr>
+              <a:t>Vytvoření metody pro </a:t>
+            </a:r>
+            <a:r>
               <a:rPr lang="cs-CZ" dirty="0"/>
-              <a:t>Vytvoření metody pro ovládání jednotlivých svalů</a:t>
+              <a:t>ovládání jednotlivých svalů</a:t>
             </a:r>
           </a:p>
           <a:p>
@@ -5212,7 +5601,7 @@
           </p:nvPr>
         </p:nvPicPr>
         <p:blipFill rotWithShape="1">
-          <a:blip r:embed="rId3" cstate="print">
+          <a:blip r:embed="rId4" cstate="print">
             <a:extLst>
               <a:ext uri="{28A0092B-C50C-407E-A947-70E740481C1C}">
                 <a14:useLocalDpi xmlns:a14="http://schemas.microsoft.com/office/drawing/2010/main" val="0"/>
@@ -5240,6 +5629,11 @@
   <p:clrMapOvr>
     <a:masterClrMapping/>
   </p:clrMapOvr>
+  <p:extLst>
+    <p:ext uri="{6950BFC3-D8DA-4A85-94F7-54DA5524770B}">
+      <p188:commentRel xmlns:p188="http://schemas.microsoft.com/office/powerpoint/2018/8/main" r:id="rId3"/>
+    </p:ext>
+  </p:extLst>
 </p:sld>
 </file>
 

--- a/Obhajoba_darsamar.pptx
+++ b/Obhajoba_darsamar.pptx
@@ -11,11 +11,11 @@
     <p:sldId id="256" r:id="rId2"/>
     <p:sldId id="257" r:id="rId3"/>
     <p:sldId id="280" r:id="rId4"/>
-    <p:sldId id="259" r:id="rId5"/>
-    <p:sldId id="260" r:id="rId6"/>
-    <p:sldId id="275" r:id="rId7"/>
-    <p:sldId id="261" r:id="rId8"/>
-    <p:sldId id="278" r:id="rId9"/>
+    <p:sldId id="260" r:id="rId5"/>
+    <p:sldId id="275" r:id="rId6"/>
+    <p:sldId id="261" r:id="rId7"/>
+    <p:sldId id="278" r:id="rId8"/>
+    <p:sldId id="259" r:id="rId9"/>
     <p:sldId id="273" r:id="rId10"/>
     <p:sldId id="262" r:id="rId11"/>
     <p:sldId id="263" r:id="rId12"/>
@@ -1603,8 +1603,9 @@
           <a:p>
             <a:r>
               <a:rPr lang="en-US" dirty="0"/>
-              <a:t>1:15-2</a:t>
-            </a:r>
+              <a:t>2-3:35</a:t>
+            </a:r>
+            <a:endParaRPr lang="cs-CZ" dirty="0"/>
           </a:p>
         </p:txBody>
       </p:sp>
@@ -1634,7 +1635,7 @@
     </p:spTree>
     <p:extLst>
       <p:ext uri="{BB962C8B-B14F-4D97-AF65-F5344CB8AC3E}">
-        <p14:creationId xmlns:p14="http://schemas.microsoft.com/office/powerpoint/2010/main" val="2428535078"/>
+        <p14:creationId xmlns:p14="http://schemas.microsoft.com/office/powerpoint/2010/main" val="680251953"/>
       </p:ext>
     </p:extLst>
   </p:cSld>
@@ -1663,7 +1664,7 @@
       </p:grpSpPr>
       <p:sp>
         <p:nvSpPr>
-          <p:cNvPr id="2" name="Slide Image Placeholder 1"/>
+          <p:cNvPr id="2" name="Zástupný symbol pro obrázek snímku 1"/>
           <p:cNvSpPr>
             <a:spLocks noGrp="1" noRot="1" noChangeAspect="1"/>
           </p:cNvSpPr>
@@ -1675,7 +1676,7 @@
       </p:sp>
       <p:sp>
         <p:nvSpPr>
-          <p:cNvPr id="3" name="Notes Placeholder 2"/>
+          <p:cNvPr id="3" name="Zástupný symbol pro poznámky 2"/>
           <p:cNvSpPr>
             <a:spLocks noGrp="1"/>
           </p:cNvSpPr>
@@ -1690,7 +1691,7 @@
           <a:p>
             <a:r>
               <a:rPr lang="en-US" dirty="0"/>
-              <a:t>2-3:35</a:t>
+              <a:t>3:35-4</a:t>
             </a:r>
             <a:endParaRPr lang="cs-CZ" dirty="0"/>
           </a:p>
@@ -1698,7 +1699,7 @@
       </p:sp>
       <p:sp>
         <p:nvSpPr>
-          <p:cNvPr id="4" name="Slide Number Placeholder 3"/>
+          <p:cNvPr id="4" name="Zástupný symbol pro číslo snímku 3"/>
           <p:cNvSpPr>
             <a:spLocks noGrp="1"/>
           </p:cNvSpPr>
@@ -1722,7 +1723,7 @@
     </p:spTree>
     <p:extLst>
       <p:ext uri="{BB962C8B-B14F-4D97-AF65-F5344CB8AC3E}">
-        <p14:creationId xmlns:p14="http://schemas.microsoft.com/office/powerpoint/2010/main" val="680251953"/>
+        <p14:creationId xmlns:p14="http://schemas.microsoft.com/office/powerpoint/2010/main" val="1769940720"/>
       </p:ext>
     </p:extLst>
   </p:cSld>
@@ -1778,7 +1779,7 @@
           <a:p>
             <a:r>
               <a:rPr lang="en-US" dirty="0"/>
-              <a:t>3:35-4</a:t>
+              <a:t>4-4:35</a:t>
             </a:r>
             <a:endParaRPr lang="cs-CZ" dirty="0"/>
           </a:p>
@@ -1810,7 +1811,7 @@
     </p:spTree>
     <p:extLst>
       <p:ext uri="{BB962C8B-B14F-4D97-AF65-F5344CB8AC3E}">
-        <p14:creationId xmlns:p14="http://schemas.microsoft.com/office/powerpoint/2010/main" val="1769940720"/>
+        <p14:creationId xmlns:p14="http://schemas.microsoft.com/office/powerpoint/2010/main" val="847277903"/>
       </p:ext>
     </p:extLst>
   </p:cSld>
@@ -1839,7 +1840,7 @@
       </p:grpSpPr>
       <p:sp>
         <p:nvSpPr>
-          <p:cNvPr id="2" name="Zástupný symbol pro obrázek snímku 1"/>
+          <p:cNvPr id="2" name="Slide Image Placeholder 1"/>
           <p:cNvSpPr>
             <a:spLocks noGrp="1" noRot="1" noChangeAspect="1"/>
           </p:cNvSpPr>
@@ -1851,7 +1852,7 @@
       </p:sp>
       <p:sp>
         <p:nvSpPr>
-          <p:cNvPr id="3" name="Zástupný symbol pro poznámky 2"/>
+          <p:cNvPr id="3" name="Notes Placeholder 2"/>
           <p:cNvSpPr>
             <a:spLocks noGrp="1"/>
           </p:cNvSpPr>
@@ -1866,15 +1867,14 @@
           <a:p>
             <a:r>
               <a:rPr lang="en-US" dirty="0"/>
-              <a:t>4-4:35</a:t>
-            </a:r>
-            <a:endParaRPr lang="cs-CZ" dirty="0"/>
-          </a:p>
-        </p:txBody>
-      </p:sp>
-      <p:sp>
-        <p:nvSpPr>
-          <p:cNvPr id="4" name="Zástupný symbol pro číslo snímku 3"/>
+              <a:t>1:15-2</a:t>
+            </a:r>
+          </a:p>
+        </p:txBody>
+      </p:sp>
+      <p:sp>
+        <p:nvSpPr>
+          <p:cNvPr id="4" name="Slide Number Placeholder 3"/>
           <p:cNvSpPr>
             <a:spLocks noGrp="1"/>
           </p:cNvSpPr>
@@ -1889,7 +1889,7 @@
           <a:p>
             <a:fld id="{40499985-F144-4F30-9B65-93EDEC442801}" type="slidenum">
               <a:rPr lang="cs-CZ" smtClean="0"/>
-              <a:t>7</a:t>
+              <a:t>8</a:t>
             </a:fld>
             <a:endParaRPr lang="cs-CZ"/>
           </a:p>
@@ -1898,7 +1898,7 @@
     </p:spTree>
     <p:extLst>
       <p:ext uri="{BB962C8B-B14F-4D97-AF65-F5344CB8AC3E}">
-        <p14:creationId xmlns:p14="http://schemas.microsoft.com/office/powerpoint/2010/main" val="847277903"/>
+        <p14:creationId xmlns:p14="http://schemas.microsoft.com/office/powerpoint/2010/main" val="2428535078"/>
       </p:ext>
     </p:extLst>
   </p:cSld>
@@ -2164,7 +2164,7 @@
 </file>
 
 <file path=ppt/slideLayouts/slideLayout1.xml><?xml version="1.0" encoding="utf-8"?>
-<p:sldLayout xmlns:a="http://schemas.openxmlformats.org/drawingml/2006/main" xmlns:r="http://schemas.openxmlformats.org/officeDocument/2006/relationships" xmlns:p="http://schemas.openxmlformats.org/presentationml/2006/main" type="title" preserve="1">
+<p:sldLayout xmlns:a="http://schemas.openxmlformats.org/drawingml/2006/main" xmlns:r="http://schemas.openxmlformats.org/officeDocument/2006/relationships" xmlns:p="http://schemas.openxmlformats.org/presentationml/2006/main" preserve="1" userDrawn="1">
   <p:cSld name="Úvodní snímek">
     <p:spTree>
       <p:nvGrpSpPr>
@@ -2372,6 +2372,68 @@
           </a:prstGeom>
         </p:spPr>
       </p:pic>
+      <p:sp>
+        <p:nvSpPr>
+          <p:cNvPr id="7" name="Zástupný obsah 6">
+            <a:extLst>
+              <a:ext uri="{FF2B5EF4-FFF2-40B4-BE49-F238E27FC236}">
+                <a16:creationId xmlns:a16="http://schemas.microsoft.com/office/drawing/2014/main" id="{576CE458-B900-9805-0666-995AD2F99B3C}"/>
+              </a:ext>
+            </a:extLst>
+          </p:cNvPr>
+          <p:cNvSpPr>
+            <a:spLocks noGrp="1"/>
+          </p:cNvSpPr>
+          <p:nvPr>
+            <p:ph sz="quarter" idx="10"/>
+          </p:nvPr>
+        </p:nvSpPr>
+        <p:spPr>
+          <a:xfrm>
+            <a:off x="1162050" y="871538"/>
+            <a:ext cx="914400" cy="914400"/>
+          </a:xfrm>
+        </p:spPr>
+        <p:txBody>
+          <a:bodyPr/>
+          <a:lstStyle/>
+          <a:p>
+            <a:pPr lvl="0"/>
+            <a:r>
+              <a:rPr lang="cs-CZ"/>
+              <a:t>Po kliknutí můžete upravovat styly textu v předloze.</a:t>
+            </a:r>
+          </a:p>
+          <a:p>
+            <a:pPr lvl="1"/>
+            <a:r>
+              <a:rPr lang="cs-CZ"/>
+              <a:t>Druhá úroveň</a:t>
+            </a:r>
+          </a:p>
+          <a:p>
+            <a:pPr lvl="2"/>
+            <a:r>
+              <a:rPr lang="cs-CZ"/>
+              <a:t>Třetí úroveň</a:t>
+            </a:r>
+          </a:p>
+          <a:p>
+            <a:pPr lvl="3"/>
+            <a:r>
+              <a:rPr lang="cs-CZ"/>
+              <a:t>Čtvrtá úroveň</a:t>
+            </a:r>
+          </a:p>
+          <a:p>
+            <a:pPr lvl="4"/>
+            <a:r>
+              <a:rPr lang="cs-CZ"/>
+              <a:t>Pátá úroveň</a:t>
+            </a:r>
+          </a:p>
+        </p:txBody>
+      </p:sp>
     </p:spTree>
     <p:extLst>
       <p:ext uri="{BB962C8B-B14F-4D97-AF65-F5344CB8AC3E}">
@@ -5261,176 +5323,6 @@
           <p:cNvPr id="2" name="Title 1">
             <a:extLst>
               <a:ext uri="{FF2B5EF4-FFF2-40B4-BE49-F238E27FC236}">
-                <a16:creationId xmlns:a16="http://schemas.microsoft.com/office/drawing/2014/main" id="{826AAF16-634E-35F5-9B4E-8EFF4E325D95}"/>
-              </a:ext>
-            </a:extLst>
-          </p:cNvPr>
-          <p:cNvSpPr>
-            <a:spLocks noGrp="1"/>
-          </p:cNvSpPr>
-          <p:nvPr>
-            <p:ph type="title"/>
-          </p:nvPr>
-        </p:nvSpPr>
-        <p:spPr/>
-        <p:txBody>
-          <a:bodyPr/>
-          <a:lstStyle/>
-          <a:p>
-            <a:r>
-              <a:rPr lang="cs-CZ" dirty="0"/>
-              <a:t>Cíle práce</a:t>
-            </a:r>
-          </a:p>
-        </p:txBody>
-      </p:sp>
-      <p:sp>
-        <p:nvSpPr>
-          <p:cNvPr id="3" name="Content Placeholder 2">
-            <a:extLst>
-              <a:ext uri="{FF2B5EF4-FFF2-40B4-BE49-F238E27FC236}">
-                <a16:creationId xmlns:a16="http://schemas.microsoft.com/office/drawing/2014/main" id="{7C44242F-6F90-42C8-13B0-E82D188922C2}"/>
-              </a:ext>
-            </a:extLst>
-          </p:cNvPr>
-          <p:cNvSpPr>
-            <a:spLocks noGrp="1"/>
-          </p:cNvSpPr>
-          <p:nvPr>
-            <p:ph idx="1"/>
-          </p:nvPr>
-        </p:nvSpPr>
-        <p:spPr/>
-        <p:txBody>
-          <a:bodyPr>
-            <a:normAutofit/>
-          </a:bodyPr>
-          <a:lstStyle/>
-          <a:p>
-            <a:r>
-              <a:rPr lang="cs-CZ" dirty="0">
-                <a:latin typeface="Arial" panose="020B0604020202020204" pitchFamily="34" charset="0"/>
-                <a:cs typeface="Arial" panose="020B0604020202020204" pitchFamily="34" charset="0"/>
-              </a:rPr>
-              <a:t>Vytvoření grafického uživatelské prostředí a ovládacího softwaru pro ovládání pneumatické soustavy o 5 na sobě nezávislých pneumatických svalech</a:t>
-            </a:r>
-            <a:endParaRPr lang="en-US" dirty="0">
-              <a:latin typeface="Arial" panose="020B0604020202020204" pitchFamily="34" charset="0"/>
-              <a:cs typeface="Arial" panose="020B0604020202020204" pitchFamily="34" charset="0"/>
-            </a:endParaRPr>
-          </a:p>
-          <a:p>
-            <a:pPr marL="342900" indent="-342900">
-              <a:buFont typeface="Arial" panose="020B0604020202020204" pitchFamily="34" charset="0"/>
-              <a:buChar char="•"/>
-            </a:pPr>
-            <a:r>
-              <a:rPr lang="cs-CZ" dirty="0"/>
-              <a:t>Vytvoření GUI</a:t>
-            </a:r>
-          </a:p>
-          <a:p>
-            <a:pPr marL="342900" indent="-342900">
-              <a:buFont typeface="Arial" panose="020B0604020202020204" pitchFamily="34" charset="0"/>
-              <a:buChar char="•"/>
-            </a:pPr>
-            <a:r>
-              <a:rPr lang="cs-CZ" dirty="0">
-                <a:latin typeface="Arial" panose="020B0604020202020204" pitchFamily="34" charset="0"/>
-                <a:cs typeface="Arial" panose="020B0604020202020204" pitchFamily="34" charset="0"/>
-              </a:rPr>
-              <a:t>Navrhnutí a vytvoření možnosti uživatelských rolí</a:t>
-            </a:r>
-          </a:p>
-          <a:p>
-            <a:pPr marL="342900" indent="-342900">
-              <a:buFont typeface="Arial" panose="020B0604020202020204" pitchFamily="34" charset="0"/>
-              <a:buChar char="•"/>
-            </a:pPr>
-            <a:r>
-              <a:rPr lang="cs-CZ" dirty="0">
-                <a:latin typeface="Arial" panose="020B0604020202020204" pitchFamily="34" charset="0"/>
-                <a:cs typeface="Arial" panose="020B0604020202020204" pitchFamily="34" charset="0"/>
-              </a:rPr>
-              <a:t>Vytvoření metody pro </a:t>
-            </a:r>
-            <a:r>
-              <a:rPr lang="cs-CZ" dirty="0"/>
-              <a:t>ovládání jednotlivých svalů</a:t>
-            </a:r>
-          </a:p>
-          <a:p>
-            <a:pPr marL="342900" indent="-342900">
-              <a:buFont typeface="Arial" panose="020B0604020202020204" pitchFamily="34" charset="0"/>
-              <a:buChar char="•"/>
-            </a:pPr>
-            <a:r>
-              <a:rPr lang="cs-CZ" dirty="0"/>
-              <a:t>Možnost provést měření na svalu a </a:t>
-            </a:r>
-            <a:r>
-              <a:rPr lang="cs-CZ" dirty="0" err="1"/>
-              <a:t>dale</a:t>
-            </a:r>
-            <a:r>
-              <a:rPr lang="cs-CZ" dirty="0"/>
-              <a:t> s tímto měřením pracovat</a:t>
-            </a:r>
-          </a:p>
-          <a:p>
-            <a:pPr marL="342900" indent="-342900">
-              <a:buFont typeface="Arial" panose="020B0604020202020204" pitchFamily="34" charset="0"/>
-              <a:buChar char="•"/>
-            </a:pPr>
-            <a:r>
-              <a:rPr lang="cs-CZ" dirty="0"/>
-              <a:t>Možnost nastavit pro každý sval různé parametry a tyto parametry mít možnost měnit</a:t>
-            </a:r>
-          </a:p>
-          <a:p>
-            <a:pPr marL="342900" indent="-342900">
-              <a:buFont typeface="Arial" panose="020B0604020202020204" pitchFamily="34" charset="0"/>
-              <a:buChar char="•"/>
-            </a:pPr>
-            <a:endParaRPr lang="cs-CZ" dirty="0"/>
-          </a:p>
-        </p:txBody>
-      </p:sp>
-    </p:spTree>
-    <p:extLst>
-      <p:ext uri="{BB962C8B-B14F-4D97-AF65-F5344CB8AC3E}">
-        <p14:creationId xmlns:p14="http://schemas.microsoft.com/office/powerpoint/2010/main" val="1585014009"/>
-      </p:ext>
-    </p:extLst>
-  </p:cSld>
-  <p:clrMapOvr>
-    <a:masterClrMapping/>
-  </p:clrMapOvr>
-</p:sld>
-</file>
-
-<file path=ppt/slides/slide5.xml><?xml version="1.0" encoding="utf-8"?>
-<p:sld xmlns:a="http://schemas.openxmlformats.org/drawingml/2006/main" xmlns:r="http://schemas.openxmlformats.org/officeDocument/2006/relationships" xmlns:p="http://schemas.openxmlformats.org/presentationml/2006/main">
-  <p:cSld>
-    <p:spTree>
-      <p:nvGrpSpPr>
-        <p:cNvPr id="1" name=""/>
-        <p:cNvGrpSpPr/>
-        <p:nvPr/>
-      </p:nvGrpSpPr>
-      <p:grpSpPr>
-        <a:xfrm>
-          <a:off x="0" y="0"/>
-          <a:ext cx="0" cy="0"/>
-          <a:chOff x="0" y="0"/>
-          <a:chExt cx="0" cy="0"/>
-        </a:xfrm>
-      </p:grpSpPr>
-      <p:sp>
-        <p:nvSpPr>
-          <p:cNvPr id="2" name="Title 1">
-            <a:extLst>
-              <a:ext uri="{FF2B5EF4-FFF2-40B4-BE49-F238E27FC236}">
                 <a16:creationId xmlns:a16="http://schemas.microsoft.com/office/drawing/2014/main" id="{66BBB0E2-70FA-6ACF-6A82-59516E1FD5A3}"/>
               </a:ext>
             </a:extLst>
@@ -5567,7 +5459,7 @@
 </p:sld>
 </file>
 
-<file path=ppt/slides/slide6.xml><?xml version="1.0" encoding="utf-8"?>
+<file path=ppt/slides/slide5.xml><?xml version="1.0" encoding="utf-8"?>
 <p:sld xmlns:a="http://schemas.openxmlformats.org/drawingml/2006/main" xmlns:r="http://schemas.openxmlformats.org/officeDocument/2006/relationships" xmlns:p="http://schemas.openxmlformats.org/presentationml/2006/main">
   <p:cSld>
     <p:spTree>
@@ -5637,7 +5529,7 @@
 </p:sld>
 </file>
 
-<file path=ppt/slides/slide7.xml><?xml version="1.0" encoding="utf-8"?>
+<file path=ppt/slides/slide6.xml><?xml version="1.0" encoding="utf-8"?>
 <p:sld xmlns:a="http://schemas.openxmlformats.org/drawingml/2006/main" xmlns:r="http://schemas.openxmlformats.org/officeDocument/2006/relationships" xmlns:p="http://schemas.openxmlformats.org/presentationml/2006/main">
   <p:cSld>
     <p:spTree>
@@ -5719,8 +5611,13 @@
             </a:pPr>
             <a:r>
               <a:rPr lang="cs-CZ" dirty="0"/>
-              <a:t>Odlévá se ze silikonu</a:t>
-            </a:r>
+              <a:t>Odlévá se ze </a:t>
+            </a:r>
+            <a:r>
+              <a:rPr lang="cs-CZ" sz="1600" dirty="0"/>
+              <a:t>silikonu</a:t>
+            </a:r>
+            <a:endParaRPr lang="cs-CZ" dirty="0"/>
           </a:p>
         </p:txBody>
       </p:sp>
@@ -5737,7 +5634,7 @@
 </p:sld>
 </file>
 
-<file path=ppt/slides/slide8.xml><?xml version="1.0" encoding="utf-8"?>
+<file path=ppt/slides/slide7.xml><?xml version="1.0" encoding="utf-8"?>
 <p:sld xmlns:a="http://schemas.openxmlformats.org/drawingml/2006/main" xmlns:r="http://schemas.openxmlformats.org/officeDocument/2006/relationships" xmlns:p="http://schemas.openxmlformats.org/presentationml/2006/main">
   <p:cSld>
     <p:spTree>
@@ -5829,6 +5726,176 @@
     <p:extLst>
       <p:ext uri="{BB962C8B-B14F-4D97-AF65-F5344CB8AC3E}">
         <p14:creationId xmlns:p14="http://schemas.microsoft.com/office/powerpoint/2010/main" val="2480114131"/>
+      </p:ext>
+    </p:extLst>
+  </p:cSld>
+  <p:clrMapOvr>
+    <a:masterClrMapping/>
+  </p:clrMapOvr>
+</p:sld>
+</file>
+
+<file path=ppt/slides/slide8.xml><?xml version="1.0" encoding="utf-8"?>
+<p:sld xmlns:a="http://schemas.openxmlformats.org/drawingml/2006/main" xmlns:r="http://schemas.openxmlformats.org/officeDocument/2006/relationships" xmlns:p="http://schemas.openxmlformats.org/presentationml/2006/main">
+  <p:cSld>
+    <p:spTree>
+      <p:nvGrpSpPr>
+        <p:cNvPr id="1" name=""/>
+        <p:cNvGrpSpPr/>
+        <p:nvPr/>
+      </p:nvGrpSpPr>
+      <p:grpSpPr>
+        <a:xfrm>
+          <a:off x="0" y="0"/>
+          <a:ext cx="0" cy="0"/>
+          <a:chOff x="0" y="0"/>
+          <a:chExt cx="0" cy="0"/>
+        </a:xfrm>
+      </p:grpSpPr>
+      <p:sp>
+        <p:nvSpPr>
+          <p:cNvPr id="2" name="Title 1">
+            <a:extLst>
+              <a:ext uri="{FF2B5EF4-FFF2-40B4-BE49-F238E27FC236}">
+                <a16:creationId xmlns:a16="http://schemas.microsoft.com/office/drawing/2014/main" id="{826AAF16-634E-35F5-9B4E-8EFF4E325D95}"/>
+              </a:ext>
+            </a:extLst>
+          </p:cNvPr>
+          <p:cNvSpPr>
+            <a:spLocks noGrp="1"/>
+          </p:cNvSpPr>
+          <p:nvPr>
+            <p:ph type="title"/>
+          </p:nvPr>
+        </p:nvSpPr>
+        <p:spPr/>
+        <p:txBody>
+          <a:bodyPr/>
+          <a:lstStyle/>
+          <a:p>
+            <a:r>
+              <a:rPr lang="cs-CZ" dirty="0"/>
+              <a:t>Cíle práce</a:t>
+            </a:r>
+          </a:p>
+        </p:txBody>
+      </p:sp>
+      <p:sp>
+        <p:nvSpPr>
+          <p:cNvPr id="3" name="Content Placeholder 2">
+            <a:extLst>
+              <a:ext uri="{FF2B5EF4-FFF2-40B4-BE49-F238E27FC236}">
+                <a16:creationId xmlns:a16="http://schemas.microsoft.com/office/drawing/2014/main" id="{7C44242F-6F90-42C8-13B0-E82D188922C2}"/>
+              </a:ext>
+            </a:extLst>
+          </p:cNvPr>
+          <p:cNvSpPr>
+            <a:spLocks noGrp="1"/>
+          </p:cNvSpPr>
+          <p:nvPr>
+            <p:ph idx="1"/>
+          </p:nvPr>
+        </p:nvSpPr>
+        <p:spPr/>
+        <p:txBody>
+          <a:bodyPr>
+            <a:normAutofit/>
+          </a:bodyPr>
+          <a:lstStyle/>
+          <a:p>
+            <a:r>
+              <a:rPr lang="cs-CZ" dirty="0">
+                <a:latin typeface="Arial" panose="020B0604020202020204" pitchFamily="34" charset="0"/>
+                <a:cs typeface="Arial" panose="020B0604020202020204" pitchFamily="34" charset="0"/>
+              </a:rPr>
+              <a:t>Vytvoření grafického uživatelské prostředí a ovládacího softwaru pro ovládání pneumatické soustavy o 5 na sobě nezávislých pneumatických svalech</a:t>
+            </a:r>
+            <a:endParaRPr lang="en-US" dirty="0">
+              <a:latin typeface="Arial" panose="020B0604020202020204" pitchFamily="34" charset="0"/>
+              <a:cs typeface="Arial" panose="020B0604020202020204" pitchFamily="34" charset="0"/>
+            </a:endParaRPr>
+          </a:p>
+          <a:p>
+            <a:pPr marL="342900" indent="-342900">
+              <a:buFont typeface="Arial" panose="020B0604020202020204" pitchFamily="34" charset="0"/>
+              <a:buChar char="•"/>
+            </a:pPr>
+            <a:r>
+              <a:rPr lang="cs-CZ" dirty="0"/>
+              <a:t>Vytvoření GUI</a:t>
+            </a:r>
+          </a:p>
+          <a:p>
+            <a:pPr marL="342900" indent="-342900">
+              <a:buFont typeface="Arial" panose="020B0604020202020204" pitchFamily="34" charset="0"/>
+              <a:buChar char="•"/>
+            </a:pPr>
+            <a:r>
+              <a:rPr lang="cs-CZ" dirty="0">
+                <a:latin typeface="Arial" panose="020B0604020202020204" pitchFamily="34" charset="0"/>
+                <a:cs typeface="Arial" panose="020B0604020202020204" pitchFamily="34" charset="0"/>
+              </a:rPr>
+              <a:t>Navrhnutí a vytvoření možnosti uživatelských rolí</a:t>
+            </a:r>
+          </a:p>
+          <a:p>
+            <a:pPr marL="342900" indent="-342900">
+              <a:buFont typeface="Arial" panose="020B0604020202020204" pitchFamily="34" charset="0"/>
+              <a:buChar char="•"/>
+            </a:pPr>
+            <a:r>
+              <a:rPr lang="cs-CZ" dirty="0">
+                <a:latin typeface="Arial" panose="020B0604020202020204" pitchFamily="34" charset="0"/>
+                <a:cs typeface="Arial" panose="020B0604020202020204" pitchFamily="34" charset="0"/>
+              </a:rPr>
+              <a:t>Vytvoření metody pro </a:t>
+            </a:r>
+            <a:r>
+              <a:rPr lang="cs-CZ" dirty="0"/>
+              <a:t>ovládání jednotlivých svalů</a:t>
+            </a:r>
+          </a:p>
+          <a:p>
+            <a:pPr marL="342900" indent="-342900">
+              <a:buFont typeface="Arial" panose="020B0604020202020204" pitchFamily="34" charset="0"/>
+              <a:buChar char="•"/>
+            </a:pPr>
+            <a:r>
+              <a:rPr lang="cs-CZ" dirty="0"/>
+              <a:t>Možnost provést měření na svalu a </a:t>
+            </a:r>
+            <a:r>
+              <a:rPr lang="cs-CZ" dirty="0" err="1"/>
+              <a:t>dale</a:t>
+            </a:r>
+            <a:r>
+              <a:rPr lang="cs-CZ" dirty="0"/>
+              <a:t> s tímto měřením pracovat</a:t>
+            </a:r>
+          </a:p>
+          <a:p>
+            <a:pPr marL="342900" indent="-342900">
+              <a:buFont typeface="Arial" panose="020B0604020202020204" pitchFamily="34" charset="0"/>
+              <a:buChar char="•"/>
+            </a:pPr>
+            <a:r>
+              <a:rPr lang="cs-CZ" dirty="0"/>
+              <a:t>Možnost nastavit pro každý sval různé parametry a tyto parametry mít možnost měnit</a:t>
+            </a:r>
+          </a:p>
+          <a:p>
+            <a:pPr marL="342900" indent="-342900">
+              <a:buFont typeface="Arial" panose="020B0604020202020204" pitchFamily="34" charset="0"/>
+              <a:buChar char="•"/>
+            </a:pPr>
+            <a:endParaRPr lang="cs-CZ" dirty="0"/>
+          </a:p>
+        </p:txBody>
+      </p:sp>
+    </p:spTree>
+    <p:extLst>
+      <p:ext uri="{BB962C8B-B14F-4D97-AF65-F5344CB8AC3E}">
+        <p14:creationId xmlns:p14="http://schemas.microsoft.com/office/powerpoint/2010/main" val="1585014009"/>
       </p:ext>
     </p:extLst>
   </p:cSld>
